--- a/illustrations/illustrations.pptx
+++ b/illustrations/illustrations.pptx
@@ -5,12 +5,13 @@
     <p:sldMasterId id="2147483648" r:id="rId1"/>
   </p:sldMasterIdLst>
   <p:notesMasterIdLst>
-    <p:notesMasterId r:id="rId5"/>
+    <p:notesMasterId r:id="rId6"/>
   </p:notesMasterIdLst>
   <p:sldIdLst>
     <p:sldId id="574" r:id="rId2"/>
     <p:sldId id="575" r:id="rId3"/>
     <p:sldId id="576" r:id="rId4"/>
+    <p:sldId id="577" r:id="rId5"/>
   </p:sldIdLst>
   <p:sldSz cx="9144000" cy="6858000" type="screen4x3"/>
   <p:notesSz cx="6858000" cy="9144000"/>
@@ -232,7 +233,7 @@
             <a:fld id="{1C54B592-DDDB-4FBB-91F2-233647701935}" type="datetimeFigureOut">
               <a:rPr lang="en-US" smtClean="0"/>
               <a:pPr/>
-              <a:t>11/19/2015</a:t>
+              <a:t>11/21/2015</a:t>
             </a:fld>
             <a:endParaRPr lang="en-US" dirty="0"/>
           </a:p>
@@ -790,7 +791,7 @@
           <a:p>
             <a:fld id="{C7AE018C-EBF3-4294-9E53-BB9692A1B238}" type="datetime1">
               <a:rPr lang="en-US" smtClean="0"/>
-              <a:t>11/19/2015</a:t>
+              <a:t>11/21/2015</a:t>
             </a:fld>
             <a:endParaRPr lang="en-US" dirty="0"/>
           </a:p>
@@ -953,7 +954,7 @@
           <a:p>
             <a:fld id="{AC5D3C69-66A1-4D00-B513-42CC0FCC59B6}" type="datetime1">
               <a:rPr lang="en-US" smtClean="0"/>
-              <a:t>11/19/2015</a:t>
+              <a:t>11/21/2015</a:t>
             </a:fld>
             <a:endParaRPr lang="en-US" dirty="0"/>
           </a:p>
@@ -1056,7 +1057,7 @@
           <a:p>
             <a:fld id="{DF081C4C-367B-4CA1-BFE5-DD5EF40A8C1E}" type="datetime1">
               <a:rPr lang="en-US" smtClean="0"/>
-              <a:t>11/19/2015</a:t>
+              <a:t>11/21/2015</a:t>
             </a:fld>
             <a:endParaRPr lang="en-US" dirty="0"/>
           </a:p>
@@ -1346,7 +1347,7 @@
           <a:p>
             <a:fld id="{7284FD7A-D0F1-4BFD-9AB1-D45A3214561B}" type="datetime1">
               <a:rPr lang="en-US" smtClean="0"/>
-              <a:t>11/19/2015</a:t>
+              <a:t>11/21/2015</a:t>
             </a:fld>
             <a:endParaRPr lang="en-US" dirty="0"/>
           </a:p>
@@ -1643,7 +1644,7 @@
           <a:p>
             <a:fld id="{7C1E8470-7002-4B16-912E-F3381BBFC303}" type="datetime1">
               <a:rPr lang="en-US" smtClean="0"/>
-              <a:t>11/19/2015</a:t>
+              <a:t>11/21/2015</a:t>
             </a:fld>
             <a:endParaRPr lang="en-US" dirty="0"/>
           </a:p>
@@ -2074,7 +2075,7 @@
           <a:p>
             <a:fld id="{2668835A-C4A1-487E-A7B8-3E3B6A85266C}" type="datetime1">
               <a:rPr lang="en-US" smtClean="0"/>
-              <a:t>11/19/2015</a:t>
+              <a:t>11/21/2015</a:t>
             </a:fld>
             <a:endParaRPr lang="en-US" dirty="0"/>
           </a:p>
@@ -2170,7 +2171,7 @@
           <a:p>
             <a:fld id="{83E71AAB-E703-47FE-974E-9D2B932F9534}" type="datetime1">
               <a:rPr lang="en-US" smtClean="0"/>
-              <a:t>11/19/2015</a:t>
+              <a:t>11/21/2015</a:t>
             </a:fld>
             <a:endParaRPr lang="en-US" dirty="0"/>
           </a:p>
@@ -2356,7 +2357,7 @@
           <a:p>
             <a:fld id="{C6C74358-98AB-4C1A-82FF-49E7FEE02080}" type="datetime1">
               <a:rPr lang="en-US" smtClean="0"/>
-              <a:t>11/19/2015</a:t>
+              <a:t>11/21/2015</a:t>
             </a:fld>
             <a:endParaRPr lang="en-US" dirty="0"/>
           </a:p>
@@ -2844,10 +2845,6 @@
               </a:rPr>
               <a:t>Micros POS Server</a:t>
             </a:r>
-            <a:endParaRPr lang="en-US" dirty="0" smtClean="0">
-              <a:latin typeface="Segoe UI Light" panose="020B0502040204020203" pitchFamily="34" charset="0"/>
-              <a:cs typeface="Segoe UI Light" panose="020B0502040204020203" pitchFamily="34" charset="0"/>
-            </a:endParaRPr>
           </a:p>
           <a:p>
             <a:pPr algn="ctr"/>
@@ -2981,10 +2978,6 @@
               </a:rPr>
               <a:t>Cloud Server</a:t>
             </a:r>
-            <a:endParaRPr lang="en-US" dirty="0" smtClean="0">
-              <a:latin typeface="Segoe UI Light" panose="020B0502040204020203" pitchFamily="34" charset="0"/>
-              <a:cs typeface="Segoe UI Light" panose="020B0502040204020203" pitchFamily="34" charset="0"/>
-            </a:endParaRPr>
           </a:p>
           <a:p>
             <a:pPr algn="ctr"/>
@@ -3472,10 +3465,6 @@
               </a:rPr>
               <a:t>Cloud Server</a:t>
             </a:r>
-            <a:endParaRPr lang="en-US" dirty="0" smtClean="0">
-              <a:latin typeface="Segoe UI Light" panose="020B0502040204020203" pitchFamily="34" charset="0"/>
-              <a:cs typeface="Segoe UI Light" panose="020B0502040204020203" pitchFamily="34" charset="0"/>
-            </a:endParaRPr>
           </a:p>
           <a:p>
             <a:pPr algn="ctr"/>
@@ -3629,10 +3618,6 @@
               </a:rPr>
               <a:t>Logic App</a:t>
             </a:r>
-            <a:endParaRPr lang="en-US" dirty="0" smtClean="0">
-              <a:latin typeface="Segoe UI Light" panose="020B0502040204020203" pitchFamily="34" charset="0"/>
-              <a:cs typeface="Segoe UI Light" panose="020B0502040204020203" pitchFamily="34" charset="0"/>
-            </a:endParaRPr>
           </a:p>
           <a:p>
             <a:pPr algn="ctr"/>
@@ -3834,10 +3819,6 @@
               </a:rPr>
               <a:t>Cloud Server</a:t>
             </a:r>
-            <a:endParaRPr lang="en-US" dirty="0" smtClean="0">
-              <a:latin typeface="Segoe UI Light" panose="020B0502040204020203" pitchFamily="34" charset="0"/>
-              <a:cs typeface="Segoe UI Light" panose="020B0502040204020203" pitchFamily="34" charset="0"/>
-            </a:endParaRPr>
           </a:p>
           <a:p>
             <a:pPr algn="ctr"/>
@@ -3908,10 +3889,6 @@
               </a:rPr>
               <a:t>Logic App</a:t>
             </a:r>
-            <a:endParaRPr lang="en-US" dirty="0" smtClean="0">
-              <a:latin typeface="Segoe UI Light" panose="020B0502040204020203" pitchFamily="34" charset="0"/>
-              <a:cs typeface="Segoe UI Light" panose="020B0502040204020203" pitchFamily="34" charset="0"/>
-            </a:endParaRPr>
           </a:p>
           <a:p>
             <a:pPr algn="ctr"/>
@@ -3977,10 +3954,6 @@
               </a:rPr>
               <a:t>App API</a:t>
             </a:r>
-            <a:endParaRPr lang="en-US" dirty="0" smtClean="0">
-              <a:latin typeface="Segoe UI Light" panose="020B0502040204020203" pitchFamily="34" charset="0"/>
-              <a:cs typeface="Segoe UI Light" panose="020B0502040204020203" pitchFamily="34" charset="0"/>
-            </a:endParaRPr>
           </a:p>
           <a:p>
             <a:pPr algn="ctr"/>
@@ -4321,6 +4294,2485 @@
   <p:clrMapOvr>
     <a:masterClrMapping/>
   </p:clrMapOvr>
+</p:sld>
+</file>
+
+<file path=ppt/slides/slide4.xml><?xml version="1.0" encoding="utf-8"?>
+<p:sld xmlns:a="http://schemas.openxmlformats.org/drawingml/2006/main" xmlns:r="http://schemas.openxmlformats.org/officeDocument/2006/relationships" xmlns:p="http://schemas.openxmlformats.org/presentationml/2006/main">
+  <p:cSld>
+    <p:spTree>
+      <p:nvGrpSpPr>
+        <p:cNvPr id="1" name=""/>
+        <p:cNvGrpSpPr/>
+        <p:nvPr/>
+      </p:nvGrpSpPr>
+      <p:grpSpPr>
+        <a:xfrm>
+          <a:off x="0" y="0"/>
+          <a:ext cx="0" cy="0"/>
+          <a:chOff x="0" y="0"/>
+          <a:chExt cx="0" cy="0"/>
+        </a:xfrm>
+      </p:grpSpPr>
+      <p:sp>
+        <p:nvSpPr>
+          <p:cNvPr id="2" name="Slide Number Placeholder 1"/>
+          <p:cNvSpPr>
+            <a:spLocks noGrp="1"/>
+          </p:cNvSpPr>
+          <p:nvPr>
+            <p:ph type="sldNum" sz="quarter" idx="12"/>
+          </p:nvPr>
+        </p:nvSpPr>
+        <p:spPr>
+          <a:xfrm>
+            <a:off x="6553200" y="5822950"/>
+            <a:ext cx="2133600" cy="365125"/>
+          </a:xfrm>
+        </p:spPr>
+        <p:txBody>
+          <a:bodyPr/>
+          <a:lstStyle/>
+          <a:p>
+            <a:fld id="{7C65DD3B-8E90-4815-956E-D18D24CB454B}" type="slidenum">
+              <a:rPr lang="en-US" smtClean="0"/>
+              <a:pPr/>
+              <a:t>4</a:t>
+            </a:fld>
+            <a:endParaRPr lang="en-US" dirty="0"/>
+          </a:p>
+        </p:txBody>
+      </p:sp>
+      <p:sp>
+        <p:nvSpPr>
+          <p:cNvPr id="3" name="Rectangle 2"/>
+          <p:cNvSpPr/>
+          <p:nvPr/>
+        </p:nvSpPr>
+        <p:spPr>
+          <a:xfrm>
+            <a:off x="761999" y="3846249"/>
+            <a:ext cx="8129503" cy="2335419"/>
+          </a:xfrm>
+          <a:prstGeom prst="rect">
+            <a:avLst/>
+          </a:prstGeom>
+          <a:solidFill>
+            <a:schemeClr val="bg1">
+              <a:lumMod val="85000"/>
+            </a:schemeClr>
+          </a:solidFill>
+          <a:ln w="9525">
+            <a:solidFill>
+              <a:schemeClr val="bg1"/>
+            </a:solidFill>
+          </a:ln>
+        </p:spPr>
+        <p:style>
+          <a:lnRef idx="2">
+            <a:schemeClr val="accent1">
+              <a:shade val="50000"/>
+            </a:schemeClr>
+          </a:lnRef>
+          <a:fillRef idx="1">
+            <a:schemeClr val="accent1"/>
+          </a:fillRef>
+          <a:effectRef idx="0">
+            <a:schemeClr val="accent1"/>
+          </a:effectRef>
+          <a:fontRef idx="minor">
+            <a:schemeClr val="lt1"/>
+          </a:fontRef>
+        </p:style>
+        <p:txBody>
+          <a:bodyPr rtlCol="0" anchor="ctr"/>
+          <a:lstStyle/>
+          <a:p>
+            <a:pPr algn="ctr"/>
+            <a:endParaRPr lang="en-US"/>
+          </a:p>
+        </p:txBody>
+      </p:sp>
+      <p:sp>
+        <p:nvSpPr>
+          <p:cNvPr id="4" name="Rectangle 3"/>
+          <p:cNvSpPr/>
+          <p:nvPr/>
+        </p:nvSpPr>
+        <p:spPr>
+          <a:xfrm>
+            <a:off x="762000" y="1388634"/>
+            <a:ext cx="8129503" cy="2294606"/>
+          </a:xfrm>
+          <a:prstGeom prst="rect">
+            <a:avLst/>
+          </a:prstGeom>
+          <a:solidFill>
+            <a:schemeClr val="bg1">
+              <a:lumMod val="85000"/>
+            </a:schemeClr>
+          </a:solidFill>
+          <a:ln>
+            <a:solidFill>
+              <a:schemeClr val="bg1"/>
+            </a:solidFill>
+          </a:ln>
+        </p:spPr>
+        <p:style>
+          <a:lnRef idx="2">
+            <a:schemeClr val="accent1">
+              <a:shade val="50000"/>
+            </a:schemeClr>
+          </a:lnRef>
+          <a:fillRef idx="1">
+            <a:schemeClr val="accent1"/>
+          </a:fillRef>
+          <a:effectRef idx="0">
+            <a:schemeClr val="accent1"/>
+          </a:effectRef>
+          <a:fontRef idx="minor">
+            <a:schemeClr val="lt1"/>
+          </a:fontRef>
+        </p:style>
+        <p:txBody>
+          <a:bodyPr rtlCol="0" anchor="ctr"/>
+          <a:lstStyle/>
+          <a:p>
+            <a:pPr algn="ctr"/>
+            <a:endParaRPr lang="en-US"/>
+          </a:p>
+        </p:txBody>
+      </p:sp>
+      <p:sp>
+        <p:nvSpPr>
+          <p:cNvPr id="5" name="TextBox 4"/>
+          <p:cNvSpPr txBox="1"/>
+          <p:nvPr/>
+        </p:nvSpPr>
+        <p:spPr>
+          <a:xfrm>
+            <a:off x="2133600" y="533400"/>
+            <a:ext cx="1828800" cy="461665"/>
+          </a:xfrm>
+          <a:prstGeom prst="rect">
+            <a:avLst/>
+          </a:prstGeom>
+        </p:spPr>
+        <p:style>
+          <a:lnRef idx="3">
+            <a:schemeClr val="lt1"/>
+          </a:lnRef>
+          <a:fillRef idx="1">
+            <a:schemeClr val="accent1"/>
+          </a:fillRef>
+          <a:effectRef idx="1">
+            <a:schemeClr val="accent1"/>
+          </a:effectRef>
+          <a:fontRef idx="minor">
+            <a:schemeClr val="lt1"/>
+          </a:fontRef>
+        </p:style>
+        <p:txBody>
+          <a:bodyPr wrap="square" rtlCol="0">
+            <a:spAutoFit/>
+          </a:bodyPr>
+          <a:lstStyle/>
+          <a:p>
+            <a:pPr algn="ctr"/>
+            <a:r>
+              <a:rPr lang="en-US" sz="1400" dirty="0" smtClean="0">
+                <a:latin typeface="Segoe UI Light" panose="020B0502040204020203" pitchFamily="34" charset="0"/>
+                <a:cs typeface="Segoe UI Light" panose="020B0502040204020203" pitchFamily="34" charset="0"/>
+              </a:rPr>
+              <a:t>Logic App</a:t>
+            </a:r>
+            <a:endParaRPr lang="en-US" sz="1400" dirty="0" smtClean="0">
+              <a:latin typeface="Segoe UI Light" panose="020B0502040204020203" pitchFamily="34" charset="0"/>
+              <a:cs typeface="Segoe UI Light" panose="020B0502040204020203" pitchFamily="34" charset="0"/>
+            </a:endParaRPr>
+          </a:p>
+          <a:p>
+            <a:pPr algn="ctr"/>
+            <a:r>
+              <a:rPr lang="en-US" sz="1000" dirty="0" smtClean="0">
+                <a:latin typeface="Segoe UI Light" panose="020B0502040204020203" pitchFamily="34" charset="0"/>
+                <a:cs typeface="Segoe UI Light" panose="020B0502040204020203" pitchFamily="34" charset="0"/>
+              </a:rPr>
+              <a:t>Trigger Recipient</a:t>
+            </a:r>
+            <a:endParaRPr lang="en-US" sz="1000" dirty="0">
+              <a:latin typeface="Segoe UI Light" panose="020B0502040204020203" pitchFamily="34" charset="0"/>
+              <a:cs typeface="Segoe UI Light" panose="020B0502040204020203" pitchFamily="34" charset="0"/>
+            </a:endParaRPr>
+          </a:p>
+        </p:txBody>
+      </p:sp>
+      <p:sp>
+        <p:nvSpPr>
+          <p:cNvPr id="6" name="TextBox 5"/>
+          <p:cNvSpPr txBox="1"/>
+          <p:nvPr/>
+        </p:nvSpPr>
+        <p:spPr>
+          <a:xfrm>
+            <a:off x="4727375" y="533400"/>
+            <a:ext cx="1725728" cy="523220"/>
+          </a:xfrm>
+          <a:prstGeom prst="rect">
+            <a:avLst/>
+          </a:prstGeom>
+          <a:solidFill>
+            <a:schemeClr val="accent2"/>
+          </a:solidFill>
+        </p:spPr>
+        <p:style>
+          <a:lnRef idx="3">
+            <a:schemeClr val="lt1"/>
+          </a:lnRef>
+          <a:fillRef idx="1">
+            <a:schemeClr val="accent1"/>
+          </a:fillRef>
+          <a:effectRef idx="1">
+            <a:schemeClr val="accent1"/>
+          </a:effectRef>
+          <a:fontRef idx="minor">
+            <a:schemeClr val="lt1"/>
+          </a:fontRef>
+        </p:style>
+        <p:txBody>
+          <a:bodyPr wrap="square" rtlCol="0">
+            <a:spAutoFit/>
+          </a:bodyPr>
+          <a:lstStyle/>
+          <a:p>
+            <a:pPr algn="ctr"/>
+            <a:r>
+              <a:rPr lang="en-US" sz="1400" dirty="0" smtClean="0">
+                <a:latin typeface="Segoe UI Light" panose="020B0502040204020203" pitchFamily="34" charset="0"/>
+                <a:cs typeface="Segoe UI Light" panose="020B0502040204020203" pitchFamily="34" charset="0"/>
+              </a:rPr>
+              <a:t>API App</a:t>
+            </a:r>
+            <a:endParaRPr lang="en-US" sz="1400" dirty="0" smtClean="0">
+              <a:latin typeface="Segoe UI Light" panose="020B0502040204020203" pitchFamily="34" charset="0"/>
+              <a:cs typeface="Segoe UI Light" panose="020B0502040204020203" pitchFamily="34" charset="0"/>
+            </a:endParaRPr>
+          </a:p>
+          <a:p>
+            <a:pPr algn="ctr"/>
+            <a:r>
+              <a:rPr lang="en-US" sz="1400" dirty="0" smtClean="0">
+                <a:latin typeface="Segoe UI Light" panose="020B0502040204020203" pitchFamily="34" charset="0"/>
+                <a:cs typeface="Segoe UI Light" panose="020B0502040204020203" pitchFamily="34" charset="0"/>
+              </a:rPr>
+              <a:t> </a:t>
+            </a:r>
+            <a:r>
+              <a:rPr lang="en-US" sz="1000" dirty="0" smtClean="0">
+                <a:latin typeface="Segoe UI Light" panose="020B0502040204020203" pitchFamily="34" charset="0"/>
+                <a:cs typeface="Segoe UI Light" panose="020B0502040204020203" pitchFamily="34" charset="0"/>
+              </a:rPr>
+              <a:t>Trigger Manager</a:t>
+            </a:r>
+            <a:endParaRPr lang="en-US" sz="1000" dirty="0">
+              <a:latin typeface="Segoe UI Light" panose="020B0502040204020203" pitchFamily="34" charset="0"/>
+              <a:cs typeface="Segoe UI Light" panose="020B0502040204020203" pitchFamily="34" charset="0"/>
+            </a:endParaRPr>
+          </a:p>
+        </p:txBody>
+      </p:sp>
+      <p:sp>
+        <p:nvSpPr>
+          <p:cNvPr id="7" name="TextBox 6"/>
+          <p:cNvSpPr txBox="1"/>
+          <p:nvPr/>
+        </p:nvSpPr>
+        <p:spPr>
+          <a:xfrm>
+            <a:off x="7239000" y="632696"/>
+            <a:ext cx="1676400" cy="461665"/>
+          </a:xfrm>
+          <a:prstGeom prst="rect">
+            <a:avLst/>
+          </a:prstGeom>
+          <a:solidFill>
+            <a:schemeClr val="accent6"/>
+          </a:solidFill>
+        </p:spPr>
+        <p:style>
+          <a:lnRef idx="3">
+            <a:schemeClr val="lt1"/>
+          </a:lnRef>
+          <a:fillRef idx="1">
+            <a:schemeClr val="accent1"/>
+          </a:fillRef>
+          <a:effectRef idx="1">
+            <a:schemeClr val="accent1"/>
+          </a:effectRef>
+          <a:fontRef idx="minor">
+            <a:schemeClr val="lt1"/>
+          </a:fontRef>
+        </p:style>
+        <p:txBody>
+          <a:bodyPr wrap="square" rtlCol="0">
+            <a:spAutoFit/>
+          </a:bodyPr>
+          <a:lstStyle/>
+          <a:p>
+            <a:pPr algn="ctr"/>
+            <a:r>
+              <a:rPr lang="en-US" sz="1400" dirty="0" smtClean="0">
+                <a:latin typeface="Segoe UI Light" panose="020B0502040204020203" pitchFamily="34" charset="0"/>
+                <a:cs typeface="Segoe UI Light" panose="020B0502040204020203" pitchFamily="34" charset="0"/>
+              </a:rPr>
+              <a:t>Web API</a:t>
+            </a:r>
+            <a:endParaRPr lang="en-US" sz="1400" dirty="0" smtClean="0">
+              <a:latin typeface="Segoe UI Light" panose="020B0502040204020203" pitchFamily="34" charset="0"/>
+              <a:cs typeface="Segoe UI Light" panose="020B0502040204020203" pitchFamily="34" charset="0"/>
+            </a:endParaRPr>
+          </a:p>
+          <a:p>
+            <a:pPr algn="ctr"/>
+            <a:r>
+              <a:rPr lang="en-US" sz="1000" dirty="0" smtClean="0">
+                <a:latin typeface="Segoe UI Light" panose="020B0502040204020203" pitchFamily="34" charset="0"/>
+                <a:cs typeface="Segoe UI Light" panose="020B0502040204020203" pitchFamily="34" charset="0"/>
+              </a:rPr>
+              <a:t>Trigger Source</a:t>
+            </a:r>
+            <a:endParaRPr lang="en-US" sz="1000" dirty="0">
+              <a:latin typeface="Segoe UI Light" panose="020B0502040204020203" pitchFamily="34" charset="0"/>
+              <a:cs typeface="Segoe UI Light" panose="020B0502040204020203" pitchFamily="34" charset="0"/>
+            </a:endParaRPr>
+          </a:p>
+        </p:txBody>
+      </p:sp>
+      <p:cxnSp>
+        <p:nvCxnSpPr>
+          <p:cNvPr id="8" name="Straight Connector 7"/>
+          <p:cNvCxnSpPr>
+            <a:stCxn id="5" idx="2"/>
+          </p:cNvCxnSpPr>
+          <p:nvPr/>
+        </p:nvCxnSpPr>
+        <p:spPr>
+          <a:xfrm>
+            <a:off x="3048000" y="995065"/>
+            <a:ext cx="31931" cy="5103912"/>
+          </a:xfrm>
+          <a:prstGeom prst="line">
+            <a:avLst/>
+          </a:prstGeom>
+          <a:ln w="9525" cmpd="sng"/>
+        </p:spPr>
+        <p:style>
+          <a:lnRef idx="3">
+            <a:schemeClr val="accent1"/>
+          </a:lnRef>
+          <a:fillRef idx="0">
+            <a:schemeClr val="accent1"/>
+          </a:fillRef>
+          <a:effectRef idx="2">
+            <a:schemeClr val="accent1"/>
+          </a:effectRef>
+          <a:fontRef idx="minor">
+            <a:schemeClr val="tx1"/>
+          </a:fontRef>
+        </p:style>
+      </p:cxnSp>
+      <p:cxnSp>
+        <p:nvCxnSpPr>
+          <p:cNvPr id="9" name="Straight Connector 8"/>
+          <p:cNvCxnSpPr>
+            <a:stCxn id="6" idx="2"/>
+          </p:cNvCxnSpPr>
+          <p:nvPr/>
+        </p:nvCxnSpPr>
+        <p:spPr>
+          <a:xfrm>
+            <a:off x="5590239" y="1056620"/>
+            <a:ext cx="25370" cy="2624171"/>
+          </a:xfrm>
+          <a:prstGeom prst="line">
+            <a:avLst/>
+          </a:prstGeom>
+          <a:ln w="9525"/>
+        </p:spPr>
+        <p:style>
+          <a:lnRef idx="3">
+            <a:schemeClr val="accent1"/>
+          </a:lnRef>
+          <a:fillRef idx="0">
+            <a:schemeClr val="accent1"/>
+          </a:fillRef>
+          <a:effectRef idx="2">
+            <a:schemeClr val="accent1"/>
+          </a:effectRef>
+          <a:fontRef idx="minor">
+            <a:schemeClr val="tx1"/>
+          </a:fontRef>
+        </p:style>
+      </p:cxnSp>
+      <p:cxnSp>
+        <p:nvCxnSpPr>
+          <p:cNvPr id="10" name="Straight Connector 9"/>
+          <p:cNvCxnSpPr/>
+          <p:nvPr/>
+        </p:nvCxnSpPr>
+        <p:spPr>
+          <a:xfrm flipH="1">
+            <a:off x="8067757" y="1111482"/>
+            <a:ext cx="6336" cy="4987495"/>
+          </a:xfrm>
+          <a:prstGeom prst="line">
+            <a:avLst/>
+          </a:prstGeom>
+          <a:ln w="9525"/>
+        </p:spPr>
+        <p:style>
+          <a:lnRef idx="3">
+            <a:schemeClr val="accent1"/>
+          </a:lnRef>
+          <a:fillRef idx="0">
+            <a:schemeClr val="accent1"/>
+          </a:fillRef>
+          <a:effectRef idx="2">
+            <a:schemeClr val="accent1"/>
+          </a:effectRef>
+          <a:fontRef idx="minor">
+            <a:schemeClr val="tx1"/>
+          </a:fontRef>
+        </p:style>
+      </p:cxnSp>
+      <p:cxnSp>
+        <p:nvCxnSpPr>
+          <p:cNvPr id="11" name="Straight Arrow Connector 10"/>
+          <p:cNvCxnSpPr/>
+          <p:nvPr/>
+        </p:nvCxnSpPr>
+        <p:spPr>
+          <a:xfrm>
+            <a:off x="3140980" y="1880331"/>
+            <a:ext cx="2353931" cy="14060"/>
+          </a:xfrm>
+          <a:prstGeom prst="straightConnector1">
+            <a:avLst/>
+          </a:prstGeom>
+          <a:ln w="9525">
+            <a:tailEnd type="triangle" w="lg" len="lg"/>
+          </a:ln>
+        </p:spPr>
+        <p:style>
+          <a:lnRef idx="3">
+            <a:schemeClr val="accent1"/>
+          </a:lnRef>
+          <a:fillRef idx="0">
+            <a:schemeClr val="accent1"/>
+          </a:fillRef>
+          <a:effectRef idx="2">
+            <a:schemeClr val="accent1"/>
+          </a:effectRef>
+          <a:fontRef idx="minor">
+            <a:schemeClr val="tx1"/>
+          </a:fontRef>
+        </p:style>
+      </p:cxnSp>
+      <p:sp>
+        <p:nvSpPr>
+          <p:cNvPr id="12" name="TextBox 11"/>
+          <p:cNvSpPr txBox="1"/>
+          <p:nvPr/>
+        </p:nvSpPr>
+        <p:spPr>
+          <a:xfrm>
+            <a:off x="3657600" y="1597223"/>
+            <a:ext cx="1568058" cy="307777"/>
+          </a:xfrm>
+          <a:prstGeom prst="rect">
+            <a:avLst/>
+          </a:prstGeom>
+          <a:noFill/>
+          <a:ln>
+            <a:noFill/>
+          </a:ln>
+        </p:spPr>
+        <p:style>
+          <a:lnRef idx="2">
+            <a:schemeClr val="accent1"/>
+          </a:lnRef>
+          <a:fillRef idx="1">
+            <a:schemeClr val="lt1"/>
+          </a:fillRef>
+          <a:effectRef idx="0">
+            <a:schemeClr val="accent1"/>
+          </a:effectRef>
+          <a:fontRef idx="minor">
+            <a:schemeClr val="dk1"/>
+          </a:fontRef>
+        </p:style>
+        <p:txBody>
+          <a:bodyPr wrap="none" rtlCol="0">
+            <a:spAutoFit/>
+          </a:bodyPr>
+          <a:lstStyle/>
+          <a:p>
+            <a:r>
+              <a:rPr lang="en-US" sz="1400" dirty="0" smtClean="0">
+                <a:latin typeface="Segoe UI Light" panose="020B0502040204020203" pitchFamily="34" charset="0"/>
+                <a:cs typeface="Segoe UI Light" panose="020B0502040204020203" pitchFamily="34" charset="0"/>
+              </a:rPr>
+              <a:t>PUT Configuration</a:t>
+            </a:r>
+            <a:endParaRPr lang="en-US" sz="1400" dirty="0">
+              <a:latin typeface="Segoe UI Light" panose="020B0502040204020203" pitchFamily="34" charset="0"/>
+              <a:cs typeface="Segoe UI Light" panose="020B0502040204020203" pitchFamily="34" charset="0"/>
+            </a:endParaRPr>
+          </a:p>
+        </p:txBody>
+      </p:sp>
+      <p:sp>
+        <p:nvSpPr>
+          <p:cNvPr id="14" name="Oval 13"/>
+          <p:cNvSpPr/>
+          <p:nvPr/>
+        </p:nvSpPr>
+        <p:spPr>
+          <a:xfrm>
+            <a:off x="2951031" y="1388634"/>
+            <a:ext cx="173169" cy="173571"/>
+          </a:xfrm>
+          <a:prstGeom prst="ellipse">
+            <a:avLst/>
+          </a:prstGeom>
+        </p:spPr>
+        <p:style>
+          <a:lnRef idx="2">
+            <a:schemeClr val="accent1">
+              <a:shade val="50000"/>
+            </a:schemeClr>
+          </a:lnRef>
+          <a:fillRef idx="1">
+            <a:schemeClr val="accent1"/>
+          </a:fillRef>
+          <a:effectRef idx="0">
+            <a:schemeClr val="accent1"/>
+          </a:effectRef>
+          <a:fontRef idx="minor">
+            <a:schemeClr val="lt1"/>
+          </a:fontRef>
+        </p:style>
+        <p:txBody>
+          <a:bodyPr rtlCol="0" anchor="ctr"/>
+          <a:lstStyle/>
+          <a:p>
+            <a:pPr algn="ctr"/>
+            <a:endParaRPr lang="en-US" sz="1400">
+              <a:latin typeface="Segoe UI Semilight" panose="020B0402040204020203" pitchFamily="34" charset="0"/>
+              <a:cs typeface="Segoe UI Semilight" panose="020B0402040204020203" pitchFamily="34" charset="0"/>
+            </a:endParaRPr>
+          </a:p>
+        </p:txBody>
+      </p:sp>
+      <p:sp>
+        <p:nvSpPr>
+          <p:cNvPr id="15" name="Rounded Rectangle 14"/>
+          <p:cNvSpPr/>
+          <p:nvPr/>
+        </p:nvSpPr>
+        <p:spPr>
+          <a:xfrm>
+            <a:off x="5481165" y="1777743"/>
+            <a:ext cx="259833" cy="797781"/>
+          </a:xfrm>
+          <a:prstGeom prst="roundRect">
+            <a:avLst/>
+          </a:prstGeom>
+          <a:solidFill>
+            <a:schemeClr val="accent2"/>
+          </a:solidFill>
+          <a:ln>
+            <a:solidFill>
+              <a:schemeClr val="bg1">
+                <a:lumMod val="75000"/>
+              </a:schemeClr>
+            </a:solidFill>
+          </a:ln>
+        </p:spPr>
+        <p:style>
+          <a:lnRef idx="2">
+            <a:schemeClr val="accent1">
+              <a:shade val="50000"/>
+            </a:schemeClr>
+          </a:lnRef>
+          <a:fillRef idx="1">
+            <a:schemeClr val="accent1"/>
+          </a:fillRef>
+          <a:effectRef idx="0">
+            <a:schemeClr val="accent1"/>
+          </a:effectRef>
+          <a:fontRef idx="minor">
+            <a:schemeClr val="lt1"/>
+          </a:fontRef>
+        </p:style>
+        <p:txBody>
+          <a:bodyPr rtlCol="0" anchor="ctr"/>
+          <a:lstStyle/>
+          <a:p>
+            <a:pPr algn="ctr"/>
+            <a:endParaRPr lang="en-US" sz="1400">
+              <a:latin typeface="Segoe UI Semilight" panose="020B0402040204020203" pitchFamily="34" charset="0"/>
+              <a:cs typeface="Segoe UI Semilight" panose="020B0402040204020203" pitchFamily="34" charset="0"/>
+            </a:endParaRPr>
+          </a:p>
+        </p:txBody>
+      </p:sp>
+      <p:cxnSp>
+        <p:nvCxnSpPr>
+          <p:cNvPr id="16" name="Straight Arrow Connector 15"/>
+          <p:cNvCxnSpPr/>
+          <p:nvPr/>
+        </p:nvCxnSpPr>
+        <p:spPr>
+          <a:xfrm>
+            <a:off x="5754744" y="2047433"/>
+            <a:ext cx="2156308" cy="6356"/>
+          </a:xfrm>
+          <a:prstGeom prst="straightConnector1">
+            <a:avLst/>
+          </a:prstGeom>
+          <a:ln w="9525">
+            <a:tailEnd type="triangle" w="lg" len="lg"/>
+          </a:ln>
+        </p:spPr>
+        <p:style>
+          <a:lnRef idx="3">
+            <a:schemeClr val="accent1"/>
+          </a:lnRef>
+          <a:fillRef idx="0">
+            <a:schemeClr val="accent1"/>
+          </a:fillRef>
+          <a:effectRef idx="2">
+            <a:schemeClr val="accent1"/>
+          </a:effectRef>
+          <a:fontRef idx="minor">
+            <a:schemeClr val="tx1"/>
+          </a:fontRef>
+        </p:style>
+      </p:cxnSp>
+      <p:cxnSp>
+        <p:nvCxnSpPr>
+          <p:cNvPr id="17" name="Straight Arrow Connector 16"/>
+          <p:cNvCxnSpPr/>
+          <p:nvPr/>
+        </p:nvCxnSpPr>
+        <p:spPr>
+          <a:xfrm flipH="1" flipV="1">
+            <a:off x="5754746" y="2361565"/>
+            <a:ext cx="2199647" cy="635"/>
+          </a:xfrm>
+          <a:prstGeom prst="straightConnector1">
+            <a:avLst/>
+          </a:prstGeom>
+          <a:ln w="9525">
+            <a:tailEnd type="triangle" w="lg" len="lg"/>
+          </a:ln>
+        </p:spPr>
+        <p:style>
+          <a:lnRef idx="3">
+            <a:schemeClr val="accent1"/>
+          </a:lnRef>
+          <a:fillRef idx="0">
+            <a:schemeClr val="accent1"/>
+          </a:fillRef>
+          <a:effectRef idx="2">
+            <a:schemeClr val="accent1"/>
+          </a:effectRef>
+          <a:fontRef idx="minor">
+            <a:schemeClr val="tx1"/>
+          </a:fontRef>
+        </p:style>
+      </p:cxnSp>
+      <p:cxnSp>
+        <p:nvCxnSpPr>
+          <p:cNvPr id="18" name="Straight Arrow Connector 17"/>
+          <p:cNvCxnSpPr/>
+          <p:nvPr/>
+        </p:nvCxnSpPr>
+        <p:spPr>
+          <a:xfrm flipH="1">
+            <a:off x="3118211" y="2455777"/>
+            <a:ext cx="2396788" cy="0"/>
+          </a:xfrm>
+          <a:prstGeom prst="straightConnector1">
+            <a:avLst/>
+          </a:prstGeom>
+          <a:ln w="9525">
+            <a:tailEnd type="triangle" w="lg" len="lg"/>
+          </a:ln>
+        </p:spPr>
+        <p:style>
+          <a:lnRef idx="3">
+            <a:schemeClr val="accent1"/>
+          </a:lnRef>
+          <a:fillRef idx="0">
+            <a:schemeClr val="accent1"/>
+          </a:fillRef>
+          <a:effectRef idx="2">
+            <a:schemeClr val="accent1"/>
+          </a:effectRef>
+          <a:fontRef idx="minor">
+            <a:schemeClr val="tx1"/>
+          </a:fontRef>
+        </p:style>
+      </p:cxnSp>
+      <p:sp>
+        <p:nvSpPr>
+          <p:cNvPr id="19" name="TextBox 18"/>
+          <p:cNvSpPr txBox="1"/>
+          <p:nvPr/>
+        </p:nvSpPr>
+        <p:spPr>
+          <a:xfrm>
+            <a:off x="4011228" y="2130623"/>
+            <a:ext cx="602857" cy="307777"/>
+          </a:xfrm>
+          <a:prstGeom prst="rect">
+            <a:avLst/>
+          </a:prstGeom>
+          <a:noFill/>
+          <a:ln>
+            <a:noFill/>
+          </a:ln>
+        </p:spPr>
+        <p:style>
+          <a:lnRef idx="2">
+            <a:schemeClr val="accent1"/>
+          </a:lnRef>
+          <a:fillRef idx="1">
+            <a:schemeClr val="lt1"/>
+          </a:fillRef>
+          <a:effectRef idx="0">
+            <a:schemeClr val="accent1"/>
+          </a:effectRef>
+          <a:fontRef idx="minor">
+            <a:schemeClr val="dk1"/>
+          </a:fontRef>
+        </p:style>
+        <p:txBody>
+          <a:bodyPr wrap="none" rtlCol="0">
+            <a:spAutoFit/>
+          </a:bodyPr>
+          <a:lstStyle/>
+          <a:p>
+            <a:r>
+              <a:rPr lang="en-US" sz="1400" dirty="0" smtClean="0">
+                <a:latin typeface="Segoe UI Light" panose="020B0502040204020203" pitchFamily="34" charset="0"/>
+                <a:cs typeface="Segoe UI Light" panose="020B0502040204020203" pitchFamily="34" charset="0"/>
+              </a:rPr>
+              <a:t>Reply</a:t>
+            </a:r>
+            <a:endParaRPr lang="en-US" sz="1400" dirty="0">
+              <a:latin typeface="Segoe UI Light" panose="020B0502040204020203" pitchFamily="34" charset="0"/>
+              <a:cs typeface="Segoe UI Light" panose="020B0502040204020203" pitchFamily="34" charset="0"/>
+            </a:endParaRPr>
+          </a:p>
+        </p:txBody>
+      </p:sp>
+      <p:sp>
+        <p:nvSpPr>
+          <p:cNvPr id="20" name="Rounded Rectangle 19"/>
+          <p:cNvSpPr/>
+          <p:nvPr/>
+        </p:nvSpPr>
+        <p:spPr>
+          <a:xfrm>
+            <a:off x="7924800" y="1933129"/>
+            <a:ext cx="274913" cy="657671"/>
+          </a:xfrm>
+          <a:prstGeom prst="roundRect">
+            <a:avLst/>
+          </a:prstGeom>
+          <a:solidFill>
+            <a:schemeClr val="accent6"/>
+          </a:solidFill>
+          <a:ln>
+            <a:solidFill>
+              <a:schemeClr val="bg1">
+                <a:lumMod val="85000"/>
+              </a:schemeClr>
+            </a:solidFill>
+          </a:ln>
+        </p:spPr>
+        <p:style>
+          <a:lnRef idx="2">
+            <a:schemeClr val="accent1">
+              <a:shade val="50000"/>
+            </a:schemeClr>
+          </a:lnRef>
+          <a:fillRef idx="1">
+            <a:schemeClr val="accent1"/>
+          </a:fillRef>
+          <a:effectRef idx="0">
+            <a:schemeClr val="accent1"/>
+          </a:effectRef>
+          <a:fontRef idx="minor">
+            <a:schemeClr val="lt1"/>
+          </a:fontRef>
+        </p:style>
+        <p:txBody>
+          <a:bodyPr rtlCol="0" anchor="ctr"/>
+          <a:lstStyle/>
+          <a:p>
+            <a:pPr algn="ctr"/>
+            <a:endParaRPr lang="en-US" sz="1400">
+              <a:latin typeface="Segoe UI Semilight" panose="020B0402040204020203" pitchFamily="34" charset="0"/>
+              <a:cs typeface="Segoe UI Semilight" panose="020B0402040204020203" pitchFamily="34" charset="0"/>
+            </a:endParaRPr>
+          </a:p>
+        </p:txBody>
+      </p:sp>
+      <p:sp>
+        <p:nvSpPr>
+          <p:cNvPr id="25" name="Rounded Rectangle 24"/>
+          <p:cNvSpPr/>
+          <p:nvPr/>
+        </p:nvSpPr>
+        <p:spPr>
+          <a:xfrm>
+            <a:off x="7924799" y="4262357"/>
+            <a:ext cx="282238" cy="657479"/>
+          </a:xfrm>
+          <a:prstGeom prst="roundRect">
+            <a:avLst/>
+          </a:prstGeom>
+          <a:solidFill>
+            <a:schemeClr val="accent6"/>
+          </a:solidFill>
+          <a:ln>
+            <a:solidFill>
+              <a:schemeClr val="bg1">
+                <a:lumMod val="85000"/>
+              </a:schemeClr>
+            </a:solidFill>
+          </a:ln>
+        </p:spPr>
+        <p:style>
+          <a:lnRef idx="2">
+            <a:schemeClr val="accent1">
+              <a:shade val="50000"/>
+            </a:schemeClr>
+          </a:lnRef>
+          <a:fillRef idx="1">
+            <a:schemeClr val="accent1"/>
+          </a:fillRef>
+          <a:effectRef idx="0">
+            <a:schemeClr val="accent1"/>
+          </a:effectRef>
+          <a:fontRef idx="minor">
+            <a:schemeClr val="lt1"/>
+          </a:fontRef>
+        </p:style>
+        <p:txBody>
+          <a:bodyPr rtlCol="0" anchor="ctr"/>
+          <a:lstStyle/>
+          <a:p>
+            <a:pPr algn="ctr"/>
+            <a:endParaRPr lang="en-US" sz="1400">
+              <a:latin typeface="Segoe UI Semilight" panose="020B0402040204020203" pitchFamily="34" charset="0"/>
+              <a:cs typeface="Segoe UI Semilight" panose="020B0402040204020203" pitchFamily="34" charset="0"/>
+            </a:endParaRPr>
+          </a:p>
+        </p:txBody>
+      </p:sp>
+      <p:sp>
+        <p:nvSpPr>
+          <p:cNvPr id="32" name="TextBox 31"/>
+          <p:cNvSpPr txBox="1"/>
+          <p:nvPr/>
+        </p:nvSpPr>
+        <p:spPr>
+          <a:xfrm>
+            <a:off x="5715000" y="1673423"/>
+            <a:ext cx="3073277" cy="307777"/>
+          </a:xfrm>
+          <a:prstGeom prst="rect">
+            <a:avLst/>
+          </a:prstGeom>
+          <a:noFill/>
+          <a:ln>
+            <a:noFill/>
+          </a:ln>
+        </p:spPr>
+        <p:style>
+          <a:lnRef idx="2">
+            <a:schemeClr val="accent1"/>
+          </a:lnRef>
+          <a:fillRef idx="1">
+            <a:schemeClr val="lt1"/>
+          </a:fillRef>
+          <a:effectRef idx="0">
+            <a:schemeClr val="accent1"/>
+          </a:effectRef>
+          <a:fontRef idx="minor">
+            <a:schemeClr val="dk1"/>
+          </a:fontRef>
+        </p:style>
+        <p:txBody>
+          <a:bodyPr wrap="none" rtlCol="0">
+            <a:spAutoFit/>
+          </a:bodyPr>
+          <a:lstStyle/>
+          <a:p>
+            <a:r>
+              <a:rPr lang="en-US" sz="1400" dirty="0" smtClean="0">
+                <a:latin typeface="Segoe UI Light" panose="020B0502040204020203" pitchFamily="34" charset="0"/>
+                <a:cs typeface="Segoe UI Light" panose="020B0502040204020203" pitchFamily="34" charset="0"/>
+              </a:rPr>
+              <a:t>POST Configuration and Callback Info </a:t>
+            </a:r>
+            <a:endParaRPr lang="en-US" sz="1400" dirty="0">
+              <a:latin typeface="Segoe UI Light" panose="020B0502040204020203" pitchFamily="34" charset="0"/>
+              <a:cs typeface="Segoe UI Light" panose="020B0502040204020203" pitchFamily="34" charset="0"/>
+            </a:endParaRPr>
+          </a:p>
+        </p:txBody>
+      </p:sp>
+      <p:sp>
+        <p:nvSpPr>
+          <p:cNvPr id="37" name="TextBox 36"/>
+          <p:cNvSpPr txBox="1"/>
+          <p:nvPr/>
+        </p:nvSpPr>
+        <p:spPr>
+          <a:xfrm>
+            <a:off x="194398" y="1337255"/>
+            <a:ext cx="400110" cy="2345985"/>
+          </a:xfrm>
+          <a:prstGeom prst="rect">
+            <a:avLst/>
+          </a:prstGeom>
+          <a:solidFill>
+            <a:schemeClr val="accent3">
+              <a:lumMod val="75000"/>
+            </a:schemeClr>
+          </a:solidFill>
+        </p:spPr>
+        <p:style>
+          <a:lnRef idx="3">
+            <a:schemeClr val="lt1"/>
+          </a:lnRef>
+          <a:fillRef idx="1">
+            <a:schemeClr val="accent1"/>
+          </a:fillRef>
+          <a:effectRef idx="1">
+            <a:schemeClr val="accent1"/>
+          </a:effectRef>
+          <a:fontRef idx="minor">
+            <a:schemeClr val="lt1"/>
+          </a:fontRef>
+        </p:style>
+        <p:txBody>
+          <a:bodyPr vert="vert270" wrap="square" rtlCol="0">
+            <a:spAutoFit/>
+          </a:bodyPr>
+          <a:lstStyle/>
+          <a:p>
+            <a:pPr algn="ctr"/>
+            <a:r>
+              <a:rPr lang="en-US" sz="1400" dirty="0" smtClean="0">
+                <a:latin typeface="Segoe UI Light" panose="020B0502040204020203" pitchFamily="34" charset="0"/>
+                <a:cs typeface="Segoe UI Light" panose="020B0502040204020203" pitchFamily="34" charset="0"/>
+              </a:rPr>
+              <a:t>Registration </a:t>
+            </a:r>
+            <a:r>
+              <a:rPr lang="en-US" sz="1400" dirty="0" smtClean="0">
+                <a:latin typeface="Segoe UI Light" panose="020B0502040204020203" pitchFamily="34" charset="0"/>
+                <a:cs typeface="Segoe UI Light" panose="020B0502040204020203" pitchFamily="34" charset="0"/>
+              </a:rPr>
+              <a:t>Phase</a:t>
+            </a:r>
+            <a:endParaRPr lang="en-US" sz="1400" dirty="0">
+              <a:latin typeface="Segoe UI Light" panose="020B0502040204020203" pitchFamily="34" charset="0"/>
+              <a:cs typeface="Segoe UI Light" panose="020B0502040204020203" pitchFamily="34" charset="0"/>
+            </a:endParaRPr>
+          </a:p>
+        </p:txBody>
+      </p:sp>
+      <p:sp>
+        <p:nvSpPr>
+          <p:cNvPr id="39" name="TextBox 38"/>
+          <p:cNvSpPr txBox="1"/>
+          <p:nvPr/>
+        </p:nvSpPr>
+        <p:spPr>
+          <a:xfrm>
+            <a:off x="208527" y="3846998"/>
+            <a:ext cx="400110" cy="2345985"/>
+          </a:xfrm>
+          <a:prstGeom prst="rect">
+            <a:avLst/>
+          </a:prstGeom>
+          <a:solidFill>
+            <a:schemeClr val="accent3">
+              <a:lumMod val="75000"/>
+            </a:schemeClr>
+          </a:solidFill>
+        </p:spPr>
+        <p:style>
+          <a:lnRef idx="3">
+            <a:schemeClr val="lt1"/>
+          </a:lnRef>
+          <a:fillRef idx="1">
+            <a:schemeClr val="accent1"/>
+          </a:fillRef>
+          <a:effectRef idx="1">
+            <a:schemeClr val="accent1"/>
+          </a:effectRef>
+          <a:fontRef idx="minor">
+            <a:schemeClr val="lt1"/>
+          </a:fontRef>
+        </p:style>
+        <p:txBody>
+          <a:bodyPr vert="vert270" wrap="square" rtlCol="0">
+            <a:spAutoFit/>
+          </a:bodyPr>
+          <a:lstStyle/>
+          <a:p>
+            <a:pPr algn="ctr"/>
+            <a:r>
+              <a:rPr lang="en-US" sz="1400" dirty="0" smtClean="0">
+                <a:latin typeface="Segoe UI Light" panose="020B0502040204020203" pitchFamily="34" charset="0"/>
+                <a:cs typeface="Segoe UI Light" panose="020B0502040204020203" pitchFamily="34" charset="0"/>
+              </a:rPr>
+              <a:t>Callback </a:t>
+            </a:r>
+            <a:r>
+              <a:rPr lang="en-US" sz="1400" dirty="0" smtClean="0">
+                <a:latin typeface="Segoe UI Light" panose="020B0502040204020203" pitchFamily="34" charset="0"/>
+                <a:cs typeface="Segoe UI Light" panose="020B0502040204020203" pitchFamily="34" charset="0"/>
+              </a:rPr>
+              <a:t>Phase</a:t>
+            </a:r>
+            <a:endParaRPr lang="en-US" sz="1400" dirty="0">
+              <a:latin typeface="Segoe UI Light" panose="020B0502040204020203" pitchFamily="34" charset="0"/>
+              <a:cs typeface="Segoe UI Light" panose="020B0502040204020203" pitchFamily="34" charset="0"/>
+            </a:endParaRPr>
+          </a:p>
+        </p:txBody>
+      </p:sp>
+      <p:sp>
+        <p:nvSpPr>
+          <p:cNvPr id="42" name="TextBox 41"/>
+          <p:cNvSpPr txBox="1"/>
+          <p:nvPr/>
+        </p:nvSpPr>
+        <p:spPr>
+          <a:xfrm>
+            <a:off x="990600" y="1464690"/>
+            <a:ext cx="1368423" cy="307777"/>
+          </a:xfrm>
+          <a:prstGeom prst="rect">
+            <a:avLst/>
+          </a:prstGeom>
+          <a:solidFill>
+            <a:schemeClr val="bg1">
+              <a:lumMod val="85000"/>
+            </a:schemeClr>
+          </a:solidFill>
+          <a:ln>
+            <a:noFill/>
+          </a:ln>
+        </p:spPr>
+        <p:style>
+          <a:lnRef idx="2">
+            <a:schemeClr val="accent1"/>
+          </a:lnRef>
+          <a:fillRef idx="1">
+            <a:schemeClr val="lt1"/>
+          </a:fillRef>
+          <a:effectRef idx="0">
+            <a:schemeClr val="accent1"/>
+          </a:effectRef>
+          <a:fontRef idx="minor">
+            <a:schemeClr val="dk1"/>
+          </a:fontRef>
+        </p:style>
+        <p:txBody>
+          <a:bodyPr wrap="square" rtlCol="0">
+            <a:spAutoFit/>
+          </a:bodyPr>
+          <a:lstStyle/>
+          <a:p>
+            <a:pPr algn="r"/>
+            <a:r>
+              <a:rPr lang="en-US" sz="1400" dirty="0" smtClean="0">
+                <a:latin typeface="Segoe UI Semilight" panose="020B0402040204020203" pitchFamily="34" charset="0"/>
+                <a:cs typeface="Segoe UI Semilight" panose="020B0402040204020203" pitchFamily="34" charset="0"/>
+              </a:rPr>
+              <a:t>Editor Save</a:t>
+            </a:r>
+            <a:endParaRPr lang="en-US" sz="1400" dirty="0">
+              <a:latin typeface="Segoe UI Semilight" panose="020B0402040204020203" pitchFamily="34" charset="0"/>
+              <a:cs typeface="Segoe UI Semilight" panose="020B0402040204020203" pitchFamily="34" charset="0"/>
+            </a:endParaRPr>
+          </a:p>
+        </p:txBody>
+      </p:sp>
+      <p:cxnSp>
+        <p:nvCxnSpPr>
+          <p:cNvPr id="43" name="Elbow Connector 42"/>
+          <p:cNvCxnSpPr>
+            <a:stCxn id="42" idx="3"/>
+            <a:endCxn id="14" idx="2"/>
+          </p:cNvCxnSpPr>
+          <p:nvPr/>
+        </p:nvCxnSpPr>
+        <p:spPr>
+          <a:xfrm flipV="1">
+            <a:off x="2359023" y="1475420"/>
+            <a:ext cx="592008" cy="143159"/>
+          </a:xfrm>
+          <a:prstGeom prst="bentConnector3">
+            <a:avLst/>
+          </a:prstGeom>
+          <a:ln>
+            <a:tailEnd type="triangle"/>
+          </a:ln>
+        </p:spPr>
+        <p:style>
+          <a:lnRef idx="1">
+            <a:schemeClr val="accent1"/>
+          </a:lnRef>
+          <a:fillRef idx="0">
+            <a:schemeClr val="accent1"/>
+          </a:fillRef>
+          <a:effectRef idx="0">
+            <a:schemeClr val="accent1"/>
+          </a:effectRef>
+          <a:fontRef idx="minor">
+            <a:schemeClr val="tx1"/>
+          </a:fontRef>
+        </p:style>
+      </p:cxnSp>
+      <p:sp>
+        <p:nvSpPr>
+          <p:cNvPr id="46" name="Rounded Rectangle 45"/>
+          <p:cNvSpPr/>
+          <p:nvPr/>
+        </p:nvSpPr>
+        <p:spPr>
+          <a:xfrm>
+            <a:off x="2895600" y="4262356"/>
+            <a:ext cx="325569" cy="657479"/>
+          </a:xfrm>
+          <a:prstGeom prst="roundRect">
+            <a:avLst/>
+          </a:prstGeom>
+          <a:solidFill>
+            <a:schemeClr val="accent1"/>
+          </a:solidFill>
+          <a:ln>
+            <a:solidFill>
+              <a:schemeClr val="bg1">
+                <a:lumMod val="85000"/>
+              </a:schemeClr>
+            </a:solidFill>
+          </a:ln>
+        </p:spPr>
+        <p:style>
+          <a:lnRef idx="2">
+            <a:schemeClr val="accent1">
+              <a:shade val="50000"/>
+            </a:schemeClr>
+          </a:lnRef>
+          <a:fillRef idx="1">
+            <a:schemeClr val="accent1"/>
+          </a:fillRef>
+          <a:effectRef idx="0">
+            <a:schemeClr val="accent1"/>
+          </a:effectRef>
+          <a:fontRef idx="minor">
+            <a:schemeClr val="lt1"/>
+          </a:fontRef>
+        </p:style>
+        <p:txBody>
+          <a:bodyPr rtlCol="0" anchor="ctr"/>
+          <a:lstStyle/>
+          <a:p>
+            <a:pPr algn="ctr"/>
+            <a:endParaRPr lang="en-US" sz="1400">
+              <a:latin typeface="Segoe UI Semilight" panose="020B0402040204020203" pitchFamily="34" charset="0"/>
+              <a:cs typeface="Segoe UI Semilight" panose="020B0402040204020203" pitchFamily="34" charset="0"/>
+            </a:endParaRPr>
+          </a:p>
+        </p:txBody>
+      </p:sp>
+      <p:cxnSp>
+        <p:nvCxnSpPr>
+          <p:cNvPr id="47" name="Straight Arrow Connector 46"/>
+          <p:cNvCxnSpPr/>
+          <p:nvPr/>
+        </p:nvCxnSpPr>
+        <p:spPr>
+          <a:xfrm flipH="1">
+            <a:off x="3221169" y="4572000"/>
+            <a:ext cx="4733224" cy="0"/>
+          </a:xfrm>
+          <a:prstGeom prst="straightConnector1">
+            <a:avLst/>
+          </a:prstGeom>
+          <a:ln w="9525">
+            <a:tailEnd type="triangle" w="lg" len="lg"/>
+          </a:ln>
+        </p:spPr>
+        <p:style>
+          <a:lnRef idx="3">
+            <a:schemeClr val="accent1"/>
+          </a:lnRef>
+          <a:fillRef idx="0">
+            <a:schemeClr val="accent1"/>
+          </a:fillRef>
+          <a:effectRef idx="2">
+            <a:schemeClr val="accent1"/>
+          </a:effectRef>
+          <a:fontRef idx="minor">
+            <a:schemeClr val="tx1"/>
+          </a:fontRef>
+        </p:style>
+      </p:cxnSp>
+      <p:sp>
+        <p:nvSpPr>
+          <p:cNvPr id="49" name="Oval 48"/>
+          <p:cNvSpPr/>
+          <p:nvPr/>
+        </p:nvSpPr>
+        <p:spPr>
+          <a:xfrm>
+            <a:off x="7996941" y="3865029"/>
+            <a:ext cx="173169" cy="173571"/>
+          </a:xfrm>
+          <a:prstGeom prst="ellipse">
+            <a:avLst/>
+          </a:prstGeom>
+        </p:spPr>
+        <p:style>
+          <a:lnRef idx="2">
+            <a:schemeClr val="accent1">
+              <a:shade val="50000"/>
+            </a:schemeClr>
+          </a:lnRef>
+          <a:fillRef idx="1">
+            <a:schemeClr val="accent1"/>
+          </a:fillRef>
+          <a:effectRef idx="0">
+            <a:schemeClr val="accent1"/>
+          </a:effectRef>
+          <a:fontRef idx="minor">
+            <a:schemeClr val="lt1"/>
+          </a:fontRef>
+        </p:style>
+        <p:txBody>
+          <a:bodyPr rtlCol="0" anchor="ctr"/>
+          <a:lstStyle/>
+          <a:p>
+            <a:pPr algn="ctr"/>
+            <a:endParaRPr lang="en-US" sz="1400">
+              <a:latin typeface="Segoe UI Semilight" panose="020B0402040204020203" pitchFamily="34" charset="0"/>
+              <a:cs typeface="Segoe UI Semilight" panose="020B0402040204020203" pitchFamily="34" charset="0"/>
+            </a:endParaRPr>
+          </a:p>
+        </p:txBody>
+      </p:sp>
+      <p:sp>
+        <p:nvSpPr>
+          <p:cNvPr id="50" name="TextBox 49"/>
+          <p:cNvSpPr txBox="1"/>
+          <p:nvPr/>
+        </p:nvSpPr>
+        <p:spPr>
+          <a:xfrm>
+            <a:off x="6031808" y="3962400"/>
+            <a:ext cx="1368423" cy="307777"/>
+          </a:xfrm>
+          <a:prstGeom prst="rect">
+            <a:avLst/>
+          </a:prstGeom>
+          <a:solidFill>
+            <a:schemeClr val="bg1">
+              <a:lumMod val="85000"/>
+            </a:schemeClr>
+          </a:solidFill>
+          <a:ln>
+            <a:noFill/>
+          </a:ln>
+        </p:spPr>
+        <p:style>
+          <a:lnRef idx="2">
+            <a:schemeClr val="accent1"/>
+          </a:lnRef>
+          <a:fillRef idx="1">
+            <a:schemeClr val="lt1"/>
+          </a:fillRef>
+          <a:effectRef idx="0">
+            <a:schemeClr val="accent1"/>
+          </a:effectRef>
+          <a:fontRef idx="minor">
+            <a:schemeClr val="dk1"/>
+          </a:fontRef>
+        </p:style>
+        <p:txBody>
+          <a:bodyPr wrap="square" rtlCol="0">
+            <a:spAutoFit/>
+          </a:bodyPr>
+          <a:lstStyle/>
+          <a:p>
+            <a:pPr algn="r"/>
+            <a:r>
+              <a:rPr lang="en-US" sz="1400" dirty="0" smtClean="0">
+                <a:latin typeface="Segoe UI Semilight" panose="020B0402040204020203" pitchFamily="34" charset="0"/>
+                <a:cs typeface="Segoe UI Semilight" panose="020B0402040204020203" pitchFamily="34" charset="0"/>
+              </a:rPr>
+              <a:t>Trigger Event</a:t>
+            </a:r>
+            <a:endParaRPr lang="en-US" sz="1400" dirty="0">
+              <a:latin typeface="Segoe UI Semilight" panose="020B0402040204020203" pitchFamily="34" charset="0"/>
+              <a:cs typeface="Segoe UI Semilight" panose="020B0402040204020203" pitchFamily="34" charset="0"/>
+            </a:endParaRPr>
+          </a:p>
+        </p:txBody>
+      </p:sp>
+      <p:cxnSp>
+        <p:nvCxnSpPr>
+          <p:cNvPr id="51" name="Elbow Connector 50"/>
+          <p:cNvCxnSpPr>
+            <a:stCxn id="50" idx="3"/>
+          </p:cNvCxnSpPr>
+          <p:nvPr/>
+        </p:nvCxnSpPr>
+        <p:spPr>
+          <a:xfrm flipV="1">
+            <a:off x="7400231" y="3973130"/>
+            <a:ext cx="592008" cy="143159"/>
+          </a:xfrm>
+          <a:prstGeom prst="bentConnector3">
+            <a:avLst/>
+          </a:prstGeom>
+          <a:ln>
+            <a:tailEnd type="triangle"/>
+          </a:ln>
+        </p:spPr>
+        <p:style>
+          <a:lnRef idx="1">
+            <a:schemeClr val="accent1"/>
+          </a:lnRef>
+          <a:fillRef idx="0">
+            <a:schemeClr val="accent1"/>
+          </a:fillRef>
+          <a:effectRef idx="0">
+            <a:schemeClr val="accent1"/>
+          </a:effectRef>
+          <a:fontRef idx="minor">
+            <a:schemeClr val="tx1"/>
+          </a:fontRef>
+        </p:style>
+      </p:cxnSp>
+      <p:sp>
+        <p:nvSpPr>
+          <p:cNvPr id="52" name="TextBox 51"/>
+          <p:cNvSpPr txBox="1"/>
+          <p:nvPr/>
+        </p:nvSpPr>
+        <p:spPr>
+          <a:xfrm>
+            <a:off x="4178361" y="4252653"/>
+            <a:ext cx="3325334" cy="307777"/>
+          </a:xfrm>
+          <a:prstGeom prst="rect">
+            <a:avLst/>
+          </a:prstGeom>
+          <a:noFill/>
+          <a:ln>
+            <a:noFill/>
+          </a:ln>
+        </p:spPr>
+        <p:style>
+          <a:lnRef idx="2">
+            <a:schemeClr val="accent1"/>
+          </a:lnRef>
+          <a:fillRef idx="1">
+            <a:schemeClr val="lt1"/>
+          </a:fillRef>
+          <a:effectRef idx="0">
+            <a:schemeClr val="accent1"/>
+          </a:effectRef>
+          <a:fontRef idx="minor">
+            <a:schemeClr val="dk1"/>
+          </a:fontRef>
+        </p:style>
+        <p:txBody>
+          <a:bodyPr wrap="none" rtlCol="0">
+            <a:spAutoFit/>
+          </a:bodyPr>
+          <a:lstStyle/>
+          <a:p>
+            <a:r>
+              <a:rPr lang="en-US" sz="1400" dirty="0" smtClean="0">
+                <a:latin typeface="Segoe UI Light" panose="020B0502040204020203" pitchFamily="34" charset="0"/>
+                <a:cs typeface="Segoe UI Light" panose="020B0502040204020203" pitchFamily="34" charset="0"/>
+              </a:rPr>
+              <a:t>POST Trigger Body using the callback URL</a:t>
+            </a:r>
+            <a:endParaRPr lang="en-US" sz="1400" dirty="0">
+              <a:latin typeface="Segoe UI Light" panose="020B0502040204020203" pitchFamily="34" charset="0"/>
+              <a:cs typeface="Segoe UI Light" panose="020B0502040204020203" pitchFamily="34" charset="0"/>
+            </a:endParaRPr>
+          </a:p>
+        </p:txBody>
+      </p:sp>
+    </p:spTree>
+    <p:extLst>
+      <p:ext uri="{BB962C8B-B14F-4D97-AF65-F5344CB8AC3E}">
+        <p14:creationId xmlns:p14="http://schemas.microsoft.com/office/powerpoint/2010/main" val="2473542658"/>
+      </p:ext>
+    </p:extLst>
+  </p:cSld>
+  <p:clrMapOvr>
+    <a:masterClrMapping/>
+  </p:clrMapOvr>
+  <p:timing>
+    <p:tnLst>
+      <p:par>
+        <p:cTn id="1" dur="indefinite" restart="never" nodeType="tmRoot">
+          <p:childTnLst>
+            <p:seq concurrent="1" nextAc="seek">
+              <p:cTn id="2" dur="indefinite" nodeType="mainSeq">
+                <p:childTnLst>
+                  <p:par>
+                    <p:cTn id="3" fill="hold">
+                      <p:stCondLst>
+                        <p:cond delay="indefinite"/>
+                      </p:stCondLst>
+                      <p:childTnLst>
+                        <p:par>
+                          <p:cTn id="4" fill="hold">
+                            <p:stCondLst>
+                              <p:cond delay="0"/>
+                            </p:stCondLst>
+                            <p:childTnLst>
+                              <p:par>
+                                <p:cTn id="5" presetID="10" presetClass="entr" presetSubtype="0" fill="hold" grpId="0" nodeType="clickEffect">
+                                  <p:stCondLst>
+                                    <p:cond delay="0"/>
+                                  </p:stCondLst>
+                                  <p:childTnLst>
+                                    <p:set>
+                                      <p:cBhvr>
+                                        <p:cTn id="6" dur="1" fill="hold">
+                                          <p:stCondLst>
+                                            <p:cond delay="0"/>
+                                          </p:stCondLst>
+                                        </p:cTn>
+                                        <p:tgtEl>
+                                          <p:spTgt spid="5"/>
+                                        </p:tgtEl>
+                                        <p:attrNameLst>
+                                          <p:attrName>style.visibility</p:attrName>
+                                        </p:attrNameLst>
+                                      </p:cBhvr>
+                                      <p:to>
+                                        <p:strVal val="visible"/>
+                                      </p:to>
+                                    </p:set>
+                                    <p:animEffect transition="in" filter="fade">
+                                      <p:cBhvr>
+                                        <p:cTn id="7" dur="500"/>
+                                        <p:tgtEl>
+                                          <p:spTgt spid="5"/>
+                                        </p:tgtEl>
+                                      </p:cBhvr>
+                                    </p:animEffect>
+                                  </p:childTnLst>
+                                </p:cTn>
+                              </p:par>
+                              <p:par>
+                                <p:cTn id="8" presetID="10" presetClass="entr" presetSubtype="0" fill="hold" grpId="0" nodeType="withEffect">
+                                  <p:stCondLst>
+                                    <p:cond delay="0"/>
+                                  </p:stCondLst>
+                                  <p:childTnLst>
+                                    <p:set>
+                                      <p:cBhvr>
+                                        <p:cTn id="9" dur="1" fill="hold">
+                                          <p:stCondLst>
+                                            <p:cond delay="0"/>
+                                          </p:stCondLst>
+                                        </p:cTn>
+                                        <p:tgtEl>
+                                          <p:spTgt spid="14"/>
+                                        </p:tgtEl>
+                                        <p:attrNameLst>
+                                          <p:attrName>style.visibility</p:attrName>
+                                        </p:attrNameLst>
+                                      </p:cBhvr>
+                                      <p:to>
+                                        <p:strVal val="visible"/>
+                                      </p:to>
+                                    </p:set>
+                                    <p:animEffect transition="in" filter="fade">
+                                      <p:cBhvr>
+                                        <p:cTn id="10" dur="500"/>
+                                        <p:tgtEl>
+                                          <p:spTgt spid="14"/>
+                                        </p:tgtEl>
+                                      </p:cBhvr>
+                                    </p:animEffect>
+                                  </p:childTnLst>
+                                </p:cTn>
+                              </p:par>
+                              <p:par>
+                                <p:cTn id="11" presetID="10" presetClass="entr" presetSubtype="0" fill="hold" nodeType="withEffect">
+                                  <p:stCondLst>
+                                    <p:cond delay="0"/>
+                                  </p:stCondLst>
+                                  <p:childTnLst>
+                                    <p:set>
+                                      <p:cBhvr>
+                                        <p:cTn id="12" dur="1" fill="hold">
+                                          <p:stCondLst>
+                                            <p:cond delay="0"/>
+                                          </p:stCondLst>
+                                        </p:cTn>
+                                        <p:tgtEl>
+                                          <p:spTgt spid="8"/>
+                                        </p:tgtEl>
+                                        <p:attrNameLst>
+                                          <p:attrName>style.visibility</p:attrName>
+                                        </p:attrNameLst>
+                                      </p:cBhvr>
+                                      <p:to>
+                                        <p:strVal val="visible"/>
+                                      </p:to>
+                                    </p:set>
+                                    <p:animEffect transition="in" filter="fade">
+                                      <p:cBhvr>
+                                        <p:cTn id="13" dur="500"/>
+                                        <p:tgtEl>
+                                          <p:spTgt spid="8"/>
+                                        </p:tgtEl>
+                                      </p:cBhvr>
+                                    </p:animEffect>
+                                  </p:childTnLst>
+                                </p:cTn>
+                              </p:par>
+                            </p:childTnLst>
+                          </p:cTn>
+                        </p:par>
+                      </p:childTnLst>
+                    </p:cTn>
+                  </p:par>
+                  <p:par>
+                    <p:cTn id="14" fill="hold">
+                      <p:stCondLst>
+                        <p:cond delay="indefinite"/>
+                      </p:stCondLst>
+                      <p:childTnLst>
+                        <p:par>
+                          <p:cTn id="15" fill="hold">
+                            <p:stCondLst>
+                              <p:cond delay="0"/>
+                            </p:stCondLst>
+                            <p:childTnLst>
+                              <p:par>
+                                <p:cTn id="16" presetID="10" presetClass="entr" presetSubtype="0" fill="hold" nodeType="clickEffect">
+                                  <p:stCondLst>
+                                    <p:cond delay="0"/>
+                                  </p:stCondLst>
+                                  <p:childTnLst>
+                                    <p:set>
+                                      <p:cBhvr>
+                                        <p:cTn id="17" dur="1" fill="hold">
+                                          <p:stCondLst>
+                                            <p:cond delay="0"/>
+                                          </p:stCondLst>
+                                        </p:cTn>
+                                        <p:tgtEl>
+                                          <p:spTgt spid="11"/>
+                                        </p:tgtEl>
+                                        <p:attrNameLst>
+                                          <p:attrName>style.visibility</p:attrName>
+                                        </p:attrNameLst>
+                                      </p:cBhvr>
+                                      <p:to>
+                                        <p:strVal val="visible"/>
+                                      </p:to>
+                                    </p:set>
+                                    <p:animEffect transition="in" filter="fade">
+                                      <p:cBhvr>
+                                        <p:cTn id="18" dur="500"/>
+                                        <p:tgtEl>
+                                          <p:spTgt spid="11"/>
+                                        </p:tgtEl>
+                                      </p:cBhvr>
+                                    </p:animEffect>
+                                  </p:childTnLst>
+                                </p:cTn>
+                              </p:par>
+                              <p:par>
+                                <p:cTn id="19" presetID="10" presetClass="entr" presetSubtype="0" fill="hold" grpId="0" nodeType="withEffect">
+                                  <p:stCondLst>
+                                    <p:cond delay="0"/>
+                                  </p:stCondLst>
+                                  <p:childTnLst>
+                                    <p:set>
+                                      <p:cBhvr>
+                                        <p:cTn id="20" dur="1" fill="hold">
+                                          <p:stCondLst>
+                                            <p:cond delay="0"/>
+                                          </p:stCondLst>
+                                        </p:cTn>
+                                        <p:tgtEl>
+                                          <p:spTgt spid="12"/>
+                                        </p:tgtEl>
+                                        <p:attrNameLst>
+                                          <p:attrName>style.visibility</p:attrName>
+                                        </p:attrNameLst>
+                                      </p:cBhvr>
+                                      <p:to>
+                                        <p:strVal val="visible"/>
+                                      </p:to>
+                                    </p:set>
+                                    <p:animEffect transition="in" filter="fade">
+                                      <p:cBhvr>
+                                        <p:cTn id="21" dur="500"/>
+                                        <p:tgtEl>
+                                          <p:spTgt spid="12"/>
+                                        </p:tgtEl>
+                                      </p:cBhvr>
+                                    </p:animEffect>
+                                  </p:childTnLst>
+                                </p:cTn>
+                              </p:par>
+                              <p:par>
+                                <p:cTn id="22" presetID="10" presetClass="entr" presetSubtype="0" fill="hold" grpId="0" nodeType="withEffect">
+                                  <p:stCondLst>
+                                    <p:cond delay="0"/>
+                                  </p:stCondLst>
+                                  <p:childTnLst>
+                                    <p:set>
+                                      <p:cBhvr>
+                                        <p:cTn id="23" dur="1" fill="hold">
+                                          <p:stCondLst>
+                                            <p:cond delay="0"/>
+                                          </p:stCondLst>
+                                        </p:cTn>
+                                        <p:tgtEl>
+                                          <p:spTgt spid="6"/>
+                                        </p:tgtEl>
+                                        <p:attrNameLst>
+                                          <p:attrName>style.visibility</p:attrName>
+                                        </p:attrNameLst>
+                                      </p:cBhvr>
+                                      <p:to>
+                                        <p:strVal val="visible"/>
+                                      </p:to>
+                                    </p:set>
+                                    <p:animEffect transition="in" filter="fade">
+                                      <p:cBhvr>
+                                        <p:cTn id="24" dur="500"/>
+                                        <p:tgtEl>
+                                          <p:spTgt spid="6"/>
+                                        </p:tgtEl>
+                                      </p:cBhvr>
+                                    </p:animEffect>
+                                  </p:childTnLst>
+                                </p:cTn>
+                              </p:par>
+                              <p:par>
+                                <p:cTn id="25" presetID="10" presetClass="entr" presetSubtype="0" fill="hold" nodeType="withEffect">
+                                  <p:stCondLst>
+                                    <p:cond delay="0"/>
+                                  </p:stCondLst>
+                                  <p:childTnLst>
+                                    <p:set>
+                                      <p:cBhvr>
+                                        <p:cTn id="26" dur="1" fill="hold">
+                                          <p:stCondLst>
+                                            <p:cond delay="0"/>
+                                          </p:stCondLst>
+                                        </p:cTn>
+                                        <p:tgtEl>
+                                          <p:spTgt spid="9"/>
+                                        </p:tgtEl>
+                                        <p:attrNameLst>
+                                          <p:attrName>style.visibility</p:attrName>
+                                        </p:attrNameLst>
+                                      </p:cBhvr>
+                                      <p:to>
+                                        <p:strVal val="visible"/>
+                                      </p:to>
+                                    </p:set>
+                                    <p:animEffect transition="in" filter="fade">
+                                      <p:cBhvr>
+                                        <p:cTn id="27" dur="500"/>
+                                        <p:tgtEl>
+                                          <p:spTgt spid="9"/>
+                                        </p:tgtEl>
+                                      </p:cBhvr>
+                                    </p:animEffect>
+                                  </p:childTnLst>
+                                </p:cTn>
+                              </p:par>
+                              <p:par>
+                                <p:cTn id="28" presetID="10" presetClass="entr" presetSubtype="0" fill="hold" grpId="0" nodeType="withEffect">
+                                  <p:stCondLst>
+                                    <p:cond delay="0"/>
+                                  </p:stCondLst>
+                                  <p:childTnLst>
+                                    <p:set>
+                                      <p:cBhvr>
+                                        <p:cTn id="29" dur="1" fill="hold">
+                                          <p:stCondLst>
+                                            <p:cond delay="0"/>
+                                          </p:stCondLst>
+                                        </p:cTn>
+                                        <p:tgtEl>
+                                          <p:spTgt spid="7"/>
+                                        </p:tgtEl>
+                                        <p:attrNameLst>
+                                          <p:attrName>style.visibility</p:attrName>
+                                        </p:attrNameLst>
+                                      </p:cBhvr>
+                                      <p:to>
+                                        <p:strVal val="visible"/>
+                                      </p:to>
+                                    </p:set>
+                                    <p:animEffect transition="in" filter="fade">
+                                      <p:cBhvr>
+                                        <p:cTn id="30" dur="500"/>
+                                        <p:tgtEl>
+                                          <p:spTgt spid="7"/>
+                                        </p:tgtEl>
+                                      </p:cBhvr>
+                                    </p:animEffect>
+                                  </p:childTnLst>
+                                </p:cTn>
+                              </p:par>
+                              <p:par>
+                                <p:cTn id="31" presetID="10" presetClass="entr" presetSubtype="0" fill="hold" nodeType="withEffect">
+                                  <p:stCondLst>
+                                    <p:cond delay="0"/>
+                                  </p:stCondLst>
+                                  <p:childTnLst>
+                                    <p:set>
+                                      <p:cBhvr>
+                                        <p:cTn id="32" dur="1" fill="hold">
+                                          <p:stCondLst>
+                                            <p:cond delay="0"/>
+                                          </p:stCondLst>
+                                        </p:cTn>
+                                        <p:tgtEl>
+                                          <p:spTgt spid="10"/>
+                                        </p:tgtEl>
+                                        <p:attrNameLst>
+                                          <p:attrName>style.visibility</p:attrName>
+                                        </p:attrNameLst>
+                                      </p:cBhvr>
+                                      <p:to>
+                                        <p:strVal val="visible"/>
+                                      </p:to>
+                                    </p:set>
+                                    <p:animEffect transition="in" filter="fade">
+                                      <p:cBhvr>
+                                        <p:cTn id="33" dur="500"/>
+                                        <p:tgtEl>
+                                          <p:spTgt spid="10"/>
+                                        </p:tgtEl>
+                                      </p:cBhvr>
+                                    </p:animEffect>
+                                  </p:childTnLst>
+                                </p:cTn>
+                              </p:par>
+                              <p:par>
+                                <p:cTn id="34" presetID="10" presetClass="entr" presetSubtype="0" fill="hold" grpId="0" nodeType="withEffect">
+                                  <p:stCondLst>
+                                    <p:cond delay="0"/>
+                                  </p:stCondLst>
+                                  <p:childTnLst>
+                                    <p:set>
+                                      <p:cBhvr>
+                                        <p:cTn id="35" dur="1" fill="hold">
+                                          <p:stCondLst>
+                                            <p:cond delay="0"/>
+                                          </p:stCondLst>
+                                        </p:cTn>
+                                        <p:tgtEl>
+                                          <p:spTgt spid="15"/>
+                                        </p:tgtEl>
+                                        <p:attrNameLst>
+                                          <p:attrName>style.visibility</p:attrName>
+                                        </p:attrNameLst>
+                                      </p:cBhvr>
+                                      <p:to>
+                                        <p:strVal val="visible"/>
+                                      </p:to>
+                                    </p:set>
+                                    <p:animEffect transition="in" filter="fade">
+                                      <p:cBhvr>
+                                        <p:cTn id="36" dur="500"/>
+                                        <p:tgtEl>
+                                          <p:spTgt spid="15"/>
+                                        </p:tgtEl>
+                                      </p:cBhvr>
+                                    </p:animEffect>
+                                  </p:childTnLst>
+                                </p:cTn>
+                              </p:par>
+                            </p:childTnLst>
+                          </p:cTn>
+                        </p:par>
+                      </p:childTnLst>
+                    </p:cTn>
+                  </p:par>
+                  <p:par>
+                    <p:cTn id="37" fill="hold">
+                      <p:stCondLst>
+                        <p:cond delay="indefinite"/>
+                      </p:stCondLst>
+                      <p:childTnLst>
+                        <p:par>
+                          <p:cTn id="38" fill="hold">
+                            <p:stCondLst>
+                              <p:cond delay="0"/>
+                            </p:stCondLst>
+                            <p:childTnLst>
+                              <p:par>
+                                <p:cTn id="39" presetID="10" presetClass="entr" presetSubtype="0" fill="hold" grpId="0" nodeType="clickEffect">
+                                  <p:stCondLst>
+                                    <p:cond delay="0"/>
+                                  </p:stCondLst>
+                                  <p:childTnLst>
+                                    <p:set>
+                                      <p:cBhvr>
+                                        <p:cTn id="40" dur="1" fill="hold">
+                                          <p:stCondLst>
+                                            <p:cond delay="0"/>
+                                          </p:stCondLst>
+                                        </p:cTn>
+                                        <p:tgtEl>
+                                          <p:spTgt spid="32"/>
+                                        </p:tgtEl>
+                                        <p:attrNameLst>
+                                          <p:attrName>style.visibility</p:attrName>
+                                        </p:attrNameLst>
+                                      </p:cBhvr>
+                                      <p:to>
+                                        <p:strVal val="visible"/>
+                                      </p:to>
+                                    </p:set>
+                                    <p:animEffect transition="in" filter="fade">
+                                      <p:cBhvr>
+                                        <p:cTn id="41" dur="500"/>
+                                        <p:tgtEl>
+                                          <p:spTgt spid="32"/>
+                                        </p:tgtEl>
+                                      </p:cBhvr>
+                                    </p:animEffect>
+                                  </p:childTnLst>
+                                </p:cTn>
+                              </p:par>
+                              <p:par>
+                                <p:cTn id="42" presetID="10" presetClass="entr" presetSubtype="0" fill="hold" nodeType="withEffect">
+                                  <p:stCondLst>
+                                    <p:cond delay="0"/>
+                                  </p:stCondLst>
+                                  <p:childTnLst>
+                                    <p:set>
+                                      <p:cBhvr>
+                                        <p:cTn id="43" dur="1" fill="hold">
+                                          <p:stCondLst>
+                                            <p:cond delay="0"/>
+                                          </p:stCondLst>
+                                        </p:cTn>
+                                        <p:tgtEl>
+                                          <p:spTgt spid="16"/>
+                                        </p:tgtEl>
+                                        <p:attrNameLst>
+                                          <p:attrName>style.visibility</p:attrName>
+                                        </p:attrNameLst>
+                                      </p:cBhvr>
+                                      <p:to>
+                                        <p:strVal val="visible"/>
+                                      </p:to>
+                                    </p:set>
+                                    <p:animEffect transition="in" filter="fade">
+                                      <p:cBhvr>
+                                        <p:cTn id="44" dur="500"/>
+                                        <p:tgtEl>
+                                          <p:spTgt spid="16"/>
+                                        </p:tgtEl>
+                                      </p:cBhvr>
+                                    </p:animEffect>
+                                  </p:childTnLst>
+                                </p:cTn>
+                              </p:par>
+                              <p:par>
+                                <p:cTn id="45" presetID="10" presetClass="entr" presetSubtype="0" fill="hold" nodeType="withEffect">
+                                  <p:stCondLst>
+                                    <p:cond delay="0"/>
+                                  </p:stCondLst>
+                                  <p:childTnLst>
+                                    <p:set>
+                                      <p:cBhvr>
+                                        <p:cTn id="46" dur="1" fill="hold">
+                                          <p:stCondLst>
+                                            <p:cond delay="0"/>
+                                          </p:stCondLst>
+                                        </p:cTn>
+                                        <p:tgtEl>
+                                          <p:spTgt spid="17"/>
+                                        </p:tgtEl>
+                                        <p:attrNameLst>
+                                          <p:attrName>style.visibility</p:attrName>
+                                        </p:attrNameLst>
+                                      </p:cBhvr>
+                                      <p:to>
+                                        <p:strVal val="visible"/>
+                                      </p:to>
+                                    </p:set>
+                                    <p:animEffect transition="in" filter="fade">
+                                      <p:cBhvr>
+                                        <p:cTn id="47" dur="500"/>
+                                        <p:tgtEl>
+                                          <p:spTgt spid="17"/>
+                                        </p:tgtEl>
+                                      </p:cBhvr>
+                                    </p:animEffect>
+                                  </p:childTnLst>
+                                </p:cTn>
+                              </p:par>
+                              <p:par>
+                                <p:cTn id="48" presetID="10" presetClass="entr" presetSubtype="0" fill="hold" grpId="0" nodeType="withEffect">
+                                  <p:stCondLst>
+                                    <p:cond delay="0"/>
+                                  </p:stCondLst>
+                                  <p:childTnLst>
+                                    <p:set>
+                                      <p:cBhvr>
+                                        <p:cTn id="49" dur="1" fill="hold">
+                                          <p:stCondLst>
+                                            <p:cond delay="0"/>
+                                          </p:stCondLst>
+                                        </p:cTn>
+                                        <p:tgtEl>
+                                          <p:spTgt spid="20"/>
+                                        </p:tgtEl>
+                                        <p:attrNameLst>
+                                          <p:attrName>style.visibility</p:attrName>
+                                        </p:attrNameLst>
+                                      </p:cBhvr>
+                                      <p:to>
+                                        <p:strVal val="visible"/>
+                                      </p:to>
+                                    </p:set>
+                                    <p:animEffect transition="in" filter="fade">
+                                      <p:cBhvr>
+                                        <p:cTn id="50" dur="500"/>
+                                        <p:tgtEl>
+                                          <p:spTgt spid="20"/>
+                                        </p:tgtEl>
+                                      </p:cBhvr>
+                                    </p:animEffect>
+                                  </p:childTnLst>
+                                </p:cTn>
+                              </p:par>
+                              <p:par>
+                                <p:cTn id="51" presetID="10" presetClass="entr" presetSubtype="0" fill="hold" nodeType="withEffect">
+                                  <p:stCondLst>
+                                    <p:cond delay="0"/>
+                                  </p:stCondLst>
+                                  <p:childTnLst>
+                                    <p:set>
+                                      <p:cBhvr>
+                                        <p:cTn id="52" dur="1" fill="hold">
+                                          <p:stCondLst>
+                                            <p:cond delay="0"/>
+                                          </p:stCondLst>
+                                        </p:cTn>
+                                        <p:tgtEl>
+                                          <p:spTgt spid="18"/>
+                                        </p:tgtEl>
+                                        <p:attrNameLst>
+                                          <p:attrName>style.visibility</p:attrName>
+                                        </p:attrNameLst>
+                                      </p:cBhvr>
+                                      <p:to>
+                                        <p:strVal val="visible"/>
+                                      </p:to>
+                                    </p:set>
+                                    <p:animEffect transition="in" filter="fade">
+                                      <p:cBhvr>
+                                        <p:cTn id="53" dur="500"/>
+                                        <p:tgtEl>
+                                          <p:spTgt spid="18"/>
+                                        </p:tgtEl>
+                                      </p:cBhvr>
+                                    </p:animEffect>
+                                  </p:childTnLst>
+                                </p:cTn>
+                              </p:par>
+                              <p:par>
+                                <p:cTn id="54" presetID="10" presetClass="entr" presetSubtype="0" fill="hold" grpId="0" nodeType="withEffect">
+                                  <p:stCondLst>
+                                    <p:cond delay="0"/>
+                                  </p:stCondLst>
+                                  <p:childTnLst>
+                                    <p:set>
+                                      <p:cBhvr>
+                                        <p:cTn id="55" dur="1" fill="hold">
+                                          <p:stCondLst>
+                                            <p:cond delay="0"/>
+                                          </p:stCondLst>
+                                        </p:cTn>
+                                        <p:tgtEl>
+                                          <p:spTgt spid="19"/>
+                                        </p:tgtEl>
+                                        <p:attrNameLst>
+                                          <p:attrName>style.visibility</p:attrName>
+                                        </p:attrNameLst>
+                                      </p:cBhvr>
+                                      <p:to>
+                                        <p:strVal val="visible"/>
+                                      </p:to>
+                                    </p:set>
+                                    <p:animEffect transition="in" filter="fade">
+                                      <p:cBhvr>
+                                        <p:cTn id="56" dur="500"/>
+                                        <p:tgtEl>
+                                          <p:spTgt spid="19"/>
+                                        </p:tgtEl>
+                                      </p:cBhvr>
+                                    </p:animEffect>
+                                  </p:childTnLst>
+                                </p:cTn>
+                              </p:par>
+                              <p:par>
+                                <p:cTn id="57" presetID="10" presetClass="entr" presetSubtype="0" fill="hold" grpId="0" nodeType="withEffect">
+                                  <p:stCondLst>
+                                    <p:cond delay="0"/>
+                                  </p:stCondLst>
+                                  <p:childTnLst>
+                                    <p:set>
+                                      <p:cBhvr>
+                                        <p:cTn id="58" dur="1" fill="hold">
+                                          <p:stCondLst>
+                                            <p:cond delay="0"/>
+                                          </p:stCondLst>
+                                        </p:cTn>
+                                        <p:tgtEl>
+                                          <p:spTgt spid="25"/>
+                                        </p:tgtEl>
+                                        <p:attrNameLst>
+                                          <p:attrName>style.visibility</p:attrName>
+                                        </p:attrNameLst>
+                                      </p:cBhvr>
+                                      <p:to>
+                                        <p:strVal val="visible"/>
+                                      </p:to>
+                                    </p:set>
+                                    <p:animEffect transition="in" filter="fade">
+                                      <p:cBhvr>
+                                        <p:cTn id="59" dur="500"/>
+                                        <p:tgtEl>
+                                          <p:spTgt spid="25"/>
+                                        </p:tgtEl>
+                                      </p:cBhvr>
+                                    </p:animEffect>
+                                  </p:childTnLst>
+                                </p:cTn>
+                              </p:par>
+                            </p:childTnLst>
+                          </p:cTn>
+                        </p:par>
+                      </p:childTnLst>
+                    </p:cTn>
+                  </p:par>
+                  <p:par>
+                    <p:cTn id="60" fill="hold">
+                      <p:stCondLst>
+                        <p:cond delay="indefinite"/>
+                      </p:stCondLst>
+                      <p:childTnLst>
+                        <p:par>
+                          <p:cTn id="61" fill="hold">
+                            <p:stCondLst>
+                              <p:cond delay="0"/>
+                            </p:stCondLst>
+                            <p:childTnLst>
+                              <p:par>
+                                <p:cTn id="62" presetID="10" presetClass="entr" presetSubtype="0" fill="hold" grpId="0" nodeType="clickEffect">
+                                  <p:stCondLst>
+                                    <p:cond delay="0"/>
+                                  </p:stCondLst>
+                                  <p:childTnLst>
+                                    <p:set>
+                                      <p:cBhvr>
+                                        <p:cTn id="63" dur="1" fill="hold">
+                                          <p:stCondLst>
+                                            <p:cond delay="0"/>
+                                          </p:stCondLst>
+                                        </p:cTn>
+                                        <p:tgtEl>
+                                          <p:spTgt spid="37"/>
+                                        </p:tgtEl>
+                                        <p:attrNameLst>
+                                          <p:attrName>style.visibility</p:attrName>
+                                        </p:attrNameLst>
+                                      </p:cBhvr>
+                                      <p:to>
+                                        <p:strVal val="visible"/>
+                                      </p:to>
+                                    </p:set>
+                                    <p:animEffect transition="in" filter="fade">
+                                      <p:cBhvr>
+                                        <p:cTn id="64" dur="500"/>
+                                        <p:tgtEl>
+                                          <p:spTgt spid="37"/>
+                                        </p:tgtEl>
+                                      </p:cBhvr>
+                                    </p:animEffect>
+                                  </p:childTnLst>
+                                </p:cTn>
+                              </p:par>
+                            </p:childTnLst>
+                          </p:cTn>
+                        </p:par>
+                      </p:childTnLst>
+                    </p:cTn>
+                  </p:par>
+                  <p:par>
+                    <p:cTn id="65" fill="hold">
+                      <p:stCondLst>
+                        <p:cond delay="indefinite"/>
+                      </p:stCondLst>
+                      <p:childTnLst>
+                        <p:par>
+                          <p:cTn id="66" fill="hold">
+                            <p:stCondLst>
+                              <p:cond delay="0"/>
+                            </p:stCondLst>
+                            <p:childTnLst>
+                              <p:par>
+                                <p:cTn id="67" presetID="10" presetClass="entr" presetSubtype="0" fill="hold" grpId="0" nodeType="clickEffect">
+                                  <p:stCondLst>
+                                    <p:cond delay="0"/>
+                                  </p:stCondLst>
+                                  <p:childTnLst>
+                                    <p:set>
+                                      <p:cBhvr>
+                                        <p:cTn id="68" dur="1" fill="hold">
+                                          <p:stCondLst>
+                                            <p:cond delay="0"/>
+                                          </p:stCondLst>
+                                        </p:cTn>
+                                        <p:tgtEl>
+                                          <p:spTgt spid="39"/>
+                                        </p:tgtEl>
+                                        <p:attrNameLst>
+                                          <p:attrName>style.visibility</p:attrName>
+                                        </p:attrNameLst>
+                                      </p:cBhvr>
+                                      <p:to>
+                                        <p:strVal val="visible"/>
+                                      </p:to>
+                                    </p:set>
+                                    <p:animEffect transition="in" filter="fade">
+                                      <p:cBhvr>
+                                        <p:cTn id="69" dur="500"/>
+                                        <p:tgtEl>
+                                          <p:spTgt spid="39"/>
+                                        </p:tgtEl>
+                                      </p:cBhvr>
+                                    </p:animEffect>
+                                  </p:childTnLst>
+                                </p:cTn>
+                              </p:par>
+                              <p:par>
+                                <p:cTn id="70" presetID="10" presetClass="entr" presetSubtype="0" fill="hold" grpId="0" nodeType="withEffect">
+                                  <p:stCondLst>
+                                    <p:cond delay="0"/>
+                                  </p:stCondLst>
+                                  <p:childTnLst>
+                                    <p:set>
+                                      <p:cBhvr>
+                                        <p:cTn id="71" dur="1" fill="hold">
+                                          <p:stCondLst>
+                                            <p:cond delay="0"/>
+                                          </p:stCondLst>
+                                        </p:cTn>
+                                        <p:tgtEl>
+                                          <p:spTgt spid="42"/>
+                                        </p:tgtEl>
+                                        <p:attrNameLst>
+                                          <p:attrName>style.visibility</p:attrName>
+                                        </p:attrNameLst>
+                                      </p:cBhvr>
+                                      <p:to>
+                                        <p:strVal val="visible"/>
+                                      </p:to>
+                                    </p:set>
+                                    <p:animEffect transition="in" filter="fade">
+                                      <p:cBhvr>
+                                        <p:cTn id="72" dur="500"/>
+                                        <p:tgtEl>
+                                          <p:spTgt spid="42"/>
+                                        </p:tgtEl>
+                                      </p:cBhvr>
+                                    </p:animEffect>
+                                  </p:childTnLst>
+                                </p:cTn>
+                              </p:par>
+                              <p:par>
+                                <p:cTn id="73" presetID="10" presetClass="entr" presetSubtype="0" fill="hold" grpId="0" nodeType="withEffect">
+                                  <p:stCondLst>
+                                    <p:cond delay="0"/>
+                                  </p:stCondLst>
+                                  <p:childTnLst>
+                                    <p:set>
+                                      <p:cBhvr>
+                                        <p:cTn id="74" dur="1" fill="hold">
+                                          <p:stCondLst>
+                                            <p:cond delay="0"/>
+                                          </p:stCondLst>
+                                        </p:cTn>
+                                        <p:tgtEl>
+                                          <p:spTgt spid="46"/>
+                                        </p:tgtEl>
+                                        <p:attrNameLst>
+                                          <p:attrName>style.visibility</p:attrName>
+                                        </p:attrNameLst>
+                                      </p:cBhvr>
+                                      <p:to>
+                                        <p:strVal val="visible"/>
+                                      </p:to>
+                                    </p:set>
+                                    <p:animEffect transition="in" filter="fade">
+                                      <p:cBhvr>
+                                        <p:cTn id="75" dur="500"/>
+                                        <p:tgtEl>
+                                          <p:spTgt spid="46"/>
+                                        </p:tgtEl>
+                                      </p:cBhvr>
+                                    </p:animEffect>
+                                  </p:childTnLst>
+                                </p:cTn>
+                              </p:par>
+                              <p:par>
+                                <p:cTn id="76" presetID="10" presetClass="entr" presetSubtype="0" fill="hold" nodeType="withEffect">
+                                  <p:stCondLst>
+                                    <p:cond delay="0"/>
+                                  </p:stCondLst>
+                                  <p:childTnLst>
+                                    <p:set>
+                                      <p:cBhvr>
+                                        <p:cTn id="77" dur="1" fill="hold">
+                                          <p:stCondLst>
+                                            <p:cond delay="0"/>
+                                          </p:stCondLst>
+                                        </p:cTn>
+                                        <p:tgtEl>
+                                          <p:spTgt spid="47"/>
+                                        </p:tgtEl>
+                                        <p:attrNameLst>
+                                          <p:attrName>style.visibility</p:attrName>
+                                        </p:attrNameLst>
+                                      </p:cBhvr>
+                                      <p:to>
+                                        <p:strVal val="visible"/>
+                                      </p:to>
+                                    </p:set>
+                                    <p:animEffect transition="in" filter="fade">
+                                      <p:cBhvr>
+                                        <p:cTn id="78" dur="500"/>
+                                        <p:tgtEl>
+                                          <p:spTgt spid="47"/>
+                                        </p:tgtEl>
+                                      </p:cBhvr>
+                                    </p:animEffect>
+                                  </p:childTnLst>
+                                </p:cTn>
+                              </p:par>
+                              <p:par>
+                                <p:cTn id="79" presetID="10" presetClass="entr" presetSubtype="0" fill="hold" grpId="0" nodeType="withEffect">
+                                  <p:stCondLst>
+                                    <p:cond delay="0"/>
+                                  </p:stCondLst>
+                                  <p:childTnLst>
+                                    <p:set>
+                                      <p:cBhvr>
+                                        <p:cTn id="80" dur="1" fill="hold">
+                                          <p:stCondLst>
+                                            <p:cond delay="0"/>
+                                          </p:stCondLst>
+                                        </p:cTn>
+                                        <p:tgtEl>
+                                          <p:spTgt spid="49"/>
+                                        </p:tgtEl>
+                                        <p:attrNameLst>
+                                          <p:attrName>style.visibility</p:attrName>
+                                        </p:attrNameLst>
+                                      </p:cBhvr>
+                                      <p:to>
+                                        <p:strVal val="visible"/>
+                                      </p:to>
+                                    </p:set>
+                                    <p:animEffect transition="in" filter="fade">
+                                      <p:cBhvr>
+                                        <p:cTn id="81" dur="500"/>
+                                        <p:tgtEl>
+                                          <p:spTgt spid="49"/>
+                                        </p:tgtEl>
+                                      </p:cBhvr>
+                                    </p:animEffect>
+                                  </p:childTnLst>
+                                </p:cTn>
+                              </p:par>
+                              <p:par>
+                                <p:cTn id="82" presetID="10" presetClass="entr" presetSubtype="0" fill="hold" grpId="0" nodeType="withEffect">
+                                  <p:stCondLst>
+                                    <p:cond delay="0"/>
+                                  </p:stCondLst>
+                                  <p:childTnLst>
+                                    <p:set>
+                                      <p:cBhvr>
+                                        <p:cTn id="83" dur="1" fill="hold">
+                                          <p:stCondLst>
+                                            <p:cond delay="0"/>
+                                          </p:stCondLst>
+                                        </p:cTn>
+                                        <p:tgtEl>
+                                          <p:spTgt spid="50"/>
+                                        </p:tgtEl>
+                                        <p:attrNameLst>
+                                          <p:attrName>style.visibility</p:attrName>
+                                        </p:attrNameLst>
+                                      </p:cBhvr>
+                                      <p:to>
+                                        <p:strVal val="visible"/>
+                                      </p:to>
+                                    </p:set>
+                                    <p:animEffect transition="in" filter="fade">
+                                      <p:cBhvr>
+                                        <p:cTn id="84" dur="500"/>
+                                        <p:tgtEl>
+                                          <p:spTgt spid="50"/>
+                                        </p:tgtEl>
+                                      </p:cBhvr>
+                                    </p:animEffect>
+                                  </p:childTnLst>
+                                </p:cTn>
+                              </p:par>
+                            </p:childTnLst>
+                          </p:cTn>
+                        </p:par>
+                      </p:childTnLst>
+                    </p:cTn>
+                  </p:par>
+                  <p:par>
+                    <p:cTn id="85" fill="hold">
+                      <p:stCondLst>
+                        <p:cond delay="indefinite"/>
+                      </p:stCondLst>
+                      <p:childTnLst>
+                        <p:par>
+                          <p:cTn id="86" fill="hold">
+                            <p:stCondLst>
+                              <p:cond delay="0"/>
+                            </p:stCondLst>
+                            <p:childTnLst>
+                              <p:par>
+                                <p:cTn id="87" presetID="10" presetClass="entr" presetSubtype="0" fill="hold" grpId="0" nodeType="clickEffect">
+                                  <p:stCondLst>
+                                    <p:cond delay="0"/>
+                                  </p:stCondLst>
+                                  <p:childTnLst>
+                                    <p:set>
+                                      <p:cBhvr>
+                                        <p:cTn id="88" dur="1" fill="hold">
+                                          <p:stCondLst>
+                                            <p:cond delay="0"/>
+                                          </p:stCondLst>
+                                        </p:cTn>
+                                        <p:tgtEl>
+                                          <p:spTgt spid="52"/>
+                                        </p:tgtEl>
+                                        <p:attrNameLst>
+                                          <p:attrName>style.visibility</p:attrName>
+                                        </p:attrNameLst>
+                                      </p:cBhvr>
+                                      <p:to>
+                                        <p:strVal val="visible"/>
+                                      </p:to>
+                                    </p:set>
+                                    <p:animEffect transition="in" filter="fade">
+                                      <p:cBhvr>
+                                        <p:cTn id="89" dur="500"/>
+                                        <p:tgtEl>
+                                          <p:spTgt spid="52"/>
+                                        </p:tgtEl>
+                                      </p:cBhvr>
+                                    </p:animEffect>
+                                  </p:childTnLst>
+                                </p:cTn>
+                              </p:par>
+                            </p:childTnLst>
+                          </p:cTn>
+                        </p:par>
+                      </p:childTnLst>
+                    </p:cTn>
+                  </p:par>
+                </p:childTnLst>
+              </p:cTn>
+              <p:prevCondLst>
+                <p:cond evt="onPrev" delay="0">
+                  <p:tgtEl>
+                    <p:sldTgt/>
+                  </p:tgtEl>
+                </p:cond>
+              </p:prevCondLst>
+              <p:nextCondLst>
+                <p:cond evt="onNext" delay="0">
+                  <p:tgtEl>
+                    <p:sldTgt/>
+                  </p:tgtEl>
+                </p:cond>
+              </p:nextCondLst>
+            </p:seq>
+          </p:childTnLst>
+        </p:cTn>
+      </p:par>
+    </p:tnLst>
+    <p:bldLst>
+      <p:bldP spid="5" grpId="0" animBg="1"/>
+      <p:bldP spid="6" grpId="0" animBg="1"/>
+      <p:bldP spid="7" grpId="0" animBg="1"/>
+      <p:bldP spid="12" grpId="0"/>
+      <p:bldP spid="14" grpId="0" animBg="1"/>
+      <p:bldP spid="15" grpId="0" animBg="1"/>
+      <p:bldP spid="19" grpId="0"/>
+      <p:bldP spid="20" grpId="0" animBg="1"/>
+      <p:bldP spid="25" grpId="0" animBg="1"/>
+      <p:bldP spid="32" grpId="0"/>
+      <p:bldP spid="37" grpId="0" animBg="1"/>
+      <p:bldP spid="39" grpId="0" animBg="1"/>
+      <p:bldP spid="42" grpId="0" animBg="1"/>
+      <p:bldP spid="46" grpId="0" animBg="1"/>
+      <p:bldP spid="49" grpId="0" animBg="1"/>
+      <p:bldP spid="50" grpId="0" animBg="1"/>
+      <p:bldP spid="52" grpId="0"/>
+    </p:bldLst>
+  </p:timing>
 </p:sld>
 </file>
 

--- a/illustrations/illustrations.pptx
+++ b/illustrations/illustrations.pptx
@@ -5,13 +5,17 @@
     <p:sldMasterId id="2147483648" r:id="rId1"/>
   </p:sldMasterIdLst>
   <p:notesMasterIdLst>
-    <p:notesMasterId r:id="rId6"/>
+    <p:notesMasterId r:id="rId10"/>
   </p:notesMasterIdLst>
   <p:sldIdLst>
     <p:sldId id="574" r:id="rId2"/>
     <p:sldId id="575" r:id="rId3"/>
     <p:sldId id="576" r:id="rId4"/>
     <p:sldId id="577" r:id="rId5"/>
+    <p:sldId id="578" r:id="rId6"/>
+    <p:sldId id="579" r:id="rId7"/>
+    <p:sldId id="580" r:id="rId8"/>
+    <p:sldId id="581" r:id="rId9"/>
   </p:sldIdLst>
   <p:sldSz cx="9144000" cy="6858000" type="screen4x3"/>
   <p:notesSz cx="6858000" cy="9144000"/>
@@ -233,7 +237,7 @@
             <a:fld id="{1C54B592-DDDB-4FBB-91F2-233647701935}" type="datetimeFigureOut">
               <a:rPr lang="en-US" smtClean="0"/>
               <a:pPr/>
-              <a:t>11/21/2015</a:t>
+              <a:t>1/30/2016</a:t>
             </a:fld>
             <a:endParaRPr lang="en-US" dirty="0"/>
           </a:p>
@@ -791,7 +795,7 @@
           <a:p>
             <a:fld id="{C7AE018C-EBF3-4294-9E53-BB9692A1B238}" type="datetime1">
               <a:rPr lang="en-US" smtClean="0"/>
-              <a:t>11/21/2015</a:t>
+              <a:t>1/30/2016</a:t>
             </a:fld>
             <a:endParaRPr lang="en-US" dirty="0"/>
           </a:p>
@@ -850,13 +854,6 @@
   <p:clrMapOvr>
     <a:masterClrMapping/>
   </p:clrMapOvr>
-  <p:timing>
-    <p:tnLst>
-      <p:par>
-        <p:cTn id="1" dur="indefinite" restart="never" nodeType="tmRoot"/>
-      </p:par>
-    </p:tnLst>
-  </p:timing>
 </p:sldLayout>
 </file>
 
@@ -954,7 +951,7 @@
           <a:p>
             <a:fld id="{AC5D3C69-66A1-4D00-B513-42CC0FCC59B6}" type="datetime1">
               <a:rPr lang="en-US" smtClean="0"/>
-              <a:t>11/21/2015</a:t>
+              <a:t>1/30/2016</a:t>
             </a:fld>
             <a:endParaRPr lang="en-US" dirty="0"/>
           </a:p>
@@ -1013,13 +1010,6 @@
   <p:clrMapOvr>
     <a:masterClrMapping/>
   </p:clrMapOvr>
-  <p:timing>
-    <p:tnLst>
-      <p:par>
-        <p:cTn id="1" dur="indefinite" restart="never" nodeType="tmRoot"/>
-      </p:par>
-    </p:tnLst>
-  </p:timing>
 </p:sldLayout>
 </file>
 
@@ -1057,7 +1047,7 @@
           <a:p>
             <a:fld id="{DF081C4C-367B-4CA1-BFE5-DD5EF40A8C1E}" type="datetime1">
               <a:rPr lang="en-US" smtClean="0"/>
-              <a:t>11/21/2015</a:t>
+              <a:t>1/30/2016</a:t>
             </a:fld>
             <a:endParaRPr lang="en-US" dirty="0"/>
           </a:p>
@@ -1347,7 +1337,7 @@
           <a:p>
             <a:fld id="{7284FD7A-D0F1-4BFD-9AB1-D45A3214561B}" type="datetime1">
               <a:rPr lang="en-US" smtClean="0"/>
-              <a:t>11/21/2015</a:t>
+              <a:t>1/30/2016</a:t>
             </a:fld>
             <a:endParaRPr lang="en-US" dirty="0"/>
           </a:p>
@@ -1644,7 +1634,7 @@
           <a:p>
             <a:fld id="{7C1E8470-7002-4B16-912E-F3381BBFC303}" type="datetime1">
               <a:rPr lang="en-US" smtClean="0"/>
-              <a:t>11/21/2015</a:t>
+              <a:t>1/30/2016</a:t>
             </a:fld>
             <a:endParaRPr lang="en-US" dirty="0"/>
           </a:p>
@@ -2075,7 +2065,7 @@
           <a:p>
             <a:fld id="{2668835A-C4A1-487E-A7B8-3E3B6A85266C}" type="datetime1">
               <a:rPr lang="en-US" smtClean="0"/>
-              <a:t>11/21/2015</a:t>
+              <a:t>1/30/2016</a:t>
             </a:fld>
             <a:endParaRPr lang="en-US" dirty="0"/>
           </a:p>
@@ -2171,7 +2161,7 @@
           <a:p>
             <a:fld id="{83E71AAB-E703-47FE-974E-9D2B932F9534}" type="datetime1">
               <a:rPr lang="en-US" smtClean="0"/>
-              <a:t>11/21/2015</a:t>
+              <a:t>1/30/2016</a:t>
             </a:fld>
             <a:endParaRPr lang="en-US" dirty="0"/>
           </a:p>
@@ -2357,7 +2347,7 @@
           <a:p>
             <a:fld id="{C6C74358-98AB-4C1A-82FF-49E7FEE02080}" type="datetime1">
               <a:rPr lang="en-US" smtClean="0"/>
-              <a:t>11/21/2015</a:t>
+              <a:t>1/30/2016</a:t>
             </a:fld>
             <a:endParaRPr lang="en-US" dirty="0"/>
           </a:p>
@@ -2459,13 +2449,6 @@
     <p:sldLayoutId id="2147483653" r:id="rId6"/>
     <p:sldLayoutId id="2147483655" r:id="rId7"/>
   </p:sldLayoutIdLst>
-  <p:timing>
-    <p:tnLst>
-      <p:par>
-        <p:cTn id="1" dur="indefinite" restart="never" nodeType="tmRoot"/>
-      </p:par>
-    </p:tnLst>
-  </p:timing>
   <p:hf hdr="0" ftr="0" dt="0"/>
   <p:txStyles>
     <p:titleStyle>
@@ -3298,13 +3281,6 @@
   <p:clrMapOvr>
     <a:masterClrMapping/>
   </p:clrMapOvr>
-  <p:timing>
-    <p:tnLst>
-      <p:par>
-        <p:cTn id="1" dur="indefinite" restart="never" nodeType="tmRoot"/>
-      </p:par>
-    </p:tnLst>
-  </p:timing>
 </p:sld>
 </file>
 
@@ -4486,10 +4462,6 @@
               </a:rPr>
               <a:t>Logic App</a:t>
             </a:r>
-            <a:endParaRPr lang="en-US" sz="1400" dirty="0" smtClean="0">
-              <a:latin typeface="Segoe UI Light" panose="020B0502040204020203" pitchFamily="34" charset="0"/>
-              <a:cs typeface="Segoe UI Light" panose="020B0502040204020203" pitchFamily="34" charset="0"/>
-            </a:endParaRPr>
           </a:p>
           <a:p>
             <a:pPr algn="ctr"/>
@@ -4553,10 +4525,6 @@
               </a:rPr>
               <a:t>API App</a:t>
             </a:r>
-            <a:endParaRPr lang="en-US" sz="1400" dirty="0" smtClean="0">
-              <a:latin typeface="Segoe UI Light" panose="020B0502040204020203" pitchFamily="34" charset="0"/>
-              <a:cs typeface="Segoe UI Light" panose="020B0502040204020203" pitchFamily="34" charset="0"/>
-            </a:endParaRPr>
           </a:p>
           <a:p>
             <a:pPr algn="ctr"/>
@@ -4627,10 +4595,6 @@
               </a:rPr>
               <a:t>Web API</a:t>
             </a:r>
-            <a:endParaRPr lang="en-US" sz="1400" dirty="0" smtClean="0">
-              <a:latin typeface="Segoe UI Light" panose="020B0502040204020203" pitchFamily="34" charset="0"/>
-              <a:cs typeface="Segoe UI Light" panose="020B0502040204020203" pitchFamily="34" charset="0"/>
-            </a:endParaRPr>
           </a:p>
           <a:p>
             <a:pPr algn="ctr"/>
@@ -5284,14 +5248,7 @@
                 <a:latin typeface="Segoe UI Light" panose="020B0502040204020203" pitchFamily="34" charset="0"/>
                 <a:cs typeface="Segoe UI Light" panose="020B0502040204020203" pitchFamily="34" charset="0"/>
               </a:rPr>
-              <a:t>Registration </a:t>
-            </a:r>
-            <a:r>
-              <a:rPr lang="en-US" sz="1400" dirty="0" smtClean="0">
-                <a:latin typeface="Segoe UI Light" panose="020B0502040204020203" pitchFamily="34" charset="0"/>
-                <a:cs typeface="Segoe UI Light" panose="020B0502040204020203" pitchFamily="34" charset="0"/>
-              </a:rPr>
-              <a:t>Phase</a:t>
+              <a:t>Registration Phase</a:t>
             </a:r>
             <a:endParaRPr lang="en-US" sz="1400" dirty="0">
               <a:latin typeface="Segoe UI Light" panose="020B0502040204020203" pitchFamily="34" charset="0"/>
@@ -5346,14 +5303,7 @@
                 <a:latin typeface="Segoe UI Light" panose="020B0502040204020203" pitchFamily="34" charset="0"/>
                 <a:cs typeface="Segoe UI Light" panose="020B0502040204020203" pitchFamily="34" charset="0"/>
               </a:rPr>
-              <a:t>Callback </a:t>
-            </a:r>
-            <a:r>
-              <a:rPr lang="en-US" sz="1400" dirty="0" smtClean="0">
-                <a:latin typeface="Segoe UI Light" panose="020B0502040204020203" pitchFamily="34" charset="0"/>
-                <a:cs typeface="Segoe UI Light" panose="020B0502040204020203" pitchFamily="34" charset="0"/>
-              </a:rPr>
-              <a:t>Phase</a:t>
+              <a:t>Callback Phase</a:t>
             </a:r>
             <a:endParaRPr lang="en-US" sz="1400" dirty="0">
               <a:latin typeface="Segoe UI Light" panose="020B0502040204020203" pitchFamily="34" charset="0"/>
@@ -6776,6 +6726,5502 @@
 </p:sld>
 </file>
 
+<file path=ppt/slides/slide5.xml><?xml version="1.0" encoding="utf-8"?>
+<p:sld xmlns:a="http://schemas.openxmlformats.org/drawingml/2006/main" xmlns:r="http://schemas.openxmlformats.org/officeDocument/2006/relationships" xmlns:p="http://schemas.openxmlformats.org/presentationml/2006/main">
+  <p:cSld>
+    <p:spTree>
+      <p:nvGrpSpPr>
+        <p:cNvPr id="1" name=""/>
+        <p:cNvGrpSpPr/>
+        <p:nvPr/>
+      </p:nvGrpSpPr>
+      <p:grpSpPr>
+        <a:xfrm>
+          <a:off x="0" y="0"/>
+          <a:ext cx="0" cy="0"/>
+          <a:chOff x="0" y="0"/>
+          <a:chExt cx="0" cy="0"/>
+        </a:xfrm>
+      </p:grpSpPr>
+      <p:sp>
+        <p:nvSpPr>
+          <p:cNvPr id="2" name="Slide Number Placeholder 1"/>
+          <p:cNvSpPr>
+            <a:spLocks noGrp="1"/>
+          </p:cNvSpPr>
+          <p:nvPr>
+            <p:ph type="sldNum" sz="quarter" idx="12"/>
+          </p:nvPr>
+        </p:nvSpPr>
+        <p:spPr/>
+        <p:txBody>
+          <a:bodyPr/>
+          <a:lstStyle/>
+          <a:p>
+            <a:fld id="{7C65DD3B-8E90-4815-956E-D18D24CB454B}" type="slidenum">
+              <a:rPr lang="en-US" smtClean="0"/>
+              <a:pPr/>
+              <a:t>5</a:t>
+            </a:fld>
+            <a:endParaRPr lang="en-US" dirty="0"/>
+          </a:p>
+        </p:txBody>
+      </p:sp>
+      <p:sp>
+        <p:nvSpPr>
+          <p:cNvPr id="3" name="Rectangle 2"/>
+          <p:cNvSpPr/>
+          <p:nvPr/>
+        </p:nvSpPr>
+        <p:spPr>
+          <a:xfrm>
+            <a:off x="609600" y="1371600"/>
+            <a:ext cx="1600200" cy="533400"/>
+          </a:xfrm>
+          <a:prstGeom prst="rect">
+            <a:avLst/>
+          </a:prstGeom>
+        </p:spPr>
+        <p:style>
+          <a:lnRef idx="2">
+            <a:schemeClr val="accent1">
+              <a:shade val="50000"/>
+            </a:schemeClr>
+          </a:lnRef>
+          <a:fillRef idx="1">
+            <a:schemeClr val="accent1"/>
+          </a:fillRef>
+          <a:effectRef idx="0">
+            <a:schemeClr val="accent1"/>
+          </a:effectRef>
+          <a:fontRef idx="minor">
+            <a:schemeClr val="lt1"/>
+          </a:fontRef>
+        </p:style>
+        <p:txBody>
+          <a:bodyPr rtlCol="0" anchor="ctr"/>
+          <a:lstStyle/>
+          <a:p>
+            <a:pPr algn="ctr"/>
+            <a:r>
+              <a:rPr lang="en-US" dirty="0" smtClean="0"/>
+              <a:t>GLOBAL</a:t>
+            </a:r>
+            <a:endParaRPr lang="en-US" dirty="0"/>
+          </a:p>
+        </p:txBody>
+      </p:sp>
+      <p:sp>
+        <p:nvSpPr>
+          <p:cNvPr id="5" name="Rectangle 4"/>
+          <p:cNvSpPr/>
+          <p:nvPr/>
+        </p:nvSpPr>
+        <p:spPr>
+          <a:xfrm>
+            <a:off x="2209800" y="2133600"/>
+            <a:ext cx="1600200" cy="533400"/>
+          </a:xfrm>
+          <a:prstGeom prst="rect">
+            <a:avLst/>
+          </a:prstGeom>
+        </p:spPr>
+        <p:style>
+          <a:lnRef idx="2">
+            <a:schemeClr val="accent6">
+              <a:shade val="50000"/>
+            </a:schemeClr>
+          </a:lnRef>
+          <a:fillRef idx="1">
+            <a:schemeClr val="accent6"/>
+          </a:fillRef>
+          <a:effectRef idx="0">
+            <a:schemeClr val="accent6"/>
+          </a:effectRef>
+          <a:fontRef idx="minor">
+            <a:schemeClr val="lt1"/>
+          </a:fontRef>
+        </p:style>
+        <p:txBody>
+          <a:bodyPr rtlCol="0" anchor="ctr"/>
+          <a:lstStyle/>
+          <a:p>
+            <a:pPr algn="ctr"/>
+            <a:r>
+              <a:rPr lang="en-US" dirty="0" smtClean="0"/>
+              <a:t>REGIONS</a:t>
+            </a:r>
+            <a:endParaRPr lang="en-US" dirty="0"/>
+          </a:p>
+        </p:txBody>
+      </p:sp>
+      <p:sp>
+        <p:nvSpPr>
+          <p:cNvPr id="7" name="Rectangle 6"/>
+          <p:cNvSpPr/>
+          <p:nvPr/>
+        </p:nvSpPr>
+        <p:spPr>
+          <a:xfrm>
+            <a:off x="3810000" y="2896755"/>
+            <a:ext cx="1600200" cy="533400"/>
+          </a:xfrm>
+          <a:prstGeom prst="rect">
+            <a:avLst/>
+          </a:prstGeom>
+        </p:spPr>
+        <p:style>
+          <a:lnRef idx="2">
+            <a:schemeClr val="accent5">
+              <a:shade val="50000"/>
+            </a:schemeClr>
+          </a:lnRef>
+          <a:fillRef idx="1">
+            <a:schemeClr val="accent5"/>
+          </a:fillRef>
+          <a:effectRef idx="0">
+            <a:schemeClr val="accent5"/>
+          </a:effectRef>
+          <a:fontRef idx="minor">
+            <a:schemeClr val="lt1"/>
+          </a:fontRef>
+        </p:style>
+        <p:txBody>
+          <a:bodyPr rtlCol="0" anchor="ctr"/>
+          <a:lstStyle/>
+          <a:p>
+            <a:pPr algn="ctr"/>
+            <a:r>
+              <a:rPr lang="en-US" dirty="0" smtClean="0"/>
+              <a:t>COUNTRIES</a:t>
+            </a:r>
+            <a:endParaRPr lang="en-US" dirty="0"/>
+          </a:p>
+        </p:txBody>
+      </p:sp>
+      <p:cxnSp>
+        <p:nvCxnSpPr>
+          <p:cNvPr id="10" name="Elbow Connector 9"/>
+          <p:cNvCxnSpPr>
+            <a:stCxn id="3" idx="2"/>
+            <a:endCxn id="5" idx="1"/>
+          </p:cNvCxnSpPr>
+          <p:nvPr/>
+        </p:nvCxnSpPr>
+        <p:spPr>
+          <a:xfrm rot="16200000" flipH="1">
+            <a:off x="1562100" y="1752600"/>
+            <a:ext cx="495300" cy="800100"/>
+          </a:xfrm>
+          <a:prstGeom prst="bentConnector2">
+            <a:avLst/>
+          </a:prstGeom>
+          <a:ln>
+            <a:tailEnd type="triangle"/>
+          </a:ln>
+        </p:spPr>
+        <p:style>
+          <a:lnRef idx="1">
+            <a:schemeClr val="accent1"/>
+          </a:lnRef>
+          <a:fillRef idx="0">
+            <a:schemeClr val="accent1"/>
+          </a:fillRef>
+          <a:effectRef idx="0">
+            <a:schemeClr val="accent1"/>
+          </a:effectRef>
+          <a:fontRef idx="minor">
+            <a:schemeClr val="tx1"/>
+          </a:fontRef>
+        </p:style>
+      </p:cxnSp>
+      <p:sp>
+        <p:nvSpPr>
+          <p:cNvPr id="13" name="Rectangle 12"/>
+          <p:cNvSpPr/>
+          <p:nvPr/>
+        </p:nvSpPr>
+        <p:spPr>
+          <a:xfrm>
+            <a:off x="5410200" y="3657600"/>
+            <a:ext cx="1600200" cy="533400"/>
+          </a:xfrm>
+          <a:prstGeom prst="rect">
+            <a:avLst/>
+          </a:prstGeom>
+        </p:spPr>
+        <p:style>
+          <a:lnRef idx="2">
+            <a:schemeClr val="accent3">
+              <a:shade val="50000"/>
+            </a:schemeClr>
+          </a:lnRef>
+          <a:fillRef idx="1">
+            <a:schemeClr val="accent3"/>
+          </a:fillRef>
+          <a:effectRef idx="0">
+            <a:schemeClr val="accent3"/>
+          </a:effectRef>
+          <a:fontRef idx="minor">
+            <a:schemeClr val="lt1"/>
+          </a:fontRef>
+        </p:style>
+        <p:txBody>
+          <a:bodyPr rtlCol="0" anchor="ctr"/>
+          <a:lstStyle/>
+          <a:p>
+            <a:pPr algn="ctr"/>
+            <a:r>
+              <a:rPr lang="en-US" dirty="0" smtClean="0"/>
+              <a:t>CALL CENTERS</a:t>
+            </a:r>
+            <a:endParaRPr lang="en-US" dirty="0"/>
+          </a:p>
+        </p:txBody>
+      </p:sp>
+      <p:sp>
+        <p:nvSpPr>
+          <p:cNvPr id="14" name="Rectangle 13"/>
+          <p:cNvSpPr/>
+          <p:nvPr/>
+        </p:nvSpPr>
+        <p:spPr>
+          <a:xfrm>
+            <a:off x="7010400" y="4419600"/>
+            <a:ext cx="1600200" cy="533400"/>
+          </a:xfrm>
+          <a:prstGeom prst="rect">
+            <a:avLst/>
+          </a:prstGeom>
+        </p:spPr>
+        <p:style>
+          <a:lnRef idx="2">
+            <a:schemeClr val="accent2">
+              <a:shade val="50000"/>
+            </a:schemeClr>
+          </a:lnRef>
+          <a:fillRef idx="1">
+            <a:schemeClr val="accent2"/>
+          </a:fillRef>
+          <a:effectRef idx="0">
+            <a:schemeClr val="accent2"/>
+          </a:effectRef>
+          <a:fontRef idx="minor">
+            <a:schemeClr val="lt1"/>
+          </a:fontRef>
+        </p:style>
+        <p:txBody>
+          <a:bodyPr rtlCol="0" anchor="ctr"/>
+          <a:lstStyle/>
+          <a:p>
+            <a:pPr algn="ctr"/>
+            <a:r>
+              <a:rPr lang="en-US" dirty="0" smtClean="0"/>
+              <a:t>REVENUE UNITS</a:t>
+            </a:r>
+            <a:endParaRPr lang="en-US" dirty="0"/>
+          </a:p>
+        </p:txBody>
+      </p:sp>
+      <p:cxnSp>
+        <p:nvCxnSpPr>
+          <p:cNvPr id="16" name="Elbow Connector 15"/>
+          <p:cNvCxnSpPr>
+            <a:stCxn id="5" idx="2"/>
+            <a:endCxn id="7" idx="1"/>
+          </p:cNvCxnSpPr>
+          <p:nvPr/>
+        </p:nvCxnSpPr>
+        <p:spPr>
+          <a:xfrm rot="16200000" flipH="1">
+            <a:off x="3161723" y="2515177"/>
+            <a:ext cx="496455" cy="800100"/>
+          </a:xfrm>
+          <a:prstGeom prst="bentConnector2">
+            <a:avLst/>
+          </a:prstGeom>
+          <a:ln>
+            <a:tailEnd type="triangle"/>
+          </a:ln>
+        </p:spPr>
+        <p:style>
+          <a:lnRef idx="1">
+            <a:schemeClr val="accent1"/>
+          </a:lnRef>
+          <a:fillRef idx="0">
+            <a:schemeClr val="accent1"/>
+          </a:fillRef>
+          <a:effectRef idx="0">
+            <a:schemeClr val="accent1"/>
+          </a:effectRef>
+          <a:fontRef idx="minor">
+            <a:schemeClr val="tx1"/>
+          </a:fontRef>
+        </p:style>
+      </p:cxnSp>
+      <p:cxnSp>
+        <p:nvCxnSpPr>
+          <p:cNvPr id="18" name="Elbow Connector 17"/>
+          <p:cNvCxnSpPr>
+            <a:stCxn id="7" idx="2"/>
+            <a:endCxn id="13" idx="1"/>
+          </p:cNvCxnSpPr>
+          <p:nvPr/>
+        </p:nvCxnSpPr>
+        <p:spPr>
+          <a:xfrm rot="16200000" flipH="1">
+            <a:off x="4763078" y="3277177"/>
+            <a:ext cx="494145" cy="800100"/>
+          </a:xfrm>
+          <a:prstGeom prst="bentConnector2">
+            <a:avLst/>
+          </a:prstGeom>
+          <a:ln>
+            <a:tailEnd type="triangle"/>
+          </a:ln>
+        </p:spPr>
+        <p:style>
+          <a:lnRef idx="1">
+            <a:schemeClr val="accent1"/>
+          </a:lnRef>
+          <a:fillRef idx="0">
+            <a:schemeClr val="accent1"/>
+          </a:fillRef>
+          <a:effectRef idx="0">
+            <a:schemeClr val="accent1"/>
+          </a:effectRef>
+          <a:fontRef idx="minor">
+            <a:schemeClr val="tx1"/>
+          </a:fontRef>
+        </p:style>
+      </p:cxnSp>
+      <p:cxnSp>
+        <p:nvCxnSpPr>
+          <p:cNvPr id="20" name="Elbow Connector 19"/>
+          <p:cNvCxnSpPr>
+            <a:stCxn id="13" idx="2"/>
+            <a:endCxn id="14" idx="1"/>
+          </p:cNvCxnSpPr>
+          <p:nvPr/>
+        </p:nvCxnSpPr>
+        <p:spPr>
+          <a:xfrm rot="16200000" flipH="1">
+            <a:off x="6362700" y="4038600"/>
+            <a:ext cx="495300" cy="800100"/>
+          </a:xfrm>
+          <a:prstGeom prst="bentConnector2">
+            <a:avLst/>
+          </a:prstGeom>
+          <a:ln>
+            <a:tailEnd type="triangle"/>
+          </a:ln>
+        </p:spPr>
+        <p:style>
+          <a:lnRef idx="1">
+            <a:schemeClr val="accent1"/>
+          </a:lnRef>
+          <a:fillRef idx="0">
+            <a:schemeClr val="accent1"/>
+          </a:fillRef>
+          <a:effectRef idx="0">
+            <a:schemeClr val="accent1"/>
+          </a:effectRef>
+          <a:fontRef idx="minor">
+            <a:schemeClr val="tx1"/>
+          </a:fontRef>
+        </p:style>
+      </p:cxnSp>
+      <p:cxnSp>
+        <p:nvCxnSpPr>
+          <p:cNvPr id="22" name="Elbow Connector 21"/>
+          <p:cNvCxnSpPr>
+            <a:stCxn id="5" idx="0"/>
+            <a:endCxn id="3" idx="3"/>
+          </p:cNvCxnSpPr>
+          <p:nvPr/>
+        </p:nvCxnSpPr>
+        <p:spPr>
+          <a:xfrm rot="16200000" flipV="1">
+            <a:off x="2362200" y="1485900"/>
+            <a:ext cx="495300" cy="800100"/>
+          </a:xfrm>
+          <a:prstGeom prst="bentConnector2">
+            <a:avLst/>
+          </a:prstGeom>
+          <a:ln>
+            <a:solidFill>
+              <a:srgbClr val="FF0000"/>
+            </a:solidFill>
+            <a:tailEnd type="triangle"/>
+          </a:ln>
+        </p:spPr>
+        <p:style>
+          <a:lnRef idx="1">
+            <a:schemeClr val="accent1"/>
+          </a:lnRef>
+          <a:fillRef idx="0">
+            <a:schemeClr val="accent1"/>
+          </a:fillRef>
+          <a:effectRef idx="0">
+            <a:schemeClr val="accent1"/>
+          </a:effectRef>
+          <a:fontRef idx="minor">
+            <a:schemeClr val="tx1"/>
+          </a:fontRef>
+        </p:style>
+      </p:cxnSp>
+      <p:cxnSp>
+        <p:nvCxnSpPr>
+          <p:cNvPr id="23" name="Elbow Connector 22"/>
+          <p:cNvCxnSpPr/>
+          <p:nvPr/>
+        </p:nvCxnSpPr>
+        <p:spPr>
+          <a:xfrm rot="16200000" flipV="1">
+            <a:off x="3962400" y="2193060"/>
+            <a:ext cx="495300" cy="800100"/>
+          </a:xfrm>
+          <a:prstGeom prst="bentConnector2">
+            <a:avLst/>
+          </a:prstGeom>
+          <a:ln>
+            <a:solidFill>
+              <a:srgbClr val="FF0000"/>
+            </a:solidFill>
+            <a:tailEnd type="triangle"/>
+          </a:ln>
+        </p:spPr>
+        <p:style>
+          <a:lnRef idx="1">
+            <a:schemeClr val="accent1"/>
+          </a:lnRef>
+          <a:fillRef idx="0">
+            <a:schemeClr val="accent1"/>
+          </a:fillRef>
+          <a:effectRef idx="0">
+            <a:schemeClr val="accent1"/>
+          </a:effectRef>
+          <a:fontRef idx="minor">
+            <a:schemeClr val="tx1"/>
+          </a:fontRef>
+        </p:style>
+      </p:cxnSp>
+      <p:cxnSp>
+        <p:nvCxnSpPr>
+          <p:cNvPr id="24" name="Elbow Connector 23"/>
+          <p:cNvCxnSpPr/>
+          <p:nvPr/>
+        </p:nvCxnSpPr>
+        <p:spPr>
+          <a:xfrm rot="16200000" flipV="1">
+            <a:off x="5562599" y="3011054"/>
+            <a:ext cx="495300" cy="800100"/>
+          </a:xfrm>
+          <a:prstGeom prst="bentConnector2">
+            <a:avLst/>
+          </a:prstGeom>
+          <a:ln>
+            <a:solidFill>
+              <a:srgbClr val="FF0000"/>
+            </a:solidFill>
+            <a:tailEnd type="triangle"/>
+          </a:ln>
+        </p:spPr>
+        <p:style>
+          <a:lnRef idx="1">
+            <a:schemeClr val="accent1"/>
+          </a:lnRef>
+          <a:fillRef idx="0">
+            <a:schemeClr val="accent1"/>
+          </a:fillRef>
+          <a:effectRef idx="0">
+            <a:schemeClr val="accent1"/>
+          </a:effectRef>
+          <a:fontRef idx="minor">
+            <a:schemeClr val="tx1"/>
+          </a:fontRef>
+        </p:style>
+      </p:cxnSp>
+      <p:cxnSp>
+        <p:nvCxnSpPr>
+          <p:cNvPr id="25" name="Elbow Connector 24"/>
+          <p:cNvCxnSpPr/>
+          <p:nvPr/>
+        </p:nvCxnSpPr>
+        <p:spPr>
+          <a:xfrm rot="16200000" flipV="1">
+            <a:off x="7162800" y="3771899"/>
+            <a:ext cx="495300" cy="800100"/>
+          </a:xfrm>
+          <a:prstGeom prst="bentConnector2">
+            <a:avLst/>
+          </a:prstGeom>
+          <a:ln>
+            <a:solidFill>
+              <a:srgbClr val="FF0000"/>
+            </a:solidFill>
+            <a:tailEnd type="triangle"/>
+          </a:ln>
+        </p:spPr>
+        <p:style>
+          <a:lnRef idx="1">
+            <a:schemeClr val="accent1"/>
+          </a:lnRef>
+          <a:fillRef idx="0">
+            <a:schemeClr val="accent1"/>
+          </a:fillRef>
+          <a:effectRef idx="0">
+            <a:schemeClr val="accent1"/>
+          </a:effectRef>
+          <a:fontRef idx="minor">
+            <a:schemeClr val="tx1"/>
+          </a:fontRef>
+        </p:style>
+      </p:cxnSp>
+      <p:sp>
+        <p:nvSpPr>
+          <p:cNvPr id="26" name="TextBox 25"/>
+          <p:cNvSpPr txBox="1"/>
+          <p:nvPr/>
+        </p:nvSpPr>
+        <p:spPr>
+          <a:xfrm>
+            <a:off x="1485899" y="2406692"/>
+            <a:ext cx="647699" cy="253916"/>
+          </a:xfrm>
+          <a:prstGeom prst="rect">
+            <a:avLst/>
+          </a:prstGeom>
+          <a:noFill/>
+        </p:spPr>
+        <p:txBody>
+          <a:bodyPr wrap="square" rtlCol="0">
+            <a:spAutoFit/>
+          </a:bodyPr>
+          <a:lstStyle/>
+          <a:p>
+            <a:pPr algn="ctr"/>
+            <a:r>
+              <a:rPr lang="en-US" sz="1050" dirty="0" smtClean="0"/>
+              <a:t>children</a:t>
+            </a:r>
+            <a:endParaRPr lang="en-US" sz="1050" dirty="0"/>
+          </a:p>
+        </p:txBody>
+      </p:sp>
+      <p:sp>
+        <p:nvSpPr>
+          <p:cNvPr id="27" name="TextBox 26"/>
+          <p:cNvSpPr txBox="1"/>
+          <p:nvPr/>
+        </p:nvSpPr>
+        <p:spPr>
+          <a:xfrm>
+            <a:off x="3086101" y="3182631"/>
+            <a:ext cx="647699" cy="253916"/>
+          </a:xfrm>
+          <a:prstGeom prst="rect">
+            <a:avLst/>
+          </a:prstGeom>
+          <a:noFill/>
+        </p:spPr>
+        <p:txBody>
+          <a:bodyPr wrap="square" rtlCol="0">
+            <a:spAutoFit/>
+          </a:bodyPr>
+          <a:lstStyle/>
+          <a:p>
+            <a:pPr algn="ctr"/>
+            <a:r>
+              <a:rPr lang="en-US" sz="1050" dirty="0" smtClean="0"/>
+              <a:t>children</a:t>
+            </a:r>
+            <a:endParaRPr lang="en-US" sz="1050" dirty="0"/>
+          </a:p>
+        </p:txBody>
+      </p:sp>
+      <p:sp>
+        <p:nvSpPr>
+          <p:cNvPr id="28" name="TextBox 27"/>
+          <p:cNvSpPr txBox="1"/>
+          <p:nvPr/>
+        </p:nvSpPr>
+        <p:spPr>
+          <a:xfrm>
+            <a:off x="4686301" y="3952423"/>
+            <a:ext cx="647699" cy="253916"/>
+          </a:xfrm>
+          <a:prstGeom prst="rect">
+            <a:avLst/>
+          </a:prstGeom>
+          <a:noFill/>
+        </p:spPr>
+        <p:txBody>
+          <a:bodyPr wrap="square" rtlCol="0">
+            <a:spAutoFit/>
+          </a:bodyPr>
+          <a:lstStyle/>
+          <a:p>
+            <a:pPr algn="ctr"/>
+            <a:r>
+              <a:rPr lang="en-US" sz="1050" dirty="0" smtClean="0"/>
+              <a:t>children</a:t>
+            </a:r>
+            <a:endParaRPr lang="en-US" sz="1050" dirty="0"/>
+          </a:p>
+        </p:txBody>
+      </p:sp>
+      <p:sp>
+        <p:nvSpPr>
+          <p:cNvPr id="29" name="TextBox 28"/>
+          <p:cNvSpPr txBox="1"/>
+          <p:nvPr/>
+        </p:nvSpPr>
+        <p:spPr>
+          <a:xfrm>
+            <a:off x="6286500" y="4714424"/>
+            <a:ext cx="647699" cy="253916"/>
+          </a:xfrm>
+          <a:prstGeom prst="rect">
+            <a:avLst/>
+          </a:prstGeom>
+          <a:noFill/>
+        </p:spPr>
+        <p:txBody>
+          <a:bodyPr wrap="square" rtlCol="0">
+            <a:spAutoFit/>
+          </a:bodyPr>
+          <a:lstStyle/>
+          <a:p>
+            <a:pPr algn="ctr"/>
+            <a:r>
+              <a:rPr lang="en-US" sz="1050" dirty="0" smtClean="0"/>
+              <a:t>children</a:t>
+            </a:r>
+            <a:endParaRPr lang="en-US" sz="1050" dirty="0"/>
+          </a:p>
+        </p:txBody>
+      </p:sp>
+      <p:sp>
+        <p:nvSpPr>
+          <p:cNvPr id="30" name="TextBox 29"/>
+          <p:cNvSpPr txBox="1"/>
+          <p:nvPr/>
+        </p:nvSpPr>
+        <p:spPr>
+          <a:xfrm>
+            <a:off x="2355274" y="1383229"/>
+            <a:ext cx="647699" cy="253916"/>
+          </a:xfrm>
+          <a:prstGeom prst="rect">
+            <a:avLst/>
+          </a:prstGeom>
+          <a:noFill/>
+        </p:spPr>
+        <p:txBody>
+          <a:bodyPr wrap="square" rtlCol="0">
+            <a:spAutoFit/>
+          </a:bodyPr>
+          <a:lstStyle/>
+          <a:p>
+            <a:pPr algn="ctr"/>
+            <a:r>
+              <a:rPr lang="en-US" sz="1050" dirty="0" smtClean="0"/>
+              <a:t>parent</a:t>
+            </a:r>
+            <a:endParaRPr lang="en-US" sz="1050" dirty="0"/>
+          </a:p>
+        </p:txBody>
+      </p:sp>
+      <p:sp>
+        <p:nvSpPr>
+          <p:cNvPr id="31" name="TextBox 30"/>
+          <p:cNvSpPr txBox="1"/>
+          <p:nvPr/>
+        </p:nvSpPr>
+        <p:spPr>
+          <a:xfrm>
+            <a:off x="3886200" y="2063546"/>
+            <a:ext cx="647699" cy="253916"/>
+          </a:xfrm>
+          <a:prstGeom prst="rect">
+            <a:avLst/>
+          </a:prstGeom>
+          <a:noFill/>
+        </p:spPr>
+        <p:txBody>
+          <a:bodyPr wrap="square" rtlCol="0">
+            <a:spAutoFit/>
+          </a:bodyPr>
+          <a:lstStyle/>
+          <a:p>
+            <a:pPr algn="ctr"/>
+            <a:r>
+              <a:rPr lang="en-US" sz="1050" dirty="0" smtClean="0"/>
+              <a:t>parent</a:t>
+            </a:r>
+            <a:endParaRPr lang="en-US" sz="1050" dirty="0"/>
+          </a:p>
+        </p:txBody>
+      </p:sp>
+      <p:sp>
+        <p:nvSpPr>
+          <p:cNvPr id="32" name="TextBox 31"/>
+          <p:cNvSpPr txBox="1"/>
+          <p:nvPr/>
+        </p:nvSpPr>
+        <p:spPr>
+          <a:xfrm>
+            <a:off x="5494482" y="2903146"/>
+            <a:ext cx="647699" cy="253916"/>
+          </a:xfrm>
+          <a:prstGeom prst="rect">
+            <a:avLst/>
+          </a:prstGeom>
+          <a:noFill/>
+        </p:spPr>
+        <p:txBody>
+          <a:bodyPr wrap="square" rtlCol="0">
+            <a:spAutoFit/>
+          </a:bodyPr>
+          <a:lstStyle/>
+          <a:p>
+            <a:pPr algn="ctr"/>
+            <a:r>
+              <a:rPr lang="en-US" sz="1050" dirty="0" smtClean="0"/>
+              <a:t>parent</a:t>
+            </a:r>
+            <a:endParaRPr lang="en-US" sz="1050" dirty="0"/>
+          </a:p>
+        </p:txBody>
+      </p:sp>
+      <p:sp>
+        <p:nvSpPr>
+          <p:cNvPr id="33" name="TextBox 32"/>
+          <p:cNvSpPr txBox="1"/>
+          <p:nvPr/>
+        </p:nvSpPr>
+        <p:spPr>
+          <a:xfrm>
+            <a:off x="7086600" y="3657600"/>
+            <a:ext cx="647699" cy="253916"/>
+          </a:xfrm>
+          <a:prstGeom prst="rect">
+            <a:avLst/>
+          </a:prstGeom>
+          <a:noFill/>
+        </p:spPr>
+        <p:txBody>
+          <a:bodyPr wrap="square" rtlCol="0">
+            <a:spAutoFit/>
+          </a:bodyPr>
+          <a:lstStyle/>
+          <a:p>
+            <a:pPr algn="ctr"/>
+            <a:r>
+              <a:rPr lang="en-US" sz="1050" dirty="0" smtClean="0"/>
+              <a:t>parent</a:t>
+            </a:r>
+            <a:endParaRPr lang="en-US" sz="1050" dirty="0"/>
+          </a:p>
+        </p:txBody>
+      </p:sp>
+    </p:spTree>
+    <p:extLst>
+      <p:ext uri="{BB962C8B-B14F-4D97-AF65-F5344CB8AC3E}">
+        <p14:creationId xmlns:p14="http://schemas.microsoft.com/office/powerpoint/2010/main" val="2944858878"/>
+      </p:ext>
+    </p:extLst>
+  </p:cSld>
+  <p:clrMapOvr>
+    <a:masterClrMapping/>
+  </p:clrMapOvr>
+</p:sld>
+</file>
+
+<file path=ppt/slides/slide6.xml><?xml version="1.0" encoding="utf-8"?>
+<p:sld xmlns:a="http://schemas.openxmlformats.org/drawingml/2006/main" xmlns:r="http://schemas.openxmlformats.org/officeDocument/2006/relationships" xmlns:p="http://schemas.openxmlformats.org/presentationml/2006/main">
+  <p:cSld>
+    <p:spTree>
+      <p:nvGrpSpPr>
+        <p:cNvPr id="1" name=""/>
+        <p:cNvGrpSpPr/>
+        <p:nvPr/>
+      </p:nvGrpSpPr>
+      <p:grpSpPr>
+        <a:xfrm>
+          <a:off x="0" y="0"/>
+          <a:ext cx="0" cy="0"/>
+          <a:chOff x="0" y="0"/>
+          <a:chExt cx="0" cy="0"/>
+        </a:xfrm>
+      </p:grpSpPr>
+      <p:sp>
+        <p:nvSpPr>
+          <p:cNvPr id="27" name="Rectangle 26"/>
+          <p:cNvSpPr/>
+          <p:nvPr/>
+        </p:nvSpPr>
+        <p:spPr>
+          <a:xfrm>
+            <a:off x="204352" y="2742623"/>
+            <a:ext cx="2232891" cy="371186"/>
+          </a:xfrm>
+          <a:prstGeom prst="rect">
+            <a:avLst/>
+          </a:prstGeom>
+        </p:spPr>
+        <p:style>
+          <a:lnRef idx="2">
+            <a:schemeClr val="accent1">
+              <a:shade val="50000"/>
+            </a:schemeClr>
+          </a:lnRef>
+          <a:fillRef idx="1">
+            <a:schemeClr val="accent1"/>
+          </a:fillRef>
+          <a:effectRef idx="0">
+            <a:schemeClr val="accent1"/>
+          </a:effectRef>
+          <a:fontRef idx="minor">
+            <a:schemeClr val="lt1"/>
+          </a:fontRef>
+        </p:style>
+        <p:txBody>
+          <a:bodyPr rtlCol="0" anchor="ctr"/>
+          <a:lstStyle/>
+          <a:p>
+            <a:pPr algn="ctr"/>
+            <a:r>
+              <a:rPr lang="en-US" dirty="0" smtClean="0"/>
+              <a:t>GLOBAL</a:t>
+            </a:r>
+            <a:endParaRPr lang="en-US" dirty="0"/>
+          </a:p>
+        </p:txBody>
+      </p:sp>
+      <p:sp>
+        <p:nvSpPr>
+          <p:cNvPr id="46" name="Rectangle 45"/>
+          <p:cNvSpPr/>
+          <p:nvPr/>
+        </p:nvSpPr>
+        <p:spPr>
+          <a:xfrm>
+            <a:off x="2490354" y="1821295"/>
+            <a:ext cx="6330370" cy="306532"/>
+          </a:xfrm>
+          <a:prstGeom prst="rect">
+            <a:avLst/>
+          </a:prstGeom>
+        </p:spPr>
+        <p:style>
+          <a:lnRef idx="2">
+            <a:schemeClr val="dk1">
+              <a:shade val="50000"/>
+            </a:schemeClr>
+          </a:lnRef>
+          <a:fillRef idx="1">
+            <a:schemeClr val="dk1"/>
+          </a:fillRef>
+          <a:effectRef idx="0">
+            <a:schemeClr val="dk1"/>
+          </a:effectRef>
+          <a:fontRef idx="minor">
+            <a:schemeClr val="lt1"/>
+          </a:fontRef>
+        </p:style>
+        <p:txBody>
+          <a:bodyPr rtlCol="0" anchor="ctr"/>
+          <a:lstStyle/>
+          <a:p>
+            <a:pPr algn="ctr"/>
+            <a:r>
+              <a:rPr lang="en-US" dirty="0" smtClean="0"/>
+              <a:t>WEEK: 3/2016</a:t>
+            </a:r>
+            <a:endParaRPr lang="en-US" dirty="0"/>
+          </a:p>
+        </p:txBody>
+      </p:sp>
+      <p:sp>
+        <p:nvSpPr>
+          <p:cNvPr id="62" name="Rectangle 61"/>
+          <p:cNvSpPr/>
+          <p:nvPr/>
+        </p:nvSpPr>
+        <p:spPr>
+          <a:xfrm>
+            <a:off x="2492662" y="2133600"/>
+            <a:ext cx="2037773" cy="306532"/>
+          </a:xfrm>
+          <a:prstGeom prst="rect">
+            <a:avLst/>
+          </a:prstGeom>
+          <a:ln>
+            <a:solidFill>
+              <a:schemeClr val="bg1"/>
+            </a:solidFill>
+          </a:ln>
+        </p:spPr>
+        <p:style>
+          <a:lnRef idx="2">
+            <a:schemeClr val="dk1">
+              <a:shade val="50000"/>
+            </a:schemeClr>
+          </a:lnRef>
+          <a:fillRef idx="1">
+            <a:schemeClr val="dk1"/>
+          </a:fillRef>
+          <a:effectRef idx="0">
+            <a:schemeClr val="dk1"/>
+          </a:effectRef>
+          <a:fontRef idx="minor">
+            <a:schemeClr val="lt1"/>
+          </a:fontRef>
+        </p:style>
+        <p:txBody>
+          <a:bodyPr rtlCol="0" anchor="ctr"/>
+          <a:lstStyle/>
+          <a:p>
+            <a:pPr algn="ctr"/>
+            <a:r>
+              <a:rPr lang="en-US" dirty="0" smtClean="0"/>
+              <a:t>WTD</a:t>
+            </a:r>
+            <a:endParaRPr lang="en-US" dirty="0"/>
+          </a:p>
+        </p:txBody>
+      </p:sp>
+      <p:sp>
+        <p:nvSpPr>
+          <p:cNvPr id="63" name="Rectangle 62"/>
+          <p:cNvSpPr/>
+          <p:nvPr/>
+        </p:nvSpPr>
+        <p:spPr>
+          <a:xfrm>
+            <a:off x="2492663" y="2436091"/>
+            <a:ext cx="1047172" cy="306532"/>
+          </a:xfrm>
+          <a:prstGeom prst="rect">
+            <a:avLst/>
+          </a:prstGeom>
+          <a:ln>
+            <a:solidFill>
+              <a:schemeClr val="bg1"/>
+            </a:solidFill>
+          </a:ln>
+        </p:spPr>
+        <p:style>
+          <a:lnRef idx="2">
+            <a:schemeClr val="dk1">
+              <a:shade val="50000"/>
+            </a:schemeClr>
+          </a:lnRef>
+          <a:fillRef idx="1">
+            <a:schemeClr val="dk1"/>
+          </a:fillRef>
+          <a:effectRef idx="0">
+            <a:schemeClr val="dk1"/>
+          </a:effectRef>
+          <a:fontRef idx="minor">
+            <a:schemeClr val="lt1"/>
+          </a:fontRef>
+        </p:style>
+        <p:txBody>
+          <a:bodyPr rtlCol="0" anchor="ctr"/>
+          <a:lstStyle/>
+          <a:p>
+            <a:pPr algn="ctr"/>
+            <a:r>
+              <a:rPr lang="en-US" dirty="0" smtClean="0"/>
+              <a:t>NS</a:t>
+            </a:r>
+            <a:endParaRPr lang="en-US" dirty="0"/>
+          </a:p>
+        </p:txBody>
+      </p:sp>
+      <p:sp>
+        <p:nvSpPr>
+          <p:cNvPr id="64" name="Rectangle 63"/>
+          <p:cNvSpPr/>
+          <p:nvPr/>
+        </p:nvSpPr>
+        <p:spPr>
+          <a:xfrm>
+            <a:off x="3539835" y="2436091"/>
+            <a:ext cx="990600" cy="306532"/>
+          </a:xfrm>
+          <a:prstGeom prst="rect">
+            <a:avLst/>
+          </a:prstGeom>
+          <a:ln>
+            <a:solidFill>
+              <a:schemeClr val="bg1"/>
+            </a:solidFill>
+          </a:ln>
+        </p:spPr>
+        <p:style>
+          <a:lnRef idx="2">
+            <a:schemeClr val="dk1">
+              <a:shade val="50000"/>
+            </a:schemeClr>
+          </a:lnRef>
+          <a:fillRef idx="1">
+            <a:schemeClr val="dk1"/>
+          </a:fillRef>
+          <a:effectRef idx="0">
+            <a:schemeClr val="dk1"/>
+          </a:effectRef>
+          <a:fontRef idx="minor">
+            <a:schemeClr val="lt1"/>
+          </a:fontRef>
+        </p:style>
+        <p:txBody>
+          <a:bodyPr rtlCol="0" anchor="ctr"/>
+          <a:lstStyle/>
+          <a:p>
+            <a:pPr algn="ctr"/>
+            <a:r>
+              <a:rPr lang="en-US" dirty="0" smtClean="0"/>
+              <a:t>NR</a:t>
+            </a:r>
+            <a:endParaRPr lang="en-US" dirty="0"/>
+          </a:p>
+        </p:txBody>
+      </p:sp>
+      <p:sp>
+        <p:nvSpPr>
+          <p:cNvPr id="74" name="Rectangle 73"/>
+          <p:cNvSpPr/>
+          <p:nvPr/>
+        </p:nvSpPr>
+        <p:spPr>
+          <a:xfrm>
+            <a:off x="4648200" y="2133600"/>
+            <a:ext cx="2037773" cy="306532"/>
+          </a:xfrm>
+          <a:prstGeom prst="rect">
+            <a:avLst/>
+          </a:prstGeom>
+          <a:ln>
+            <a:solidFill>
+              <a:schemeClr val="bg1"/>
+            </a:solidFill>
+          </a:ln>
+        </p:spPr>
+        <p:style>
+          <a:lnRef idx="2">
+            <a:schemeClr val="dk1">
+              <a:shade val="50000"/>
+            </a:schemeClr>
+          </a:lnRef>
+          <a:fillRef idx="1">
+            <a:schemeClr val="dk1"/>
+          </a:fillRef>
+          <a:effectRef idx="0">
+            <a:schemeClr val="dk1"/>
+          </a:effectRef>
+          <a:fontRef idx="minor">
+            <a:schemeClr val="lt1"/>
+          </a:fontRef>
+        </p:style>
+        <p:txBody>
+          <a:bodyPr rtlCol="0" anchor="ctr"/>
+          <a:lstStyle/>
+          <a:p>
+            <a:pPr algn="ctr"/>
+            <a:r>
+              <a:rPr lang="en-US" dirty="0" smtClean="0"/>
+              <a:t>QTD</a:t>
+            </a:r>
+            <a:endParaRPr lang="en-US" dirty="0"/>
+          </a:p>
+        </p:txBody>
+      </p:sp>
+      <p:sp>
+        <p:nvSpPr>
+          <p:cNvPr id="75" name="Rectangle 74"/>
+          <p:cNvSpPr/>
+          <p:nvPr/>
+        </p:nvSpPr>
+        <p:spPr>
+          <a:xfrm>
+            <a:off x="4648201" y="2436091"/>
+            <a:ext cx="1047172" cy="306532"/>
+          </a:xfrm>
+          <a:prstGeom prst="rect">
+            <a:avLst/>
+          </a:prstGeom>
+          <a:ln>
+            <a:solidFill>
+              <a:schemeClr val="bg1"/>
+            </a:solidFill>
+          </a:ln>
+        </p:spPr>
+        <p:style>
+          <a:lnRef idx="2">
+            <a:schemeClr val="dk1">
+              <a:shade val="50000"/>
+            </a:schemeClr>
+          </a:lnRef>
+          <a:fillRef idx="1">
+            <a:schemeClr val="dk1"/>
+          </a:fillRef>
+          <a:effectRef idx="0">
+            <a:schemeClr val="dk1"/>
+          </a:effectRef>
+          <a:fontRef idx="minor">
+            <a:schemeClr val="lt1"/>
+          </a:fontRef>
+        </p:style>
+        <p:txBody>
+          <a:bodyPr rtlCol="0" anchor="ctr"/>
+          <a:lstStyle/>
+          <a:p>
+            <a:pPr algn="ctr"/>
+            <a:r>
+              <a:rPr lang="en-US" dirty="0" smtClean="0"/>
+              <a:t>NS</a:t>
+            </a:r>
+            <a:endParaRPr lang="en-US" dirty="0"/>
+          </a:p>
+        </p:txBody>
+      </p:sp>
+      <p:sp>
+        <p:nvSpPr>
+          <p:cNvPr id="76" name="Rectangle 75"/>
+          <p:cNvSpPr/>
+          <p:nvPr/>
+        </p:nvSpPr>
+        <p:spPr>
+          <a:xfrm>
+            <a:off x="5695373" y="2436091"/>
+            <a:ext cx="990600" cy="306532"/>
+          </a:xfrm>
+          <a:prstGeom prst="rect">
+            <a:avLst/>
+          </a:prstGeom>
+          <a:ln>
+            <a:solidFill>
+              <a:schemeClr val="bg1"/>
+            </a:solidFill>
+          </a:ln>
+        </p:spPr>
+        <p:style>
+          <a:lnRef idx="2">
+            <a:schemeClr val="dk1">
+              <a:shade val="50000"/>
+            </a:schemeClr>
+          </a:lnRef>
+          <a:fillRef idx="1">
+            <a:schemeClr val="dk1"/>
+          </a:fillRef>
+          <a:effectRef idx="0">
+            <a:schemeClr val="dk1"/>
+          </a:effectRef>
+          <a:fontRef idx="minor">
+            <a:schemeClr val="lt1"/>
+          </a:fontRef>
+        </p:style>
+        <p:txBody>
+          <a:bodyPr rtlCol="0" anchor="ctr"/>
+          <a:lstStyle/>
+          <a:p>
+            <a:pPr algn="ctr"/>
+            <a:r>
+              <a:rPr lang="en-US" dirty="0" smtClean="0"/>
+              <a:t>NR</a:t>
+            </a:r>
+            <a:endParaRPr lang="en-US" dirty="0"/>
+          </a:p>
+        </p:txBody>
+      </p:sp>
+      <p:sp>
+        <p:nvSpPr>
+          <p:cNvPr id="77" name="Rectangle 76"/>
+          <p:cNvSpPr/>
+          <p:nvPr/>
+        </p:nvSpPr>
+        <p:spPr>
+          <a:xfrm>
+            <a:off x="6787574" y="2133600"/>
+            <a:ext cx="2037773" cy="306532"/>
+          </a:xfrm>
+          <a:prstGeom prst="rect">
+            <a:avLst/>
+          </a:prstGeom>
+          <a:ln>
+            <a:solidFill>
+              <a:schemeClr val="bg1"/>
+            </a:solidFill>
+          </a:ln>
+        </p:spPr>
+        <p:style>
+          <a:lnRef idx="2">
+            <a:schemeClr val="dk1">
+              <a:shade val="50000"/>
+            </a:schemeClr>
+          </a:lnRef>
+          <a:fillRef idx="1">
+            <a:schemeClr val="dk1"/>
+          </a:fillRef>
+          <a:effectRef idx="0">
+            <a:schemeClr val="dk1"/>
+          </a:effectRef>
+          <a:fontRef idx="minor">
+            <a:schemeClr val="lt1"/>
+          </a:fontRef>
+        </p:style>
+        <p:txBody>
+          <a:bodyPr rtlCol="0" anchor="ctr"/>
+          <a:lstStyle/>
+          <a:p>
+            <a:pPr algn="ctr"/>
+            <a:r>
+              <a:rPr lang="en-US" dirty="0" smtClean="0"/>
+              <a:t>YTD</a:t>
+            </a:r>
+            <a:endParaRPr lang="en-US" dirty="0"/>
+          </a:p>
+        </p:txBody>
+      </p:sp>
+      <p:sp>
+        <p:nvSpPr>
+          <p:cNvPr id="78" name="Rectangle 77"/>
+          <p:cNvSpPr/>
+          <p:nvPr/>
+        </p:nvSpPr>
+        <p:spPr>
+          <a:xfrm>
+            <a:off x="6787575" y="2436091"/>
+            <a:ext cx="1047172" cy="306532"/>
+          </a:xfrm>
+          <a:prstGeom prst="rect">
+            <a:avLst/>
+          </a:prstGeom>
+          <a:ln>
+            <a:solidFill>
+              <a:schemeClr val="bg1"/>
+            </a:solidFill>
+          </a:ln>
+        </p:spPr>
+        <p:style>
+          <a:lnRef idx="2">
+            <a:schemeClr val="dk1">
+              <a:shade val="50000"/>
+            </a:schemeClr>
+          </a:lnRef>
+          <a:fillRef idx="1">
+            <a:schemeClr val="dk1"/>
+          </a:fillRef>
+          <a:effectRef idx="0">
+            <a:schemeClr val="dk1"/>
+          </a:effectRef>
+          <a:fontRef idx="minor">
+            <a:schemeClr val="lt1"/>
+          </a:fontRef>
+        </p:style>
+        <p:txBody>
+          <a:bodyPr rtlCol="0" anchor="ctr"/>
+          <a:lstStyle/>
+          <a:p>
+            <a:pPr algn="ctr"/>
+            <a:r>
+              <a:rPr lang="en-US" dirty="0" smtClean="0"/>
+              <a:t>NS</a:t>
+            </a:r>
+            <a:endParaRPr lang="en-US" dirty="0"/>
+          </a:p>
+        </p:txBody>
+      </p:sp>
+      <p:sp>
+        <p:nvSpPr>
+          <p:cNvPr id="79" name="Rectangle 78"/>
+          <p:cNvSpPr/>
+          <p:nvPr/>
+        </p:nvSpPr>
+        <p:spPr>
+          <a:xfrm>
+            <a:off x="7834747" y="2436091"/>
+            <a:ext cx="990600" cy="306532"/>
+          </a:xfrm>
+          <a:prstGeom prst="rect">
+            <a:avLst/>
+          </a:prstGeom>
+          <a:ln>
+            <a:solidFill>
+              <a:schemeClr val="bg1"/>
+            </a:solidFill>
+          </a:ln>
+        </p:spPr>
+        <p:style>
+          <a:lnRef idx="2">
+            <a:schemeClr val="dk1">
+              <a:shade val="50000"/>
+            </a:schemeClr>
+          </a:lnRef>
+          <a:fillRef idx="1">
+            <a:schemeClr val="dk1"/>
+          </a:fillRef>
+          <a:effectRef idx="0">
+            <a:schemeClr val="dk1"/>
+          </a:effectRef>
+          <a:fontRef idx="minor">
+            <a:schemeClr val="lt1"/>
+          </a:fontRef>
+        </p:style>
+        <p:txBody>
+          <a:bodyPr rtlCol="0" anchor="ctr"/>
+          <a:lstStyle/>
+          <a:p>
+            <a:pPr algn="ctr"/>
+            <a:r>
+              <a:rPr lang="en-US" dirty="0" smtClean="0"/>
+              <a:t>NR</a:t>
+            </a:r>
+            <a:endParaRPr lang="en-US" dirty="0"/>
+          </a:p>
+        </p:txBody>
+      </p:sp>
+      <p:sp>
+        <p:nvSpPr>
+          <p:cNvPr id="80" name="Rectangle 79"/>
+          <p:cNvSpPr/>
+          <p:nvPr/>
+        </p:nvSpPr>
+        <p:spPr>
+          <a:xfrm>
+            <a:off x="206662" y="3165187"/>
+            <a:ext cx="2230582" cy="371186"/>
+          </a:xfrm>
+          <a:prstGeom prst="rect">
+            <a:avLst/>
+          </a:prstGeom>
+        </p:spPr>
+        <p:style>
+          <a:lnRef idx="2">
+            <a:schemeClr val="accent6">
+              <a:shade val="50000"/>
+            </a:schemeClr>
+          </a:lnRef>
+          <a:fillRef idx="1">
+            <a:schemeClr val="accent6"/>
+          </a:fillRef>
+          <a:effectRef idx="0">
+            <a:schemeClr val="accent6"/>
+          </a:effectRef>
+          <a:fontRef idx="minor">
+            <a:schemeClr val="lt1"/>
+          </a:fontRef>
+        </p:style>
+        <p:txBody>
+          <a:bodyPr rtlCol="0" anchor="ctr"/>
+          <a:lstStyle/>
+          <a:p>
+            <a:pPr algn="ctr"/>
+            <a:r>
+              <a:rPr lang="en-US" dirty="0" smtClean="0"/>
+              <a:t>REGION 1</a:t>
+            </a:r>
+            <a:endParaRPr lang="en-US" dirty="0"/>
+          </a:p>
+        </p:txBody>
+      </p:sp>
+      <p:sp>
+        <p:nvSpPr>
+          <p:cNvPr id="81" name="Rectangle 80"/>
+          <p:cNvSpPr/>
+          <p:nvPr/>
+        </p:nvSpPr>
+        <p:spPr>
+          <a:xfrm>
+            <a:off x="204353" y="3587751"/>
+            <a:ext cx="2230582" cy="371186"/>
+          </a:xfrm>
+          <a:prstGeom prst="rect">
+            <a:avLst/>
+          </a:prstGeom>
+        </p:spPr>
+        <p:style>
+          <a:lnRef idx="2">
+            <a:schemeClr val="accent6">
+              <a:shade val="50000"/>
+            </a:schemeClr>
+          </a:lnRef>
+          <a:fillRef idx="1">
+            <a:schemeClr val="accent6"/>
+          </a:fillRef>
+          <a:effectRef idx="0">
+            <a:schemeClr val="accent6"/>
+          </a:effectRef>
+          <a:fontRef idx="minor">
+            <a:schemeClr val="lt1"/>
+          </a:fontRef>
+        </p:style>
+        <p:txBody>
+          <a:bodyPr rtlCol="0" anchor="ctr"/>
+          <a:lstStyle/>
+          <a:p>
+            <a:pPr algn="ctr"/>
+            <a:r>
+              <a:rPr lang="en-US" dirty="0" smtClean="0"/>
+              <a:t>REGION 2</a:t>
+            </a:r>
+            <a:endParaRPr lang="en-US" dirty="0"/>
+          </a:p>
+        </p:txBody>
+      </p:sp>
+      <p:sp>
+        <p:nvSpPr>
+          <p:cNvPr id="82" name="Rectangle 81"/>
+          <p:cNvSpPr/>
+          <p:nvPr/>
+        </p:nvSpPr>
+        <p:spPr>
+          <a:xfrm>
+            <a:off x="204353" y="3996461"/>
+            <a:ext cx="2230582" cy="371186"/>
+          </a:xfrm>
+          <a:prstGeom prst="rect">
+            <a:avLst/>
+          </a:prstGeom>
+        </p:spPr>
+        <p:style>
+          <a:lnRef idx="2">
+            <a:schemeClr val="accent6">
+              <a:shade val="50000"/>
+            </a:schemeClr>
+          </a:lnRef>
+          <a:fillRef idx="1">
+            <a:schemeClr val="accent6"/>
+          </a:fillRef>
+          <a:effectRef idx="0">
+            <a:schemeClr val="accent6"/>
+          </a:effectRef>
+          <a:fontRef idx="minor">
+            <a:schemeClr val="lt1"/>
+          </a:fontRef>
+        </p:style>
+        <p:txBody>
+          <a:bodyPr rtlCol="0" anchor="ctr"/>
+          <a:lstStyle/>
+          <a:p>
+            <a:pPr algn="ctr"/>
+            <a:r>
+              <a:rPr lang="en-US" dirty="0" smtClean="0"/>
+              <a:t>REGION 3</a:t>
+            </a:r>
+            <a:endParaRPr lang="en-US" dirty="0"/>
+          </a:p>
+        </p:txBody>
+      </p:sp>
+      <p:sp>
+        <p:nvSpPr>
+          <p:cNvPr id="83" name="Rectangle 82"/>
+          <p:cNvSpPr/>
+          <p:nvPr/>
+        </p:nvSpPr>
+        <p:spPr>
+          <a:xfrm>
+            <a:off x="204353" y="4405171"/>
+            <a:ext cx="2230582" cy="371186"/>
+          </a:xfrm>
+          <a:prstGeom prst="rect">
+            <a:avLst/>
+          </a:prstGeom>
+        </p:spPr>
+        <p:style>
+          <a:lnRef idx="2">
+            <a:schemeClr val="accent6">
+              <a:shade val="50000"/>
+            </a:schemeClr>
+          </a:lnRef>
+          <a:fillRef idx="1">
+            <a:schemeClr val="accent6"/>
+          </a:fillRef>
+          <a:effectRef idx="0">
+            <a:schemeClr val="accent6"/>
+          </a:effectRef>
+          <a:fontRef idx="minor">
+            <a:schemeClr val="lt1"/>
+          </a:fontRef>
+        </p:style>
+        <p:txBody>
+          <a:bodyPr rtlCol="0" anchor="ctr"/>
+          <a:lstStyle/>
+          <a:p>
+            <a:pPr algn="ctr"/>
+            <a:r>
+              <a:rPr lang="en-US" dirty="0" smtClean="0"/>
+              <a:t>REGION 4</a:t>
+            </a:r>
+            <a:endParaRPr lang="en-US" dirty="0"/>
+          </a:p>
+        </p:txBody>
+      </p:sp>
+      <p:sp>
+        <p:nvSpPr>
+          <p:cNvPr id="84" name="Rectangle 83"/>
+          <p:cNvSpPr/>
+          <p:nvPr/>
+        </p:nvSpPr>
+        <p:spPr>
+          <a:xfrm>
+            <a:off x="2490353" y="2774950"/>
+            <a:ext cx="1047172" cy="306532"/>
+          </a:xfrm>
+          <a:prstGeom prst="rect">
+            <a:avLst/>
+          </a:prstGeom>
+          <a:ln/>
+        </p:spPr>
+        <p:style>
+          <a:lnRef idx="2">
+            <a:schemeClr val="accent1"/>
+          </a:lnRef>
+          <a:fillRef idx="1">
+            <a:schemeClr val="lt1"/>
+          </a:fillRef>
+          <a:effectRef idx="0">
+            <a:schemeClr val="accent1"/>
+          </a:effectRef>
+          <a:fontRef idx="minor">
+            <a:schemeClr val="dk1"/>
+          </a:fontRef>
+        </p:style>
+        <p:txBody>
+          <a:bodyPr rtlCol="0" anchor="ctr"/>
+          <a:lstStyle/>
+          <a:p>
+            <a:pPr algn="ctr"/>
+            <a:r>
+              <a:rPr lang="en-US" dirty="0" smtClean="0"/>
+              <a:t>100</a:t>
+            </a:r>
+            <a:endParaRPr lang="en-US" dirty="0"/>
+          </a:p>
+        </p:txBody>
+      </p:sp>
+      <p:sp>
+        <p:nvSpPr>
+          <p:cNvPr id="85" name="Rectangle 84"/>
+          <p:cNvSpPr/>
+          <p:nvPr/>
+        </p:nvSpPr>
+        <p:spPr>
+          <a:xfrm>
+            <a:off x="3537525" y="2774950"/>
+            <a:ext cx="990600" cy="306532"/>
+          </a:xfrm>
+          <a:prstGeom prst="rect">
+            <a:avLst/>
+          </a:prstGeom>
+          <a:ln/>
+        </p:spPr>
+        <p:style>
+          <a:lnRef idx="2">
+            <a:schemeClr val="accent1"/>
+          </a:lnRef>
+          <a:fillRef idx="1">
+            <a:schemeClr val="lt1"/>
+          </a:fillRef>
+          <a:effectRef idx="0">
+            <a:schemeClr val="accent1"/>
+          </a:effectRef>
+          <a:fontRef idx="minor">
+            <a:schemeClr val="dk1"/>
+          </a:fontRef>
+        </p:style>
+        <p:txBody>
+          <a:bodyPr rtlCol="0" anchor="ctr"/>
+          <a:lstStyle/>
+          <a:p>
+            <a:pPr algn="ctr"/>
+            <a:r>
+              <a:rPr lang="en-US" dirty="0" smtClean="0"/>
+              <a:t>100,000</a:t>
+            </a:r>
+            <a:endParaRPr lang="en-US" dirty="0"/>
+          </a:p>
+        </p:txBody>
+      </p:sp>
+      <p:sp>
+        <p:nvSpPr>
+          <p:cNvPr id="86" name="Rectangle 85"/>
+          <p:cNvSpPr/>
+          <p:nvPr/>
+        </p:nvSpPr>
+        <p:spPr>
+          <a:xfrm>
+            <a:off x="4648200" y="2774950"/>
+            <a:ext cx="1047172" cy="306532"/>
+          </a:xfrm>
+          <a:prstGeom prst="rect">
+            <a:avLst/>
+          </a:prstGeom>
+          <a:ln/>
+        </p:spPr>
+        <p:style>
+          <a:lnRef idx="2">
+            <a:schemeClr val="accent1"/>
+          </a:lnRef>
+          <a:fillRef idx="1">
+            <a:schemeClr val="lt1"/>
+          </a:fillRef>
+          <a:effectRef idx="0">
+            <a:schemeClr val="accent1"/>
+          </a:effectRef>
+          <a:fontRef idx="minor">
+            <a:schemeClr val="dk1"/>
+          </a:fontRef>
+        </p:style>
+        <p:txBody>
+          <a:bodyPr rtlCol="0" anchor="ctr"/>
+          <a:lstStyle/>
+          <a:p>
+            <a:pPr algn="ctr"/>
+            <a:r>
+              <a:rPr lang="en-US" dirty="0" smtClean="0"/>
+              <a:t>200</a:t>
+            </a:r>
+            <a:endParaRPr lang="en-US" dirty="0"/>
+          </a:p>
+        </p:txBody>
+      </p:sp>
+      <p:sp>
+        <p:nvSpPr>
+          <p:cNvPr id="87" name="Rectangle 86"/>
+          <p:cNvSpPr/>
+          <p:nvPr/>
+        </p:nvSpPr>
+        <p:spPr>
+          <a:xfrm>
+            <a:off x="5695372" y="2774950"/>
+            <a:ext cx="990600" cy="306532"/>
+          </a:xfrm>
+          <a:prstGeom prst="rect">
+            <a:avLst/>
+          </a:prstGeom>
+          <a:ln/>
+        </p:spPr>
+        <p:style>
+          <a:lnRef idx="2">
+            <a:schemeClr val="accent1"/>
+          </a:lnRef>
+          <a:fillRef idx="1">
+            <a:schemeClr val="lt1"/>
+          </a:fillRef>
+          <a:effectRef idx="0">
+            <a:schemeClr val="accent1"/>
+          </a:effectRef>
+          <a:fontRef idx="minor">
+            <a:schemeClr val="dk1"/>
+          </a:fontRef>
+        </p:style>
+        <p:txBody>
+          <a:bodyPr rtlCol="0" anchor="ctr"/>
+          <a:lstStyle/>
+          <a:p>
+            <a:pPr algn="ctr"/>
+            <a:r>
+              <a:rPr lang="en-US" dirty="0" smtClean="0"/>
+              <a:t>200,000</a:t>
+            </a:r>
+            <a:endParaRPr lang="en-US" dirty="0"/>
+          </a:p>
+        </p:txBody>
+      </p:sp>
+      <p:sp>
+        <p:nvSpPr>
+          <p:cNvPr id="88" name="Rectangle 87"/>
+          <p:cNvSpPr/>
+          <p:nvPr/>
+        </p:nvSpPr>
+        <p:spPr>
+          <a:xfrm>
+            <a:off x="6782952" y="2774950"/>
+            <a:ext cx="1047172" cy="306532"/>
+          </a:xfrm>
+          <a:prstGeom prst="rect">
+            <a:avLst/>
+          </a:prstGeom>
+          <a:ln/>
+        </p:spPr>
+        <p:style>
+          <a:lnRef idx="2">
+            <a:schemeClr val="accent1"/>
+          </a:lnRef>
+          <a:fillRef idx="1">
+            <a:schemeClr val="lt1"/>
+          </a:fillRef>
+          <a:effectRef idx="0">
+            <a:schemeClr val="accent1"/>
+          </a:effectRef>
+          <a:fontRef idx="minor">
+            <a:schemeClr val="dk1"/>
+          </a:fontRef>
+        </p:style>
+        <p:txBody>
+          <a:bodyPr rtlCol="0" anchor="ctr"/>
+          <a:lstStyle/>
+          <a:p>
+            <a:pPr algn="ctr"/>
+            <a:r>
+              <a:rPr lang="en-US" dirty="0" smtClean="0"/>
+              <a:t>300</a:t>
+            </a:r>
+            <a:endParaRPr lang="en-US" dirty="0"/>
+          </a:p>
+        </p:txBody>
+      </p:sp>
+      <p:sp>
+        <p:nvSpPr>
+          <p:cNvPr id="89" name="Rectangle 88"/>
+          <p:cNvSpPr/>
+          <p:nvPr/>
+        </p:nvSpPr>
+        <p:spPr>
+          <a:xfrm>
+            <a:off x="7830124" y="2774950"/>
+            <a:ext cx="990600" cy="306532"/>
+          </a:xfrm>
+          <a:prstGeom prst="rect">
+            <a:avLst/>
+          </a:prstGeom>
+          <a:ln/>
+        </p:spPr>
+        <p:style>
+          <a:lnRef idx="2">
+            <a:schemeClr val="accent1"/>
+          </a:lnRef>
+          <a:fillRef idx="1">
+            <a:schemeClr val="lt1"/>
+          </a:fillRef>
+          <a:effectRef idx="0">
+            <a:schemeClr val="accent1"/>
+          </a:effectRef>
+          <a:fontRef idx="minor">
+            <a:schemeClr val="dk1"/>
+          </a:fontRef>
+        </p:style>
+        <p:txBody>
+          <a:bodyPr rtlCol="0" anchor="ctr"/>
+          <a:lstStyle/>
+          <a:p>
+            <a:pPr algn="ctr"/>
+            <a:r>
+              <a:rPr lang="en-US" dirty="0" smtClean="0"/>
+              <a:t>300,000</a:t>
+            </a:r>
+            <a:endParaRPr lang="en-US" dirty="0"/>
+          </a:p>
+        </p:txBody>
+      </p:sp>
+      <p:sp>
+        <p:nvSpPr>
+          <p:cNvPr id="90" name="Rectangle 89"/>
+          <p:cNvSpPr/>
+          <p:nvPr/>
+        </p:nvSpPr>
+        <p:spPr>
+          <a:xfrm>
+            <a:off x="2490353" y="3194627"/>
+            <a:ext cx="1047172" cy="306532"/>
+          </a:xfrm>
+          <a:prstGeom prst="rect">
+            <a:avLst/>
+          </a:prstGeom>
+          <a:ln/>
+        </p:spPr>
+        <p:style>
+          <a:lnRef idx="2">
+            <a:schemeClr val="accent6"/>
+          </a:lnRef>
+          <a:fillRef idx="1">
+            <a:schemeClr val="lt1"/>
+          </a:fillRef>
+          <a:effectRef idx="0">
+            <a:schemeClr val="accent6"/>
+          </a:effectRef>
+          <a:fontRef idx="minor">
+            <a:schemeClr val="dk1"/>
+          </a:fontRef>
+        </p:style>
+        <p:txBody>
+          <a:bodyPr rtlCol="0" anchor="ctr"/>
+          <a:lstStyle/>
+          <a:p>
+            <a:pPr algn="ctr"/>
+            <a:r>
+              <a:rPr lang="en-US" dirty="0" smtClean="0"/>
+              <a:t>20</a:t>
+            </a:r>
+            <a:endParaRPr lang="en-US" dirty="0"/>
+          </a:p>
+        </p:txBody>
+      </p:sp>
+      <p:sp>
+        <p:nvSpPr>
+          <p:cNvPr id="91" name="Rectangle 90"/>
+          <p:cNvSpPr/>
+          <p:nvPr/>
+        </p:nvSpPr>
+        <p:spPr>
+          <a:xfrm>
+            <a:off x="3537525" y="3194627"/>
+            <a:ext cx="990600" cy="306532"/>
+          </a:xfrm>
+          <a:prstGeom prst="rect">
+            <a:avLst/>
+          </a:prstGeom>
+          <a:ln/>
+        </p:spPr>
+        <p:style>
+          <a:lnRef idx="2">
+            <a:schemeClr val="accent6"/>
+          </a:lnRef>
+          <a:fillRef idx="1">
+            <a:schemeClr val="lt1"/>
+          </a:fillRef>
+          <a:effectRef idx="0">
+            <a:schemeClr val="accent6"/>
+          </a:effectRef>
+          <a:fontRef idx="minor">
+            <a:schemeClr val="dk1"/>
+          </a:fontRef>
+        </p:style>
+        <p:txBody>
+          <a:bodyPr rtlCol="0" anchor="ctr"/>
+          <a:lstStyle/>
+          <a:p>
+            <a:pPr algn="ctr"/>
+            <a:r>
+              <a:rPr lang="en-US" dirty="0" smtClean="0"/>
+              <a:t>20,000</a:t>
+            </a:r>
+            <a:endParaRPr lang="en-US" dirty="0"/>
+          </a:p>
+        </p:txBody>
+      </p:sp>
+      <p:sp>
+        <p:nvSpPr>
+          <p:cNvPr id="92" name="Rectangle 91"/>
+          <p:cNvSpPr/>
+          <p:nvPr/>
+        </p:nvSpPr>
+        <p:spPr>
+          <a:xfrm>
+            <a:off x="4648200" y="3199246"/>
+            <a:ext cx="1047172" cy="306532"/>
+          </a:xfrm>
+          <a:prstGeom prst="rect">
+            <a:avLst/>
+          </a:prstGeom>
+          <a:ln/>
+        </p:spPr>
+        <p:style>
+          <a:lnRef idx="2">
+            <a:schemeClr val="accent6"/>
+          </a:lnRef>
+          <a:fillRef idx="1">
+            <a:schemeClr val="lt1"/>
+          </a:fillRef>
+          <a:effectRef idx="0">
+            <a:schemeClr val="accent6"/>
+          </a:effectRef>
+          <a:fontRef idx="minor">
+            <a:schemeClr val="dk1"/>
+          </a:fontRef>
+        </p:style>
+        <p:txBody>
+          <a:bodyPr rtlCol="0" anchor="ctr"/>
+          <a:lstStyle/>
+          <a:p>
+            <a:pPr algn="ctr"/>
+            <a:r>
+              <a:rPr lang="en-US" dirty="0" smtClean="0"/>
+              <a:t>40</a:t>
+            </a:r>
+            <a:endParaRPr lang="en-US" dirty="0"/>
+          </a:p>
+        </p:txBody>
+      </p:sp>
+      <p:sp>
+        <p:nvSpPr>
+          <p:cNvPr id="93" name="Rectangle 92"/>
+          <p:cNvSpPr/>
+          <p:nvPr/>
+        </p:nvSpPr>
+        <p:spPr>
+          <a:xfrm>
+            <a:off x="5695372" y="3199246"/>
+            <a:ext cx="990600" cy="306532"/>
+          </a:xfrm>
+          <a:prstGeom prst="rect">
+            <a:avLst/>
+          </a:prstGeom>
+          <a:ln/>
+        </p:spPr>
+        <p:style>
+          <a:lnRef idx="2">
+            <a:schemeClr val="accent6"/>
+          </a:lnRef>
+          <a:fillRef idx="1">
+            <a:schemeClr val="lt1"/>
+          </a:fillRef>
+          <a:effectRef idx="0">
+            <a:schemeClr val="accent6"/>
+          </a:effectRef>
+          <a:fontRef idx="minor">
+            <a:schemeClr val="dk1"/>
+          </a:fontRef>
+        </p:style>
+        <p:txBody>
+          <a:bodyPr rtlCol="0" anchor="ctr"/>
+          <a:lstStyle/>
+          <a:p>
+            <a:pPr algn="ctr"/>
+            <a:r>
+              <a:rPr lang="en-US" dirty="0" smtClean="0"/>
+              <a:t>40,000</a:t>
+            </a:r>
+            <a:endParaRPr lang="en-US" dirty="0"/>
+          </a:p>
+        </p:txBody>
+      </p:sp>
+      <p:sp>
+        <p:nvSpPr>
+          <p:cNvPr id="94" name="Rectangle 93"/>
+          <p:cNvSpPr/>
+          <p:nvPr/>
+        </p:nvSpPr>
+        <p:spPr>
+          <a:xfrm>
+            <a:off x="6789881" y="3194627"/>
+            <a:ext cx="1047172" cy="306532"/>
+          </a:xfrm>
+          <a:prstGeom prst="rect">
+            <a:avLst/>
+          </a:prstGeom>
+          <a:ln/>
+        </p:spPr>
+        <p:style>
+          <a:lnRef idx="2">
+            <a:schemeClr val="accent6"/>
+          </a:lnRef>
+          <a:fillRef idx="1">
+            <a:schemeClr val="lt1"/>
+          </a:fillRef>
+          <a:effectRef idx="0">
+            <a:schemeClr val="accent6"/>
+          </a:effectRef>
+          <a:fontRef idx="minor">
+            <a:schemeClr val="dk1"/>
+          </a:fontRef>
+        </p:style>
+        <p:txBody>
+          <a:bodyPr rtlCol="0" anchor="ctr"/>
+          <a:lstStyle/>
+          <a:p>
+            <a:pPr algn="ctr"/>
+            <a:r>
+              <a:rPr lang="en-US" dirty="0" smtClean="0"/>
+              <a:t>60</a:t>
+            </a:r>
+            <a:endParaRPr lang="en-US" dirty="0"/>
+          </a:p>
+        </p:txBody>
+      </p:sp>
+      <p:sp>
+        <p:nvSpPr>
+          <p:cNvPr id="95" name="Rectangle 94"/>
+          <p:cNvSpPr/>
+          <p:nvPr/>
+        </p:nvSpPr>
+        <p:spPr>
+          <a:xfrm>
+            <a:off x="7837053" y="3194627"/>
+            <a:ext cx="990600" cy="306532"/>
+          </a:xfrm>
+          <a:prstGeom prst="rect">
+            <a:avLst/>
+          </a:prstGeom>
+          <a:ln/>
+        </p:spPr>
+        <p:style>
+          <a:lnRef idx="2">
+            <a:schemeClr val="accent6"/>
+          </a:lnRef>
+          <a:fillRef idx="1">
+            <a:schemeClr val="lt1"/>
+          </a:fillRef>
+          <a:effectRef idx="0">
+            <a:schemeClr val="accent6"/>
+          </a:effectRef>
+          <a:fontRef idx="minor">
+            <a:schemeClr val="dk1"/>
+          </a:fontRef>
+        </p:style>
+        <p:txBody>
+          <a:bodyPr rtlCol="0" anchor="ctr"/>
+          <a:lstStyle/>
+          <a:p>
+            <a:pPr algn="ctr"/>
+            <a:r>
+              <a:rPr lang="en-US" dirty="0" smtClean="0"/>
+              <a:t>60,000</a:t>
+            </a:r>
+            <a:endParaRPr lang="en-US" dirty="0"/>
+          </a:p>
+        </p:txBody>
+      </p:sp>
+      <p:sp>
+        <p:nvSpPr>
+          <p:cNvPr id="96" name="Rectangle 95"/>
+          <p:cNvSpPr/>
+          <p:nvPr/>
+        </p:nvSpPr>
+        <p:spPr>
+          <a:xfrm>
+            <a:off x="2490353" y="3624695"/>
+            <a:ext cx="1047172" cy="306532"/>
+          </a:xfrm>
+          <a:prstGeom prst="rect">
+            <a:avLst/>
+          </a:prstGeom>
+          <a:ln/>
+        </p:spPr>
+        <p:style>
+          <a:lnRef idx="2">
+            <a:schemeClr val="accent6"/>
+          </a:lnRef>
+          <a:fillRef idx="1">
+            <a:schemeClr val="lt1"/>
+          </a:fillRef>
+          <a:effectRef idx="0">
+            <a:schemeClr val="accent6"/>
+          </a:effectRef>
+          <a:fontRef idx="minor">
+            <a:schemeClr val="dk1"/>
+          </a:fontRef>
+        </p:style>
+        <p:txBody>
+          <a:bodyPr rtlCol="0" anchor="ctr"/>
+          <a:lstStyle/>
+          <a:p>
+            <a:pPr algn="ctr"/>
+            <a:r>
+              <a:rPr lang="en-US" dirty="0" smtClean="0"/>
+              <a:t>30</a:t>
+            </a:r>
+            <a:endParaRPr lang="en-US" dirty="0"/>
+          </a:p>
+        </p:txBody>
+      </p:sp>
+      <p:sp>
+        <p:nvSpPr>
+          <p:cNvPr id="97" name="Rectangle 96"/>
+          <p:cNvSpPr/>
+          <p:nvPr/>
+        </p:nvSpPr>
+        <p:spPr>
+          <a:xfrm>
+            <a:off x="3537525" y="3624695"/>
+            <a:ext cx="990600" cy="306532"/>
+          </a:xfrm>
+          <a:prstGeom prst="rect">
+            <a:avLst/>
+          </a:prstGeom>
+          <a:ln/>
+        </p:spPr>
+        <p:style>
+          <a:lnRef idx="2">
+            <a:schemeClr val="accent6"/>
+          </a:lnRef>
+          <a:fillRef idx="1">
+            <a:schemeClr val="lt1"/>
+          </a:fillRef>
+          <a:effectRef idx="0">
+            <a:schemeClr val="accent6"/>
+          </a:effectRef>
+          <a:fontRef idx="minor">
+            <a:schemeClr val="dk1"/>
+          </a:fontRef>
+        </p:style>
+        <p:txBody>
+          <a:bodyPr rtlCol="0" anchor="ctr"/>
+          <a:lstStyle/>
+          <a:p>
+            <a:pPr algn="ctr"/>
+            <a:r>
+              <a:rPr lang="en-US" dirty="0" smtClean="0"/>
+              <a:t>30,000</a:t>
+            </a:r>
+            <a:endParaRPr lang="en-US" dirty="0"/>
+          </a:p>
+        </p:txBody>
+      </p:sp>
+      <p:sp>
+        <p:nvSpPr>
+          <p:cNvPr id="98" name="Rectangle 97"/>
+          <p:cNvSpPr/>
+          <p:nvPr/>
+        </p:nvSpPr>
+        <p:spPr>
+          <a:xfrm>
+            <a:off x="4648200" y="3629314"/>
+            <a:ext cx="1047172" cy="306532"/>
+          </a:xfrm>
+          <a:prstGeom prst="rect">
+            <a:avLst/>
+          </a:prstGeom>
+          <a:ln/>
+        </p:spPr>
+        <p:style>
+          <a:lnRef idx="2">
+            <a:schemeClr val="accent6"/>
+          </a:lnRef>
+          <a:fillRef idx="1">
+            <a:schemeClr val="lt1"/>
+          </a:fillRef>
+          <a:effectRef idx="0">
+            <a:schemeClr val="accent6"/>
+          </a:effectRef>
+          <a:fontRef idx="minor">
+            <a:schemeClr val="dk1"/>
+          </a:fontRef>
+        </p:style>
+        <p:txBody>
+          <a:bodyPr rtlCol="0" anchor="ctr"/>
+          <a:lstStyle/>
+          <a:p>
+            <a:pPr algn="ctr"/>
+            <a:r>
+              <a:rPr lang="en-US" dirty="0" smtClean="0"/>
+              <a:t>60</a:t>
+            </a:r>
+            <a:endParaRPr lang="en-US" dirty="0"/>
+          </a:p>
+        </p:txBody>
+      </p:sp>
+      <p:sp>
+        <p:nvSpPr>
+          <p:cNvPr id="99" name="Rectangle 98"/>
+          <p:cNvSpPr/>
+          <p:nvPr/>
+        </p:nvSpPr>
+        <p:spPr>
+          <a:xfrm>
+            <a:off x="5695372" y="3629314"/>
+            <a:ext cx="990600" cy="306532"/>
+          </a:xfrm>
+          <a:prstGeom prst="rect">
+            <a:avLst/>
+          </a:prstGeom>
+          <a:ln/>
+        </p:spPr>
+        <p:style>
+          <a:lnRef idx="2">
+            <a:schemeClr val="accent6"/>
+          </a:lnRef>
+          <a:fillRef idx="1">
+            <a:schemeClr val="lt1"/>
+          </a:fillRef>
+          <a:effectRef idx="0">
+            <a:schemeClr val="accent6"/>
+          </a:effectRef>
+          <a:fontRef idx="minor">
+            <a:schemeClr val="dk1"/>
+          </a:fontRef>
+        </p:style>
+        <p:txBody>
+          <a:bodyPr rtlCol="0" anchor="ctr"/>
+          <a:lstStyle/>
+          <a:p>
+            <a:pPr algn="ctr"/>
+            <a:r>
+              <a:rPr lang="en-US" dirty="0" smtClean="0"/>
+              <a:t>60,000</a:t>
+            </a:r>
+            <a:endParaRPr lang="en-US" dirty="0"/>
+          </a:p>
+        </p:txBody>
+      </p:sp>
+      <p:sp>
+        <p:nvSpPr>
+          <p:cNvPr id="100" name="Rectangle 99"/>
+          <p:cNvSpPr/>
+          <p:nvPr/>
+        </p:nvSpPr>
+        <p:spPr>
+          <a:xfrm>
+            <a:off x="6789881" y="3624695"/>
+            <a:ext cx="1047172" cy="306532"/>
+          </a:xfrm>
+          <a:prstGeom prst="rect">
+            <a:avLst/>
+          </a:prstGeom>
+          <a:ln/>
+        </p:spPr>
+        <p:style>
+          <a:lnRef idx="2">
+            <a:schemeClr val="accent6"/>
+          </a:lnRef>
+          <a:fillRef idx="1">
+            <a:schemeClr val="lt1"/>
+          </a:fillRef>
+          <a:effectRef idx="0">
+            <a:schemeClr val="accent6"/>
+          </a:effectRef>
+          <a:fontRef idx="minor">
+            <a:schemeClr val="dk1"/>
+          </a:fontRef>
+        </p:style>
+        <p:txBody>
+          <a:bodyPr rtlCol="0" anchor="ctr"/>
+          <a:lstStyle/>
+          <a:p>
+            <a:pPr algn="ctr"/>
+            <a:r>
+              <a:rPr lang="en-US" dirty="0" smtClean="0"/>
+              <a:t>90</a:t>
+            </a:r>
+            <a:endParaRPr lang="en-US" dirty="0"/>
+          </a:p>
+        </p:txBody>
+      </p:sp>
+      <p:sp>
+        <p:nvSpPr>
+          <p:cNvPr id="101" name="Rectangle 100"/>
+          <p:cNvSpPr/>
+          <p:nvPr/>
+        </p:nvSpPr>
+        <p:spPr>
+          <a:xfrm>
+            <a:off x="7837053" y="3624695"/>
+            <a:ext cx="990600" cy="306532"/>
+          </a:xfrm>
+          <a:prstGeom prst="rect">
+            <a:avLst/>
+          </a:prstGeom>
+          <a:ln/>
+        </p:spPr>
+        <p:style>
+          <a:lnRef idx="2">
+            <a:schemeClr val="accent6"/>
+          </a:lnRef>
+          <a:fillRef idx="1">
+            <a:schemeClr val="lt1"/>
+          </a:fillRef>
+          <a:effectRef idx="0">
+            <a:schemeClr val="accent6"/>
+          </a:effectRef>
+          <a:fontRef idx="minor">
+            <a:schemeClr val="dk1"/>
+          </a:fontRef>
+        </p:style>
+        <p:txBody>
+          <a:bodyPr rtlCol="0" anchor="ctr"/>
+          <a:lstStyle/>
+          <a:p>
+            <a:pPr algn="ctr"/>
+            <a:r>
+              <a:rPr lang="en-US" dirty="0" smtClean="0"/>
+              <a:t>90,000</a:t>
+            </a:r>
+            <a:endParaRPr lang="en-US" dirty="0"/>
+          </a:p>
+        </p:txBody>
+      </p:sp>
+      <p:sp>
+        <p:nvSpPr>
+          <p:cNvPr id="102" name="Rectangle 101"/>
+          <p:cNvSpPr/>
+          <p:nvPr/>
+        </p:nvSpPr>
+        <p:spPr>
+          <a:xfrm>
+            <a:off x="2494971" y="4026189"/>
+            <a:ext cx="1047172" cy="306532"/>
+          </a:xfrm>
+          <a:prstGeom prst="rect">
+            <a:avLst/>
+          </a:prstGeom>
+          <a:ln/>
+        </p:spPr>
+        <p:style>
+          <a:lnRef idx="2">
+            <a:schemeClr val="accent6"/>
+          </a:lnRef>
+          <a:fillRef idx="1">
+            <a:schemeClr val="lt1"/>
+          </a:fillRef>
+          <a:effectRef idx="0">
+            <a:schemeClr val="accent6"/>
+          </a:effectRef>
+          <a:fontRef idx="minor">
+            <a:schemeClr val="dk1"/>
+          </a:fontRef>
+        </p:style>
+        <p:txBody>
+          <a:bodyPr rtlCol="0" anchor="ctr"/>
+          <a:lstStyle/>
+          <a:p>
+            <a:pPr algn="ctr"/>
+            <a:r>
+              <a:rPr lang="en-US" dirty="0" smtClean="0"/>
+              <a:t>10</a:t>
+            </a:r>
+            <a:endParaRPr lang="en-US" dirty="0"/>
+          </a:p>
+        </p:txBody>
+      </p:sp>
+      <p:sp>
+        <p:nvSpPr>
+          <p:cNvPr id="103" name="Rectangle 102"/>
+          <p:cNvSpPr/>
+          <p:nvPr/>
+        </p:nvSpPr>
+        <p:spPr>
+          <a:xfrm>
+            <a:off x="3542143" y="4026189"/>
+            <a:ext cx="990600" cy="306532"/>
+          </a:xfrm>
+          <a:prstGeom prst="rect">
+            <a:avLst/>
+          </a:prstGeom>
+          <a:ln/>
+        </p:spPr>
+        <p:style>
+          <a:lnRef idx="2">
+            <a:schemeClr val="accent6"/>
+          </a:lnRef>
+          <a:fillRef idx="1">
+            <a:schemeClr val="lt1"/>
+          </a:fillRef>
+          <a:effectRef idx="0">
+            <a:schemeClr val="accent6"/>
+          </a:effectRef>
+          <a:fontRef idx="minor">
+            <a:schemeClr val="dk1"/>
+          </a:fontRef>
+        </p:style>
+        <p:txBody>
+          <a:bodyPr rtlCol="0" anchor="ctr"/>
+          <a:lstStyle/>
+          <a:p>
+            <a:pPr algn="ctr"/>
+            <a:r>
+              <a:rPr lang="en-US" dirty="0" smtClean="0"/>
+              <a:t>10,000</a:t>
+            </a:r>
+            <a:endParaRPr lang="en-US" dirty="0"/>
+          </a:p>
+        </p:txBody>
+      </p:sp>
+      <p:sp>
+        <p:nvSpPr>
+          <p:cNvPr id="104" name="Rectangle 103"/>
+          <p:cNvSpPr/>
+          <p:nvPr/>
+        </p:nvSpPr>
+        <p:spPr>
+          <a:xfrm>
+            <a:off x="4652818" y="4030808"/>
+            <a:ext cx="1047172" cy="306532"/>
+          </a:xfrm>
+          <a:prstGeom prst="rect">
+            <a:avLst/>
+          </a:prstGeom>
+          <a:ln/>
+        </p:spPr>
+        <p:style>
+          <a:lnRef idx="2">
+            <a:schemeClr val="accent6"/>
+          </a:lnRef>
+          <a:fillRef idx="1">
+            <a:schemeClr val="lt1"/>
+          </a:fillRef>
+          <a:effectRef idx="0">
+            <a:schemeClr val="accent6"/>
+          </a:effectRef>
+          <a:fontRef idx="minor">
+            <a:schemeClr val="dk1"/>
+          </a:fontRef>
+        </p:style>
+        <p:txBody>
+          <a:bodyPr rtlCol="0" anchor="ctr"/>
+          <a:lstStyle/>
+          <a:p>
+            <a:pPr algn="ctr"/>
+            <a:r>
+              <a:rPr lang="en-US" dirty="0" smtClean="0"/>
+              <a:t>20</a:t>
+            </a:r>
+            <a:endParaRPr lang="en-US" dirty="0"/>
+          </a:p>
+        </p:txBody>
+      </p:sp>
+      <p:sp>
+        <p:nvSpPr>
+          <p:cNvPr id="105" name="Rectangle 104"/>
+          <p:cNvSpPr/>
+          <p:nvPr/>
+        </p:nvSpPr>
+        <p:spPr>
+          <a:xfrm>
+            <a:off x="5699990" y="4030808"/>
+            <a:ext cx="990600" cy="306532"/>
+          </a:xfrm>
+          <a:prstGeom prst="rect">
+            <a:avLst/>
+          </a:prstGeom>
+          <a:ln/>
+        </p:spPr>
+        <p:style>
+          <a:lnRef idx="2">
+            <a:schemeClr val="accent6"/>
+          </a:lnRef>
+          <a:fillRef idx="1">
+            <a:schemeClr val="lt1"/>
+          </a:fillRef>
+          <a:effectRef idx="0">
+            <a:schemeClr val="accent6"/>
+          </a:effectRef>
+          <a:fontRef idx="minor">
+            <a:schemeClr val="dk1"/>
+          </a:fontRef>
+        </p:style>
+        <p:txBody>
+          <a:bodyPr rtlCol="0" anchor="ctr"/>
+          <a:lstStyle/>
+          <a:p>
+            <a:pPr algn="ctr"/>
+            <a:r>
+              <a:rPr lang="en-US" dirty="0" smtClean="0"/>
+              <a:t>20,000</a:t>
+            </a:r>
+            <a:endParaRPr lang="en-US" dirty="0"/>
+          </a:p>
+        </p:txBody>
+      </p:sp>
+      <p:sp>
+        <p:nvSpPr>
+          <p:cNvPr id="106" name="Rectangle 105"/>
+          <p:cNvSpPr/>
+          <p:nvPr/>
+        </p:nvSpPr>
+        <p:spPr>
+          <a:xfrm>
+            <a:off x="6794499" y="4026189"/>
+            <a:ext cx="1047172" cy="306532"/>
+          </a:xfrm>
+          <a:prstGeom prst="rect">
+            <a:avLst/>
+          </a:prstGeom>
+          <a:ln/>
+        </p:spPr>
+        <p:style>
+          <a:lnRef idx="2">
+            <a:schemeClr val="accent6"/>
+          </a:lnRef>
+          <a:fillRef idx="1">
+            <a:schemeClr val="lt1"/>
+          </a:fillRef>
+          <a:effectRef idx="0">
+            <a:schemeClr val="accent6"/>
+          </a:effectRef>
+          <a:fontRef idx="minor">
+            <a:schemeClr val="dk1"/>
+          </a:fontRef>
+        </p:style>
+        <p:txBody>
+          <a:bodyPr rtlCol="0" anchor="ctr"/>
+          <a:lstStyle/>
+          <a:p>
+            <a:pPr algn="ctr"/>
+            <a:r>
+              <a:rPr lang="en-US" dirty="0" smtClean="0"/>
+              <a:t>30</a:t>
+            </a:r>
+            <a:endParaRPr lang="en-US" dirty="0"/>
+          </a:p>
+        </p:txBody>
+      </p:sp>
+      <p:sp>
+        <p:nvSpPr>
+          <p:cNvPr id="107" name="Rectangle 106"/>
+          <p:cNvSpPr/>
+          <p:nvPr/>
+        </p:nvSpPr>
+        <p:spPr>
+          <a:xfrm>
+            <a:off x="7841671" y="4026189"/>
+            <a:ext cx="990600" cy="306532"/>
+          </a:xfrm>
+          <a:prstGeom prst="rect">
+            <a:avLst/>
+          </a:prstGeom>
+          <a:ln/>
+        </p:spPr>
+        <p:style>
+          <a:lnRef idx="2">
+            <a:schemeClr val="accent6"/>
+          </a:lnRef>
+          <a:fillRef idx="1">
+            <a:schemeClr val="lt1"/>
+          </a:fillRef>
+          <a:effectRef idx="0">
+            <a:schemeClr val="accent6"/>
+          </a:effectRef>
+          <a:fontRef idx="minor">
+            <a:schemeClr val="dk1"/>
+          </a:fontRef>
+        </p:style>
+        <p:txBody>
+          <a:bodyPr rtlCol="0" anchor="ctr"/>
+          <a:lstStyle/>
+          <a:p>
+            <a:pPr algn="ctr"/>
+            <a:r>
+              <a:rPr lang="en-US" dirty="0" smtClean="0"/>
+              <a:t>30,000</a:t>
+            </a:r>
+            <a:endParaRPr lang="en-US" dirty="0"/>
+          </a:p>
+        </p:txBody>
+      </p:sp>
+      <p:sp>
+        <p:nvSpPr>
+          <p:cNvPr id="108" name="Rectangle 107"/>
+          <p:cNvSpPr/>
+          <p:nvPr/>
+        </p:nvSpPr>
+        <p:spPr>
+          <a:xfrm>
+            <a:off x="2490353" y="4427106"/>
+            <a:ext cx="1047172" cy="306532"/>
+          </a:xfrm>
+          <a:prstGeom prst="rect">
+            <a:avLst/>
+          </a:prstGeom>
+          <a:ln/>
+        </p:spPr>
+        <p:style>
+          <a:lnRef idx="2">
+            <a:schemeClr val="accent6"/>
+          </a:lnRef>
+          <a:fillRef idx="1">
+            <a:schemeClr val="lt1"/>
+          </a:fillRef>
+          <a:effectRef idx="0">
+            <a:schemeClr val="accent6"/>
+          </a:effectRef>
+          <a:fontRef idx="minor">
+            <a:schemeClr val="dk1"/>
+          </a:fontRef>
+        </p:style>
+        <p:txBody>
+          <a:bodyPr rtlCol="0" anchor="ctr"/>
+          <a:lstStyle/>
+          <a:p>
+            <a:pPr algn="ctr"/>
+            <a:r>
+              <a:rPr lang="en-US" dirty="0" smtClean="0"/>
+              <a:t>40</a:t>
+            </a:r>
+            <a:endParaRPr lang="en-US" dirty="0"/>
+          </a:p>
+        </p:txBody>
+      </p:sp>
+      <p:sp>
+        <p:nvSpPr>
+          <p:cNvPr id="109" name="Rectangle 108"/>
+          <p:cNvSpPr/>
+          <p:nvPr/>
+        </p:nvSpPr>
+        <p:spPr>
+          <a:xfrm>
+            <a:off x="3537525" y="4427106"/>
+            <a:ext cx="990600" cy="306532"/>
+          </a:xfrm>
+          <a:prstGeom prst="rect">
+            <a:avLst/>
+          </a:prstGeom>
+          <a:ln/>
+        </p:spPr>
+        <p:style>
+          <a:lnRef idx="2">
+            <a:schemeClr val="accent6"/>
+          </a:lnRef>
+          <a:fillRef idx="1">
+            <a:schemeClr val="lt1"/>
+          </a:fillRef>
+          <a:effectRef idx="0">
+            <a:schemeClr val="accent6"/>
+          </a:effectRef>
+          <a:fontRef idx="minor">
+            <a:schemeClr val="dk1"/>
+          </a:fontRef>
+        </p:style>
+        <p:txBody>
+          <a:bodyPr rtlCol="0" anchor="ctr"/>
+          <a:lstStyle/>
+          <a:p>
+            <a:pPr algn="ctr"/>
+            <a:r>
+              <a:rPr lang="en-US" dirty="0" smtClean="0"/>
+              <a:t>40,000</a:t>
+            </a:r>
+            <a:endParaRPr lang="en-US" dirty="0"/>
+          </a:p>
+        </p:txBody>
+      </p:sp>
+      <p:sp>
+        <p:nvSpPr>
+          <p:cNvPr id="110" name="Rectangle 109"/>
+          <p:cNvSpPr/>
+          <p:nvPr/>
+        </p:nvSpPr>
+        <p:spPr>
+          <a:xfrm>
+            <a:off x="4648200" y="4431725"/>
+            <a:ext cx="1047172" cy="306532"/>
+          </a:xfrm>
+          <a:prstGeom prst="rect">
+            <a:avLst/>
+          </a:prstGeom>
+          <a:ln/>
+        </p:spPr>
+        <p:style>
+          <a:lnRef idx="2">
+            <a:schemeClr val="accent6"/>
+          </a:lnRef>
+          <a:fillRef idx="1">
+            <a:schemeClr val="lt1"/>
+          </a:fillRef>
+          <a:effectRef idx="0">
+            <a:schemeClr val="accent6"/>
+          </a:effectRef>
+          <a:fontRef idx="minor">
+            <a:schemeClr val="dk1"/>
+          </a:fontRef>
+        </p:style>
+        <p:txBody>
+          <a:bodyPr rtlCol="0" anchor="ctr"/>
+          <a:lstStyle/>
+          <a:p>
+            <a:pPr algn="ctr"/>
+            <a:r>
+              <a:rPr lang="en-US" dirty="0" smtClean="0"/>
+              <a:t>80</a:t>
+            </a:r>
+            <a:endParaRPr lang="en-US" dirty="0"/>
+          </a:p>
+        </p:txBody>
+      </p:sp>
+      <p:sp>
+        <p:nvSpPr>
+          <p:cNvPr id="111" name="Rectangle 110"/>
+          <p:cNvSpPr/>
+          <p:nvPr/>
+        </p:nvSpPr>
+        <p:spPr>
+          <a:xfrm>
+            <a:off x="5695372" y="4431725"/>
+            <a:ext cx="990600" cy="306532"/>
+          </a:xfrm>
+          <a:prstGeom prst="rect">
+            <a:avLst/>
+          </a:prstGeom>
+          <a:ln/>
+        </p:spPr>
+        <p:style>
+          <a:lnRef idx="2">
+            <a:schemeClr val="accent6"/>
+          </a:lnRef>
+          <a:fillRef idx="1">
+            <a:schemeClr val="lt1"/>
+          </a:fillRef>
+          <a:effectRef idx="0">
+            <a:schemeClr val="accent6"/>
+          </a:effectRef>
+          <a:fontRef idx="minor">
+            <a:schemeClr val="dk1"/>
+          </a:fontRef>
+        </p:style>
+        <p:txBody>
+          <a:bodyPr rtlCol="0" anchor="ctr"/>
+          <a:lstStyle/>
+          <a:p>
+            <a:pPr algn="ctr"/>
+            <a:r>
+              <a:rPr lang="en-US" dirty="0" smtClean="0"/>
+              <a:t>80,000</a:t>
+            </a:r>
+            <a:endParaRPr lang="en-US" dirty="0"/>
+          </a:p>
+        </p:txBody>
+      </p:sp>
+      <p:sp>
+        <p:nvSpPr>
+          <p:cNvPr id="112" name="Rectangle 111"/>
+          <p:cNvSpPr/>
+          <p:nvPr/>
+        </p:nvSpPr>
+        <p:spPr>
+          <a:xfrm>
+            <a:off x="6789881" y="4427106"/>
+            <a:ext cx="1047172" cy="306532"/>
+          </a:xfrm>
+          <a:prstGeom prst="rect">
+            <a:avLst/>
+          </a:prstGeom>
+          <a:ln/>
+        </p:spPr>
+        <p:style>
+          <a:lnRef idx="2">
+            <a:schemeClr val="accent6"/>
+          </a:lnRef>
+          <a:fillRef idx="1">
+            <a:schemeClr val="lt1"/>
+          </a:fillRef>
+          <a:effectRef idx="0">
+            <a:schemeClr val="accent6"/>
+          </a:effectRef>
+          <a:fontRef idx="minor">
+            <a:schemeClr val="dk1"/>
+          </a:fontRef>
+        </p:style>
+        <p:txBody>
+          <a:bodyPr rtlCol="0" anchor="ctr"/>
+          <a:lstStyle/>
+          <a:p>
+            <a:pPr algn="ctr"/>
+            <a:r>
+              <a:rPr lang="en-US" dirty="0" smtClean="0"/>
+              <a:t>120</a:t>
+            </a:r>
+            <a:endParaRPr lang="en-US" dirty="0"/>
+          </a:p>
+        </p:txBody>
+      </p:sp>
+      <p:sp>
+        <p:nvSpPr>
+          <p:cNvPr id="113" name="Rectangle 112"/>
+          <p:cNvSpPr/>
+          <p:nvPr/>
+        </p:nvSpPr>
+        <p:spPr>
+          <a:xfrm>
+            <a:off x="7837053" y="4427106"/>
+            <a:ext cx="990600" cy="306532"/>
+          </a:xfrm>
+          <a:prstGeom prst="rect">
+            <a:avLst/>
+          </a:prstGeom>
+          <a:ln/>
+        </p:spPr>
+        <p:style>
+          <a:lnRef idx="2">
+            <a:schemeClr val="accent6"/>
+          </a:lnRef>
+          <a:fillRef idx="1">
+            <a:schemeClr val="lt1"/>
+          </a:fillRef>
+          <a:effectRef idx="0">
+            <a:schemeClr val="accent6"/>
+          </a:effectRef>
+          <a:fontRef idx="minor">
+            <a:schemeClr val="dk1"/>
+          </a:fontRef>
+        </p:style>
+        <p:txBody>
+          <a:bodyPr rtlCol="0" anchor="ctr"/>
+          <a:lstStyle/>
+          <a:p>
+            <a:pPr algn="ctr"/>
+            <a:r>
+              <a:rPr lang="en-US" dirty="0" smtClean="0"/>
+              <a:t>120,000</a:t>
+            </a:r>
+            <a:endParaRPr lang="en-US" dirty="0"/>
+          </a:p>
+        </p:txBody>
+      </p:sp>
+    </p:spTree>
+    <p:extLst>
+      <p:ext uri="{BB962C8B-B14F-4D97-AF65-F5344CB8AC3E}">
+        <p14:creationId xmlns:p14="http://schemas.microsoft.com/office/powerpoint/2010/main" val="855274755"/>
+      </p:ext>
+    </p:extLst>
+  </p:cSld>
+  <p:clrMapOvr>
+    <a:masterClrMapping/>
+  </p:clrMapOvr>
+</p:sld>
+</file>
+
+<file path=ppt/slides/slide7.xml><?xml version="1.0" encoding="utf-8"?>
+<p:sld xmlns:a="http://schemas.openxmlformats.org/drawingml/2006/main" xmlns:r="http://schemas.openxmlformats.org/officeDocument/2006/relationships" xmlns:p="http://schemas.openxmlformats.org/presentationml/2006/main">
+  <p:cSld>
+    <p:spTree>
+      <p:nvGrpSpPr>
+        <p:cNvPr id="1" name=""/>
+        <p:cNvGrpSpPr/>
+        <p:nvPr/>
+      </p:nvGrpSpPr>
+      <p:grpSpPr>
+        <a:xfrm>
+          <a:off x="0" y="0"/>
+          <a:ext cx="0" cy="0"/>
+          <a:chOff x="0" y="0"/>
+          <a:chExt cx="0" cy="0"/>
+        </a:xfrm>
+      </p:grpSpPr>
+      <p:sp>
+        <p:nvSpPr>
+          <p:cNvPr id="2" name="Slide Number Placeholder 1"/>
+          <p:cNvSpPr>
+            <a:spLocks noGrp="1"/>
+          </p:cNvSpPr>
+          <p:nvPr>
+            <p:ph type="sldNum" sz="quarter" idx="12"/>
+          </p:nvPr>
+        </p:nvSpPr>
+        <p:spPr/>
+        <p:txBody>
+          <a:bodyPr/>
+          <a:lstStyle/>
+          <a:p>
+            <a:fld id="{7C65DD3B-8E90-4815-956E-D18D24CB454B}" type="slidenum">
+              <a:rPr lang="en-US" smtClean="0"/>
+              <a:pPr/>
+              <a:t>7</a:t>
+            </a:fld>
+            <a:endParaRPr lang="en-US" dirty="0"/>
+          </a:p>
+        </p:txBody>
+      </p:sp>
+      <p:sp>
+        <p:nvSpPr>
+          <p:cNvPr id="3" name="Rectangle 2"/>
+          <p:cNvSpPr/>
+          <p:nvPr/>
+        </p:nvSpPr>
+        <p:spPr>
+          <a:xfrm>
+            <a:off x="3200400" y="609600"/>
+            <a:ext cx="1905000" cy="762000"/>
+          </a:xfrm>
+          <a:prstGeom prst="rect">
+            <a:avLst/>
+          </a:prstGeom>
+        </p:spPr>
+        <p:style>
+          <a:lnRef idx="2">
+            <a:schemeClr val="accent1">
+              <a:shade val="50000"/>
+            </a:schemeClr>
+          </a:lnRef>
+          <a:fillRef idx="1">
+            <a:schemeClr val="accent1"/>
+          </a:fillRef>
+          <a:effectRef idx="0">
+            <a:schemeClr val="accent1"/>
+          </a:effectRef>
+          <a:fontRef idx="minor">
+            <a:schemeClr val="lt1"/>
+          </a:fontRef>
+        </p:style>
+        <p:txBody>
+          <a:bodyPr rtlCol="0" anchor="ctr"/>
+          <a:lstStyle/>
+          <a:p>
+            <a:pPr algn="ctr"/>
+            <a:r>
+              <a:rPr lang="en-US" dirty="0" smtClean="0"/>
+              <a:t>API Gateway</a:t>
+            </a:r>
+            <a:endParaRPr lang="en-US" dirty="0"/>
+          </a:p>
+        </p:txBody>
+      </p:sp>
+      <p:sp>
+        <p:nvSpPr>
+          <p:cNvPr id="6" name="Rectangle 5"/>
+          <p:cNvSpPr/>
+          <p:nvPr/>
+        </p:nvSpPr>
+        <p:spPr>
+          <a:xfrm>
+            <a:off x="1295400" y="1752600"/>
+            <a:ext cx="1905000" cy="762000"/>
+          </a:xfrm>
+          <a:prstGeom prst="rect">
+            <a:avLst/>
+          </a:prstGeom>
+        </p:spPr>
+        <p:style>
+          <a:lnRef idx="2">
+            <a:schemeClr val="accent3">
+              <a:shade val="50000"/>
+            </a:schemeClr>
+          </a:lnRef>
+          <a:fillRef idx="1">
+            <a:schemeClr val="accent3"/>
+          </a:fillRef>
+          <a:effectRef idx="0">
+            <a:schemeClr val="accent3"/>
+          </a:effectRef>
+          <a:fontRef idx="minor">
+            <a:schemeClr val="lt1"/>
+          </a:fontRef>
+        </p:style>
+        <p:txBody>
+          <a:bodyPr rtlCol="0" anchor="ctr"/>
+          <a:lstStyle/>
+          <a:p>
+            <a:pPr algn="ctr"/>
+            <a:r>
+              <a:rPr lang="en-US" dirty="0" smtClean="0"/>
+              <a:t>Entity Service</a:t>
+            </a:r>
+          </a:p>
+          <a:p>
+            <a:pPr algn="ctr"/>
+            <a:r>
+              <a:rPr lang="en-US" sz="1050" dirty="0" smtClean="0"/>
+              <a:t>Caching</a:t>
+            </a:r>
+            <a:endParaRPr lang="en-US" sz="1050" dirty="0"/>
+          </a:p>
+        </p:txBody>
+      </p:sp>
+      <p:sp>
+        <p:nvSpPr>
+          <p:cNvPr id="7" name="Rectangle 6"/>
+          <p:cNvSpPr/>
+          <p:nvPr/>
+        </p:nvSpPr>
+        <p:spPr>
+          <a:xfrm>
+            <a:off x="5119255" y="1752600"/>
+            <a:ext cx="1905000" cy="762000"/>
+          </a:xfrm>
+          <a:prstGeom prst="rect">
+            <a:avLst/>
+          </a:prstGeom>
+        </p:spPr>
+        <p:style>
+          <a:lnRef idx="2">
+            <a:schemeClr val="accent3">
+              <a:shade val="50000"/>
+            </a:schemeClr>
+          </a:lnRef>
+          <a:fillRef idx="1">
+            <a:schemeClr val="accent3"/>
+          </a:fillRef>
+          <a:effectRef idx="0">
+            <a:schemeClr val="accent3"/>
+          </a:effectRef>
+          <a:fontRef idx="minor">
+            <a:schemeClr val="lt1"/>
+          </a:fontRef>
+        </p:style>
+        <p:txBody>
+          <a:bodyPr rtlCol="0" anchor="ctr"/>
+          <a:lstStyle/>
+          <a:p>
+            <a:pPr algn="ctr"/>
+            <a:r>
+              <a:rPr lang="en-US" dirty="0" smtClean="0"/>
+              <a:t>Enqueuer Service</a:t>
+            </a:r>
+          </a:p>
+          <a:p>
+            <a:pPr algn="ctr"/>
+            <a:r>
+              <a:rPr lang="en-US" sz="1050" dirty="0" smtClean="0"/>
+              <a:t>Gatekeeper</a:t>
+            </a:r>
+            <a:endParaRPr lang="en-US" sz="1050" dirty="0"/>
+          </a:p>
+        </p:txBody>
+      </p:sp>
+      <p:sp>
+        <p:nvSpPr>
+          <p:cNvPr id="8" name="Rectangle 7"/>
+          <p:cNvSpPr/>
+          <p:nvPr/>
+        </p:nvSpPr>
+        <p:spPr>
+          <a:xfrm>
+            <a:off x="5424055" y="3505200"/>
+            <a:ext cx="1295400" cy="762000"/>
+          </a:xfrm>
+          <a:prstGeom prst="rect">
+            <a:avLst/>
+          </a:prstGeom>
+        </p:spPr>
+        <p:style>
+          <a:lnRef idx="2">
+            <a:schemeClr val="accent2">
+              <a:shade val="50000"/>
+            </a:schemeClr>
+          </a:lnRef>
+          <a:fillRef idx="1">
+            <a:schemeClr val="accent2"/>
+          </a:fillRef>
+          <a:effectRef idx="0">
+            <a:schemeClr val="accent2"/>
+          </a:effectRef>
+          <a:fontRef idx="minor">
+            <a:schemeClr val="lt1"/>
+          </a:fontRef>
+        </p:style>
+        <p:txBody>
+          <a:bodyPr rtlCol="0" anchor="ctr"/>
+          <a:lstStyle/>
+          <a:p>
+            <a:pPr algn="ctr"/>
+            <a:r>
+              <a:rPr lang="en-US" dirty="0" smtClean="0"/>
+              <a:t>Entity Actor</a:t>
+            </a:r>
+          </a:p>
+          <a:p>
+            <a:pPr algn="ctr"/>
+            <a:r>
+              <a:rPr lang="en-US" sz="1050" dirty="0" smtClean="0"/>
+              <a:t>Target</a:t>
+            </a:r>
+            <a:endParaRPr lang="en-US" sz="1050" dirty="0"/>
+          </a:p>
+        </p:txBody>
+      </p:sp>
+      <p:sp>
+        <p:nvSpPr>
+          <p:cNvPr id="9" name="Rectangle 8"/>
+          <p:cNvSpPr/>
+          <p:nvPr/>
+        </p:nvSpPr>
+        <p:spPr>
+          <a:xfrm>
+            <a:off x="4128655" y="4648201"/>
+            <a:ext cx="1295400" cy="762000"/>
+          </a:xfrm>
+          <a:prstGeom prst="rect">
+            <a:avLst/>
+          </a:prstGeom>
+        </p:spPr>
+        <p:style>
+          <a:lnRef idx="2">
+            <a:schemeClr val="accent2">
+              <a:shade val="50000"/>
+            </a:schemeClr>
+          </a:lnRef>
+          <a:fillRef idx="1">
+            <a:schemeClr val="accent2"/>
+          </a:fillRef>
+          <a:effectRef idx="0">
+            <a:schemeClr val="accent2"/>
+          </a:effectRef>
+          <a:fontRef idx="minor">
+            <a:schemeClr val="lt1"/>
+          </a:fontRef>
+        </p:style>
+        <p:txBody>
+          <a:bodyPr rtlCol="0" anchor="ctr"/>
+          <a:lstStyle/>
+          <a:p>
+            <a:pPr algn="ctr"/>
+            <a:r>
+              <a:rPr lang="en-US" dirty="0" smtClean="0"/>
+              <a:t>Entity Actor</a:t>
+            </a:r>
+          </a:p>
+          <a:p>
+            <a:pPr algn="ctr"/>
+            <a:r>
+              <a:rPr lang="en-US" sz="1050" dirty="0" smtClean="0"/>
+              <a:t>Parent</a:t>
+            </a:r>
+            <a:endParaRPr lang="en-US" sz="1050" dirty="0"/>
+          </a:p>
+        </p:txBody>
+      </p:sp>
+      <p:sp>
+        <p:nvSpPr>
+          <p:cNvPr id="12" name="Rectangle 11"/>
+          <p:cNvSpPr/>
+          <p:nvPr/>
+        </p:nvSpPr>
+        <p:spPr>
+          <a:xfrm>
+            <a:off x="6719455" y="4648201"/>
+            <a:ext cx="1295400" cy="762000"/>
+          </a:xfrm>
+          <a:prstGeom prst="rect">
+            <a:avLst/>
+          </a:prstGeom>
+        </p:spPr>
+        <p:style>
+          <a:lnRef idx="2">
+            <a:schemeClr val="accent2">
+              <a:shade val="50000"/>
+            </a:schemeClr>
+          </a:lnRef>
+          <a:fillRef idx="1">
+            <a:schemeClr val="accent2"/>
+          </a:fillRef>
+          <a:effectRef idx="0">
+            <a:schemeClr val="accent2"/>
+          </a:effectRef>
+          <a:fontRef idx="minor">
+            <a:schemeClr val="lt1"/>
+          </a:fontRef>
+        </p:style>
+        <p:txBody>
+          <a:bodyPr rtlCol="0" anchor="ctr"/>
+          <a:lstStyle/>
+          <a:p>
+            <a:pPr algn="ctr"/>
+            <a:r>
+              <a:rPr lang="en-US" dirty="0" smtClean="0"/>
+              <a:t>Entity Actor</a:t>
+            </a:r>
+          </a:p>
+          <a:p>
+            <a:pPr algn="ctr"/>
+            <a:r>
+              <a:rPr lang="en-US" sz="1050" dirty="0" smtClean="0"/>
+              <a:t>Peer</a:t>
+            </a:r>
+            <a:endParaRPr lang="en-US" sz="1050" dirty="0"/>
+          </a:p>
+        </p:txBody>
+      </p:sp>
+      <p:cxnSp>
+        <p:nvCxnSpPr>
+          <p:cNvPr id="14" name="Curved Connector 13"/>
+          <p:cNvCxnSpPr>
+            <a:stCxn id="8" idx="1"/>
+            <a:endCxn id="6" idx="2"/>
+          </p:cNvCxnSpPr>
+          <p:nvPr/>
+        </p:nvCxnSpPr>
+        <p:spPr>
+          <a:xfrm rot="10800000">
+            <a:off x="2247901" y="2514600"/>
+            <a:ext cx="3176155" cy="1371600"/>
+          </a:xfrm>
+          <a:prstGeom prst="curvedConnector2">
+            <a:avLst/>
+          </a:prstGeom>
+          <a:ln>
+            <a:tailEnd type="triangle"/>
+          </a:ln>
+        </p:spPr>
+        <p:style>
+          <a:lnRef idx="1">
+            <a:schemeClr val="accent1"/>
+          </a:lnRef>
+          <a:fillRef idx="0">
+            <a:schemeClr val="accent1"/>
+          </a:fillRef>
+          <a:effectRef idx="0">
+            <a:schemeClr val="accent1"/>
+          </a:effectRef>
+          <a:fontRef idx="minor">
+            <a:schemeClr val="tx1"/>
+          </a:fontRef>
+        </p:style>
+      </p:cxnSp>
+      <p:cxnSp>
+        <p:nvCxnSpPr>
+          <p:cNvPr id="16" name="Curved Connector 15"/>
+          <p:cNvCxnSpPr>
+            <a:stCxn id="8" idx="3"/>
+            <a:endCxn id="7" idx="3"/>
+          </p:cNvCxnSpPr>
+          <p:nvPr/>
+        </p:nvCxnSpPr>
+        <p:spPr>
+          <a:xfrm flipV="1">
+            <a:off x="6719455" y="2133600"/>
+            <a:ext cx="304800" cy="1752600"/>
+          </a:xfrm>
+          <a:prstGeom prst="curvedConnector3">
+            <a:avLst>
+              <a:gd name="adj1" fmla="val 175000"/>
+            </a:avLst>
+          </a:prstGeom>
+          <a:ln>
+            <a:tailEnd type="triangle"/>
+          </a:ln>
+        </p:spPr>
+        <p:style>
+          <a:lnRef idx="1">
+            <a:schemeClr val="accent1"/>
+          </a:lnRef>
+          <a:fillRef idx="0">
+            <a:schemeClr val="accent1"/>
+          </a:fillRef>
+          <a:effectRef idx="0">
+            <a:schemeClr val="accent1"/>
+          </a:effectRef>
+          <a:fontRef idx="minor">
+            <a:schemeClr val="tx1"/>
+          </a:fontRef>
+        </p:style>
+      </p:cxnSp>
+      <p:cxnSp>
+        <p:nvCxnSpPr>
+          <p:cNvPr id="18" name="Curved Connector 17"/>
+          <p:cNvCxnSpPr>
+            <a:stCxn id="8" idx="3"/>
+            <a:endCxn id="12" idx="0"/>
+          </p:cNvCxnSpPr>
+          <p:nvPr/>
+        </p:nvCxnSpPr>
+        <p:spPr>
+          <a:xfrm>
+            <a:off x="6719455" y="3886200"/>
+            <a:ext cx="647700" cy="762001"/>
+          </a:xfrm>
+          <a:prstGeom prst="curvedConnector2">
+            <a:avLst/>
+          </a:prstGeom>
+          <a:ln>
+            <a:tailEnd type="triangle"/>
+          </a:ln>
+        </p:spPr>
+        <p:style>
+          <a:lnRef idx="1">
+            <a:schemeClr val="accent1"/>
+          </a:lnRef>
+          <a:fillRef idx="0">
+            <a:schemeClr val="accent1"/>
+          </a:fillRef>
+          <a:effectRef idx="0">
+            <a:schemeClr val="accent1"/>
+          </a:effectRef>
+          <a:fontRef idx="minor">
+            <a:schemeClr val="tx1"/>
+          </a:fontRef>
+        </p:style>
+      </p:cxnSp>
+      <p:cxnSp>
+        <p:nvCxnSpPr>
+          <p:cNvPr id="20" name="Curved Connector 19"/>
+          <p:cNvCxnSpPr>
+            <a:stCxn id="8" idx="1"/>
+            <a:endCxn id="9" idx="0"/>
+          </p:cNvCxnSpPr>
+          <p:nvPr/>
+        </p:nvCxnSpPr>
+        <p:spPr>
+          <a:xfrm rot="10800000" flipV="1">
+            <a:off x="4776355" y="3886199"/>
+            <a:ext cx="647700" cy="762001"/>
+          </a:xfrm>
+          <a:prstGeom prst="curvedConnector2">
+            <a:avLst/>
+          </a:prstGeom>
+          <a:ln>
+            <a:tailEnd type="triangle"/>
+          </a:ln>
+        </p:spPr>
+        <p:style>
+          <a:lnRef idx="1">
+            <a:schemeClr val="accent1"/>
+          </a:lnRef>
+          <a:fillRef idx="0">
+            <a:schemeClr val="accent1"/>
+          </a:fillRef>
+          <a:effectRef idx="0">
+            <a:schemeClr val="accent1"/>
+          </a:effectRef>
+          <a:fontRef idx="minor">
+            <a:schemeClr val="tx1"/>
+          </a:fontRef>
+        </p:style>
+      </p:cxnSp>
+      <p:cxnSp>
+        <p:nvCxnSpPr>
+          <p:cNvPr id="22" name="Elbow Connector 21"/>
+          <p:cNvCxnSpPr>
+            <a:stCxn id="3" idx="3"/>
+            <a:endCxn id="7" idx="0"/>
+          </p:cNvCxnSpPr>
+          <p:nvPr/>
+        </p:nvCxnSpPr>
+        <p:spPr>
+          <a:xfrm>
+            <a:off x="5105400" y="990600"/>
+            <a:ext cx="966355" cy="762000"/>
+          </a:xfrm>
+          <a:prstGeom prst="bentConnector2">
+            <a:avLst/>
+          </a:prstGeom>
+          <a:ln>
+            <a:headEnd type="none"/>
+            <a:tailEnd type="triangle"/>
+          </a:ln>
+        </p:spPr>
+        <p:style>
+          <a:lnRef idx="1">
+            <a:schemeClr val="accent1"/>
+          </a:lnRef>
+          <a:fillRef idx="0">
+            <a:schemeClr val="accent1"/>
+          </a:fillRef>
+          <a:effectRef idx="0">
+            <a:schemeClr val="accent1"/>
+          </a:effectRef>
+          <a:fontRef idx="minor">
+            <a:schemeClr val="tx1"/>
+          </a:fontRef>
+        </p:style>
+      </p:cxnSp>
+      <p:cxnSp>
+        <p:nvCxnSpPr>
+          <p:cNvPr id="24" name="Elbow Connector 23"/>
+          <p:cNvCxnSpPr>
+            <a:stCxn id="3" idx="1"/>
+            <a:endCxn id="6" idx="0"/>
+          </p:cNvCxnSpPr>
+          <p:nvPr/>
+        </p:nvCxnSpPr>
+        <p:spPr>
+          <a:xfrm rot="10800000" flipV="1">
+            <a:off x="2247900" y="990600"/>
+            <a:ext cx="952500" cy="762000"/>
+          </a:xfrm>
+          <a:prstGeom prst="bentConnector2">
+            <a:avLst/>
+          </a:prstGeom>
+          <a:ln>
+            <a:headEnd type="triangle" w="med" len="sm"/>
+            <a:tailEnd type="none"/>
+          </a:ln>
+        </p:spPr>
+        <p:style>
+          <a:lnRef idx="1">
+            <a:schemeClr val="accent1"/>
+          </a:lnRef>
+          <a:fillRef idx="0">
+            <a:schemeClr val="accent1"/>
+          </a:fillRef>
+          <a:effectRef idx="0">
+            <a:schemeClr val="accent1"/>
+          </a:effectRef>
+          <a:fontRef idx="minor">
+            <a:schemeClr val="tx1"/>
+          </a:fontRef>
+        </p:style>
+      </p:cxnSp>
+      <p:cxnSp>
+        <p:nvCxnSpPr>
+          <p:cNvPr id="26" name="Straight Arrow Connector 25"/>
+          <p:cNvCxnSpPr>
+            <a:stCxn id="7" idx="2"/>
+            <a:endCxn id="8" idx="0"/>
+          </p:cNvCxnSpPr>
+          <p:nvPr/>
+        </p:nvCxnSpPr>
+        <p:spPr>
+          <a:xfrm>
+            <a:off x="6071755" y="2514600"/>
+            <a:ext cx="0" cy="990600"/>
+          </a:xfrm>
+          <a:prstGeom prst="straightConnector1">
+            <a:avLst/>
+          </a:prstGeom>
+          <a:ln>
+            <a:tailEnd type="triangle"/>
+          </a:ln>
+        </p:spPr>
+        <p:style>
+          <a:lnRef idx="1">
+            <a:schemeClr val="accent1"/>
+          </a:lnRef>
+          <a:fillRef idx="0">
+            <a:schemeClr val="accent1"/>
+          </a:fillRef>
+          <a:effectRef idx="0">
+            <a:schemeClr val="accent1"/>
+          </a:effectRef>
+          <a:fontRef idx="minor">
+            <a:schemeClr val="tx1"/>
+          </a:fontRef>
+        </p:style>
+      </p:cxnSp>
+      <p:sp>
+        <p:nvSpPr>
+          <p:cNvPr id="28" name="TextBox 27"/>
+          <p:cNvSpPr txBox="1"/>
+          <p:nvPr/>
+        </p:nvSpPr>
+        <p:spPr>
+          <a:xfrm>
+            <a:off x="5593195" y="2794137"/>
+            <a:ext cx="990600" cy="276999"/>
+          </a:xfrm>
+          <a:prstGeom prst="rect">
+            <a:avLst/>
+          </a:prstGeom>
+          <a:noFill/>
+        </p:spPr>
+        <p:txBody>
+          <a:bodyPr wrap="square" rtlCol="0">
+            <a:spAutoFit/>
+          </a:bodyPr>
+          <a:lstStyle/>
+          <a:p>
+            <a:pPr algn="ctr"/>
+            <a:r>
+              <a:rPr lang="en-US" sz="1200" dirty="0" smtClean="0"/>
+              <a:t>Reprocess</a:t>
+            </a:r>
+            <a:endParaRPr lang="en-US" sz="1200" dirty="0"/>
+          </a:p>
+        </p:txBody>
+      </p:sp>
+      <p:sp>
+        <p:nvSpPr>
+          <p:cNvPr id="29" name="TextBox 28"/>
+          <p:cNvSpPr txBox="1"/>
+          <p:nvPr/>
+        </p:nvSpPr>
+        <p:spPr>
+          <a:xfrm>
+            <a:off x="4396509" y="4109074"/>
+            <a:ext cx="990600" cy="276999"/>
+          </a:xfrm>
+          <a:prstGeom prst="rect">
+            <a:avLst/>
+          </a:prstGeom>
+          <a:noFill/>
+        </p:spPr>
+        <p:txBody>
+          <a:bodyPr wrap="square" rtlCol="0">
+            <a:spAutoFit/>
+          </a:bodyPr>
+          <a:lstStyle/>
+          <a:p>
+            <a:pPr algn="ctr"/>
+            <a:r>
+              <a:rPr lang="en-US" sz="1200" dirty="0" smtClean="0"/>
+              <a:t>Reprocess</a:t>
+            </a:r>
+            <a:endParaRPr lang="en-US" sz="1200" dirty="0"/>
+          </a:p>
+        </p:txBody>
+      </p:sp>
+      <p:sp>
+        <p:nvSpPr>
+          <p:cNvPr id="30" name="TextBox 29"/>
+          <p:cNvSpPr txBox="1"/>
+          <p:nvPr/>
+        </p:nvSpPr>
+        <p:spPr>
+          <a:xfrm>
+            <a:off x="6756401" y="4109073"/>
+            <a:ext cx="990600" cy="276999"/>
+          </a:xfrm>
+          <a:prstGeom prst="rect">
+            <a:avLst/>
+          </a:prstGeom>
+          <a:noFill/>
+        </p:spPr>
+        <p:txBody>
+          <a:bodyPr wrap="square" rtlCol="0">
+            <a:spAutoFit/>
+          </a:bodyPr>
+          <a:lstStyle/>
+          <a:p>
+            <a:pPr algn="ctr"/>
+            <a:r>
+              <a:rPr lang="en-US" sz="1200" dirty="0" smtClean="0"/>
+              <a:t>Reprocess</a:t>
+            </a:r>
+            <a:endParaRPr lang="en-US" sz="1200" dirty="0"/>
+          </a:p>
+        </p:txBody>
+      </p:sp>
+      <p:sp>
+        <p:nvSpPr>
+          <p:cNvPr id="31" name="TextBox 30"/>
+          <p:cNvSpPr txBox="1"/>
+          <p:nvPr/>
+        </p:nvSpPr>
+        <p:spPr>
+          <a:xfrm>
+            <a:off x="6782380" y="2796492"/>
+            <a:ext cx="990600" cy="276999"/>
+          </a:xfrm>
+          <a:prstGeom prst="rect">
+            <a:avLst/>
+          </a:prstGeom>
+          <a:noFill/>
+        </p:spPr>
+        <p:txBody>
+          <a:bodyPr wrap="square" rtlCol="0">
+            <a:spAutoFit/>
+          </a:bodyPr>
+          <a:lstStyle/>
+          <a:p>
+            <a:pPr algn="ctr"/>
+            <a:r>
+              <a:rPr lang="en-US" sz="1200" dirty="0" smtClean="0"/>
+              <a:t>Event</a:t>
+            </a:r>
+            <a:endParaRPr lang="en-US" sz="1200" dirty="0"/>
+          </a:p>
+        </p:txBody>
+      </p:sp>
+      <p:sp>
+        <p:nvSpPr>
+          <p:cNvPr id="32" name="TextBox 31"/>
+          <p:cNvSpPr txBox="1"/>
+          <p:nvPr/>
+        </p:nvSpPr>
+        <p:spPr>
+          <a:xfrm>
+            <a:off x="2908302" y="3380601"/>
+            <a:ext cx="990600" cy="276999"/>
+          </a:xfrm>
+          <a:prstGeom prst="rect">
+            <a:avLst/>
+          </a:prstGeom>
+          <a:noFill/>
+        </p:spPr>
+        <p:txBody>
+          <a:bodyPr wrap="square" rtlCol="0">
+            <a:spAutoFit/>
+          </a:bodyPr>
+          <a:lstStyle/>
+          <a:p>
+            <a:pPr algn="ctr"/>
+            <a:r>
+              <a:rPr lang="en-US" sz="1200" dirty="0" smtClean="0"/>
+              <a:t>Cache</a:t>
+            </a:r>
+            <a:endParaRPr lang="en-US" sz="1200" dirty="0"/>
+          </a:p>
+        </p:txBody>
+      </p:sp>
+      <p:sp>
+        <p:nvSpPr>
+          <p:cNvPr id="33" name="TextBox 32"/>
+          <p:cNvSpPr txBox="1"/>
+          <p:nvPr/>
+        </p:nvSpPr>
+        <p:spPr>
+          <a:xfrm>
+            <a:off x="5105400" y="685800"/>
+            <a:ext cx="2792845" cy="276999"/>
+          </a:xfrm>
+          <a:prstGeom prst="rect">
+            <a:avLst/>
+          </a:prstGeom>
+          <a:noFill/>
+        </p:spPr>
+        <p:txBody>
+          <a:bodyPr wrap="square" rtlCol="0">
+            <a:spAutoFit/>
+          </a:bodyPr>
+          <a:lstStyle/>
+          <a:p>
+            <a:r>
+              <a:rPr lang="en-US" sz="1200" dirty="0" smtClean="0"/>
+              <a:t>Reprocess Revenue Unit, Week and Year</a:t>
+            </a:r>
+            <a:endParaRPr lang="en-US" sz="1200" dirty="0"/>
+          </a:p>
+        </p:txBody>
+      </p:sp>
+      <p:sp>
+        <p:nvSpPr>
+          <p:cNvPr id="34" name="TextBox 33"/>
+          <p:cNvSpPr txBox="1"/>
+          <p:nvPr/>
+        </p:nvSpPr>
+        <p:spPr>
+          <a:xfrm>
+            <a:off x="152401" y="304800"/>
+            <a:ext cx="3048000" cy="646331"/>
+          </a:xfrm>
+          <a:prstGeom prst="rect">
+            <a:avLst/>
+          </a:prstGeom>
+          <a:noFill/>
+        </p:spPr>
+        <p:txBody>
+          <a:bodyPr wrap="square" rtlCol="0">
+            <a:spAutoFit/>
+          </a:bodyPr>
+          <a:lstStyle/>
+          <a:p>
+            <a:r>
+              <a:rPr lang="en-US" sz="1200" dirty="0" smtClean="0"/>
+              <a:t>Given week, year and entity, retrieve time slots measures for the entity and its immediate children</a:t>
+            </a:r>
+            <a:endParaRPr lang="en-US" sz="1200" dirty="0"/>
+          </a:p>
+        </p:txBody>
+      </p:sp>
+    </p:spTree>
+    <p:extLst>
+      <p:ext uri="{BB962C8B-B14F-4D97-AF65-F5344CB8AC3E}">
+        <p14:creationId xmlns:p14="http://schemas.microsoft.com/office/powerpoint/2010/main" val="3481025242"/>
+      </p:ext>
+    </p:extLst>
+  </p:cSld>
+  <p:clrMapOvr>
+    <a:masterClrMapping/>
+  </p:clrMapOvr>
+</p:sld>
+</file>
+
+<file path=ppt/slides/slide8.xml><?xml version="1.0" encoding="utf-8"?>
+<p:sld xmlns:a="http://schemas.openxmlformats.org/drawingml/2006/main" xmlns:r="http://schemas.openxmlformats.org/officeDocument/2006/relationships" xmlns:p="http://schemas.openxmlformats.org/presentationml/2006/main">
+  <p:cSld>
+    <p:spTree>
+      <p:nvGrpSpPr>
+        <p:cNvPr id="1" name=""/>
+        <p:cNvGrpSpPr/>
+        <p:nvPr/>
+      </p:nvGrpSpPr>
+      <p:grpSpPr>
+        <a:xfrm>
+          <a:off x="0" y="0"/>
+          <a:ext cx="0" cy="0"/>
+          <a:chOff x="0" y="0"/>
+          <a:chExt cx="0" cy="0"/>
+        </a:xfrm>
+      </p:grpSpPr>
+      <p:sp>
+        <p:nvSpPr>
+          <p:cNvPr id="3" name="Rectangle 2"/>
+          <p:cNvSpPr/>
+          <p:nvPr/>
+        </p:nvSpPr>
+        <p:spPr>
+          <a:xfrm>
+            <a:off x="220518" y="3038186"/>
+            <a:ext cx="1600200" cy="533400"/>
+          </a:xfrm>
+          <a:prstGeom prst="rect">
+            <a:avLst/>
+          </a:prstGeom>
+        </p:spPr>
+        <p:style>
+          <a:lnRef idx="2">
+            <a:schemeClr val="accent3">
+              <a:shade val="50000"/>
+            </a:schemeClr>
+          </a:lnRef>
+          <a:fillRef idx="1">
+            <a:schemeClr val="accent3"/>
+          </a:fillRef>
+          <a:effectRef idx="0">
+            <a:schemeClr val="accent3"/>
+          </a:effectRef>
+          <a:fontRef idx="minor">
+            <a:schemeClr val="lt1"/>
+          </a:fontRef>
+        </p:style>
+        <p:txBody>
+          <a:bodyPr rtlCol="0" anchor="ctr"/>
+          <a:lstStyle/>
+          <a:p>
+            <a:pPr algn="ctr"/>
+            <a:r>
+              <a:rPr lang="en-US" dirty="0" smtClean="0"/>
+              <a:t>CALL CENTER 1</a:t>
+            </a:r>
+            <a:endParaRPr lang="en-US" dirty="0"/>
+          </a:p>
+        </p:txBody>
+      </p:sp>
+      <p:sp>
+        <p:nvSpPr>
+          <p:cNvPr id="4" name="Rectangle 3"/>
+          <p:cNvSpPr/>
+          <p:nvPr/>
+        </p:nvSpPr>
+        <p:spPr>
+          <a:xfrm>
+            <a:off x="2738582" y="3038186"/>
+            <a:ext cx="990600" cy="533400"/>
+          </a:xfrm>
+          <a:prstGeom prst="rect">
+            <a:avLst/>
+          </a:prstGeom>
+        </p:spPr>
+        <p:style>
+          <a:lnRef idx="2">
+            <a:schemeClr val="accent3">
+              <a:shade val="50000"/>
+            </a:schemeClr>
+          </a:lnRef>
+          <a:fillRef idx="1">
+            <a:schemeClr val="accent3"/>
+          </a:fillRef>
+          <a:effectRef idx="0">
+            <a:schemeClr val="accent3"/>
+          </a:effectRef>
+          <a:fontRef idx="minor">
+            <a:schemeClr val="lt1"/>
+          </a:fontRef>
+        </p:style>
+        <p:txBody>
+          <a:bodyPr rtlCol="0" anchor="ctr"/>
+          <a:lstStyle/>
+          <a:p>
+            <a:pPr algn="ctr"/>
+            <a:r>
+              <a:rPr lang="en-US" dirty="0" smtClean="0"/>
+              <a:t>1/2016</a:t>
+            </a:r>
+            <a:endParaRPr lang="en-US" dirty="0"/>
+          </a:p>
+        </p:txBody>
+      </p:sp>
+      <p:sp>
+        <p:nvSpPr>
+          <p:cNvPr id="5" name="Rectangle 4"/>
+          <p:cNvSpPr/>
+          <p:nvPr/>
+        </p:nvSpPr>
+        <p:spPr>
+          <a:xfrm>
+            <a:off x="4033982" y="3038186"/>
+            <a:ext cx="990600" cy="533400"/>
+          </a:xfrm>
+          <a:prstGeom prst="rect">
+            <a:avLst/>
+          </a:prstGeom>
+        </p:spPr>
+        <p:style>
+          <a:lnRef idx="2">
+            <a:schemeClr val="accent3">
+              <a:shade val="50000"/>
+            </a:schemeClr>
+          </a:lnRef>
+          <a:fillRef idx="1">
+            <a:schemeClr val="accent3"/>
+          </a:fillRef>
+          <a:effectRef idx="0">
+            <a:schemeClr val="accent3"/>
+          </a:effectRef>
+          <a:fontRef idx="minor">
+            <a:schemeClr val="lt1"/>
+          </a:fontRef>
+        </p:style>
+        <p:txBody>
+          <a:bodyPr rtlCol="0" anchor="ctr"/>
+          <a:lstStyle/>
+          <a:p>
+            <a:pPr algn="ctr"/>
+            <a:r>
+              <a:rPr lang="en-US" dirty="0"/>
+              <a:t>2</a:t>
+            </a:r>
+            <a:r>
+              <a:rPr lang="en-US" dirty="0" smtClean="0"/>
+              <a:t>/2016</a:t>
+            </a:r>
+            <a:endParaRPr lang="en-US" dirty="0"/>
+          </a:p>
+        </p:txBody>
+      </p:sp>
+      <p:sp>
+        <p:nvSpPr>
+          <p:cNvPr id="6" name="Rectangle 5"/>
+          <p:cNvSpPr/>
+          <p:nvPr/>
+        </p:nvSpPr>
+        <p:spPr>
+          <a:xfrm>
+            <a:off x="5329382" y="3038186"/>
+            <a:ext cx="990600" cy="533400"/>
+          </a:xfrm>
+          <a:prstGeom prst="rect">
+            <a:avLst/>
+          </a:prstGeom>
+        </p:spPr>
+        <p:style>
+          <a:lnRef idx="2">
+            <a:schemeClr val="accent3">
+              <a:shade val="50000"/>
+            </a:schemeClr>
+          </a:lnRef>
+          <a:fillRef idx="1">
+            <a:schemeClr val="accent3"/>
+          </a:fillRef>
+          <a:effectRef idx="0">
+            <a:schemeClr val="accent3"/>
+          </a:effectRef>
+          <a:fontRef idx="minor">
+            <a:schemeClr val="lt1"/>
+          </a:fontRef>
+        </p:style>
+        <p:txBody>
+          <a:bodyPr rtlCol="0" anchor="ctr"/>
+          <a:lstStyle/>
+          <a:p>
+            <a:pPr algn="ctr"/>
+            <a:r>
+              <a:rPr lang="en-US" dirty="0" smtClean="0"/>
+              <a:t>3/2016</a:t>
+            </a:r>
+            <a:endParaRPr lang="en-US" dirty="0"/>
+          </a:p>
+        </p:txBody>
+      </p:sp>
+      <p:sp>
+        <p:nvSpPr>
+          <p:cNvPr id="7" name="Rectangle 6"/>
+          <p:cNvSpPr/>
+          <p:nvPr/>
+        </p:nvSpPr>
+        <p:spPr>
+          <a:xfrm>
+            <a:off x="6624782" y="3038186"/>
+            <a:ext cx="990600" cy="533400"/>
+          </a:xfrm>
+          <a:prstGeom prst="rect">
+            <a:avLst/>
+          </a:prstGeom>
+        </p:spPr>
+        <p:style>
+          <a:lnRef idx="2">
+            <a:schemeClr val="accent3">
+              <a:shade val="50000"/>
+            </a:schemeClr>
+          </a:lnRef>
+          <a:fillRef idx="1">
+            <a:schemeClr val="accent3"/>
+          </a:fillRef>
+          <a:effectRef idx="0">
+            <a:schemeClr val="accent3"/>
+          </a:effectRef>
+          <a:fontRef idx="minor">
+            <a:schemeClr val="lt1"/>
+          </a:fontRef>
+        </p:style>
+        <p:txBody>
+          <a:bodyPr rtlCol="0" anchor="ctr"/>
+          <a:lstStyle/>
+          <a:p>
+            <a:pPr algn="ctr"/>
+            <a:r>
+              <a:rPr lang="en-US" dirty="0" smtClean="0"/>
+              <a:t>4/2016</a:t>
+            </a:r>
+            <a:endParaRPr lang="en-US" dirty="0"/>
+          </a:p>
+        </p:txBody>
+      </p:sp>
+      <p:sp>
+        <p:nvSpPr>
+          <p:cNvPr id="8" name="Rectangle 7"/>
+          <p:cNvSpPr/>
+          <p:nvPr/>
+        </p:nvSpPr>
+        <p:spPr>
+          <a:xfrm>
+            <a:off x="7916718" y="3038186"/>
+            <a:ext cx="990600" cy="533400"/>
+          </a:xfrm>
+          <a:prstGeom prst="rect">
+            <a:avLst/>
+          </a:prstGeom>
+        </p:spPr>
+        <p:style>
+          <a:lnRef idx="2">
+            <a:schemeClr val="accent3">
+              <a:shade val="50000"/>
+            </a:schemeClr>
+          </a:lnRef>
+          <a:fillRef idx="1">
+            <a:schemeClr val="accent3"/>
+          </a:fillRef>
+          <a:effectRef idx="0">
+            <a:schemeClr val="accent3"/>
+          </a:effectRef>
+          <a:fontRef idx="minor">
+            <a:schemeClr val="lt1"/>
+          </a:fontRef>
+        </p:style>
+        <p:txBody>
+          <a:bodyPr rtlCol="0" anchor="ctr"/>
+          <a:lstStyle/>
+          <a:p>
+            <a:pPr algn="ctr"/>
+            <a:r>
+              <a:rPr lang="en-US" dirty="0" smtClean="0"/>
+              <a:t>5/2016</a:t>
+            </a:r>
+            <a:endParaRPr lang="en-US" dirty="0"/>
+          </a:p>
+        </p:txBody>
+      </p:sp>
+      <p:sp>
+        <p:nvSpPr>
+          <p:cNvPr id="9" name="Rectangle 8"/>
+          <p:cNvSpPr/>
+          <p:nvPr/>
+        </p:nvSpPr>
+        <p:spPr>
+          <a:xfrm>
+            <a:off x="225136" y="2123786"/>
+            <a:ext cx="1600200" cy="533400"/>
+          </a:xfrm>
+          <a:prstGeom prst="rect">
+            <a:avLst/>
+          </a:prstGeom>
+        </p:spPr>
+        <p:style>
+          <a:lnRef idx="2">
+            <a:schemeClr val="accent5">
+              <a:shade val="50000"/>
+            </a:schemeClr>
+          </a:lnRef>
+          <a:fillRef idx="1">
+            <a:schemeClr val="accent5"/>
+          </a:fillRef>
+          <a:effectRef idx="0">
+            <a:schemeClr val="accent5"/>
+          </a:effectRef>
+          <a:fontRef idx="minor">
+            <a:schemeClr val="lt1"/>
+          </a:fontRef>
+        </p:style>
+        <p:txBody>
+          <a:bodyPr rtlCol="0" anchor="ctr"/>
+          <a:lstStyle/>
+          <a:p>
+            <a:pPr algn="ctr"/>
+            <a:r>
+              <a:rPr lang="en-US" dirty="0" smtClean="0"/>
+              <a:t>COUNTRY 1</a:t>
+            </a:r>
+            <a:endParaRPr lang="en-US" dirty="0"/>
+          </a:p>
+        </p:txBody>
+      </p:sp>
+      <p:sp>
+        <p:nvSpPr>
+          <p:cNvPr id="10" name="Rectangle 9"/>
+          <p:cNvSpPr/>
+          <p:nvPr/>
+        </p:nvSpPr>
+        <p:spPr>
+          <a:xfrm>
+            <a:off x="2743200" y="2123786"/>
+            <a:ext cx="990600" cy="533400"/>
+          </a:xfrm>
+          <a:prstGeom prst="rect">
+            <a:avLst/>
+          </a:prstGeom>
+        </p:spPr>
+        <p:style>
+          <a:lnRef idx="2">
+            <a:schemeClr val="accent5">
+              <a:shade val="50000"/>
+            </a:schemeClr>
+          </a:lnRef>
+          <a:fillRef idx="1">
+            <a:schemeClr val="accent5"/>
+          </a:fillRef>
+          <a:effectRef idx="0">
+            <a:schemeClr val="accent5"/>
+          </a:effectRef>
+          <a:fontRef idx="minor">
+            <a:schemeClr val="lt1"/>
+          </a:fontRef>
+        </p:style>
+        <p:txBody>
+          <a:bodyPr rtlCol="0" anchor="ctr"/>
+          <a:lstStyle/>
+          <a:p>
+            <a:pPr algn="ctr"/>
+            <a:r>
+              <a:rPr lang="en-US" dirty="0" smtClean="0"/>
+              <a:t>1/2016</a:t>
+            </a:r>
+            <a:endParaRPr lang="en-US" dirty="0"/>
+          </a:p>
+        </p:txBody>
+      </p:sp>
+      <p:sp>
+        <p:nvSpPr>
+          <p:cNvPr id="11" name="Rectangle 10"/>
+          <p:cNvSpPr/>
+          <p:nvPr/>
+        </p:nvSpPr>
+        <p:spPr>
+          <a:xfrm>
+            <a:off x="4038600" y="2123786"/>
+            <a:ext cx="990600" cy="533400"/>
+          </a:xfrm>
+          <a:prstGeom prst="rect">
+            <a:avLst/>
+          </a:prstGeom>
+        </p:spPr>
+        <p:style>
+          <a:lnRef idx="2">
+            <a:schemeClr val="accent5">
+              <a:shade val="50000"/>
+            </a:schemeClr>
+          </a:lnRef>
+          <a:fillRef idx="1">
+            <a:schemeClr val="accent5"/>
+          </a:fillRef>
+          <a:effectRef idx="0">
+            <a:schemeClr val="accent5"/>
+          </a:effectRef>
+          <a:fontRef idx="minor">
+            <a:schemeClr val="lt1"/>
+          </a:fontRef>
+        </p:style>
+        <p:txBody>
+          <a:bodyPr rtlCol="0" anchor="ctr"/>
+          <a:lstStyle/>
+          <a:p>
+            <a:pPr algn="ctr"/>
+            <a:r>
+              <a:rPr lang="en-US" dirty="0"/>
+              <a:t>2</a:t>
+            </a:r>
+            <a:r>
+              <a:rPr lang="en-US" dirty="0" smtClean="0"/>
+              <a:t>/2016</a:t>
+            </a:r>
+            <a:endParaRPr lang="en-US" dirty="0"/>
+          </a:p>
+        </p:txBody>
+      </p:sp>
+      <p:sp>
+        <p:nvSpPr>
+          <p:cNvPr id="12" name="Rectangle 11"/>
+          <p:cNvSpPr/>
+          <p:nvPr/>
+        </p:nvSpPr>
+        <p:spPr>
+          <a:xfrm>
+            <a:off x="5334000" y="2123786"/>
+            <a:ext cx="990600" cy="533400"/>
+          </a:xfrm>
+          <a:prstGeom prst="rect">
+            <a:avLst/>
+          </a:prstGeom>
+        </p:spPr>
+        <p:style>
+          <a:lnRef idx="2">
+            <a:schemeClr val="accent5">
+              <a:shade val="50000"/>
+            </a:schemeClr>
+          </a:lnRef>
+          <a:fillRef idx="1">
+            <a:schemeClr val="accent5"/>
+          </a:fillRef>
+          <a:effectRef idx="0">
+            <a:schemeClr val="accent5"/>
+          </a:effectRef>
+          <a:fontRef idx="minor">
+            <a:schemeClr val="lt1"/>
+          </a:fontRef>
+        </p:style>
+        <p:txBody>
+          <a:bodyPr rtlCol="0" anchor="ctr"/>
+          <a:lstStyle/>
+          <a:p>
+            <a:pPr algn="ctr"/>
+            <a:r>
+              <a:rPr lang="en-US" dirty="0" smtClean="0"/>
+              <a:t>3/2016</a:t>
+            </a:r>
+            <a:endParaRPr lang="en-US" dirty="0"/>
+          </a:p>
+        </p:txBody>
+      </p:sp>
+      <p:sp>
+        <p:nvSpPr>
+          <p:cNvPr id="13" name="Rectangle 12"/>
+          <p:cNvSpPr/>
+          <p:nvPr/>
+        </p:nvSpPr>
+        <p:spPr>
+          <a:xfrm>
+            <a:off x="6629400" y="2123786"/>
+            <a:ext cx="990600" cy="533400"/>
+          </a:xfrm>
+          <a:prstGeom prst="rect">
+            <a:avLst/>
+          </a:prstGeom>
+        </p:spPr>
+        <p:style>
+          <a:lnRef idx="2">
+            <a:schemeClr val="accent5">
+              <a:shade val="50000"/>
+            </a:schemeClr>
+          </a:lnRef>
+          <a:fillRef idx="1">
+            <a:schemeClr val="accent5"/>
+          </a:fillRef>
+          <a:effectRef idx="0">
+            <a:schemeClr val="accent5"/>
+          </a:effectRef>
+          <a:fontRef idx="minor">
+            <a:schemeClr val="lt1"/>
+          </a:fontRef>
+        </p:style>
+        <p:txBody>
+          <a:bodyPr rtlCol="0" anchor="ctr"/>
+          <a:lstStyle/>
+          <a:p>
+            <a:pPr algn="ctr"/>
+            <a:r>
+              <a:rPr lang="en-US" dirty="0" smtClean="0"/>
+              <a:t>4/2016</a:t>
+            </a:r>
+            <a:endParaRPr lang="en-US" dirty="0"/>
+          </a:p>
+        </p:txBody>
+      </p:sp>
+      <p:sp>
+        <p:nvSpPr>
+          <p:cNvPr id="14" name="Rectangle 13"/>
+          <p:cNvSpPr/>
+          <p:nvPr/>
+        </p:nvSpPr>
+        <p:spPr>
+          <a:xfrm>
+            <a:off x="7921336" y="2123786"/>
+            <a:ext cx="990600" cy="533400"/>
+          </a:xfrm>
+          <a:prstGeom prst="rect">
+            <a:avLst/>
+          </a:prstGeom>
+        </p:spPr>
+        <p:style>
+          <a:lnRef idx="2">
+            <a:schemeClr val="accent5">
+              <a:shade val="50000"/>
+            </a:schemeClr>
+          </a:lnRef>
+          <a:fillRef idx="1">
+            <a:schemeClr val="accent5"/>
+          </a:fillRef>
+          <a:effectRef idx="0">
+            <a:schemeClr val="accent5"/>
+          </a:effectRef>
+          <a:fontRef idx="minor">
+            <a:schemeClr val="lt1"/>
+          </a:fontRef>
+        </p:style>
+        <p:txBody>
+          <a:bodyPr rtlCol="0" anchor="ctr"/>
+          <a:lstStyle/>
+          <a:p>
+            <a:pPr algn="ctr"/>
+            <a:r>
+              <a:rPr lang="en-US" dirty="0" smtClean="0"/>
+              <a:t>5/2016</a:t>
+            </a:r>
+            <a:endParaRPr lang="en-US" dirty="0"/>
+          </a:p>
+        </p:txBody>
+      </p:sp>
+      <p:sp>
+        <p:nvSpPr>
+          <p:cNvPr id="15" name="Rectangle 14"/>
+          <p:cNvSpPr/>
+          <p:nvPr/>
+        </p:nvSpPr>
+        <p:spPr>
+          <a:xfrm>
+            <a:off x="220518" y="1186584"/>
+            <a:ext cx="1600200" cy="533400"/>
+          </a:xfrm>
+          <a:prstGeom prst="rect">
+            <a:avLst/>
+          </a:prstGeom>
+        </p:spPr>
+        <p:style>
+          <a:lnRef idx="2">
+            <a:schemeClr val="accent6">
+              <a:shade val="50000"/>
+            </a:schemeClr>
+          </a:lnRef>
+          <a:fillRef idx="1">
+            <a:schemeClr val="accent6"/>
+          </a:fillRef>
+          <a:effectRef idx="0">
+            <a:schemeClr val="accent6"/>
+          </a:effectRef>
+          <a:fontRef idx="minor">
+            <a:schemeClr val="lt1"/>
+          </a:fontRef>
+        </p:style>
+        <p:txBody>
+          <a:bodyPr rtlCol="0" anchor="ctr"/>
+          <a:lstStyle/>
+          <a:p>
+            <a:pPr algn="ctr"/>
+            <a:r>
+              <a:rPr lang="en-US" dirty="0" smtClean="0"/>
+              <a:t>REGION 1</a:t>
+            </a:r>
+            <a:endParaRPr lang="en-US" dirty="0"/>
+          </a:p>
+        </p:txBody>
+      </p:sp>
+      <p:sp>
+        <p:nvSpPr>
+          <p:cNvPr id="16" name="Rectangle 15"/>
+          <p:cNvSpPr/>
+          <p:nvPr/>
+        </p:nvSpPr>
+        <p:spPr>
+          <a:xfrm>
+            <a:off x="2738582" y="1186584"/>
+            <a:ext cx="990600" cy="533400"/>
+          </a:xfrm>
+          <a:prstGeom prst="rect">
+            <a:avLst/>
+          </a:prstGeom>
+        </p:spPr>
+        <p:style>
+          <a:lnRef idx="2">
+            <a:schemeClr val="accent6">
+              <a:shade val="50000"/>
+            </a:schemeClr>
+          </a:lnRef>
+          <a:fillRef idx="1">
+            <a:schemeClr val="accent6"/>
+          </a:fillRef>
+          <a:effectRef idx="0">
+            <a:schemeClr val="accent6"/>
+          </a:effectRef>
+          <a:fontRef idx="minor">
+            <a:schemeClr val="lt1"/>
+          </a:fontRef>
+        </p:style>
+        <p:txBody>
+          <a:bodyPr rtlCol="0" anchor="ctr"/>
+          <a:lstStyle/>
+          <a:p>
+            <a:pPr algn="ctr"/>
+            <a:r>
+              <a:rPr lang="en-US" dirty="0" smtClean="0"/>
+              <a:t>1/2016</a:t>
+            </a:r>
+            <a:endParaRPr lang="en-US" dirty="0"/>
+          </a:p>
+        </p:txBody>
+      </p:sp>
+      <p:sp>
+        <p:nvSpPr>
+          <p:cNvPr id="17" name="Rectangle 16"/>
+          <p:cNvSpPr/>
+          <p:nvPr/>
+        </p:nvSpPr>
+        <p:spPr>
+          <a:xfrm>
+            <a:off x="4033982" y="1186584"/>
+            <a:ext cx="990600" cy="533400"/>
+          </a:xfrm>
+          <a:prstGeom prst="rect">
+            <a:avLst/>
+          </a:prstGeom>
+        </p:spPr>
+        <p:style>
+          <a:lnRef idx="2">
+            <a:schemeClr val="accent6">
+              <a:shade val="50000"/>
+            </a:schemeClr>
+          </a:lnRef>
+          <a:fillRef idx="1">
+            <a:schemeClr val="accent6"/>
+          </a:fillRef>
+          <a:effectRef idx="0">
+            <a:schemeClr val="accent6"/>
+          </a:effectRef>
+          <a:fontRef idx="minor">
+            <a:schemeClr val="lt1"/>
+          </a:fontRef>
+        </p:style>
+        <p:txBody>
+          <a:bodyPr rtlCol="0" anchor="ctr"/>
+          <a:lstStyle/>
+          <a:p>
+            <a:pPr algn="ctr"/>
+            <a:r>
+              <a:rPr lang="en-US" dirty="0"/>
+              <a:t>2</a:t>
+            </a:r>
+            <a:r>
+              <a:rPr lang="en-US" dirty="0" smtClean="0"/>
+              <a:t>/2016</a:t>
+            </a:r>
+            <a:endParaRPr lang="en-US" dirty="0"/>
+          </a:p>
+        </p:txBody>
+      </p:sp>
+      <p:sp>
+        <p:nvSpPr>
+          <p:cNvPr id="18" name="Rectangle 17"/>
+          <p:cNvSpPr/>
+          <p:nvPr/>
+        </p:nvSpPr>
+        <p:spPr>
+          <a:xfrm>
+            <a:off x="5329382" y="1186584"/>
+            <a:ext cx="990600" cy="533400"/>
+          </a:xfrm>
+          <a:prstGeom prst="rect">
+            <a:avLst/>
+          </a:prstGeom>
+        </p:spPr>
+        <p:style>
+          <a:lnRef idx="2">
+            <a:schemeClr val="accent6">
+              <a:shade val="50000"/>
+            </a:schemeClr>
+          </a:lnRef>
+          <a:fillRef idx="1">
+            <a:schemeClr val="accent6"/>
+          </a:fillRef>
+          <a:effectRef idx="0">
+            <a:schemeClr val="accent6"/>
+          </a:effectRef>
+          <a:fontRef idx="minor">
+            <a:schemeClr val="lt1"/>
+          </a:fontRef>
+        </p:style>
+        <p:txBody>
+          <a:bodyPr rtlCol="0" anchor="ctr"/>
+          <a:lstStyle/>
+          <a:p>
+            <a:pPr algn="ctr"/>
+            <a:r>
+              <a:rPr lang="en-US" dirty="0" smtClean="0"/>
+              <a:t>3/2016</a:t>
+            </a:r>
+            <a:endParaRPr lang="en-US" dirty="0"/>
+          </a:p>
+        </p:txBody>
+      </p:sp>
+      <p:sp>
+        <p:nvSpPr>
+          <p:cNvPr id="19" name="Rectangle 18"/>
+          <p:cNvSpPr/>
+          <p:nvPr/>
+        </p:nvSpPr>
+        <p:spPr>
+          <a:xfrm>
+            <a:off x="6624782" y="1186584"/>
+            <a:ext cx="990600" cy="533400"/>
+          </a:xfrm>
+          <a:prstGeom prst="rect">
+            <a:avLst/>
+          </a:prstGeom>
+        </p:spPr>
+        <p:style>
+          <a:lnRef idx="2">
+            <a:schemeClr val="accent6">
+              <a:shade val="50000"/>
+            </a:schemeClr>
+          </a:lnRef>
+          <a:fillRef idx="1">
+            <a:schemeClr val="accent6"/>
+          </a:fillRef>
+          <a:effectRef idx="0">
+            <a:schemeClr val="accent6"/>
+          </a:effectRef>
+          <a:fontRef idx="minor">
+            <a:schemeClr val="lt1"/>
+          </a:fontRef>
+        </p:style>
+        <p:txBody>
+          <a:bodyPr rtlCol="0" anchor="ctr"/>
+          <a:lstStyle/>
+          <a:p>
+            <a:pPr algn="ctr"/>
+            <a:r>
+              <a:rPr lang="en-US" dirty="0" smtClean="0"/>
+              <a:t>4/2016</a:t>
+            </a:r>
+            <a:endParaRPr lang="en-US" dirty="0"/>
+          </a:p>
+        </p:txBody>
+      </p:sp>
+      <p:sp>
+        <p:nvSpPr>
+          <p:cNvPr id="20" name="Rectangle 19"/>
+          <p:cNvSpPr/>
+          <p:nvPr/>
+        </p:nvSpPr>
+        <p:spPr>
+          <a:xfrm>
+            <a:off x="7916718" y="1186584"/>
+            <a:ext cx="990600" cy="533400"/>
+          </a:xfrm>
+          <a:prstGeom prst="rect">
+            <a:avLst/>
+          </a:prstGeom>
+        </p:spPr>
+        <p:style>
+          <a:lnRef idx="2">
+            <a:schemeClr val="accent6">
+              <a:shade val="50000"/>
+            </a:schemeClr>
+          </a:lnRef>
+          <a:fillRef idx="1">
+            <a:schemeClr val="accent6"/>
+          </a:fillRef>
+          <a:effectRef idx="0">
+            <a:schemeClr val="accent6"/>
+          </a:effectRef>
+          <a:fontRef idx="minor">
+            <a:schemeClr val="lt1"/>
+          </a:fontRef>
+        </p:style>
+        <p:txBody>
+          <a:bodyPr rtlCol="0" anchor="ctr"/>
+          <a:lstStyle/>
+          <a:p>
+            <a:pPr algn="ctr"/>
+            <a:r>
+              <a:rPr lang="en-US" dirty="0" smtClean="0"/>
+              <a:t>5/2016</a:t>
+            </a:r>
+            <a:endParaRPr lang="en-US" dirty="0"/>
+          </a:p>
+        </p:txBody>
+      </p:sp>
+      <p:sp>
+        <p:nvSpPr>
+          <p:cNvPr id="21" name="Rectangle 20"/>
+          <p:cNvSpPr/>
+          <p:nvPr/>
+        </p:nvSpPr>
+        <p:spPr>
+          <a:xfrm>
+            <a:off x="220518" y="3994150"/>
+            <a:ext cx="1600200" cy="533400"/>
+          </a:xfrm>
+          <a:prstGeom prst="rect">
+            <a:avLst/>
+          </a:prstGeom>
+        </p:spPr>
+        <p:style>
+          <a:lnRef idx="2">
+            <a:schemeClr val="accent2">
+              <a:shade val="50000"/>
+            </a:schemeClr>
+          </a:lnRef>
+          <a:fillRef idx="1">
+            <a:schemeClr val="accent2"/>
+          </a:fillRef>
+          <a:effectRef idx="0">
+            <a:schemeClr val="accent2"/>
+          </a:effectRef>
+          <a:fontRef idx="minor">
+            <a:schemeClr val="lt1"/>
+          </a:fontRef>
+        </p:style>
+        <p:txBody>
+          <a:bodyPr rtlCol="0" anchor="ctr"/>
+          <a:lstStyle/>
+          <a:p>
+            <a:pPr algn="ctr"/>
+            <a:r>
+              <a:rPr lang="en-US" dirty="0" smtClean="0"/>
+              <a:t>REVENUE UNIT 1</a:t>
+            </a:r>
+            <a:endParaRPr lang="en-US" dirty="0"/>
+          </a:p>
+        </p:txBody>
+      </p:sp>
+      <p:sp>
+        <p:nvSpPr>
+          <p:cNvPr id="22" name="Rectangle 21"/>
+          <p:cNvSpPr/>
+          <p:nvPr/>
+        </p:nvSpPr>
+        <p:spPr>
+          <a:xfrm>
+            <a:off x="2738582" y="3994150"/>
+            <a:ext cx="990600" cy="533400"/>
+          </a:xfrm>
+          <a:prstGeom prst="rect">
+            <a:avLst/>
+          </a:prstGeom>
+        </p:spPr>
+        <p:style>
+          <a:lnRef idx="2">
+            <a:schemeClr val="accent2">
+              <a:shade val="50000"/>
+            </a:schemeClr>
+          </a:lnRef>
+          <a:fillRef idx="1">
+            <a:schemeClr val="accent2"/>
+          </a:fillRef>
+          <a:effectRef idx="0">
+            <a:schemeClr val="accent2"/>
+          </a:effectRef>
+          <a:fontRef idx="minor">
+            <a:schemeClr val="lt1"/>
+          </a:fontRef>
+        </p:style>
+        <p:txBody>
+          <a:bodyPr rtlCol="0" anchor="ctr"/>
+          <a:lstStyle/>
+          <a:p>
+            <a:pPr algn="ctr"/>
+            <a:r>
+              <a:rPr lang="en-US" dirty="0" smtClean="0"/>
+              <a:t>1/2016</a:t>
+            </a:r>
+            <a:endParaRPr lang="en-US" dirty="0"/>
+          </a:p>
+        </p:txBody>
+      </p:sp>
+      <p:sp>
+        <p:nvSpPr>
+          <p:cNvPr id="23" name="Rectangle 22"/>
+          <p:cNvSpPr/>
+          <p:nvPr/>
+        </p:nvSpPr>
+        <p:spPr>
+          <a:xfrm>
+            <a:off x="4033982" y="3994150"/>
+            <a:ext cx="990600" cy="533400"/>
+          </a:xfrm>
+          <a:prstGeom prst="rect">
+            <a:avLst/>
+          </a:prstGeom>
+        </p:spPr>
+        <p:style>
+          <a:lnRef idx="2">
+            <a:schemeClr val="accent2">
+              <a:shade val="50000"/>
+            </a:schemeClr>
+          </a:lnRef>
+          <a:fillRef idx="1">
+            <a:schemeClr val="accent2"/>
+          </a:fillRef>
+          <a:effectRef idx="0">
+            <a:schemeClr val="accent2"/>
+          </a:effectRef>
+          <a:fontRef idx="minor">
+            <a:schemeClr val="lt1"/>
+          </a:fontRef>
+        </p:style>
+        <p:txBody>
+          <a:bodyPr rtlCol="0" anchor="ctr"/>
+          <a:lstStyle/>
+          <a:p>
+            <a:pPr algn="ctr"/>
+            <a:r>
+              <a:rPr lang="en-US" dirty="0"/>
+              <a:t>2</a:t>
+            </a:r>
+            <a:r>
+              <a:rPr lang="en-US" dirty="0" smtClean="0"/>
+              <a:t>/2016</a:t>
+            </a:r>
+            <a:endParaRPr lang="en-US" dirty="0"/>
+          </a:p>
+        </p:txBody>
+      </p:sp>
+      <p:sp>
+        <p:nvSpPr>
+          <p:cNvPr id="24" name="Rectangle 23"/>
+          <p:cNvSpPr/>
+          <p:nvPr/>
+        </p:nvSpPr>
+        <p:spPr>
+          <a:xfrm>
+            <a:off x="5329382" y="3994150"/>
+            <a:ext cx="990600" cy="533400"/>
+          </a:xfrm>
+          <a:prstGeom prst="rect">
+            <a:avLst/>
+          </a:prstGeom>
+        </p:spPr>
+        <p:style>
+          <a:lnRef idx="2">
+            <a:schemeClr val="accent2">
+              <a:shade val="50000"/>
+            </a:schemeClr>
+          </a:lnRef>
+          <a:fillRef idx="1">
+            <a:schemeClr val="accent2"/>
+          </a:fillRef>
+          <a:effectRef idx="0">
+            <a:schemeClr val="accent2"/>
+          </a:effectRef>
+          <a:fontRef idx="minor">
+            <a:schemeClr val="lt1"/>
+          </a:fontRef>
+        </p:style>
+        <p:txBody>
+          <a:bodyPr rtlCol="0" anchor="ctr"/>
+          <a:lstStyle/>
+          <a:p>
+            <a:pPr algn="ctr"/>
+            <a:r>
+              <a:rPr lang="en-US" dirty="0" smtClean="0"/>
+              <a:t>3/2016</a:t>
+            </a:r>
+            <a:endParaRPr lang="en-US" dirty="0"/>
+          </a:p>
+        </p:txBody>
+      </p:sp>
+      <p:sp>
+        <p:nvSpPr>
+          <p:cNvPr id="25" name="Rectangle 24"/>
+          <p:cNvSpPr/>
+          <p:nvPr/>
+        </p:nvSpPr>
+        <p:spPr>
+          <a:xfrm>
+            <a:off x="6624782" y="3994150"/>
+            <a:ext cx="990600" cy="533400"/>
+          </a:xfrm>
+          <a:prstGeom prst="rect">
+            <a:avLst/>
+          </a:prstGeom>
+        </p:spPr>
+        <p:style>
+          <a:lnRef idx="2">
+            <a:schemeClr val="accent2">
+              <a:shade val="50000"/>
+            </a:schemeClr>
+          </a:lnRef>
+          <a:fillRef idx="1">
+            <a:schemeClr val="accent2"/>
+          </a:fillRef>
+          <a:effectRef idx="0">
+            <a:schemeClr val="accent2"/>
+          </a:effectRef>
+          <a:fontRef idx="minor">
+            <a:schemeClr val="lt1"/>
+          </a:fontRef>
+        </p:style>
+        <p:txBody>
+          <a:bodyPr rtlCol="0" anchor="ctr"/>
+          <a:lstStyle/>
+          <a:p>
+            <a:pPr algn="ctr"/>
+            <a:r>
+              <a:rPr lang="en-US" dirty="0" smtClean="0"/>
+              <a:t>4/2016</a:t>
+            </a:r>
+            <a:endParaRPr lang="en-US" dirty="0"/>
+          </a:p>
+        </p:txBody>
+      </p:sp>
+      <p:sp>
+        <p:nvSpPr>
+          <p:cNvPr id="26" name="Rectangle 25"/>
+          <p:cNvSpPr/>
+          <p:nvPr/>
+        </p:nvSpPr>
+        <p:spPr>
+          <a:xfrm>
+            <a:off x="7916718" y="3994150"/>
+            <a:ext cx="990600" cy="533400"/>
+          </a:xfrm>
+          <a:prstGeom prst="rect">
+            <a:avLst/>
+          </a:prstGeom>
+        </p:spPr>
+        <p:style>
+          <a:lnRef idx="2">
+            <a:schemeClr val="accent2">
+              <a:shade val="50000"/>
+            </a:schemeClr>
+          </a:lnRef>
+          <a:fillRef idx="1">
+            <a:schemeClr val="accent2"/>
+          </a:fillRef>
+          <a:effectRef idx="0">
+            <a:schemeClr val="accent2"/>
+          </a:effectRef>
+          <a:fontRef idx="minor">
+            <a:schemeClr val="lt1"/>
+          </a:fontRef>
+        </p:style>
+        <p:txBody>
+          <a:bodyPr rtlCol="0" anchor="ctr"/>
+          <a:lstStyle/>
+          <a:p>
+            <a:pPr algn="ctr"/>
+            <a:r>
+              <a:rPr lang="en-US" dirty="0" smtClean="0"/>
+              <a:t>5/2016</a:t>
+            </a:r>
+            <a:endParaRPr lang="en-US" dirty="0"/>
+          </a:p>
+        </p:txBody>
+      </p:sp>
+      <p:sp>
+        <p:nvSpPr>
+          <p:cNvPr id="27" name="Rectangle 26"/>
+          <p:cNvSpPr/>
+          <p:nvPr/>
+        </p:nvSpPr>
+        <p:spPr>
+          <a:xfrm>
+            <a:off x="225136" y="228600"/>
+            <a:ext cx="1600200" cy="533400"/>
+          </a:xfrm>
+          <a:prstGeom prst="rect">
+            <a:avLst/>
+          </a:prstGeom>
+        </p:spPr>
+        <p:style>
+          <a:lnRef idx="2">
+            <a:schemeClr val="accent1">
+              <a:shade val="50000"/>
+            </a:schemeClr>
+          </a:lnRef>
+          <a:fillRef idx="1">
+            <a:schemeClr val="accent1"/>
+          </a:fillRef>
+          <a:effectRef idx="0">
+            <a:schemeClr val="accent1"/>
+          </a:effectRef>
+          <a:fontRef idx="minor">
+            <a:schemeClr val="lt1"/>
+          </a:fontRef>
+        </p:style>
+        <p:txBody>
+          <a:bodyPr rtlCol="0" anchor="ctr"/>
+          <a:lstStyle/>
+          <a:p>
+            <a:pPr algn="ctr"/>
+            <a:r>
+              <a:rPr lang="en-US" dirty="0" smtClean="0"/>
+              <a:t>GLOBAL</a:t>
+            </a:r>
+            <a:endParaRPr lang="en-US" dirty="0"/>
+          </a:p>
+        </p:txBody>
+      </p:sp>
+      <p:sp>
+        <p:nvSpPr>
+          <p:cNvPr id="28" name="Rectangle 27"/>
+          <p:cNvSpPr/>
+          <p:nvPr/>
+        </p:nvSpPr>
+        <p:spPr>
+          <a:xfrm>
+            <a:off x="2743200" y="228600"/>
+            <a:ext cx="990600" cy="533400"/>
+          </a:xfrm>
+          <a:prstGeom prst="rect">
+            <a:avLst/>
+          </a:prstGeom>
+        </p:spPr>
+        <p:style>
+          <a:lnRef idx="2">
+            <a:schemeClr val="accent1">
+              <a:shade val="50000"/>
+            </a:schemeClr>
+          </a:lnRef>
+          <a:fillRef idx="1">
+            <a:schemeClr val="accent1"/>
+          </a:fillRef>
+          <a:effectRef idx="0">
+            <a:schemeClr val="accent1"/>
+          </a:effectRef>
+          <a:fontRef idx="minor">
+            <a:schemeClr val="lt1"/>
+          </a:fontRef>
+        </p:style>
+        <p:txBody>
+          <a:bodyPr rtlCol="0" anchor="ctr"/>
+          <a:lstStyle/>
+          <a:p>
+            <a:pPr algn="ctr"/>
+            <a:r>
+              <a:rPr lang="en-US" dirty="0" smtClean="0"/>
+              <a:t>1/2016</a:t>
+            </a:r>
+            <a:endParaRPr lang="en-US" dirty="0"/>
+          </a:p>
+        </p:txBody>
+      </p:sp>
+      <p:sp>
+        <p:nvSpPr>
+          <p:cNvPr id="29" name="Rectangle 28"/>
+          <p:cNvSpPr/>
+          <p:nvPr/>
+        </p:nvSpPr>
+        <p:spPr>
+          <a:xfrm>
+            <a:off x="4038600" y="228600"/>
+            <a:ext cx="990600" cy="533400"/>
+          </a:xfrm>
+          <a:prstGeom prst="rect">
+            <a:avLst/>
+          </a:prstGeom>
+        </p:spPr>
+        <p:style>
+          <a:lnRef idx="2">
+            <a:schemeClr val="accent1">
+              <a:shade val="50000"/>
+            </a:schemeClr>
+          </a:lnRef>
+          <a:fillRef idx="1">
+            <a:schemeClr val="accent1"/>
+          </a:fillRef>
+          <a:effectRef idx="0">
+            <a:schemeClr val="accent1"/>
+          </a:effectRef>
+          <a:fontRef idx="minor">
+            <a:schemeClr val="lt1"/>
+          </a:fontRef>
+        </p:style>
+        <p:txBody>
+          <a:bodyPr rtlCol="0" anchor="ctr"/>
+          <a:lstStyle/>
+          <a:p>
+            <a:pPr algn="ctr"/>
+            <a:r>
+              <a:rPr lang="en-US" dirty="0"/>
+              <a:t>2</a:t>
+            </a:r>
+            <a:r>
+              <a:rPr lang="en-US" dirty="0" smtClean="0"/>
+              <a:t>/2016</a:t>
+            </a:r>
+            <a:endParaRPr lang="en-US" dirty="0"/>
+          </a:p>
+        </p:txBody>
+      </p:sp>
+      <p:sp>
+        <p:nvSpPr>
+          <p:cNvPr id="30" name="Rectangle 29"/>
+          <p:cNvSpPr/>
+          <p:nvPr/>
+        </p:nvSpPr>
+        <p:spPr>
+          <a:xfrm>
+            <a:off x="5334000" y="228600"/>
+            <a:ext cx="990600" cy="533400"/>
+          </a:xfrm>
+          <a:prstGeom prst="rect">
+            <a:avLst/>
+          </a:prstGeom>
+        </p:spPr>
+        <p:style>
+          <a:lnRef idx="2">
+            <a:schemeClr val="accent1">
+              <a:shade val="50000"/>
+            </a:schemeClr>
+          </a:lnRef>
+          <a:fillRef idx="1">
+            <a:schemeClr val="accent1"/>
+          </a:fillRef>
+          <a:effectRef idx="0">
+            <a:schemeClr val="accent1"/>
+          </a:effectRef>
+          <a:fontRef idx="minor">
+            <a:schemeClr val="lt1"/>
+          </a:fontRef>
+        </p:style>
+        <p:txBody>
+          <a:bodyPr rtlCol="0" anchor="ctr"/>
+          <a:lstStyle/>
+          <a:p>
+            <a:pPr algn="ctr"/>
+            <a:r>
+              <a:rPr lang="en-US" dirty="0" smtClean="0"/>
+              <a:t>3/2016</a:t>
+            </a:r>
+            <a:endParaRPr lang="en-US" dirty="0"/>
+          </a:p>
+        </p:txBody>
+      </p:sp>
+      <p:sp>
+        <p:nvSpPr>
+          <p:cNvPr id="31" name="Rectangle 30"/>
+          <p:cNvSpPr/>
+          <p:nvPr/>
+        </p:nvSpPr>
+        <p:spPr>
+          <a:xfrm>
+            <a:off x="6629400" y="228600"/>
+            <a:ext cx="990600" cy="533400"/>
+          </a:xfrm>
+          <a:prstGeom prst="rect">
+            <a:avLst/>
+          </a:prstGeom>
+        </p:spPr>
+        <p:style>
+          <a:lnRef idx="2">
+            <a:schemeClr val="accent1">
+              <a:shade val="50000"/>
+            </a:schemeClr>
+          </a:lnRef>
+          <a:fillRef idx="1">
+            <a:schemeClr val="accent1"/>
+          </a:fillRef>
+          <a:effectRef idx="0">
+            <a:schemeClr val="accent1"/>
+          </a:effectRef>
+          <a:fontRef idx="minor">
+            <a:schemeClr val="lt1"/>
+          </a:fontRef>
+        </p:style>
+        <p:txBody>
+          <a:bodyPr rtlCol="0" anchor="ctr"/>
+          <a:lstStyle/>
+          <a:p>
+            <a:pPr algn="ctr"/>
+            <a:r>
+              <a:rPr lang="en-US" dirty="0" smtClean="0"/>
+              <a:t>4/2016</a:t>
+            </a:r>
+            <a:endParaRPr lang="en-US" dirty="0"/>
+          </a:p>
+        </p:txBody>
+      </p:sp>
+      <p:sp>
+        <p:nvSpPr>
+          <p:cNvPr id="32" name="Rectangle 31"/>
+          <p:cNvSpPr/>
+          <p:nvPr/>
+        </p:nvSpPr>
+        <p:spPr>
+          <a:xfrm>
+            <a:off x="7921336" y="228600"/>
+            <a:ext cx="990600" cy="533400"/>
+          </a:xfrm>
+          <a:prstGeom prst="rect">
+            <a:avLst/>
+          </a:prstGeom>
+        </p:spPr>
+        <p:style>
+          <a:lnRef idx="2">
+            <a:schemeClr val="accent1">
+              <a:shade val="50000"/>
+            </a:schemeClr>
+          </a:lnRef>
+          <a:fillRef idx="1">
+            <a:schemeClr val="accent1"/>
+          </a:fillRef>
+          <a:effectRef idx="0">
+            <a:schemeClr val="accent1"/>
+          </a:effectRef>
+          <a:fontRef idx="minor">
+            <a:schemeClr val="lt1"/>
+          </a:fontRef>
+        </p:style>
+        <p:txBody>
+          <a:bodyPr rtlCol="0" anchor="ctr"/>
+          <a:lstStyle/>
+          <a:p>
+            <a:pPr algn="ctr"/>
+            <a:r>
+              <a:rPr lang="en-US" dirty="0" smtClean="0"/>
+              <a:t>5/2016</a:t>
+            </a:r>
+            <a:endParaRPr lang="en-US" dirty="0"/>
+          </a:p>
+        </p:txBody>
+      </p:sp>
+      <p:sp>
+        <p:nvSpPr>
+          <p:cNvPr id="38" name="Right Brace 37"/>
+          <p:cNvSpPr/>
+          <p:nvPr/>
+        </p:nvSpPr>
+        <p:spPr>
+          <a:xfrm rot="5400000">
+            <a:off x="4986482" y="2451388"/>
+            <a:ext cx="381000" cy="4876800"/>
+          </a:xfrm>
+          <a:prstGeom prst="rightBrace">
+            <a:avLst/>
+          </a:prstGeom>
+        </p:spPr>
+        <p:style>
+          <a:lnRef idx="1">
+            <a:schemeClr val="accent1"/>
+          </a:lnRef>
+          <a:fillRef idx="0">
+            <a:schemeClr val="accent1"/>
+          </a:fillRef>
+          <a:effectRef idx="0">
+            <a:schemeClr val="accent1"/>
+          </a:effectRef>
+          <a:fontRef idx="minor">
+            <a:schemeClr val="tx1"/>
+          </a:fontRef>
+        </p:style>
+        <p:txBody>
+          <a:bodyPr rtlCol="0" anchor="ctr"/>
+          <a:lstStyle/>
+          <a:p>
+            <a:pPr algn="ctr"/>
+            <a:endParaRPr lang="en-US"/>
+          </a:p>
+        </p:txBody>
+      </p:sp>
+      <p:sp>
+        <p:nvSpPr>
+          <p:cNvPr id="39" name="TextBox 38"/>
+          <p:cNvSpPr txBox="1"/>
+          <p:nvPr/>
+        </p:nvSpPr>
+        <p:spPr>
+          <a:xfrm>
+            <a:off x="2738582" y="5080289"/>
+            <a:ext cx="4876800" cy="369332"/>
+          </a:xfrm>
+          <a:prstGeom prst="rect">
+            <a:avLst/>
+          </a:prstGeom>
+          <a:noFill/>
+        </p:spPr>
+        <p:txBody>
+          <a:bodyPr wrap="square" rtlCol="0">
+            <a:spAutoFit/>
+          </a:bodyPr>
+          <a:lstStyle/>
+          <a:p>
+            <a:pPr algn="ctr"/>
+            <a:r>
+              <a:rPr lang="en-US" dirty="0" smtClean="0"/>
+              <a:t>quarter &amp; year weeks </a:t>
+            </a:r>
+            <a:endParaRPr lang="en-US" dirty="0"/>
+          </a:p>
+        </p:txBody>
+      </p:sp>
+      <p:cxnSp>
+        <p:nvCxnSpPr>
+          <p:cNvPr id="41" name="Straight Arrow Connector 40"/>
+          <p:cNvCxnSpPr>
+            <a:stCxn id="25" idx="0"/>
+            <a:endCxn id="7" idx="2"/>
+          </p:cNvCxnSpPr>
+          <p:nvPr/>
+        </p:nvCxnSpPr>
+        <p:spPr>
+          <a:xfrm flipV="1">
+            <a:off x="7120082" y="3571586"/>
+            <a:ext cx="0" cy="422564"/>
+          </a:xfrm>
+          <a:prstGeom prst="straightConnector1">
+            <a:avLst/>
+          </a:prstGeom>
+          <a:ln>
+            <a:tailEnd type="triangle"/>
+          </a:ln>
+        </p:spPr>
+        <p:style>
+          <a:lnRef idx="1">
+            <a:schemeClr val="accent1"/>
+          </a:lnRef>
+          <a:fillRef idx="0">
+            <a:schemeClr val="accent1"/>
+          </a:fillRef>
+          <a:effectRef idx="0">
+            <a:schemeClr val="accent1"/>
+          </a:effectRef>
+          <a:fontRef idx="minor">
+            <a:schemeClr val="tx1"/>
+          </a:fontRef>
+        </p:style>
+      </p:cxnSp>
+      <p:cxnSp>
+        <p:nvCxnSpPr>
+          <p:cNvPr id="43" name="Straight Arrow Connector 42"/>
+          <p:cNvCxnSpPr>
+            <a:stCxn id="7" idx="0"/>
+            <a:endCxn id="13" idx="2"/>
+          </p:cNvCxnSpPr>
+          <p:nvPr/>
+        </p:nvCxnSpPr>
+        <p:spPr>
+          <a:xfrm flipV="1">
+            <a:off x="7120082" y="2657186"/>
+            <a:ext cx="4618" cy="381000"/>
+          </a:xfrm>
+          <a:prstGeom prst="straightConnector1">
+            <a:avLst/>
+          </a:prstGeom>
+          <a:ln>
+            <a:tailEnd type="triangle"/>
+          </a:ln>
+        </p:spPr>
+        <p:style>
+          <a:lnRef idx="1">
+            <a:schemeClr val="accent1"/>
+          </a:lnRef>
+          <a:fillRef idx="0">
+            <a:schemeClr val="accent1"/>
+          </a:fillRef>
+          <a:effectRef idx="0">
+            <a:schemeClr val="accent1"/>
+          </a:effectRef>
+          <a:fontRef idx="minor">
+            <a:schemeClr val="tx1"/>
+          </a:fontRef>
+        </p:style>
+      </p:cxnSp>
+      <p:cxnSp>
+        <p:nvCxnSpPr>
+          <p:cNvPr id="45" name="Straight Arrow Connector 44"/>
+          <p:cNvCxnSpPr>
+            <a:stCxn id="13" idx="0"/>
+            <a:endCxn id="19" idx="2"/>
+          </p:cNvCxnSpPr>
+          <p:nvPr/>
+        </p:nvCxnSpPr>
+        <p:spPr>
+          <a:xfrm flipH="1" flipV="1">
+            <a:off x="7120082" y="1719984"/>
+            <a:ext cx="4618" cy="403802"/>
+          </a:xfrm>
+          <a:prstGeom prst="straightConnector1">
+            <a:avLst/>
+          </a:prstGeom>
+          <a:ln>
+            <a:tailEnd type="triangle"/>
+          </a:ln>
+        </p:spPr>
+        <p:style>
+          <a:lnRef idx="1">
+            <a:schemeClr val="accent1"/>
+          </a:lnRef>
+          <a:fillRef idx="0">
+            <a:schemeClr val="accent1"/>
+          </a:fillRef>
+          <a:effectRef idx="0">
+            <a:schemeClr val="accent1"/>
+          </a:effectRef>
+          <a:fontRef idx="minor">
+            <a:schemeClr val="tx1"/>
+          </a:fontRef>
+        </p:style>
+      </p:cxnSp>
+      <p:cxnSp>
+        <p:nvCxnSpPr>
+          <p:cNvPr id="47" name="Straight Arrow Connector 46"/>
+          <p:cNvCxnSpPr>
+            <a:stCxn id="19" idx="0"/>
+            <a:endCxn id="31" idx="2"/>
+          </p:cNvCxnSpPr>
+          <p:nvPr/>
+        </p:nvCxnSpPr>
+        <p:spPr>
+          <a:xfrm flipV="1">
+            <a:off x="7120082" y="762000"/>
+            <a:ext cx="4618" cy="424584"/>
+          </a:xfrm>
+          <a:prstGeom prst="straightConnector1">
+            <a:avLst/>
+          </a:prstGeom>
+          <a:ln>
+            <a:tailEnd type="triangle"/>
+          </a:ln>
+        </p:spPr>
+        <p:style>
+          <a:lnRef idx="1">
+            <a:schemeClr val="accent1"/>
+          </a:lnRef>
+          <a:fillRef idx="0">
+            <a:schemeClr val="accent1"/>
+          </a:fillRef>
+          <a:effectRef idx="0">
+            <a:schemeClr val="accent1"/>
+          </a:effectRef>
+          <a:fontRef idx="minor">
+            <a:schemeClr val="tx1"/>
+          </a:fontRef>
+        </p:style>
+      </p:cxnSp>
+      <p:cxnSp>
+        <p:nvCxnSpPr>
+          <p:cNvPr id="50" name="Straight Arrow Connector 49"/>
+          <p:cNvCxnSpPr>
+            <a:stCxn id="25" idx="3"/>
+            <a:endCxn id="26" idx="1"/>
+          </p:cNvCxnSpPr>
+          <p:nvPr/>
+        </p:nvCxnSpPr>
+        <p:spPr>
+          <a:xfrm>
+            <a:off x="7615382" y="4260850"/>
+            <a:ext cx="301336" cy="0"/>
+          </a:xfrm>
+          <a:prstGeom prst="straightConnector1">
+            <a:avLst/>
+          </a:prstGeom>
+          <a:ln>
+            <a:tailEnd type="triangle"/>
+          </a:ln>
+        </p:spPr>
+        <p:style>
+          <a:lnRef idx="1">
+            <a:schemeClr val="accent1"/>
+          </a:lnRef>
+          <a:fillRef idx="0">
+            <a:schemeClr val="accent1"/>
+          </a:fillRef>
+          <a:effectRef idx="0">
+            <a:schemeClr val="accent1"/>
+          </a:effectRef>
+          <a:fontRef idx="minor">
+            <a:schemeClr val="tx1"/>
+          </a:fontRef>
+        </p:style>
+      </p:cxnSp>
+      <p:cxnSp>
+        <p:nvCxnSpPr>
+          <p:cNvPr id="52" name="Straight Arrow Connector 51"/>
+          <p:cNvCxnSpPr>
+            <a:stCxn id="26" idx="0"/>
+            <a:endCxn id="8" idx="2"/>
+          </p:cNvCxnSpPr>
+          <p:nvPr/>
+        </p:nvCxnSpPr>
+        <p:spPr>
+          <a:xfrm flipV="1">
+            <a:off x="8412018" y="3571586"/>
+            <a:ext cx="0" cy="422564"/>
+          </a:xfrm>
+          <a:prstGeom prst="straightConnector1">
+            <a:avLst/>
+          </a:prstGeom>
+          <a:ln>
+            <a:tailEnd type="triangle"/>
+          </a:ln>
+        </p:spPr>
+        <p:style>
+          <a:lnRef idx="1">
+            <a:schemeClr val="accent1"/>
+          </a:lnRef>
+          <a:fillRef idx="0">
+            <a:schemeClr val="accent1"/>
+          </a:fillRef>
+          <a:effectRef idx="0">
+            <a:schemeClr val="accent1"/>
+          </a:effectRef>
+          <a:fontRef idx="minor">
+            <a:schemeClr val="tx1"/>
+          </a:fontRef>
+        </p:style>
+      </p:cxnSp>
+      <p:cxnSp>
+        <p:nvCxnSpPr>
+          <p:cNvPr id="54" name="Straight Arrow Connector 53"/>
+          <p:cNvCxnSpPr>
+            <a:stCxn id="8" idx="0"/>
+            <a:endCxn id="14" idx="2"/>
+          </p:cNvCxnSpPr>
+          <p:nvPr/>
+        </p:nvCxnSpPr>
+        <p:spPr>
+          <a:xfrm flipV="1">
+            <a:off x="8412018" y="2657186"/>
+            <a:ext cx="4618" cy="381000"/>
+          </a:xfrm>
+          <a:prstGeom prst="straightConnector1">
+            <a:avLst/>
+          </a:prstGeom>
+          <a:ln>
+            <a:tailEnd type="triangle"/>
+          </a:ln>
+        </p:spPr>
+        <p:style>
+          <a:lnRef idx="1">
+            <a:schemeClr val="accent1"/>
+          </a:lnRef>
+          <a:fillRef idx="0">
+            <a:schemeClr val="accent1"/>
+          </a:fillRef>
+          <a:effectRef idx="0">
+            <a:schemeClr val="accent1"/>
+          </a:effectRef>
+          <a:fontRef idx="minor">
+            <a:schemeClr val="tx1"/>
+          </a:fontRef>
+        </p:style>
+      </p:cxnSp>
+      <p:cxnSp>
+        <p:nvCxnSpPr>
+          <p:cNvPr id="56" name="Straight Arrow Connector 55"/>
+          <p:cNvCxnSpPr>
+            <a:stCxn id="14" idx="0"/>
+            <a:endCxn id="20" idx="2"/>
+          </p:cNvCxnSpPr>
+          <p:nvPr/>
+        </p:nvCxnSpPr>
+        <p:spPr>
+          <a:xfrm flipH="1" flipV="1">
+            <a:off x="8412018" y="1719984"/>
+            <a:ext cx="4618" cy="403802"/>
+          </a:xfrm>
+          <a:prstGeom prst="straightConnector1">
+            <a:avLst/>
+          </a:prstGeom>
+          <a:ln>
+            <a:tailEnd type="triangle"/>
+          </a:ln>
+        </p:spPr>
+        <p:style>
+          <a:lnRef idx="1">
+            <a:schemeClr val="accent1"/>
+          </a:lnRef>
+          <a:fillRef idx="0">
+            <a:schemeClr val="accent1"/>
+          </a:fillRef>
+          <a:effectRef idx="0">
+            <a:schemeClr val="accent1"/>
+          </a:effectRef>
+          <a:fontRef idx="minor">
+            <a:schemeClr val="tx1"/>
+          </a:fontRef>
+        </p:style>
+      </p:cxnSp>
+      <p:cxnSp>
+        <p:nvCxnSpPr>
+          <p:cNvPr id="58" name="Straight Arrow Connector 57"/>
+          <p:cNvCxnSpPr>
+            <a:stCxn id="20" idx="0"/>
+            <a:endCxn id="32" idx="2"/>
+          </p:cNvCxnSpPr>
+          <p:nvPr/>
+        </p:nvCxnSpPr>
+        <p:spPr>
+          <a:xfrm flipV="1">
+            <a:off x="8412018" y="762000"/>
+            <a:ext cx="4618" cy="424584"/>
+          </a:xfrm>
+          <a:prstGeom prst="straightConnector1">
+            <a:avLst/>
+          </a:prstGeom>
+          <a:ln>
+            <a:tailEnd type="triangle"/>
+          </a:ln>
+        </p:spPr>
+        <p:style>
+          <a:lnRef idx="1">
+            <a:schemeClr val="accent1"/>
+          </a:lnRef>
+          <a:fillRef idx="0">
+            <a:schemeClr val="accent1"/>
+          </a:fillRef>
+          <a:effectRef idx="0">
+            <a:schemeClr val="accent1"/>
+          </a:effectRef>
+          <a:fontRef idx="minor">
+            <a:schemeClr val="tx1"/>
+          </a:fontRef>
+        </p:style>
+      </p:cxnSp>
+      <p:sp>
+        <p:nvSpPr>
+          <p:cNvPr id="59" name="Down Arrow 58"/>
+          <p:cNvSpPr/>
+          <p:nvPr/>
+        </p:nvSpPr>
+        <p:spPr>
+          <a:xfrm rot="10800000">
+            <a:off x="6934200" y="5257800"/>
+            <a:ext cx="457200" cy="609600"/>
+          </a:xfrm>
+          <a:prstGeom prst="downArrow">
+            <a:avLst/>
+          </a:prstGeom>
+        </p:spPr>
+        <p:style>
+          <a:lnRef idx="2">
+            <a:schemeClr val="dk1">
+              <a:shade val="50000"/>
+            </a:schemeClr>
+          </a:lnRef>
+          <a:fillRef idx="1">
+            <a:schemeClr val="dk1"/>
+          </a:fillRef>
+          <a:effectRef idx="0">
+            <a:schemeClr val="dk1"/>
+          </a:effectRef>
+          <a:fontRef idx="minor">
+            <a:schemeClr val="lt1"/>
+          </a:fontRef>
+        </p:style>
+        <p:txBody>
+          <a:bodyPr rtlCol="0" anchor="ctr"/>
+          <a:lstStyle/>
+          <a:p>
+            <a:pPr algn="ctr"/>
+            <a:endParaRPr lang="en-US"/>
+          </a:p>
+        </p:txBody>
+      </p:sp>
+      <p:sp>
+        <p:nvSpPr>
+          <p:cNvPr id="60" name="TextBox 59"/>
+          <p:cNvSpPr txBox="1"/>
+          <p:nvPr/>
+        </p:nvSpPr>
+        <p:spPr>
+          <a:xfrm>
+            <a:off x="6477000" y="5867400"/>
+            <a:ext cx="1371599" cy="369332"/>
+          </a:xfrm>
+          <a:prstGeom prst="rect">
+            <a:avLst/>
+          </a:prstGeom>
+          <a:noFill/>
+        </p:spPr>
+        <p:txBody>
+          <a:bodyPr wrap="square" rtlCol="0">
+            <a:spAutoFit/>
+          </a:bodyPr>
+          <a:lstStyle/>
+          <a:p>
+            <a:pPr algn="ctr"/>
+            <a:r>
+              <a:rPr lang="en-US" dirty="0" smtClean="0"/>
+              <a:t>RE-PROCESS</a:t>
+            </a:r>
+            <a:endParaRPr lang="en-US" dirty="0"/>
+          </a:p>
+        </p:txBody>
+      </p:sp>
+    </p:spTree>
+    <p:extLst>
+      <p:ext uri="{BB962C8B-B14F-4D97-AF65-F5344CB8AC3E}">
+        <p14:creationId xmlns:p14="http://schemas.microsoft.com/office/powerpoint/2010/main" val="294220895"/>
+      </p:ext>
+    </p:extLst>
+  </p:cSld>
+  <p:clrMapOvr>
+    <a:masterClrMapping/>
+  </p:clrMapOvr>
+</p:sld>
+</file>
+
 <file path=ppt/theme/theme1.xml><?xml version="1.0" encoding="utf-8"?>
 <a:theme xmlns:a="http://schemas.openxmlformats.org/drawingml/2006/main" name="Office Theme">
   <a:themeElements>

--- a/illustrations/illustrations.pptx
+++ b/illustrations/illustrations.pptx
@@ -5,7 +5,7 @@
     <p:sldMasterId id="2147483648" r:id="rId1"/>
   </p:sldMasterIdLst>
   <p:notesMasterIdLst>
-    <p:notesMasterId r:id="rId10"/>
+    <p:notesMasterId r:id="rId11"/>
   </p:notesMasterIdLst>
   <p:sldIdLst>
     <p:sldId id="574" r:id="rId2"/>
@@ -16,6 +16,7 @@
     <p:sldId id="579" r:id="rId7"/>
     <p:sldId id="580" r:id="rId8"/>
     <p:sldId id="581" r:id="rId9"/>
+    <p:sldId id="582" r:id="rId10"/>
   </p:sldIdLst>
   <p:sldSz cx="9144000" cy="6858000" type="screen4x3"/>
   <p:notesSz cx="6858000" cy="9144000"/>
@@ -237,7 +238,7 @@
             <a:fld id="{1C54B592-DDDB-4FBB-91F2-233647701935}" type="datetimeFigureOut">
               <a:rPr lang="en-US" smtClean="0"/>
               <a:pPr/>
-              <a:t>1/30/2016</a:t>
+              <a:t>2/3/2016</a:t>
             </a:fld>
             <a:endParaRPr lang="en-US" dirty="0"/>
           </a:p>
@@ -795,7 +796,7 @@
           <a:p>
             <a:fld id="{C7AE018C-EBF3-4294-9E53-BB9692A1B238}" type="datetime1">
               <a:rPr lang="en-US" smtClean="0"/>
-              <a:t>1/30/2016</a:t>
+              <a:t>2/3/2016</a:t>
             </a:fld>
             <a:endParaRPr lang="en-US" dirty="0"/>
           </a:p>
@@ -951,7 +952,7 @@
           <a:p>
             <a:fld id="{AC5D3C69-66A1-4D00-B513-42CC0FCC59B6}" type="datetime1">
               <a:rPr lang="en-US" smtClean="0"/>
-              <a:t>1/30/2016</a:t>
+              <a:t>2/3/2016</a:t>
             </a:fld>
             <a:endParaRPr lang="en-US" dirty="0"/>
           </a:p>
@@ -1047,7 +1048,7 @@
           <a:p>
             <a:fld id="{DF081C4C-367B-4CA1-BFE5-DD5EF40A8C1E}" type="datetime1">
               <a:rPr lang="en-US" smtClean="0"/>
-              <a:t>1/30/2016</a:t>
+              <a:t>2/3/2016</a:t>
             </a:fld>
             <a:endParaRPr lang="en-US" dirty="0"/>
           </a:p>
@@ -1337,7 +1338,7 @@
           <a:p>
             <a:fld id="{7284FD7A-D0F1-4BFD-9AB1-D45A3214561B}" type="datetime1">
               <a:rPr lang="en-US" smtClean="0"/>
-              <a:t>1/30/2016</a:t>
+              <a:t>2/3/2016</a:t>
             </a:fld>
             <a:endParaRPr lang="en-US" dirty="0"/>
           </a:p>
@@ -1634,7 +1635,7 @@
           <a:p>
             <a:fld id="{7C1E8470-7002-4B16-912E-F3381BBFC303}" type="datetime1">
               <a:rPr lang="en-US" smtClean="0"/>
-              <a:t>1/30/2016</a:t>
+              <a:t>2/3/2016</a:t>
             </a:fld>
             <a:endParaRPr lang="en-US" dirty="0"/>
           </a:p>
@@ -2065,7 +2066,7 @@
           <a:p>
             <a:fld id="{2668835A-C4A1-487E-A7B8-3E3B6A85266C}" type="datetime1">
               <a:rPr lang="en-US" smtClean="0"/>
-              <a:t>1/30/2016</a:t>
+              <a:t>2/3/2016</a:t>
             </a:fld>
             <a:endParaRPr lang="en-US" dirty="0"/>
           </a:p>
@@ -2161,7 +2162,7 @@
           <a:p>
             <a:fld id="{83E71AAB-E703-47FE-974E-9D2B932F9534}" type="datetime1">
               <a:rPr lang="en-US" smtClean="0"/>
-              <a:t>1/30/2016</a:t>
+              <a:t>2/3/2016</a:t>
             </a:fld>
             <a:endParaRPr lang="en-US" dirty="0"/>
           </a:p>
@@ -2347,7 +2348,7 @@
           <a:p>
             <a:fld id="{C6C74358-98AB-4C1A-82FF-49E7FEE02080}" type="datetime1">
               <a:rPr lang="en-US" smtClean="0"/>
-              <a:t>1/30/2016</a:t>
+              <a:t>2/3/2016</a:t>
             </a:fld>
             <a:endParaRPr lang="en-US" dirty="0"/>
           </a:p>
@@ -11831,7 +11832,7 @@
           <a:prstGeom prst="straightConnector1">
             <a:avLst/>
           </a:prstGeom>
-          <a:ln>
+          <a:ln w="25400">
             <a:tailEnd type="triangle"/>
           </a:ln>
         </p:spPr>
@@ -11867,7 +11868,7 @@
           <a:prstGeom prst="straightConnector1">
             <a:avLst/>
           </a:prstGeom>
-          <a:ln>
+          <a:ln w="25400">
             <a:tailEnd type="triangle"/>
           </a:ln>
         </p:spPr>
@@ -11903,7 +11904,7 @@
           <a:prstGeom prst="straightConnector1">
             <a:avLst/>
           </a:prstGeom>
-          <a:ln>
+          <a:ln w="25400">
             <a:tailEnd type="triangle"/>
           </a:ln>
         </p:spPr>
@@ -11939,7 +11940,1661 @@
           <a:prstGeom prst="straightConnector1">
             <a:avLst/>
           </a:prstGeom>
-          <a:ln>
+          <a:ln w="25400">
+            <a:tailEnd type="triangle"/>
+          </a:ln>
+        </p:spPr>
+        <p:style>
+          <a:lnRef idx="1">
+            <a:schemeClr val="accent1"/>
+          </a:lnRef>
+          <a:fillRef idx="0">
+            <a:schemeClr val="accent1"/>
+          </a:fillRef>
+          <a:effectRef idx="0">
+            <a:schemeClr val="accent1"/>
+          </a:effectRef>
+          <a:fontRef idx="minor">
+            <a:schemeClr val="tx1"/>
+          </a:fontRef>
+        </p:style>
+      </p:cxnSp>
+      <p:sp>
+        <p:nvSpPr>
+          <p:cNvPr id="59" name="Down Arrow 58"/>
+          <p:cNvSpPr/>
+          <p:nvPr/>
+        </p:nvSpPr>
+        <p:spPr>
+          <a:xfrm rot="10800000">
+            <a:off x="6934200" y="5257800"/>
+            <a:ext cx="457200" cy="609600"/>
+          </a:xfrm>
+          <a:prstGeom prst="downArrow">
+            <a:avLst/>
+          </a:prstGeom>
+        </p:spPr>
+        <p:style>
+          <a:lnRef idx="2">
+            <a:schemeClr val="dk1">
+              <a:shade val="50000"/>
+            </a:schemeClr>
+          </a:lnRef>
+          <a:fillRef idx="1">
+            <a:schemeClr val="dk1"/>
+          </a:fillRef>
+          <a:effectRef idx="0">
+            <a:schemeClr val="dk1"/>
+          </a:effectRef>
+          <a:fontRef idx="minor">
+            <a:schemeClr val="lt1"/>
+          </a:fontRef>
+        </p:style>
+        <p:txBody>
+          <a:bodyPr rtlCol="0" anchor="ctr"/>
+          <a:lstStyle/>
+          <a:p>
+            <a:pPr algn="ctr"/>
+            <a:endParaRPr lang="en-US"/>
+          </a:p>
+        </p:txBody>
+      </p:sp>
+      <p:sp>
+        <p:nvSpPr>
+          <p:cNvPr id="60" name="TextBox 59"/>
+          <p:cNvSpPr txBox="1"/>
+          <p:nvPr/>
+        </p:nvSpPr>
+        <p:spPr>
+          <a:xfrm>
+            <a:off x="6477000" y="5867400"/>
+            <a:ext cx="1371599" cy="369332"/>
+          </a:xfrm>
+          <a:prstGeom prst="rect">
+            <a:avLst/>
+          </a:prstGeom>
+          <a:noFill/>
+        </p:spPr>
+        <p:txBody>
+          <a:bodyPr wrap="square" rtlCol="0">
+            <a:spAutoFit/>
+          </a:bodyPr>
+          <a:lstStyle/>
+          <a:p>
+            <a:pPr algn="ctr"/>
+            <a:r>
+              <a:rPr lang="en-US" dirty="0" smtClean="0"/>
+              <a:t>RE-PROCESS</a:t>
+            </a:r>
+            <a:endParaRPr lang="en-US" dirty="0"/>
+          </a:p>
+        </p:txBody>
+      </p:sp>
+    </p:spTree>
+    <p:extLst>
+      <p:ext uri="{BB962C8B-B14F-4D97-AF65-F5344CB8AC3E}">
+        <p14:creationId xmlns:p14="http://schemas.microsoft.com/office/powerpoint/2010/main" val="294220895"/>
+      </p:ext>
+    </p:extLst>
+  </p:cSld>
+  <p:clrMapOvr>
+    <a:masterClrMapping/>
+  </p:clrMapOvr>
+</p:sld>
+</file>
+
+<file path=ppt/slides/slide9.xml><?xml version="1.0" encoding="utf-8"?>
+<p:sld xmlns:a="http://schemas.openxmlformats.org/drawingml/2006/main" xmlns:r="http://schemas.openxmlformats.org/officeDocument/2006/relationships" xmlns:p="http://schemas.openxmlformats.org/presentationml/2006/main">
+  <p:cSld>
+    <p:spTree>
+      <p:nvGrpSpPr>
+        <p:cNvPr id="1" name=""/>
+        <p:cNvGrpSpPr/>
+        <p:nvPr/>
+      </p:nvGrpSpPr>
+      <p:grpSpPr>
+        <a:xfrm>
+          <a:off x="0" y="0"/>
+          <a:ext cx="0" cy="0"/>
+          <a:chOff x="0" y="0"/>
+          <a:chExt cx="0" cy="0"/>
+        </a:xfrm>
+      </p:grpSpPr>
+      <p:sp>
+        <p:nvSpPr>
+          <p:cNvPr id="3" name="Rectangle 2"/>
+          <p:cNvSpPr/>
+          <p:nvPr/>
+        </p:nvSpPr>
+        <p:spPr>
+          <a:xfrm>
+            <a:off x="220518" y="3038186"/>
+            <a:ext cx="1600200" cy="533400"/>
+          </a:xfrm>
+          <a:prstGeom prst="rect">
+            <a:avLst/>
+          </a:prstGeom>
+        </p:spPr>
+        <p:style>
+          <a:lnRef idx="2">
+            <a:schemeClr val="accent3">
+              <a:shade val="50000"/>
+            </a:schemeClr>
+          </a:lnRef>
+          <a:fillRef idx="1">
+            <a:schemeClr val="accent3"/>
+          </a:fillRef>
+          <a:effectRef idx="0">
+            <a:schemeClr val="accent3"/>
+          </a:effectRef>
+          <a:fontRef idx="minor">
+            <a:schemeClr val="lt1"/>
+          </a:fontRef>
+        </p:style>
+        <p:txBody>
+          <a:bodyPr rtlCol="0" anchor="ctr"/>
+          <a:lstStyle/>
+          <a:p>
+            <a:pPr algn="ctr"/>
+            <a:r>
+              <a:rPr lang="en-US" dirty="0" smtClean="0"/>
+              <a:t>CALL CENTER 1</a:t>
+            </a:r>
+            <a:endParaRPr lang="en-US" dirty="0"/>
+          </a:p>
+        </p:txBody>
+      </p:sp>
+      <p:sp>
+        <p:nvSpPr>
+          <p:cNvPr id="4" name="Rectangle 3"/>
+          <p:cNvSpPr/>
+          <p:nvPr/>
+        </p:nvSpPr>
+        <p:spPr>
+          <a:xfrm>
+            <a:off x="2738582" y="3038186"/>
+            <a:ext cx="990600" cy="533400"/>
+          </a:xfrm>
+          <a:prstGeom prst="rect">
+            <a:avLst/>
+          </a:prstGeom>
+        </p:spPr>
+        <p:style>
+          <a:lnRef idx="2">
+            <a:schemeClr val="accent3">
+              <a:shade val="50000"/>
+            </a:schemeClr>
+          </a:lnRef>
+          <a:fillRef idx="1">
+            <a:schemeClr val="accent3"/>
+          </a:fillRef>
+          <a:effectRef idx="0">
+            <a:schemeClr val="accent3"/>
+          </a:effectRef>
+          <a:fontRef idx="minor">
+            <a:schemeClr val="lt1"/>
+          </a:fontRef>
+        </p:style>
+        <p:txBody>
+          <a:bodyPr rtlCol="0" anchor="ctr"/>
+          <a:lstStyle/>
+          <a:p>
+            <a:pPr algn="ctr"/>
+            <a:r>
+              <a:rPr lang="en-US" dirty="0" smtClean="0"/>
+              <a:t>1/2016</a:t>
+            </a:r>
+            <a:endParaRPr lang="en-US" dirty="0"/>
+          </a:p>
+        </p:txBody>
+      </p:sp>
+      <p:sp>
+        <p:nvSpPr>
+          <p:cNvPr id="5" name="Rectangle 4"/>
+          <p:cNvSpPr/>
+          <p:nvPr/>
+        </p:nvSpPr>
+        <p:spPr>
+          <a:xfrm>
+            <a:off x="4033982" y="3038186"/>
+            <a:ext cx="990600" cy="533400"/>
+          </a:xfrm>
+          <a:prstGeom prst="rect">
+            <a:avLst/>
+          </a:prstGeom>
+        </p:spPr>
+        <p:style>
+          <a:lnRef idx="2">
+            <a:schemeClr val="accent3">
+              <a:shade val="50000"/>
+            </a:schemeClr>
+          </a:lnRef>
+          <a:fillRef idx="1">
+            <a:schemeClr val="accent3"/>
+          </a:fillRef>
+          <a:effectRef idx="0">
+            <a:schemeClr val="accent3"/>
+          </a:effectRef>
+          <a:fontRef idx="minor">
+            <a:schemeClr val="lt1"/>
+          </a:fontRef>
+        </p:style>
+        <p:txBody>
+          <a:bodyPr rtlCol="0" anchor="ctr"/>
+          <a:lstStyle/>
+          <a:p>
+            <a:pPr algn="ctr"/>
+            <a:r>
+              <a:rPr lang="en-US" dirty="0"/>
+              <a:t>2</a:t>
+            </a:r>
+            <a:r>
+              <a:rPr lang="en-US" dirty="0" smtClean="0"/>
+              <a:t>/2016</a:t>
+            </a:r>
+            <a:endParaRPr lang="en-US" dirty="0"/>
+          </a:p>
+        </p:txBody>
+      </p:sp>
+      <p:sp>
+        <p:nvSpPr>
+          <p:cNvPr id="6" name="Rectangle 5"/>
+          <p:cNvSpPr/>
+          <p:nvPr/>
+        </p:nvSpPr>
+        <p:spPr>
+          <a:xfrm>
+            <a:off x="5329382" y="3038186"/>
+            <a:ext cx="990600" cy="533400"/>
+          </a:xfrm>
+          <a:prstGeom prst="rect">
+            <a:avLst/>
+          </a:prstGeom>
+        </p:spPr>
+        <p:style>
+          <a:lnRef idx="2">
+            <a:schemeClr val="accent3">
+              <a:shade val="50000"/>
+            </a:schemeClr>
+          </a:lnRef>
+          <a:fillRef idx="1">
+            <a:schemeClr val="accent3"/>
+          </a:fillRef>
+          <a:effectRef idx="0">
+            <a:schemeClr val="accent3"/>
+          </a:effectRef>
+          <a:fontRef idx="minor">
+            <a:schemeClr val="lt1"/>
+          </a:fontRef>
+        </p:style>
+        <p:txBody>
+          <a:bodyPr rtlCol="0" anchor="ctr"/>
+          <a:lstStyle/>
+          <a:p>
+            <a:pPr algn="ctr"/>
+            <a:r>
+              <a:rPr lang="en-US" dirty="0" smtClean="0"/>
+              <a:t>3/2016</a:t>
+            </a:r>
+            <a:endParaRPr lang="en-US" dirty="0"/>
+          </a:p>
+        </p:txBody>
+      </p:sp>
+      <p:sp>
+        <p:nvSpPr>
+          <p:cNvPr id="7" name="Rectangle 6"/>
+          <p:cNvSpPr/>
+          <p:nvPr/>
+        </p:nvSpPr>
+        <p:spPr>
+          <a:xfrm>
+            <a:off x="6624782" y="3038186"/>
+            <a:ext cx="990600" cy="533400"/>
+          </a:xfrm>
+          <a:prstGeom prst="rect">
+            <a:avLst/>
+          </a:prstGeom>
+        </p:spPr>
+        <p:style>
+          <a:lnRef idx="2">
+            <a:schemeClr val="accent3">
+              <a:shade val="50000"/>
+            </a:schemeClr>
+          </a:lnRef>
+          <a:fillRef idx="1">
+            <a:schemeClr val="accent3"/>
+          </a:fillRef>
+          <a:effectRef idx="0">
+            <a:schemeClr val="accent3"/>
+          </a:effectRef>
+          <a:fontRef idx="minor">
+            <a:schemeClr val="lt1"/>
+          </a:fontRef>
+        </p:style>
+        <p:txBody>
+          <a:bodyPr rtlCol="0" anchor="ctr"/>
+          <a:lstStyle/>
+          <a:p>
+            <a:pPr algn="ctr"/>
+            <a:r>
+              <a:rPr lang="en-US" dirty="0" smtClean="0"/>
+              <a:t>4/2016</a:t>
+            </a:r>
+            <a:endParaRPr lang="en-US" dirty="0"/>
+          </a:p>
+        </p:txBody>
+      </p:sp>
+      <p:sp>
+        <p:nvSpPr>
+          <p:cNvPr id="8" name="Rectangle 7"/>
+          <p:cNvSpPr/>
+          <p:nvPr/>
+        </p:nvSpPr>
+        <p:spPr>
+          <a:xfrm>
+            <a:off x="7916718" y="3038186"/>
+            <a:ext cx="990600" cy="533400"/>
+          </a:xfrm>
+          <a:prstGeom prst="rect">
+            <a:avLst/>
+          </a:prstGeom>
+        </p:spPr>
+        <p:style>
+          <a:lnRef idx="2">
+            <a:schemeClr val="accent3">
+              <a:shade val="50000"/>
+            </a:schemeClr>
+          </a:lnRef>
+          <a:fillRef idx="1">
+            <a:schemeClr val="accent3"/>
+          </a:fillRef>
+          <a:effectRef idx="0">
+            <a:schemeClr val="accent3"/>
+          </a:effectRef>
+          <a:fontRef idx="minor">
+            <a:schemeClr val="lt1"/>
+          </a:fontRef>
+        </p:style>
+        <p:txBody>
+          <a:bodyPr rtlCol="0" anchor="ctr"/>
+          <a:lstStyle/>
+          <a:p>
+            <a:pPr algn="ctr"/>
+            <a:r>
+              <a:rPr lang="en-US" dirty="0" smtClean="0"/>
+              <a:t>5/2016</a:t>
+            </a:r>
+            <a:endParaRPr lang="en-US" dirty="0"/>
+          </a:p>
+        </p:txBody>
+      </p:sp>
+      <p:sp>
+        <p:nvSpPr>
+          <p:cNvPr id="9" name="Rectangle 8"/>
+          <p:cNvSpPr/>
+          <p:nvPr/>
+        </p:nvSpPr>
+        <p:spPr>
+          <a:xfrm>
+            <a:off x="225136" y="2123786"/>
+            <a:ext cx="1600200" cy="533400"/>
+          </a:xfrm>
+          <a:prstGeom prst="rect">
+            <a:avLst/>
+          </a:prstGeom>
+        </p:spPr>
+        <p:style>
+          <a:lnRef idx="2">
+            <a:schemeClr val="accent5">
+              <a:shade val="50000"/>
+            </a:schemeClr>
+          </a:lnRef>
+          <a:fillRef idx="1">
+            <a:schemeClr val="accent5"/>
+          </a:fillRef>
+          <a:effectRef idx="0">
+            <a:schemeClr val="accent5"/>
+          </a:effectRef>
+          <a:fontRef idx="minor">
+            <a:schemeClr val="lt1"/>
+          </a:fontRef>
+        </p:style>
+        <p:txBody>
+          <a:bodyPr rtlCol="0" anchor="ctr"/>
+          <a:lstStyle/>
+          <a:p>
+            <a:pPr algn="ctr"/>
+            <a:r>
+              <a:rPr lang="en-US" dirty="0" smtClean="0"/>
+              <a:t>COUNTRY 1</a:t>
+            </a:r>
+            <a:endParaRPr lang="en-US" dirty="0"/>
+          </a:p>
+        </p:txBody>
+      </p:sp>
+      <p:sp>
+        <p:nvSpPr>
+          <p:cNvPr id="10" name="Rectangle 9"/>
+          <p:cNvSpPr/>
+          <p:nvPr/>
+        </p:nvSpPr>
+        <p:spPr>
+          <a:xfrm>
+            <a:off x="2743200" y="2123786"/>
+            <a:ext cx="990600" cy="533400"/>
+          </a:xfrm>
+          <a:prstGeom prst="rect">
+            <a:avLst/>
+          </a:prstGeom>
+        </p:spPr>
+        <p:style>
+          <a:lnRef idx="2">
+            <a:schemeClr val="accent5">
+              <a:shade val="50000"/>
+            </a:schemeClr>
+          </a:lnRef>
+          <a:fillRef idx="1">
+            <a:schemeClr val="accent5"/>
+          </a:fillRef>
+          <a:effectRef idx="0">
+            <a:schemeClr val="accent5"/>
+          </a:effectRef>
+          <a:fontRef idx="minor">
+            <a:schemeClr val="lt1"/>
+          </a:fontRef>
+        </p:style>
+        <p:txBody>
+          <a:bodyPr rtlCol="0" anchor="ctr"/>
+          <a:lstStyle/>
+          <a:p>
+            <a:pPr algn="ctr"/>
+            <a:r>
+              <a:rPr lang="en-US" dirty="0" smtClean="0"/>
+              <a:t>1/2016</a:t>
+            </a:r>
+            <a:endParaRPr lang="en-US" dirty="0"/>
+          </a:p>
+        </p:txBody>
+      </p:sp>
+      <p:sp>
+        <p:nvSpPr>
+          <p:cNvPr id="11" name="Rectangle 10"/>
+          <p:cNvSpPr/>
+          <p:nvPr/>
+        </p:nvSpPr>
+        <p:spPr>
+          <a:xfrm>
+            <a:off x="4038600" y="2123786"/>
+            <a:ext cx="990600" cy="533400"/>
+          </a:xfrm>
+          <a:prstGeom prst="rect">
+            <a:avLst/>
+          </a:prstGeom>
+        </p:spPr>
+        <p:style>
+          <a:lnRef idx="2">
+            <a:schemeClr val="accent5">
+              <a:shade val="50000"/>
+            </a:schemeClr>
+          </a:lnRef>
+          <a:fillRef idx="1">
+            <a:schemeClr val="accent5"/>
+          </a:fillRef>
+          <a:effectRef idx="0">
+            <a:schemeClr val="accent5"/>
+          </a:effectRef>
+          <a:fontRef idx="minor">
+            <a:schemeClr val="lt1"/>
+          </a:fontRef>
+        </p:style>
+        <p:txBody>
+          <a:bodyPr rtlCol="0" anchor="ctr"/>
+          <a:lstStyle/>
+          <a:p>
+            <a:pPr algn="ctr"/>
+            <a:r>
+              <a:rPr lang="en-US" dirty="0"/>
+              <a:t>2</a:t>
+            </a:r>
+            <a:r>
+              <a:rPr lang="en-US" dirty="0" smtClean="0"/>
+              <a:t>/2016</a:t>
+            </a:r>
+            <a:endParaRPr lang="en-US" dirty="0"/>
+          </a:p>
+        </p:txBody>
+      </p:sp>
+      <p:sp>
+        <p:nvSpPr>
+          <p:cNvPr id="12" name="Rectangle 11"/>
+          <p:cNvSpPr/>
+          <p:nvPr/>
+        </p:nvSpPr>
+        <p:spPr>
+          <a:xfrm>
+            <a:off x="5334000" y="2123786"/>
+            <a:ext cx="990600" cy="533400"/>
+          </a:xfrm>
+          <a:prstGeom prst="rect">
+            <a:avLst/>
+          </a:prstGeom>
+        </p:spPr>
+        <p:style>
+          <a:lnRef idx="2">
+            <a:schemeClr val="accent5">
+              <a:shade val="50000"/>
+            </a:schemeClr>
+          </a:lnRef>
+          <a:fillRef idx="1">
+            <a:schemeClr val="accent5"/>
+          </a:fillRef>
+          <a:effectRef idx="0">
+            <a:schemeClr val="accent5"/>
+          </a:effectRef>
+          <a:fontRef idx="minor">
+            <a:schemeClr val="lt1"/>
+          </a:fontRef>
+        </p:style>
+        <p:txBody>
+          <a:bodyPr rtlCol="0" anchor="ctr"/>
+          <a:lstStyle/>
+          <a:p>
+            <a:pPr algn="ctr"/>
+            <a:r>
+              <a:rPr lang="en-US" dirty="0" smtClean="0"/>
+              <a:t>3/2016</a:t>
+            </a:r>
+            <a:endParaRPr lang="en-US" dirty="0"/>
+          </a:p>
+        </p:txBody>
+      </p:sp>
+      <p:sp>
+        <p:nvSpPr>
+          <p:cNvPr id="13" name="Rectangle 12"/>
+          <p:cNvSpPr/>
+          <p:nvPr/>
+        </p:nvSpPr>
+        <p:spPr>
+          <a:xfrm>
+            <a:off x="6629400" y="2123786"/>
+            <a:ext cx="990600" cy="533400"/>
+          </a:xfrm>
+          <a:prstGeom prst="rect">
+            <a:avLst/>
+          </a:prstGeom>
+        </p:spPr>
+        <p:style>
+          <a:lnRef idx="2">
+            <a:schemeClr val="accent5">
+              <a:shade val="50000"/>
+            </a:schemeClr>
+          </a:lnRef>
+          <a:fillRef idx="1">
+            <a:schemeClr val="accent5"/>
+          </a:fillRef>
+          <a:effectRef idx="0">
+            <a:schemeClr val="accent5"/>
+          </a:effectRef>
+          <a:fontRef idx="minor">
+            <a:schemeClr val="lt1"/>
+          </a:fontRef>
+        </p:style>
+        <p:txBody>
+          <a:bodyPr rtlCol="0" anchor="ctr"/>
+          <a:lstStyle/>
+          <a:p>
+            <a:pPr algn="ctr"/>
+            <a:r>
+              <a:rPr lang="en-US" dirty="0" smtClean="0"/>
+              <a:t>4/2016</a:t>
+            </a:r>
+            <a:endParaRPr lang="en-US" dirty="0"/>
+          </a:p>
+        </p:txBody>
+      </p:sp>
+      <p:sp>
+        <p:nvSpPr>
+          <p:cNvPr id="14" name="Rectangle 13"/>
+          <p:cNvSpPr/>
+          <p:nvPr/>
+        </p:nvSpPr>
+        <p:spPr>
+          <a:xfrm>
+            <a:off x="7921336" y="2123786"/>
+            <a:ext cx="990600" cy="533400"/>
+          </a:xfrm>
+          <a:prstGeom prst="rect">
+            <a:avLst/>
+          </a:prstGeom>
+        </p:spPr>
+        <p:style>
+          <a:lnRef idx="2">
+            <a:schemeClr val="accent5">
+              <a:shade val="50000"/>
+            </a:schemeClr>
+          </a:lnRef>
+          <a:fillRef idx="1">
+            <a:schemeClr val="accent5"/>
+          </a:fillRef>
+          <a:effectRef idx="0">
+            <a:schemeClr val="accent5"/>
+          </a:effectRef>
+          <a:fontRef idx="minor">
+            <a:schemeClr val="lt1"/>
+          </a:fontRef>
+        </p:style>
+        <p:txBody>
+          <a:bodyPr rtlCol="0" anchor="ctr"/>
+          <a:lstStyle/>
+          <a:p>
+            <a:pPr algn="ctr"/>
+            <a:r>
+              <a:rPr lang="en-US" dirty="0" smtClean="0"/>
+              <a:t>5/2016</a:t>
+            </a:r>
+            <a:endParaRPr lang="en-US" dirty="0"/>
+          </a:p>
+        </p:txBody>
+      </p:sp>
+      <p:sp>
+        <p:nvSpPr>
+          <p:cNvPr id="15" name="Rectangle 14"/>
+          <p:cNvSpPr/>
+          <p:nvPr/>
+        </p:nvSpPr>
+        <p:spPr>
+          <a:xfrm>
+            <a:off x="220518" y="1186584"/>
+            <a:ext cx="1600200" cy="533400"/>
+          </a:xfrm>
+          <a:prstGeom prst="rect">
+            <a:avLst/>
+          </a:prstGeom>
+        </p:spPr>
+        <p:style>
+          <a:lnRef idx="2">
+            <a:schemeClr val="accent6">
+              <a:shade val="50000"/>
+            </a:schemeClr>
+          </a:lnRef>
+          <a:fillRef idx="1">
+            <a:schemeClr val="accent6"/>
+          </a:fillRef>
+          <a:effectRef idx="0">
+            <a:schemeClr val="accent6"/>
+          </a:effectRef>
+          <a:fontRef idx="minor">
+            <a:schemeClr val="lt1"/>
+          </a:fontRef>
+        </p:style>
+        <p:txBody>
+          <a:bodyPr rtlCol="0" anchor="ctr"/>
+          <a:lstStyle/>
+          <a:p>
+            <a:pPr algn="ctr"/>
+            <a:r>
+              <a:rPr lang="en-US" dirty="0" smtClean="0"/>
+              <a:t>REGION 1</a:t>
+            </a:r>
+            <a:endParaRPr lang="en-US" dirty="0"/>
+          </a:p>
+        </p:txBody>
+      </p:sp>
+      <p:sp>
+        <p:nvSpPr>
+          <p:cNvPr id="16" name="Rectangle 15"/>
+          <p:cNvSpPr/>
+          <p:nvPr/>
+        </p:nvSpPr>
+        <p:spPr>
+          <a:xfrm>
+            <a:off x="2738582" y="1186584"/>
+            <a:ext cx="990600" cy="533400"/>
+          </a:xfrm>
+          <a:prstGeom prst="rect">
+            <a:avLst/>
+          </a:prstGeom>
+        </p:spPr>
+        <p:style>
+          <a:lnRef idx="2">
+            <a:schemeClr val="accent6">
+              <a:shade val="50000"/>
+            </a:schemeClr>
+          </a:lnRef>
+          <a:fillRef idx="1">
+            <a:schemeClr val="accent6"/>
+          </a:fillRef>
+          <a:effectRef idx="0">
+            <a:schemeClr val="accent6"/>
+          </a:effectRef>
+          <a:fontRef idx="minor">
+            <a:schemeClr val="lt1"/>
+          </a:fontRef>
+        </p:style>
+        <p:txBody>
+          <a:bodyPr rtlCol="0" anchor="ctr"/>
+          <a:lstStyle/>
+          <a:p>
+            <a:pPr algn="ctr"/>
+            <a:r>
+              <a:rPr lang="en-US" dirty="0" smtClean="0"/>
+              <a:t>1/2016</a:t>
+            </a:r>
+            <a:endParaRPr lang="en-US" dirty="0"/>
+          </a:p>
+        </p:txBody>
+      </p:sp>
+      <p:sp>
+        <p:nvSpPr>
+          <p:cNvPr id="17" name="Rectangle 16"/>
+          <p:cNvSpPr/>
+          <p:nvPr/>
+        </p:nvSpPr>
+        <p:spPr>
+          <a:xfrm>
+            <a:off x="4033982" y="1186584"/>
+            <a:ext cx="990600" cy="533400"/>
+          </a:xfrm>
+          <a:prstGeom prst="rect">
+            <a:avLst/>
+          </a:prstGeom>
+        </p:spPr>
+        <p:style>
+          <a:lnRef idx="2">
+            <a:schemeClr val="accent6">
+              <a:shade val="50000"/>
+            </a:schemeClr>
+          </a:lnRef>
+          <a:fillRef idx="1">
+            <a:schemeClr val="accent6"/>
+          </a:fillRef>
+          <a:effectRef idx="0">
+            <a:schemeClr val="accent6"/>
+          </a:effectRef>
+          <a:fontRef idx="minor">
+            <a:schemeClr val="lt1"/>
+          </a:fontRef>
+        </p:style>
+        <p:txBody>
+          <a:bodyPr rtlCol="0" anchor="ctr"/>
+          <a:lstStyle/>
+          <a:p>
+            <a:pPr algn="ctr"/>
+            <a:r>
+              <a:rPr lang="en-US" dirty="0"/>
+              <a:t>2</a:t>
+            </a:r>
+            <a:r>
+              <a:rPr lang="en-US" dirty="0" smtClean="0"/>
+              <a:t>/2016</a:t>
+            </a:r>
+            <a:endParaRPr lang="en-US" dirty="0"/>
+          </a:p>
+        </p:txBody>
+      </p:sp>
+      <p:sp>
+        <p:nvSpPr>
+          <p:cNvPr id="18" name="Rectangle 17"/>
+          <p:cNvSpPr/>
+          <p:nvPr/>
+        </p:nvSpPr>
+        <p:spPr>
+          <a:xfrm>
+            <a:off x="5329382" y="1186584"/>
+            <a:ext cx="990600" cy="533400"/>
+          </a:xfrm>
+          <a:prstGeom prst="rect">
+            <a:avLst/>
+          </a:prstGeom>
+        </p:spPr>
+        <p:style>
+          <a:lnRef idx="2">
+            <a:schemeClr val="accent6">
+              <a:shade val="50000"/>
+            </a:schemeClr>
+          </a:lnRef>
+          <a:fillRef idx="1">
+            <a:schemeClr val="accent6"/>
+          </a:fillRef>
+          <a:effectRef idx="0">
+            <a:schemeClr val="accent6"/>
+          </a:effectRef>
+          <a:fontRef idx="minor">
+            <a:schemeClr val="lt1"/>
+          </a:fontRef>
+        </p:style>
+        <p:txBody>
+          <a:bodyPr rtlCol="0" anchor="ctr"/>
+          <a:lstStyle/>
+          <a:p>
+            <a:pPr algn="ctr"/>
+            <a:r>
+              <a:rPr lang="en-US" dirty="0" smtClean="0"/>
+              <a:t>3/2016</a:t>
+            </a:r>
+            <a:endParaRPr lang="en-US" dirty="0"/>
+          </a:p>
+        </p:txBody>
+      </p:sp>
+      <p:sp>
+        <p:nvSpPr>
+          <p:cNvPr id="19" name="Rectangle 18"/>
+          <p:cNvSpPr/>
+          <p:nvPr/>
+        </p:nvSpPr>
+        <p:spPr>
+          <a:xfrm>
+            <a:off x="6624782" y="1186584"/>
+            <a:ext cx="990600" cy="533400"/>
+          </a:xfrm>
+          <a:prstGeom prst="rect">
+            <a:avLst/>
+          </a:prstGeom>
+        </p:spPr>
+        <p:style>
+          <a:lnRef idx="2">
+            <a:schemeClr val="accent6">
+              <a:shade val="50000"/>
+            </a:schemeClr>
+          </a:lnRef>
+          <a:fillRef idx="1">
+            <a:schemeClr val="accent6"/>
+          </a:fillRef>
+          <a:effectRef idx="0">
+            <a:schemeClr val="accent6"/>
+          </a:effectRef>
+          <a:fontRef idx="minor">
+            <a:schemeClr val="lt1"/>
+          </a:fontRef>
+        </p:style>
+        <p:txBody>
+          <a:bodyPr rtlCol="0" anchor="ctr"/>
+          <a:lstStyle/>
+          <a:p>
+            <a:pPr algn="ctr"/>
+            <a:r>
+              <a:rPr lang="en-US" dirty="0" smtClean="0"/>
+              <a:t>4/2016</a:t>
+            </a:r>
+            <a:endParaRPr lang="en-US" dirty="0"/>
+          </a:p>
+        </p:txBody>
+      </p:sp>
+      <p:sp>
+        <p:nvSpPr>
+          <p:cNvPr id="20" name="Rectangle 19"/>
+          <p:cNvSpPr/>
+          <p:nvPr/>
+        </p:nvSpPr>
+        <p:spPr>
+          <a:xfrm>
+            <a:off x="7916718" y="1186584"/>
+            <a:ext cx="990600" cy="533400"/>
+          </a:xfrm>
+          <a:prstGeom prst="rect">
+            <a:avLst/>
+          </a:prstGeom>
+        </p:spPr>
+        <p:style>
+          <a:lnRef idx="2">
+            <a:schemeClr val="accent6">
+              <a:shade val="50000"/>
+            </a:schemeClr>
+          </a:lnRef>
+          <a:fillRef idx="1">
+            <a:schemeClr val="accent6"/>
+          </a:fillRef>
+          <a:effectRef idx="0">
+            <a:schemeClr val="accent6"/>
+          </a:effectRef>
+          <a:fontRef idx="minor">
+            <a:schemeClr val="lt1"/>
+          </a:fontRef>
+        </p:style>
+        <p:txBody>
+          <a:bodyPr rtlCol="0" anchor="ctr"/>
+          <a:lstStyle/>
+          <a:p>
+            <a:pPr algn="ctr"/>
+            <a:r>
+              <a:rPr lang="en-US" dirty="0" smtClean="0"/>
+              <a:t>5/2016</a:t>
+            </a:r>
+            <a:endParaRPr lang="en-US" dirty="0"/>
+          </a:p>
+        </p:txBody>
+      </p:sp>
+      <p:sp>
+        <p:nvSpPr>
+          <p:cNvPr id="21" name="Rectangle 20"/>
+          <p:cNvSpPr/>
+          <p:nvPr/>
+        </p:nvSpPr>
+        <p:spPr>
+          <a:xfrm>
+            <a:off x="220518" y="3994150"/>
+            <a:ext cx="1600200" cy="533400"/>
+          </a:xfrm>
+          <a:prstGeom prst="rect">
+            <a:avLst/>
+          </a:prstGeom>
+        </p:spPr>
+        <p:style>
+          <a:lnRef idx="2">
+            <a:schemeClr val="accent2">
+              <a:shade val="50000"/>
+            </a:schemeClr>
+          </a:lnRef>
+          <a:fillRef idx="1">
+            <a:schemeClr val="accent2"/>
+          </a:fillRef>
+          <a:effectRef idx="0">
+            <a:schemeClr val="accent2"/>
+          </a:effectRef>
+          <a:fontRef idx="minor">
+            <a:schemeClr val="lt1"/>
+          </a:fontRef>
+        </p:style>
+        <p:txBody>
+          <a:bodyPr rtlCol="0" anchor="ctr"/>
+          <a:lstStyle/>
+          <a:p>
+            <a:pPr algn="ctr"/>
+            <a:r>
+              <a:rPr lang="en-US" dirty="0" smtClean="0"/>
+              <a:t>REVENUE UNIT 1</a:t>
+            </a:r>
+            <a:endParaRPr lang="en-US" dirty="0"/>
+          </a:p>
+        </p:txBody>
+      </p:sp>
+      <p:sp>
+        <p:nvSpPr>
+          <p:cNvPr id="22" name="Rectangle 21"/>
+          <p:cNvSpPr/>
+          <p:nvPr/>
+        </p:nvSpPr>
+        <p:spPr>
+          <a:xfrm>
+            <a:off x="2738582" y="3994150"/>
+            <a:ext cx="990600" cy="533400"/>
+          </a:xfrm>
+          <a:prstGeom prst="rect">
+            <a:avLst/>
+          </a:prstGeom>
+        </p:spPr>
+        <p:style>
+          <a:lnRef idx="2">
+            <a:schemeClr val="accent2">
+              <a:shade val="50000"/>
+            </a:schemeClr>
+          </a:lnRef>
+          <a:fillRef idx="1">
+            <a:schemeClr val="accent2"/>
+          </a:fillRef>
+          <a:effectRef idx="0">
+            <a:schemeClr val="accent2"/>
+          </a:effectRef>
+          <a:fontRef idx="minor">
+            <a:schemeClr val="lt1"/>
+          </a:fontRef>
+        </p:style>
+        <p:txBody>
+          <a:bodyPr rtlCol="0" anchor="ctr"/>
+          <a:lstStyle/>
+          <a:p>
+            <a:pPr algn="ctr"/>
+            <a:r>
+              <a:rPr lang="en-US" dirty="0" smtClean="0"/>
+              <a:t>1/2016</a:t>
+            </a:r>
+            <a:endParaRPr lang="en-US" dirty="0"/>
+          </a:p>
+        </p:txBody>
+      </p:sp>
+      <p:sp>
+        <p:nvSpPr>
+          <p:cNvPr id="23" name="Rectangle 22"/>
+          <p:cNvSpPr/>
+          <p:nvPr/>
+        </p:nvSpPr>
+        <p:spPr>
+          <a:xfrm>
+            <a:off x="4033982" y="3994150"/>
+            <a:ext cx="990600" cy="533400"/>
+          </a:xfrm>
+          <a:prstGeom prst="rect">
+            <a:avLst/>
+          </a:prstGeom>
+        </p:spPr>
+        <p:style>
+          <a:lnRef idx="2">
+            <a:schemeClr val="accent2">
+              <a:shade val="50000"/>
+            </a:schemeClr>
+          </a:lnRef>
+          <a:fillRef idx="1">
+            <a:schemeClr val="accent2"/>
+          </a:fillRef>
+          <a:effectRef idx="0">
+            <a:schemeClr val="accent2"/>
+          </a:effectRef>
+          <a:fontRef idx="minor">
+            <a:schemeClr val="lt1"/>
+          </a:fontRef>
+        </p:style>
+        <p:txBody>
+          <a:bodyPr rtlCol="0" anchor="ctr"/>
+          <a:lstStyle/>
+          <a:p>
+            <a:pPr algn="ctr"/>
+            <a:r>
+              <a:rPr lang="en-US" dirty="0"/>
+              <a:t>2</a:t>
+            </a:r>
+            <a:r>
+              <a:rPr lang="en-US" dirty="0" smtClean="0"/>
+              <a:t>/2016</a:t>
+            </a:r>
+            <a:endParaRPr lang="en-US" dirty="0"/>
+          </a:p>
+        </p:txBody>
+      </p:sp>
+      <p:sp>
+        <p:nvSpPr>
+          <p:cNvPr id="24" name="Rectangle 23"/>
+          <p:cNvSpPr/>
+          <p:nvPr/>
+        </p:nvSpPr>
+        <p:spPr>
+          <a:xfrm>
+            <a:off x="5329382" y="3994150"/>
+            <a:ext cx="990600" cy="533400"/>
+          </a:xfrm>
+          <a:prstGeom prst="rect">
+            <a:avLst/>
+          </a:prstGeom>
+        </p:spPr>
+        <p:style>
+          <a:lnRef idx="2">
+            <a:schemeClr val="accent2">
+              <a:shade val="50000"/>
+            </a:schemeClr>
+          </a:lnRef>
+          <a:fillRef idx="1">
+            <a:schemeClr val="accent2"/>
+          </a:fillRef>
+          <a:effectRef idx="0">
+            <a:schemeClr val="accent2"/>
+          </a:effectRef>
+          <a:fontRef idx="minor">
+            <a:schemeClr val="lt1"/>
+          </a:fontRef>
+        </p:style>
+        <p:txBody>
+          <a:bodyPr rtlCol="0" anchor="ctr"/>
+          <a:lstStyle/>
+          <a:p>
+            <a:pPr algn="ctr"/>
+            <a:r>
+              <a:rPr lang="en-US" dirty="0" smtClean="0"/>
+              <a:t>3/2016</a:t>
+            </a:r>
+            <a:endParaRPr lang="en-US" dirty="0"/>
+          </a:p>
+        </p:txBody>
+      </p:sp>
+      <p:sp>
+        <p:nvSpPr>
+          <p:cNvPr id="25" name="Rectangle 24"/>
+          <p:cNvSpPr/>
+          <p:nvPr/>
+        </p:nvSpPr>
+        <p:spPr>
+          <a:xfrm>
+            <a:off x="6624782" y="3994150"/>
+            <a:ext cx="990600" cy="533400"/>
+          </a:xfrm>
+          <a:prstGeom prst="rect">
+            <a:avLst/>
+          </a:prstGeom>
+        </p:spPr>
+        <p:style>
+          <a:lnRef idx="2">
+            <a:schemeClr val="accent2">
+              <a:shade val="50000"/>
+            </a:schemeClr>
+          </a:lnRef>
+          <a:fillRef idx="1">
+            <a:schemeClr val="accent2"/>
+          </a:fillRef>
+          <a:effectRef idx="0">
+            <a:schemeClr val="accent2"/>
+          </a:effectRef>
+          <a:fontRef idx="minor">
+            <a:schemeClr val="lt1"/>
+          </a:fontRef>
+        </p:style>
+        <p:txBody>
+          <a:bodyPr rtlCol="0" anchor="ctr"/>
+          <a:lstStyle/>
+          <a:p>
+            <a:pPr algn="ctr"/>
+            <a:r>
+              <a:rPr lang="en-US" dirty="0" smtClean="0"/>
+              <a:t>4/2016</a:t>
+            </a:r>
+            <a:endParaRPr lang="en-US" dirty="0"/>
+          </a:p>
+        </p:txBody>
+      </p:sp>
+      <p:sp>
+        <p:nvSpPr>
+          <p:cNvPr id="26" name="Rectangle 25"/>
+          <p:cNvSpPr/>
+          <p:nvPr/>
+        </p:nvSpPr>
+        <p:spPr>
+          <a:xfrm>
+            <a:off x="7916718" y="3994150"/>
+            <a:ext cx="990600" cy="533400"/>
+          </a:xfrm>
+          <a:prstGeom prst="rect">
+            <a:avLst/>
+          </a:prstGeom>
+        </p:spPr>
+        <p:style>
+          <a:lnRef idx="2">
+            <a:schemeClr val="accent2">
+              <a:shade val="50000"/>
+            </a:schemeClr>
+          </a:lnRef>
+          <a:fillRef idx="1">
+            <a:schemeClr val="accent2"/>
+          </a:fillRef>
+          <a:effectRef idx="0">
+            <a:schemeClr val="accent2"/>
+          </a:effectRef>
+          <a:fontRef idx="minor">
+            <a:schemeClr val="lt1"/>
+          </a:fontRef>
+        </p:style>
+        <p:txBody>
+          <a:bodyPr rtlCol="0" anchor="ctr"/>
+          <a:lstStyle/>
+          <a:p>
+            <a:pPr algn="ctr"/>
+            <a:r>
+              <a:rPr lang="en-US" dirty="0" smtClean="0"/>
+              <a:t>5/2016</a:t>
+            </a:r>
+            <a:endParaRPr lang="en-US" dirty="0"/>
+          </a:p>
+        </p:txBody>
+      </p:sp>
+      <p:sp>
+        <p:nvSpPr>
+          <p:cNvPr id="27" name="Rectangle 26"/>
+          <p:cNvSpPr/>
+          <p:nvPr/>
+        </p:nvSpPr>
+        <p:spPr>
+          <a:xfrm>
+            <a:off x="225136" y="228600"/>
+            <a:ext cx="1600200" cy="533400"/>
+          </a:xfrm>
+          <a:prstGeom prst="rect">
+            <a:avLst/>
+          </a:prstGeom>
+        </p:spPr>
+        <p:style>
+          <a:lnRef idx="2">
+            <a:schemeClr val="accent1">
+              <a:shade val="50000"/>
+            </a:schemeClr>
+          </a:lnRef>
+          <a:fillRef idx="1">
+            <a:schemeClr val="accent1"/>
+          </a:fillRef>
+          <a:effectRef idx="0">
+            <a:schemeClr val="accent1"/>
+          </a:effectRef>
+          <a:fontRef idx="minor">
+            <a:schemeClr val="lt1"/>
+          </a:fontRef>
+        </p:style>
+        <p:txBody>
+          <a:bodyPr rtlCol="0" anchor="ctr"/>
+          <a:lstStyle/>
+          <a:p>
+            <a:pPr algn="ctr"/>
+            <a:r>
+              <a:rPr lang="en-US" dirty="0" smtClean="0"/>
+              <a:t>GLOBAL</a:t>
+            </a:r>
+            <a:endParaRPr lang="en-US" dirty="0"/>
+          </a:p>
+        </p:txBody>
+      </p:sp>
+      <p:sp>
+        <p:nvSpPr>
+          <p:cNvPr id="28" name="Rectangle 27"/>
+          <p:cNvSpPr/>
+          <p:nvPr/>
+        </p:nvSpPr>
+        <p:spPr>
+          <a:xfrm>
+            <a:off x="2743200" y="228600"/>
+            <a:ext cx="990600" cy="533400"/>
+          </a:xfrm>
+          <a:prstGeom prst="rect">
+            <a:avLst/>
+          </a:prstGeom>
+        </p:spPr>
+        <p:style>
+          <a:lnRef idx="2">
+            <a:schemeClr val="accent1">
+              <a:shade val="50000"/>
+            </a:schemeClr>
+          </a:lnRef>
+          <a:fillRef idx="1">
+            <a:schemeClr val="accent1"/>
+          </a:fillRef>
+          <a:effectRef idx="0">
+            <a:schemeClr val="accent1"/>
+          </a:effectRef>
+          <a:fontRef idx="minor">
+            <a:schemeClr val="lt1"/>
+          </a:fontRef>
+        </p:style>
+        <p:txBody>
+          <a:bodyPr rtlCol="0" anchor="ctr"/>
+          <a:lstStyle/>
+          <a:p>
+            <a:pPr algn="ctr"/>
+            <a:r>
+              <a:rPr lang="en-US" dirty="0" smtClean="0"/>
+              <a:t>1/2016</a:t>
+            </a:r>
+            <a:endParaRPr lang="en-US" dirty="0"/>
+          </a:p>
+        </p:txBody>
+      </p:sp>
+      <p:sp>
+        <p:nvSpPr>
+          <p:cNvPr id="29" name="Rectangle 28"/>
+          <p:cNvSpPr/>
+          <p:nvPr/>
+        </p:nvSpPr>
+        <p:spPr>
+          <a:xfrm>
+            <a:off x="4038600" y="228600"/>
+            <a:ext cx="990600" cy="533400"/>
+          </a:xfrm>
+          <a:prstGeom prst="rect">
+            <a:avLst/>
+          </a:prstGeom>
+        </p:spPr>
+        <p:style>
+          <a:lnRef idx="2">
+            <a:schemeClr val="accent1">
+              <a:shade val="50000"/>
+            </a:schemeClr>
+          </a:lnRef>
+          <a:fillRef idx="1">
+            <a:schemeClr val="accent1"/>
+          </a:fillRef>
+          <a:effectRef idx="0">
+            <a:schemeClr val="accent1"/>
+          </a:effectRef>
+          <a:fontRef idx="minor">
+            <a:schemeClr val="lt1"/>
+          </a:fontRef>
+        </p:style>
+        <p:txBody>
+          <a:bodyPr rtlCol="0" anchor="ctr"/>
+          <a:lstStyle/>
+          <a:p>
+            <a:pPr algn="ctr"/>
+            <a:r>
+              <a:rPr lang="en-US" dirty="0"/>
+              <a:t>2</a:t>
+            </a:r>
+            <a:r>
+              <a:rPr lang="en-US" dirty="0" smtClean="0"/>
+              <a:t>/2016</a:t>
+            </a:r>
+            <a:endParaRPr lang="en-US" dirty="0"/>
+          </a:p>
+        </p:txBody>
+      </p:sp>
+      <p:sp>
+        <p:nvSpPr>
+          <p:cNvPr id="30" name="Rectangle 29"/>
+          <p:cNvSpPr/>
+          <p:nvPr/>
+        </p:nvSpPr>
+        <p:spPr>
+          <a:xfrm>
+            <a:off x="5334000" y="228600"/>
+            <a:ext cx="990600" cy="533400"/>
+          </a:xfrm>
+          <a:prstGeom prst="rect">
+            <a:avLst/>
+          </a:prstGeom>
+        </p:spPr>
+        <p:style>
+          <a:lnRef idx="2">
+            <a:schemeClr val="accent1">
+              <a:shade val="50000"/>
+            </a:schemeClr>
+          </a:lnRef>
+          <a:fillRef idx="1">
+            <a:schemeClr val="accent1"/>
+          </a:fillRef>
+          <a:effectRef idx="0">
+            <a:schemeClr val="accent1"/>
+          </a:effectRef>
+          <a:fontRef idx="minor">
+            <a:schemeClr val="lt1"/>
+          </a:fontRef>
+        </p:style>
+        <p:txBody>
+          <a:bodyPr rtlCol="0" anchor="ctr"/>
+          <a:lstStyle/>
+          <a:p>
+            <a:pPr algn="ctr"/>
+            <a:r>
+              <a:rPr lang="en-US" dirty="0" smtClean="0"/>
+              <a:t>3/2016</a:t>
+            </a:r>
+            <a:endParaRPr lang="en-US" dirty="0"/>
+          </a:p>
+        </p:txBody>
+      </p:sp>
+      <p:sp>
+        <p:nvSpPr>
+          <p:cNvPr id="31" name="Rectangle 30"/>
+          <p:cNvSpPr/>
+          <p:nvPr/>
+        </p:nvSpPr>
+        <p:spPr>
+          <a:xfrm>
+            <a:off x="6629400" y="228600"/>
+            <a:ext cx="990600" cy="533400"/>
+          </a:xfrm>
+          <a:prstGeom prst="rect">
+            <a:avLst/>
+          </a:prstGeom>
+        </p:spPr>
+        <p:style>
+          <a:lnRef idx="2">
+            <a:schemeClr val="accent1">
+              <a:shade val="50000"/>
+            </a:schemeClr>
+          </a:lnRef>
+          <a:fillRef idx="1">
+            <a:schemeClr val="accent1"/>
+          </a:fillRef>
+          <a:effectRef idx="0">
+            <a:schemeClr val="accent1"/>
+          </a:effectRef>
+          <a:fontRef idx="minor">
+            <a:schemeClr val="lt1"/>
+          </a:fontRef>
+        </p:style>
+        <p:txBody>
+          <a:bodyPr rtlCol="0" anchor="ctr"/>
+          <a:lstStyle/>
+          <a:p>
+            <a:pPr algn="ctr"/>
+            <a:r>
+              <a:rPr lang="en-US" dirty="0" smtClean="0"/>
+              <a:t>4/2016</a:t>
+            </a:r>
+            <a:endParaRPr lang="en-US" dirty="0"/>
+          </a:p>
+        </p:txBody>
+      </p:sp>
+      <p:sp>
+        <p:nvSpPr>
+          <p:cNvPr id="32" name="Rectangle 31"/>
+          <p:cNvSpPr/>
+          <p:nvPr/>
+        </p:nvSpPr>
+        <p:spPr>
+          <a:xfrm>
+            <a:off x="7921336" y="228600"/>
+            <a:ext cx="990600" cy="533400"/>
+          </a:xfrm>
+          <a:prstGeom prst="rect">
+            <a:avLst/>
+          </a:prstGeom>
+        </p:spPr>
+        <p:style>
+          <a:lnRef idx="2">
+            <a:schemeClr val="accent1">
+              <a:shade val="50000"/>
+            </a:schemeClr>
+          </a:lnRef>
+          <a:fillRef idx="1">
+            <a:schemeClr val="accent1"/>
+          </a:fillRef>
+          <a:effectRef idx="0">
+            <a:schemeClr val="accent1"/>
+          </a:effectRef>
+          <a:fontRef idx="minor">
+            <a:schemeClr val="lt1"/>
+          </a:fontRef>
+        </p:style>
+        <p:txBody>
+          <a:bodyPr rtlCol="0" anchor="ctr"/>
+          <a:lstStyle/>
+          <a:p>
+            <a:pPr algn="ctr"/>
+            <a:r>
+              <a:rPr lang="en-US" dirty="0" smtClean="0"/>
+              <a:t>5/2016</a:t>
+            </a:r>
+            <a:endParaRPr lang="en-US" dirty="0"/>
+          </a:p>
+        </p:txBody>
+      </p:sp>
+      <p:sp>
+        <p:nvSpPr>
+          <p:cNvPr id="38" name="Right Brace 37"/>
+          <p:cNvSpPr/>
+          <p:nvPr/>
+        </p:nvSpPr>
+        <p:spPr>
+          <a:xfrm rot="5400000">
+            <a:off x="4986482" y="2451388"/>
+            <a:ext cx="381000" cy="4876800"/>
+          </a:xfrm>
+          <a:prstGeom prst="rightBrace">
+            <a:avLst/>
+          </a:prstGeom>
+        </p:spPr>
+        <p:style>
+          <a:lnRef idx="1">
+            <a:schemeClr val="accent1"/>
+          </a:lnRef>
+          <a:fillRef idx="0">
+            <a:schemeClr val="accent1"/>
+          </a:fillRef>
+          <a:effectRef idx="0">
+            <a:schemeClr val="accent1"/>
+          </a:effectRef>
+          <a:fontRef idx="minor">
+            <a:schemeClr val="tx1"/>
+          </a:fontRef>
+        </p:style>
+        <p:txBody>
+          <a:bodyPr rtlCol="0" anchor="ctr"/>
+          <a:lstStyle/>
+          <a:p>
+            <a:pPr algn="ctr"/>
+            <a:endParaRPr lang="en-US"/>
+          </a:p>
+        </p:txBody>
+      </p:sp>
+      <p:sp>
+        <p:nvSpPr>
+          <p:cNvPr id="39" name="TextBox 38"/>
+          <p:cNvSpPr txBox="1"/>
+          <p:nvPr/>
+        </p:nvSpPr>
+        <p:spPr>
+          <a:xfrm>
+            <a:off x="2738582" y="5080289"/>
+            <a:ext cx="4876800" cy="369332"/>
+          </a:xfrm>
+          <a:prstGeom prst="rect">
+            <a:avLst/>
+          </a:prstGeom>
+          <a:noFill/>
+        </p:spPr>
+        <p:txBody>
+          <a:bodyPr wrap="square" rtlCol="0">
+            <a:spAutoFit/>
+          </a:bodyPr>
+          <a:lstStyle/>
+          <a:p>
+            <a:pPr algn="ctr"/>
+            <a:r>
+              <a:rPr lang="en-US" dirty="0" smtClean="0"/>
+              <a:t>quarter &amp; year weeks </a:t>
+            </a:r>
+            <a:endParaRPr lang="en-US" dirty="0"/>
+          </a:p>
+        </p:txBody>
+      </p:sp>
+      <p:cxnSp>
+        <p:nvCxnSpPr>
+          <p:cNvPr id="41" name="Straight Arrow Connector 40"/>
+          <p:cNvCxnSpPr>
+            <a:stCxn id="25" idx="0"/>
+            <a:endCxn id="7" idx="2"/>
+          </p:cNvCxnSpPr>
+          <p:nvPr/>
+        </p:nvCxnSpPr>
+        <p:spPr>
+          <a:xfrm flipV="1">
+            <a:off x="7120082" y="3571586"/>
+            <a:ext cx="0" cy="422564"/>
+          </a:xfrm>
+          <a:prstGeom prst="straightConnector1">
+            <a:avLst/>
+          </a:prstGeom>
+          <a:ln w="25400">
+            <a:tailEnd type="triangle"/>
+          </a:ln>
+        </p:spPr>
+        <p:style>
+          <a:lnRef idx="1">
+            <a:schemeClr val="accent1"/>
+          </a:lnRef>
+          <a:fillRef idx="0">
+            <a:schemeClr val="accent1"/>
+          </a:fillRef>
+          <a:effectRef idx="0">
+            <a:schemeClr val="accent1"/>
+          </a:effectRef>
+          <a:fontRef idx="minor">
+            <a:schemeClr val="tx1"/>
+          </a:fontRef>
+        </p:style>
+      </p:cxnSp>
+      <p:cxnSp>
+        <p:nvCxnSpPr>
+          <p:cNvPr id="43" name="Straight Arrow Connector 42"/>
+          <p:cNvCxnSpPr>
+            <a:stCxn id="7" idx="0"/>
+            <a:endCxn id="13" idx="2"/>
+          </p:cNvCxnSpPr>
+          <p:nvPr/>
+        </p:nvCxnSpPr>
+        <p:spPr>
+          <a:xfrm flipV="1">
+            <a:off x="7120082" y="2657186"/>
+            <a:ext cx="4618" cy="381000"/>
+          </a:xfrm>
+          <a:prstGeom prst="straightConnector1">
+            <a:avLst/>
+          </a:prstGeom>
+          <a:ln w="25400">
+            <a:tailEnd type="triangle"/>
+          </a:ln>
+        </p:spPr>
+        <p:style>
+          <a:lnRef idx="1">
+            <a:schemeClr val="accent1"/>
+          </a:lnRef>
+          <a:fillRef idx="0">
+            <a:schemeClr val="accent1"/>
+          </a:fillRef>
+          <a:effectRef idx="0">
+            <a:schemeClr val="accent1"/>
+          </a:effectRef>
+          <a:fontRef idx="minor">
+            <a:schemeClr val="tx1"/>
+          </a:fontRef>
+        </p:style>
+      </p:cxnSp>
+      <p:cxnSp>
+        <p:nvCxnSpPr>
+          <p:cNvPr id="45" name="Straight Arrow Connector 44"/>
+          <p:cNvCxnSpPr>
+            <a:stCxn id="13" idx="0"/>
+            <a:endCxn id="19" idx="2"/>
+          </p:cNvCxnSpPr>
+          <p:nvPr/>
+        </p:nvCxnSpPr>
+        <p:spPr>
+          <a:xfrm flipH="1" flipV="1">
+            <a:off x="7120082" y="1719984"/>
+            <a:ext cx="4618" cy="403802"/>
+          </a:xfrm>
+          <a:prstGeom prst="straightConnector1">
+            <a:avLst/>
+          </a:prstGeom>
+          <a:ln w="25400">
+            <a:tailEnd type="triangle"/>
+          </a:ln>
+        </p:spPr>
+        <p:style>
+          <a:lnRef idx="1">
+            <a:schemeClr val="accent1"/>
+          </a:lnRef>
+          <a:fillRef idx="0">
+            <a:schemeClr val="accent1"/>
+          </a:fillRef>
+          <a:effectRef idx="0">
+            <a:schemeClr val="accent1"/>
+          </a:effectRef>
+          <a:fontRef idx="minor">
+            <a:schemeClr val="tx1"/>
+          </a:fontRef>
+        </p:style>
+      </p:cxnSp>
+      <p:cxnSp>
+        <p:nvCxnSpPr>
+          <p:cNvPr id="47" name="Straight Arrow Connector 46"/>
+          <p:cNvCxnSpPr>
+            <a:stCxn id="19" idx="0"/>
+            <a:endCxn id="31" idx="2"/>
+          </p:cNvCxnSpPr>
+          <p:nvPr/>
+        </p:nvCxnSpPr>
+        <p:spPr>
+          <a:xfrm flipV="1">
+            <a:off x="7120082" y="762000"/>
+            <a:ext cx="4618" cy="424584"/>
+          </a:xfrm>
+          <a:prstGeom prst="straightConnector1">
+            <a:avLst/>
+          </a:prstGeom>
+          <a:ln w="25400">
             <a:tailEnd type="triangle"/>
           </a:ln>
         </p:spPr>
@@ -11975,7 +13630,10 @@
           <a:prstGeom prst="straightConnector1">
             <a:avLst/>
           </a:prstGeom>
-          <a:ln>
+          <a:ln w="28575">
+            <a:solidFill>
+              <a:srgbClr val="FF0000"/>
+            </a:solidFill>
             <a:tailEnd type="triangle"/>
           </a:ln>
         </p:spPr>
@@ -12011,7 +13669,10 @@
           <a:prstGeom prst="straightConnector1">
             <a:avLst/>
           </a:prstGeom>
-          <a:ln>
+          <a:ln w="28575">
+            <a:solidFill>
+              <a:srgbClr val="FF0000"/>
+            </a:solidFill>
             <a:tailEnd type="triangle"/>
           </a:ln>
         </p:spPr>
@@ -12047,7 +13708,10 @@
           <a:prstGeom prst="straightConnector1">
             <a:avLst/>
           </a:prstGeom>
-          <a:ln>
+          <a:ln w="28575">
+            <a:solidFill>
+              <a:srgbClr val="FF0000"/>
+            </a:solidFill>
             <a:tailEnd type="triangle"/>
           </a:ln>
         </p:spPr>
@@ -12083,7 +13747,10 @@
           <a:prstGeom prst="straightConnector1">
             <a:avLst/>
           </a:prstGeom>
-          <a:ln>
+          <a:ln w="28575">
+            <a:solidFill>
+              <a:srgbClr val="FF0000"/>
+            </a:solidFill>
             <a:tailEnd type="triangle"/>
           </a:ln>
         </p:spPr>
@@ -12119,7 +13786,10 @@
           <a:prstGeom prst="straightConnector1">
             <a:avLst/>
           </a:prstGeom>
-          <a:ln>
+          <a:ln w="28575">
+            <a:solidFill>
+              <a:srgbClr val="FF0000"/>
+            </a:solidFill>
             <a:tailEnd type="triangle"/>
           </a:ln>
         </p:spPr>
@@ -12212,7 +13882,7 @@
     </p:spTree>
     <p:extLst>
       <p:ext uri="{BB962C8B-B14F-4D97-AF65-F5344CB8AC3E}">
-        <p14:creationId xmlns:p14="http://schemas.microsoft.com/office/powerpoint/2010/main" val="294220895"/>
+        <p14:creationId xmlns:p14="http://schemas.microsoft.com/office/powerpoint/2010/main" val="4074299455"/>
       </p:ext>
     </p:extLst>
   </p:cSld>

--- a/illustrations/illustrations.pptx
+++ b/illustrations/illustrations.pptx
@@ -14,9 +14,9 @@
     <p:sldId id="577" r:id="rId5"/>
     <p:sldId id="578" r:id="rId6"/>
     <p:sldId id="579" r:id="rId7"/>
-    <p:sldId id="580" r:id="rId8"/>
-    <p:sldId id="581" r:id="rId9"/>
-    <p:sldId id="582" r:id="rId10"/>
+    <p:sldId id="581" r:id="rId8"/>
+    <p:sldId id="582" r:id="rId9"/>
+    <p:sldId id="580" r:id="rId10"/>
   </p:sldIdLst>
   <p:sldSz cx="9144000" cy="6858000" type="screen4x3"/>
   <p:notesSz cx="6858000" cy="9144000"/>
@@ -9584,38 +9584,1086 @@
       </p:grpSpPr>
       <p:sp>
         <p:nvSpPr>
-          <p:cNvPr id="2" name="Slide Number Placeholder 1"/>
-          <p:cNvSpPr>
-            <a:spLocks noGrp="1"/>
-          </p:cNvSpPr>
-          <p:nvPr>
-            <p:ph type="sldNum" sz="quarter" idx="12"/>
-          </p:nvPr>
-        </p:nvSpPr>
-        <p:spPr/>
-        <p:txBody>
-          <a:bodyPr/>
-          <a:lstStyle/>
-          <a:p>
-            <a:fld id="{7C65DD3B-8E90-4815-956E-D18D24CB454B}" type="slidenum">
-              <a:rPr lang="en-US" smtClean="0"/>
-              <a:pPr/>
-              <a:t>7</a:t>
-            </a:fld>
-            <a:endParaRPr lang="en-US" dirty="0"/>
-          </a:p>
-        </p:txBody>
-      </p:sp>
-      <p:sp>
-        <p:nvSpPr>
           <p:cNvPr id="3" name="Rectangle 2"/>
           <p:cNvSpPr/>
           <p:nvPr/>
         </p:nvSpPr>
         <p:spPr>
           <a:xfrm>
-            <a:off x="3200400" y="609600"/>
-            <a:ext cx="1905000" cy="762000"/>
+            <a:off x="220518" y="3038186"/>
+            <a:ext cx="1600200" cy="533400"/>
+          </a:xfrm>
+          <a:prstGeom prst="rect">
+            <a:avLst/>
+          </a:prstGeom>
+        </p:spPr>
+        <p:style>
+          <a:lnRef idx="2">
+            <a:schemeClr val="accent3">
+              <a:shade val="50000"/>
+            </a:schemeClr>
+          </a:lnRef>
+          <a:fillRef idx="1">
+            <a:schemeClr val="accent3"/>
+          </a:fillRef>
+          <a:effectRef idx="0">
+            <a:schemeClr val="accent3"/>
+          </a:effectRef>
+          <a:fontRef idx="minor">
+            <a:schemeClr val="lt1"/>
+          </a:fontRef>
+        </p:style>
+        <p:txBody>
+          <a:bodyPr rtlCol="0" anchor="ctr"/>
+          <a:lstStyle/>
+          <a:p>
+            <a:pPr algn="ctr"/>
+            <a:r>
+              <a:rPr lang="en-US" dirty="0" smtClean="0"/>
+              <a:t>CALL CENTER 1</a:t>
+            </a:r>
+            <a:endParaRPr lang="en-US" dirty="0"/>
+          </a:p>
+        </p:txBody>
+      </p:sp>
+      <p:sp>
+        <p:nvSpPr>
+          <p:cNvPr id="4" name="Rectangle 3"/>
+          <p:cNvSpPr/>
+          <p:nvPr/>
+        </p:nvSpPr>
+        <p:spPr>
+          <a:xfrm>
+            <a:off x="2738582" y="3038186"/>
+            <a:ext cx="990600" cy="533400"/>
+          </a:xfrm>
+          <a:prstGeom prst="rect">
+            <a:avLst/>
+          </a:prstGeom>
+        </p:spPr>
+        <p:style>
+          <a:lnRef idx="2">
+            <a:schemeClr val="accent3">
+              <a:shade val="50000"/>
+            </a:schemeClr>
+          </a:lnRef>
+          <a:fillRef idx="1">
+            <a:schemeClr val="accent3"/>
+          </a:fillRef>
+          <a:effectRef idx="0">
+            <a:schemeClr val="accent3"/>
+          </a:effectRef>
+          <a:fontRef idx="minor">
+            <a:schemeClr val="lt1"/>
+          </a:fontRef>
+        </p:style>
+        <p:txBody>
+          <a:bodyPr rtlCol="0" anchor="ctr"/>
+          <a:lstStyle/>
+          <a:p>
+            <a:pPr algn="ctr"/>
+            <a:r>
+              <a:rPr lang="en-US" dirty="0" smtClean="0"/>
+              <a:t>1/2016</a:t>
+            </a:r>
+            <a:endParaRPr lang="en-US" dirty="0"/>
+          </a:p>
+        </p:txBody>
+      </p:sp>
+      <p:sp>
+        <p:nvSpPr>
+          <p:cNvPr id="5" name="Rectangle 4"/>
+          <p:cNvSpPr/>
+          <p:nvPr/>
+        </p:nvSpPr>
+        <p:spPr>
+          <a:xfrm>
+            <a:off x="4033982" y="3038186"/>
+            <a:ext cx="990600" cy="533400"/>
+          </a:xfrm>
+          <a:prstGeom prst="rect">
+            <a:avLst/>
+          </a:prstGeom>
+        </p:spPr>
+        <p:style>
+          <a:lnRef idx="2">
+            <a:schemeClr val="accent3">
+              <a:shade val="50000"/>
+            </a:schemeClr>
+          </a:lnRef>
+          <a:fillRef idx="1">
+            <a:schemeClr val="accent3"/>
+          </a:fillRef>
+          <a:effectRef idx="0">
+            <a:schemeClr val="accent3"/>
+          </a:effectRef>
+          <a:fontRef idx="minor">
+            <a:schemeClr val="lt1"/>
+          </a:fontRef>
+        </p:style>
+        <p:txBody>
+          <a:bodyPr rtlCol="0" anchor="ctr"/>
+          <a:lstStyle/>
+          <a:p>
+            <a:pPr algn="ctr"/>
+            <a:r>
+              <a:rPr lang="en-US" dirty="0"/>
+              <a:t>2</a:t>
+            </a:r>
+            <a:r>
+              <a:rPr lang="en-US" dirty="0" smtClean="0"/>
+              <a:t>/2016</a:t>
+            </a:r>
+            <a:endParaRPr lang="en-US" dirty="0"/>
+          </a:p>
+        </p:txBody>
+      </p:sp>
+      <p:sp>
+        <p:nvSpPr>
+          <p:cNvPr id="6" name="Rectangle 5"/>
+          <p:cNvSpPr/>
+          <p:nvPr/>
+        </p:nvSpPr>
+        <p:spPr>
+          <a:xfrm>
+            <a:off x="5329382" y="3038186"/>
+            <a:ext cx="990600" cy="533400"/>
+          </a:xfrm>
+          <a:prstGeom prst="rect">
+            <a:avLst/>
+          </a:prstGeom>
+        </p:spPr>
+        <p:style>
+          <a:lnRef idx="2">
+            <a:schemeClr val="accent3">
+              <a:shade val="50000"/>
+            </a:schemeClr>
+          </a:lnRef>
+          <a:fillRef idx="1">
+            <a:schemeClr val="accent3"/>
+          </a:fillRef>
+          <a:effectRef idx="0">
+            <a:schemeClr val="accent3"/>
+          </a:effectRef>
+          <a:fontRef idx="minor">
+            <a:schemeClr val="lt1"/>
+          </a:fontRef>
+        </p:style>
+        <p:txBody>
+          <a:bodyPr rtlCol="0" anchor="ctr"/>
+          <a:lstStyle/>
+          <a:p>
+            <a:pPr algn="ctr"/>
+            <a:r>
+              <a:rPr lang="en-US" dirty="0" smtClean="0"/>
+              <a:t>3/2016</a:t>
+            </a:r>
+            <a:endParaRPr lang="en-US" dirty="0"/>
+          </a:p>
+        </p:txBody>
+      </p:sp>
+      <p:sp>
+        <p:nvSpPr>
+          <p:cNvPr id="7" name="Rectangle 6"/>
+          <p:cNvSpPr/>
+          <p:nvPr/>
+        </p:nvSpPr>
+        <p:spPr>
+          <a:xfrm>
+            <a:off x="6624782" y="3038186"/>
+            <a:ext cx="990600" cy="533400"/>
+          </a:xfrm>
+          <a:prstGeom prst="rect">
+            <a:avLst/>
+          </a:prstGeom>
+        </p:spPr>
+        <p:style>
+          <a:lnRef idx="2">
+            <a:schemeClr val="accent3">
+              <a:shade val="50000"/>
+            </a:schemeClr>
+          </a:lnRef>
+          <a:fillRef idx="1">
+            <a:schemeClr val="accent3"/>
+          </a:fillRef>
+          <a:effectRef idx="0">
+            <a:schemeClr val="accent3"/>
+          </a:effectRef>
+          <a:fontRef idx="minor">
+            <a:schemeClr val="lt1"/>
+          </a:fontRef>
+        </p:style>
+        <p:txBody>
+          <a:bodyPr rtlCol="0" anchor="ctr"/>
+          <a:lstStyle/>
+          <a:p>
+            <a:pPr algn="ctr"/>
+            <a:r>
+              <a:rPr lang="en-US" dirty="0" smtClean="0"/>
+              <a:t>4/2016</a:t>
+            </a:r>
+            <a:endParaRPr lang="en-US" dirty="0"/>
+          </a:p>
+        </p:txBody>
+      </p:sp>
+      <p:sp>
+        <p:nvSpPr>
+          <p:cNvPr id="8" name="Rectangle 7"/>
+          <p:cNvSpPr/>
+          <p:nvPr/>
+        </p:nvSpPr>
+        <p:spPr>
+          <a:xfrm>
+            <a:off x="7916718" y="3038186"/>
+            <a:ext cx="990600" cy="533400"/>
+          </a:xfrm>
+          <a:prstGeom prst="rect">
+            <a:avLst/>
+          </a:prstGeom>
+        </p:spPr>
+        <p:style>
+          <a:lnRef idx="2">
+            <a:schemeClr val="accent3">
+              <a:shade val="50000"/>
+            </a:schemeClr>
+          </a:lnRef>
+          <a:fillRef idx="1">
+            <a:schemeClr val="accent3"/>
+          </a:fillRef>
+          <a:effectRef idx="0">
+            <a:schemeClr val="accent3"/>
+          </a:effectRef>
+          <a:fontRef idx="minor">
+            <a:schemeClr val="lt1"/>
+          </a:fontRef>
+        </p:style>
+        <p:txBody>
+          <a:bodyPr rtlCol="0" anchor="ctr"/>
+          <a:lstStyle/>
+          <a:p>
+            <a:pPr algn="ctr"/>
+            <a:r>
+              <a:rPr lang="en-US" dirty="0" smtClean="0"/>
+              <a:t>5/2016</a:t>
+            </a:r>
+            <a:endParaRPr lang="en-US" dirty="0"/>
+          </a:p>
+        </p:txBody>
+      </p:sp>
+      <p:sp>
+        <p:nvSpPr>
+          <p:cNvPr id="9" name="Rectangle 8"/>
+          <p:cNvSpPr/>
+          <p:nvPr/>
+        </p:nvSpPr>
+        <p:spPr>
+          <a:xfrm>
+            <a:off x="225136" y="2123786"/>
+            <a:ext cx="1600200" cy="533400"/>
+          </a:xfrm>
+          <a:prstGeom prst="rect">
+            <a:avLst/>
+          </a:prstGeom>
+        </p:spPr>
+        <p:style>
+          <a:lnRef idx="2">
+            <a:schemeClr val="accent5">
+              <a:shade val="50000"/>
+            </a:schemeClr>
+          </a:lnRef>
+          <a:fillRef idx="1">
+            <a:schemeClr val="accent5"/>
+          </a:fillRef>
+          <a:effectRef idx="0">
+            <a:schemeClr val="accent5"/>
+          </a:effectRef>
+          <a:fontRef idx="minor">
+            <a:schemeClr val="lt1"/>
+          </a:fontRef>
+        </p:style>
+        <p:txBody>
+          <a:bodyPr rtlCol="0" anchor="ctr"/>
+          <a:lstStyle/>
+          <a:p>
+            <a:pPr algn="ctr"/>
+            <a:r>
+              <a:rPr lang="en-US" dirty="0" smtClean="0"/>
+              <a:t>COUNTRY 1</a:t>
+            </a:r>
+            <a:endParaRPr lang="en-US" dirty="0"/>
+          </a:p>
+        </p:txBody>
+      </p:sp>
+      <p:sp>
+        <p:nvSpPr>
+          <p:cNvPr id="10" name="Rectangle 9"/>
+          <p:cNvSpPr/>
+          <p:nvPr/>
+        </p:nvSpPr>
+        <p:spPr>
+          <a:xfrm>
+            <a:off x="2743200" y="2123786"/>
+            <a:ext cx="990600" cy="533400"/>
+          </a:xfrm>
+          <a:prstGeom prst="rect">
+            <a:avLst/>
+          </a:prstGeom>
+        </p:spPr>
+        <p:style>
+          <a:lnRef idx="2">
+            <a:schemeClr val="accent5">
+              <a:shade val="50000"/>
+            </a:schemeClr>
+          </a:lnRef>
+          <a:fillRef idx="1">
+            <a:schemeClr val="accent5"/>
+          </a:fillRef>
+          <a:effectRef idx="0">
+            <a:schemeClr val="accent5"/>
+          </a:effectRef>
+          <a:fontRef idx="minor">
+            <a:schemeClr val="lt1"/>
+          </a:fontRef>
+        </p:style>
+        <p:txBody>
+          <a:bodyPr rtlCol="0" anchor="ctr"/>
+          <a:lstStyle/>
+          <a:p>
+            <a:pPr algn="ctr"/>
+            <a:r>
+              <a:rPr lang="en-US" dirty="0" smtClean="0"/>
+              <a:t>1/2016</a:t>
+            </a:r>
+            <a:endParaRPr lang="en-US" dirty="0"/>
+          </a:p>
+        </p:txBody>
+      </p:sp>
+      <p:sp>
+        <p:nvSpPr>
+          <p:cNvPr id="11" name="Rectangle 10"/>
+          <p:cNvSpPr/>
+          <p:nvPr/>
+        </p:nvSpPr>
+        <p:spPr>
+          <a:xfrm>
+            <a:off x="4038600" y="2123786"/>
+            <a:ext cx="990600" cy="533400"/>
+          </a:xfrm>
+          <a:prstGeom prst="rect">
+            <a:avLst/>
+          </a:prstGeom>
+        </p:spPr>
+        <p:style>
+          <a:lnRef idx="2">
+            <a:schemeClr val="accent5">
+              <a:shade val="50000"/>
+            </a:schemeClr>
+          </a:lnRef>
+          <a:fillRef idx="1">
+            <a:schemeClr val="accent5"/>
+          </a:fillRef>
+          <a:effectRef idx="0">
+            <a:schemeClr val="accent5"/>
+          </a:effectRef>
+          <a:fontRef idx="minor">
+            <a:schemeClr val="lt1"/>
+          </a:fontRef>
+        </p:style>
+        <p:txBody>
+          <a:bodyPr rtlCol="0" anchor="ctr"/>
+          <a:lstStyle/>
+          <a:p>
+            <a:pPr algn="ctr"/>
+            <a:r>
+              <a:rPr lang="en-US" dirty="0"/>
+              <a:t>2</a:t>
+            </a:r>
+            <a:r>
+              <a:rPr lang="en-US" dirty="0" smtClean="0"/>
+              <a:t>/2016</a:t>
+            </a:r>
+            <a:endParaRPr lang="en-US" dirty="0"/>
+          </a:p>
+        </p:txBody>
+      </p:sp>
+      <p:sp>
+        <p:nvSpPr>
+          <p:cNvPr id="12" name="Rectangle 11"/>
+          <p:cNvSpPr/>
+          <p:nvPr/>
+        </p:nvSpPr>
+        <p:spPr>
+          <a:xfrm>
+            <a:off x="5334000" y="2123786"/>
+            <a:ext cx="990600" cy="533400"/>
+          </a:xfrm>
+          <a:prstGeom prst="rect">
+            <a:avLst/>
+          </a:prstGeom>
+        </p:spPr>
+        <p:style>
+          <a:lnRef idx="2">
+            <a:schemeClr val="accent5">
+              <a:shade val="50000"/>
+            </a:schemeClr>
+          </a:lnRef>
+          <a:fillRef idx="1">
+            <a:schemeClr val="accent5"/>
+          </a:fillRef>
+          <a:effectRef idx="0">
+            <a:schemeClr val="accent5"/>
+          </a:effectRef>
+          <a:fontRef idx="minor">
+            <a:schemeClr val="lt1"/>
+          </a:fontRef>
+        </p:style>
+        <p:txBody>
+          <a:bodyPr rtlCol="0" anchor="ctr"/>
+          <a:lstStyle/>
+          <a:p>
+            <a:pPr algn="ctr"/>
+            <a:r>
+              <a:rPr lang="en-US" dirty="0" smtClean="0"/>
+              <a:t>3/2016</a:t>
+            </a:r>
+            <a:endParaRPr lang="en-US" dirty="0"/>
+          </a:p>
+        </p:txBody>
+      </p:sp>
+      <p:sp>
+        <p:nvSpPr>
+          <p:cNvPr id="13" name="Rectangle 12"/>
+          <p:cNvSpPr/>
+          <p:nvPr/>
+        </p:nvSpPr>
+        <p:spPr>
+          <a:xfrm>
+            <a:off x="6629400" y="2123786"/>
+            <a:ext cx="990600" cy="533400"/>
+          </a:xfrm>
+          <a:prstGeom prst="rect">
+            <a:avLst/>
+          </a:prstGeom>
+        </p:spPr>
+        <p:style>
+          <a:lnRef idx="2">
+            <a:schemeClr val="accent5">
+              <a:shade val="50000"/>
+            </a:schemeClr>
+          </a:lnRef>
+          <a:fillRef idx="1">
+            <a:schemeClr val="accent5"/>
+          </a:fillRef>
+          <a:effectRef idx="0">
+            <a:schemeClr val="accent5"/>
+          </a:effectRef>
+          <a:fontRef idx="minor">
+            <a:schemeClr val="lt1"/>
+          </a:fontRef>
+        </p:style>
+        <p:txBody>
+          <a:bodyPr rtlCol="0" anchor="ctr"/>
+          <a:lstStyle/>
+          <a:p>
+            <a:pPr algn="ctr"/>
+            <a:r>
+              <a:rPr lang="en-US" dirty="0" smtClean="0"/>
+              <a:t>4/2016</a:t>
+            </a:r>
+            <a:endParaRPr lang="en-US" dirty="0"/>
+          </a:p>
+        </p:txBody>
+      </p:sp>
+      <p:sp>
+        <p:nvSpPr>
+          <p:cNvPr id="14" name="Rectangle 13"/>
+          <p:cNvSpPr/>
+          <p:nvPr/>
+        </p:nvSpPr>
+        <p:spPr>
+          <a:xfrm>
+            <a:off x="7921336" y="2123786"/>
+            <a:ext cx="990600" cy="533400"/>
+          </a:xfrm>
+          <a:prstGeom prst="rect">
+            <a:avLst/>
+          </a:prstGeom>
+        </p:spPr>
+        <p:style>
+          <a:lnRef idx="2">
+            <a:schemeClr val="accent5">
+              <a:shade val="50000"/>
+            </a:schemeClr>
+          </a:lnRef>
+          <a:fillRef idx="1">
+            <a:schemeClr val="accent5"/>
+          </a:fillRef>
+          <a:effectRef idx="0">
+            <a:schemeClr val="accent5"/>
+          </a:effectRef>
+          <a:fontRef idx="minor">
+            <a:schemeClr val="lt1"/>
+          </a:fontRef>
+        </p:style>
+        <p:txBody>
+          <a:bodyPr rtlCol="0" anchor="ctr"/>
+          <a:lstStyle/>
+          <a:p>
+            <a:pPr algn="ctr"/>
+            <a:r>
+              <a:rPr lang="en-US" dirty="0" smtClean="0"/>
+              <a:t>5/2016</a:t>
+            </a:r>
+            <a:endParaRPr lang="en-US" dirty="0"/>
+          </a:p>
+        </p:txBody>
+      </p:sp>
+      <p:sp>
+        <p:nvSpPr>
+          <p:cNvPr id="15" name="Rectangle 14"/>
+          <p:cNvSpPr/>
+          <p:nvPr/>
+        </p:nvSpPr>
+        <p:spPr>
+          <a:xfrm>
+            <a:off x="220518" y="1186584"/>
+            <a:ext cx="1600200" cy="533400"/>
+          </a:xfrm>
+          <a:prstGeom prst="rect">
+            <a:avLst/>
+          </a:prstGeom>
+        </p:spPr>
+        <p:style>
+          <a:lnRef idx="2">
+            <a:schemeClr val="accent6">
+              <a:shade val="50000"/>
+            </a:schemeClr>
+          </a:lnRef>
+          <a:fillRef idx="1">
+            <a:schemeClr val="accent6"/>
+          </a:fillRef>
+          <a:effectRef idx="0">
+            <a:schemeClr val="accent6"/>
+          </a:effectRef>
+          <a:fontRef idx="minor">
+            <a:schemeClr val="lt1"/>
+          </a:fontRef>
+        </p:style>
+        <p:txBody>
+          <a:bodyPr rtlCol="0" anchor="ctr"/>
+          <a:lstStyle/>
+          <a:p>
+            <a:pPr algn="ctr"/>
+            <a:r>
+              <a:rPr lang="en-US" dirty="0" smtClean="0"/>
+              <a:t>REGION 1</a:t>
+            </a:r>
+            <a:endParaRPr lang="en-US" dirty="0"/>
+          </a:p>
+        </p:txBody>
+      </p:sp>
+      <p:sp>
+        <p:nvSpPr>
+          <p:cNvPr id="16" name="Rectangle 15"/>
+          <p:cNvSpPr/>
+          <p:nvPr/>
+        </p:nvSpPr>
+        <p:spPr>
+          <a:xfrm>
+            <a:off x="2738582" y="1186584"/>
+            <a:ext cx="990600" cy="533400"/>
+          </a:xfrm>
+          <a:prstGeom prst="rect">
+            <a:avLst/>
+          </a:prstGeom>
+        </p:spPr>
+        <p:style>
+          <a:lnRef idx="2">
+            <a:schemeClr val="accent6">
+              <a:shade val="50000"/>
+            </a:schemeClr>
+          </a:lnRef>
+          <a:fillRef idx="1">
+            <a:schemeClr val="accent6"/>
+          </a:fillRef>
+          <a:effectRef idx="0">
+            <a:schemeClr val="accent6"/>
+          </a:effectRef>
+          <a:fontRef idx="minor">
+            <a:schemeClr val="lt1"/>
+          </a:fontRef>
+        </p:style>
+        <p:txBody>
+          <a:bodyPr rtlCol="0" anchor="ctr"/>
+          <a:lstStyle/>
+          <a:p>
+            <a:pPr algn="ctr"/>
+            <a:r>
+              <a:rPr lang="en-US" dirty="0" smtClean="0"/>
+              <a:t>1/2016</a:t>
+            </a:r>
+            <a:endParaRPr lang="en-US" dirty="0"/>
+          </a:p>
+        </p:txBody>
+      </p:sp>
+      <p:sp>
+        <p:nvSpPr>
+          <p:cNvPr id="17" name="Rectangle 16"/>
+          <p:cNvSpPr/>
+          <p:nvPr/>
+        </p:nvSpPr>
+        <p:spPr>
+          <a:xfrm>
+            <a:off x="4033982" y="1186584"/>
+            <a:ext cx="990600" cy="533400"/>
+          </a:xfrm>
+          <a:prstGeom prst="rect">
+            <a:avLst/>
+          </a:prstGeom>
+        </p:spPr>
+        <p:style>
+          <a:lnRef idx="2">
+            <a:schemeClr val="accent6">
+              <a:shade val="50000"/>
+            </a:schemeClr>
+          </a:lnRef>
+          <a:fillRef idx="1">
+            <a:schemeClr val="accent6"/>
+          </a:fillRef>
+          <a:effectRef idx="0">
+            <a:schemeClr val="accent6"/>
+          </a:effectRef>
+          <a:fontRef idx="minor">
+            <a:schemeClr val="lt1"/>
+          </a:fontRef>
+        </p:style>
+        <p:txBody>
+          <a:bodyPr rtlCol="0" anchor="ctr"/>
+          <a:lstStyle/>
+          <a:p>
+            <a:pPr algn="ctr"/>
+            <a:r>
+              <a:rPr lang="en-US" dirty="0"/>
+              <a:t>2</a:t>
+            </a:r>
+            <a:r>
+              <a:rPr lang="en-US" dirty="0" smtClean="0"/>
+              <a:t>/2016</a:t>
+            </a:r>
+            <a:endParaRPr lang="en-US" dirty="0"/>
+          </a:p>
+        </p:txBody>
+      </p:sp>
+      <p:sp>
+        <p:nvSpPr>
+          <p:cNvPr id="18" name="Rectangle 17"/>
+          <p:cNvSpPr/>
+          <p:nvPr/>
+        </p:nvSpPr>
+        <p:spPr>
+          <a:xfrm>
+            <a:off x="5329382" y="1186584"/>
+            <a:ext cx="990600" cy="533400"/>
+          </a:xfrm>
+          <a:prstGeom prst="rect">
+            <a:avLst/>
+          </a:prstGeom>
+        </p:spPr>
+        <p:style>
+          <a:lnRef idx="2">
+            <a:schemeClr val="accent6">
+              <a:shade val="50000"/>
+            </a:schemeClr>
+          </a:lnRef>
+          <a:fillRef idx="1">
+            <a:schemeClr val="accent6"/>
+          </a:fillRef>
+          <a:effectRef idx="0">
+            <a:schemeClr val="accent6"/>
+          </a:effectRef>
+          <a:fontRef idx="minor">
+            <a:schemeClr val="lt1"/>
+          </a:fontRef>
+        </p:style>
+        <p:txBody>
+          <a:bodyPr rtlCol="0" anchor="ctr"/>
+          <a:lstStyle/>
+          <a:p>
+            <a:pPr algn="ctr"/>
+            <a:r>
+              <a:rPr lang="en-US" dirty="0" smtClean="0"/>
+              <a:t>3/2016</a:t>
+            </a:r>
+            <a:endParaRPr lang="en-US" dirty="0"/>
+          </a:p>
+        </p:txBody>
+      </p:sp>
+      <p:sp>
+        <p:nvSpPr>
+          <p:cNvPr id="19" name="Rectangle 18"/>
+          <p:cNvSpPr/>
+          <p:nvPr/>
+        </p:nvSpPr>
+        <p:spPr>
+          <a:xfrm>
+            <a:off x="6624782" y="1186584"/>
+            <a:ext cx="990600" cy="533400"/>
+          </a:xfrm>
+          <a:prstGeom prst="rect">
+            <a:avLst/>
+          </a:prstGeom>
+        </p:spPr>
+        <p:style>
+          <a:lnRef idx="2">
+            <a:schemeClr val="accent6">
+              <a:shade val="50000"/>
+            </a:schemeClr>
+          </a:lnRef>
+          <a:fillRef idx="1">
+            <a:schemeClr val="accent6"/>
+          </a:fillRef>
+          <a:effectRef idx="0">
+            <a:schemeClr val="accent6"/>
+          </a:effectRef>
+          <a:fontRef idx="minor">
+            <a:schemeClr val="lt1"/>
+          </a:fontRef>
+        </p:style>
+        <p:txBody>
+          <a:bodyPr rtlCol="0" anchor="ctr"/>
+          <a:lstStyle/>
+          <a:p>
+            <a:pPr algn="ctr"/>
+            <a:r>
+              <a:rPr lang="en-US" dirty="0" smtClean="0"/>
+              <a:t>4/2016</a:t>
+            </a:r>
+            <a:endParaRPr lang="en-US" dirty="0"/>
+          </a:p>
+        </p:txBody>
+      </p:sp>
+      <p:sp>
+        <p:nvSpPr>
+          <p:cNvPr id="20" name="Rectangle 19"/>
+          <p:cNvSpPr/>
+          <p:nvPr/>
+        </p:nvSpPr>
+        <p:spPr>
+          <a:xfrm>
+            <a:off x="7916718" y="1186584"/>
+            <a:ext cx="990600" cy="533400"/>
+          </a:xfrm>
+          <a:prstGeom prst="rect">
+            <a:avLst/>
+          </a:prstGeom>
+        </p:spPr>
+        <p:style>
+          <a:lnRef idx="2">
+            <a:schemeClr val="accent6">
+              <a:shade val="50000"/>
+            </a:schemeClr>
+          </a:lnRef>
+          <a:fillRef idx="1">
+            <a:schemeClr val="accent6"/>
+          </a:fillRef>
+          <a:effectRef idx="0">
+            <a:schemeClr val="accent6"/>
+          </a:effectRef>
+          <a:fontRef idx="minor">
+            <a:schemeClr val="lt1"/>
+          </a:fontRef>
+        </p:style>
+        <p:txBody>
+          <a:bodyPr rtlCol="0" anchor="ctr"/>
+          <a:lstStyle/>
+          <a:p>
+            <a:pPr algn="ctr"/>
+            <a:r>
+              <a:rPr lang="en-US" dirty="0" smtClean="0"/>
+              <a:t>5/2016</a:t>
+            </a:r>
+            <a:endParaRPr lang="en-US" dirty="0"/>
+          </a:p>
+        </p:txBody>
+      </p:sp>
+      <p:sp>
+        <p:nvSpPr>
+          <p:cNvPr id="21" name="Rectangle 20"/>
+          <p:cNvSpPr/>
+          <p:nvPr/>
+        </p:nvSpPr>
+        <p:spPr>
+          <a:xfrm>
+            <a:off x="220518" y="3994150"/>
+            <a:ext cx="1600200" cy="533400"/>
+          </a:xfrm>
+          <a:prstGeom prst="rect">
+            <a:avLst/>
+          </a:prstGeom>
+        </p:spPr>
+        <p:style>
+          <a:lnRef idx="2">
+            <a:schemeClr val="accent2">
+              <a:shade val="50000"/>
+            </a:schemeClr>
+          </a:lnRef>
+          <a:fillRef idx="1">
+            <a:schemeClr val="accent2"/>
+          </a:fillRef>
+          <a:effectRef idx="0">
+            <a:schemeClr val="accent2"/>
+          </a:effectRef>
+          <a:fontRef idx="minor">
+            <a:schemeClr val="lt1"/>
+          </a:fontRef>
+        </p:style>
+        <p:txBody>
+          <a:bodyPr rtlCol="0" anchor="ctr"/>
+          <a:lstStyle/>
+          <a:p>
+            <a:pPr algn="ctr"/>
+            <a:r>
+              <a:rPr lang="en-US" dirty="0" smtClean="0"/>
+              <a:t>REVENUE UNIT 1</a:t>
+            </a:r>
+            <a:endParaRPr lang="en-US" dirty="0"/>
+          </a:p>
+        </p:txBody>
+      </p:sp>
+      <p:sp>
+        <p:nvSpPr>
+          <p:cNvPr id="22" name="Rectangle 21"/>
+          <p:cNvSpPr/>
+          <p:nvPr/>
+        </p:nvSpPr>
+        <p:spPr>
+          <a:xfrm>
+            <a:off x="2738582" y="3994150"/>
+            <a:ext cx="990600" cy="533400"/>
+          </a:xfrm>
+          <a:prstGeom prst="rect">
+            <a:avLst/>
+          </a:prstGeom>
+        </p:spPr>
+        <p:style>
+          <a:lnRef idx="2">
+            <a:schemeClr val="accent2">
+              <a:shade val="50000"/>
+            </a:schemeClr>
+          </a:lnRef>
+          <a:fillRef idx="1">
+            <a:schemeClr val="accent2"/>
+          </a:fillRef>
+          <a:effectRef idx="0">
+            <a:schemeClr val="accent2"/>
+          </a:effectRef>
+          <a:fontRef idx="minor">
+            <a:schemeClr val="lt1"/>
+          </a:fontRef>
+        </p:style>
+        <p:txBody>
+          <a:bodyPr rtlCol="0" anchor="ctr"/>
+          <a:lstStyle/>
+          <a:p>
+            <a:pPr algn="ctr"/>
+            <a:r>
+              <a:rPr lang="en-US" dirty="0" smtClean="0"/>
+              <a:t>1/2016</a:t>
+            </a:r>
+            <a:endParaRPr lang="en-US" dirty="0"/>
+          </a:p>
+        </p:txBody>
+      </p:sp>
+      <p:sp>
+        <p:nvSpPr>
+          <p:cNvPr id="23" name="Rectangle 22"/>
+          <p:cNvSpPr/>
+          <p:nvPr/>
+        </p:nvSpPr>
+        <p:spPr>
+          <a:xfrm>
+            <a:off x="4033982" y="3994150"/>
+            <a:ext cx="990600" cy="533400"/>
+          </a:xfrm>
+          <a:prstGeom prst="rect">
+            <a:avLst/>
+          </a:prstGeom>
+        </p:spPr>
+        <p:style>
+          <a:lnRef idx="2">
+            <a:schemeClr val="accent2">
+              <a:shade val="50000"/>
+            </a:schemeClr>
+          </a:lnRef>
+          <a:fillRef idx="1">
+            <a:schemeClr val="accent2"/>
+          </a:fillRef>
+          <a:effectRef idx="0">
+            <a:schemeClr val="accent2"/>
+          </a:effectRef>
+          <a:fontRef idx="minor">
+            <a:schemeClr val="lt1"/>
+          </a:fontRef>
+        </p:style>
+        <p:txBody>
+          <a:bodyPr rtlCol="0" anchor="ctr"/>
+          <a:lstStyle/>
+          <a:p>
+            <a:pPr algn="ctr"/>
+            <a:r>
+              <a:rPr lang="en-US" dirty="0"/>
+              <a:t>2</a:t>
+            </a:r>
+            <a:r>
+              <a:rPr lang="en-US" dirty="0" smtClean="0"/>
+              <a:t>/2016</a:t>
+            </a:r>
+            <a:endParaRPr lang="en-US" dirty="0"/>
+          </a:p>
+        </p:txBody>
+      </p:sp>
+      <p:sp>
+        <p:nvSpPr>
+          <p:cNvPr id="24" name="Rectangle 23"/>
+          <p:cNvSpPr/>
+          <p:nvPr/>
+        </p:nvSpPr>
+        <p:spPr>
+          <a:xfrm>
+            <a:off x="5329382" y="3994150"/>
+            <a:ext cx="990600" cy="533400"/>
+          </a:xfrm>
+          <a:prstGeom prst="rect">
+            <a:avLst/>
+          </a:prstGeom>
+        </p:spPr>
+        <p:style>
+          <a:lnRef idx="2">
+            <a:schemeClr val="accent2">
+              <a:shade val="50000"/>
+            </a:schemeClr>
+          </a:lnRef>
+          <a:fillRef idx="1">
+            <a:schemeClr val="accent2"/>
+          </a:fillRef>
+          <a:effectRef idx="0">
+            <a:schemeClr val="accent2"/>
+          </a:effectRef>
+          <a:fontRef idx="minor">
+            <a:schemeClr val="lt1"/>
+          </a:fontRef>
+        </p:style>
+        <p:txBody>
+          <a:bodyPr rtlCol="0" anchor="ctr"/>
+          <a:lstStyle/>
+          <a:p>
+            <a:pPr algn="ctr"/>
+            <a:r>
+              <a:rPr lang="en-US" dirty="0" smtClean="0"/>
+              <a:t>3/2016</a:t>
+            </a:r>
+            <a:endParaRPr lang="en-US" dirty="0"/>
+          </a:p>
+        </p:txBody>
+      </p:sp>
+      <p:sp>
+        <p:nvSpPr>
+          <p:cNvPr id="25" name="Rectangle 24"/>
+          <p:cNvSpPr/>
+          <p:nvPr/>
+        </p:nvSpPr>
+        <p:spPr>
+          <a:xfrm>
+            <a:off x="6624782" y="3994150"/>
+            <a:ext cx="990600" cy="533400"/>
+          </a:xfrm>
+          <a:prstGeom prst="rect">
+            <a:avLst/>
+          </a:prstGeom>
+        </p:spPr>
+        <p:style>
+          <a:lnRef idx="2">
+            <a:schemeClr val="accent2">
+              <a:shade val="50000"/>
+            </a:schemeClr>
+          </a:lnRef>
+          <a:fillRef idx="1">
+            <a:schemeClr val="accent2"/>
+          </a:fillRef>
+          <a:effectRef idx="0">
+            <a:schemeClr val="accent2"/>
+          </a:effectRef>
+          <a:fontRef idx="minor">
+            <a:schemeClr val="lt1"/>
+          </a:fontRef>
+        </p:style>
+        <p:txBody>
+          <a:bodyPr rtlCol="0" anchor="ctr"/>
+          <a:lstStyle/>
+          <a:p>
+            <a:pPr algn="ctr"/>
+            <a:r>
+              <a:rPr lang="en-US" dirty="0" smtClean="0"/>
+              <a:t>4/2016</a:t>
+            </a:r>
+            <a:endParaRPr lang="en-US" dirty="0"/>
+          </a:p>
+        </p:txBody>
+      </p:sp>
+      <p:sp>
+        <p:nvSpPr>
+          <p:cNvPr id="26" name="Rectangle 25"/>
+          <p:cNvSpPr/>
+          <p:nvPr/>
+        </p:nvSpPr>
+        <p:spPr>
+          <a:xfrm>
+            <a:off x="7916718" y="3994150"/>
+            <a:ext cx="990600" cy="533400"/>
+          </a:xfrm>
+          <a:prstGeom prst="rect">
+            <a:avLst/>
+          </a:prstGeom>
+        </p:spPr>
+        <p:style>
+          <a:lnRef idx="2">
+            <a:schemeClr val="accent2">
+              <a:shade val="50000"/>
+            </a:schemeClr>
+          </a:lnRef>
+          <a:fillRef idx="1">
+            <a:schemeClr val="accent2"/>
+          </a:fillRef>
+          <a:effectRef idx="0">
+            <a:schemeClr val="accent2"/>
+          </a:effectRef>
+          <a:fontRef idx="minor">
+            <a:schemeClr val="lt1"/>
+          </a:fontRef>
+        </p:style>
+        <p:txBody>
+          <a:bodyPr rtlCol="0" anchor="ctr"/>
+          <a:lstStyle/>
+          <a:p>
+            <a:pPr algn="ctr"/>
+            <a:r>
+              <a:rPr lang="en-US" dirty="0" smtClean="0"/>
+              <a:t>5/2016</a:t>
+            </a:r>
+            <a:endParaRPr lang="en-US" dirty="0"/>
+          </a:p>
+        </p:txBody>
+      </p:sp>
+      <p:sp>
+        <p:nvSpPr>
+          <p:cNvPr id="27" name="Rectangle 26"/>
+          <p:cNvSpPr/>
+          <p:nvPr/>
+        </p:nvSpPr>
+        <p:spPr>
+          <a:xfrm>
+            <a:off x="225136" y="228600"/>
+            <a:ext cx="1600200" cy="533400"/>
           </a:xfrm>
           <a:prstGeom prst="rect">
             <a:avLst/>
@@ -9644,22 +10692,22 @@
             <a:pPr algn="ctr"/>
             <a:r>
               <a:rPr lang="en-US" dirty="0" smtClean="0"/>
-              <a:t>API Gateway</a:t>
-            </a:r>
-            <a:endParaRPr lang="en-US" dirty="0"/>
-          </a:p>
-        </p:txBody>
-      </p:sp>
-      <p:sp>
-        <p:nvSpPr>
-          <p:cNvPr id="6" name="Rectangle 5"/>
+              <a:t>GLOBAL</a:t>
+            </a:r>
+            <a:endParaRPr lang="en-US" dirty="0"/>
+          </a:p>
+        </p:txBody>
+      </p:sp>
+      <p:sp>
+        <p:nvSpPr>
+          <p:cNvPr id="28" name="Rectangle 27"/>
           <p:cNvSpPr/>
           <p:nvPr/>
         </p:nvSpPr>
         <p:spPr>
           <a:xfrm>
-            <a:off x="1295400" y="1752600"/>
-            <a:ext cx="1905000" cy="762000"/>
+            <a:off x="2743200" y="228600"/>
+            <a:ext cx="990600" cy="533400"/>
           </a:xfrm>
           <a:prstGeom prst="rect">
             <a:avLst/>
@@ -9667,15 +10715,15 @@
         </p:spPr>
         <p:style>
           <a:lnRef idx="2">
-            <a:schemeClr val="accent3">
+            <a:schemeClr val="accent1">
               <a:shade val="50000"/>
             </a:schemeClr>
           </a:lnRef>
           <a:fillRef idx="1">
-            <a:schemeClr val="accent3"/>
-          </a:fillRef>
-          <a:effectRef idx="0">
-            <a:schemeClr val="accent3"/>
+            <a:schemeClr val="accent1"/>
+          </a:fillRef>
+          <a:effectRef idx="0">
+            <a:schemeClr val="accent1"/>
           </a:effectRef>
           <a:fontRef idx="minor">
             <a:schemeClr val="lt1"/>
@@ -9688,29 +10736,22 @@
             <a:pPr algn="ctr"/>
             <a:r>
               <a:rPr lang="en-US" dirty="0" smtClean="0"/>
-              <a:t>Entity Service</a:t>
-            </a:r>
-          </a:p>
-          <a:p>
-            <a:pPr algn="ctr"/>
-            <a:r>
-              <a:rPr lang="en-US" sz="1050" dirty="0" smtClean="0"/>
-              <a:t>Caching</a:t>
-            </a:r>
-            <a:endParaRPr lang="en-US" sz="1050" dirty="0"/>
-          </a:p>
-        </p:txBody>
-      </p:sp>
-      <p:sp>
-        <p:nvSpPr>
-          <p:cNvPr id="7" name="Rectangle 6"/>
+              <a:t>1/2016</a:t>
+            </a:r>
+            <a:endParaRPr lang="en-US" dirty="0"/>
+          </a:p>
+        </p:txBody>
+      </p:sp>
+      <p:sp>
+        <p:nvSpPr>
+          <p:cNvPr id="29" name="Rectangle 28"/>
           <p:cNvSpPr/>
           <p:nvPr/>
         </p:nvSpPr>
         <p:spPr>
           <a:xfrm>
-            <a:off x="5119255" y="1752600"/>
-            <a:ext cx="1905000" cy="762000"/>
+            <a:off x="4038600" y="228600"/>
+            <a:ext cx="990600" cy="533400"/>
           </a:xfrm>
           <a:prstGeom prst="rect">
             <a:avLst/>
@@ -9718,15 +10759,15 @@
         </p:spPr>
         <p:style>
           <a:lnRef idx="2">
-            <a:schemeClr val="accent3">
+            <a:schemeClr val="accent1">
               <a:shade val="50000"/>
             </a:schemeClr>
           </a:lnRef>
           <a:fillRef idx="1">
-            <a:schemeClr val="accent3"/>
-          </a:fillRef>
-          <a:effectRef idx="0">
-            <a:schemeClr val="accent3"/>
+            <a:schemeClr val="accent1"/>
+          </a:fillRef>
+          <a:effectRef idx="0">
+            <a:schemeClr val="accent1"/>
           </a:effectRef>
           <a:fontRef idx="minor">
             <a:schemeClr val="lt1"/>
@@ -9738,30 +10779,27 @@
           <a:p>
             <a:pPr algn="ctr"/>
             <a:r>
+              <a:rPr lang="en-US" dirty="0"/>
+              <a:t>2</a:t>
+            </a:r>
+            <a:r>
               <a:rPr lang="en-US" dirty="0" smtClean="0"/>
-              <a:t>Enqueuer Service</a:t>
-            </a:r>
-          </a:p>
-          <a:p>
-            <a:pPr algn="ctr"/>
-            <a:r>
-              <a:rPr lang="en-US" sz="1050" dirty="0" smtClean="0"/>
-              <a:t>Gatekeeper</a:t>
-            </a:r>
-            <a:endParaRPr lang="en-US" sz="1050" dirty="0"/>
-          </a:p>
-        </p:txBody>
-      </p:sp>
-      <p:sp>
-        <p:nvSpPr>
-          <p:cNvPr id="8" name="Rectangle 7"/>
+              <a:t>/2016</a:t>
+            </a:r>
+            <a:endParaRPr lang="en-US" dirty="0"/>
+          </a:p>
+        </p:txBody>
+      </p:sp>
+      <p:sp>
+        <p:nvSpPr>
+          <p:cNvPr id="30" name="Rectangle 29"/>
           <p:cNvSpPr/>
           <p:nvPr/>
         </p:nvSpPr>
         <p:spPr>
           <a:xfrm>
-            <a:off x="5424055" y="3505200"/>
-            <a:ext cx="1295400" cy="762000"/>
+            <a:off x="5334000" y="228600"/>
+            <a:ext cx="990600" cy="533400"/>
           </a:xfrm>
           <a:prstGeom prst="rect">
             <a:avLst/>
@@ -9769,15 +10807,15 @@
         </p:spPr>
         <p:style>
           <a:lnRef idx="2">
-            <a:schemeClr val="accent2">
+            <a:schemeClr val="accent1">
               <a:shade val="50000"/>
             </a:schemeClr>
           </a:lnRef>
           <a:fillRef idx="1">
-            <a:schemeClr val="accent2"/>
-          </a:fillRef>
-          <a:effectRef idx="0">
-            <a:schemeClr val="accent2"/>
+            <a:schemeClr val="accent1"/>
+          </a:fillRef>
+          <a:effectRef idx="0">
+            <a:schemeClr val="accent1"/>
           </a:effectRef>
           <a:fontRef idx="minor">
             <a:schemeClr val="lt1"/>
@@ -9790,29 +10828,22 @@
             <a:pPr algn="ctr"/>
             <a:r>
               <a:rPr lang="en-US" dirty="0" smtClean="0"/>
-              <a:t>Entity Actor</a:t>
-            </a:r>
-          </a:p>
-          <a:p>
-            <a:pPr algn="ctr"/>
-            <a:r>
-              <a:rPr lang="en-US" sz="1050" dirty="0" smtClean="0"/>
-              <a:t>Target</a:t>
-            </a:r>
-            <a:endParaRPr lang="en-US" sz="1050" dirty="0"/>
-          </a:p>
-        </p:txBody>
-      </p:sp>
-      <p:sp>
-        <p:nvSpPr>
-          <p:cNvPr id="9" name="Rectangle 8"/>
+              <a:t>3/2016</a:t>
+            </a:r>
+            <a:endParaRPr lang="en-US" dirty="0"/>
+          </a:p>
+        </p:txBody>
+      </p:sp>
+      <p:sp>
+        <p:nvSpPr>
+          <p:cNvPr id="31" name="Rectangle 30"/>
           <p:cNvSpPr/>
           <p:nvPr/>
         </p:nvSpPr>
         <p:spPr>
           <a:xfrm>
-            <a:off x="4128655" y="4648201"/>
-            <a:ext cx="1295400" cy="762000"/>
+            <a:off x="6629400" y="228600"/>
+            <a:ext cx="990600" cy="533400"/>
           </a:xfrm>
           <a:prstGeom prst="rect">
             <a:avLst/>
@@ -9820,15 +10851,15 @@
         </p:spPr>
         <p:style>
           <a:lnRef idx="2">
-            <a:schemeClr val="accent2">
+            <a:schemeClr val="accent1">
               <a:shade val="50000"/>
             </a:schemeClr>
           </a:lnRef>
           <a:fillRef idx="1">
-            <a:schemeClr val="accent2"/>
-          </a:fillRef>
-          <a:effectRef idx="0">
-            <a:schemeClr val="accent2"/>
+            <a:schemeClr val="accent1"/>
+          </a:fillRef>
+          <a:effectRef idx="0">
+            <a:schemeClr val="accent1"/>
           </a:effectRef>
           <a:fontRef idx="minor">
             <a:schemeClr val="lt1"/>
@@ -9841,29 +10872,22 @@
             <a:pPr algn="ctr"/>
             <a:r>
               <a:rPr lang="en-US" dirty="0" smtClean="0"/>
-              <a:t>Entity Actor</a:t>
-            </a:r>
-          </a:p>
-          <a:p>
-            <a:pPr algn="ctr"/>
-            <a:r>
-              <a:rPr lang="en-US" sz="1050" dirty="0" smtClean="0"/>
-              <a:t>Parent</a:t>
-            </a:r>
-            <a:endParaRPr lang="en-US" sz="1050" dirty="0"/>
-          </a:p>
-        </p:txBody>
-      </p:sp>
-      <p:sp>
-        <p:nvSpPr>
-          <p:cNvPr id="12" name="Rectangle 11"/>
+              <a:t>4/2016</a:t>
+            </a:r>
+            <a:endParaRPr lang="en-US" dirty="0"/>
+          </a:p>
+        </p:txBody>
+      </p:sp>
+      <p:sp>
+        <p:nvSpPr>
+          <p:cNvPr id="32" name="Rectangle 31"/>
           <p:cNvSpPr/>
           <p:nvPr/>
         </p:nvSpPr>
         <p:spPr>
           <a:xfrm>
-            <a:off x="6719455" y="4648201"/>
-            <a:ext cx="1295400" cy="762000"/>
+            <a:off x="7921336" y="228600"/>
+            <a:ext cx="990600" cy="533400"/>
           </a:xfrm>
           <a:prstGeom prst="rect">
             <a:avLst/>
@@ -9871,15 +10895,15 @@
         </p:spPr>
         <p:style>
           <a:lnRef idx="2">
-            <a:schemeClr val="accent2">
+            <a:schemeClr val="accent1">
               <a:shade val="50000"/>
             </a:schemeClr>
           </a:lnRef>
           <a:fillRef idx="1">
-            <a:schemeClr val="accent2"/>
-          </a:fillRef>
-          <a:effectRef idx="0">
-            <a:schemeClr val="accent2"/>
+            <a:schemeClr val="accent1"/>
+          </a:fillRef>
+          <a:effectRef idx="0">
+            <a:schemeClr val="accent1"/>
           </a:effectRef>
           <a:fontRef idx="minor">
             <a:schemeClr val="lt1"/>
@@ -9892,37 +10916,99 @@
             <a:pPr algn="ctr"/>
             <a:r>
               <a:rPr lang="en-US" dirty="0" smtClean="0"/>
-              <a:t>Entity Actor</a:t>
-            </a:r>
-          </a:p>
-          <a:p>
-            <a:pPr algn="ctr"/>
-            <a:r>
-              <a:rPr lang="en-US" sz="1050" dirty="0" smtClean="0"/>
-              <a:t>Peer</a:t>
-            </a:r>
-            <a:endParaRPr lang="en-US" sz="1050" dirty="0"/>
+              <a:t>5/2016</a:t>
+            </a:r>
+            <a:endParaRPr lang="en-US" dirty="0"/>
+          </a:p>
+        </p:txBody>
+      </p:sp>
+      <p:sp>
+        <p:nvSpPr>
+          <p:cNvPr id="38" name="Right Brace 37"/>
+          <p:cNvSpPr/>
+          <p:nvPr/>
+        </p:nvSpPr>
+        <p:spPr>
+          <a:xfrm rot="5400000">
+            <a:off x="4986482" y="2451388"/>
+            <a:ext cx="381000" cy="4876800"/>
+          </a:xfrm>
+          <a:prstGeom prst="rightBrace">
+            <a:avLst/>
+          </a:prstGeom>
+        </p:spPr>
+        <p:style>
+          <a:lnRef idx="1">
+            <a:schemeClr val="accent1"/>
+          </a:lnRef>
+          <a:fillRef idx="0">
+            <a:schemeClr val="accent1"/>
+          </a:fillRef>
+          <a:effectRef idx="0">
+            <a:schemeClr val="accent1"/>
+          </a:effectRef>
+          <a:fontRef idx="minor">
+            <a:schemeClr val="tx1"/>
+          </a:fontRef>
+        </p:style>
+        <p:txBody>
+          <a:bodyPr rtlCol="0" anchor="ctr"/>
+          <a:lstStyle/>
+          <a:p>
+            <a:pPr algn="ctr"/>
+            <a:endParaRPr lang="en-US"/>
+          </a:p>
+        </p:txBody>
+      </p:sp>
+      <p:sp>
+        <p:nvSpPr>
+          <p:cNvPr id="39" name="TextBox 38"/>
+          <p:cNvSpPr txBox="1"/>
+          <p:nvPr/>
+        </p:nvSpPr>
+        <p:spPr>
+          <a:xfrm>
+            <a:off x="2738582" y="5080289"/>
+            <a:ext cx="4876800" cy="369332"/>
+          </a:xfrm>
+          <a:prstGeom prst="rect">
+            <a:avLst/>
+          </a:prstGeom>
+          <a:noFill/>
+        </p:spPr>
+        <p:txBody>
+          <a:bodyPr wrap="square" rtlCol="0">
+            <a:spAutoFit/>
+          </a:bodyPr>
+          <a:lstStyle/>
+          <a:p>
+            <a:pPr algn="ctr"/>
+            <a:r>
+              <a:rPr lang="en-US" dirty="0" smtClean="0"/>
+              <a:t>quarter &amp; year weeks </a:t>
+            </a:r>
+            <a:endParaRPr lang="en-US" dirty="0"/>
           </a:p>
         </p:txBody>
       </p:sp>
       <p:cxnSp>
         <p:nvCxnSpPr>
-          <p:cNvPr id="14" name="Curved Connector 13"/>
+          <p:cNvPr id="41" name="Straight Arrow Connector 40"/>
           <p:cNvCxnSpPr>
-            <a:stCxn id="8" idx="1"/>
-            <a:endCxn id="6" idx="2"/>
+            <a:stCxn id="25" idx="0"/>
+            <a:endCxn id="7" idx="2"/>
           </p:cNvCxnSpPr>
           <p:nvPr/>
         </p:nvCxnSpPr>
         <p:spPr>
-          <a:xfrm rot="10800000">
-            <a:off x="2247901" y="2514600"/>
-            <a:ext cx="3176155" cy="1371600"/>
-          </a:xfrm>
-          <a:prstGeom prst="curvedConnector2">
-            <a:avLst/>
-          </a:prstGeom>
-          <a:ln>
+          <a:xfrm flipV="1">
+            <a:off x="7120082" y="3571586"/>
+            <a:ext cx="0" cy="422564"/>
+          </a:xfrm>
+          <a:prstGeom prst="straightConnector1">
+            <a:avLst/>
+          </a:prstGeom>
+          <a:ln w="25400">
             <a:tailEnd type="triangle"/>
           </a:ln>
         </p:spPr>
@@ -9943,24 +11029,22 @@
       </p:cxnSp>
       <p:cxnSp>
         <p:nvCxnSpPr>
-          <p:cNvPr id="16" name="Curved Connector 15"/>
+          <p:cNvPr id="43" name="Straight Arrow Connector 42"/>
           <p:cNvCxnSpPr>
-            <a:stCxn id="8" idx="3"/>
-            <a:endCxn id="7" idx="3"/>
+            <a:stCxn id="7" idx="0"/>
+            <a:endCxn id="13" idx="2"/>
           </p:cNvCxnSpPr>
           <p:nvPr/>
         </p:nvCxnSpPr>
         <p:spPr>
           <a:xfrm flipV="1">
-            <a:off x="6719455" y="2133600"/>
-            <a:ext cx="304800" cy="1752600"/>
-          </a:xfrm>
-          <a:prstGeom prst="curvedConnector3">
-            <a:avLst>
-              <a:gd name="adj1" fmla="val 175000"/>
-            </a:avLst>
-          </a:prstGeom>
-          <a:ln>
+            <a:off x="7120082" y="2657186"/>
+            <a:ext cx="4618" cy="381000"/>
+          </a:xfrm>
+          <a:prstGeom prst="straightConnector1">
+            <a:avLst/>
+          </a:prstGeom>
+          <a:ln w="25400">
             <a:tailEnd type="triangle"/>
           </a:ln>
         </p:spPr>
@@ -9981,22 +11065,22 @@
       </p:cxnSp>
       <p:cxnSp>
         <p:nvCxnSpPr>
-          <p:cNvPr id="18" name="Curved Connector 17"/>
+          <p:cNvPr id="45" name="Straight Arrow Connector 44"/>
           <p:cNvCxnSpPr>
-            <a:stCxn id="8" idx="3"/>
-            <a:endCxn id="12" idx="0"/>
+            <a:stCxn id="13" idx="0"/>
+            <a:endCxn id="19" idx="2"/>
           </p:cNvCxnSpPr>
           <p:nvPr/>
         </p:nvCxnSpPr>
         <p:spPr>
-          <a:xfrm>
-            <a:off x="6719455" y="3886200"/>
-            <a:ext cx="647700" cy="762001"/>
-          </a:xfrm>
-          <a:prstGeom prst="curvedConnector2">
-            <a:avLst/>
-          </a:prstGeom>
-          <a:ln>
+          <a:xfrm flipH="1" flipV="1">
+            <a:off x="7120082" y="1719984"/>
+            <a:ext cx="4618" cy="403802"/>
+          </a:xfrm>
+          <a:prstGeom prst="straightConnector1">
+            <a:avLst/>
+          </a:prstGeom>
+          <a:ln w="25400">
             <a:tailEnd type="triangle"/>
           </a:ln>
         </p:spPr>
@@ -10017,22 +11101,22 @@
       </p:cxnSp>
       <p:cxnSp>
         <p:nvCxnSpPr>
-          <p:cNvPr id="20" name="Curved Connector 19"/>
+          <p:cNvPr id="47" name="Straight Arrow Connector 46"/>
           <p:cNvCxnSpPr>
-            <a:stCxn id="8" idx="1"/>
-            <a:endCxn id="9" idx="0"/>
+            <a:stCxn id="19" idx="0"/>
+            <a:endCxn id="31" idx="2"/>
           </p:cNvCxnSpPr>
           <p:nvPr/>
         </p:nvCxnSpPr>
         <p:spPr>
-          <a:xfrm rot="10800000" flipV="1">
-            <a:off x="4776355" y="3886199"/>
-            <a:ext cx="647700" cy="762001"/>
-          </a:xfrm>
-          <a:prstGeom prst="curvedConnector2">
-            <a:avLst/>
-          </a:prstGeom>
-          <a:ln>
+          <a:xfrm flipV="1">
+            <a:off x="7120082" y="762000"/>
+            <a:ext cx="4618" cy="424584"/>
+          </a:xfrm>
+          <a:prstGeom prst="straightConnector1">
+            <a:avLst/>
+          </a:prstGeom>
+          <a:ln w="25400">
             <a:tailEnd type="triangle"/>
           </a:ln>
         </p:spPr>
@@ -10051,126 +11135,56 @@
           </a:fontRef>
         </p:style>
       </p:cxnSp>
-      <p:cxnSp>
-        <p:nvCxnSpPr>
-          <p:cNvPr id="22" name="Elbow Connector 21"/>
-          <p:cNvCxnSpPr>
-            <a:stCxn id="3" idx="3"/>
-            <a:endCxn id="7" idx="0"/>
-          </p:cNvCxnSpPr>
-          <p:nvPr/>
-        </p:nvCxnSpPr>
-        <p:spPr>
-          <a:xfrm>
-            <a:off x="5105400" y="990600"/>
-            <a:ext cx="966355" cy="762000"/>
-          </a:xfrm>
-          <a:prstGeom prst="bentConnector2">
-            <a:avLst/>
-          </a:prstGeom>
-          <a:ln>
-            <a:headEnd type="none"/>
-            <a:tailEnd type="triangle"/>
-          </a:ln>
-        </p:spPr>
-        <p:style>
-          <a:lnRef idx="1">
-            <a:schemeClr val="accent1"/>
-          </a:lnRef>
-          <a:fillRef idx="0">
-            <a:schemeClr val="accent1"/>
-          </a:fillRef>
-          <a:effectRef idx="0">
-            <a:schemeClr val="accent1"/>
-          </a:effectRef>
-          <a:fontRef idx="minor">
-            <a:schemeClr val="tx1"/>
-          </a:fontRef>
-        </p:style>
-      </p:cxnSp>
-      <p:cxnSp>
-        <p:nvCxnSpPr>
-          <p:cNvPr id="24" name="Elbow Connector 23"/>
-          <p:cNvCxnSpPr>
-            <a:stCxn id="3" idx="1"/>
-            <a:endCxn id="6" idx="0"/>
-          </p:cNvCxnSpPr>
-          <p:nvPr/>
-        </p:nvCxnSpPr>
-        <p:spPr>
-          <a:xfrm rot="10800000" flipV="1">
-            <a:off x="2247900" y="990600"/>
-            <a:ext cx="952500" cy="762000"/>
-          </a:xfrm>
-          <a:prstGeom prst="bentConnector2">
-            <a:avLst/>
-          </a:prstGeom>
-          <a:ln>
-            <a:headEnd type="triangle" w="med" len="sm"/>
-            <a:tailEnd type="none"/>
-          </a:ln>
-        </p:spPr>
-        <p:style>
-          <a:lnRef idx="1">
-            <a:schemeClr val="accent1"/>
-          </a:lnRef>
-          <a:fillRef idx="0">
-            <a:schemeClr val="accent1"/>
-          </a:fillRef>
-          <a:effectRef idx="0">
-            <a:schemeClr val="accent1"/>
-          </a:effectRef>
-          <a:fontRef idx="minor">
-            <a:schemeClr val="tx1"/>
-          </a:fontRef>
-        </p:style>
-      </p:cxnSp>
-      <p:cxnSp>
-        <p:nvCxnSpPr>
-          <p:cNvPr id="26" name="Straight Arrow Connector 25"/>
-          <p:cNvCxnSpPr>
-            <a:stCxn id="7" idx="2"/>
-            <a:endCxn id="8" idx="0"/>
-          </p:cNvCxnSpPr>
-          <p:nvPr/>
-        </p:nvCxnSpPr>
-        <p:spPr>
-          <a:xfrm>
-            <a:off x="6071755" y="2514600"/>
-            <a:ext cx="0" cy="990600"/>
-          </a:xfrm>
-          <a:prstGeom prst="straightConnector1">
-            <a:avLst/>
-          </a:prstGeom>
-          <a:ln>
-            <a:tailEnd type="triangle"/>
-          </a:ln>
-        </p:spPr>
-        <p:style>
-          <a:lnRef idx="1">
-            <a:schemeClr val="accent1"/>
-          </a:lnRef>
-          <a:fillRef idx="0">
-            <a:schemeClr val="accent1"/>
-          </a:fillRef>
-          <a:effectRef idx="0">
-            <a:schemeClr val="accent1"/>
-          </a:effectRef>
-          <a:fontRef idx="minor">
-            <a:schemeClr val="tx1"/>
-          </a:fontRef>
-        </p:style>
-      </p:cxnSp>
-      <p:sp>
-        <p:nvSpPr>
-          <p:cNvPr id="28" name="TextBox 27"/>
+      <p:sp>
+        <p:nvSpPr>
+          <p:cNvPr id="59" name="Down Arrow 58"/>
+          <p:cNvSpPr/>
+          <p:nvPr/>
+        </p:nvSpPr>
+        <p:spPr>
+          <a:xfrm rot="10800000">
+            <a:off x="6934200" y="5257800"/>
+            <a:ext cx="457200" cy="609600"/>
+          </a:xfrm>
+          <a:prstGeom prst="downArrow">
+            <a:avLst/>
+          </a:prstGeom>
+        </p:spPr>
+        <p:style>
+          <a:lnRef idx="2">
+            <a:schemeClr val="dk1">
+              <a:shade val="50000"/>
+            </a:schemeClr>
+          </a:lnRef>
+          <a:fillRef idx="1">
+            <a:schemeClr val="dk1"/>
+          </a:fillRef>
+          <a:effectRef idx="0">
+            <a:schemeClr val="dk1"/>
+          </a:effectRef>
+          <a:fontRef idx="minor">
+            <a:schemeClr val="lt1"/>
+          </a:fontRef>
+        </p:style>
+        <p:txBody>
+          <a:bodyPr rtlCol="0" anchor="ctr"/>
+          <a:lstStyle/>
+          <a:p>
+            <a:pPr algn="ctr"/>
+            <a:endParaRPr lang="en-US"/>
+          </a:p>
+        </p:txBody>
+      </p:sp>
+      <p:sp>
+        <p:nvSpPr>
+          <p:cNvPr id="60" name="TextBox 59"/>
           <p:cNvSpPr txBox="1"/>
           <p:nvPr/>
         </p:nvSpPr>
         <p:spPr>
           <a:xfrm>
-            <a:off x="5593195" y="2794137"/>
-            <a:ext cx="990600" cy="276999"/>
+            <a:off x="6477000" y="5867400"/>
+            <a:ext cx="1371599" cy="369332"/>
           </a:xfrm>
           <a:prstGeom prst="rect">
             <a:avLst/>
@@ -10185,201 +11199,17 @@
           <a:p>
             <a:pPr algn="ctr"/>
             <a:r>
-              <a:rPr lang="en-US" sz="1200" dirty="0" smtClean="0"/>
-              <a:t>Reprocess</a:t>
-            </a:r>
-            <a:endParaRPr lang="en-US" sz="1200" dirty="0"/>
-          </a:p>
-        </p:txBody>
-      </p:sp>
-      <p:sp>
-        <p:nvSpPr>
-          <p:cNvPr id="29" name="TextBox 28"/>
-          <p:cNvSpPr txBox="1"/>
-          <p:nvPr/>
-        </p:nvSpPr>
-        <p:spPr>
-          <a:xfrm>
-            <a:off x="4396509" y="4109074"/>
-            <a:ext cx="990600" cy="276999"/>
-          </a:xfrm>
-          <a:prstGeom prst="rect">
-            <a:avLst/>
-          </a:prstGeom>
-          <a:noFill/>
-        </p:spPr>
-        <p:txBody>
-          <a:bodyPr wrap="square" rtlCol="0">
-            <a:spAutoFit/>
-          </a:bodyPr>
-          <a:lstStyle/>
-          <a:p>
-            <a:pPr algn="ctr"/>
-            <a:r>
-              <a:rPr lang="en-US" sz="1200" dirty="0" smtClean="0"/>
-              <a:t>Reprocess</a:t>
-            </a:r>
-            <a:endParaRPr lang="en-US" sz="1200" dirty="0"/>
-          </a:p>
-        </p:txBody>
-      </p:sp>
-      <p:sp>
-        <p:nvSpPr>
-          <p:cNvPr id="30" name="TextBox 29"/>
-          <p:cNvSpPr txBox="1"/>
-          <p:nvPr/>
-        </p:nvSpPr>
-        <p:spPr>
-          <a:xfrm>
-            <a:off x="6756401" y="4109073"/>
-            <a:ext cx="990600" cy="276999"/>
-          </a:xfrm>
-          <a:prstGeom prst="rect">
-            <a:avLst/>
-          </a:prstGeom>
-          <a:noFill/>
-        </p:spPr>
-        <p:txBody>
-          <a:bodyPr wrap="square" rtlCol="0">
-            <a:spAutoFit/>
-          </a:bodyPr>
-          <a:lstStyle/>
-          <a:p>
-            <a:pPr algn="ctr"/>
-            <a:r>
-              <a:rPr lang="en-US" sz="1200" dirty="0" smtClean="0"/>
-              <a:t>Reprocess</a:t>
-            </a:r>
-            <a:endParaRPr lang="en-US" sz="1200" dirty="0"/>
-          </a:p>
-        </p:txBody>
-      </p:sp>
-      <p:sp>
-        <p:nvSpPr>
-          <p:cNvPr id="31" name="TextBox 30"/>
-          <p:cNvSpPr txBox="1"/>
-          <p:nvPr/>
-        </p:nvSpPr>
-        <p:spPr>
-          <a:xfrm>
-            <a:off x="6782380" y="2796492"/>
-            <a:ext cx="990600" cy="276999"/>
-          </a:xfrm>
-          <a:prstGeom prst="rect">
-            <a:avLst/>
-          </a:prstGeom>
-          <a:noFill/>
-        </p:spPr>
-        <p:txBody>
-          <a:bodyPr wrap="square" rtlCol="0">
-            <a:spAutoFit/>
-          </a:bodyPr>
-          <a:lstStyle/>
-          <a:p>
-            <a:pPr algn="ctr"/>
-            <a:r>
-              <a:rPr lang="en-US" sz="1200" dirty="0" smtClean="0"/>
-              <a:t>Event</a:t>
-            </a:r>
-            <a:endParaRPr lang="en-US" sz="1200" dirty="0"/>
-          </a:p>
-        </p:txBody>
-      </p:sp>
-      <p:sp>
-        <p:nvSpPr>
-          <p:cNvPr id="32" name="TextBox 31"/>
-          <p:cNvSpPr txBox="1"/>
-          <p:nvPr/>
-        </p:nvSpPr>
-        <p:spPr>
-          <a:xfrm>
-            <a:off x="2908302" y="3380601"/>
-            <a:ext cx="990600" cy="276999"/>
-          </a:xfrm>
-          <a:prstGeom prst="rect">
-            <a:avLst/>
-          </a:prstGeom>
-          <a:noFill/>
-        </p:spPr>
-        <p:txBody>
-          <a:bodyPr wrap="square" rtlCol="0">
-            <a:spAutoFit/>
-          </a:bodyPr>
-          <a:lstStyle/>
-          <a:p>
-            <a:pPr algn="ctr"/>
-            <a:r>
-              <a:rPr lang="en-US" sz="1200" dirty="0" smtClean="0"/>
-              <a:t>Cache</a:t>
-            </a:r>
-            <a:endParaRPr lang="en-US" sz="1200" dirty="0"/>
-          </a:p>
-        </p:txBody>
-      </p:sp>
-      <p:sp>
-        <p:nvSpPr>
-          <p:cNvPr id="33" name="TextBox 32"/>
-          <p:cNvSpPr txBox="1"/>
-          <p:nvPr/>
-        </p:nvSpPr>
-        <p:spPr>
-          <a:xfrm>
-            <a:off x="5105400" y="685800"/>
-            <a:ext cx="2792845" cy="276999"/>
-          </a:xfrm>
-          <a:prstGeom prst="rect">
-            <a:avLst/>
-          </a:prstGeom>
-          <a:noFill/>
-        </p:spPr>
-        <p:txBody>
-          <a:bodyPr wrap="square" rtlCol="0">
-            <a:spAutoFit/>
-          </a:bodyPr>
-          <a:lstStyle/>
-          <a:p>
-            <a:r>
-              <a:rPr lang="en-US" sz="1200" dirty="0" smtClean="0"/>
-              <a:t>Reprocess Revenue Unit, Week and Year</a:t>
-            </a:r>
-            <a:endParaRPr lang="en-US" sz="1200" dirty="0"/>
-          </a:p>
-        </p:txBody>
-      </p:sp>
-      <p:sp>
-        <p:nvSpPr>
-          <p:cNvPr id="34" name="TextBox 33"/>
-          <p:cNvSpPr txBox="1"/>
-          <p:nvPr/>
-        </p:nvSpPr>
-        <p:spPr>
-          <a:xfrm>
-            <a:off x="152401" y="304800"/>
-            <a:ext cx="3048000" cy="646331"/>
-          </a:xfrm>
-          <a:prstGeom prst="rect">
-            <a:avLst/>
-          </a:prstGeom>
-          <a:noFill/>
-        </p:spPr>
-        <p:txBody>
-          <a:bodyPr wrap="square" rtlCol="0">
-            <a:spAutoFit/>
-          </a:bodyPr>
-          <a:lstStyle/>
-          <a:p>
-            <a:r>
-              <a:rPr lang="en-US" sz="1200" dirty="0" smtClean="0"/>
-              <a:t>Given week, year and entity, retrieve time slots measures for the entity and its immediate children</a:t>
-            </a:r>
-            <a:endParaRPr lang="en-US" sz="1200" dirty="0"/>
+              <a:rPr lang="en-US" dirty="0" smtClean="0"/>
+              <a:t>RE-PROCESS</a:t>
+            </a:r>
+            <a:endParaRPr lang="en-US" dirty="0"/>
           </a:p>
         </p:txBody>
       </p:sp>
     </p:spTree>
     <p:extLst>
       <p:ext uri="{BB962C8B-B14F-4D97-AF65-F5344CB8AC3E}">
-        <p14:creationId xmlns:p14="http://schemas.microsoft.com/office/powerpoint/2010/main" val="3481025242"/>
+        <p14:creationId xmlns:p14="http://schemas.microsoft.com/office/powerpoint/2010/main" val="294220895"/>
       </p:ext>
     </p:extLst>
   </p:cSld>
@@ -11959,6 +12789,201 @@
           </a:fontRef>
         </p:style>
       </p:cxnSp>
+      <p:cxnSp>
+        <p:nvCxnSpPr>
+          <p:cNvPr id="50" name="Straight Arrow Connector 49"/>
+          <p:cNvCxnSpPr>
+            <a:stCxn id="25" idx="3"/>
+            <a:endCxn id="26" idx="1"/>
+          </p:cNvCxnSpPr>
+          <p:nvPr/>
+        </p:nvCxnSpPr>
+        <p:spPr>
+          <a:xfrm>
+            <a:off x="7615382" y="4260850"/>
+            <a:ext cx="301336" cy="0"/>
+          </a:xfrm>
+          <a:prstGeom prst="straightConnector1">
+            <a:avLst/>
+          </a:prstGeom>
+          <a:ln w="28575">
+            <a:solidFill>
+              <a:srgbClr val="FF0000"/>
+            </a:solidFill>
+            <a:tailEnd type="triangle"/>
+          </a:ln>
+        </p:spPr>
+        <p:style>
+          <a:lnRef idx="1">
+            <a:schemeClr val="accent1"/>
+          </a:lnRef>
+          <a:fillRef idx="0">
+            <a:schemeClr val="accent1"/>
+          </a:fillRef>
+          <a:effectRef idx="0">
+            <a:schemeClr val="accent1"/>
+          </a:effectRef>
+          <a:fontRef idx="minor">
+            <a:schemeClr val="tx1"/>
+          </a:fontRef>
+        </p:style>
+      </p:cxnSp>
+      <p:cxnSp>
+        <p:nvCxnSpPr>
+          <p:cNvPr id="52" name="Straight Arrow Connector 51"/>
+          <p:cNvCxnSpPr>
+            <a:stCxn id="26" idx="0"/>
+            <a:endCxn id="8" idx="2"/>
+          </p:cNvCxnSpPr>
+          <p:nvPr/>
+        </p:nvCxnSpPr>
+        <p:spPr>
+          <a:xfrm flipV="1">
+            <a:off x="8412018" y="3571586"/>
+            <a:ext cx="0" cy="422564"/>
+          </a:xfrm>
+          <a:prstGeom prst="straightConnector1">
+            <a:avLst/>
+          </a:prstGeom>
+          <a:ln w="28575">
+            <a:solidFill>
+              <a:srgbClr val="FF0000"/>
+            </a:solidFill>
+            <a:tailEnd type="triangle"/>
+          </a:ln>
+        </p:spPr>
+        <p:style>
+          <a:lnRef idx="1">
+            <a:schemeClr val="accent1"/>
+          </a:lnRef>
+          <a:fillRef idx="0">
+            <a:schemeClr val="accent1"/>
+          </a:fillRef>
+          <a:effectRef idx="0">
+            <a:schemeClr val="accent1"/>
+          </a:effectRef>
+          <a:fontRef idx="minor">
+            <a:schemeClr val="tx1"/>
+          </a:fontRef>
+        </p:style>
+      </p:cxnSp>
+      <p:cxnSp>
+        <p:nvCxnSpPr>
+          <p:cNvPr id="54" name="Straight Arrow Connector 53"/>
+          <p:cNvCxnSpPr>
+            <a:stCxn id="8" idx="0"/>
+            <a:endCxn id="14" idx="2"/>
+          </p:cNvCxnSpPr>
+          <p:nvPr/>
+        </p:nvCxnSpPr>
+        <p:spPr>
+          <a:xfrm flipV="1">
+            <a:off x="8412018" y="2657186"/>
+            <a:ext cx="4618" cy="381000"/>
+          </a:xfrm>
+          <a:prstGeom prst="straightConnector1">
+            <a:avLst/>
+          </a:prstGeom>
+          <a:ln w="28575">
+            <a:solidFill>
+              <a:srgbClr val="FF0000"/>
+            </a:solidFill>
+            <a:tailEnd type="triangle"/>
+          </a:ln>
+        </p:spPr>
+        <p:style>
+          <a:lnRef idx="1">
+            <a:schemeClr val="accent1"/>
+          </a:lnRef>
+          <a:fillRef idx="0">
+            <a:schemeClr val="accent1"/>
+          </a:fillRef>
+          <a:effectRef idx="0">
+            <a:schemeClr val="accent1"/>
+          </a:effectRef>
+          <a:fontRef idx="minor">
+            <a:schemeClr val="tx1"/>
+          </a:fontRef>
+        </p:style>
+      </p:cxnSp>
+      <p:cxnSp>
+        <p:nvCxnSpPr>
+          <p:cNvPr id="56" name="Straight Arrow Connector 55"/>
+          <p:cNvCxnSpPr>
+            <a:stCxn id="14" idx="0"/>
+            <a:endCxn id="20" idx="2"/>
+          </p:cNvCxnSpPr>
+          <p:nvPr/>
+        </p:nvCxnSpPr>
+        <p:spPr>
+          <a:xfrm flipH="1" flipV="1">
+            <a:off x="8412018" y="1719984"/>
+            <a:ext cx="4618" cy="403802"/>
+          </a:xfrm>
+          <a:prstGeom prst="straightConnector1">
+            <a:avLst/>
+          </a:prstGeom>
+          <a:ln w="28575">
+            <a:solidFill>
+              <a:srgbClr val="FF0000"/>
+            </a:solidFill>
+            <a:tailEnd type="triangle"/>
+          </a:ln>
+        </p:spPr>
+        <p:style>
+          <a:lnRef idx="1">
+            <a:schemeClr val="accent1"/>
+          </a:lnRef>
+          <a:fillRef idx="0">
+            <a:schemeClr val="accent1"/>
+          </a:fillRef>
+          <a:effectRef idx="0">
+            <a:schemeClr val="accent1"/>
+          </a:effectRef>
+          <a:fontRef idx="minor">
+            <a:schemeClr val="tx1"/>
+          </a:fontRef>
+        </p:style>
+      </p:cxnSp>
+      <p:cxnSp>
+        <p:nvCxnSpPr>
+          <p:cNvPr id="58" name="Straight Arrow Connector 57"/>
+          <p:cNvCxnSpPr>
+            <a:stCxn id="20" idx="0"/>
+            <a:endCxn id="32" idx="2"/>
+          </p:cNvCxnSpPr>
+          <p:nvPr/>
+        </p:nvCxnSpPr>
+        <p:spPr>
+          <a:xfrm flipV="1">
+            <a:off x="8412018" y="762000"/>
+            <a:ext cx="4618" cy="424584"/>
+          </a:xfrm>
+          <a:prstGeom prst="straightConnector1">
+            <a:avLst/>
+          </a:prstGeom>
+          <a:ln w="28575">
+            <a:solidFill>
+              <a:srgbClr val="FF0000"/>
+            </a:solidFill>
+            <a:tailEnd type="triangle"/>
+          </a:ln>
+        </p:spPr>
+        <p:style>
+          <a:lnRef idx="1">
+            <a:schemeClr val="accent1"/>
+          </a:lnRef>
+          <a:fillRef idx="0">
+            <a:schemeClr val="accent1"/>
+          </a:fillRef>
+          <a:effectRef idx="0">
+            <a:schemeClr val="accent1"/>
+          </a:effectRef>
+          <a:fontRef idx="minor">
+            <a:schemeClr val="tx1"/>
+          </a:fontRef>
+        </p:style>
+      </p:cxnSp>
       <p:sp>
         <p:nvSpPr>
           <p:cNvPr id="59" name="Down Arrow 58"/>
@@ -12033,7 +13058,7 @@
     </p:spTree>
     <p:extLst>
       <p:ext uri="{BB962C8B-B14F-4D97-AF65-F5344CB8AC3E}">
-        <p14:creationId xmlns:p14="http://schemas.microsoft.com/office/powerpoint/2010/main" val="294220895"/>
+        <p14:creationId xmlns:p14="http://schemas.microsoft.com/office/powerpoint/2010/main" val="4074299455"/>
       </p:ext>
     </p:extLst>
   </p:cSld>
@@ -12062,14 +13087,120 @@
       </p:grpSpPr>
       <p:sp>
         <p:nvSpPr>
+          <p:cNvPr id="10" name="Rectangle 9"/>
+          <p:cNvSpPr/>
+          <p:nvPr/>
+        </p:nvSpPr>
+        <p:spPr>
+          <a:xfrm>
+            <a:off x="152400" y="1357839"/>
+            <a:ext cx="8839200" cy="5363636"/>
+          </a:xfrm>
+          <a:prstGeom prst="rect">
+            <a:avLst/>
+          </a:prstGeom>
+        </p:spPr>
+        <p:style>
+          <a:lnRef idx="2">
+            <a:schemeClr val="accent1"/>
+          </a:lnRef>
+          <a:fillRef idx="1">
+            <a:schemeClr val="lt1"/>
+          </a:fillRef>
+          <a:effectRef idx="0">
+            <a:schemeClr val="accent1"/>
+          </a:effectRef>
+          <a:fontRef idx="minor">
+            <a:schemeClr val="dk1"/>
+          </a:fontRef>
+        </p:style>
+        <p:txBody>
+          <a:bodyPr rtlCol="0" anchor="ctr"/>
+          <a:lstStyle/>
+          <a:p>
+            <a:pPr algn="ctr"/>
+            <a:endParaRPr lang="en-US"/>
+          </a:p>
+        </p:txBody>
+      </p:sp>
+      <p:sp>
+        <p:nvSpPr>
+          <p:cNvPr id="2" name="Slide Number Placeholder 1"/>
+          <p:cNvSpPr>
+            <a:spLocks noGrp="1"/>
+          </p:cNvSpPr>
+          <p:nvPr>
+            <p:ph type="sldNum" sz="quarter" idx="12"/>
+          </p:nvPr>
+        </p:nvSpPr>
+        <p:spPr/>
+        <p:txBody>
+          <a:bodyPr/>
+          <a:lstStyle/>
+          <a:p>
+            <a:fld id="{7C65DD3B-8E90-4815-956E-D18D24CB454B}" type="slidenum">
+              <a:rPr lang="en-US" smtClean="0"/>
+              <a:pPr/>
+              <a:t>9</a:t>
+            </a:fld>
+            <a:endParaRPr lang="en-US" dirty="0"/>
+          </a:p>
+        </p:txBody>
+      </p:sp>
+      <p:sp>
+        <p:nvSpPr>
           <p:cNvPr id="3" name="Rectangle 2"/>
           <p:cNvSpPr/>
           <p:nvPr/>
         </p:nvSpPr>
         <p:spPr>
           <a:xfrm>
-            <a:off x="220518" y="3038186"/>
-            <a:ext cx="1600200" cy="533400"/>
+            <a:off x="3200400" y="1752599"/>
+            <a:ext cx="1905000" cy="762000"/>
+          </a:xfrm>
+          <a:prstGeom prst="rect">
+            <a:avLst/>
+          </a:prstGeom>
+        </p:spPr>
+        <p:style>
+          <a:lnRef idx="2">
+            <a:schemeClr val="accent1">
+              <a:shade val="50000"/>
+            </a:schemeClr>
+          </a:lnRef>
+          <a:fillRef idx="1">
+            <a:schemeClr val="accent1"/>
+          </a:fillRef>
+          <a:effectRef idx="0">
+            <a:schemeClr val="accent1"/>
+          </a:effectRef>
+          <a:fontRef idx="minor">
+            <a:schemeClr val="lt1"/>
+          </a:fontRef>
+        </p:style>
+        <p:txBody>
+          <a:bodyPr rtlCol="0" anchor="ctr"/>
+          <a:lstStyle/>
+          <a:p>
+            <a:pPr algn="ctr"/>
+            <a:r>
+              <a:rPr lang="en-US" dirty="0" smtClean="0"/>
+              <a:t>API Gateway</a:t>
+            </a:r>
+            <a:endParaRPr lang="en-US" dirty="0"/>
+          </a:p>
+        </p:txBody>
+      </p:sp>
+      <p:sp>
+        <p:nvSpPr>
+          <p:cNvPr id="6" name="Rectangle 5"/>
+          <p:cNvSpPr/>
+          <p:nvPr/>
+        </p:nvSpPr>
+        <p:spPr>
+          <a:xfrm>
+            <a:off x="1295400" y="2895599"/>
+            <a:ext cx="1905000" cy="762000"/>
           </a:xfrm>
           <a:prstGeom prst="rect">
             <a:avLst/>
@@ -12098,22 +13229,29 @@
             <a:pPr algn="ctr"/>
             <a:r>
               <a:rPr lang="en-US" dirty="0" smtClean="0"/>
-              <a:t>CALL CENTER 1</a:t>
-            </a:r>
-            <a:endParaRPr lang="en-US" dirty="0"/>
-          </a:p>
-        </p:txBody>
-      </p:sp>
-      <p:sp>
-        <p:nvSpPr>
-          <p:cNvPr id="4" name="Rectangle 3"/>
+              <a:t>Entity Service</a:t>
+            </a:r>
+          </a:p>
+          <a:p>
+            <a:pPr algn="ctr"/>
+            <a:r>
+              <a:rPr lang="en-US" sz="1050" dirty="0" smtClean="0"/>
+              <a:t>Caching</a:t>
+            </a:r>
+            <a:endParaRPr lang="en-US" sz="1050" dirty="0"/>
+          </a:p>
+        </p:txBody>
+      </p:sp>
+      <p:sp>
+        <p:nvSpPr>
+          <p:cNvPr id="7" name="Rectangle 6"/>
           <p:cNvSpPr/>
           <p:nvPr/>
         </p:nvSpPr>
         <p:spPr>
           <a:xfrm>
-            <a:off x="2738582" y="3038186"/>
-            <a:ext cx="990600" cy="533400"/>
+            <a:off x="5119255" y="2895599"/>
+            <a:ext cx="1905000" cy="762000"/>
           </a:xfrm>
           <a:prstGeom prst="rect">
             <a:avLst/>
@@ -12142,145 +13280,16 @@
             <a:pPr algn="ctr"/>
             <a:r>
               <a:rPr lang="en-US" dirty="0" smtClean="0"/>
-              <a:t>1/2016</a:t>
-            </a:r>
-            <a:endParaRPr lang="en-US" dirty="0"/>
-          </a:p>
-        </p:txBody>
-      </p:sp>
-      <p:sp>
-        <p:nvSpPr>
-          <p:cNvPr id="5" name="Rectangle 4"/>
-          <p:cNvSpPr/>
-          <p:nvPr/>
-        </p:nvSpPr>
-        <p:spPr>
-          <a:xfrm>
-            <a:off x="4033982" y="3038186"/>
-            <a:ext cx="990600" cy="533400"/>
-          </a:xfrm>
-          <a:prstGeom prst="rect">
-            <a:avLst/>
-          </a:prstGeom>
-        </p:spPr>
-        <p:style>
-          <a:lnRef idx="2">
-            <a:schemeClr val="accent3">
-              <a:shade val="50000"/>
-            </a:schemeClr>
-          </a:lnRef>
-          <a:fillRef idx="1">
-            <a:schemeClr val="accent3"/>
-          </a:fillRef>
-          <a:effectRef idx="0">
-            <a:schemeClr val="accent3"/>
-          </a:effectRef>
-          <a:fontRef idx="minor">
-            <a:schemeClr val="lt1"/>
-          </a:fontRef>
-        </p:style>
-        <p:txBody>
-          <a:bodyPr rtlCol="0" anchor="ctr"/>
-          <a:lstStyle/>
-          <a:p>
-            <a:pPr algn="ctr"/>
-            <a:r>
-              <a:rPr lang="en-US" dirty="0"/>
-              <a:t>2</a:t>
-            </a:r>
-            <a:r>
-              <a:rPr lang="en-US" dirty="0" smtClean="0"/>
-              <a:t>/2016</a:t>
-            </a:r>
-            <a:endParaRPr lang="en-US" dirty="0"/>
-          </a:p>
-        </p:txBody>
-      </p:sp>
-      <p:sp>
-        <p:nvSpPr>
-          <p:cNvPr id="6" name="Rectangle 5"/>
-          <p:cNvSpPr/>
-          <p:nvPr/>
-        </p:nvSpPr>
-        <p:spPr>
-          <a:xfrm>
-            <a:off x="5329382" y="3038186"/>
-            <a:ext cx="990600" cy="533400"/>
-          </a:xfrm>
-          <a:prstGeom prst="rect">
-            <a:avLst/>
-          </a:prstGeom>
-        </p:spPr>
-        <p:style>
-          <a:lnRef idx="2">
-            <a:schemeClr val="accent3">
-              <a:shade val="50000"/>
-            </a:schemeClr>
-          </a:lnRef>
-          <a:fillRef idx="1">
-            <a:schemeClr val="accent3"/>
-          </a:fillRef>
-          <a:effectRef idx="0">
-            <a:schemeClr val="accent3"/>
-          </a:effectRef>
-          <a:fontRef idx="minor">
-            <a:schemeClr val="lt1"/>
-          </a:fontRef>
-        </p:style>
-        <p:txBody>
-          <a:bodyPr rtlCol="0" anchor="ctr"/>
-          <a:lstStyle/>
-          <a:p>
-            <a:pPr algn="ctr"/>
-            <a:r>
-              <a:rPr lang="en-US" dirty="0" smtClean="0"/>
-              <a:t>3/2016</a:t>
-            </a:r>
-            <a:endParaRPr lang="en-US" dirty="0"/>
-          </a:p>
-        </p:txBody>
-      </p:sp>
-      <p:sp>
-        <p:nvSpPr>
-          <p:cNvPr id="7" name="Rectangle 6"/>
-          <p:cNvSpPr/>
-          <p:nvPr/>
-        </p:nvSpPr>
-        <p:spPr>
-          <a:xfrm>
-            <a:off x="6624782" y="3038186"/>
-            <a:ext cx="990600" cy="533400"/>
-          </a:xfrm>
-          <a:prstGeom prst="rect">
-            <a:avLst/>
-          </a:prstGeom>
-        </p:spPr>
-        <p:style>
-          <a:lnRef idx="2">
-            <a:schemeClr val="accent3">
-              <a:shade val="50000"/>
-            </a:schemeClr>
-          </a:lnRef>
-          <a:fillRef idx="1">
-            <a:schemeClr val="accent3"/>
-          </a:fillRef>
-          <a:effectRef idx="0">
-            <a:schemeClr val="accent3"/>
-          </a:effectRef>
-          <a:fontRef idx="minor">
-            <a:schemeClr val="lt1"/>
-          </a:fontRef>
-        </p:style>
-        <p:txBody>
-          <a:bodyPr rtlCol="0" anchor="ctr"/>
-          <a:lstStyle/>
-          <a:p>
-            <a:pPr algn="ctr"/>
-            <a:r>
-              <a:rPr lang="en-US" dirty="0" smtClean="0"/>
-              <a:t>4/2016</a:t>
-            </a:r>
-            <a:endParaRPr lang="en-US" dirty="0"/>
+              <a:t>Enqueuer Service</a:t>
+            </a:r>
+          </a:p>
+          <a:p>
+            <a:pPr algn="ctr"/>
+            <a:r>
+              <a:rPr lang="en-US" sz="1050" dirty="0" smtClean="0"/>
+              <a:t>Gatekeeper</a:t>
+            </a:r>
+            <a:endParaRPr lang="en-US" sz="1050" dirty="0"/>
           </a:p>
         </p:txBody>
       </p:sp>
@@ -12292,588 +13301,8 @@
         </p:nvSpPr>
         <p:spPr>
           <a:xfrm>
-            <a:off x="7916718" y="3038186"/>
-            <a:ext cx="990600" cy="533400"/>
-          </a:xfrm>
-          <a:prstGeom prst="rect">
-            <a:avLst/>
-          </a:prstGeom>
-        </p:spPr>
-        <p:style>
-          <a:lnRef idx="2">
-            <a:schemeClr val="accent3">
-              <a:shade val="50000"/>
-            </a:schemeClr>
-          </a:lnRef>
-          <a:fillRef idx="1">
-            <a:schemeClr val="accent3"/>
-          </a:fillRef>
-          <a:effectRef idx="0">
-            <a:schemeClr val="accent3"/>
-          </a:effectRef>
-          <a:fontRef idx="minor">
-            <a:schemeClr val="lt1"/>
-          </a:fontRef>
-        </p:style>
-        <p:txBody>
-          <a:bodyPr rtlCol="0" anchor="ctr"/>
-          <a:lstStyle/>
-          <a:p>
-            <a:pPr algn="ctr"/>
-            <a:r>
-              <a:rPr lang="en-US" dirty="0" smtClean="0"/>
-              <a:t>5/2016</a:t>
-            </a:r>
-            <a:endParaRPr lang="en-US" dirty="0"/>
-          </a:p>
-        </p:txBody>
-      </p:sp>
-      <p:sp>
-        <p:nvSpPr>
-          <p:cNvPr id="9" name="Rectangle 8"/>
-          <p:cNvSpPr/>
-          <p:nvPr/>
-        </p:nvSpPr>
-        <p:spPr>
-          <a:xfrm>
-            <a:off x="225136" y="2123786"/>
-            <a:ext cx="1600200" cy="533400"/>
-          </a:xfrm>
-          <a:prstGeom prst="rect">
-            <a:avLst/>
-          </a:prstGeom>
-        </p:spPr>
-        <p:style>
-          <a:lnRef idx="2">
-            <a:schemeClr val="accent5">
-              <a:shade val="50000"/>
-            </a:schemeClr>
-          </a:lnRef>
-          <a:fillRef idx="1">
-            <a:schemeClr val="accent5"/>
-          </a:fillRef>
-          <a:effectRef idx="0">
-            <a:schemeClr val="accent5"/>
-          </a:effectRef>
-          <a:fontRef idx="minor">
-            <a:schemeClr val="lt1"/>
-          </a:fontRef>
-        </p:style>
-        <p:txBody>
-          <a:bodyPr rtlCol="0" anchor="ctr"/>
-          <a:lstStyle/>
-          <a:p>
-            <a:pPr algn="ctr"/>
-            <a:r>
-              <a:rPr lang="en-US" dirty="0" smtClean="0"/>
-              <a:t>COUNTRY 1</a:t>
-            </a:r>
-            <a:endParaRPr lang="en-US" dirty="0"/>
-          </a:p>
-        </p:txBody>
-      </p:sp>
-      <p:sp>
-        <p:nvSpPr>
-          <p:cNvPr id="10" name="Rectangle 9"/>
-          <p:cNvSpPr/>
-          <p:nvPr/>
-        </p:nvSpPr>
-        <p:spPr>
-          <a:xfrm>
-            <a:off x="2743200" y="2123786"/>
-            <a:ext cx="990600" cy="533400"/>
-          </a:xfrm>
-          <a:prstGeom prst="rect">
-            <a:avLst/>
-          </a:prstGeom>
-        </p:spPr>
-        <p:style>
-          <a:lnRef idx="2">
-            <a:schemeClr val="accent5">
-              <a:shade val="50000"/>
-            </a:schemeClr>
-          </a:lnRef>
-          <a:fillRef idx="1">
-            <a:schemeClr val="accent5"/>
-          </a:fillRef>
-          <a:effectRef idx="0">
-            <a:schemeClr val="accent5"/>
-          </a:effectRef>
-          <a:fontRef idx="minor">
-            <a:schemeClr val="lt1"/>
-          </a:fontRef>
-        </p:style>
-        <p:txBody>
-          <a:bodyPr rtlCol="0" anchor="ctr"/>
-          <a:lstStyle/>
-          <a:p>
-            <a:pPr algn="ctr"/>
-            <a:r>
-              <a:rPr lang="en-US" dirty="0" smtClean="0"/>
-              <a:t>1/2016</a:t>
-            </a:r>
-            <a:endParaRPr lang="en-US" dirty="0"/>
-          </a:p>
-        </p:txBody>
-      </p:sp>
-      <p:sp>
-        <p:nvSpPr>
-          <p:cNvPr id="11" name="Rectangle 10"/>
-          <p:cNvSpPr/>
-          <p:nvPr/>
-        </p:nvSpPr>
-        <p:spPr>
-          <a:xfrm>
-            <a:off x="4038600" y="2123786"/>
-            <a:ext cx="990600" cy="533400"/>
-          </a:xfrm>
-          <a:prstGeom prst="rect">
-            <a:avLst/>
-          </a:prstGeom>
-        </p:spPr>
-        <p:style>
-          <a:lnRef idx="2">
-            <a:schemeClr val="accent5">
-              <a:shade val="50000"/>
-            </a:schemeClr>
-          </a:lnRef>
-          <a:fillRef idx="1">
-            <a:schemeClr val="accent5"/>
-          </a:fillRef>
-          <a:effectRef idx="0">
-            <a:schemeClr val="accent5"/>
-          </a:effectRef>
-          <a:fontRef idx="minor">
-            <a:schemeClr val="lt1"/>
-          </a:fontRef>
-        </p:style>
-        <p:txBody>
-          <a:bodyPr rtlCol="0" anchor="ctr"/>
-          <a:lstStyle/>
-          <a:p>
-            <a:pPr algn="ctr"/>
-            <a:r>
-              <a:rPr lang="en-US" dirty="0"/>
-              <a:t>2</a:t>
-            </a:r>
-            <a:r>
-              <a:rPr lang="en-US" dirty="0" smtClean="0"/>
-              <a:t>/2016</a:t>
-            </a:r>
-            <a:endParaRPr lang="en-US" dirty="0"/>
-          </a:p>
-        </p:txBody>
-      </p:sp>
-      <p:sp>
-        <p:nvSpPr>
-          <p:cNvPr id="12" name="Rectangle 11"/>
-          <p:cNvSpPr/>
-          <p:nvPr/>
-        </p:nvSpPr>
-        <p:spPr>
-          <a:xfrm>
-            <a:off x="5334000" y="2123786"/>
-            <a:ext cx="990600" cy="533400"/>
-          </a:xfrm>
-          <a:prstGeom prst="rect">
-            <a:avLst/>
-          </a:prstGeom>
-        </p:spPr>
-        <p:style>
-          <a:lnRef idx="2">
-            <a:schemeClr val="accent5">
-              <a:shade val="50000"/>
-            </a:schemeClr>
-          </a:lnRef>
-          <a:fillRef idx="1">
-            <a:schemeClr val="accent5"/>
-          </a:fillRef>
-          <a:effectRef idx="0">
-            <a:schemeClr val="accent5"/>
-          </a:effectRef>
-          <a:fontRef idx="minor">
-            <a:schemeClr val="lt1"/>
-          </a:fontRef>
-        </p:style>
-        <p:txBody>
-          <a:bodyPr rtlCol="0" anchor="ctr"/>
-          <a:lstStyle/>
-          <a:p>
-            <a:pPr algn="ctr"/>
-            <a:r>
-              <a:rPr lang="en-US" dirty="0" smtClean="0"/>
-              <a:t>3/2016</a:t>
-            </a:r>
-            <a:endParaRPr lang="en-US" dirty="0"/>
-          </a:p>
-        </p:txBody>
-      </p:sp>
-      <p:sp>
-        <p:nvSpPr>
-          <p:cNvPr id="13" name="Rectangle 12"/>
-          <p:cNvSpPr/>
-          <p:nvPr/>
-        </p:nvSpPr>
-        <p:spPr>
-          <a:xfrm>
-            <a:off x="6629400" y="2123786"/>
-            <a:ext cx="990600" cy="533400"/>
-          </a:xfrm>
-          <a:prstGeom prst="rect">
-            <a:avLst/>
-          </a:prstGeom>
-        </p:spPr>
-        <p:style>
-          <a:lnRef idx="2">
-            <a:schemeClr val="accent5">
-              <a:shade val="50000"/>
-            </a:schemeClr>
-          </a:lnRef>
-          <a:fillRef idx="1">
-            <a:schemeClr val="accent5"/>
-          </a:fillRef>
-          <a:effectRef idx="0">
-            <a:schemeClr val="accent5"/>
-          </a:effectRef>
-          <a:fontRef idx="minor">
-            <a:schemeClr val="lt1"/>
-          </a:fontRef>
-        </p:style>
-        <p:txBody>
-          <a:bodyPr rtlCol="0" anchor="ctr"/>
-          <a:lstStyle/>
-          <a:p>
-            <a:pPr algn="ctr"/>
-            <a:r>
-              <a:rPr lang="en-US" dirty="0" smtClean="0"/>
-              <a:t>4/2016</a:t>
-            </a:r>
-            <a:endParaRPr lang="en-US" dirty="0"/>
-          </a:p>
-        </p:txBody>
-      </p:sp>
-      <p:sp>
-        <p:nvSpPr>
-          <p:cNvPr id="14" name="Rectangle 13"/>
-          <p:cNvSpPr/>
-          <p:nvPr/>
-        </p:nvSpPr>
-        <p:spPr>
-          <a:xfrm>
-            <a:off x="7921336" y="2123786"/>
-            <a:ext cx="990600" cy="533400"/>
-          </a:xfrm>
-          <a:prstGeom prst="rect">
-            <a:avLst/>
-          </a:prstGeom>
-        </p:spPr>
-        <p:style>
-          <a:lnRef idx="2">
-            <a:schemeClr val="accent5">
-              <a:shade val="50000"/>
-            </a:schemeClr>
-          </a:lnRef>
-          <a:fillRef idx="1">
-            <a:schemeClr val="accent5"/>
-          </a:fillRef>
-          <a:effectRef idx="0">
-            <a:schemeClr val="accent5"/>
-          </a:effectRef>
-          <a:fontRef idx="minor">
-            <a:schemeClr val="lt1"/>
-          </a:fontRef>
-        </p:style>
-        <p:txBody>
-          <a:bodyPr rtlCol="0" anchor="ctr"/>
-          <a:lstStyle/>
-          <a:p>
-            <a:pPr algn="ctr"/>
-            <a:r>
-              <a:rPr lang="en-US" dirty="0" smtClean="0"/>
-              <a:t>5/2016</a:t>
-            </a:r>
-            <a:endParaRPr lang="en-US" dirty="0"/>
-          </a:p>
-        </p:txBody>
-      </p:sp>
-      <p:sp>
-        <p:nvSpPr>
-          <p:cNvPr id="15" name="Rectangle 14"/>
-          <p:cNvSpPr/>
-          <p:nvPr/>
-        </p:nvSpPr>
-        <p:spPr>
-          <a:xfrm>
-            <a:off x="220518" y="1186584"/>
-            <a:ext cx="1600200" cy="533400"/>
-          </a:xfrm>
-          <a:prstGeom prst="rect">
-            <a:avLst/>
-          </a:prstGeom>
-        </p:spPr>
-        <p:style>
-          <a:lnRef idx="2">
-            <a:schemeClr val="accent6">
-              <a:shade val="50000"/>
-            </a:schemeClr>
-          </a:lnRef>
-          <a:fillRef idx="1">
-            <a:schemeClr val="accent6"/>
-          </a:fillRef>
-          <a:effectRef idx="0">
-            <a:schemeClr val="accent6"/>
-          </a:effectRef>
-          <a:fontRef idx="minor">
-            <a:schemeClr val="lt1"/>
-          </a:fontRef>
-        </p:style>
-        <p:txBody>
-          <a:bodyPr rtlCol="0" anchor="ctr"/>
-          <a:lstStyle/>
-          <a:p>
-            <a:pPr algn="ctr"/>
-            <a:r>
-              <a:rPr lang="en-US" dirty="0" smtClean="0"/>
-              <a:t>REGION 1</a:t>
-            </a:r>
-            <a:endParaRPr lang="en-US" dirty="0"/>
-          </a:p>
-        </p:txBody>
-      </p:sp>
-      <p:sp>
-        <p:nvSpPr>
-          <p:cNvPr id="16" name="Rectangle 15"/>
-          <p:cNvSpPr/>
-          <p:nvPr/>
-        </p:nvSpPr>
-        <p:spPr>
-          <a:xfrm>
-            <a:off x="2738582" y="1186584"/>
-            <a:ext cx="990600" cy="533400"/>
-          </a:xfrm>
-          <a:prstGeom prst="rect">
-            <a:avLst/>
-          </a:prstGeom>
-        </p:spPr>
-        <p:style>
-          <a:lnRef idx="2">
-            <a:schemeClr val="accent6">
-              <a:shade val="50000"/>
-            </a:schemeClr>
-          </a:lnRef>
-          <a:fillRef idx="1">
-            <a:schemeClr val="accent6"/>
-          </a:fillRef>
-          <a:effectRef idx="0">
-            <a:schemeClr val="accent6"/>
-          </a:effectRef>
-          <a:fontRef idx="minor">
-            <a:schemeClr val="lt1"/>
-          </a:fontRef>
-        </p:style>
-        <p:txBody>
-          <a:bodyPr rtlCol="0" anchor="ctr"/>
-          <a:lstStyle/>
-          <a:p>
-            <a:pPr algn="ctr"/>
-            <a:r>
-              <a:rPr lang="en-US" dirty="0" smtClean="0"/>
-              <a:t>1/2016</a:t>
-            </a:r>
-            <a:endParaRPr lang="en-US" dirty="0"/>
-          </a:p>
-        </p:txBody>
-      </p:sp>
-      <p:sp>
-        <p:nvSpPr>
-          <p:cNvPr id="17" name="Rectangle 16"/>
-          <p:cNvSpPr/>
-          <p:nvPr/>
-        </p:nvSpPr>
-        <p:spPr>
-          <a:xfrm>
-            <a:off x="4033982" y="1186584"/>
-            <a:ext cx="990600" cy="533400"/>
-          </a:xfrm>
-          <a:prstGeom prst="rect">
-            <a:avLst/>
-          </a:prstGeom>
-        </p:spPr>
-        <p:style>
-          <a:lnRef idx="2">
-            <a:schemeClr val="accent6">
-              <a:shade val="50000"/>
-            </a:schemeClr>
-          </a:lnRef>
-          <a:fillRef idx="1">
-            <a:schemeClr val="accent6"/>
-          </a:fillRef>
-          <a:effectRef idx="0">
-            <a:schemeClr val="accent6"/>
-          </a:effectRef>
-          <a:fontRef idx="minor">
-            <a:schemeClr val="lt1"/>
-          </a:fontRef>
-        </p:style>
-        <p:txBody>
-          <a:bodyPr rtlCol="0" anchor="ctr"/>
-          <a:lstStyle/>
-          <a:p>
-            <a:pPr algn="ctr"/>
-            <a:r>
-              <a:rPr lang="en-US" dirty="0"/>
-              <a:t>2</a:t>
-            </a:r>
-            <a:r>
-              <a:rPr lang="en-US" dirty="0" smtClean="0"/>
-              <a:t>/2016</a:t>
-            </a:r>
-            <a:endParaRPr lang="en-US" dirty="0"/>
-          </a:p>
-        </p:txBody>
-      </p:sp>
-      <p:sp>
-        <p:nvSpPr>
-          <p:cNvPr id="18" name="Rectangle 17"/>
-          <p:cNvSpPr/>
-          <p:nvPr/>
-        </p:nvSpPr>
-        <p:spPr>
-          <a:xfrm>
-            <a:off x="5329382" y="1186584"/>
-            <a:ext cx="990600" cy="533400"/>
-          </a:xfrm>
-          <a:prstGeom prst="rect">
-            <a:avLst/>
-          </a:prstGeom>
-        </p:spPr>
-        <p:style>
-          <a:lnRef idx="2">
-            <a:schemeClr val="accent6">
-              <a:shade val="50000"/>
-            </a:schemeClr>
-          </a:lnRef>
-          <a:fillRef idx="1">
-            <a:schemeClr val="accent6"/>
-          </a:fillRef>
-          <a:effectRef idx="0">
-            <a:schemeClr val="accent6"/>
-          </a:effectRef>
-          <a:fontRef idx="minor">
-            <a:schemeClr val="lt1"/>
-          </a:fontRef>
-        </p:style>
-        <p:txBody>
-          <a:bodyPr rtlCol="0" anchor="ctr"/>
-          <a:lstStyle/>
-          <a:p>
-            <a:pPr algn="ctr"/>
-            <a:r>
-              <a:rPr lang="en-US" dirty="0" smtClean="0"/>
-              <a:t>3/2016</a:t>
-            </a:r>
-            <a:endParaRPr lang="en-US" dirty="0"/>
-          </a:p>
-        </p:txBody>
-      </p:sp>
-      <p:sp>
-        <p:nvSpPr>
-          <p:cNvPr id="19" name="Rectangle 18"/>
-          <p:cNvSpPr/>
-          <p:nvPr/>
-        </p:nvSpPr>
-        <p:spPr>
-          <a:xfrm>
-            <a:off x="6624782" y="1186584"/>
-            <a:ext cx="990600" cy="533400"/>
-          </a:xfrm>
-          <a:prstGeom prst="rect">
-            <a:avLst/>
-          </a:prstGeom>
-        </p:spPr>
-        <p:style>
-          <a:lnRef idx="2">
-            <a:schemeClr val="accent6">
-              <a:shade val="50000"/>
-            </a:schemeClr>
-          </a:lnRef>
-          <a:fillRef idx="1">
-            <a:schemeClr val="accent6"/>
-          </a:fillRef>
-          <a:effectRef idx="0">
-            <a:schemeClr val="accent6"/>
-          </a:effectRef>
-          <a:fontRef idx="minor">
-            <a:schemeClr val="lt1"/>
-          </a:fontRef>
-        </p:style>
-        <p:txBody>
-          <a:bodyPr rtlCol="0" anchor="ctr"/>
-          <a:lstStyle/>
-          <a:p>
-            <a:pPr algn="ctr"/>
-            <a:r>
-              <a:rPr lang="en-US" dirty="0" smtClean="0"/>
-              <a:t>4/2016</a:t>
-            </a:r>
-            <a:endParaRPr lang="en-US" dirty="0"/>
-          </a:p>
-        </p:txBody>
-      </p:sp>
-      <p:sp>
-        <p:nvSpPr>
-          <p:cNvPr id="20" name="Rectangle 19"/>
-          <p:cNvSpPr/>
-          <p:nvPr/>
-        </p:nvSpPr>
-        <p:spPr>
-          <a:xfrm>
-            <a:off x="7916718" y="1186584"/>
-            <a:ext cx="990600" cy="533400"/>
-          </a:xfrm>
-          <a:prstGeom prst="rect">
-            <a:avLst/>
-          </a:prstGeom>
-        </p:spPr>
-        <p:style>
-          <a:lnRef idx="2">
-            <a:schemeClr val="accent6">
-              <a:shade val="50000"/>
-            </a:schemeClr>
-          </a:lnRef>
-          <a:fillRef idx="1">
-            <a:schemeClr val="accent6"/>
-          </a:fillRef>
-          <a:effectRef idx="0">
-            <a:schemeClr val="accent6"/>
-          </a:effectRef>
-          <a:fontRef idx="minor">
-            <a:schemeClr val="lt1"/>
-          </a:fontRef>
-        </p:style>
-        <p:txBody>
-          <a:bodyPr rtlCol="0" anchor="ctr"/>
-          <a:lstStyle/>
-          <a:p>
-            <a:pPr algn="ctr"/>
-            <a:r>
-              <a:rPr lang="en-US" dirty="0" smtClean="0"/>
-              <a:t>5/2016</a:t>
-            </a:r>
-            <a:endParaRPr lang="en-US" dirty="0"/>
-          </a:p>
-        </p:txBody>
-      </p:sp>
-      <p:sp>
-        <p:nvSpPr>
-          <p:cNvPr id="21" name="Rectangle 20"/>
-          <p:cNvSpPr/>
-          <p:nvPr/>
-        </p:nvSpPr>
-        <p:spPr>
-          <a:xfrm>
-            <a:off x="220518" y="3994150"/>
-            <a:ext cx="1600200" cy="533400"/>
+            <a:off x="5424055" y="4648199"/>
+            <a:ext cx="1295400" cy="762000"/>
           </a:xfrm>
           <a:prstGeom prst="rect">
             <a:avLst/>
@@ -12902,22 +13331,29 @@
             <a:pPr algn="ctr"/>
             <a:r>
               <a:rPr lang="en-US" dirty="0" smtClean="0"/>
-              <a:t>REVENUE UNIT 1</a:t>
-            </a:r>
-            <a:endParaRPr lang="en-US" dirty="0"/>
-          </a:p>
-        </p:txBody>
-      </p:sp>
-      <p:sp>
-        <p:nvSpPr>
-          <p:cNvPr id="22" name="Rectangle 21"/>
+              <a:t>Entity Actor</a:t>
+            </a:r>
+          </a:p>
+          <a:p>
+            <a:pPr algn="ctr"/>
+            <a:r>
+              <a:rPr lang="en-US" sz="1050" dirty="0" smtClean="0"/>
+              <a:t>Target</a:t>
+            </a:r>
+            <a:endParaRPr lang="en-US" sz="1050" dirty="0"/>
+          </a:p>
+        </p:txBody>
+      </p:sp>
+      <p:sp>
+        <p:nvSpPr>
+          <p:cNvPr id="9" name="Rectangle 8"/>
           <p:cNvSpPr/>
           <p:nvPr/>
         </p:nvSpPr>
         <p:spPr>
           <a:xfrm>
-            <a:off x="2738582" y="3994150"/>
-            <a:ext cx="990600" cy="533400"/>
+            <a:off x="4128655" y="5791200"/>
+            <a:ext cx="1295400" cy="762000"/>
           </a:xfrm>
           <a:prstGeom prst="rect">
             <a:avLst/>
@@ -12946,22 +13382,29 @@
             <a:pPr algn="ctr"/>
             <a:r>
               <a:rPr lang="en-US" dirty="0" smtClean="0"/>
-              <a:t>1/2016</a:t>
-            </a:r>
-            <a:endParaRPr lang="en-US" dirty="0"/>
-          </a:p>
-        </p:txBody>
-      </p:sp>
-      <p:sp>
-        <p:nvSpPr>
-          <p:cNvPr id="23" name="Rectangle 22"/>
+              <a:t>Entity Actor</a:t>
+            </a:r>
+          </a:p>
+          <a:p>
+            <a:pPr algn="ctr"/>
+            <a:r>
+              <a:rPr lang="en-US" sz="1050" dirty="0" smtClean="0"/>
+              <a:t>Parent</a:t>
+            </a:r>
+            <a:endParaRPr lang="en-US" sz="1050" dirty="0"/>
+          </a:p>
+        </p:txBody>
+      </p:sp>
+      <p:sp>
+        <p:nvSpPr>
+          <p:cNvPr id="12" name="Rectangle 11"/>
           <p:cNvSpPr/>
           <p:nvPr/>
         </p:nvSpPr>
         <p:spPr>
           <a:xfrm>
-            <a:off x="4033982" y="3994150"/>
-            <a:ext cx="990600" cy="533400"/>
+            <a:off x="6719455" y="5791200"/>
+            <a:ext cx="1295400" cy="762000"/>
           </a:xfrm>
           <a:prstGeom prst="rect">
             <a:avLst/>
@@ -12989,431 +13432,40 @@
           <a:p>
             <a:pPr algn="ctr"/>
             <a:r>
-              <a:rPr lang="en-US" dirty="0"/>
-              <a:t>2</a:t>
-            </a:r>
-            <a:r>
               <a:rPr lang="en-US" dirty="0" smtClean="0"/>
-              <a:t>/2016</a:t>
-            </a:r>
-            <a:endParaRPr lang="en-US" dirty="0"/>
-          </a:p>
-        </p:txBody>
-      </p:sp>
-      <p:sp>
-        <p:nvSpPr>
-          <p:cNvPr id="24" name="Rectangle 23"/>
-          <p:cNvSpPr/>
-          <p:nvPr/>
-        </p:nvSpPr>
-        <p:spPr>
-          <a:xfrm>
-            <a:off x="5329382" y="3994150"/>
-            <a:ext cx="990600" cy="533400"/>
-          </a:xfrm>
-          <a:prstGeom prst="rect">
-            <a:avLst/>
-          </a:prstGeom>
-        </p:spPr>
-        <p:style>
-          <a:lnRef idx="2">
-            <a:schemeClr val="accent2">
-              <a:shade val="50000"/>
-            </a:schemeClr>
-          </a:lnRef>
-          <a:fillRef idx="1">
-            <a:schemeClr val="accent2"/>
-          </a:fillRef>
-          <a:effectRef idx="0">
-            <a:schemeClr val="accent2"/>
-          </a:effectRef>
-          <a:fontRef idx="minor">
-            <a:schemeClr val="lt1"/>
-          </a:fontRef>
-        </p:style>
-        <p:txBody>
-          <a:bodyPr rtlCol="0" anchor="ctr"/>
-          <a:lstStyle/>
-          <a:p>
-            <a:pPr algn="ctr"/>
-            <a:r>
-              <a:rPr lang="en-US" dirty="0" smtClean="0"/>
-              <a:t>3/2016</a:t>
-            </a:r>
-            <a:endParaRPr lang="en-US" dirty="0"/>
-          </a:p>
-        </p:txBody>
-      </p:sp>
-      <p:sp>
-        <p:nvSpPr>
-          <p:cNvPr id="25" name="Rectangle 24"/>
-          <p:cNvSpPr/>
-          <p:nvPr/>
-        </p:nvSpPr>
-        <p:spPr>
-          <a:xfrm>
-            <a:off x="6624782" y="3994150"/>
-            <a:ext cx="990600" cy="533400"/>
-          </a:xfrm>
-          <a:prstGeom prst="rect">
-            <a:avLst/>
-          </a:prstGeom>
-        </p:spPr>
-        <p:style>
-          <a:lnRef idx="2">
-            <a:schemeClr val="accent2">
-              <a:shade val="50000"/>
-            </a:schemeClr>
-          </a:lnRef>
-          <a:fillRef idx="1">
-            <a:schemeClr val="accent2"/>
-          </a:fillRef>
-          <a:effectRef idx="0">
-            <a:schemeClr val="accent2"/>
-          </a:effectRef>
-          <a:fontRef idx="minor">
-            <a:schemeClr val="lt1"/>
-          </a:fontRef>
-        </p:style>
-        <p:txBody>
-          <a:bodyPr rtlCol="0" anchor="ctr"/>
-          <a:lstStyle/>
-          <a:p>
-            <a:pPr algn="ctr"/>
-            <a:r>
-              <a:rPr lang="en-US" dirty="0" smtClean="0"/>
-              <a:t>4/2016</a:t>
-            </a:r>
-            <a:endParaRPr lang="en-US" dirty="0"/>
-          </a:p>
-        </p:txBody>
-      </p:sp>
-      <p:sp>
-        <p:nvSpPr>
-          <p:cNvPr id="26" name="Rectangle 25"/>
-          <p:cNvSpPr/>
-          <p:nvPr/>
-        </p:nvSpPr>
-        <p:spPr>
-          <a:xfrm>
-            <a:off x="7916718" y="3994150"/>
-            <a:ext cx="990600" cy="533400"/>
-          </a:xfrm>
-          <a:prstGeom prst="rect">
-            <a:avLst/>
-          </a:prstGeom>
-        </p:spPr>
-        <p:style>
-          <a:lnRef idx="2">
-            <a:schemeClr val="accent2">
-              <a:shade val="50000"/>
-            </a:schemeClr>
-          </a:lnRef>
-          <a:fillRef idx="1">
-            <a:schemeClr val="accent2"/>
-          </a:fillRef>
-          <a:effectRef idx="0">
-            <a:schemeClr val="accent2"/>
-          </a:effectRef>
-          <a:fontRef idx="minor">
-            <a:schemeClr val="lt1"/>
-          </a:fontRef>
-        </p:style>
-        <p:txBody>
-          <a:bodyPr rtlCol="0" anchor="ctr"/>
-          <a:lstStyle/>
-          <a:p>
-            <a:pPr algn="ctr"/>
-            <a:r>
-              <a:rPr lang="en-US" dirty="0" smtClean="0"/>
-              <a:t>5/2016</a:t>
-            </a:r>
-            <a:endParaRPr lang="en-US" dirty="0"/>
-          </a:p>
-        </p:txBody>
-      </p:sp>
-      <p:sp>
-        <p:nvSpPr>
-          <p:cNvPr id="27" name="Rectangle 26"/>
-          <p:cNvSpPr/>
-          <p:nvPr/>
-        </p:nvSpPr>
-        <p:spPr>
-          <a:xfrm>
-            <a:off x="225136" y="228600"/>
-            <a:ext cx="1600200" cy="533400"/>
-          </a:xfrm>
-          <a:prstGeom prst="rect">
-            <a:avLst/>
-          </a:prstGeom>
-        </p:spPr>
-        <p:style>
-          <a:lnRef idx="2">
-            <a:schemeClr val="accent1">
-              <a:shade val="50000"/>
-            </a:schemeClr>
-          </a:lnRef>
-          <a:fillRef idx="1">
-            <a:schemeClr val="accent1"/>
-          </a:fillRef>
-          <a:effectRef idx="0">
-            <a:schemeClr val="accent1"/>
-          </a:effectRef>
-          <a:fontRef idx="minor">
-            <a:schemeClr val="lt1"/>
-          </a:fontRef>
-        </p:style>
-        <p:txBody>
-          <a:bodyPr rtlCol="0" anchor="ctr"/>
-          <a:lstStyle/>
-          <a:p>
-            <a:pPr algn="ctr"/>
-            <a:r>
-              <a:rPr lang="en-US" dirty="0" smtClean="0"/>
-              <a:t>GLOBAL</a:t>
-            </a:r>
-            <a:endParaRPr lang="en-US" dirty="0"/>
-          </a:p>
-        </p:txBody>
-      </p:sp>
-      <p:sp>
-        <p:nvSpPr>
-          <p:cNvPr id="28" name="Rectangle 27"/>
-          <p:cNvSpPr/>
-          <p:nvPr/>
-        </p:nvSpPr>
-        <p:spPr>
-          <a:xfrm>
-            <a:off x="2743200" y="228600"/>
-            <a:ext cx="990600" cy="533400"/>
-          </a:xfrm>
-          <a:prstGeom prst="rect">
-            <a:avLst/>
-          </a:prstGeom>
-        </p:spPr>
-        <p:style>
-          <a:lnRef idx="2">
-            <a:schemeClr val="accent1">
-              <a:shade val="50000"/>
-            </a:schemeClr>
-          </a:lnRef>
-          <a:fillRef idx="1">
-            <a:schemeClr val="accent1"/>
-          </a:fillRef>
-          <a:effectRef idx="0">
-            <a:schemeClr val="accent1"/>
-          </a:effectRef>
-          <a:fontRef idx="minor">
-            <a:schemeClr val="lt1"/>
-          </a:fontRef>
-        </p:style>
-        <p:txBody>
-          <a:bodyPr rtlCol="0" anchor="ctr"/>
-          <a:lstStyle/>
-          <a:p>
-            <a:pPr algn="ctr"/>
-            <a:r>
-              <a:rPr lang="en-US" dirty="0" smtClean="0"/>
-              <a:t>1/2016</a:t>
-            </a:r>
-            <a:endParaRPr lang="en-US" dirty="0"/>
-          </a:p>
-        </p:txBody>
-      </p:sp>
-      <p:sp>
-        <p:nvSpPr>
-          <p:cNvPr id="29" name="Rectangle 28"/>
-          <p:cNvSpPr/>
-          <p:nvPr/>
-        </p:nvSpPr>
-        <p:spPr>
-          <a:xfrm>
-            <a:off x="4038600" y="228600"/>
-            <a:ext cx="990600" cy="533400"/>
-          </a:xfrm>
-          <a:prstGeom prst="rect">
-            <a:avLst/>
-          </a:prstGeom>
-        </p:spPr>
-        <p:style>
-          <a:lnRef idx="2">
-            <a:schemeClr val="accent1">
-              <a:shade val="50000"/>
-            </a:schemeClr>
-          </a:lnRef>
-          <a:fillRef idx="1">
-            <a:schemeClr val="accent1"/>
-          </a:fillRef>
-          <a:effectRef idx="0">
-            <a:schemeClr val="accent1"/>
-          </a:effectRef>
-          <a:fontRef idx="minor">
-            <a:schemeClr val="lt1"/>
-          </a:fontRef>
-        </p:style>
-        <p:txBody>
-          <a:bodyPr rtlCol="0" anchor="ctr"/>
-          <a:lstStyle/>
-          <a:p>
-            <a:pPr algn="ctr"/>
-            <a:r>
-              <a:rPr lang="en-US" dirty="0"/>
-              <a:t>2</a:t>
-            </a:r>
-            <a:r>
-              <a:rPr lang="en-US" dirty="0" smtClean="0"/>
-              <a:t>/2016</a:t>
-            </a:r>
-            <a:endParaRPr lang="en-US" dirty="0"/>
-          </a:p>
-        </p:txBody>
-      </p:sp>
-      <p:sp>
-        <p:nvSpPr>
-          <p:cNvPr id="30" name="Rectangle 29"/>
-          <p:cNvSpPr/>
-          <p:nvPr/>
-        </p:nvSpPr>
-        <p:spPr>
-          <a:xfrm>
-            <a:off x="5334000" y="228600"/>
-            <a:ext cx="990600" cy="533400"/>
-          </a:xfrm>
-          <a:prstGeom prst="rect">
-            <a:avLst/>
-          </a:prstGeom>
-        </p:spPr>
-        <p:style>
-          <a:lnRef idx="2">
-            <a:schemeClr val="accent1">
-              <a:shade val="50000"/>
-            </a:schemeClr>
-          </a:lnRef>
-          <a:fillRef idx="1">
-            <a:schemeClr val="accent1"/>
-          </a:fillRef>
-          <a:effectRef idx="0">
-            <a:schemeClr val="accent1"/>
-          </a:effectRef>
-          <a:fontRef idx="minor">
-            <a:schemeClr val="lt1"/>
-          </a:fontRef>
-        </p:style>
-        <p:txBody>
-          <a:bodyPr rtlCol="0" anchor="ctr"/>
-          <a:lstStyle/>
-          <a:p>
-            <a:pPr algn="ctr"/>
-            <a:r>
-              <a:rPr lang="en-US" dirty="0" smtClean="0"/>
-              <a:t>3/2016</a:t>
-            </a:r>
-            <a:endParaRPr lang="en-US" dirty="0"/>
-          </a:p>
-        </p:txBody>
-      </p:sp>
-      <p:sp>
-        <p:nvSpPr>
-          <p:cNvPr id="31" name="Rectangle 30"/>
-          <p:cNvSpPr/>
-          <p:nvPr/>
-        </p:nvSpPr>
-        <p:spPr>
-          <a:xfrm>
-            <a:off x="6629400" y="228600"/>
-            <a:ext cx="990600" cy="533400"/>
-          </a:xfrm>
-          <a:prstGeom prst="rect">
-            <a:avLst/>
-          </a:prstGeom>
-        </p:spPr>
-        <p:style>
-          <a:lnRef idx="2">
-            <a:schemeClr val="accent1">
-              <a:shade val="50000"/>
-            </a:schemeClr>
-          </a:lnRef>
-          <a:fillRef idx="1">
-            <a:schemeClr val="accent1"/>
-          </a:fillRef>
-          <a:effectRef idx="0">
-            <a:schemeClr val="accent1"/>
-          </a:effectRef>
-          <a:fontRef idx="minor">
-            <a:schemeClr val="lt1"/>
-          </a:fontRef>
-        </p:style>
-        <p:txBody>
-          <a:bodyPr rtlCol="0" anchor="ctr"/>
-          <a:lstStyle/>
-          <a:p>
-            <a:pPr algn="ctr"/>
-            <a:r>
-              <a:rPr lang="en-US" dirty="0" smtClean="0"/>
-              <a:t>4/2016</a:t>
-            </a:r>
-            <a:endParaRPr lang="en-US" dirty="0"/>
-          </a:p>
-        </p:txBody>
-      </p:sp>
-      <p:sp>
-        <p:nvSpPr>
-          <p:cNvPr id="32" name="Rectangle 31"/>
-          <p:cNvSpPr/>
-          <p:nvPr/>
-        </p:nvSpPr>
-        <p:spPr>
-          <a:xfrm>
-            <a:off x="7921336" y="228600"/>
-            <a:ext cx="990600" cy="533400"/>
-          </a:xfrm>
-          <a:prstGeom prst="rect">
-            <a:avLst/>
-          </a:prstGeom>
-        </p:spPr>
-        <p:style>
-          <a:lnRef idx="2">
-            <a:schemeClr val="accent1">
-              <a:shade val="50000"/>
-            </a:schemeClr>
-          </a:lnRef>
-          <a:fillRef idx="1">
-            <a:schemeClr val="accent1"/>
-          </a:fillRef>
-          <a:effectRef idx="0">
-            <a:schemeClr val="accent1"/>
-          </a:effectRef>
-          <a:fontRef idx="minor">
-            <a:schemeClr val="lt1"/>
-          </a:fontRef>
-        </p:style>
-        <p:txBody>
-          <a:bodyPr rtlCol="0" anchor="ctr"/>
-          <a:lstStyle/>
-          <a:p>
-            <a:pPr algn="ctr"/>
-            <a:r>
-              <a:rPr lang="en-US" dirty="0" smtClean="0"/>
-              <a:t>5/2016</a:t>
-            </a:r>
-            <a:endParaRPr lang="en-US" dirty="0"/>
-          </a:p>
-        </p:txBody>
-      </p:sp>
-      <p:sp>
-        <p:nvSpPr>
-          <p:cNvPr id="38" name="Right Brace 37"/>
-          <p:cNvSpPr/>
-          <p:nvPr/>
-        </p:nvSpPr>
-        <p:spPr>
-          <a:xfrm rot="5400000">
-            <a:off x="4986482" y="2451388"/>
-            <a:ext cx="381000" cy="4876800"/>
-          </a:xfrm>
-          <a:prstGeom prst="rightBrace">
-            <a:avLst/>
-          </a:prstGeom>
+              <a:t>Entity Actor</a:t>
+            </a:r>
+          </a:p>
+          <a:p>
+            <a:pPr algn="ctr"/>
+            <a:r>
+              <a:rPr lang="en-US" sz="1050" dirty="0" smtClean="0"/>
+              <a:t>Forward Week</a:t>
+            </a:r>
+            <a:endParaRPr lang="en-US" sz="1050" dirty="0"/>
+          </a:p>
+        </p:txBody>
+      </p:sp>
+      <p:cxnSp>
+        <p:nvCxnSpPr>
+          <p:cNvPr id="14" name="Curved Connector 13"/>
+          <p:cNvCxnSpPr>
+            <a:stCxn id="8" idx="1"/>
+            <a:endCxn id="6" idx="2"/>
+          </p:cNvCxnSpPr>
+          <p:nvPr/>
+        </p:nvCxnSpPr>
+        <p:spPr>
+          <a:xfrm rot="10800000">
+            <a:off x="2247901" y="3657599"/>
+            <a:ext cx="3176155" cy="1371600"/>
+          </a:xfrm>
+          <a:prstGeom prst="curvedConnector2">
+            <a:avLst/>
+          </a:prstGeom>
+          <a:ln>
+            <a:tailEnd type="triangle"/>
+          </a:ln>
         </p:spPr>
         <p:style>
           <a:lnRef idx="1">
@@ -13429,25 +13481,237 @@
             <a:schemeClr val="tx1"/>
           </a:fontRef>
         </p:style>
-        <p:txBody>
-          <a:bodyPr rtlCol="0" anchor="ctr"/>
-          <a:lstStyle/>
-          <a:p>
-            <a:pPr algn="ctr"/>
-            <a:endParaRPr lang="en-US"/>
-          </a:p>
-        </p:txBody>
-      </p:sp>
-      <p:sp>
-        <p:nvSpPr>
-          <p:cNvPr id="39" name="TextBox 38"/>
+      </p:cxnSp>
+      <p:cxnSp>
+        <p:nvCxnSpPr>
+          <p:cNvPr id="16" name="Curved Connector 15"/>
+          <p:cNvCxnSpPr>
+            <a:stCxn id="8" idx="3"/>
+            <a:endCxn id="7" idx="3"/>
+          </p:cNvCxnSpPr>
+          <p:nvPr/>
+        </p:nvCxnSpPr>
+        <p:spPr>
+          <a:xfrm flipV="1">
+            <a:off x="6719455" y="3276599"/>
+            <a:ext cx="304800" cy="1752600"/>
+          </a:xfrm>
+          <a:prstGeom prst="curvedConnector3">
+            <a:avLst>
+              <a:gd name="adj1" fmla="val 175000"/>
+            </a:avLst>
+          </a:prstGeom>
+          <a:ln>
+            <a:tailEnd type="triangle"/>
+          </a:ln>
+        </p:spPr>
+        <p:style>
+          <a:lnRef idx="1">
+            <a:schemeClr val="accent1"/>
+          </a:lnRef>
+          <a:fillRef idx="0">
+            <a:schemeClr val="accent1"/>
+          </a:fillRef>
+          <a:effectRef idx="0">
+            <a:schemeClr val="accent1"/>
+          </a:effectRef>
+          <a:fontRef idx="minor">
+            <a:schemeClr val="tx1"/>
+          </a:fontRef>
+        </p:style>
+      </p:cxnSp>
+      <p:cxnSp>
+        <p:nvCxnSpPr>
+          <p:cNvPr id="18" name="Curved Connector 17"/>
+          <p:cNvCxnSpPr>
+            <a:stCxn id="8" idx="3"/>
+            <a:endCxn id="12" idx="0"/>
+          </p:cNvCxnSpPr>
+          <p:nvPr/>
+        </p:nvCxnSpPr>
+        <p:spPr>
+          <a:xfrm>
+            <a:off x="6719455" y="5029199"/>
+            <a:ext cx="647700" cy="762001"/>
+          </a:xfrm>
+          <a:prstGeom prst="curvedConnector2">
+            <a:avLst/>
+          </a:prstGeom>
+          <a:ln>
+            <a:tailEnd type="triangle"/>
+          </a:ln>
+        </p:spPr>
+        <p:style>
+          <a:lnRef idx="1">
+            <a:schemeClr val="accent1"/>
+          </a:lnRef>
+          <a:fillRef idx="0">
+            <a:schemeClr val="accent1"/>
+          </a:fillRef>
+          <a:effectRef idx="0">
+            <a:schemeClr val="accent1"/>
+          </a:effectRef>
+          <a:fontRef idx="minor">
+            <a:schemeClr val="tx1"/>
+          </a:fontRef>
+        </p:style>
+      </p:cxnSp>
+      <p:cxnSp>
+        <p:nvCxnSpPr>
+          <p:cNvPr id="20" name="Curved Connector 19"/>
+          <p:cNvCxnSpPr>
+            <a:stCxn id="8" idx="1"/>
+            <a:endCxn id="9" idx="0"/>
+          </p:cNvCxnSpPr>
+          <p:nvPr/>
+        </p:nvCxnSpPr>
+        <p:spPr>
+          <a:xfrm rot="10800000" flipV="1">
+            <a:off x="4776355" y="5029198"/>
+            <a:ext cx="647700" cy="762001"/>
+          </a:xfrm>
+          <a:prstGeom prst="curvedConnector2">
+            <a:avLst/>
+          </a:prstGeom>
+          <a:ln>
+            <a:tailEnd type="triangle"/>
+          </a:ln>
+        </p:spPr>
+        <p:style>
+          <a:lnRef idx="1">
+            <a:schemeClr val="accent1"/>
+          </a:lnRef>
+          <a:fillRef idx="0">
+            <a:schemeClr val="accent1"/>
+          </a:fillRef>
+          <a:effectRef idx="0">
+            <a:schemeClr val="accent1"/>
+          </a:effectRef>
+          <a:fontRef idx="minor">
+            <a:schemeClr val="tx1"/>
+          </a:fontRef>
+        </p:style>
+      </p:cxnSp>
+      <p:cxnSp>
+        <p:nvCxnSpPr>
+          <p:cNvPr id="22" name="Elbow Connector 21"/>
+          <p:cNvCxnSpPr>
+            <a:stCxn id="3" idx="3"/>
+            <a:endCxn id="7" idx="0"/>
+          </p:cNvCxnSpPr>
+          <p:nvPr/>
+        </p:nvCxnSpPr>
+        <p:spPr>
+          <a:xfrm>
+            <a:off x="5105400" y="2133599"/>
+            <a:ext cx="966355" cy="762000"/>
+          </a:xfrm>
+          <a:prstGeom prst="bentConnector2">
+            <a:avLst/>
+          </a:prstGeom>
+          <a:ln>
+            <a:headEnd type="none"/>
+            <a:tailEnd type="triangle"/>
+          </a:ln>
+        </p:spPr>
+        <p:style>
+          <a:lnRef idx="1">
+            <a:schemeClr val="accent1"/>
+          </a:lnRef>
+          <a:fillRef idx="0">
+            <a:schemeClr val="accent1"/>
+          </a:fillRef>
+          <a:effectRef idx="0">
+            <a:schemeClr val="accent1"/>
+          </a:effectRef>
+          <a:fontRef idx="minor">
+            <a:schemeClr val="tx1"/>
+          </a:fontRef>
+        </p:style>
+      </p:cxnSp>
+      <p:cxnSp>
+        <p:nvCxnSpPr>
+          <p:cNvPr id="24" name="Elbow Connector 23"/>
+          <p:cNvCxnSpPr>
+            <a:stCxn id="3" idx="1"/>
+            <a:endCxn id="6" idx="0"/>
+          </p:cNvCxnSpPr>
+          <p:nvPr/>
+        </p:nvCxnSpPr>
+        <p:spPr>
+          <a:xfrm rot="10800000" flipV="1">
+            <a:off x="2247900" y="2133599"/>
+            <a:ext cx="952500" cy="762000"/>
+          </a:xfrm>
+          <a:prstGeom prst="bentConnector2">
+            <a:avLst/>
+          </a:prstGeom>
+          <a:ln>
+            <a:headEnd type="triangle" w="med" len="sm"/>
+            <a:tailEnd type="none"/>
+          </a:ln>
+        </p:spPr>
+        <p:style>
+          <a:lnRef idx="1">
+            <a:schemeClr val="accent1"/>
+          </a:lnRef>
+          <a:fillRef idx="0">
+            <a:schemeClr val="accent1"/>
+          </a:fillRef>
+          <a:effectRef idx="0">
+            <a:schemeClr val="accent1"/>
+          </a:effectRef>
+          <a:fontRef idx="minor">
+            <a:schemeClr val="tx1"/>
+          </a:fontRef>
+        </p:style>
+      </p:cxnSp>
+      <p:cxnSp>
+        <p:nvCxnSpPr>
+          <p:cNvPr id="26" name="Straight Arrow Connector 25"/>
+          <p:cNvCxnSpPr>
+            <a:stCxn id="7" idx="2"/>
+            <a:endCxn id="8" idx="0"/>
+          </p:cNvCxnSpPr>
+          <p:nvPr/>
+        </p:nvCxnSpPr>
+        <p:spPr>
+          <a:xfrm>
+            <a:off x="6071755" y="3657599"/>
+            <a:ext cx="0" cy="990600"/>
+          </a:xfrm>
+          <a:prstGeom prst="straightConnector1">
+            <a:avLst/>
+          </a:prstGeom>
+          <a:ln>
+            <a:tailEnd type="triangle"/>
+          </a:ln>
+        </p:spPr>
+        <p:style>
+          <a:lnRef idx="1">
+            <a:schemeClr val="accent1"/>
+          </a:lnRef>
+          <a:fillRef idx="0">
+            <a:schemeClr val="accent1"/>
+          </a:fillRef>
+          <a:effectRef idx="0">
+            <a:schemeClr val="accent1"/>
+          </a:effectRef>
+          <a:fontRef idx="minor">
+            <a:schemeClr val="tx1"/>
+          </a:fontRef>
+        </p:style>
+      </p:cxnSp>
+      <p:sp>
+        <p:nvSpPr>
+          <p:cNvPr id="28" name="TextBox 27"/>
           <p:cNvSpPr txBox="1"/>
           <p:nvPr/>
         </p:nvSpPr>
         <p:spPr>
           <a:xfrm>
-            <a:off x="2738582" y="5080289"/>
-            <a:ext cx="4876800" cy="369332"/>
+            <a:off x="5593195" y="3937136"/>
+            <a:ext cx="990600" cy="276999"/>
           </a:xfrm>
           <a:prstGeom prst="rect">
             <a:avLst/>
@@ -13462,364 +13726,209 @@
           <a:p>
             <a:pPr algn="ctr"/>
             <a:r>
-              <a:rPr lang="en-US" dirty="0" smtClean="0"/>
-              <a:t>quarter &amp; year weeks </a:t>
-            </a:r>
-            <a:endParaRPr lang="en-US" dirty="0"/>
-          </a:p>
-        </p:txBody>
-      </p:sp>
-      <p:cxnSp>
-        <p:nvCxnSpPr>
-          <p:cNvPr id="41" name="Straight Arrow Connector 40"/>
-          <p:cNvCxnSpPr>
-            <a:stCxn id="25" idx="0"/>
-            <a:endCxn id="7" idx="2"/>
-          </p:cNvCxnSpPr>
-          <p:nvPr/>
-        </p:nvCxnSpPr>
-        <p:spPr>
-          <a:xfrm flipV="1">
-            <a:off x="7120082" y="3571586"/>
-            <a:ext cx="0" cy="422564"/>
-          </a:xfrm>
-          <a:prstGeom prst="straightConnector1">
-            <a:avLst/>
-          </a:prstGeom>
-          <a:ln w="25400">
-            <a:tailEnd type="triangle"/>
-          </a:ln>
-        </p:spPr>
-        <p:style>
-          <a:lnRef idx="1">
-            <a:schemeClr val="accent1"/>
-          </a:lnRef>
-          <a:fillRef idx="0">
-            <a:schemeClr val="accent1"/>
-          </a:fillRef>
-          <a:effectRef idx="0">
-            <a:schemeClr val="accent1"/>
-          </a:effectRef>
-          <a:fontRef idx="minor">
-            <a:schemeClr val="tx1"/>
-          </a:fontRef>
-        </p:style>
-      </p:cxnSp>
-      <p:cxnSp>
-        <p:nvCxnSpPr>
-          <p:cNvPr id="43" name="Straight Arrow Connector 42"/>
-          <p:cNvCxnSpPr>
-            <a:stCxn id="7" idx="0"/>
-            <a:endCxn id="13" idx="2"/>
-          </p:cNvCxnSpPr>
-          <p:nvPr/>
-        </p:nvCxnSpPr>
-        <p:spPr>
-          <a:xfrm flipV="1">
-            <a:off x="7120082" y="2657186"/>
-            <a:ext cx="4618" cy="381000"/>
-          </a:xfrm>
-          <a:prstGeom prst="straightConnector1">
-            <a:avLst/>
-          </a:prstGeom>
-          <a:ln w="25400">
-            <a:tailEnd type="triangle"/>
-          </a:ln>
-        </p:spPr>
-        <p:style>
-          <a:lnRef idx="1">
-            <a:schemeClr val="accent1"/>
-          </a:lnRef>
-          <a:fillRef idx="0">
-            <a:schemeClr val="accent1"/>
-          </a:fillRef>
-          <a:effectRef idx="0">
-            <a:schemeClr val="accent1"/>
-          </a:effectRef>
-          <a:fontRef idx="minor">
-            <a:schemeClr val="tx1"/>
-          </a:fontRef>
-        </p:style>
-      </p:cxnSp>
-      <p:cxnSp>
-        <p:nvCxnSpPr>
-          <p:cNvPr id="45" name="Straight Arrow Connector 44"/>
-          <p:cNvCxnSpPr>
-            <a:stCxn id="13" idx="0"/>
-            <a:endCxn id="19" idx="2"/>
-          </p:cNvCxnSpPr>
-          <p:nvPr/>
-        </p:nvCxnSpPr>
-        <p:spPr>
-          <a:xfrm flipH="1" flipV="1">
-            <a:off x="7120082" y="1719984"/>
-            <a:ext cx="4618" cy="403802"/>
-          </a:xfrm>
-          <a:prstGeom prst="straightConnector1">
-            <a:avLst/>
-          </a:prstGeom>
-          <a:ln w="25400">
-            <a:tailEnd type="triangle"/>
-          </a:ln>
-        </p:spPr>
-        <p:style>
-          <a:lnRef idx="1">
-            <a:schemeClr val="accent1"/>
-          </a:lnRef>
-          <a:fillRef idx="0">
-            <a:schemeClr val="accent1"/>
-          </a:fillRef>
-          <a:effectRef idx="0">
-            <a:schemeClr val="accent1"/>
-          </a:effectRef>
-          <a:fontRef idx="minor">
-            <a:schemeClr val="tx1"/>
-          </a:fontRef>
-        </p:style>
-      </p:cxnSp>
-      <p:cxnSp>
-        <p:nvCxnSpPr>
-          <p:cNvPr id="47" name="Straight Arrow Connector 46"/>
-          <p:cNvCxnSpPr>
-            <a:stCxn id="19" idx="0"/>
-            <a:endCxn id="31" idx="2"/>
-          </p:cNvCxnSpPr>
-          <p:nvPr/>
-        </p:nvCxnSpPr>
-        <p:spPr>
-          <a:xfrm flipV="1">
-            <a:off x="7120082" y="762000"/>
-            <a:ext cx="4618" cy="424584"/>
-          </a:xfrm>
-          <a:prstGeom prst="straightConnector1">
-            <a:avLst/>
-          </a:prstGeom>
-          <a:ln w="25400">
-            <a:tailEnd type="triangle"/>
-          </a:ln>
-        </p:spPr>
-        <p:style>
-          <a:lnRef idx="1">
-            <a:schemeClr val="accent1"/>
-          </a:lnRef>
-          <a:fillRef idx="0">
-            <a:schemeClr val="accent1"/>
-          </a:fillRef>
-          <a:effectRef idx="0">
-            <a:schemeClr val="accent1"/>
-          </a:effectRef>
-          <a:fontRef idx="minor">
-            <a:schemeClr val="tx1"/>
-          </a:fontRef>
-        </p:style>
-      </p:cxnSp>
-      <p:cxnSp>
-        <p:nvCxnSpPr>
-          <p:cNvPr id="50" name="Straight Arrow Connector 49"/>
-          <p:cNvCxnSpPr>
-            <a:stCxn id="25" idx="3"/>
-            <a:endCxn id="26" idx="1"/>
-          </p:cNvCxnSpPr>
-          <p:nvPr/>
-        </p:nvCxnSpPr>
-        <p:spPr>
-          <a:xfrm>
-            <a:off x="7615382" y="4260850"/>
-            <a:ext cx="301336" cy="0"/>
-          </a:xfrm>
-          <a:prstGeom prst="straightConnector1">
-            <a:avLst/>
-          </a:prstGeom>
-          <a:ln w="28575">
-            <a:solidFill>
-              <a:srgbClr val="FF0000"/>
-            </a:solidFill>
-            <a:tailEnd type="triangle"/>
-          </a:ln>
-        </p:spPr>
-        <p:style>
-          <a:lnRef idx="1">
-            <a:schemeClr val="accent1"/>
-          </a:lnRef>
-          <a:fillRef idx="0">
-            <a:schemeClr val="accent1"/>
-          </a:fillRef>
-          <a:effectRef idx="0">
-            <a:schemeClr val="accent1"/>
-          </a:effectRef>
-          <a:fontRef idx="minor">
-            <a:schemeClr val="tx1"/>
-          </a:fontRef>
-        </p:style>
-      </p:cxnSp>
-      <p:cxnSp>
-        <p:nvCxnSpPr>
-          <p:cNvPr id="52" name="Straight Arrow Connector 51"/>
-          <p:cNvCxnSpPr>
-            <a:stCxn id="26" idx="0"/>
-            <a:endCxn id="8" idx="2"/>
-          </p:cNvCxnSpPr>
-          <p:nvPr/>
-        </p:nvCxnSpPr>
-        <p:spPr>
-          <a:xfrm flipV="1">
-            <a:off x="8412018" y="3571586"/>
-            <a:ext cx="0" cy="422564"/>
-          </a:xfrm>
-          <a:prstGeom prst="straightConnector1">
-            <a:avLst/>
-          </a:prstGeom>
-          <a:ln w="28575">
-            <a:solidFill>
-              <a:srgbClr val="FF0000"/>
-            </a:solidFill>
-            <a:tailEnd type="triangle"/>
-          </a:ln>
-        </p:spPr>
-        <p:style>
-          <a:lnRef idx="1">
-            <a:schemeClr val="accent1"/>
-          </a:lnRef>
-          <a:fillRef idx="0">
-            <a:schemeClr val="accent1"/>
-          </a:fillRef>
-          <a:effectRef idx="0">
-            <a:schemeClr val="accent1"/>
-          </a:effectRef>
-          <a:fontRef idx="minor">
-            <a:schemeClr val="tx1"/>
-          </a:fontRef>
-        </p:style>
-      </p:cxnSp>
-      <p:cxnSp>
-        <p:nvCxnSpPr>
-          <p:cNvPr id="54" name="Straight Arrow Connector 53"/>
-          <p:cNvCxnSpPr>
-            <a:stCxn id="8" idx="0"/>
-            <a:endCxn id="14" idx="2"/>
-          </p:cNvCxnSpPr>
-          <p:nvPr/>
-        </p:nvCxnSpPr>
-        <p:spPr>
-          <a:xfrm flipV="1">
-            <a:off x="8412018" y="2657186"/>
-            <a:ext cx="4618" cy="381000"/>
-          </a:xfrm>
-          <a:prstGeom prst="straightConnector1">
-            <a:avLst/>
-          </a:prstGeom>
-          <a:ln w="28575">
-            <a:solidFill>
-              <a:srgbClr val="FF0000"/>
-            </a:solidFill>
-            <a:tailEnd type="triangle"/>
-          </a:ln>
-        </p:spPr>
-        <p:style>
-          <a:lnRef idx="1">
-            <a:schemeClr val="accent1"/>
-          </a:lnRef>
-          <a:fillRef idx="0">
-            <a:schemeClr val="accent1"/>
-          </a:fillRef>
-          <a:effectRef idx="0">
-            <a:schemeClr val="accent1"/>
-          </a:effectRef>
-          <a:fontRef idx="minor">
-            <a:schemeClr val="tx1"/>
-          </a:fontRef>
-        </p:style>
-      </p:cxnSp>
-      <p:cxnSp>
-        <p:nvCxnSpPr>
-          <p:cNvPr id="56" name="Straight Arrow Connector 55"/>
-          <p:cNvCxnSpPr>
-            <a:stCxn id="14" idx="0"/>
-            <a:endCxn id="20" idx="2"/>
-          </p:cNvCxnSpPr>
-          <p:nvPr/>
-        </p:nvCxnSpPr>
-        <p:spPr>
-          <a:xfrm flipH="1" flipV="1">
-            <a:off x="8412018" y="1719984"/>
-            <a:ext cx="4618" cy="403802"/>
-          </a:xfrm>
-          <a:prstGeom prst="straightConnector1">
-            <a:avLst/>
-          </a:prstGeom>
-          <a:ln w="28575">
-            <a:solidFill>
-              <a:srgbClr val="FF0000"/>
-            </a:solidFill>
-            <a:tailEnd type="triangle"/>
-          </a:ln>
-        </p:spPr>
-        <p:style>
-          <a:lnRef idx="1">
-            <a:schemeClr val="accent1"/>
-          </a:lnRef>
-          <a:fillRef idx="0">
-            <a:schemeClr val="accent1"/>
-          </a:fillRef>
-          <a:effectRef idx="0">
-            <a:schemeClr val="accent1"/>
-          </a:effectRef>
-          <a:fontRef idx="minor">
-            <a:schemeClr val="tx1"/>
-          </a:fontRef>
-        </p:style>
-      </p:cxnSp>
-      <p:cxnSp>
-        <p:nvCxnSpPr>
-          <p:cNvPr id="58" name="Straight Arrow Connector 57"/>
-          <p:cNvCxnSpPr>
-            <a:stCxn id="20" idx="0"/>
-            <a:endCxn id="32" idx="2"/>
-          </p:cNvCxnSpPr>
-          <p:nvPr/>
-        </p:nvCxnSpPr>
-        <p:spPr>
-          <a:xfrm flipV="1">
-            <a:off x="8412018" y="762000"/>
-            <a:ext cx="4618" cy="424584"/>
-          </a:xfrm>
-          <a:prstGeom prst="straightConnector1">
-            <a:avLst/>
-          </a:prstGeom>
-          <a:ln w="28575">
-            <a:solidFill>
-              <a:srgbClr val="FF0000"/>
-            </a:solidFill>
-            <a:tailEnd type="triangle"/>
-          </a:ln>
-        </p:spPr>
-        <p:style>
-          <a:lnRef idx="1">
-            <a:schemeClr val="accent1"/>
-          </a:lnRef>
-          <a:fillRef idx="0">
-            <a:schemeClr val="accent1"/>
-          </a:fillRef>
-          <a:effectRef idx="0">
-            <a:schemeClr val="accent1"/>
-          </a:effectRef>
-          <a:fontRef idx="minor">
-            <a:schemeClr val="tx1"/>
-          </a:fontRef>
-        </p:style>
-      </p:cxnSp>
-      <p:sp>
-        <p:nvSpPr>
-          <p:cNvPr id="59" name="Down Arrow 58"/>
+              <a:rPr lang="en-US" sz="1200" dirty="0" smtClean="0"/>
+              <a:t>Reprocess</a:t>
+            </a:r>
+            <a:endParaRPr lang="en-US" sz="1200" dirty="0"/>
+          </a:p>
+        </p:txBody>
+      </p:sp>
+      <p:sp>
+        <p:nvSpPr>
+          <p:cNvPr id="29" name="TextBox 28"/>
+          <p:cNvSpPr txBox="1"/>
+          <p:nvPr/>
+        </p:nvSpPr>
+        <p:spPr>
+          <a:xfrm>
+            <a:off x="4396509" y="5252073"/>
+            <a:ext cx="990600" cy="276999"/>
+          </a:xfrm>
+          <a:prstGeom prst="rect">
+            <a:avLst/>
+          </a:prstGeom>
+          <a:noFill/>
+        </p:spPr>
+        <p:txBody>
+          <a:bodyPr wrap="square" rtlCol="0">
+            <a:spAutoFit/>
+          </a:bodyPr>
+          <a:lstStyle/>
+          <a:p>
+            <a:pPr algn="ctr"/>
+            <a:r>
+              <a:rPr lang="en-US" sz="1200" dirty="0" smtClean="0"/>
+              <a:t>Reprocess</a:t>
+            </a:r>
+            <a:endParaRPr lang="en-US" sz="1200" dirty="0"/>
+          </a:p>
+        </p:txBody>
+      </p:sp>
+      <p:sp>
+        <p:nvSpPr>
+          <p:cNvPr id="30" name="TextBox 29"/>
+          <p:cNvSpPr txBox="1"/>
+          <p:nvPr/>
+        </p:nvSpPr>
+        <p:spPr>
+          <a:xfrm>
+            <a:off x="6756401" y="5252072"/>
+            <a:ext cx="990600" cy="276999"/>
+          </a:xfrm>
+          <a:prstGeom prst="rect">
+            <a:avLst/>
+          </a:prstGeom>
+          <a:noFill/>
+        </p:spPr>
+        <p:txBody>
+          <a:bodyPr wrap="square" rtlCol="0">
+            <a:spAutoFit/>
+          </a:bodyPr>
+          <a:lstStyle/>
+          <a:p>
+            <a:pPr algn="ctr"/>
+            <a:r>
+              <a:rPr lang="en-US" sz="1200" dirty="0" smtClean="0"/>
+              <a:t>Reprocess</a:t>
+            </a:r>
+            <a:endParaRPr lang="en-US" sz="1200" dirty="0"/>
+          </a:p>
+        </p:txBody>
+      </p:sp>
+      <p:sp>
+        <p:nvSpPr>
+          <p:cNvPr id="31" name="TextBox 30"/>
+          <p:cNvSpPr txBox="1"/>
+          <p:nvPr/>
+        </p:nvSpPr>
+        <p:spPr>
+          <a:xfrm>
+            <a:off x="6782380" y="3939491"/>
+            <a:ext cx="990600" cy="276999"/>
+          </a:xfrm>
+          <a:prstGeom prst="rect">
+            <a:avLst/>
+          </a:prstGeom>
+          <a:noFill/>
+        </p:spPr>
+        <p:txBody>
+          <a:bodyPr wrap="square" rtlCol="0">
+            <a:spAutoFit/>
+          </a:bodyPr>
+          <a:lstStyle/>
+          <a:p>
+            <a:pPr algn="ctr"/>
+            <a:r>
+              <a:rPr lang="en-US" sz="1200" dirty="0" smtClean="0"/>
+              <a:t>Event</a:t>
+            </a:r>
+            <a:endParaRPr lang="en-US" sz="1200" dirty="0"/>
+          </a:p>
+        </p:txBody>
+      </p:sp>
+      <p:sp>
+        <p:nvSpPr>
+          <p:cNvPr id="32" name="TextBox 31"/>
+          <p:cNvSpPr txBox="1"/>
+          <p:nvPr/>
+        </p:nvSpPr>
+        <p:spPr>
+          <a:xfrm>
+            <a:off x="2908302" y="4523600"/>
+            <a:ext cx="990600" cy="276999"/>
+          </a:xfrm>
+          <a:prstGeom prst="rect">
+            <a:avLst/>
+          </a:prstGeom>
+          <a:noFill/>
+        </p:spPr>
+        <p:txBody>
+          <a:bodyPr wrap="square" rtlCol="0">
+            <a:spAutoFit/>
+          </a:bodyPr>
+          <a:lstStyle/>
+          <a:p>
+            <a:pPr algn="ctr"/>
+            <a:r>
+              <a:rPr lang="en-US" sz="1200" dirty="0" smtClean="0"/>
+              <a:t>Cache</a:t>
+            </a:r>
+            <a:endParaRPr lang="en-US" sz="1200" dirty="0"/>
+          </a:p>
+        </p:txBody>
+      </p:sp>
+      <p:sp>
+        <p:nvSpPr>
+          <p:cNvPr id="33" name="TextBox 32"/>
+          <p:cNvSpPr txBox="1"/>
+          <p:nvPr/>
+        </p:nvSpPr>
+        <p:spPr>
+          <a:xfrm>
+            <a:off x="5105400" y="1828799"/>
+            <a:ext cx="2792845" cy="276999"/>
+          </a:xfrm>
+          <a:prstGeom prst="rect">
+            <a:avLst/>
+          </a:prstGeom>
+          <a:noFill/>
+        </p:spPr>
+        <p:txBody>
+          <a:bodyPr wrap="square" rtlCol="0">
+            <a:spAutoFit/>
+          </a:bodyPr>
+          <a:lstStyle/>
+          <a:p>
+            <a:r>
+              <a:rPr lang="en-US" sz="1200" dirty="0" smtClean="0"/>
+              <a:t>Reprocess Revenue Unit, Week and Year</a:t>
+            </a:r>
+            <a:endParaRPr lang="en-US" sz="1200" dirty="0"/>
+          </a:p>
+        </p:txBody>
+      </p:sp>
+      <p:sp>
+        <p:nvSpPr>
+          <p:cNvPr id="34" name="TextBox 33"/>
+          <p:cNvSpPr txBox="1"/>
+          <p:nvPr/>
+        </p:nvSpPr>
+        <p:spPr>
+          <a:xfrm>
+            <a:off x="152401" y="1447799"/>
+            <a:ext cx="3048000" cy="646331"/>
+          </a:xfrm>
+          <a:prstGeom prst="rect">
+            <a:avLst/>
+          </a:prstGeom>
+          <a:noFill/>
+        </p:spPr>
+        <p:txBody>
+          <a:bodyPr wrap="square" rtlCol="0">
+            <a:spAutoFit/>
+          </a:bodyPr>
+          <a:lstStyle/>
+          <a:p>
+            <a:r>
+              <a:rPr lang="en-US" sz="1200" dirty="0" smtClean="0"/>
+              <a:t>Given week, year and entity, retrieve time slots measures for the entity and its immediate children</a:t>
+            </a:r>
+            <a:endParaRPr lang="en-US" sz="1200" dirty="0"/>
+          </a:p>
+        </p:txBody>
+      </p:sp>
+      <p:sp>
+        <p:nvSpPr>
+          <p:cNvPr id="23" name="Rectangle 22"/>
           <p:cNvSpPr/>
           <p:nvPr/>
         </p:nvSpPr>
         <p:spPr>
-          <a:xfrm rot="10800000">
-            <a:off x="6934200" y="5257800"/>
-            <a:ext cx="457200" cy="609600"/>
-          </a:xfrm>
-          <a:prstGeom prst="downArrow">
+          <a:xfrm>
+            <a:off x="3195204" y="193962"/>
+            <a:ext cx="1905000" cy="762000"/>
+          </a:xfrm>
+          <a:prstGeom prst="rect">
             <a:avLst/>
           </a:prstGeom>
         </p:spPr>
@@ -13844,20 +13953,60 @@
           <a:lstStyle/>
           <a:p>
             <a:pPr algn="ctr"/>
-            <a:endParaRPr lang="en-US"/>
-          </a:p>
-        </p:txBody>
-      </p:sp>
-      <p:sp>
-        <p:nvSpPr>
-          <p:cNvPr id="60" name="TextBox 59"/>
+            <a:r>
+              <a:rPr lang="en-US" dirty="0" smtClean="0"/>
+              <a:t>Transactional  System</a:t>
+            </a:r>
+            <a:endParaRPr lang="en-US" sz="1050" dirty="0"/>
+          </a:p>
+        </p:txBody>
+      </p:sp>
+      <p:cxnSp>
+        <p:nvCxnSpPr>
+          <p:cNvPr id="5" name="Straight Arrow Connector 4"/>
+          <p:cNvCxnSpPr>
+            <a:stCxn id="23" idx="2"/>
+            <a:endCxn id="3" idx="0"/>
+          </p:cNvCxnSpPr>
+          <p:nvPr/>
+        </p:nvCxnSpPr>
+        <p:spPr>
+          <a:xfrm>
+            <a:off x="4147704" y="955962"/>
+            <a:ext cx="5196" cy="796637"/>
+          </a:xfrm>
+          <a:prstGeom prst="straightConnector1">
+            <a:avLst/>
+          </a:prstGeom>
+          <a:ln>
+            <a:tailEnd type="triangle"/>
+          </a:ln>
+        </p:spPr>
+        <p:style>
+          <a:lnRef idx="1">
+            <a:schemeClr val="accent1"/>
+          </a:lnRef>
+          <a:fillRef idx="0">
+            <a:schemeClr val="accent1"/>
+          </a:fillRef>
+          <a:effectRef idx="0">
+            <a:schemeClr val="accent1"/>
+          </a:effectRef>
+          <a:fontRef idx="minor">
+            <a:schemeClr val="tx1"/>
+          </a:fontRef>
+        </p:style>
+      </p:cxnSp>
+      <p:sp>
+        <p:nvSpPr>
+          <p:cNvPr id="27" name="TextBox 26"/>
           <p:cNvSpPr txBox="1"/>
           <p:nvPr/>
         </p:nvSpPr>
         <p:spPr>
           <a:xfrm>
-            <a:off x="6477000" y="5867400"/>
-            <a:ext cx="1371599" cy="369332"/>
+            <a:off x="4273551" y="1018401"/>
+            <a:ext cx="2792845" cy="276999"/>
           </a:xfrm>
           <a:prstGeom prst="rect">
             <a:avLst/>
@@ -13870,19 +14019,18 @@
           </a:bodyPr>
           <a:lstStyle/>
           <a:p>
-            <a:pPr algn="ctr"/>
-            <a:r>
-              <a:rPr lang="en-US" dirty="0" smtClean="0"/>
-              <a:t>RE-PROCESS</a:t>
-            </a:r>
-            <a:endParaRPr lang="en-US" dirty="0"/>
+            <a:r>
+              <a:rPr lang="en-US" sz="1200" dirty="0" smtClean="0"/>
+              <a:t>API Posts</a:t>
+            </a:r>
+            <a:endParaRPr lang="en-US" sz="1200" dirty="0"/>
           </a:p>
         </p:txBody>
       </p:sp>
     </p:spTree>
     <p:extLst>
       <p:ext uri="{BB962C8B-B14F-4D97-AF65-F5344CB8AC3E}">
-        <p14:creationId xmlns:p14="http://schemas.microsoft.com/office/powerpoint/2010/main" val="4074299455"/>
+        <p14:creationId xmlns:p14="http://schemas.microsoft.com/office/powerpoint/2010/main" val="3481025242"/>
       </p:ext>
     </p:extLst>
   </p:cSld>

--- a/illustrations/illustrations.pptx
+++ b/illustrations/illustrations.pptx
@@ -238,7 +238,7 @@
             <a:fld id="{1C54B592-DDDB-4FBB-91F2-233647701935}" type="datetimeFigureOut">
               <a:rPr lang="en-US" smtClean="0"/>
               <a:pPr/>
-              <a:t>2/3/2016</a:t>
+              <a:t>2/6/2016</a:t>
             </a:fld>
             <a:endParaRPr lang="en-US" dirty="0"/>
           </a:p>
@@ -796,7 +796,7 @@
           <a:p>
             <a:fld id="{C7AE018C-EBF3-4294-9E53-BB9692A1B238}" type="datetime1">
               <a:rPr lang="en-US" smtClean="0"/>
-              <a:t>2/3/2016</a:t>
+              <a:t>2/6/2016</a:t>
             </a:fld>
             <a:endParaRPr lang="en-US" dirty="0"/>
           </a:p>
@@ -952,7 +952,7 @@
           <a:p>
             <a:fld id="{AC5D3C69-66A1-4D00-B513-42CC0FCC59B6}" type="datetime1">
               <a:rPr lang="en-US" smtClean="0"/>
-              <a:t>2/3/2016</a:t>
+              <a:t>2/6/2016</a:t>
             </a:fld>
             <a:endParaRPr lang="en-US" dirty="0"/>
           </a:p>
@@ -1048,7 +1048,7 @@
           <a:p>
             <a:fld id="{DF081C4C-367B-4CA1-BFE5-DD5EF40A8C1E}" type="datetime1">
               <a:rPr lang="en-US" smtClean="0"/>
-              <a:t>2/3/2016</a:t>
+              <a:t>2/6/2016</a:t>
             </a:fld>
             <a:endParaRPr lang="en-US" dirty="0"/>
           </a:p>
@@ -1338,7 +1338,7 @@
           <a:p>
             <a:fld id="{7284FD7A-D0F1-4BFD-9AB1-D45A3214561B}" type="datetime1">
               <a:rPr lang="en-US" smtClean="0"/>
-              <a:t>2/3/2016</a:t>
+              <a:t>2/6/2016</a:t>
             </a:fld>
             <a:endParaRPr lang="en-US" dirty="0"/>
           </a:p>
@@ -1635,7 +1635,7 @@
           <a:p>
             <a:fld id="{7C1E8470-7002-4B16-912E-F3381BBFC303}" type="datetime1">
               <a:rPr lang="en-US" smtClean="0"/>
-              <a:t>2/3/2016</a:t>
+              <a:t>2/6/2016</a:t>
             </a:fld>
             <a:endParaRPr lang="en-US" dirty="0"/>
           </a:p>
@@ -2066,7 +2066,7 @@
           <a:p>
             <a:fld id="{2668835A-C4A1-487E-A7B8-3E3B6A85266C}" type="datetime1">
               <a:rPr lang="en-US" smtClean="0"/>
-              <a:t>2/3/2016</a:t>
+              <a:t>2/6/2016</a:t>
             </a:fld>
             <a:endParaRPr lang="en-US" dirty="0"/>
           </a:p>
@@ -2162,7 +2162,7 @@
           <a:p>
             <a:fld id="{83E71AAB-E703-47FE-974E-9D2B932F9534}" type="datetime1">
               <a:rPr lang="en-US" smtClean="0"/>
-              <a:t>2/3/2016</a:t>
+              <a:t>2/6/2016</a:t>
             </a:fld>
             <a:endParaRPr lang="en-US" dirty="0"/>
           </a:p>
@@ -2348,7 +2348,7 @@
           <a:p>
             <a:fld id="{C6C74358-98AB-4C1A-82FF-49E7FEE02080}" type="datetime1">
               <a:rPr lang="en-US" smtClean="0"/>
-              <a:t>2/3/2016</a:t>
+              <a:t>2/6/2016</a:t>
             </a:fld>
             <a:endParaRPr lang="en-US" dirty="0"/>
           </a:p>
@@ -13193,13 +13193,13 @@
       </p:sp>
       <p:sp>
         <p:nvSpPr>
-          <p:cNvPr id="6" name="Rectangle 5"/>
+          <p:cNvPr id="7" name="Rectangle 6"/>
           <p:cNvSpPr/>
           <p:nvPr/>
         </p:nvSpPr>
         <p:spPr>
           <a:xfrm>
-            <a:off x="1295400" y="2895599"/>
+            <a:off x="5119255" y="2895599"/>
             <a:ext cx="1905000" cy="762000"/>
           </a:xfrm>
           <a:prstGeom prst="rect">
@@ -13229,57 +13229,6 @@
             <a:pPr algn="ctr"/>
             <a:r>
               <a:rPr lang="en-US" dirty="0" smtClean="0"/>
-              <a:t>Entity Service</a:t>
-            </a:r>
-          </a:p>
-          <a:p>
-            <a:pPr algn="ctr"/>
-            <a:r>
-              <a:rPr lang="en-US" sz="1050" dirty="0" smtClean="0"/>
-              <a:t>Caching</a:t>
-            </a:r>
-            <a:endParaRPr lang="en-US" sz="1050" dirty="0"/>
-          </a:p>
-        </p:txBody>
-      </p:sp>
-      <p:sp>
-        <p:nvSpPr>
-          <p:cNvPr id="7" name="Rectangle 6"/>
-          <p:cNvSpPr/>
-          <p:nvPr/>
-        </p:nvSpPr>
-        <p:spPr>
-          <a:xfrm>
-            <a:off x="5119255" y="2895599"/>
-            <a:ext cx="1905000" cy="762000"/>
-          </a:xfrm>
-          <a:prstGeom prst="rect">
-            <a:avLst/>
-          </a:prstGeom>
-        </p:spPr>
-        <p:style>
-          <a:lnRef idx="2">
-            <a:schemeClr val="accent3">
-              <a:shade val="50000"/>
-            </a:schemeClr>
-          </a:lnRef>
-          <a:fillRef idx="1">
-            <a:schemeClr val="accent3"/>
-          </a:fillRef>
-          <a:effectRef idx="0">
-            <a:schemeClr val="accent3"/>
-          </a:effectRef>
-          <a:fontRef idx="minor">
-            <a:schemeClr val="lt1"/>
-          </a:fontRef>
-        </p:style>
-        <p:txBody>
-          <a:bodyPr rtlCol="0" anchor="ctr"/>
-          <a:lstStyle/>
-          <a:p>
-            <a:pPr algn="ctr"/>
-            <a:r>
-              <a:rPr lang="en-US" dirty="0" smtClean="0"/>
               <a:t>Enqueuer Service</a:t>
             </a:r>
           </a:p>
@@ -13440,48 +13389,16 @@
             <a:pPr algn="ctr"/>
             <a:r>
               <a:rPr lang="en-US" sz="1050" dirty="0" smtClean="0"/>
-              <a:t>Forward Week</a:t>
+              <a:t>Forward </a:t>
+            </a:r>
+            <a:r>
+              <a:rPr lang="en-US" sz="1050" dirty="0" smtClean="0"/>
+              <a:t>Period</a:t>
             </a:r>
             <a:endParaRPr lang="en-US" sz="1050" dirty="0"/>
           </a:p>
         </p:txBody>
       </p:sp>
-      <p:cxnSp>
-        <p:nvCxnSpPr>
-          <p:cNvPr id="14" name="Curved Connector 13"/>
-          <p:cNvCxnSpPr>
-            <a:stCxn id="8" idx="1"/>
-            <a:endCxn id="6" idx="2"/>
-          </p:cNvCxnSpPr>
-          <p:nvPr/>
-        </p:nvCxnSpPr>
-        <p:spPr>
-          <a:xfrm rot="10800000">
-            <a:off x="2247901" y="3657599"/>
-            <a:ext cx="3176155" cy="1371600"/>
-          </a:xfrm>
-          <a:prstGeom prst="curvedConnector2">
-            <a:avLst/>
-          </a:prstGeom>
-          <a:ln>
-            <a:tailEnd type="triangle"/>
-          </a:ln>
-        </p:spPr>
-        <p:style>
-          <a:lnRef idx="1">
-            <a:schemeClr val="accent1"/>
-          </a:lnRef>
-          <a:fillRef idx="0">
-            <a:schemeClr val="accent1"/>
-          </a:fillRef>
-          <a:effectRef idx="0">
-            <a:schemeClr val="accent1"/>
-          </a:effectRef>
-          <a:fontRef idx="minor">
-            <a:schemeClr val="tx1"/>
-          </a:fontRef>
-        </p:style>
-      </p:cxnSp>
       <p:cxnSp>
         <p:nvCxnSpPr>
           <p:cNvPr id="16" name="Curved Connector 15"/>
@@ -13634,7 +13551,6 @@
           <p:cNvPr id="24" name="Elbow Connector 23"/>
           <p:cNvCxnSpPr>
             <a:stCxn id="3" idx="1"/>
-            <a:endCxn id="6" idx="0"/>
           </p:cNvCxnSpPr>
           <p:nvPr/>
         </p:nvCxnSpPr>
@@ -13828,37 +13744,6 @@
       </p:sp>
       <p:sp>
         <p:nvSpPr>
-          <p:cNvPr id="32" name="TextBox 31"/>
-          <p:cNvSpPr txBox="1"/>
-          <p:nvPr/>
-        </p:nvSpPr>
-        <p:spPr>
-          <a:xfrm>
-            <a:off x="2908302" y="4523600"/>
-            <a:ext cx="990600" cy="276999"/>
-          </a:xfrm>
-          <a:prstGeom prst="rect">
-            <a:avLst/>
-          </a:prstGeom>
-          <a:noFill/>
-        </p:spPr>
-        <p:txBody>
-          <a:bodyPr wrap="square" rtlCol="0">
-            <a:spAutoFit/>
-          </a:bodyPr>
-          <a:lstStyle/>
-          <a:p>
-            <a:pPr algn="ctr"/>
-            <a:r>
-              <a:rPr lang="en-US" sz="1200" dirty="0" smtClean="0"/>
-              <a:t>Cache</a:t>
-            </a:r>
-            <a:endParaRPr lang="en-US" sz="1200" dirty="0"/>
-          </a:p>
-        </p:txBody>
-      </p:sp>
-      <p:sp>
-        <p:nvSpPr>
           <p:cNvPr id="33" name="TextBox 32"/>
           <p:cNvSpPr txBox="1"/>
           <p:nvPr/>
@@ -14022,6 +13907,122 @@
             <a:r>
               <a:rPr lang="en-US" sz="1200" dirty="0" smtClean="0"/>
               <a:t>API Posts</a:t>
+            </a:r>
+            <a:endParaRPr lang="en-US" sz="1200" dirty="0"/>
+          </a:p>
+        </p:txBody>
+      </p:sp>
+      <p:sp>
+        <p:nvSpPr>
+          <p:cNvPr id="35" name="Rectangle 34"/>
+          <p:cNvSpPr/>
+          <p:nvPr/>
+        </p:nvSpPr>
+        <p:spPr>
+          <a:xfrm>
+            <a:off x="1676401" y="4611254"/>
+            <a:ext cx="1295400" cy="762000"/>
+          </a:xfrm>
+          <a:prstGeom prst="rect">
+            <a:avLst/>
+          </a:prstGeom>
+        </p:spPr>
+        <p:style>
+          <a:lnRef idx="2">
+            <a:schemeClr val="accent6">
+              <a:shade val="50000"/>
+            </a:schemeClr>
+          </a:lnRef>
+          <a:fillRef idx="1">
+            <a:schemeClr val="accent6"/>
+          </a:fillRef>
+          <a:effectRef idx="0">
+            <a:schemeClr val="accent6"/>
+          </a:effectRef>
+          <a:fontRef idx="minor">
+            <a:schemeClr val="lt1"/>
+          </a:fontRef>
+        </p:style>
+        <p:txBody>
+          <a:bodyPr rtlCol="0" anchor="ctr"/>
+          <a:lstStyle/>
+          <a:p>
+            <a:pPr algn="ctr"/>
+            <a:r>
+              <a:rPr lang="en-US" dirty="0" smtClean="0"/>
+              <a:t>Hierarchical </a:t>
+            </a:r>
+            <a:r>
+              <a:rPr lang="en-US" dirty="0" smtClean="0"/>
+              <a:t>Actor</a:t>
+            </a:r>
+          </a:p>
+          <a:p>
+            <a:pPr algn="ctr"/>
+            <a:endParaRPr lang="en-US" sz="1050" dirty="0"/>
+          </a:p>
+        </p:txBody>
+      </p:sp>
+      <p:sp>
+        <p:nvSpPr>
+          <p:cNvPr id="36" name="TextBox 35"/>
+          <p:cNvSpPr txBox="1"/>
+          <p:nvPr/>
+        </p:nvSpPr>
+        <p:spPr>
+          <a:xfrm>
+            <a:off x="1034474" y="5488803"/>
+            <a:ext cx="2792845" cy="276999"/>
+          </a:xfrm>
+          <a:prstGeom prst="rect">
+            <a:avLst/>
+          </a:prstGeom>
+          <a:noFill/>
+        </p:spPr>
+        <p:txBody>
+          <a:bodyPr wrap="square" rtlCol="0">
+            <a:spAutoFit/>
+          </a:bodyPr>
+          <a:lstStyle/>
+          <a:p>
+            <a:r>
+              <a:rPr lang="en-US" sz="1200" dirty="0" smtClean="0"/>
+              <a:t>Serves as entities and periods state store</a:t>
+            </a:r>
+            <a:endParaRPr lang="en-US" sz="1200" dirty="0"/>
+          </a:p>
+        </p:txBody>
+      </p:sp>
+      <p:sp>
+        <p:nvSpPr>
+          <p:cNvPr id="37" name="TextBox 36"/>
+          <p:cNvSpPr txBox="1"/>
+          <p:nvPr/>
+        </p:nvSpPr>
+        <p:spPr>
+          <a:xfrm>
+            <a:off x="685800" y="2935069"/>
+            <a:ext cx="3048000" cy="646331"/>
+          </a:xfrm>
+          <a:prstGeom prst="rect">
+            <a:avLst/>
+          </a:prstGeom>
+          <a:noFill/>
+          <a:ln>
+            <a:solidFill>
+              <a:schemeClr val="accent1"/>
+            </a:solidFill>
+          </a:ln>
+        </p:spPr>
+        <p:txBody>
+          <a:bodyPr wrap="square" rtlCol="0">
+            <a:spAutoFit/>
+          </a:bodyPr>
+          <a:lstStyle/>
+          <a:p>
+            <a:r>
+              <a:rPr lang="en-US" sz="1200" dirty="0" smtClean="0"/>
+              <a:t>Activates the required entity actor, its parent and its children and aggregate their state into a response</a:t>
             </a:r>
             <a:endParaRPr lang="en-US" sz="1200" dirty="0"/>
           </a:p>

--- a/illustrations/illustrations.pptx
+++ b/illustrations/illustrations.pptx
@@ -5,7 +5,7 @@
     <p:sldMasterId id="2147483648" r:id="rId1"/>
   </p:sldMasterIdLst>
   <p:notesMasterIdLst>
-    <p:notesMasterId r:id="rId11"/>
+    <p:notesMasterId r:id="rId15"/>
   </p:notesMasterIdLst>
   <p:sldIdLst>
     <p:sldId id="574" r:id="rId2"/>
@@ -17,6 +17,10 @@
     <p:sldId id="581" r:id="rId8"/>
     <p:sldId id="582" r:id="rId9"/>
     <p:sldId id="580" r:id="rId10"/>
+    <p:sldId id="583" r:id="rId11"/>
+    <p:sldId id="584" r:id="rId12"/>
+    <p:sldId id="585" r:id="rId13"/>
+    <p:sldId id="586" r:id="rId14"/>
   </p:sldIdLst>
   <p:sldSz cx="9144000" cy="6858000" type="screen4x3"/>
   <p:notesSz cx="6858000" cy="9144000"/>
@@ -238,7 +242,7 @@
             <a:fld id="{1C54B592-DDDB-4FBB-91F2-233647701935}" type="datetimeFigureOut">
               <a:rPr lang="en-US" smtClean="0"/>
               <a:pPr/>
-              <a:t>2/6/2016</a:t>
+              <a:t>5/7/2016</a:t>
             </a:fld>
             <a:endParaRPr lang="en-US" dirty="0"/>
           </a:p>
@@ -302,38 +306,37 @@
           <a:p>
             <a:pPr lvl="0"/>
             <a:r>
-              <a:rPr lang="en-US" smtClean="0"/>
+              <a:rPr lang="en-US"/>
               <a:t>Click to edit Master text styles</a:t>
             </a:r>
           </a:p>
           <a:p>
             <a:pPr lvl="1"/>
             <a:r>
-              <a:rPr lang="en-US" smtClean="0"/>
+              <a:rPr lang="en-US"/>
               <a:t>Second level</a:t>
             </a:r>
           </a:p>
           <a:p>
             <a:pPr lvl="2"/>
             <a:r>
-              <a:rPr lang="en-US" smtClean="0"/>
+              <a:rPr lang="en-US"/>
               <a:t>Third level</a:t>
             </a:r>
           </a:p>
           <a:p>
             <a:pPr lvl="3"/>
             <a:r>
-              <a:rPr lang="en-US" smtClean="0"/>
+              <a:rPr lang="en-US"/>
               <a:t>Fourth level</a:t>
             </a:r>
           </a:p>
           <a:p>
             <a:pPr lvl="4"/>
             <a:r>
-              <a:rPr lang="en-US" smtClean="0"/>
+              <a:rPr lang="en-US"/>
               <a:t>Fifth level</a:t>
             </a:r>
-            <a:endParaRPr lang="en-US"/>
           </a:p>
         </p:txBody>
       </p:sp>
@@ -651,10 +654,9 @@
           </a:lstStyle>
           <a:p>
             <a:r>
-              <a:rPr lang="en-US" dirty="0" smtClean="0"/>
+              <a:rPr lang="en-US" dirty="0"/>
               <a:t>Click to edit Master title style</a:t>
             </a:r>
-            <a:endParaRPr lang="en-US" dirty="0"/>
           </a:p>
         </p:txBody>
       </p:sp>
@@ -772,10 +774,9 @@
           </a:lstStyle>
           <a:p>
             <a:r>
-              <a:rPr lang="en-US" dirty="0" smtClean="0"/>
+              <a:rPr lang="en-US" dirty="0"/>
               <a:t>Click to edit Master subtitle style</a:t>
             </a:r>
-            <a:endParaRPr lang="en-US" dirty="0"/>
           </a:p>
         </p:txBody>
       </p:sp>
@@ -796,7 +797,7 @@
           <a:p>
             <a:fld id="{C7AE018C-EBF3-4294-9E53-BB9692A1B238}" type="datetime1">
               <a:rPr lang="en-US" smtClean="0"/>
-              <a:t>2/6/2016</a:t>
+              <a:t>5/7/2016</a:t>
             </a:fld>
             <a:endParaRPr lang="en-US" dirty="0"/>
           </a:p>
@@ -900,38 +901,37 @@
           <a:p>
             <a:pPr lvl="0"/>
             <a:r>
-              <a:rPr lang="en-US" dirty="0" smtClean="0"/>
+              <a:rPr lang="en-US" dirty="0"/>
               <a:t>Click to edit Master text styles</a:t>
             </a:r>
           </a:p>
           <a:p>
             <a:pPr lvl="1"/>
             <a:r>
-              <a:rPr lang="en-US" dirty="0" smtClean="0"/>
+              <a:rPr lang="en-US" dirty="0"/>
               <a:t>Second level</a:t>
             </a:r>
           </a:p>
           <a:p>
             <a:pPr lvl="2"/>
             <a:r>
-              <a:rPr lang="en-US" dirty="0" smtClean="0"/>
+              <a:rPr lang="en-US" dirty="0"/>
               <a:t>Third level</a:t>
             </a:r>
           </a:p>
           <a:p>
             <a:pPr lvl="3"/>
             <a:r>
-              <a:rPr lang="en-US" dirty="0" smtClean="0"/>
+              <a:rPr lang="en-US" dirty="0"/>
               <a:t>Fourth level</a:t>
             </a:r>
           </a:p>
           <a:p>
             <a:pPr lvl="4"/>
             <a:r>
-              <a:rPr lang="en-US" dirty="0" smtClean="0"/>
+              <a:rPr lang="en-US" dirty="0"/>
               <a:t>Fifth level</a:t>
             </a:r>
-            <a:endParaRPr lang="en-US" dirty="0"/>
           </a:p>
         </p:txBody>
       </p:sp>
@@ -952,7 +952,7 @@
           <a:p>
             <a:fld id="{AC5D3C69-66A1-4D00-B513-42CC0FCC59B6}" type="datetime1">
               <a:rPr lang="en-US" smtClean="0"/>
-              <a:t>2/6/2016</a:t>
+              <a:t>5/7/2016</a:t>
             </a:fld>
             <a:endParaRPr lang="en-US" dirty="0"/>
           </a:p>
@@ -1048,7 +1048,7 @@
           <a:p>
             <a:fld id="{DF081C4C-367B-4CA1-BFE5-DD5EF40A8C1E}" type="datetime1">
               <a:rPr lang="en-US" smtClean="0"/>
-              <a:t>2/6/2016</a:t>
+              <a:t>5/7/2016</a:t>
             </a:fld>
             <a:endParaRPr lang="en-US" dirty="0"/>
           </a:p>
@@ -1123,10 +1123,9 @@
           <a:lstStyle/>
           <a:p>
             <a:r>
-              <a:rPr lang="en-US" dirty="0" smtClean="0"/>
+              <a:rPr lang="en-US" dirty="0"/>
               <a:t>Click to edit Master title style</a:t>
             </a:r>
-            <a:endParaRPr lang="en-US" dirty="0"/>
           </a:p>
         </p:txBody>
       </p:sp>
@@ -1193,10 +1192,9 @@
           </a:lstStyle>
           <a:p>
             <a:r>
-              <a:rPr lang="en-US" dirty="0" smtClean="0"/>
+              <a:rPr lang="en-US" dirty="0"/>
               <a:t>Click to edit master title style</a:t>
             </a:r>
-            <a:endParaRPr lang="en-US" dirty="0"/>
           </a:p>
         </p:txBody>
       </p:sp>
@@ -1315,7 +1313,7 @@
           <a:p>
             <a:pPr lvl="0"/>
             <a:r>
-              <a:rPr lang="en-US" smtClean="0"/>
+              <a:rPr lang="en-US"/>
               <a:t>Click to edit Master text styles</a:t>
             </a:r>
           </a:p>
@@ -1338,7 +1336,7 @@
           <a:p>
             <a:fld id="{7284FD7A-D0F1-4BFD-9AB1-D45A3214561B}" type="datetime1">
               <a:rPr lang="en-US" smtClean="0"/>
-              <a:t>2/6/2016</a:t>
+              <a:t>5/7/2016</a:t>
             </a:fld>
             <a:endParaRPr lang="en-US" dirty="0"/>
           </a:p>
@@ -1441,10 +1439,9 @@
           <a:lstStyle/>
           <a:p>
             <a:r>
-              <a:rPr lang="en-US" smtClean="0"/>
+              <a:rPr lang="en-US"/>
               <a:t>Click to edit Master title style</a:t>
             </a:r>
-            <a:endParaRPr lang="en-US"/>
           </a:p>
         </p:txBody>
       </p:sp>
@@ -1498,38 +1495,37 @@
           <a:p>
             <a:pPr lvl="0"/>
             <a:r>
-              <a:rPr lang="en-US" smtClean="0"/>
+              <a:rPr lang="en-US"/>
               <a:t>Click to edit Master text styles</a:t>
             </a:r>
           </a:p>
           <a:p>
             <a:pPr lvl="1"/>
             <a:r>
-              <a:rPr lang="en-US" smtClean="0"/>
+              <a:rPr lang="en-US"/>
               <a:t>Second level</a:t>
             </a:r>
           </a:p>
           <a:p>
             <a:pPr lvl="2"/>
             <a:r>
-              <a:rPr lang="en-US" smtClean="0"/>
+              <a:rPr lang="en-US"/>
               <a:t>Third level</a:t>
             </a:r>
           </a:p>
           <a:p>
             <a:pPr lvl="3"/>
             <a:r>
-              <a:rPr lang="en-US" smtClean="0"/>
+              <a:rPr lang="en-US"/>
               <a:t>Fourth level</a:t>
             </a:r>
           </a:p>
           <a:p>
             <a:pPr lvl="4"/>
             <a:r>
-              <a:rPr lang="en-US" smtClean="0"/>
+              <a:rPr lang="en-US"/>
               <a:t>Fifth level</a:t>
             </a:r>
-            <a:endParaRPr lang="en-US"/>
           </a:p>
         </p:txBody>
       </p:sp>
@@ -1583,38 +1579,37 @@
           <a:p>
             <a:pPr lvl="0"/>
             <a:r>
-              <a:rPr lang="en-US" smtClean="0"/>
+              <a:rPr lang="en-US"/>
               <a:t>Click to edit Master text styles</a:t>
             </a:r>
           </a:p>
           <a:p>
             <a:pPr lvl="1"/>
             <a:r>
-              <a:rPr lang="en-US" smtClean="0"/>
+              <a:rPr lang="en-US"/>
               <a:t>Second level</a:t>
             </a:r>
           </a:p>
           <a:p>
             <a:pPr lvl="2"/>
             <a:r>
-              <a:rPr lang="en-US" smtClean="0"/>
+              <a:rPr lang="en-US"/>
               <a:t>Third level</a:t>
             </a:r>
           </a:p>
           <a:p>
             <a:pPr lvl="3"/>
             <a:r>
-              <a:rPr lang="en-US" smtClean="0"/>
+              <a:rPr lang="en-US"/>
               <a:t>Fourth level</a:t>
             </a:r>
           </a:p>
           <a:p>
             <a:pPr lvl="4"/>
             <a:r>
-              <a:rPr lang="en-US" smtClean="0"/>
+              <a:rPr lang="en-US"/>
               <a:t>Fifth level</a:t>
             </a:r>
-            <a:endParaRPr lang="en-US"/>
           </a:p>
         </p:txBody>
       </p:sp>
@@ -1635,7 +1630,7 @@
           <a:p>
             <a:fld id="{7C1E8470-7002-4B16-912E-F3381BBFC303}" type="datetime1">
               <a:rPr lang="en-US" smtClean="0"/>
-              <a:t>2/6/2016</a:t>
+              <a:t>5/7/2016</a:t>
             </a:fld>
             <a:endParaRPr lang="en-US" dirty="0"/>
           </a:p>
@@ -1742,10 +1737,9 @@
           </a:lstStyle>
           <a:p>
             <a:r>
-              <a:rPr lang="en-US" smtClean="0"/>
+              <a:rPr lang="en-US"/>
               <a:t>Click to edit Master title style</a:t>
             </a:r>
-            <a:endParaRPr lang="en-US"/>
           </a:p>
         </p:txBody>
       </p:sp>
@@ -1808,7 +1802,7 @@
           <a:p>
             <a:pPr lvl="0"/>
             <a:r>
-              <a:rPr lang="en-US" smtClean="0"/>
+              <a:rPr lang="en-US"/>
               <a:t>Click to edit Master text styles</a:t>
             </a:r>
           </a:p>
@@ -1864,38 +1858,37 @@
           <a:p>
             <a:pPr lvl="0"/>
             <a:r>
-              <a:rPr lang="en-US" smtClean="0"/>
+              <a:rPr lang="en-US"/>
               <a:t>Click to edit Master text styles</a:t>
             </a:r>
           </a:p>
           <a:p>
             <a:pPr lvl="1"/>
             <a:r>
-              <a:rPr lang="en-US" smtClean="0"/>
+              <a:rPr lang="en-US"/>
               <a:t>Second level</a:t>
             </a:r>
           </a:p>
           <a:p>
             <a:pPr lvl="2"/>
             <a:r>
-              <a:rPr lang="en-US" smtClean="0"/>
+              <a:rPr lang="en-US"/>
               <a:t>Third level</a:t>
             </a:r>
           </a:p>
           <a:p>
             <a:pPr lvl="3"/>
             <a:r>
-              <a:rPr lang="en-US" smtClean="0"/>
+              <a:rPr lang="en-US"/>
               <a:t>Fourth level</a:t>
             </a:r>
           </a:p>
           <a:p>
             <a:pPr lvl="4"/>
             <a:r>
-              <a:rPr lang="en-US" smtClean="0"/>
+              <a:rPr lang="en-US"/>
               <a:t>Fifth level</a:t>
             </a:r>
-            <a:endParaRPr lang="en-US"/>
           </a:p>
         </p:txBody>
       </p:sp>
@@ -1958,7 +1951,7 @@
           <a:p>
             <a:pPr lvl="0"/>
             <a:r>
-              <a:rPr lang="en-US" smtClean="0"/>
+              <a:rPr lang="en-US"/>
               <a:t>Click to edit Master text styles</a:t>
             </a:r>
           </a:p>
@@ -2014,38 +2007,37 @@
           <a:p>
             <a:pPr lvl="0"/>
             <a:r>
-              <a:rPr lang="en-US" smtClean="0"/>
+              <a:rPr lang="en-US"/>
               <a:t>Click to edit Master text styles</a:t>
             </a:r>
           </a:p>
           <a:p>
             <a:pPr lvl="1"/>
             <a:r>
-              <a:rPr lang="en-US" smtClean="0"/>
+              <a:rPr lang="en-US"/>
               <a:t>Second level</a:t>
             </a:r>
           </a:p>
           <a:p>
             <a:pPr lvl="2"/>
             <a:r>
-              <a:rPr lang="en-US" smtClean="0"/>
+              <a:rPr lang="en-US"/>
               <a:t>Third level</a:t>
             </a:r>
           </a:p>
           <a:p>
             <a:pPr lvl="3"/>
             <a:r>
-              <a:rPr lang="en-US" smtClean="0"/>
+              <a:rPr lang="en-US"/>
               <a:t>Fourth level</a:t>
             </a:r>
           </a:p>
           <a:p>
             <a:pPr lvl="4"/>
             <a:r>
-              <a:rPr lang="en-US" smtClean="0"/>
+              <a:rPr lang="en-US"/>
               <a:t>Fifth level</a:t>
             </a:r>
-            <a:endParaRPr lang="en-US"/>
           </a:p>
         </p:txBody>
       </p:sp>
@@ -2066,7 +2058,7 @@
           <a:p>
             <a:fld id="{2668835A-C4A1-487E-A7B8-3E3B6A85266C}" type="datetime1">
               <a:rPr lang="en-US" smtClean="0"/>
-              <a:t>2/6/2016</a:t>
+              <a:t>5/7/2016</a:t>
             </a:fld>
             <a:endParaRPr lang="en-US" dirty="0"/>
           </a:p>
@@ -2162,7 +2154,7 @@
           <a:p>
             <a:fld id="{83E71AAB-E703-47FE-974E-9D2B932F9534}" type="datetime1">
               <a:rPr lang="en-US" smtClean="0"/>
-              <a:t>2/6/2016</a:t>
+              <a:t>5/7/2016</a:t>
             </a:fld>
             <a:endParaRPr lang="en-US" dirty="0"/>
           </a:p>
@@ -2278,38 +2270,37 @@
           <a:p>
             <a:pPr lvl="0"/>
             <a:r>
-              <a:rPr lang="en-US" dirty="0" smtClean="0"/>
+              <a:rPr lang="en-US" dirty="0"/>
               <a:t>Click to edit Master text styles</a:t>
             </a:r>
           </a:p>
           <a:p>
             <a:pPr lvl="1"/>
             <a:r>
-              <a:rPr lang="en-US" dirty="0" smtClean="0"/>
+              <a:rPr lang="en-US" dirty="0"/>
               <a:t>Second level</a:t>
             </a:r>
           </a:p>
           <a:p>
             <a:pPr lvl="2"/>
             <a:r>
-              <a:rPr lang="en-US" dirty="0" smtClean="0"/>
+              <a:rPr lang="en-US" dirty="0"/>
               <a:t>Third level</a:t>
             </a:r>
           </a:p>
           <a:p>
             <a:pPr lvl="3"/>
             <a:r>
-              <a:rPr lang="en-US" dirty="0" smtClean="0"/>
+              <a:rPr lang="en-US" dirty="0"/>
               <a:t>Fourth level</a:t>
             </a:r>
           </a:p>
           <a:p>
             <a:pPr lvl="4"/>
             <a:r>
-              <a:rPr lang="en-US" dirty="0" smtClean="0"/>
+              <a:rPr lang="en-US" dirty="0"/>
               <a:t>Fifth level</a:t>
             </a:r>
-            <a:endParaRPr lang="en-US" dirty="0"/>
           </a:p>
         </p:txBody>
       </p:sp>
@@ -2348,7 +2339,7 @@
           <a:p>
             <a:fld id="{C6C74358-98AB-4C1A-82FF-49E7FEE02080}" type="datetime1">
               <a:rPr lang="en-US" smtClean="0"/>
-              <a:t>2/6/2016</a:t>
+              <a:t>5/7/2016</a:t>
             </a:fld>
             <a:endParaRPr lang="en-US" dirty="0"/>
           </a:p>
@@ -2823,7 +2814,7 @@
           <a:p>
             <a:pPr algn="ctr"/>
             <a:r>
-              <a:rPr lang="en-US" dirty="0" smtClean="0">
+              <a:rPr lang="en-US" dirty="0">
                 <a:latin typeface="Segoe UI Light" panose="020B0502040204020203" pitchFamily="34" charset="0"/>
                 <a:cs typeface="Segoe UI Light" panose="020B0502040204020203" pitchFamily="34" charset="0"/>
               </a:rPr>
@@ -2833,16 +2824,12 @@
           <a:p>
             <a:pPr algn="ctr"/>
             <a:r>
-              <a:rPr lang="en-US" sz="1100" dirty="0" smtClean="0">
+              <a:rPr lang="en-US" sz="1100" dirty="0">
                 <a:latin typeface="Segoe UI Light" panose="020B0502040204020203" pitchFamily="34" charset="0"/>
                 <a:cs typeface="Segoe UI Light" panose="020B0502040204020203" pitchFamily="34" charset="0"/>
               </a:rPr>
               <a:t>Hotels Network</a:t>
             </a:r>
-            <a:endParaRPr lang="en-US" sz="1100" dirty="0">
-              <a:latin typeface="Segoe UI Light" panose="020B0502040204020203" pitchFamily="34" charset="0"/>
-              <a:cs typeface="Segoe UI Light" panose="020B0502040204020203" pitchFamily="34" charset="0"/>
-            </a:endParaRPr>
           </a:p>
         </p:txBody>
       </p:sp>
@@ -2881,7 +2868,7 @@
           <a:p>
             <a:pPr algn="ctr"/>
             <a:r>
-              <a:rPr lang="en-US" dirty="0" smtClean="0">
+              <a:rPr lang="en-US" dirty="0">
                 <a:latin typeface="Segoe UI Light" panose="020B0502040204020203" pitchFamily="34" charset="0"/>
                 <a:cs typeface="Segoe UI Light" panose="020B0502040204020203" pitchFamily="34" charset="0"/>
               </a:rPr>
@@ -2891,7 +2878,7 @@
           <a:p>
             <a:pPr algn="ctr"/>
             <a:r>
-              <a:rPr lang="en-US" sz="1100" dirty="0" smtClean="0">
+              <a:rPr lang="en-US" sz="1100" dirty="0">
                 <a:latin typeface="Segoe UI Light" panose="020B0502040204020203" pitchFamily="34" charset="0"/>
                 <a:cs typeface="Segoe UI Light" panose="020B0502040204020203" pitchFamily="34" charset="0"/>
               </a:rPr>
@@ -2901,16 +2888,12 @@
           <a:p>
             <a:pPr algn="ctr"/>
             <a:r>
-              <a:rPr lang="en-US" sz="1100" dirty="0" smtClean="0">
+              <a:rPr lang="en-US" sz="1100" dirty="0">
                 <a:latin typeface="Segoe UI Light" panose="020B0502040204020203" pitchFamily="34" charset="0"/>
                 <a:cs typeface="Segoe UI Light" panose="020B0502040204020203" pitchFamily="34" charset="0"/>
               </a:rPr>
               <a:t>Stationary - Windows Service</a:t>
             </a:r>
-            <a:endParaRPr lang="en-US" sz="1100" dirty="0">
-              <a:latin typeface="Segoe UI Light" panose="020B0502040204020203" pitchFamily="34" charset="0"/>
-              <a:cs typeface="Segoe UI Light" panose="020B0502040204020203" pitchFamily="34" charset="0"/>
-            </a:endParaRPr>
           </a:p>
         </p:txBody>
       </p:sp>
@@ -2956,7 +2939,7 @@
           <a:p>
             <a:pPr algn="ctr"/>
             <a:r>
-              <a:rPr lang="en-US" dirty="0" smtClean="0">
+              <a:rPr lang="en-US" dirty="0">
                 <a:latin typeface="Segoe UI Light" panose="020B0502040204020203" pitchFamily="34" charset="0"/>
                 <a:cs typeface="Segoe UI Light" panose="020B0502040204020203" pitchFamily="34" charset="0"/>
               </a:rPr>
@@ -2966,16 +2949,12 @@
           <a:p>
             <a:pPr algn="ctr"/>
             <a:r>
-              <a:rPr lang="en-US" sz="1100" dirty="0" smtClean="0">
+              <a:rPr lang="en-US" sz="1100" dirty="0">
                 <a:latin typeface="Segoe UI Light" panose="020B0502040204020203" pitchFamily="34" charset="0"/>
                 <a:cs typeface="Segoe UI Light" panose="020B0502040204020203" pitchFamily="34" charset="0"/>
               </a:rPr>
               <a:t>Web API</a:t>
             </a:r>
-            <a:endParaRPr lang="en-US" sz="1100" dirty="0">
-              <a:latin typeface="Segoe UI Light" panose="020B0502040204020203" pitchFamily="34" charset="0"/>
-              <a:cs typeface="Segoe UI Light" panose="020B0502040204020203" pitchFamily="34" charset="0"/>
-            </a:endParaRPr>
           </a:p>
         </p:txBody>
       </p:sp>
@@ -3077,7 +3056,7 @@
           <a:p>
             <a:pPr algn="ctr"/>
             <a:r>
-              <a:rPr lang="en-US" sz="1400" dirty="0" smtClean="0">
+              <a:rPr lang="en-US" sz="1400" dirty="0">
                 <a:solidFill>
                   <a:schemeClr val="accent5"/>
                 </a:solidFill>
@@ -3090,7 +3069,7 @@
           <a:p>
             <a:pPr algn="ctr"/>
             <a:r>
-              <a:rPr lang="en-US" sz="1400" dirty="0" smtClean="0">
+              <a:rPr lang="en-US" sz="1400" dirty="0">
                 <a:solidFill>
                   <a:schemeClr val="accent5"/>
                 </a:solidFill>
@@ -3099,13 +3078,6 @@
               </a:rPr>
               <a:t>Port 5002</a:t>
             </a:r>
-            <a:endParaRPr lang="en-US" sz="1400" dirty="0">
-              <a:solidFill>
-                <a:schemeClr val="accent5"/>
-              </a:solidFill>
-              <a:latin typeface="Segoe UI Light" panose="020B0502040204020203" pitchFamily="34" charset="0"/>
-              <a:cs typeface="Segoe UI Light" panose="020B0502040204020203" pitchFamily="34" charset="0"/>
-            </a:endParaRPr>
           </a:p>
         </p:txBody>
       </p:sp>
@@ -3133,7 +3105,7 @@
           <a:p>
             <a:pPr algn="ctr"/>
             <a:r>
-              <a:rPr lang="en-US" sz="1400" dirty="0" smtClean="0">
+              <a:rPr lang="en-US" sz="1400" dirty="0">
                 <a:solidFill>
                   <a:srgbClr val="FF0000"/>
                 </a:solidFill>
@@ -3142,13 +3114,6 @@
               </a:rPr>
               <a:t>HTTPS</a:t>
             </a:r>
-            <a:endParaRPr lang="en-US" sz="1400" dirty="0">
-              <a:solidFill>
-                <a:srgbClr val="FF0000"/>
-              </a:solidFill>
-              <a:latin typeface="Segoe UI Light" panose="020B0502040204020203" pitchFamily="34" charset="0"/>
-              <a:cs typeface="Segoe UI Light" panose="020B0502040204020203" pitchFamily="34" charset="0"/>
-            </a:endParaRPr>
           </a:p>
         </p:txBody>
       </p:sp>
@@ -3176,16 +3141,12 @@
           <a:p>
             <a:pPr algn="ctr"/>
             <a:r>
-              <a:rPr lang="en-US" dirty="0" smtClean="0">
+              <a:rPr lang="en-US" dirty="0">
                 <a:latin typeface="Segoe UI Light" panose="020B0502040204020203" pitchFamily="34" charset="0"/>
                 <a:cs typeface="Segoe UI Light" panose="020B0502040204020203" pitchFamily="34" charset="0"/>
               </a:rPr>
               <a:t>Hotel Network</a:t>
             </a:r>
-            <a:endParaRPr lang="en-US" dirty="0">
-              <a:latin typeface="Segoe UI Light" panose="020B0502040204020203" pitchFamily="34" charset="0"/>
-              <a:cs typeface="Segoe UI Light" panose="020B0502040204020203" pitchFamily="34" charset="0"/>
-            </a:endParaRPr>
           </a:p>
         </p:txBody>
       </p:sp>
@@ -3241,7 +3202,7 @@
           </a:lstStyle>
           <a:p>
             <a:r>
-              <a:rPr lang="en-US" dirty="0" smtClean="0">
+              <a:rPr lang="en-US" dirty="0">
                 <a:solidFill>
                   <a:schemeClr val="tx1"/>
                 </a:solidFill>
@@ -3251,7 +3212,7 @@
               <a:t>POS – MACRO ARCHITECTURE</a:t>
             </a:r>
             <a:br>
-              <a:rPr lang="en-US" dirty="0" smtClean="0">
+              <a:rPr lang="en-US" dirty="0">
                 <a:solidFill>
                   <a:schemeClr val="tx1"/>
                 </a:solidFill>
@@ -3276,6 +3237,5024 @@
     <p:extLst>
       <p:ext uri="{BB962C8B-B14F-4D97-AF65-F5344CB8AC3E}">
         <p14:creationId xmlns:p14="http://schemas.microsoft.com/office/powerpoint/2010/main" val="2165577846"/>
+      </p:ext>
+    </p:extLst>
+  </p:cSld>
+  <p:clrMapOvr>
+    <a:masterClrMapping/>
+  </p:clrMapOvr>
+</p:sld>
+</file>
+
+<file path=ppt/slides/slide10.xml><?xml version="1.0" encoding="utf-8"?>
+<p:sld xmlns:a="http://schemas.openxmlformats.org/drawingml/2006/main" xmlns:r="http://schemas.openxmlformats.org/officeDocument/2006/relationships" xmlns:p="http://schemas.openxmlformats.org/presentationml/2006/main">
+  <p:cSld>
+    <p:spTree>
+      <p:nvGrpSpPr>
+        <p:cNvPr id="1" name=""/>
+        <p:cNvGrpSpPr/>
+        <p:nvPr/>
+      </p:nvGrpSpPr>
+      <p:grpSpPr>
+        <a:xfrm>
+          <a:off x="0" y="0"/>
+          <a:ext cx="0" cy="0"/>
+          <a:chOff x="0" y="0"/>
+          <a:chExt cx="0" cy="0"/>
+        </a:xfrm>
+      </p:grpSpPr>
+      <p:sp>
+        <p:nvSpPr>
+          <p:cNvPr id="27" name="Rectangle 26"/>
+          <p:cNvSpPr/>
+          <p:nvPr/>
+        </p:nvSpPr>
+        <p:spPr>
+          <a:xfrm>
+            <a:off x="2057399" y="2006249"/>
+            <a:ext cx="2232891" cy="371186"/>
+          </a:xfrm>
+          <a:prstGeom prst="rect">
+            <a:avLst/>
+          </a:prstGeom>
+        </p:spPr>
+        <p:style>
+          <a:lnRef idx="2">
+            <a:schemeClr val="accent1">
+              <a:shade val="50000"/>
+            </a:schemeClr>
+          </a:lnRef>
+          <a:fillRef idx="1">
+            <a:schemeClr val="accent1"/>
+          </a:fillRef>
+          <a:effectRef idx="0">
+            <a:schemeClr val="accent1"/>
+          </a:effectRef>
+          <a:fontRef idx="minor">
+            <a:schemeClr val="lt1"/>
+          </a:fontRef>
+        </p:style>
+        <p:txBody>
+          <a:bodyPr rtlCol="0" anchor="ctr"/>
+          <a:lstStyle/>
+          <a:p>
+            <a:pPr algn="ctr"/>
+            <a:r>
+              <a:rPr lang="en-US" dirty="0"/>
+              <a:t>GLOBAL</a:t>
+            </a:r>
+          </a:p>
+        </p:txBody>
+      </p:sp>
+      <p:sp>
+        <p:nvSpPr>
+          <p:cNvPr id="63" name="Rectangle 62"/>
+          <p:cNvSpPr/>
+          <p:nvPr/>
+        </p:nvSpPr>
+        <p:spPr>
+          <a:xfrm>
+            <a:off x="4363569" y="412191"/>
+            <a:ext cx="1047172" cy="306532"/>
+          </a:xfrm>
+          <a:prstGeom prst="rect">
+            <a:avLst/>
+          </a:prstGeom>
+          <a:ln>
+            <a:solidFill>
+              <a:schemeClr val="bg1"/>
+            </a:solidFill>
+          </a:ln>
+        </p:spPr>
+        <p:style>
+          <a:lnRef idx="2">
+            <a:schemeClr val="dk1">
+              <a:shade val="50000"/>
+            </a:schemeClr>
+          </a:lnRef>
+          <a:fillRef idx="1">
+            <a:schemeClr val="dk1"/>
+          </a:fillRef>
+          <a:effectRef idx="0">
+            <a:schemeClr val="dk1"/>
+          </a:effectRef>
+          <a:fontRef idx="minor">
+            <a:schemeClr val="lt1"/>
+          </a:fontRef>
+        </p:style>
+        <p:txBody>
+          <a:bodyPr rtlCol="0" anchor="ctr"/>
+          <a:lstStyle/>
+          <a:p>
+            <a:pPr algn="ctr"/>
+            <a:r>
+              <a:rPr lang="en-US" dirty="0"/>
+              <a:t>SALES</a:t>
+            </a:r>
+          </a:p>
+        </p:txBody>
+      </p:sp>
+      <p:sp>
+        <p:nvSpPr>
+          <p:cNvPr id="64" name="Rectangle 63"/>
+          <p:cNvSpPr/>
+          <p:nvPr/>
+        </p:nvSpPr>
+        <p:spPr>
+          <a:xfrm>
+            <a:off x="5410740" y="412191"/>
+            <a:ext cx="1184565" cy="306532"/>
+          </a:xfrm>
+          <a:prstGeom prst="rect">
+            <a:avLst/>
+          </a:prstGeom>
+          <a:ln>
+            <a:solidFill>
+              <a:schemeClr val="bg1"/>
+            </a:solidFill>
+          </a:ln>
+        </p:spPr>
+        <p:style>
+          <a:lnRef idx="2">
+            <a:schemeClr val="dk1">
+              <a:shade val="50000"/>
+            </a:schemeClr>
+          </a:lnRef>
+          <a:fillRef idx="1">
+            <a:schemeClr val="dk1"/>
+          </a:fillRef>
+          <a:effectRef idx="0">
+            <a:schemeClr val="dk1"/>
+          </a:effectRef>
+          <a:fontRef idx="minor">
+            <a:schemeClr val="lt1"/>
+          </a:fontRef>
+        </p:style>
+        <p:txBody>
+          <a:bodyPr rtlCol="0" anchor="ctr"/>
+          <a:lstStyle/>
+          <a:p>
+            <a:pPr algn="ctr"/>
+            <a:r>
+              <a:rPr lang="en-US" dirty="0"/>
+              <a:t>REVENUE</a:t>
+            </a:r>
+          </a:p>
+        </p:txBody>
+      </p:sp>
+      <p:sp>
+        <p:nvSpPr>
+          <p:cNvPr id="80" name="Rectangle 79"/>
+          <p:cNvSpPr/>
+          <p:nvPr/>
+        </p:nvSpPr>
+        <p:spPr>
+          <a:xfrm>
+            <a:off x="2075260" y="752639"/>
+            <a:ext cx="2230582" cy="371186"/>
+          </a:xfrm>
+          <a:prstGeom prst="rect">
+            <a:avLst/>
+          </a:prstGeom>
+        </p:spPr>
+        <p:style>
+          <a:lnRef idx="2">
+            <a:schemeClr val="accent6">
+              <a:shade val="50000"/>
+            </a:schemeClr>
+          </a:lnRef>
+          <a:fillRef idx="1">
+            <a:schemeClr val="accent6"/>
+          </a:fillRef>
+          <a:effectRef idx="0">
+            <a:schemeClr val="accent6"/>
+          </a:effectRef>
+          <a:fontRef idx="minor">
+            <a:schemeClr val="lt1"/>
+          </a:fontRef>
+        </p:style>
+        <p:txBody>
+          <a:bodyPr rtlCol="0" anchor="ctr"/>
+          <a:lstStyle/>
+          <a:p>
+            <a:pPr algn="ctr"/>
+            <a:r>
+              <a:rPr lang="en-US" dirty="0"/>
+              <a:t>REGION 1</a:t>
+            </a:r>
+          </a:p>
+        </p:txBody>
+      </p:sp>
+      <p:sp>
+        <p:nvSpPr>
+          <p:cNvPr id="81" name="Rectangle 80"/>
+          <p:cNvSpPr/>
+          <p:nvPr/>
+        </p:nvSpPr>
+        <p:spPr>
+          <a:xfrm>
+            <a:off x="2072951" y="1175203"/>
+            <a:ext cx="2230582" cy="371186"/>
+          </a:xfrm>
+          <a:prstGeom prst="rect">
+            <a:avLst/>
+          </a:prstGeom>
+        </p:spPr>
+        <p:style>
+          <a:lnRef idx="2">
+            <a:schemeClr val="accent6">
+              <a:shade val="50000"/>
+            </a:schemeClr>
+          </a:lnRef>
+          <a:fillRef idx="1">
+            <a:schemeClr val="accent6"/>
+          </a:fillRef>
+          <a:effectRef idx="0">
+            <a:schemeClr val="accent6"/>
+          </a:effectRef>
+          <a:fontRef idx="minor">
+            <a:schemeClr val="lt1"/>
+          </a:fontRef>
+        </p:style>
+        <p:txBody>
+          <a:bodyPr rtlCol="0" anchor="ctr"/>
+          <a:lstStyle/>
+          <a:p>
+            <a:pPr algn="ctr"/>
+            <a:r>
+              <a:rPr lang="en-US" dirty="0"/>
+              <a:t>REGION 2</a:t>
+            </a:r>
+          </a:p>
+        </p:txBody>
+      </p:sp>
+      <p:sp>
+        <p:nvSpPr>
+          <p:cNvPr id="82" name="Rectangle 81"/>
+          <p:cNvSpPr/>
+          <p:nvPr/>
+        </p:nvSpPr>
+        <p:spPr>
+          <a:xfrm>
+            <a:off x="2072951" y="1583913"/>
+            <a:ext cx="2230582" cy="371186"/>
+          </a:xfrm>
+          <a:prstGeom prst="rect">
+            <a:avLst/>
+          </a:prstGeom>
+        </p:spPr>
+        <p:style>
+          <a:lnRef idx="2">
+            <a:schemeClr val="accent6">
+              <a:shade val="50000"/>
+            </a:schemeClr>
+          </a:lnRef>
+          <a:fillRef idx="1">
+            <a:schemeClr val="accent6"/>
+          </a:fillRef>
+          <a:effectRef idx="0">
+            <a:schemeClr val="accent6"/>
+          </a:effectRef>
+          <a:fontRef idx="minor">
+            <a:schemeClr val="lt1"/>
+          </a:fontRef>
+        </p:style>
+        <p:txBody>
+          <a:bodyPr rtlCol="0" anchor="ctr"/>
+          <a:lstStyle/>
+          <a:p>
+            <a:pPr algn="ctr"/>
+            <a:r>
+              <a:rPr lang="en-US" dirty="0"/>
+              <a:t>REGION 3</a:t>
+            </a:r>
+          </a:p>
+        </p:txBody>
+      </p:sp>
+      <p:sp>
+        <p:nvSpPr>
+          <p:cNvPr id="84" name="Rectangle 83"/>
+          <p:cNvSpPr/>
+          <p:nvPr/>
+        </p:nvSpPr>
+        <p:spPr>
+          <a:xfrm>
+            <a:off x="4343400" y="2038576"/>
+            <a:ext cx="1047172" cy="306532"/>
+          </a:xfrm>
+          <a:prstGeom prst="rect">
+            <a:avLst/>
+          </a:prstGeom>
+          <a:ln/>
+        </p:spPr>
+        <p:style>
+          <a:lnRef idx="2">
+            <a:schemeClr val="accent1"/>
+          </a:lnRef>
+          <a:fillRef idx="1">
+            <a:schemeClr val="lt1"/>
+          </a:fillRef>
+          <a:effectRef idx="0">
+            <a:schemeClr val="accent1"/>
+          </a:effectRef>
+          <a:fontRef idx="minor">
+            <a:schemeClr val="dk1"/>
+          </a:fontRef>
+        </p:style>
+        <p:txBody>
+          <a:bodyPr rtlCol="0" anchor="ctr"/>
+          <a:lstStyle/>
+          <a:p>
+            <a:pPr algn="ctr"/>
+            <a:r>
+              <a:rPr lang="en-US" dirty="0"/>
+              <a:t>60</a:t>
+            </a:r>
+          </a:p>
+        </p:txBody>
+      </p:sp>
+      <p:sp>
+        <p:nvSpPr>
+          <p:cNvPr id="85" name="Rectangle 84"/>
+          <p:cNvSpPr/>
+          <p:nvPr/>
+        </p:nvSpPr>
+        <p:spPr>
+          <a:xfrm>
+            <a:off x="5390572" y="2038576"/>
+            <a:ext cx="1186874" cy="306532"/>
+          </a:xfrm>
+          <a:prstGeom prst="rect">
+            <a:avLst/>
+          </a:prstGeom>
+          <a:ln/>
+        </p:spPr>
+        <p:style>
+          <a:lnRef idx="2">
+            <a:schemeClr val="accent1"/>
+          </a:lnRef>
+          <a:fillRef idx="1">
+            <a:schemeClr val="lt1"/>
+          </a:fillRef>
+          <a:effectRef idx="0">
+            <a:schemeClr val="accent1"/>
+          </a:effectRef>
+          <a:fontRef idx="minor">
+            <a:schemeClr val="dk1"/>
+          </a:fontRef>
+        </p:style>
+        <p:txBody>
+          <a:bodyPr rtlCol="0" anchor="ctr"/>
+          <a:lstStyle/>
+          <a:p>
+            <a:pPr algn="ctr"/>
+            <a:r>
+              <a:rPr lang="en-US" dirty="0"/>
+              <a:t>60,000</a:t>
+            </a:r>
+          </a:p>
+        </p:txBody>
+      </p:sp>
+      <p:sp>
+        <p:nvSpPr>
+          <p:cNvPr id="90" name="Rectangle 89"/>
+          <p:cNvSpPr/>
+          <p:nvPr/>
+        </p:nvSpPr>
+        <p:spPr>
+          <a:xfrm>
+            <a:off x="4358951" y="782079"/>
+            <a:ext cx="1047172" cy="306532"/>
+          </a:xfrm>
+          <a:prstGeom prst="rect">
+            <a:avLst/>
+          </a:prstGeom>
+          <a:ln/>
+        </p:spPr>
+        <p:style>
+          <a:lnRef idx="2">
+            <a:schemeClr val="accent6"/>
+          </a:lnRef>
+          <a:fillRef idx="1">
+            <a:schemeClr val="lt1"/>
+          </a:fillRef>
+          <a:effectRef idx="0">
+            <a:schemeClr val="accent6"/>
+          </a:effectRef>
+          <a:fontRef idx="minor">
+            <a:schemeClr val="dk1"/>
+          </a:fontRef>
+        </p:style>
+        <p:txBody>
+          <a:bodyPr rtlCol="0" anchor="ctr"/>
+          <a:lstStyle/>
+          <a:p>
+            <a:pPr algn="ctr"/>
+            <a:r>
+              <a:rPr lang="en-US" dirty="0"/>
+              <a:t>20</a:t>
+            </a:r>
+          </a:p>
+        </p:txBody>
+      </p:sp>
+      <p:sp>
+        <p:nvSpPr>
+          <p:cNvPr id="91" name="Rectangle 90"/>
+          <p:cNvSpPr/>
+          <p:nvPr/>
+        </p:nvSpPr>
+        <p:spPr>
+          <a:xfrm>
+            <a:off x="5406123" y="782079"/>
+            <a:ext cx="1186874" cy="306532"/>
+          </a:xfrm>
+          <a:prstGeom prst="rect">
+            <a:avLst/>
+          </a:prstGeom>
+          <a:ln/>
+        </p:spPr>
+        <p:style>
+          <a:lnRef idx="2">
+            <a:schemeClr val="accent6"/>
+          </a:lnRef>
+          <a:fillRef idx="1">
+            <a:schemeClr val="lt1"/>
+          </a:fillRef>
+          <a:effectRef idx="0">
+            <a:schemeClr val="accent6"/>
+          </a:effectRef>
+          <a:fontRef idx="minor">
+            <a:schemeClr val="dk1"/>
+          </a:fontRef>
+        </p:style>
+        <p:txBody>
+          <a:bodyPr rtlCol="0" anchor="ctr"/>
+          <a:lstStyle/>
+          <a:p>
+            <a:pPr algn="ctr"/>
+            <a:r>
+              <a:rPr lang="en-US" dirty="0"/>
+              <a:t>20,000</a:t>
+            </a:r>
+          </a:p>
+        </p:txBody>
+      </p:sp>
+      <p:sp>
+        <p:nvSpPr>
+          <p:cNvPr id="96" name="Rectangle 95"/>
+          <p:cNvSpPr/>
+          <p:nvPr/>
+        </p:nvSpPr>
+        <p:spPr>
+          <a:xfrm>
+            <a:off x="4358951" y="1212147"/>
+            <a:ext cx="1047172" cy="306532"/>
+          </a:xfrm>
+          <a:prstGeom prst="rect">
+            <a:avLst/>
+          </a:prstGeom>
+          <a:ln/>
+        </p:spPr>
+        <p:style>
+          <a:lnRef idx="2">
+            <a:schemeClr val="accent6"/>
+          </a:lnRef>
+          <a:fillRef idx="1">
+            <a:schemeClr val="lt1"/>
+          </a:fillRef>
+          <a:effectRef idx="0">
+            <a:schemeClr val="accent6"/>
+          </a:effectRef>
+          <a:fontRef idx="minor">
+            <a:schemeClr val="dk1"/>
+          </a:fontRef>
+        </p:style>
+        <p:txBody>
+          <a:bodyPr rtlCol="0" anchor="ctr"/>
+          <a:lstStyle/>
+          <a:p>
+            <a:pPr algn="ctr"/>
+            <a:r>
+              <a:rPr lang="en-US" dirty="0"/>
+              <a:t>30</a:t>
+            </a:r>
+          </a:p>
+        </p:txBody>
+      </p:sp>
+      <p:sp>
+        <p:nvSpPr>
+          <p:cNvPr id="97" name="Rectangle 96"/>
+          <p:cNvSpPr/>
+          <p:nvPr/>
+        </p:nvSpPr>
+        <p:spPr>
+          <a:xfrm>
+            <a:off x="5406123" y="1212147"/>
+            <a:ext cx="1186874" cy="306532"/>
+          </a:xfrm>
+          <a:prstGeom prst="rect">
+            <a:avLst/>
+          </a:prstGeom>
+          <a:ln/>
+        </p:spPr>
+        <p:style>
+          <a:lnRef idx="2">
+            <a:schemeClr val="accent6"/>
+          </a:lnRef>
+          <a:fillRef idx="1">
+            <a:schemeClr val="lt1"/>
+          </a:fillRef>
+          <a:effectRef idx="0">
+            <a:schemeClr val="accent6"/>
+          </a:effectRef>
+          <a:fontRef idx="minor">
+            <a:schemeClr val="dk1"/>
+          </a:fontRef>
+        </p:style>
+        <p:txBody>
+          <a:bodyPr rtlCol="0" anchor="ctr"/>
+          <a:lstStyle/>
+          <a:p>
+            <a:pPr algn="ctr"/>
+            <a:r>
+              <a:rPr lang="en-US" dirty="0"/>
+              <a:t>30,000</a:t>
+            </a:r>
+          </a:p>
+        </p:txBody>
+      </p:sp>
+      <p:sp>
+        <p:nvSpPr>
+          <p:cNvPr id="102" name="Rectangle 101"/>
+          <p:cNvSpPr/>
+          <p:nvPr/>
+        </p:nvSpPr>
+        <p:spPr>
+          <a:xfrm>
+            <a:off x="4363569" y="1613641"/>
+            <a:ext cx="1047172" cy="306532"/>
+          </a:xfrm>
+          <a:prstGeom prst="rect">
+            <a:avLst/>
+          </a:prstGeom>
+          <a:ln/>
+        </p:spPr>
+        <p:style>
+          <a:lnRef idx="2">
+            <a:schemeClr val="accent6"/>
+          </a:lnRef>
+          <a:fillRef idx="1">
+            <a:schemeClr val="lt1"/>
+          </a:fillRef>
+          <a:effectRef idx="0">
+            <a:schemeClr val="accent6"/>
+          </a:effectRef>
+          <a:fontRef idx="minor">
+            <a:schemeClr val="dk1"/>
+          </a:fontRef>
+        </p:style>
+        <p:txBody>
+          <a:bodyPr rtlCol="0" anchor="ctr"/>
+          <a:lstStyle/>
+          <a:p>
+            <a:pPr algn="ctr"/>
+            <a:r>
+              <a:rPr lang="en-US" dirty="0"/>
+              <a:t>10</a:t>
+            </a:r>
+          </a:p>
+        </p:txBody>
+      </p:sp>
+      <p:sp>
+        <p:nvSpPr>
+          <p:cNvPr id="103" name="Rectangle 102"/>
+          <p:cNvSpPr/>
+          <p:nvPr/>
+        </p:nvSpPr>
+        <p:spPr>
+          <a:xfrm>
+            <a:off x="5410741" y="1613641"/>
+            <a:ext cx="1182256" cy="306532"/>
+          </a:xfrm>
+          <a:prstGeom prst="rect">
+            <a:avLst/>
+          </a:prstGeom>
+          <a:ln/>
+        </p:spPr>
+        <p:style>
+          <a:lnRef idx="2">
+            <a:schemeClr val="accent6"/>
+          </a:lnRef>
+          <a:fillRef idx="1">
+            <a:schemeClr val="lt1"/>
+          </a:fillRef>
+          <a:effectRef idx="0">
+            <a:schemeClr val="accent6"/>
+          </a:effectRef>
+          <a:fontRef idx="minor">
+            <a:schemeClr val="dk1"/>
+          </a:fontRef>
+        </p:style>
+        <p:txBody>
+          <a:bodyPr rtlCol="0" anchor="ctr"/>
+          <a:lstStyle/>
+          <a:p>
+            <a:pPr algn="ctr"/>
+            <a:r>
+              <a:rPr lang="en-US" dirty="0"/>
+              <a:t>10,000</a:t>
+            </a:r>
+          </a:p>
+        </p:txBody>
+      </p:sp>
+      <p:sp>
+        <p:nvSpPr>
+          <p:cNvPr id="47" name="Rectangle 46"/>
+          <p:cNvSpPr/>
+          <p:nvPr/>
+        </p:nvSpPr>
+        <p:spPr>
+          <a:xfrm>
+            <a:off x="2059708" y="3779979"/>
+            <a:ext cx="2232891" cy="371186"/>
+          </a:xfrm>
+          <a:prstGeom prst="rect">
+            <a:avLst/>
+          </a:prstGeom>
+        </p:spPr>
+        <p:style>
+          <a:lnRef idx="2">
+            <a:schemeClr val="accent1">
+              <a:shade val="50000"/>
+            </a:schemeClr>
+          </a:lnRef>
+          <a:fillRef idx="1">
+            <a:schemeClr val="accent1"/>
+          </a:fillRef>
+          <a:effectRef idx="0">
+            <a:schemeClr val="accent1"/>
+          </a:effectRef>
+          <a:fontRef idx="minor">
+            <a:schemeClr val="lt1"/>
+          </a:fontRef>
+        </p:style>
+        <p:txBody>
+          <a:bodyPr rtlCol="0" anchor="ctr"/>
+          <a:lstStyle/>
+          <a:p>
+            <a:pPr algn="ctr"/>
+            <a:r>
+              <a:rPr lang="en-US" dirty="0"/>
+              <a:t>REGION1</a:t>
+            </a:r>
+          </a:p>
+        </p:txBody>
+      </p:sp>
+      <p:sp>
+        <p:nvSpPr>
+          <p:cNvPr id="48" name="Rectangle 47"/>
+          <p:cNvSpPr/>
+          <p:nvPr/>
+        </p:nvSpPr>
+        <p:spPr>
+          <a:xfrm>
+            <a:off x="4343400" y="2590800"/>
+            <a:ext cx="1047172" cy="306532"/>
+          </a:xfrm>
+          <a:prstGeom prst="rect">
+            <a:avLst/>
+          </a:prstGeom>
+          <a:ln>
+            <a:solidFill>
+              <a:schemeClr val="bg1"/>
+            </a:solidFill>
+          </a:ln>
+        </p:spPr>
+        <p:style>
+          <a:lnRef idx="2">
+            <a:schemeClr val="dk1">
+              <a:shade val="50000"/>
+            </a:schemeClr>
+          </a:lnRef>
+          <a:fillRef idx="1">
+            <a:schemeClr val="dk1"/>
+          </a:fillRef>
+          <a:effectRef idx="0">
+            <a:schemeClr val="dk1"/>
+          </a:effectRef>
+          <a:fontRef idx="minor">
+            <a:schemeClr val="lt1"/>
+          </a:fontRef>
+        </p:style>
+        <p:txBody>
+          <a:bodyPr rtlCol="0" anchor="ctr"/>
+          <a:lstStyle/>
+          <a:p>
+            <a:pPr algn="ctr"/>
+            <a:r>
+              <a:rPr lang="en-US" dirty="0"/>
+              <a:t>SALES</a:t>
+            </a:r>
+          </a:p>
+        </p:txBody>
+      </p:sp>
+      <p:sp>
+        <p:nvSpPr>
+          <p:cNvPr id="49" name="Rectangle 48"/>
+          <p:cNvSpPr/>
+          <p:nvPr/>
+        </p:nvSpPr>
+        <p:spPr>
+          <a:xfrm>
+            <a:off x="5390571" y="2590800"/>
+            <a:ext cx="1184565" cy="306532"/>
+          </a:xfrm>
+          <a:prstGeom prst="rect">
+            <a:avLst/>
+          </a:prstGeom>
+          <a:ln>
+            <a:solidFill>
+              <a:schemeClr val="bg1"/>
+            </a:solidFill>
+          </a:ln>
+        </p:spPr>
+        <p:style>
+          <a:lnRef idx="2">
+            <a:schemeClr val="dk1">
+              <a:shade val="50000"/>
+            </a:schemeClr>
+          </a:lnRef>
+          <a:fillRef idx="1">
+            <a:schemeClr val="dk1"/>
+          </a:fillRef>
+          <a:effectRef idx="0">
+            <a:schemeClr val="dk1"/>
+          </a:effectRef>
+          <a:fontRef idx="minor">
+            <a:schemeClr val="lt1"/>
+          </a:fontRef>
+        </p:style>
+        <p:txBody>
+          <a:bodyPr rtlCol="0" anchor="ctr"/>
+          <a:lstStyle/>
+          <a:p>
+            <a:pPr algn="ctr"/>
+            <a:r>
+              <a:rPr lang="en-US" dirty="0"/>
+              <a:t>REVENUE</a:t>
+            </a:r>
+          </a:p>
+        </p:txBody>
+      </p:sp>
+      <p:sp>
+        <p:nvSpPr>
+          <p:cNvPr id="50" name="Rectangle 49"/>
+          <p:cNvSpPr/>
+          <p:nvPr/>
+        </p:nvSpPr>
+        <p:spPr>
+          <a:xfrm>
+            <a:off x="2055091" y="2931248"/>
+            <a:ext cx="2230582" cy="371186"/>
+          </a:xfrm>
+          <a:prstGeom prst="rect">
+            <a:avLst/>
+          </a:prstGeom>
+        </p:spPr>
+        <p:style>
+          <a:lnRef idx="2">
+            <a:schemeClr val="accent6">
+              <a:shade val="50000"/>
+            </a:schemeClr>
+          </a:lnRef>
+          <a:fillRef idx="1">
+            <a:schemeClr val="accent6"/>
+          </a:fillRef>
+          <a:effectRef idx="0">
+            <a:schemeClr val="accent6"/>
+          </a:effectRef>
+          <a:fontRef idx="minor">
+            <a:schemeClr val="lt1"/>
+          </a:fontRef>
+        </p:style>
+        <p:txBody>
+          <a:bodyPr rtlCol="0" anchor="ctr"/>
+          <a:lstStyle/>
+          <a:p>
+            <a:pPr algn="ctr"/>
+            <a:r>
+              <a:rPr lang="en-US" dirty="0"/>
+              <a:t>COUNTRY 1</a:t>
+            </a:r>
+          </a:p>
+        </p:txBody>
+      </p:sp>
+      <p:sp>
+        <p:nvSpPr>
+          <p:cNvPr id="51" name="Rectangle 50"/>
+          <p:cNvSpPr/>
+          <p:nvPr/>
+        </p:nvSpPr>
+        <p:spPr>
+          <a:xfrm>
+            <a:off x="2052782" y="3353812"/>
+            <a:ext cx="2230582" cy="371186"/>
+          </a:xfrm>
+          <a:prstGeom prst="rect">
+            <a:avLst/>
+          </a:prstGeom>
+        </p:spPr>
+        <p:style>
+          <a:lnRef idx="2">
+            <a:schemeClr val="accent6">
+              <a:shade val="50000"/>
+            </a:schemeClr>
+          </a:lnRef>
+          <a:fillRef idx="1">
+            <a:schemeClr val="accent6"/>
+          </a:fillRef>
+          <a:effectRef idx="0">
+            <a:schemeClr val="accent6"/>
+          </a:effectRef>
+          <a:fontRef idx="minor">
+            <a:schemeClr val="lt1"/>
+          </a:fontRef>
+        </p:style>
+        <p:txBody>
+          <a:bodyPr rtlCol="0" anchor="ctr"/>
+          <a:lstStyle/>
+          <a:p>
+            <a:pPr algn="ctr"/>
+            <a:r>
+              <a:rPr lang="en-US" dirty="0"/>
+              <a:t>COUNTRY 2</a:t>
+            </a:r>
+          </a:p>
+        </p:txBody>
+      </p:sp>
+      <p:sp>
+        <p:nvSpPr>
+          <p:cNvPr id="54" name="Rectangle 53"/>
+          <p:cNvSpPr/>
+          <p:nvPr/>
+        </p:nvSpPr>
+        <p:spPr>
+          <a:xfrm>
+            <a:off x="4345709" y="3812306"/>
+            <a:ext cx="1047172" cy="306532"/>
+          </a:xfrm>
+          <a:prstGeom prst="rect">
+            <a:avLst/>
+          </a:prstGeom>
+          <a:ln/>
+        </p:spPr>
+        <p:style>
+          <a:lnRef idx="2">
+            <a:schemeClr val="accent1"/>
+          </a:lnRef>
+          <a:fillRef idx="1">
+            <a:schemeClr val="lt1"/>
+          </a:fillRef>
+          <a:effectRef idx="0">
+            <a:schemeClr val="accent1"/>
+          </a:effectRef>
+          <a:fontRef idx="minor">
+            <a:schemeClr val="dk1"/>
+          </a:fontRef>
+        </p:style>
+        <p:txBody>
+          <a:bodyPr rtlCol="0" anchor="ctr"/>
+          <a:lstStyle/>
+          <a:p>
+            <a:pPr algn="ctr"/>
+            <a:r>
+              <a:rPr lang="en-US" dirty="0"/>
+              <a:t>20</a:t>
+            </a:r>
+          </a:p>
+        </p:txBody>
+      </p:sp>
+      <p:sp>
+        <p:nvSpPr>
+          <p:cNvPr id="55" name="Rectangle 54"/>
+          <p:cNvSpPr/>
+          <p:nvPr/>
+        </p:nvSpPr>
+        <p:spPr>
+          <a:xfrm>
+            <a:off x="5392881" y="3812306"/>
+            <a:ext cx="1186874" cy="306532"/>
+          </a:xfrm>
+          <a:prstGeom prst="rect">
+            <a:avLst/>
+          </a:prstGeom>
+          <a:ln/>
+        </p:spPr>
+        <p:style>
+          <a:lnRef idx="2">
+            <a:schemeClr val="accent1"/>
+          </a:lnRef>
+          <a:fillRef idx="1">
+            <a:schemeClr val="lt1"/>
+          </a:fillRef>
+          <a:effectRef idx="0">
+            <a:schemeClr val="accent1"/>
+          </a:effectRef>
+          <a:fontRef idx="minor">
+            <a:schemeClr val="dk1"/>
+          </a:fontRef>
+        </p:style>
+        <p:txBody>
+          <a:bodyPr rtlCol="0" anchor="ctr"/>
+          <a:lstStyle/>
+          <a:p>
+            <a:pPr algn="ctr"/>
+            <a:r>
+              <a:rPr lang="en-US" dirty="0"/>
+              <a:t>20,000</a:t>
+            </a:r>
+          </a:p>
+        </p:txBody>
+      </p:sp>
+      <p:sp>
+        <p:nvSpPr>
+          <p:cNvPr id="56" name="Rectangle 55"/>
+          <p:cNvSpPr/>
+          <p:nvPr/>
+        </p:nvSpPr>
+        <p:spPr>
+          <a:xfrm>
+            <a:off x="4338782" y="2960688"/>
+            <a:ext cx="1047172" cy="306532"/>
+          </a:xfrm>
+          <a:prstGeom prst="rect">
+            <a:avLst/>
+          </a:prstGeom>
+          <a:ln/>
+        </p:spPr>
+        <p:style>
+          <a:lnRef idx="2">
+            <a:schemeClr val="accent6"/>
+          </a:lnRef>
+          <a:fillRef idx="1">
+            <a:schemeClr val="lt1"/>
+          </a:fillRef>
+          <a:effectRef idx="0">
+            <a:schemeClr val="accent6"/>
+          </a:effectRef>
+          <a:fontRef idx="minor">
+            <a:schemeClr val="dk1"/>
+          </a:fontRef>
+        </p:style>
+        <p:txBody>
+          <a:bodyPr rtlCol="0" anchor="ctr"/>
+          <a:lstStyle/>
+          <a:p>
+            <a:pPr algn="ctr"/>
+            <a:r>
+              <a:rPr lang="en-US" dirty="0"/>
+              <a:t>10</a:t>
+            </a:r>
+          </a:p>
+        </p:txBody>
+      </p:sp>
+      <p:sp>
+        <p:nvSpPr>
+          <p:cNvPr id="57" name="Rectangle 56"/>
+          <p:cNvSpPr/>
+          <p:nvPr/>
+        </p:nvSpPr>
+        <p:spPr>
+          <a:xfrm>
+            <a:off x="5385954" y="2960688"/>
+            <a:ext cx="1186874" cy="306532"/>
+          </a:xfrm>
+          <a:prstGeom prst="rect">
+            <a:avLst/>
+          </a:prstGeom>
+          <a:ln/>
+        </p:spPr>
+        <p:style>
+          <a:lnRef idx="2">
+            <a:schemeClr val="accent6"/>
+          </a:lnRef>
+          <a:fillRef idx="1">
+            <a:schemeClr val="lt1"/>
+          </a:fillRef>
+          <a:effectRef idx="0">
+            <a:schemeClr val="accent6"/>
+          </a:effectRef>
+          <a:fontRef idx="minor">
+            <a:schemeClr val="dk1"/>
+          </a:fontRef>
+        </p:style>
+        <p:txBody>
+          <a:bodyPr rtlCol="0" anchor="ctr"/>
+          <a:lstStyle/>
+          <a:p>
+            <a:pPr algn="ctr"/>
+            <a:r>
+              <a:rPr lang="en-US" dirty="0"/>
+              <a:t>10,000</a:t>
+            </a:r>
+          </a:p>
+        </p:txBody>
+      </p:sp>
+      <p:sp>
+        <p:nvSpPr>
+          <p:cNvPr id="58" name="Rectangle 57"/>
+          <p:cNvSpPr/>
+          <p:nvPr/>
+        </p:nvSpPr>
+        <p:spPr>
+          <a:xfrm>
+            <a:off x="4338782" y="3390756"/>
+            <a:ext cx="1047172" cy="306532"/>
+          </a:xfrm>
+          <a:prstGeom prst="rect">
+            <a:avLst/>
+          </a:prstGeom>
+          <a:ln/>
+        </p:spPr>
+        <p:style>
+          <a:lnRef idx="2">
+            <a:schemeClr val="accent6"/>
+          </a:lnRef>
+          <a:fillRef idx="1">
+            <a:schemeClr val="lt1"/>
+          </a:fillRef>
+          <a:effectRef idx="0">
+            <a:schemeClr val="accent6"/>
+          </a:effectRef>
+          <a:fontRef idx="minor">
+            <a:schemeClr val="dk1"/>
+          </a:fontRef>
+        </p:style>
+        <p:txBody>
+          <a:bodyPr rtlCol="0" anchor="ctr"/>
+          <a:lstStyle/>
+          <a:p>
+            <a:pPr algn="ctr"/>
+            <a:r>
+              <a:rPr lang="en-US" dirty="0"/>
+              <a:t>10</a:t>
+            </a:r>
+          </a:p>
+        </p:txBody>
+      </p:sp>
+      <p:sp>
+        <p:nvSpPr>
+          <p:cNvPr id="59" name="Rectangle 58"/>
+          <p:cNvSpPr/>
+          <p:nvPr/>
+        </p:nvSpPr>
+        <p:spPr>
+          <a:xfrm>
+            <a:off x="5385954" y="3390756"/>
+            <a:ext cx="1186874" cy="306532"/>
+          </a:xfrm>
+          <a:prstGeom prst="rect">
+            <a:avLst/>
+          </a:prstGeom>
+          <a:ln/>
+        </p:spPr>
+        <p:style>
+          <a:lnRef idx="2">
+            <a:schemeClr val="accent6"/>
+          </a:lnRef>
+          <a:fillRef idx="1">
+            <a:schemeClr val="lt1"/>
+          </a:fillRef>
+          <a:effectRef idx="0">
+            <a:schemeClr val="accent6"/>
+          </a:effectRef>
+          <a:fontRef idx="minor">
+            <a:schemeClr val="dk1"/>
+          </a:fontRef>
+        </p:style>
+        <p:txBody>
+          <a:bodyPr rtlCol="0" anchor="ctr"/>
+          <a:lstStyle/>
+          <a:p>
+            <a:pPr algn="ctr"/>
+            <a:r>
+              <a:rPr lang="en-US" dirty="0"/>
+              <a:t>10,000</a:t>
+            </a:r>
+          </a:p>
+        </p:txBody>
+      </p:sp>
+      <p:cxnSp>
+        <p:nvCxnSpPr>
+          <p:cNvPr id="3" name="Curved Connector 2"/>
+          <p:cNvCxnSpPr>
+            <a:stCxn id="80" idx="1"/>
+            <a:endCxn id="47" idx="1"/>
+          </p:cNvCxnSpPr>
+          <p:nvPr/>
+        </p:nvCxnSpPr>
+        <p:spPr>
+          <a:xfrm rot="10800000" flipV="1">
+            <a:off x="2059708" y="938232"/>
+            <a:ext cx="15552" cy="3027340"/>
+          </a:xfrm>
+          <a:prstGeom prst="curvedConnector3">
+            <a:avLst>
+              <a:gd name="adj1" fmla="val 4929694"/>
+            </a:avLst>
+          </a:prstGeom>
+          <a:ln>
+            <a:tailEnd type="triangle"/>
+          </a:ln>
+        </p:spPr>
+        <p:style>
+          <a:lnRef idx="1">
+            <a:schemeClr val="accent1"/>
+          </a:lnRef>
+          <a:fillRef idx="0">
+            <a:schemeClr val="accent1"/>
+          </a:fillRef>
+          <a:effectRef idx="0">
+            <a:schemeClr val="accent1"/>
+          </a:effectRef>
+          <a:fontRef idx="minor">
+            <a:schemeClr val="tx1"/>
+          </a:fontRef>
+        </p:style>
+      </p:cxnSp>
+      <p:sp>
+        <p:nvSpPr>
+          <p:cNvPr id="69" name="Rectangle 68"/>
+          <p:cNvSpPr/>
+          <p:nvPr/>
+        </p:nvSpPr>
+        <p:spPr>
+          <a:xfrm>
+            <a:off x="2093167" y="6008396"/>
+            <a:ext cx="2232891" cy="371186"/>
+          </a:xfrm>
+          <a:prstGeom prst="rect">
+            <a:avLst/>
+          </a:prstGeom>
+        </p:spPr>
+        <p:style>
+          <a:lnRef idx="2">
+            <a:schemeClr val="accent1">
+              <a:shade val="50000"/>
+            </a:schemeClr>
+          </a:lnRef>
+          <a:fillRef idx="1">
+            <a:schemeClr val="accent1"/>
+          </a:fillRef>
+          <a:effectRef idx="0">
+            <a:schemeClr val="accent1"/>
+          </a:effectRef>
+          <a:fontRef idx="minor">
+            <a:schemeClr val="lt1"/>
+          </a:fontRef>
+        </p:style>
+        <p:txBody>
+          <a:bodyPr rtlCol="0" anchor="ctr"/>
+          <a:lstStyle/>
+          <a:p>
+            <a:pPr algn="ctr"/>
+            <a:r>
+              <a:rPr lang="en-US" dirty="0"/>
+              <a:t>COUNTRY1</a:t>
+            </a:r>
+          </a:p>
+        </p:txBody>
+      </p:sp>
+      <p:sp>
+        <p:nvSpPr>
+          <p:cNvPr id="70" name="Rectangle 69"/>
+          <p:cNvSpPr/>
+          <p:nvPr/>
+        </p:nvSpPr>
+        <p:spPr>
+          <a:xfrm>
+            <a:off x="4383785" y="4377630"/>
+            <a:ext cx="1047172" cy="306532"/>
+          </a:xfrm>
+          <a:prstGeom prst="rect">
+            <a:avLst/>
+          </a:prstGeom>
+          <a:ln>
+            <a:solidFill>
+              <a:schemeClr val="bg1"/>
+            </a:solidFill>
+          </a:ln>
+        </p:spPr>
+        <p:style>
+          <a:lnRef idx="2">
+            <a:schemeClr val="dk1">
+              <a:shade val="50000"/>
+            </a:schemeClr>
+          </a:lnRef>
+          <a:fillRef idx="1">
+            <a:schemeClr val="dk1"/>
+          </a:fillRef>
+          <a:effectRef idx="0">
+            <a:schemeClr val="dk1"/>
+          </a:effectRef>
+          <a:fontRef idx="minor">
+            <a:schemeClr val="lt1"/>
+          </a:fontRef>
+        </p:style>
+        <p:txBody>
+          <a:bodyPr rtlCol="0" anchor="ctr"/>
+          <a:lstStyle/>
+          <a:p>
+            <a:pPr algn="ctr"/>
+            <a:r>
+              <a:rPr lang="en-US" dirty="0"/>
+              <a:t>SALES</a:t>
+            </a:r>
+          </a:p>
+        </p:txBody>
+      </p:sp>
+      <p:sp>
+        <p:nvSpPr>
+          <p:cNvPr id="71" name="Rectangle 70"/>
+          <p:cNvSpPr/>
+          <p:nvPr/>
+        </p:nvSpPr>
+        <p:spPr>
+          <a:xfrm>
+            <a:off x="5430956" y="4377630"/>
+            <a:ext cx="1184565" cy="306532"/>
+          </a:xfrm>
+          <a:prstGeom prst="rect">
+            <a:avLst/>
+          </a:prstGeom>
+          <a:ln>
+            <a:solidFill>
+              <a:schemeClr val="bg1"/>
+            </a:solidFill>
+          </a:ln>
+        </p:spPr>
+        <p:style>
+          <a:lnRef idx="2">
+            <a:schemeClr val="dk1">
+              <a:shade val="50000"/>
+            </a:schemeClr>
+          </a:lnRef>
+          <a:fillRef idx="1">
+            <a:schemeClr val="dk1"/>
+          </a:fillRef>
+          <a:effectRef idx="0">
+            <a:schemeClr val="dk1"/>
+          </a:effectRef>
+          <a:fontRef idx="minor">
+            <a:schemeClr val="lt1"/>
+          </a:fontRef>
+        </p:style>
+        <p:txBody>
+          <a:bodyPr rtlCol="0" anchor="ctr"/>
+          <a:lstStyle/>
+          <a:p>
+            <a:pPr algn="ctr"/>
+            <a:r>
+              <a:rPr lang="en-US" dirty="0"/>
+              <a:t>REVENUE</a:t>
+            </a:r>
+          </a:p>
+        </p:txBody>
+      </p:sp>
+      <p:sp>
+        <p:nvSpPr>
+          <p:cNvPr id="72" name="Rectangle 71"/>
+          <p:cNvSpPr/>
+          <p:nvPr/>
+        </p:nvSpPr>
+        <p:spPr>
+          <a:xfrm>
+            <a:off x="2095476" y="4718078"/>
+            <a:ext cx="2230582" cy="371186"/>
+          </a:xfrm>
+          <a:prstGeom prst="rect">
+            <a:avLst/>
+          </a:prstGeom>
+        </p:spPr>
+        <p:style>
+          <a:lnRef idx="2">
+            <a:schemeClr val="accent6">
+              <a:shade val="50000"/>
+            </a:schemeClr>
+          </a:lnRef>
+          <a:fillRef idx="1">
+            <a:schemeClr val="accent6"/>
+          </a:fillRef>
+          <a:effectRef idx="0">
+            <a:schemeClr val="accent6"/>
+          </a:effectRef>
+          <a:fontRef idx="minor">
+            <a:schemeClr val="lt1"/>
+          </a:fontRef>
+        </p:style>
+        <p:txBody>
+          <a:bodyPr rtlCol="0" anchor="ctr"/>
+          <a:lstStyle/>
+          <a:p>
+            <a:pPr algn="ctr"/>
+            <a:r>
+              <a:rPr lang="en-US" dirty="0"/>
+              <a:t>CITY 1</a:t>
+            </a:r>
+          </a:p>
+        </p:txBody>
+      </p:sp>
+      <p:sp>
+        <p:nvSpPr>
+          <p:cNvPr id="73" name="Rectangle 72"/>
+          <p:cNvSpPr/>
+          <p:nvPr/>
+        </p:nvSpPr>
+        <p:spPr>
+          <a:xfrm>
+            <a:off x="2093167" y="5140642"/>
+            <a:ext cx="2230582" cy="371186"/>
+          </a:xfrm>
+          <a:prstGeom prst="rect">
+            <a:avLst/>
+          </a:prstGeom>
+        </p:spPr>
+        <p:style>
+          <a:lnRef idx="2">
+            <a:schemeClr val="accent6">
+              <a:shade val="50000"/>
+            </a:schemeClr>
+          </a:lnRef>
+          <a:fillRef idx="1">
+            <a:schemeClr val="accent6"/>
+          </a:fillRef>
+          <a:effectRef idx="0">
+            <a:schemeClr val="accent6"/>
+          </a:effectRef>
+          <a:fontRef idx="minor">
+            <a:schemeClr val="lt1"/>
+          </a:fontRef>
+        </p:style>
+        <p:txBody>
+          <a:bodyPr rtlCol="0" anchor="ctr"/>
+          <a:lstStyle/>
+          <a:p>
+            <a:pPr algn="ctr"/>
+            <a:r>
+              <a:rPr lang="en-US" dirty="0"/>
+              <a:t>CITY 2</a:t>
+            </a:r>
+          </a:p>
+        </p:txBody>
+      </p:sp>
+      <p:sp>
+        <p:nvSpPr>
+          <p:cNvPr id="114" name="Rectangle 113"/>
+          <p:cNvSpPr/>
+          <p:nvPr/>
+        </p:nvSpPr>
+        <p:spPr>
+          <a:xfrm>
+            <a:off x="4379168" y="6040723"/>
+            <a:ext cx="1047172" cy="306532"/>
+          </a:xfrm>
+          <a:prstGeom prst="rect">
+            <a:avLst/>
+          </a:prstGeom>
+          <a:ln/>
+        </p:spPr>
+        <p:style>
+          <a:lnRef idx="2">
+            <a:schemeClr val="accent1"/>
+          </a:lnRef>
+          <a:fillRef idx="1">
+            <a:schemeClr val="lt1"/>
+          </a:fillRef>
+          <a:effectRef idx="0">
+            <a:schemeClr val="accent1"/>
+          </a:effectRef>
+          <a:fontRef idx="minor">
+            <a:schemeClr val="dk1"/>
+          </a:fontRef>
+        </p:style>
+        <p:txBody>
+          <a:bodyPr rtlCol="0" anchor="ctr"/>
+          <a:lstStyle/>
+          <a:p>
+            <a:pPr algn="ctr"/>
+            <a:r>
+              <a:rPr lang="en-US" dirty="0"/>
+              <a:t>10</a:t>
+            </a:r>
+          </a:p>
+        </p:txBody>
+      </p:sp>
+      <p:sp>
+        <p:nvSpPr>
+          <p:cNvPr id="115" name="Rectangle 114"/>
+          <p:cNvSpPr/>
+          <p:nvPr/>
+        </p:nvSpPr>
+        <p:spPr>
+          <a:xfrm>
+            <a:off x="5426340" y="6040723"/>
+            <a:ext cx="1186874" cy="306532"/>
+          </a:xfrm>
+          <a:prstGeom prst="rect">
+            <a:avLst/>
+          </a:prstGeom>
+          <a:ln/>
+        </p:spPr>
+        <p:style>
+          <a:lnRef idx="2">
+            <a:schemeClr val="accent1"/>
+          </a:lnRef>
+          <a:fillRef idx="1">
+            <a:schemeClr val="lt1"/>
+          </a:fillRef>
+          <a:effectRef idx="0">
+            <a:schemeClr val="accent1"/>
+          </a:effectRef>
+          <a:fontRef idx="minor">
+            <a:schemeClr val="dk1"/>
+          </a:fontRef>
+        </p:style>
+        <p:txBody>
+          <a:bodyPr rtlCol="0" anchor="ctr"/>
+          <a:lstStyle/>
+          <a:p>
+            <a:pPr algn="ctr"/>
+            <a:r>
+              <a:rPr lang="en-US" dirty="0"/>
+              <a:t>10,000</a:t>
+            </a:r>
+          </a:p>
+        </p:txBody>
+      </p:sp>
+      <p:sp>
+        <p:nvSpPr>
+          <p:cNvPr id="116" name="Rectangle 115"/>
+          <p:cNvSpPr/>
+          <p:nvPr/>
+        </p:nvSpPr>
+        <p:spPr>
+          <a:xfrm>
+            <a:off x="4379167" y="4747518"/>
+            <a:ext cx="1047172" cy="306532"/>
+          </a:xfrm>
+          <a:prstGeom prst="rect">
+            <a:avLst/>
+          </a:prstGeom>
+          <a:ln/>
+        </p:spPr>
+        <p:style>
+          <a:lnRef idx="2">
+            <a:schemeClr val="accent6"/>
+          </a:lnRef>
+          <a:fillRef idx="1">
+            <a:schemeClr val="lt1"/>
+          </a:fillRef>
+          <a:effectRef idx="0">
+            <a:schemeClr val="accent6"/>
+          </a:effectRef>
+          <a:fontRef idx="minor">
+            <a:schemeClr val="dk1"/>
+          </a:fontRef>
+        </p:style>
+        <p:txBody>
+          <a:bodyPr rtlCol="0" anchor="ctr"/>
+          <a:lstStyle/>
+          <a:p>
+            <a:pPr algn="ctr"/>
+            <a:r>
+              <a:rPr lang="en-US" dirty="0"/>
+              <a:t>5</a:t>
+            </a:r>
+          </a:p>
+        </p:txBody>
+      </p:sp>
+      <p:sp>
+        <p:nvSpPr>
+          <p:cNvPr id="117" name="Rectangle 116"/>
+          <p:cNvSpPr/>
+          <p:nvPr/>
+        </p:nvSpPr>
+        <p:spPr>
+          <a:xfrm>
+            <a:off x="5426339" y="4747518"/>
+            <a:ext cx="1186874" cy="306532"/>
+          </a:xfrm>
+          <a:prstGeom prst="rect">
+            <a:avLst/>
+          </a:prstGeom>
+          <a:ln/>
+        </p:spPr>
+        <p:style>
+          <a:lnRef idx="2">
+            <a:schemeClr val="accent6"/>
+          </a:lnRef>
+          <a:fillRef idx="1">
+            <a:schemeClr val="lt1"/>
+          </a:fillRef>
+          <a:effectRef idx="0">
+            <a:schemeClr val="accent6"/>
+          </a:effectRef>
+          <a:fontRef idx="minor">
+            <a:schemeClr val="dk1"/>
+          </a:fontRef>
+        </p:style>
+        <p:txBody>
+          <a:bodyPr rtlCol="0" anchor="ctr"/>
+          <a:lstStyle/>
+          <a:p>
+            <a:pPr algn="ctr"/>
+            <a:r>
+              <a:rPr lang="en-US" dirty="0"/>
+              <a:t>5,000</a:t>
+            </a:r>
+          </a:p>
+        </p:txBody>
+      </p:sp>
+      <p:sp>
+        <p:nvSpPr>
+          <p:cNvPr id="118" name="Rectangle 117"/>
+          <p:cNvSpPr/>
+          <p:nvPr/>
+        </p:nvSpPr>
+        <p:spPr>
+          <a:xfrm>
+            <a:off x="4379167" y="5177586"/>
+            <a:ext cx="1047172" cy="306532"/>
+          </a:xfrm>
+          <a:prstGeom prst="rect">
+            <a:avLst/>
+          </a:prstGeom>
+          <a:ln/>
+        </p:spPr>
+        <p:style>
+          <a:lnRef idx="2">
+            <a:schemeClr val="accent6"/>
+          </a:lnRef>
+          <a:fillRef idx="1">
+            <a:schemeClr val="lt1"/>
+          </a:fillRef>
+          <a:effectRef idx="0">
+            <a:schemeClr val="accent6"/>
+          </a:effectRef>
+          <a:fontRef idx="minor">
+            <a:schemeClr val="dk1"/>
+          </a:fontRef>
+        </p:style>
+        <p:txBody>
+          <a:bodyPr rtlCol="0" anchor="ctr"/>
+          <a:lstStyle/>
+          <a:p>
+            <a:pPr algn="ctr"/>
+            <a:r>
+              <a:rPr lang="en-US" dirty="0"/>
+              <a:t>3</a:t>
+            </a:r>
+          </a:p>
+        </p:txBody>
+      </p:sp>
+      <p:sp>
+        <p:nvSpPr>
+          <p:cNvPr id="119" name="Rectangle 118"/>
+          <p:cNvSpPr/>
+          <p:nvPr/>
+        </p:nvSpPr>
+        <p:spPr>
+          <a:xfrm>
+            <a:off x="5426339" y="5177586"/>
+            <a:ext cx="1186874" cy="306532"/>
+          </a:xfrm>
+          <a:prstGeom prst="rect">
+            <a:avLst/>
+          </a:prstGeom>
+          <a:ln/>
+        </p:spPr>
+        <p:style>
+          <a:lnRef idx="2">
+            <a:schemeClr val="accent6"/>
+          </a:lnRef>
+          <a:fillRef idx="1">
+            <a:schemeClr val="lt1"/>
+          </a:fillRef>
+          <a:effectRef idx="0">
+            <a:schemeClr val="accent6"/>
+          </a:effectRef>
+          <a:fontRef idx="minor">
+            <a:schemeClr val="dk1"/>
+          </a:fontRef>
+        </p:style>
+        <p:txBody>
+          <a:bodyPr rtlCol="0" anchor="ctr"/>
+          <a:lstStyle/>
+          <a:p>
+            <a:pPr algn="ctr"/>
+            <a:r>
+              <a:rPr lang="en-US" dirty="0"/>
+              <a:t>3,000</a:t>
+            </a:r>
+          </a:p>
+        </p:txBody>
+      </p:sp>
+      <p:sp>
+        <p:nvSpPr>
+          <p:cNvPr id="120" name="Rectangle 119"/>
+          <p:cNvSpPr/>
+          <p:nvPr/>
+        </p:nvSpPr>
+        <p:spPr>
+          <a:xfrm>
+            <a:off x="2093167" y="5583183"/>
+            <a:ext cx="2230582" cy="371186"/>
+          </a:xfrm>
+          <a:prstGeom prst="rect">
+            <a:avLst/>
+          </a:prstGeom>
+        </p:spPr>
+        <p:style>
+          <a:lnRef idx="2">
+            <a:schemeClr val="accent6">
+              <a:shade val="50000"/>
+            </a:schemeClr>
+          </a:lnRef>
+          <a:fillRef idx="1">
+            <a:schemeClr val="accent6"/>
+          </a:fillRef>
+          <a:effectRef idx="0">
+            <a:schemeClr val="accent6"/>
+          </a:effectRef>
+          <a:fontRef idx="minor">
+            <a:schemeClr val="lt1"/>
+          </a:fontRef>
+        </p:style>
+        <p:txBody>
+          <a:bodyPr rtlCol="0" anchor="ctr"/>
+          <a:lstStyle/>
+          <a:p>
+            <a:pPr algn="ctr"/>
+            <a:r>
+              <a:rPr lang="en-US" dirty="0"/>
+              <a:t>CITY 2</a:t>
+            </a:r>
+          </a:p>
+        </p:txBody>
+      </p:sp>
+      <p:sp>
+        <p:nvSpPr>
+          <p:cNvPr id="121" name="Rectangle 120"/>
+          <p:cNvSpPr/>
+          <p:nvPr/>
+        </p:nvSpPr>
+        <p:spPr>
+          <a:xfrm>
+            <a:off x="4379167" y="5620127"/>
+            <a:ext cx="1047172" cy="306532"/>
+          </a:xfrm>
+          <a:prstGeom prst="rect">
+            <a:avLst/>
+          </a:prstGeom>
+          <a:ln/>
+        </p:spPr>
+        <p:style>
+          <a:lnRef idx="2">
+            <a:schemeClr val="accent6"/>
+          </a:lnRef>
+          <a:fillRef idx="1">
+            <a:schemeClr val="lt1"/>
+          </a:fillRef>
+          <a:effectRef idx="0">
+            <a:schemeClr val="accent6"/>
+          </a:effectRef>
+          <a:fontRef idx="minor">
+            <a:schemeClr val="dk1"/>
+          </a:fontRef>
+        </p:style>
+        <p:txBody>
+          <a:bodyPr rtlCol="0" anchor="ctr"/>
+          <a:lstStyle/>
+          <a:p>
+            <a:pPr algn="ctr"/>
+            <a:r>
+              <a:rPr lang="en-US" dirty="0"/>
+              <a:t>2</a:t>
+            </a:r>
+          </a:p>
+        </p:txBody>
+      </p:sp>
+      <p:sp>
+        <p:nvSpPr>
+          <p:cNvPr id="122" name="Rectangle 121"/>
+          <p:cNvSpPr/>
+          <p:nvPr/>
+        </p:nvSpPr>
+        <p:spPr>
+          <a:xfrm>
+            <a:off x="5426339" y="5620127"/>
+            <a:ext cx="1186874" cy="306532"/>
+          </a:xfrm>
+          <a:prstGeom prst="rect">
+            <a:avLst/>
+          </a:prstGeom>
+          <a:ln/>
+        </p:spPr>
+        <p:style>
+          <a:lnRef idx="2">
+            <a:schemeClr val="accent6"/>
+          </a:lnRef>
+          <a:fillRef idx="1">
+            <a:schemeClr val="lt1"/>
+          </a:fillRef>
+          <a:effectRef idx="0">
+            <a:schemeClr val="accent6"/>
+          </a:effectRef>
+          <a:fontRef idx="minor">
+            <a:schemeClr val="dk1"/>
+          </a:fontRef>
+        </p:style>
+        <p:txBody>
+          <a:bodyPr rtlCol="0" anchor="ctr"/>
+          <a:lstStyle/>
+          <a:p>
+            <a:pPr algn="ctr"/>
+            <a:r>
+              <a:rPr lang="en-US" dirty="0"/>
+              <a:t>2,000</a:t>
+            </a:r>
+          </a:p>
+        </p:txBody>
+      </p:sp>
+      <p:cxnSp>
+        <p:nvCxnSpPr>
+          <p:cNvPr id="9" name="Curved Connector 8"/>
+          <p:cNvCxnSpPr>
+            <a:stCxn id="50" idx="1"/>
+            <a:endCxn id="69" idx="1"/>
+          </p:cNvCxnSpPr>
+          <p:nvPr/>
+        </p:nvCxnSpPr>
+        <p:spPr>
+          <a:xfrm rot="10800000" flipH="1" flipV="1">
+            <a:off x="2055091" y="3116841"/>
+            <a:ext cx="38076" cy="3077148"/>
+          </a:xfrm>
+          <a:prstGeom prst="curvedConnector3">
+            <a:avLst>
+              <a:gd name="adj1" fmla="val -1923661"/>
+            </a:avLst>
+          </a:prstGeom>
+          <a:ln>
+            <a:tailEnd type="triangle"/>
+          </a:ln>
+        </p:spPr>
+        <p:style>
+          <a:lnRef idx="1">
+            <a:schemeClr val="accent1"/>
+          </a:lnRef>
+          <a:fillRef idx="0">
+            <a:schemeClr val="accent1"/>
+          </a:fillRef>
+          <a:effectRef idx="0">
+            <a:schemeClr val="accent1"/>
+          </a:effectRef>
+          <a:fontRef idx="minor">
+            <a:schemeClr val="tx1"/>
+          </a:fontRef>
+        </p:style>
+      </p:cxnSp>
+    </p:spTree>
+    <p:extLst>
+      <p:ext uri="{BB962C8B-B14F-4D97-AF65-F5344CB8AC3E}">
+        <p14:creationId xmlns:p14="http://schemas.microsoft.com/office/powerpoint/2010/main" val="2355215282"/>
+      </p:ext>
+    </p:extLst>
+  </p:cSld>
+  <p:clrMapOvr>
+    <a:masterClrMapping/>
+  </p:clrMapOvr>
+</p:sld>
+</file>
+
+<file path=ppt/slides/slide11.xml><?xml version="1.0" encoding="utf-8"?>
+<p:sld xmlns:a="http://schemas.openxmlformats.org/drawingml/2006/main" xmlns:r="http://schemas.openxmlformats.org/officeDocument/2006/relationships" xmlns:p="http://schemas.openxmlformats.org/presentationml/2006/main">
+  <p:cSld>
+    <p:spTree>
+      <p:nvGrpSpPr>
+        <p:cNvPr id="1" name=""/>
+        <p:cNvGrpSpPr/>
+        <p:nvPr/>
+      </p:nvGrpSpPr>
+      <p:grpSpPr>
+        <a:xfrm>
+          <a:off x="0" y="0"/>
+          <a:ext cx="0" cy="0"/>
+          <a:chOff x="0" y="0"/>
+          <a:chExt cx="0" cy="0"/>
+        </a:xfrm>
+      </p:grpSpPr>
+      <p:sp>
+        <p:nvSpPr>
+          <p:cNvPr id="2" name="Slide Number Placeholder 1"/>
+          <p:cNvSpPr>
+            <a:spLocks noGrp="1"/>
+          </p:cNvSpPr>
+          <p:nvPr>
+            <p:ph type="sldNum" sz="quarter" idx="12"/>
+          </p:nvPr>
+        </p:nvSpPr>
+        <p:spPr/>
+        <p:txBody>
+          <a:bodyPr/>
+          <a:lstStyle/>
+          <a:p>
+            <a:fld id="{7C65DD3B-8E90-4815-956E-D18D24CB454B}" type="slidenum">
+              <a:rPr lang="en-US" smtClean="0"/>
+              <a:pPr/>
+              <a:t>11</a:t>
+            </a:fld>
+            <a:endParaRPr lang="en-US" dirty="0"/>
+          </a:p>
+        </p:txBody>
+      </p:sp>
+      <p:sp>
+        <p:nvSpPr>
+          <p:cNvPr id="3" name="Rectangle 2"/>
+          <p:cNvSpPr/>
+          <p:nvPr/>
+        </p:nvSpPr>
+        <p:spPr>
+          <a:xfrm>
+            <a:off x="228600" y="457200"/>
+            <a:ext cx="1447800" cy="1371600"/>
+          </a:xfrm>
+          <a:prstGeom prst="rect">
+            <a:avLst/>
+          </a:prstGeom>
+        </p:spPr>
+        <p:style>
+          <a:lnRef idx="1">
+            <a:schemeClr val="dk1"/>
+          </a:lnRef>
+          <a:fillRef idx="2">
+            <a:schemeClr val="dk1"/>
+          </a:fillRef>
+          <a:effectRef idx="1">
+            <a:schemeClr val="dk1"/>
+          </a:effectRef>
+          <a:fontRef idx="minor">
+            <a:schemeClr val="dk1"/>
+          </a:fontRef>
+        </p:style>
+        <p:txBody>
+          <a:bodyPr rtlCol="0" anchor="ctr"/>
+          <a:lstStyle/>
+          <a:p>
+            <a:pPr algn="ctr"/>
+            <a:r>
+              <a:rPr lang="en-US" dirty="0"/>
+              <a:t>INITIAL SCREEN</a:t>
+            </a:r>
+          </a:p>
+        </p:txBody>
+      </p:sp>
+      <p:sp>
+        <p:nvSpPr>
+          <p:cNvPr id="4" name="Rectangle 3"/>
+          <p:cNvSpPr/>
+          <p:nvPr/>
+        </p:nvSpPr>
+        <p:spPr>
+          <a:xfrm>
+            <a:off x="2362200" y="457200"/>
+            <a:ext cx="1447800" cy="1371600"/>
+          </a:xfrm>
+          <a:prstGeom prst="rect">
+            <a:avLst/>
+          </a:prstGeom>
+        </p:spPr>
+        <p:style>
+          <a:lnRef idx="1">
+            <a:schemeClr val="dk1"/>
+          </a:lnRef>
+          <a:fillRef idx="2">
+            <a:schemeClr val="dk1"/>
+          </a:fillRef>
+          <a:effectRef idx="1">
+            <a:schemeClr val="dk1"/>
+          </a:effectRef>
+          <a:fontRef idx="minor">
+            <a:schemeClr val="dk1"/>
+          </a:fontRef>
+        </p:style>
+        <p:txBody>
+          <a:bodyPr rtlCol="0" anchor="ctr"/>
+          <a:lstStyle/>
+          <a:p>
+            <a:pPr algn="ctr"/>
+            <a:r>
+              <a:rPr lang="en-US" dirty="0"/>
+              <a:t>DATA SCREEN LEVEL 1</a:t>
+            </a:r>
+          </a:p>
+        </p:txBody>
+      </p:sp>
+      <p:graphicFrame>
+        <p:nvGraphicFramePr>
+          <p:cNvPr id="5" name="Table 4"/>
+          <p:cNvGraphicFramePr>
+            <a:graphicFrameLocks noGrp="1"/>
+          </p:cNvGraphicFramePr>
+          <p:nvPr>
+            <p:extLst>
+              <p:ext uri="{D42A27DB-BD31-4B8C-83A1-F6EECF244321}">
+                <p14:modId xmlns:p14="http://schemas.microsoft.com/office/powerpoint/2010/main" val="1672715169"/>
+              </p:ext>
+            </p:extLst>
+          </p:nvPr>
+        </p:nvGraphicFramePr>
+        <p:xfrm>
+          <a:off x="1257300" y="2563430"/>
+          <a:ext cx="1447800" cy="365760"/>
+        </p:xfrm>
+        <a:graphic>
+          <a:graphicData uri="http://schemas.openxmlformats.org/drawingml/2006/table">
+            <a:tbl>
+              <a:tblPr firstRow="1" bandRow="1">
+                <a:tableStyleId>{5C22544A-7EE6-4342-B048-85BDC9FD1C3A}</a:tableStyleId>
+              </a:tblPr>
+              <a:tblGrid>
+                <a:gridCol w="1447800">
+                  <a:extLst>
+                    <a:ext uri="{9D8B030D-6E8A-4147-A177-3AD203B41FA5}">
+                      <a16:colId xmlns:a16="http://schemas.microsoft.com/office/drawing/2014/main" val="1657470181"/>
+                    </a:ext>
+                  </a:extLst>
+                </a:gridCol>
+              </a:tblGrid>
+              <a:tr h="294640">
+                <a:tc>
+                  <a:txBody>
+                    <a:bodyPr/>
+                    <a:lstStyle/>
+                    <a:p>
+                      <a:endParaRPr lang="en-US" dirty="0"/>
+                    </a:p>
+                  </a:txBody>
+                  <a:tcPr/>
+                </a:tc>
+                <a:extLst>
+                  <a:ext uri="{0D108BD9-81ED-4DB2-BD59-A6C34878D82A}">
+                    <a16:rowId xmlns:a16="http://schemas.microsoft.com/office/drawing/2014/main" val="1705318490"/>
+                  </a:ext>
+                </a:extLst>
+              </a:tr>
+            </a:tbl>
+          </a:graphicData>
+        </a:graphic>
+      </p:graphicFrame>
+      <p:graphicFrame>
+        <p:nvGraphicFramePr>
+          <p:cNvPr id="7" name="Table 6"/>
+          <p:cNvGraphicFramePr>
+            <a:graphicFrameLocks noGrp="1"/>
+          </p:cNvGraphicFramePr>
+          <p:nvPr>
+            <p:extLst>
+              <p:ext uri="{D42A27DB-BD31-4B8C-83A1-F6EECF244321}">
+                <p14:modId xmlns:p14="http://schemas.microsoft.com/office/powerpoint/2010/main" val="3549804401"/>
+              </p:ext>
+            </p:extLst>
+          </p:nvPr>
+        </p:nvGraphicFramePr>
+        <p:xfrm>
+          <a:off x="3352800" y="2560320"/>
+          <a:ext cx="1447800" cy="365760"/>
+        </p:xfrm>
+        <a:graphic>
+          <a:graphicData uri="http://schemas.openxmlformats.org/drawingml/2006/table">
+            <a:tbl>
+              <a:tblPr firstRow="1" bandRow="1">
+                <a:tableStyleId>{5C22544A-7EE6-4342-B048-85BDC9FD1C3A}</a:tableStyleId>
+              </a:tblPr>
+              <a:tblGrid>
+                <a:gridCol w="1447800">
+                  <a:extLst>
+                    <a:ext uri="{9D8B030D-6E8A-4147-A177-3AD203B41FA5}">
+                      <a16:colId xmlns:a16="http://schemas.microsoft.com/office/drawing/2014/main" val="1657470181"/>
+                    </a:ext>
+                  </a:extLst>
+                </a:gridCol>
+              </a:tblGrid>
+              <a:tr h="333518">
+                <a:tc>
+                  <a:txBody>
+                    <a:bodyPr/>
+                    <a:lstStyle/>
+                    <a:p>
+                      <a:r>
+                        <a:rPr lang="en-US" dirty="0"/>
+                        <a:t>1</a:t>
+                      </a:r>
+                    </a:p>
+                  </a:txBody>
+                  <a:tcPr/>
+                </a:tc>
+                <a:extLst>
+                  <a:ext uri="{0D108BD9-81ED-4DB2-BD59-A6C34878D82A}">
+                    <a16:rowId xmlns:a16="http://schemas.microsoft.com/office/drawing/2014/main" val="1705318490"/>
+                  </a:ext>
+                </a:extLst>
+              </a:tr>
+            </a:tbl>
+          </a:graphicData>
+        </a:graphic>
+      </p:graphicFrame>
+      <p:sp>
+        <p:nvSpPr>
+          <p:cNvPr id="8" name="Rectangle 7"/>
+          <p:cNvSpPr/>
+          <p:nvPr/>
+        </p:nvSpPr>
+        <p:spPr>
+          <a:xfrm>
+            <a:off x="4325516" y="457200"/>
+            <a:ext cx="1447800" cy="1371600"/>
+          </a:xfrm>
+          <a:prstGeom prst="rect">
+            <a:avLst/>
+          </a:prstGeom>
+        </p:spPr>
+        <p:style>
+          <a:lnRef idx="1">
+            <a:schemeClr val="dk1"/>
+          </a:lnRef>
+          <a:fillRef idx="2">
+            <a:schemeClr val="dk1"/>
+          </a:fillRef>
+          <a:effectRef idx="1">
+            <a:schemeClr val="dk1"/>
+          </a:effectRef>
+          <a:fontRef idx="minor">
+            <a:schemeClr val="dk1"/>
+          </a:fontRef>
+        </p:style>
+        <p:txBody>
+          <a:bodyPr rtlCol="0" anchor="ctr"/>
+          <a:lstStyle/>
+          <a:p>
+            <a:pPr algn="ctr"/>
+            <a:r>
+              <a:rPr lang="en-US" dirty="0"/>
+              <a:t>DATA SCREEN LEVEL 2</a:t>
+            </a:r>
+          </a:p>
+        </p:txBody>
+      </p:sp>
+      <p:sp>
+        <p:nvSpPr>
+          <p:cNvPr id="9" name="Rectangle 8"/>
+          <p:cNvSpPr/>
+          <p:nvPr/>
+        </p:nvSpPr>
+        <p:spPr>
+          <a:xfrm>
+            <a:off x="6288832" y="457200"/>
+            <a:ext cx="1447800" cy="1371600"/>
+          </a:xfrm>
+          <a:prstGeom prst="rect">
+            <a:avLst/>
+          </a:prstGeom>
+        </p:spPr>
+        <p:style>
+          <a:lnRef idx="1">
+            <a:schemeClr val="dk1"/>
+          </a:lnRef>
+          <a:fillRef idx="2">
+            <a:schemeClr val="dk1"/>
+          </a:fillRef>
+          <a:effectRef idx="1">
+            <a:schemeClr val="dk1"/>
+          </a:effectRef>
+          <a:fontRef idx="minor">
+            <a:schemeClr val="dk1"/>
+          </a:fontRef>
+        </p:style>
+        <p:txBody>
+          <a:bodyPr rtlCol="0" anchor="ctr"/>
+          <a:lstStyle/>
+          <a:p>
+            <a:pPr algn="ctr"/>
+            <a:r>
+              <a:rPr lang="en-US" dirty="0"/>
+              <a:t>DATA SCREEN LEVEL 3</a:t>
+            </a:r>
+          </a:p>
+        </p:txBody>
+      </p:sp>
+      <p:graphicFrame>
+        <p:nvGraphicFramePr>
+          <p:cNvPr id="10" name="Table 9"/>
+          <p:cNvGraphicFramePr>
+            <a:graphicFrameLocks noGrp="1"/>
+          </p:cNvGraphicFramePr>
+          <p:nvPr>
+            <p:extLst>
+              <p:ext uri="{D42A27DB-BD31-4B8C-83A1-F6EECF244321}">
+                <p14:modId xmlns:p14="http://schemas.microsoft.com/office/powerpoint/2010/main" val="1457566905"/>
+              </p:ext>
+            </p:extLst>
+          </p:nvPr>
+        </p:nvGraphicFramePr>
+        <p:xfrm>
+          <a:off x="5345663" y="2563430"/>
+          <a:ext cx="1447800" cy="731520"/>
+        </p:xfrm>
+        <a:graphic>
+          <a:graphicData uri="http://schemas.openxmlformats.org/drawingml/2006/table">
+            <a:tbl>
+              <a:tblPr firstRow="1" bandRow="1">
+                <a:tableStyleId>{5C22544A-7EE6-4342-B048-85BDC9FD1C3A}</a:tableStyleId>
+              </a:tblPr>
+              <a:tblGrid>
+                <a:gridCol w="1447800">
+                  <a:extLst>
+                    <a:ext uri="{9D8B030D-6E8A-4147-A177-3AD203B41FA5}">
+                      <a16:colId xmlns:a16="http://schemas.microsoft.com/office/drawing/2014/main" val="1657470181"/>
+                    </a:ext>
+                  </a:extLst>
+                </a:gridCol>
+              </a:tblGrid>
+              <a:tr h="333518">
+                <a:tc>
+                  <a:txBody>
+                    <a:bodyPr/>
+                    <a:lstStyle/>
+                    <a:p>
+                      <a:r>
+                        <a:rPr lang="en-US" dirty="0"/>
+                        <a:t>1</a:t>
+                      </a:r>
+                    </a:p>
+                  </a:txBody>
+                  <a:tcPr/>
+                </a:tc>
+                <a:extLst>
+                  <a:ext uri="{0D108BD9-81ED-4DB2-BD59-A6C34878D82A}">
+                    <a16:rowId xmlns:a16="http://schemas.microsoft.com/office/drawing/2014/main" val="1705318490"/>
+                  </a:ext>
+                </a:extLst>
+              </a:tr>
+              <a:tr h="333518">
+                <a:tc>
+                  <a:txBody>
+                    <a:bodyPr/>
+                    <a:lstStyle/>
+                    <a:p>
+                      <a:r>
+                        <a:rPr lang="en-US" dirty="0"/>
+                        <a:t>2</a:t>
+                      </a:r>
+                    </a:p>
+                  </a:txBody>
+                  <a:tcPr/>
+                </a:tc>
+                <a:extLst>
+                  <a:ext uri="{0D108BD9-81ED-4DB2-BD59-A6C34878D82A}">
+                    <a16:rowId xmlns:a16="http://schemas.microsoft.com/office/drawing/2014/main" val="2049377669"/>
+                  </a:ext>
+                </a:extLst>
+              </a:tr>
+            </a:tbl>
+          </a:graphicData>
+        </a:graphic>
+      </p:graphicFrame>
+      <p:graphicFrame>
+        <p:nvGraphicFramePr>
+          <p:cNvPr id="11" name="Table 10"/>
+          <p:cNvGraphicFramePr>
+            <a:graphicFrameLocks noGrp="1"/>
+          </p:cNvGraphicFramePr>
+          <p:nvPr>
+            <p:extLst>
+              <p:ext uri="{D42A27DB-BD31-4B8C-83A1-F6EECF244321}">
+                <p14:modId xmlns:p14="http://schemas.microsoft.com/office/powerpoint/2010/main" val="2213426084"/>
+              </p:ext>
+            </p:extLst>
+          </p:nvPr>
+        </p:nvGraphicFramePr>
+        <p:xfrm>
+          <a:off x="7353300" y="2560320"/>
+          <a:ext cx="1447800" cy="1097280"/>
+        </p:xfrm>
+        <a:graphic>
+          <a:graphicData uri="http://schemas.openxmlformats.org/drawingml/2006/table">
+            <a:tbl>
+              <a:tblPr firstRow="1" bandRow="1">
+                <a:tableStyleId>{5C22544A-7EE6-4342-B048-85BDC9FD1C3A}</a:tableStyleId>
+              </a:tblPr>
+              <a:tblGrid>
+                <a:gridCol w="1447800">
+                  <a:extLst>
+                    <a:ext uri="{9D8B030D-6E8A-4147-A177-3AD203B41FA5}">
+                      <a16:colId xmlns:a16="http://schemas.microsoft.com/office/drawing/2014/main" val="1657470181"/>
+                    </a:ext>
+                  </a:extLst>
+                </a:gridCol>
+              </a:tblGrid>
+              <a:tr h="333518">
+                <a:tc>
+                  <a:txBody>
+                    <a:bodyPr/>
+                    <a:lstStyle/>
+                    <a:p>
+                      <a:r>
+                        <a:rPr lang="en-US" dirty="0"/>
+                        <a:t>1</a:t>
+                      </a:r>
+                    </a:p>
+                  </a:txBody>
+                  <a:tcPr/>
+                </a:tc>
+                <a:extLst>
+                  <a:ext uri="{0D108BD9-81ED-4DB2-BD59-A6C34878D82A}">
+                    <a16:rowId xmlns:a16="http://schemas.microsoft.com/office/drawing/2014/main" val="1705318490"/>
+                  </a:ext>
+                </a:extLst>
+              </a:tr>
+              <a:tr h="333518">
+                <a:tc>
+                  <a:txBody>
+                    <a:bodyPr/>
+                    <a:lstStyle/>
+                    <a:p>
+                      <a:r>
+                        <a:rPr lang="en-US" dirty="0"/>
+                        <a:t>2</a:t>
+                      </a:r>
+                    </a:p>
+                  </a:txBody>
+                  <a:tcPr/>
+                </a:tc>
+                <a:extLst>
+                  <a:ext uri="{0D108BD9-81ED-4DB2-BD59-A6C34878D82A}">
+                    <a16:rowId xmlns:a16="http://schemas.microsoft.com/office/drawing/2014/main" val="4215921882"/>
+                  </a:ext>
+                </a:extLst>
+              </a:tr>
+              <a:tr h="333518">
+                <a:tc>
+                  <a:txBody>
+                    <a:bodyPr/>
+                    <a:lstStyle/>
+                    <a:p>
+                      <a:r>
+                        <a:rPr lang="en-US" dirty="0"/>
+                        <a:t>3</a:t>
+                      </a:r>
+                    </a:p>
+                  </a:txBody>
+                  <a:tcPr/>
+                </a:tc>
+                <a:extLst>
+                  <a:ext uri="{0D108BD9-81ED-4DB2-BD59-A6C34878D82A}">
+                    <a16:rowId xmlns:a16="http://schemas.microsoft.com/office/drawing/2014/main" val="1420056192"/>
+                  </a:ext>
+                </a:extLst>
+              </a:tr>
+            </a:tbl>
+          </a:graphicData>
+        </a:graphic>
+      </p:graphicFrame>
+      <p:cxnSp>
+        <p:nvCxnSpPr>
+          <p:cNvPr id="16" name="Elbow Connector 15"/>
+          <p:cNvCxnSpPr>
+            <a:stCxn id="3" idx="3"/>
+            <a:endCxn id="5" idx="0"/>
+          </p:cNvCxnSpPr>
+          <p:nvPr/>
+        </p:nvCxnSpPr>
+        <p:spPr>
+          <a:xfrm>
+            <a:off x="1676400" y="1143000"/>
+            <a:ext cx="304800" cy="1420430"/>
+          </a:xfrm>
+          <a:prstGeom prst="bentConnector2">
+            <a:avLst/>
+          </a:prstGeom>
+          <a:ln>
+            <a:tailEnd type="triangle"/>
+          </a:ln>
+        </p:spPr>
+        <p:style>
+          <a:lnRef idx="1">
+            <a:schemeClr val="accent1"/>
+          </a:lnRef>
+          <a:fillRef idx="0">
+            <a:schemeClr val="accent1"/>
+          </a:fillRef>
+          <a:effectRef idx="0">
+            <a:schemeClr val="accent1"/>
+          </a:effectRef>
+          <a:fontRef idx="minor">
+            <a:schemeClr val="tx1"/>
+          </a:fontRef>
+        </p:style>
+      </p:cxnSp>
+      <p:cxnSp>
+        <p:nvCxnSpPr>
+          <p:cNvPr id="18" name="Elbow Connector 17"/>
+          <p:cNvCxnSpPr>
+            <a:stCxn id="4" idx="3"/>
+            <a:endCxn id="7" idx="0"/>
+          </p:cNvCxnSpPr>
+          <p:nvPr/>
+        </p:nvCxnSpPr>
+        <p:spPr>
+          <a:xfrm>
+            <a:off x="3810000" y="1143000"/>
+            <a:ext cx="266700" cy="1417320"/>
+          </a:xfrm>
+          <a:prstGeom prst="bentConnector2">
+            <a:avLst/>
+          </a:prstGeom>
+          <a:ln>
+            <a:tailEnd type="triangle"/>
+          </a:ln>
+        </p:spPr>
+        <p:style>
+          <a:lnRef idx="1">
+            <a:schemeClr val="accent1"/>
+          </a:lnRef>
+          <a:fillRef idx="0">
+            <a:schemeClr val="accent1"/>
+          </a:fillRef>
+          <a:effectRef idx="0">
+            <a:schemeClr val="accent1"/>
+          </a:effectRef>
+          <a:fontRef idx="minor">
+            <a:schemeClr val="tx1"/>
+          </a:fontRef>
+        </p:style>
+      </p:cxnSp>
+      <p:cxnSp>
+        <p:nvCxnSpPr>
+          <p:cNvPr id="20" name="Elbow Connector 19"/>
+          <p:cNvCxnSpPr>
+            <a:stCxn id="8" idx="3"/>
+            <a:endCxn id="10" idx="0"/>
+          </p:cNvCxnSpPr>
+          <p:nvPr/>
+        </p:nvCxnSpPr>
+        <p:spPr>
+          <a:xfrm>
+            <a:off x="5773316" y="1143000"/>
+            <a:ext cx="296247" cy="1420430"/>
+          </a:xfrm>
+          <a:prstGeom prst="bentConnector2">
+            <a:avLst/>
+          </a:prstGeom>
+          <a:ln>
+            <a:tailEnd type="triangle"/>
+          </a:ln>
+        </p:spPr>
+        <p:style>
+          <a:lnRef idx="1">
+            <a:schemeClr val="accent1"/>
+          </a:lnRef>
+          <a:fillRef idx="0">
+            <a:schemeClr val="accent1"/>
+          </a:fillRef>
+          <a:effectRef idx="0">
+            <a:schemeClr val="accent1"/>
+          </a:effectRef>
+          <a:fontRef idx="minor">
+            <a:schemeClr val="tx1"/>
+          </a:fontRef>
+        </p:style>
+      </p:cxnSp>
+      <p:cxnSp>
+        <p:nvCxnSpPr>
+          <p:cNvPr id="22" name="Elbow Connector 21"/>
+          <p:cNvCxnSpPr>
+            <a:stCxn id="9" idx="3"/>
+            <a:endCxn id="11" idx="0"/>
+          </p:cNvCxnSpPr>
+          <p:nvPr/>
+        </p:nvCxnSpPr>
+        <p:spPr>
+          <a:xfrm>
+            <a:off x="7736632" y="1143000"/>
+            <a:ext cx="340568" cy="1417320"/>
+          </a:xfrm>
+          <a:prstGeom prst="bentConnector2">
+            <a:avLst/>
+          </a:prstGeom>
+          <a:ln>
+            <a:tailEnd type="triangle"/>
+          </a:ln>
+        </p:spPr>
+        <p:style>
+          <a:lnRef idx="1">
+            <a:schemeClr val="accent1"/>
+          </a:lnRef>
+          <a:fillRef idx="0">
+            <a:schemeClr val="accent1"/>
+          </a:fillRef>
+          <a:effectRef idx="0">
+            <a:schemeClr val="accent1"/>
+          </a:effectRef>
+          <a:fontRef idx="minor">
+            <a:schemeClr val="tx1"/>
+          </a:fontRef>
+        </p:style>
+      </p:cxnSp>
+      <p:sp>
+        <p:nvSpPr>
+          <p:cNvPr id="23" name="Right Arrow 22"/>
+          <p:cNvSpPr/>
+          <p:nvPr/>
+        </p:nvSpPr>
+        <p:spPr>
+          <a:xfrm>
+            <a:off x="1844350" y="609600"/>
+            <a:ext cx="381000" cy="381000"/>
+          </a:xfrm>
+          <a:prstGeom prst="rightArrow">
+            <a:avLst/>
+          </a:prstGeom>
+        </p:spPr>
+        <p:style>
+          <a:lnRef idx="2">
+            <a:schemeClr val="accent1">
+              <a:shade val="50000"/>
+            </a:schemeClr>
+          </a:lnRef>
+          <a:fillRef idx="1">
+            <a:schemeClr val="accent1"/>
+          </a:fillRef>
+          <a:effectRef idx="0">
+            <a:schemeClr val="accent1"/>
+          </a:effectRef>
+          <a:fontRef idx="minor">
+            <a:schemeClr val="lt1"/>
+          </a:fontRef>
+        </p:style>
+        <p:txBody>
+          <a:bodyPr rtlCol="0" anchor="ctr"/>
+          <a:lstStyle/>
+          <a:p>
+            <a:pPr algn="ctr"/>
+            <a:endParaRPr lang="en-US"/>
+          </a:p>
+        </p:txBody>
+      </p:sp>
+      <p:sp>
+        <p:nvSpPr>
+          <p:cNvPr id="24" name="Right Arrow 23"/>
+          <p:cNvSpPr/>
+          <p:nvPr/>
+        </p:nvSpPr>
+        <p:spPr>
+          <a:xfrm>
+            <a:off x="3868316" y="609600"/>
+            <a:ext cx="381000" cy="381000"/>
+          </a:xfrm>
+          <a:prstGeom prst="rightArrow">
+            <a:avLst/>
+          </a:prstGeom>
+        </p:spPr>
+        <p:style>
+          <a:lnRef idx="2">
+            <a:schemeClr val="accent1">
+              <a:shade val="50000"/>
+            </a:schemeClr>
+          </a:lnRef>
+          <a:fillRef idx="1">
+            <a:schemeClr val="accent1"/>
+          </a:fillRef>
+          <a:effectRef idx="0">
+            <a:schemeClr val="accent1"/>
+          </a:effectRef>
+          <a:fontRef idx="minor">
+            <a:schemeClr val="lt1"/>
+          </a:fontRef>
+        </p:style>
+        <p:txBody>
+          <a:bodyPr rtlCol="0" anchor="ctr"/>
+          <a:lstStyle/>
+          <a:p>
+            <a:pPr algn="ctr"/>
+            <a:endParaRPr lang="en-US"/>
+          </a:p>
+        </p:txBody>
+      </p:sp>
+      <p:sp>
+        <p:nvSpPr>
+          <p:cNvPr id="25" name="Right Arrow 24"/>
+          <p:cNvSpPr/>
+          <p:nvPr/>
+        </p:nvSpPr>
+        <p:spPr>
+          <a:xfrm>
+            <a:off x="5840574" y="609600"/>
+            <a:ext cx="381000" cy="381000"/>
+          </a:xfrm>
+          <a:prstGeom prst="rightArrow">
+            <a:avLst/>
+          </a:prstGeom>
+        </p:spPr>
+        <p:style>
+          <a:lnRef idx="2">
+            <a:schemeClr val="accent1">
+              <a:shade val="50000"/>
+            </a:schemeClr>
+          </a:lnRef>
+          <a:fillRef idx="1">
+            <a:schemeClr val="accent1"/>
+          </a:fillRef>
+          <a:effectRef idx="0">
+            <a:schemeClr val="accent1"/>
+          </a:effectRef>
+          <a:fontRef idx="minor">
+            <a:schemeClr val="lt1"/>
+          </a:fontRef>
+        </p:style>
+        <p:txBody>
+          <a:bodyPr rtlCol="0" anchor="ctr"/>
+          <a:lstStyle/>
+          <a:p>
+            <a:pPr algn="ctr"/>
+            <a:endParaRPr lang="en-US"/>
+          </a:p>
+        </p:txBody>
+      </p:sp>
+      <p:sp>
+        <p:nvSpPr>
+          <p:cNvPr id="27" name="TextBox 26"/>
+          <p:cNvSpPr txBox="1"/>
+          <p:nvPr/>
+        </p:nvSpPr>
+        <p:spPr>
+          <a:xfrm>
+            <a:off x="1152331" y="2201583"/>
+            <a:ext cx="990600" cy="276999"/>
+          </a:xfrm>
+          <a:prstGeom prst="rect">
+            <a:avLst/>
+          </a:prstGeom>
+          <a:noFill/>
+        </p:spPr>
+        <p:txBody>
+          <a:bodyPr wrap="square" rtlCol="0">
+            <a:spAutoFit/>
+          </a:bodyPr>
+          <a:lstStyle/>
+          <a:p>
+            <a:pPr algn="ctr"/>
+            <a:r>
+              <a:rPr lang="en-US" sz="1200" dirty="0"/>
+              <a:t>Clear</a:t>
+            </a:r>
+          </a:p>
+        </p:txBody>
+      </p:sp>
+      <p:sp>
+        <p:nvSpPr>
+          <p:cNvPr id="28" name="TextBox 27"/>
+          <p:cNvSpPr txBox="1"/>
+          <p:nvPr/>
+        </p:nvSpPr>
+        <p:spPr>
+          <a:xfrm>
+            <a:off x="3152969" y="2226369"/>
+            <a:ext cx="990600" cy="276999"/>
+          </a:xfrm>
+          <a:prstGeom prst="rect">
+            <a:avLst/>
+          </a:prstGeom>
+          <a:noFill/>
+        </p:spPr>
+        <p:txBody>
+          <a:bodyPr wrap="square" rtlCol="0">
+            <a:spAutoFit/>
+          </a:bodyPr>
+          <a:lstStyle/>
+          <a:p>
+            <a:pPr algn="ctr"/>
+            <a:r>
+              <a:rPr lang="en-US" sz="1200" dirty="0"/>
+              <a:t>Push 1</a:t>
+            </a:r>
+          </a:p>
+        </p:txBody>
+      </p:sp>
+      <p:sp>
+        <p:nvSpPr>
+          <p:cNvPr id="29" name="TextBox 28"/>
+          <p:cNvSpPr txBox="1"/>
+          <p:nvPr/>
+        </p:nvSpPr>
+        <p:spPr>
+          <a:xfrm>
+            <a:off x="5049416" y="2197814"/>
+            <a:ext cx="990600" cy="276999"/>
+          </a:xfrm>
+          <a:prstGeom prst="rect">
+            <a:avLst/>
+          </a:prstGeom>
+          <a:noFill/>
+        </p:spPr>
+        <p:txBody>
+          <a:bodyPr wrap="square" rtlCol="0">
+            <a:spAutoFit/>
+          </a:bodyPr>
+          <a:lstStyle/>
+          <a:p>
+            <a:pPr algn="ctr"/>
+            <a:r>
+              <a:rPr lang="en-US" sz="1200" dirty="0"/>
+              <a:t>Push 2</a:t>
+            </a:r>
+          </a:p>
+        </p:txBody>
+      </p:sp>
+      <p:sp>
+        <p:nvSpPr>
+          <p:cNvPr id="30" name="TextBox 29"/>
+          <p:cNvSpPr txBox="1"/>
+          <p:nvPr/>
+        </p:nvSpPr>
+        <p:spPr>
+          <a:xfrm>
+            <a:off x="7124700" y="2202037"/>
+            <a:ext cx="990600" cy="276999"/>
+          </a:xfrm>
+          <a:prstGeom prst="rect">
+            <a:avLst/>
+          </a:prstGeom>
+          <a:noFill/>
+        </p:spPr>
+        <p:txBody>
+          <a:bodyPr wrap="square" rtlCol="0">
+            <a:spAutoFit/>
+          </a:bodyPr>
+          <a:lstStyle/>
+          <a:p>
+            <a:pPr algn="ctr"/>
+            <a:r>
+              <a:rPr lang="en-US" sz="1200" dirty="0"/>
+              <a:t>Push 3</a:t>
+            </a:r>
+          </a:p>
+        </p:txBody>
+      </p:sp>
+      <p:sp>
+        <p:nvSpPr>
+          <p:cNvPr id="31" name="Rectangle 30"/>
+          <p:cNvSpPr/>
+          <p:nvPr/>
+        </p:nvSpPr>
+        <p:spPr>
+          <a:xfrm>
+            <a:off x="228600" y="4309656"/>
+            <a:ext cx="1447800" cy="1371600"/>
+          </a:xfrm>
+          <a:prstGeom prst="rect">
+            <a:avLst/>
+          </a:prstGeom>
+        </p:spPr>
+        <p:style>
+          <a:lnRef idx="1">
+            <a:schemeClr val="dk1"/>
+          </a:lnRef>
+          <a:fillRef idx="2">
+            <a:schemeClr val="dk1"/>
+          </a:fillRef>
+          <a:effectRef idx="1">
+            <a:schemeClr val="dk1"/>
+          </a:effectRef>
+          <a:fontRef idx="minor">
+            <a:schemeClr val="dk1"/>
+          </a:fontRef>
+        </p:style>
+        <p:txBody>
+          <a:bodyPr rtlCol="0" anchor="ctr"/>
+          <a:lstStyle/>
+          <a:p>
+            <a:pPr algn="ctr"/>
+            <a:r>
+              <a:rPr lang="en-US" dirty="0"/>
+              <a:t>INITIAL SCREEN</a:t>
+            </a:r>
+          </a:p>
+        </p:txBody>
+      </p:sp>
+      <p:sp>
+        <p:nvSpPr>
+          <p:cNvPr id="32" name="Rectangle 31"/>
+          <p:cNvSpPr/>
+          <p:nvPr/>
+        </p:nvSpPr>
+        <p:spPr>
+          <a:xfrm>
+            <a:off x="2362200" y="4309656"/>
+            <a:ext cx="1447800" cy="1371600"/>
+          </a:xfrm>
+          <a:prstGeom prst="rect">
+            <a:avLst/>
+          </a:prstGeom>
+        </p:spPr>
+        <p:style>
+          <a:lnRef idx="1">
+            <a:schemeClr val="dk1"/>
+          </a:lnRef>
+          <a:fillRef idx="2">
+            <a:schemeClr val="dk1"/>
+          </a:fillRef>
+          <a:effectRef idx="1">
+            <a:schemeClr val="dk1"/>
+          </a:effectRef>
+          <a:fontRef idx="minor">
+            <a:schemeClr val="dk1"/>
+          </a:fontRef>
+        </p:style>
+        <p:txBody>
+          <a:bodyPr rtlCol="0" anchor="ctr"/>
+          <a:lstStyle/>
+          <a:p>
+            <a:pPr algn="ctr"/>
+            <a:r>
+              <a:rPr lang="en-US" dirty="0"/>
+              <a:t>DATA SCREEN LEVEL 1</a:t>
+            </a:r>
+          </a:p>
+        </p:txBody>
+      </p:sp>
+      <p:sp>
+        <p:nvSpPr>
+          <p:cNvPr id="33" name="Rectangle 32"/>
+          <p:cNvSpPr/>
+          <p:nvPr/>
+        </p:nvSpPr>
+        <p:spPr>
+          <a:xfrm>
+            <a:off x="4325516" y="4309656"/>
+            <a:ext cx="1447800" cy="1371600"/>
+          </a:xfrm>
+          <a:prstGeom prst="rect">
+            <a:avLst/>
+          </a:prstGeom>
+        </p:spPr>
+        <p:style>
+          <a:lnRef idx="1">
+            <a:schemeClr val="dk1"/>
+          </a:lnRef>
+          <a:fillRef idx="2">
+            <a:schemeClr val="dk1"/>
+          </a:fillRef>
+          <a:effectRef idx="1">
+            <a:schemeClr val="dk1"/>
+          </a:effectRef>
+          <a:fontRef idx="minor">
+            <a:schemeClr val="dk1"/>
+          </a:fontRef>
+        </p:style>
+        <p:txBody>
+          <a:bodyPr rtlCol="0" anchor="ctr"/>
+          <a:lstStyle/>
+          <a:p>
+            <a:pPr algn="ctr"/>
+            <a:r>
+              <a:rPr lang="en-US" dirty="0"/>
+              <a:t>DATA SCREEN LEVEL 2</a:t>
+            </a:r>
+          </a:p>
+        </p:txBody>
+      </p:sp>
+      <p:sp>
+        <p:nvSpPr>
+          <p:cNvPr id="34" name="Rectangle 33"/>
+          <p:cNvSpPr/>
+          <p:nvPr/>
+        </p:nvSpPr>
+        <p:spPr>
+          <a:xfrm>
+            <a:off x="6288832" y="4309656"/>
+            <a:ext cx="1447800" cy="1371600"/>
+          </a:xfrm>
+          <a:prstGeom prst="rect">
+            <a:avLst/>
+          </a:prstGeom>
+        </p:spPr>
+        <p:style>
+          <a:lnRef idx="1">
+            <a:schemeClr val="dk1"/>
+          </a:lnRef>
+          <a:fillRef idx="2">
+            <a:schemeClr val="dk1"/>
+          </a:fillRef>
+          <a:effectRef idx="1">
+            <a:schemeClr val="dk1"/>
+          </a:effectRef>
+          <a:fontRef idx="minor">
+            <a:schemeClr val="dk1"/>
+          </a:fontRef>
+        </p:style>
+        <p:txBody>
+          <a:bodyPr rtlCol="0" anchor="ctr"/>
+          <a:lstStyle/>
+          <a:p>
+            <a:pPr algn="ctr"/>
+            <a:r>
+              <a:rPr lang="en-US" dirty="0"/>
+              <a:t>DATA SCREEN LEVEL 3</a:t>
+            </a:r>
+          </a:p>
+        </p:txBody>
+      </p:sp>
+      <p:sp>
+        <p:nvSpPr>
+          <p:cNvPr id="35" name="Right Arrow 34"/>
+          <p:cNvSpPr/>
+          <p:nvPr/>
+        </p:nvSpPr>
+        <p:spPr>
+          <a:xfrm>
+            <a:off x="7812054" y="609600"/>
+            <a:ext cx="381000" cy="381000"/>
+          </a:xfrm>
+          <a:prstGeom prst="rightArrow">
+            <a:avLst/>
+          </a:prstGeom>
+        </p:spPr>
+        <p:style>
+          <a:lnRef idx="2">
+            <a:schemeClr val="accent1">
+              <a:shade val="50000"/>
+            </a:schemeClr>
+          </a:lnRef>
+          <a:fillRef idx="1">
+            <a:schemeClr val="accent1"/>
+          </a:fillRef>
+          <a:effectRef idx="0">
+            <a:schemeClr val="accent1"/>
+          </a:effectRef>
+          <a:fontRef idx="minor">
+            <a:schemeClr val="lt1"/>
+          </a:fontRef>
+        </p:style>
+        <p:txBody>
+          <a:bodyPr rtlCol="0" anchor="ctr"/>
+          <a:lstStyle/>
+          <a:p>
+            <a:pPr algn="ctr"/>
+            <a:endParaRPr lang="en-US"/>
+          </a:p>
+        </p:txBody>
+      </p:sp>
+      <p:cxnSp>
+        <p:nvCxnSpPr>
+          <p:cNvPr id="37" name="Elbow Connector 36"/>
+          <p:cNvCxnSpPr>
+            <a:stCxn id="34" idx="1"/>
+            <a:endCxn id="10" idx="2"/>
+          </p:cNvCxnSpPr>
+          <p:nvPr/>
+        </p:nvCxnSpPr>
+        <p:spPr>
+          <a:xfrm rot="10800000">
+            <a:off x="6069564" y="3294950"/>
+            <a:ext cx="219269" cy="1700506"/>
+          </a:xfrm>
+          <a:prstGeom prst="bentConnector2">
+            <a:avLst/>
+          </a:prstGeom>
+          <a:ln>
+            <a:headEnd type="triangle"/>
+            <a:tailEnd type="none"/>
+          </a:ln>
+        </p:spPr>
+        <p:style>
+          <a:lnRef idx="1">
+            <a:schemeClr val="accent1"/>
+          </a:lnRef>
+          <a:fillRef idx="0">
+            <a:schemeClr val="accent1"/>
+          </a:fillRef>
+          <a:effectRef idx="0">
+            <a:schemeClr val="accent1"/>
+          </a:effectRef>
+          <a:fontRef idx="minor">
+            <a:schemeClr val="tx1"/>
+          </a:fontRef>
+        </p:style>
+      </p:cxnSp>
+      <p:sp>
+        <p:nvSpPr>
+          <p:cNvPr id="38" name="TextBox 37"/>
+          <p:cNvSpPr txBox="1"/>
+          <p:nvPr/>
+        </p:nvSpPr>
+        <p:spPr>
+          <a:xfrm>
+            <a:off x="5086738" y="3360850"/>
+            <a:ext cx="990600" cy="276999"/>
+          </a:xfrm>
+          <a:prstGeom prst="rect">
+            <a:avLst/>
+          </a:prstGeom>
+          <a:noFill/>
+        </p:spPr>
+        <p:txBody>
+          <a:bodyPr wrap="square" rtlCol="0">
+            <a:spAutoFit/>
+          </a:bodyPr>
+          <a:lstStyle/>
+          <a:p>
+            <a:pPr algn="ctr"/>
+            <a:r>
+              <a:rPr lang="en-US" sz="1200" dirty="0"/>
+              <a:t>Pop 2</a:t>
+            </a:r>
+          </a:p>
+        </p:txBody>
+      </p:sp>
+      <p:cxnSp>
+        <p:nvCxnSpPr>
+          <p:cNvPr id="40" name="Elbow Connector 39"/>
+          <p:cNvCxnSpPr>
+            <a:stCxn id="33" idx="1"/>
+            <a:endCxn id="7" idx="2"/>
+          </p:cNvCxnSpPr>
+          <p:nvPr/>
+        </p:nvCxnSpPr>
+        <p:spPr>
+          <a:xfrm rot="10800000">
+            <a:off x="4076700" y="2926080"/>
+            <a:ext cx="248816" cy="2069376"/>
+          </a:xfrm>
+          <a:prstGeom prst="bentConnector2">
+            <a:avLst/>
+          </a:prstGeom>
+          <a:ln>
+            <a:headEnd type="triangle"/>
+            <a:tailEnd type="none"/>
+          </a:ln>
+        </p:spPr>
+        <p:style>
+          <a:lnRef idx="1">
+            <a:schemeClr val="accent1"/>
+          </a:lnRef>
+          <a:fillRef idx="0">
+            <a:schemeClr val="accent1"/>
+          </a:fillRef>
+          <a:effectRef idx="0">
+            <a:schemeClr val="accent1"/>
+          </a:effectRef>
+          <a:fontRef idx="minor">
+            <a:schemeClr val="tx1"/>
+          </a:fontRef>
+        </p:style>
+      </p:cxnSp>
+      <p:sp>
+        <p:nvSpPr>
+          <p:cNvPr id="41" name="TextBox 40"/>
+          <p:cNvSpPr txBox="1"/>
+          <p:nvPr/>
+        </p:nvSpPr>
+        <p:spPr>
+          <a:xfrm>
+            <a:off x="3170852" y="2991013"/>
+            <a:ext cx="990600" cy="276999"/>
+          </a:xfrm>
+          <a:prstGeom prst="rect">
+            <a:avLst/>
+          </a:prstGeom>
+          <a:noFill/>
+        </p:spPr>
+        <p:txBody>
+          <a:bodyPr wrap="square" rtlCol="0">
+            <a:spAutoFit/>
+          </a:bodyPr>
+          <a:lstStyle/>
+          <a:p>
+            <a:pPr algn="ctr"/>
+            <a:r>
+              <a:rPr lang="en-US" sz="1200" dirty="0"/>
+              <a:t>Pop 1</a:t>
+            </a:r>
+          </a:p>
+        </p:txBody>
+      </p:sp>
+      <p:sp>
+        <p:nvSpPr>
+          <p:cNvPr id="42" name="Right Arrow 41"/>
+          <p:cNvSpPr/>
+          <p:nvPr/>
+        </p:nvSpPr>
+        <p:spPr>
+          <a:xfrm rot="10800000">
+            <a:off x="5856914" y="5263756"/>
+            <a:ext cx="367736" cy="406301"/>
+          </a:xfrm>
+          <a:prstGeom prst="rightArrow">
+            <a:avLst/>
+          </a:prstGeom>
+        </p:spPr>
+        <p:style>
+          <a:lnRef idx="2">
+            <a:schemeClr val="accent1">
+              <a:shade val="50000"/>
+            </a:schemeClr>
+          </a:lnRef>
+          <a:fillRef idx="1">
+            <a:schemeClr val="accent1"/>
+          </a:fillRef>
+          <a:effectRef idx="0">
+            <a:schemeClr val="accent1"/>
+          </a:effectRef>
+          <a:fontRef idx="minor">
+            <a:schemeClr val="lt1"/>
+          </a:fontRef>
+        </p:style>
+        <p:txBody>
+          <a:bodyPr rtlCol="0" anchor="ctr"/>
+          <a:lstStyle/>
+          <a:p>
+            <a:pPr algn="ctr"/>
+            <a:endParaRPr lang="en-US"/>
+          </a:p>
+        </p:txBody>
+      </p:sp>
+      <p:sp>
+        <p:nvSpPr>
+          <p:cNvPr id="43" name="Right Arrow 42"/>
+          <p:cNvSpPr/>
+          <p:nvPr/>
+        </p:nvSpPr>
+        <p:spPr>
+          <a:xfrm rot="10800000">
+            <a:off x="3893598" y="5263757"/>
+            <a:ext cx="367736" cy="406301"/>
+          </a:xfrm>
+          <a:prstGeom prst="rightArrow">
+            <a:avLst/>
+          </a:prstGeom>
+        </p:spPr>
+        <p:style>
+          <a:lnRef idx="2">
+            <a:schemeClr val="accent1">
+              <a:shade val="50000"/>
+            </a:schemeClr>
+          </a:lnRef>
+          <a:fillRef idx="1">
+            <a:schemeClr val="accent1"/>
+          </a:fillRef>
+          <a:effectRef idx="0">
+            <a:schemeClr val="accent1"/>
+          </a:effectRef>
+          <a:fontRef idx="minor">
+            <a:schemeClr val="lt1"/>
+          </a:fontRef>
+        </p:style>
+        <p:txBody>
+          <a:bodyPr rtlCol="0" anchor="ctr"/>
+          <a:lstStyle/>
+          <a:p>
+            <a:pPr algn="ctr"/>
+            <a:endParaRPr lang="en-US"/>
+          </a:p>
+        </p:txBody>
+      </p:sp>
+      <p:sp>
+        <p:nvSpPr>
+          <p:cNvPr id="45" name="Left Brace 44"/>
+          <p:cNvSpPr/>
+          <p:nvPr/>
+        </p:nvSpPr>
+        <p:spPr>
+          <a:xfrm>
+            <a:off x="677248" y="2336313"/>
+            <a:ext cx="475084" cy="1473687"/>
+          </a:xfrm>
+          <a:prstGeom prst="leftBrace">
+            <a:avLst/>
+          </a:prstGeom>
+        </p:spPr>
+        <p:style>
+          <a:lnRef idx="1">
+            <a:schemeClr val="accent1"/>
+          </a:lnRef>
+          <a:fillRef idx="0">
+            <a:schemeClr val="accent1"/>
+          </a:fillRef>
+          <a:effectRef idx="0">
+            <a:schemeClr val="accent1"/>
+          </a:effectRef>
+          <a:fontRef idx="minor">
+            <a:schemeClr val="tx1"/>
+          </a:fontRef>
+        </p:style>
+        <p:txBody>
+          <a:bodyPr rtlCol="0" anchor="ctr"/>
+          <a:lstStyle/>
+          <a:p>
+            <a:pPr algn="ctr"/>
+            <a:endParaRPr lang="en-US"/>
+          </a:p>
+        </p:txBody>
+      </p:sp>
+      <p:sp>
+        <p:nvSpPr>
+          <p:cNvPr id="46" name="TextBox 45"/>
+          <p:cNvSpPr txBox="1"/>
+          <p:nvPr/>
+        </p:nvSpPr>
+        <p:spPr>
+          <a:xfrm>
+            <a:off x="-102635" y="2814935"/>
+            <a:ext cx="990600" cy="461665"/>
+          </a:xfrm>
+          <a:prstGeom prst="rect">
+            <a:avLst/>
+          </a:prstGeom>
+          <a:noFill/>
+        </p:spPr>
+        <p:txBody>
+          <a:bodyPr wrap="square" rtlCol="0">
+            <a:spAutoFit/>
+          </a:bodyPr>
+          <a:lstStyle/>
+          <a:p>
+            <a:pPr algn="ctr"/>
+            <a:r>
+              <a:rPr lang="en-US" sz="1200" dirty="0"/>
+              <a:t>Stack Collection</a:t>
+            </a:r>
+          </a:p>
+        </p:txBody>
+      </p:sp>
+    </p:spTree>
+    <p:extLst>
+      <p:ext uri="{BB962C8B-B14F-4D97-AF65-F5344CB8AC3E}">
+        <p14:creationId xmlns:p14="http://schemas.microsoft.com/office/powerpoint/2010/main" val="748101416"/>
+      </p:ext>
+    </p:extLst>
+  </p:cSld>
+  <p:clrMapOvr>
+    <a:masterClrMapping/>
+  </p:clrMapOvr>
+</p:sld>
+</file>
+
+<file path=ppt/slides/slide12.xml><?xml version="1.0" encoding="utf-8"?>
+<p:sld xmlns:a="http://schemas.openxmlformats.org/drawingml/2006/main" xmlns:r="http://schemas.openxmlformats.org/officeDocument/2006/relationships" xmlns:p="http://schemas.openxmlformats.org/presentationml/2006/main">
+  <p:cSld>
+    <p:spTree>
+      <p:nvGrpSpPr>
+        <p:cNvPr id="1" name=""/>
+        <p:cNvGrpSpPr/>
+        <p:nvPr/>
+      </p:nvGrpSpPr>
+      <p:grpSpPr>
+        <a:xfrm>
+          <a:off x="0" y="0"/>
+          <a:ext cx="0" cy="0"/>
+          <a:chOff x="0" y="0"/>
+          <a:chExt cx="0" cy="0"/>
+        </a:xfrm>
+      </p:grpSpPr>
+      <p:sp>
+        <p:nvSpPr>
+          <p:cNvPr id="2" name="Slide Number Placeholder 1"/>
+          <p:cNvSpPr>
+            <a:spLocks noGrp="1"/>
+          </p:cNvSpPr>
+          <p:nvPr>
+            <p:ph type="sldNum" sz="quarter" idx="12"/>
+          </p:nvPr>
+        </p:nvSpPr>
+        <p:spPr/>
+        <p:txBody>
+          <a:bodyPr/>
+          <a:lstStyle/>
+          <a:p>
+            <a:fld id="{7C65DD3B-8E90-4815-956E-D18D24CB454B}" type="slidenum">
+              <a:rPr lang="en-US" smtClean="0"/>
+              <a:pPr/>
+              <a:t>12</a:t>
+            </a:fld>
+            <a:endParaRPr lang="en-US" dirty="0"/>
+          </a:p>
+        </p:txBody>
+      </p:sp>
+      <p:sp>
+        <p:nvSpPr>
+          <p:cNvPr id="3" name="Rectangle 2"/>
+          <p:cNvSpPr/>
+          <p:nvPr/>
+        </p:nvSpPr>
+        <p:spPr>
+          <a:xfrm>
+            <a:off x="228600" y="457200"/>
+            <a:ext cx="1447800" cy="1371600"/>
+          </a:xfrm>
+          <a:prstGeom prst="rect">
+            <a:avLst/>
+          </a:prstGeom>
+        </p:spPr>
+        <p:style>
+          <a:lnRef idx="1">
+            <a:schemeClr val="dk1"/>
+          </a:lnRef>
+          <a:fillRef idx="2">
+            <a:schemeClr val="dk1"/>
+          </a:fillRef>
+          <a:effectRef idx="1">
+            <a:schemeClr val="dk1"/>
+          </a:effectRef>
+          <a:fontRef idx="minor">
+            <a:schemeClr val="dk1"/>
+          </a:fontRef>
+        </p:style>
+        <p:txBody>
+          <a:bodyPr rtlCol="0" anchor="ctr"/>
+          <a:lstStyle/>
+          <a:p>
+            <a:pPr algn="ctr"/>
+            <a:r>
+              <a:rPr lang="en-US" dirty="0"/>
+              <a:t>INITIAL SCREEN</a:t>
+            </a:r>
+          </a:p>
+        </p:txBody>
+      </p:sp>
+      <p:sp>
+        <p:nvSpPr>
+          <p:cNvPr id="4" name="Rectangle 3"/>
+          <p:cNvSpPr/>
+          <p:nvPr/>
+        </p:nvSpPr>
+        <p:spPr>
+          <a:xfrm>
+            <a:off x="2362200" y="457200"/>
+            <a:ext cx="1447800" cy="1371600"/>
+          </a:xfrm>
+          <a:prstGeom prst="rect">
+            <a:avLst/>
+          </a:prstGeom>
+        </p:spPr>
+        <p:style>
+          <a:lnRef idx="1">
+            <a:schemeClr val="dk1"/>
+          </a:lnRef>
+          <a:fillRef idx="2">
+            <a:schemeClr val="dk1"/>
+          </a:fillRef>
+          <a:effectRef idx="1">
+            <a:schemeClr val="dk1"/>
+          </a:effectRef>
+          <a:fontRef idx="minor">
+            <a:schemeClr val="dk1"/>
+          </a:fontRef>
+        </p:style>
+        <p:txBody>
+          <a:bodyPr rtlCol="0" anchor="ctr"/>
+          <a:lstStyle/>
+          <a:p>
+            <a:pPr algn="ctr"/>
+            <a:r>
+              <a:rPr lang="en-US" dirty="0"/>
+              <a:t>DATA SCREEN LEVEL 1</a:t>
+            </a:r>
+          </a:p>
+        </p:txBody>
+      </p:sp>
+      <p:graphicFrame>
+        <p:nvGraphicFramePr>
+          <p:cNvPr id="5" name="Table 4"/>
+          <p:cNvGraphicFramePr>
+            <a:graphicFrameLocks noGrp="1"/>
+          </p:cNvGraphicFramePr>
+          <p:nvPr/>
+        </p:nvGraphicFramePr>
+        <p:xfrm>
+          <a:off x="1257300" y="2563430"/>
+          <a:ext cx="1447800" cy="365760"/>
+        </p:xfrm>
+        <a:graphic>
+          <a:graphicData uri="http://schemas.openxmlformats.org/drawingml/2006/table">
+            <a:tbl>
+              <a:tblPr firstRow="1" bandRow="1">
+                <a:tableStyleId>{5C22544A-7EE6-4342-B048-85BDC9FD1C3A}</a:tableStyleId>
+              </a:tblPr>
+              <a:tblGrid>
+                <a:gridCol w="1447800">
+                  <a:extLst>
+                    <a:ext uri="{9D8B030D-6E8A-4147-A177-3AD203B41FA5}">
+                      <a16:colId xmlns:a16="http://schemas.microsoft.com/office/drawing/2014/main" val="1657470181"/>
+                    </a:ext>
+                  </a:extLst>
+                </a:gridCol>
+              </a:tblGrid>
+              <a:tr h="294640">
+                <a:tc>
+                  <a:txBody>
+                    <a:bodyPr/>
+                    <a:lstStyle/>
+                    <a:p>
+                      <a:endParaRPr lang="en-US" dirty="0"/>
+                    </a:p>
+                  </a:txBody>
+                  <a:tcPr/>
+                </a:tc>
+                <a:extLst>
+                  <a:ext uri="{0D108BD9-81ED-4DB2-BD59-A6C34878D82A}">
+                    <a16:rowId xmlns:a16="http://schemas.microsoft.com/office/drawing/2014/main" val="1705318490"/>
+                  </a:ext>
+                </a:extLst>
+              </a:tr>
+            </a:tbl>
+          </a:graphicData>
+        </a:graphic>
+      </p:graphicFrame>
+      <p:graphicFrame>
+        <p:nvGraphicFramePr>
+          <p:cNvPr id="7" name="Table 6"/>
+          <p:cNvGraphicFramePr>
+            <a:graphicFrameLocks noGrp="1"/>
+          </p:cNvGraphicFramePr>
+          <p:nvPr/>
+        </p:nvGraphicFramePr>
+        <p:xfrm>
+          <a:off x="3352800" y="2560320"/>
+          <a:ext cx="1447800" cy="365760"/>
+        </p:xfrm>
+        <a:graphic>
+          <a:graphicData uri="http://schemas.openxmlformats.org/drawingml/2006/table">
+            <a:tbl>
+              <a:tblPr firstRow="1" bandRow="1">
+                <a:tableStyleId>{5C22544A-7EE6-4342-B048-85BDC9FD1C3A}</a:tableStyleId>
+              </a:tblPr>
+              <a:tblGrid>
+                <a:gridCol w="1447800">
+                  <a:extLst>
+                    <a:ext uri="{9D8B030D-6E8A-4147-A177-3AD203B41FA5}">
+                      <a16:colId xmlns:a16="http://schemas.microsoft.com/office/drawing/2014/main" val="1657470181"/>
+                    </a:ext>
+                  </a:extLst>
+                </a:gridCol>
+              </a:tblGrid>
+              <a:tr h="333518">
+                <a:tc>
+                  <a:txBody>
+                    <a:bodyPr/>
+                    <a:lstStyle/>
+                    <a:p>
+                      <a:r>
+                        <a:rPr lang="en-US" dirty="0"/>
+                        <a:t>1</a:t>
+                      </a:r>
+                    </a:p>
+                  </a:txBody>
+                  <a:tcPr/>
+                </a:tc>
+                <a:extLst>
+                  <a:ext uri="{0D108BD9-81ED-4DB2-BD59-A6C34878D82A}">
+                    <a16:rowId xmlns:a16="http://schemas.microsoft.com/office/drawing/2014/main" val="1705318490"/>
+                  </a:ext>
+                </a:extLst>
+              </a:tr>
+            </a:tbl>
+          </a:graphicData>
+        </a:graphic>
+      </p:graphicFrame>
+      <p:sp>
+        <p:nvSpPr>
+          <p:cNvPr id="8" name="Rectangle 7"/>
+          <p:cNvSpPr/>
+          <p:nvPr/>
+        </p:nvSpPr>
+        <p:spPr>
+          <a:xfrm>
+            <a:off x="4325516" y="457200"/>
+            <a:ext cx="1447800" cy="1371600"/>
+          </a:xfrm>
+          <a:prstGeom prst="rect">
+            <a:avLst/>
+          </a:prstGeom>
+        </p:spPr>
+        <p:style>
+          <a:lnRef idx="1">
+            <a:schemeClr val="dk1"/>
+          </a:lnRef>
+          <a:fillRef idx="2">
+            <a:schemeClr val="dk1"/>
+          </a:fillRef>
+          <a:effectRef idx="1">
+            <a:schemeClr val="dk1"/>
+          </a:effectRef>
+          <a:fontRef idx="minor">
+            <a:schemeClr val="dk1"/>
+          </a:fontRef>
+        </p:style>
+        <p:txBody>
+          <a:bodyPr rtlCol="0" anchor="ctr"/>
+          <a:lstStyle/>
+          <a:p>
+            <a:pPr algn="ctr"/>
+            <a:r>
+              <a:rPr lang="en-US" dirty="0"/>
+              <a:t>DATA SCREEN LEVEL 2</a:t>
+            </a:r>
+          </a:p>
+        </p:txBody>
+      </p:sp>
+      <p:sp>
+        <p:nvSpPr>
+          <p:cNvPr id="9" name="Rectangle 8"/>
+          <p:cNvSpPr/>
+          <p:nvPr/>
+        </p:nvSpPr>
+        <p:spPr>
+          <a:xfrm>
+            <a:off x="6288832" y="457200"/>
+            <a:ext cx="1447800" cy="1371600"/>
+          </a:xfrm>
+          <a:prstGeom prst="rect">
+            <a:avLst/>
+          </a:prstGeom>
+        </p:spPr>
+        <p:style>
+          <a:lnRef idx="1">
+            <a:schemeClr val="dk1"/>
+          </a:lnRef>
+          <a:fillRef idx="2">
+            <a:schemeClr val="dk1"/>
+          </a:fillRef>
+          <a:effectRef idx="1">
+            <a:schemeClr val="dk1"/>
+          </a:effectRef>
+          <a:fontRef idx="minor">
+            <a:schemeClr val="dk1"/>
+          </a:fontRef>
+        </p:style>
+        <p:txBody>
+          <a:bodyPr rtlCol="0" anchor="ctr"/>
+          <a:lstStyle/>
+          <a:p>
+            <a:pPr algn="ctr"/>
+            <a:r>
+              <a:rPr lang="en-US" dirty="0"/>
+              <a:t>DATA SCREEN LEVEL 3</a:t>
+            </a:r>
+          </a:p>
+        </p:txBody>
+      </p:sp>
+      <p:graphicFrame>
+        <p:nvGraphicFramePr>
+          <p:cNvPr id="10" name="Table 9"/>
+          <p:cNvGraphicFramePr>
+            <a:graphicFrameLocks noGrp="1"/>
+          </p:cNvGraphicFramePr>
+          <p:nvPr/>
+        </p:nvGraphicFramePr>
+        <p:xfrm>
+          <a:off x="5345663" y="2563430"/>
+          <a:ext cx="1447800" cy="731520"/>
+        </p:xfrm>
+        <a:graphic>
+          <a:graphicData uri="http://schemas.openxmlformats.org/drawingml/2006/table">
+            <a:tbl>
+              <a:tblPr firstRow="1" bandRow="1">
+                <a:tableStyleId>{5C22544A-7EE6-4342-B048-85BDC9FD1C3A}</a:tableStyleId>
+              </a:tblPr>
+              <a:tblGrid>
+                <a:gridCol w="1447800">
+                  <a:extLst>
+                    <a:ext uri="{9D8B030D-6E8A-4147-A177-3AD203B41FA5}">
+                      <a16:colId xmlns:a16="http://schemas.microsoft.com/office/drawing/2014/main" val="1657470181"/>
+                    </a:ext>
+                  </a:extLst>
+                </a:gridCol>
+              </a:tblGrid>
+              <a:tr h="333518">
+                <a:tc>
+                  <a:txBody>
+                    <a:bodyPr/>
+                    <a:lstStyle/>
+                    <a:p>
+                      <a:r>
+                        <a:rPr lang="en-US" dirty="0"/>
+                        <a:t>1</a:t>
+                      </a:r>
+                    </a:p>
+                  </a:txBody>
+                  <a:tcPr/>
+                </a:tc>
+                <a:extLst>
+                  <a:ext uri="{0D108BD9-81ED-4DB2-BD59-A6C34878D82A}">
+                    <a16:rowId xmlns:a16="http://schemas.microsoft.com/office/drawing/2014/main" val="1705318490"/>
+                  </a:ext>
+                </a:extLst>
+              </a:tr>
+              <a:tr h="333518">
+                <a:tc>
+                  <a:txBody>
+                    <a:bodyPr/>
+                    <a:lstStyle/>
+                    <a:p>
+                      <a:r>
+                        <a:rPr lang="en-US" dirty="0"/>
+                        <a:t>2</a:t>
+                      </a:r>
+                    </a:p>
+                  </a:txBody>
+                  <a:tcPr/>
+                </a:tc>
+                <a:extLst>
+                  <a:ext uri="{0D108BD9-81ED-4DB2-BD59-A6C34878D82A}">
+                    <a16:rowId xmlns:a16="http://schemas.microsoft.com/office/drawing/2014/main" val="2049377669"/>
+                  </a:ext>
+                </a:extLst>
+              </a:tr>
+            </a:tbl>
+          </a:graphicData>
+        </a:graphic>
+      </p:graphicFrame>
+      <p:graphicFrame>
+        <p:nvGraphicFramePr>
+          <p:cNvPr id="11" name="Table 10"/>
+          <p:cNvGraphicFramePr>
+            <a:graphicFrameLocks noGrp="1"/>
+          </p:cNvGraphicFramePr>
+          <p:nvPr/>
+        </p:nvGraphicFramePr>
+        <p:xfrm>
+          <a:off x="7353300" y="2560320"/>
+          <a:ext cx="1447800" cy="1097280"/>
+        </p:xfrm>
+        <a:graphic>
+          <a:graphicData uri="http://schemas.openxmlformats.org/drawingml/2006/table">
+            <a:tbl>
+              <a:tblPr firstRow="1" bandRow="1">
+                <a:tableStyleId>{5C22544A-7EE6-4342-B048-85BDC9FD1C3A}</a:tableStyleId>
+              </a:tblPr>
+              <a:tblGrid>
+                <a:gridCol w="1447800">
+                  <a:extLst>
+                    <a:ext uri="{9D8B030D-6E8A-4147-A177-3AD203B41FA5}">
+                      <a16:colId xmlns:a16="http://schemas.microsoft.com/office/drawing/2014/main" val="1657470181"/>
+                    </a:ext>
+                  </a:extLst>
+                </a:gridCol>
+              </a:tblGrid>
+              <a:tr h="333518">
+                <a:tc>
+                  <a:txBody>
+                    <a:bodyPr/>
+                    <a:lstStyle/>
+                    <a:p>
+                      <a:r>
+                        <a:rPr lang="en-US" dirty="0"/>
+                        <a:t>1</a:t>
+                      </a:r>
+                    </a:p>
+                  </a:txBody>
+                  <a:tcPr/>
+                </a:tc>
+                <a:extLst>
+                  <a:ext uri="{0D108BD9-81ED-4DB2-BD59-A6C34878D82A}">
+                    <a16:rowId xmlns:a16="http://schemas.microsoft.com/office/drawing/2014/main" val="1705318490"/>
+                  </a:ext>
+                </a:extLst>
+              </a:tr>
+              <a:tr h="333518">
+                <a:tc>
+                  <a:txBody>
+                    <a:bodyPr/>
+                    <a:lstStyle/>
+                    <a:p>
+                      <a:r>
+                        <a:rPr lang="en-US" dirty="0"/>
+                        <a:t>2</a:t>
+                      </a:r>
+                    </a:p>
+                  </a:txBody>
+                  <a:tcPr/>
+                </a:tc>
+                <a:extLst>
+                  <a:ext uri="{0D108BD9-81ED-4DB2-BD59-A6C34878D82A}">
+                    <a16:rowId xmlns:a16="http://schemas.microsoft.com/office/drawing/2014/main" val="4215921882"/>
+                  </a:ext>
+                </a:extLst>
+              </a:tr>
+              <a:tr h="333518">
+                <a:tc>
+                  <a:txBody>
+                    <a:bodyPr/>
+                    <a:lstStyle/>
+                    <a:p>
+                      <a:r>
+                        <a:rPr lang="en-US" dirty="0"/>
+                        <a:t>3</a:t>
+                      </a:r>
+                    </a:p>
+                  </a:txBody>
+                  <a:tcPr/>
+                </a:tc>
+                <a:extLst>
+                  <a:ext uri="{0D108BD9-81ED-4DB2-BD59-A6C34878D82A}">
+                    <a16:rowId xmlns:a16="http://schemas.microsoft.com/office/drawing/2014/main" val="1420056192"/>
+                  </a:ext>
+                </a:extLst>
+              </a:tr>
+            </a:tbl>
+          </a:graphicData>
+        </a:graphic>
+      </p:graphicFrame>
+      <p:cxnSp>
+        <p:nvCxnSpPr>
+          <p:cNvPr id="16" name="Elbow Connector 15"/>
+          <p:cNvCxnSpPr>
+            <a:stCxn id="3" idx="3"/>
+            <a:endCxn id="5" idx="0"/>
+          </p:cNvCxnSpPr>
+          <p:nvPr/>
+        </p:nvCxnSpPr>
+        <p:spPr>
+          <a:xfrm>
+            <a:off x="1676400" y="1143000"/>
+            <a:ext cx="304800" cy="1420430"/>
+          </a:xfrm>
+          <a:prstGeom prst="bentConnector2">
+            <a:avLst/>
+          </a:prstGeom>
+          <a:ln>
+            <a:tailEnd type="triangle"/>
+          </a:ln>
+        </p:spPr>
+        <p:style>
+          <a:lnRef idx="1">
+            <a:schemeClr val="accent1"/>
+          </a:lnRef>
+          <a:fillRef idx="0">
+            <a:schemeClr val="accent1"/>
+          </a:fillRef>
+          <a:effectRef idx="0">
+            <a:schemeClr val="accent1"/>
+          </a:effectRef>
+          <a:fontRef idx="minor">
+            <a:schemeClr val="tx1"/>
+          </a:fontRef>
+        </p:style>
+      </p:cxnSp>
+      <p:cxnSp>
+        <p:nvCxnSpPr>
+          <p:cNvPr id="18" name="Elbow Connector 17"/>
+          <p:cNvCxnSpPr>
+            <a:stCxn id="4" idx="3"/>
+            <a:endCxn id="7" idx="0"/>
+          </p:cNvCxnSpPr>
+          <p:nvPr/>
+        </p:nvCxnSpPr>
+        <p:spPr>
+          <a:xfrm>
+            <a:off x="3810000" y="1143000"/>
+            <a:ext cx="266700" cy="1417320"/>
+          </a:xfrm>
+          <a:prstGeom prst="bentConnector2">
+            <a:avLst/>
+          </a:prstGeom>
+          <a:ln>
+            <a:tailEnd type="triangle"/>
+          </a:ln>
+        </p:spPr>
+        <p:style>
+          <a:lnRef idx="1">
+            <a:schemeClr val="accent1"/>
+          </a:lnRef>
+          <a:fillRef idx="0">
+            <a:schemeClr val="accent1"/>
+          </a:fillRef>
+          <a:effectRef idx="0">
+            <a:schemeClr val="accent1"/>
+          </a:effectRef>
+          <a:fontRef idx="minor">
+            <a:schemeClr val="tx1"/>
+          </a:fontRef>
+        </p:style>
+      </p:cxnSp>
+      <p:cxnSp>
+        <p:nvCxnSpPr>
+          <p:cNvPr id="20" name="Elbow Connector 19"/>
+          <p:cNvCxnSpPr>
+            <a:stCxn id="8" idx="3"/>
+            <a:endCxn id="10" idx="0"/>
+          </p:cNvCxnSpPr>
+          <p:nvPr/>
+        </p:nvCxnSpPr>
+        <p:spPr>
+          <a:xfrm>
+            <a:off x="5773316" y="1143000"/>
+            <a:ext cx="296247" cy="1420430"/>
+          </a:xfrm>
+          <a:prstGeom prst="bentConnector2">
+            <a:avLst/>
+          </a:prstGeom>
+          <a:ln>
+            <a:tailEnd type="triangle"/>
+          </a:ln>
+        </p:spPr>
+        <p:style>
+          <a:lnRef idx="1">
+            <a:schemeClr val="accent1"/>
+          </a:lnRef>
+          <a:fillRef idx="0">
+            <a:schemeClr val="accent1"/>
+          </a:fillRef>
+          <a:effectRef idx="0">
+            <a:schemeClr val="accent1"/>
+          </a:effectRef>
+          <a:fontRef idx="minor">
+            <a:schemeClr val="tx1"/>
+          </a:fontRef>
+        </p:style>
+      </p:cxnSp>
+      <p:cxnSp>
+        <p:nvCxnSpPr>
+          <p:cNvPr id="22" name="Elbow Connector 21"/>
+          <p:cNvCxnSpPr>
+            <a:stCxn id="9" idx="3"/>
+            <a:endCxn id="11" idx="0"/>
+          </p:cNvCxnSpPr>
+          <p:nvPr/>
+        </p:nvCxnSpPr>
+        <p:spPr>
+          <a:xfrm>
+            <a:off x="7736632" y="1143000"/>
+            <a:ext cx="340568" cy="1417320"/>
+          </a:xfrm>
+          <a:prstGeom prst="bentConnector2">
+            <a:avLst/>
+          </a:prstGeom>
+          <a:ln>
+            <a:tailEnd type="triangle"/>
+          </a:ln>
+        </p:spPr>
+        <p:style>
+          <a:lnRef idx="1">
+            <a:schemeClr val="accent1"/>
+          </a:lnRef>
+          <a:fillRef idx="0">
+            <a:schemeClr val="accent1"/>
+          </a:fillRef>
+          <a:effectRef idx="0">
+            <a:schemeClr val="accent1"/>
+          </a:effectRef>
+          <a:fontRef idx="minor">
+            <a:schemeClr val="tx1"/>
+          </a:fontRef>
+        </p:style>
+      </p:cxnSp>
+      <p:sp>
+        <p:nvSpPr>
+          <p:cNvPr id="23" name="Right Arrow 22"/>
+          <p:cNvSpPr/>
+          <p:nvPr/>
+        </p:nvSpPr>
+        <p:spPr>
+          <a:xfrm>
+            <a:off x="1844350" y="609600"/>
+            <a:ext cx="381000" cy="381000"/>
+          </a:xfrm>
+          <a:prstGeom prst="rightArrow">
+            <a:avLst/>
+          </a:prstGeom>
+        </p:spPr>
+        <p:style>
+          <a:lnRef idx="2">
+            <a:schemeClr val="accent1">
+              <a:shade val="50000"/>
+            </a:schemeClr>
+          </a:lnRef>
+          <a:fillRef idx="1">
+            <a:schemeClr val="accent1"/>
+          </a:fillRef>
+          <a:effectRef idx="0">
+            <a:schemeClr val="accent1"/>
+          </a:effectRef>
+          <a:fontRef idx="minor">
+            <a:schemeClr val="lt1"/>
+          </a:fontRef>
+        </p:style>
+        <p:txBody>
+          <a:bodyPr rtlCol="0" anchor="ctr"/>
+          <a:lstStyle/>
+          <a:p>
+            <a:pPr algn="ctr"/>
+            <a:endParaRPr lang="en-US"/>
+          </a:p>
+        </p:txBody>
+      </p:sp>
+      <p:sp>
+        <p:nvSpPr>
+          <p:cNvPr id="24" name="Right Arrow 23"/>
+          <p:cNvSpPr/>
+          <p:nvPr/>
+        </p:nvSpPr>
+        <p:spPr>
+          <a:xfrm>
+            <a:off x="3868316" y="609600"/>
+            <a:ext cx="381000" cy="381000"/>
+          </a:xfrm>
+          <a:prstGeom prst="rightArrow">
+            <a:avLst/>
+          </a:prstGeom>
+        </p:spPr>
+        <p:style>
+          <a:lnRef idx="2">
+            <a:schemeClr val="accent1">
+              <a:shade val="50000"/>
+            </a:schemeClr>
+          </a:lnRef>
+          <a:fillRef idx="1">
+            <a:schemeClr val="accent1"/>
+          </a:fillRef>
+          <a:effectRef idx="0">
+            <a:schemeClr val="accent1"/>
+          </a:effectRef>
+          <a:fontRef idx="minor">
+            <a:schemeClr val="lt1"/>
+          </a:fontRef>
+        </p:style>
+        <p:txBody>
+          <a:bodyPr rtlCol="0" anchor="ctr"/>
+          <a:lstStyle/>
+          <a:p>
+            <a:pPr algn="ctr"/>
+            <a:endParaRPr lang="en-US"/>
+          </a:p>
+        </p:txBody>
+      </p:sp>
+      <p:sp>
+        <p:nvSpPr>
+          <p:cNvPr id="25" name="Right Arrow 24"/>
+          <p:cNvSpPr/>
+          <p:nvPr/>
+        </p:nvSpPr>
+        <p:spPr>
+          <a:xfrm>
+            <a:off x="5840574" y="609600"/>
+            <a:ext cx="381000" cy="381000"/>
+          </a:xfrm>
+          <a:prstGeom prst="rightArrow">
+            <a:avLst/>
+          </a:prstGeom>
+        </p:spPr>
+        <p:style>
+          <a:lnRef idx="2">
+            <a:schemeClr val="accent1">
+              <a:shade val="50000"/>
+            </a:schemeClr>
+          </a:lnRef>
+          <a:fillRef idx="1">
+            <a:schemeClr val="accent1"/>
+          </a:fillRef>
+          <a:effectRef idx="0">
+            <a:schemeClr val="accent1"/>
+          </a:effectRef>
+          <a:fontRef idx="minor">
+            <a:schemeClr val="lt1"/>
+          </a:fontRef>
+        </p:style>
+        <p:txBody>
+          <a:bodyPr rtlCol="0" anchor="ctr"/>
+          <a:lstStyle/>
+          <a:p>
+            <a:pPr algn="ctr"/>
+            <a:endParaRPr lang="en-US"/>
+          </a:p>
+        </p:txBody>
+      </p:sp>
+      <p:sp>
+        <p:nvSpPr>
+          <p:cNvPr id="27" name="TextBox 26"/>
+          <p:cNvSpPr txBox="1"/>
+          <p:nvPr/>
+        </p:nvSpPr>
+        <p:spPr>
+          <a:xfrm>
+            <a:off x="1152331" y="2201583"/>
+            <a:ext cx="990600" cy="276999"/>
+          </a:xfrm>
+          <a:prstGeom prst="rect">
+            <a:avLst/>
+          </a:prstGeom>
+          <a:noFill/>
+        </p:spPr>
+        <p:txBody>
+          <a:bodyPr wrap="square" rtlCol="0">
+            <a:spAutoFit/>
+          </a:bodyPr>
+          <a:lstStyle/>
+          <a:p>
+            <a:pPr algn="ctr"/>
+            <a:r>
+              <a:rPr lang="en-US" sz="1200" dirty="0"/>
+              <a:t>Clear</a:t>
+            </a:r>
+          </a:p>
+        </p:txBody>
+      </p:sp>
+      <p:sp>
+        <p:nvSpPr>
+          <p:cNvPr id="28" name="TextBox 27"/>
+          <p:cNvSpPr txBox="1"/>
+          <p:nvPr/>
+        </p:nvSpPr>
+        <p:spPr>
+          <a:xfrm>
+            <a:off x="3152969" y="2226369"/>
+            <a:ext cx="990600" cy="276999"/>
+          </a:xfrm>
+          <a:prstGeom prst="rect">
+            <a:avLst/>
+          </a:prstGeom>
+          <a:noFill/>
+        </p:spPr>
+        <p:txBody>
+          <a:bodyPr wrap="square" rtlCol="0">
+            <a:spAutoFit/>
+          </a:bodyPr>
+          <a:lstStyle/>
+          <a:p>
+            <a:pPr algn="ctr"/>
+            <a:r>
+              <a:rPr lang="en-US" sz="1200" dirty="0"/>
+              <a:t>Push 1</a:t>
+            </a:r>
+          </a:p>
+        </p:txBody>
+      </p:sp>
+      <p:sp>
+        <p:nvSpPr>
+          <p:cNvPr id="29" name="TextBox 28"/>
+          <p:cNvSpPr txBox="1"/>
+          <p:nvPr/>
+        </p:nvSpPr>
+        <p:spPr>
+          <a:xfrm>
+            <a:off x="5049416" y="2197814"/>
+            <a:ext cx="990600" cy="276999"/>
+          </a:xfrm>
+          <a:prstGeom prst="rect">
+            <a:avLst/>
+          </a:prstGeom>
+          <a:noFill/>
+        </p:spPr>
+        <p:txBody>
+          <a:bodyPr wrap="square" rtlCol="0">
+            <a:spAutoFit/>
+          </a:bodyPr>
+          <a:lstStyle/>
+          <a:p>
+            <a:pPr algn="ctr"/>
+            <a:r>
+              <a:rPr lang="en-US" sz="1200" dirty="0"/>
+              <a:t>Push 2</a:t>
+            </a:r>
+          </a:p>
+        </p:txBody>
+      </p:sp>
+      <p:sp>
+        <p:nvSpPr>
+          <p:cNvPr id="30" name="TextBox 29"/>
+          <p:cNvSpPr txBox="1"/>
+          <p:nvPr/>
+        </p:nvSpPr>
+        <p:spPr>
+          <a:xfrm>
+            <a:off x="7124700" y="2202037"/>
+            <a:ext cx="990600" cy="276999"/>
+          </a:xfrm>
+          <a:prstGeom prst="rect">
+            <a:avLst/>
+          </a:prstGeom>
+          <a:noFill/>
+        </p:spPr>
+        <p:txBody>
+          <a:bodyPr wrap="square" rtlCol="0">
+            <a:spAutoFit/>
+          </a:bodyPr>
+          <a:lstStyle/>
+          <a:p>
+            <a:pPr algn="ctr"/>
+            <a:r>
+              <a:rPr lang="en-US" sz="1200" dirty="0"/>
+              <a:t>Push 3</a:t>
+            </a:r>
+          </a:p>
+        </p:txBody>
+      </p:sp>
+      <p:sp>
+        <p:nvSpPr>
+          <p:cNvPr id="31" name="Rectangle 30"/>
+          <p:cNvSpPr/>
+          <p:nvPr/>
+        </p:nvSpPr>
+        <p:spPr>
+          <a:xfrm>
+            <a:off x="228600" y="4309656"/>
+            <a:ext cx="1447800" cy="1371600"/>
+          </a:xfrm>
+          <a:prstGeom prst="rect">
+            <a:avLst/>
+          </a:prstGeom>
+        </p:spPr>
+        <p:style>
+          <a:lnRef idx="1">
+            <a:schemeClr val="dk1"/>
+          </a:lnRef>
+          <a:fillRef idx="2">
+            <a:schemeClr val="dk1"/>
+          </a:fillRef>
+          <a:effectRef idx="1">
+            <a:schemeClr val="dk1"/>
+          </a:effectRef>
+          <a:fontRef idx="minor">
+            <a:schemeClr val="dk1"/>
+          </a:fontRef>
+        </p:style>
+        <p:txBody>
+          <a:bodyPr rtlCol="0" anchor="ctr"/>
+          <a:lstStyle/>
+          <a:p>
+            <a:pPr algn="ctr"/>
+            <a:r>
+              <a:rPr lang="en-US" dirty="0"/>
+              <a:t>INITIAL SCREEN</a:t>
+            </a:r>
+          </a:p>
+        </p:txBody>
+      </p:sp>
+      <p:sp>
+        <p:nvSpPr>
+          <p:cNvPr id="32" name="Rectangle 31"/>
+          <p:cNvSpPr/>
+          <p:nvPr/>
+        </p:nvSpPr>
+        <p:spPr>
+          <a:xfrm>
+            <a:off x="2362200" y="4309656"/>
+            <a:ext cx="1447800" cy="1371600"/>
+          </a:xfrm>
+          <a:prstGeom prst="rect">
+            <a:avLst/>
+          </a:prstGeom>
+        </p:spPr>
+        <p:style>
+          <a:lnRef idx="1">
+            <a:schemeClr val="dk1"/>
+          </a:lnRef>
+          <a:fillRef idx="2">
+            <a:schemeClr val="dk1"/>
+          </a:fillRef>
+          <a:effectRef idx="1">
+            <a:schemeClr val="dk1"/>
+          </a:effectRef>
+          <a:fontRef idx="minor">
+            <a:schemeClr val="dk1"/>
+          </a:fontRef>
+        </p:style>
+        <p:txBody>
+          <a:bodyPr rtlCol="0" anchor="ctr"/>
+          <a:lstStyle/>
+          <a:p>
+            <a:pPr algn="ctr"/>
+            <a:r>
+              <a:rPr lang="en-US" dirty="0"/>
+              <a:t>DATA SCREEN LEVEL 1</a:t>
+            </a:r>
+          </a:p>
+        </p:txBody>
+      </p:sp>
+      <p:sp>
+        <p:nvSpPr>
+          <p:cNvPr id="33" name="Rectangle 32"/>
+          <p:cNvSpPr/>
+          <p:nvPr/>
+        </p:nvSpPr>
+        <p:spPr>
+          <a:xfrm>
+            <a:off x="4325516" y="4309656"/>
+            <a:ext cx="1447800" cy="1371600"/>
+          </a:xfrm>
+          <a:prstGeom prst="rect">
+            <a:avLst/>
+          </a:prstGeom>
+        </p:spPr>
+        <p:style>
+          <a:lnRef idx="1">
+            <a:schemeClr val="dk1"/>
+          </a:lnRef>
+          <a:fillRef idx="2">
+            <a:schemeClr val="dk1"/>
+          </a:fillRef>
+          <a:effectRef idx="1">
+            <a:schemeClr val="dk1"/>
+          </a:effectRef>
+          <a:fontRef idx="minor">
+            <a:schemeClr val="dk1"/>
+          </a:fontRef>
+        </p:style>
+        <p:txBody>
+          <a:bodyPr rtlCol="0" anchor="ctr"/>
+          <a:lstStyle/>
+          <a:p>
+            <a:pPr algn="ctr"/>
+            <a:r>
+              <a:rPr lang="en-US" dirty="0"/>
+              <a:t>DATA SCREEN LEVEL 2</a:t>
+            </a:r>
+          </a:p>
+        </p:txBody>
+      </p:sp>
+      <p:sp>
+        <p:nvSpPr>
+          <p:cNvPr id="34" name="Rectangle 33"/>
+          <p:cNvSpPr/>
+          <p:nvPr/>
+        </p:nvSpPr>
+        <p:spPr>
+          <a:xfrm>
+            <a:off x="6288832" y="4309656"/>
+            <a:ext cx="1447800" cy="1371600"/>
+          </a:xfrm>
+          <a:prstGeom prst="rect">
+            <a:avLst/>
+          </a:prstGeom>
+        </p:spPr>
+        <p:style>
+          <a:lnRef idx="1">
+            <a:schemeClr val="dk1"/>
+          </a:lnRef>
+          <a:fillRef idx="2">
+            <a:schemeClr val="dk1"/>
+          </a:fillRef>
+          <a:effectRef idx="1">
+            <a:schemeClr val="dk1"/>
+          </a:effectRef>
+          <a:fontRef idx="minor">
+            <a:schemeClr val="dk1"/>
+          </a:fontRef>
+        </p:style>
+        <p:txBody>
+          <a:bodyPr rtlCol="0" anchor="ctr"/>
+          <a:lstStyle/>
+          <a:p>
+            <a:pPr algn="ctr"/>
+            <a:r>
+              <a:rPr lang="en-US" dirty="0"/>
+              <a:t>DATA SCREEN LEVEL 3</a:t>
+            </a:r>
+          </a:p>
+        </p:txBody>
+      </p:sp>
+      <p:sp>
+        <p:nvSpPr>
+          <p:cNvPr id="35" name="Right Arrow 34"/>
+          <p:cNvSpPr/>
+          <p:nvPr/>
+        </p:nvSpPr>
+        <p:spPr>
+          <a:xfrm>
+            <a:off x="7812054" y="609600"/>
+            <a:ext cx="381000" cy="381000"/>
+          </a:xfrm>
+          <a:prstGeom prst="rightArrow">
+            <a:avLst/>
+          </a:prstGeom>
+        </p:spPr>
+        <p:style>
+          <a:lnRef idx="2">
+            <a:schemeClr val="accent1">
+              <a:shade val="50000"/>
+            </a:schemeClr>
+          </a:lnRef>
+          <a:fillRef idx="1">
+            <a:schemeClr val="accent1"/>
+          </a:fillRef>
+          <a:effectRef idx="0">
+            <a:schemeClr val="accent1"/>
+          </a:effectRef>
+          <a:fontRef idx="minor">
+            <a:schemeClr val="lt1"/>
+          </a:fontRef>
+        </p:style>
+        <p:txBody>
+          <a:bodyPr rtlCol="0" anchor="ctr"/>
+          <a:lstStyle/>
+          <a:p>
+            <a:pPr algn="ctr"/>
+            <a:endParaRPr lang="en-US"/>
+          </a:p>
+        </p:txBody>
+      </p:sp>
+      <p:cxnSp>
+        <p:nvCxnSpPr>
+          <p:cNvPr id="37" name="Elbow Connector 36"/>
+          <p:cNvCxnSpPr>
+            <a:stCxn id="34" idx="1"/>
+            <a:endCxn id="10" idx="2"/>
+          </p:cNvCxnSpPr>
+          <p:nvPr/>
+        </p:nvCxnSpPr>
+        <p:spPr>
+          <a:xfrm rot="10800000">
+            <a:off x="6069564" y="3294950"/>
+            <a:ext cx="219269" cy="1700506"/>
+          </a:xfrm>
+          <a:prstGeom prst="bentConnector2">
+            <a:avLst/>
+          </a:prstGeom>
+          <a:ln>
+            <a:headEnd type="triangle"/>
+            <a:tailEnd type="none"/>
+          </a:ln>
+        </p:spPr>
+        <p:style>
+          <a:lnRef idx="1">
+            <a:schemeClr val="accent1"/>
+          </a:lnRef>
+          <a:fillRef idx="0">
+            <a:schemeClr val="accent1"/>
+          </a:fillRef>
+          <a:effectRef idx="0">
+            <a:schemeClr val="accent1"/>
+          </a:effectRef>
+          <a:fontRef idx="minor">
+            <a:schemeClr val="tx1"/>
+          </a:fontRef>
+        </p:style>
+      </p:cxnSp>
+      <p:sp>
+        <p:nvSpPr>
+          <p:cNvPr id="38" name="TextBox 37"/>
+          <p:cNvSpPr txBox="1"/>
+          <p:nvPr/>
+        </p:nvSpPr>
+        <p:spPr>
+          <a:xfrm>
+            <a:off x="5086738" y="3360850"/>
+            <a:ext cx="990600" cy="276999"/>
+          </a:xfrm>
+          <a:prstGeom prst="rect">
+            <a:avLst/>
+          </a:prstGeom>
+          <a:noFill/>
+        </p:spPr>
+        <p:txBody>
+          <a:bodyPr wrap="square" rtlCol="0">
+            <a:spAutoFit/>
+          </a:bodyPr>
+          <a:lstStyle/>
+          <a:p>
+            <a:pPr algn="ctr"/>
+            <a:r>
+              <a:rPr lang="en-US" sz="1200" dirty="0"/>
+              <a:t>Pop 2</a:t>
+            </a:r>
+          </a:p>
+        </p:txBody>
+      </p:sp>
+      <p:cxnSp>
+        <p:nvCxnSpPr>
+          <p:cNvPr id="40" name="Elbow Connector 39"/>
+          <p:cNvCxnSpPr>
+            <a:stCxn id="33" idx="1"/>
+            <a:endCxn id="7" idx="2"/>
+          </p:cNvCxnSpPr>
+          <p:nvPr/>
+        </p:nvCxnSpPr>
+        <p:spPr>
+          <a:xfrm rot="10800000">
+            <a:off x="4076700" y="2926080"/>
+            <a:ext cx="248816" cy="2069376"/>
+          </a:xfrm>
+          <a:prstGeom prst="bentConnector2">
+            <a:avLst/>
+          </a:prstGeom>
+          <a:ln>
+            <a:headEnd type="triangle"/>
+            <a:tailEnd type="none"/>
+          </a:ln>
+        </p:spPr>
+        <p:style>
+          <a:lnRef idx="1">
+            <a:schemeClr val="accent1"/>
+          </a:lnRef>
+          <a:fillRef idx="0">
+            <a:schemeClr val="accent1"/>
+          </a:fillRef>
+          <a:effectRef idx="0">
+            <a:schemeClr val="accent1"/>
+          </a:effectRef>
+          <a:fontRef idx="minor">
+            <a:schemeClr val="tx1"/>
+          </a:fontRef>
+        </p:style>
+      </p:cxnSp>
+      <p:sp>
+        <p:nvSpPr>
+          <p:cNvPr id="41" name="TextBox 40"/>
+          <p:cNvSpPr txBox="1"/>
+          <p:nvPr/>
+        </p:nvSpPr>
+        <p:spPr>
+          <a:xfrm>
+            <a:off x="3170852" y="2991013"/>
+            <a:ext cx="990600" cy="276999"/>
+          </a:xfrm>
+          <a:prstGeom prst="rect">
+            <a:avLst/>
+          </a:prstGeom>
+          <a:noFill/>
+        </p:spPr>
+        <p:txBody>
+          <a:bodyPr wrap="square" rtlCol="0">
+            <a:spAutoFit/>
+          </a:bodyPr>
+          <a:lstStyle/>
+          <a:p>
+            <a:pPr algn="ctr"/>
+            <a:r>
+              <a:rPr lang="en-US" sz="1200" dirty="0"/>
+              <a:t>Pop 1</a:t>
+            </a:r>
+          </a:p>
+        </p:txBody>
+      </p:sp>
+      <p:sp>
+        <p:nvSpPr>
+          <p:cNvPr id="42" name="Right Arrow 41"/>
+          <p:cNvSpPr/>
+          <p:nvPr/>
+        </p:nvSpPr>
+        <p:spPr>
+          <a:xfrm rot="10800000">
+            <a:off x="5856914" y="5263756"/>
+            <a:ext cx="367736" cy="406301"/>
+          </a:xfrm>
+          <a:prstGeom prst="rightArrow">
+            <a:avLst/>
+          </a:prstGeom>
+        </p:spPr>
+        <p:style>
+          <a:lnRef idx="2">
+            <a:schemeClr val="accent1">
+              <a:shade val="50000"/>
+            </a:schemeClr>
+          </a:lnRef>
+          <a:fillRef idx="1">
+            <a:schemeClr val="accent1"/>
+          </a:fillRef>
+          <a:effectRef idx="0">
+            <a:schemeClr val="accent1"/>
+          </a:effectRef>
+          <a:fontRef idx="minor">
+            <a:schemeClr val="lt1"/>
+          </a:fontRef>
+        </p:style>
+        <p:txBody>
+          <a:bodyPr rtlCol="0" anchor="ctr"/>
+          <a:lstStyle/>
+          <a:p>
+            <a:pPr algn="ctr"/>
+            <a:endParaRPr lang="en-US"/>
+          </a:p>
+        </p:txBody>
+      </p:sp>
+      <p:sp>
+        <p:nvSpPr>
+          <p:cNvPr id="43" name="Right Arrow 42"/>
+          <p:cNvSpPr/>
+          <p:nvPr/>
+        </p:nvSpPr>
+        <p:spPr>
+          <a:xfrm rot="10800000">
+            <a:off x="3893598" y="5263757"/>
+            <a:ext cx="367736" cy="406301"/>
+          </a:xfrm>
+          <a:prstGeom prst="rightArrow">
+            <a:avLst/>
+          </a:prstGeom>
+        </p:spPr>
+        <p:style>
+          <a:lnRef idx="2">
+            <a:schemeClr val="accent1">
+              <a:shade val="50000"/>
+            </a:schemeClr>
+          </a:lnRef>
+          <a:fillRef idx="1">
+            <a:schemeClr val="accent1"/>
+          </a:fillRef>
+          <a:effectRef idx="0">
+            <a:schemeClr val="accent1"/>
+          </a:effectRef>
+          <a:fontRef idx="minor">
+            <a:schemeClr val="lt1"/>
+          </a:fontRef>
+        </p:style>
+        <p:txBody>
+          <a:bodyPr rtlCol="0" anchor="ctr"/>
+          <a:lstStyle/>
+          <a:p>
+            <a:pPr algn="ctr"/>
+            <a:endParaRPr lang="en-US"/>
+          </a:p>
+        </p:txBody>
+      </p:sp>
+      <p:sp>
+        <p:nvSpPr>
+          <p:cNvPr id="45" name="Left Brace 44"/>
+          <p:cNvSpPr/>
+          <p:nvPr/>
+        </p:nvSpPr>
+        <p:spPr>
+          <a:xfrm>
+            <a:off x="677248" y="2336313"/>
+            <a:ext cx="475084" cy="1473687"/>
+          </a:xfrm>
+          <a:prstGeom prst="leftBrace">
+            <a:avLst/>
+          </a:prstGeom>
+        </p:spPr>
+        <p:style>
+          <a:lnRef idx="1">
+            <a:schemeClr val="accent1"/>
+          </a:lnRef>
+          <a:fillRef idx="0">
+            <a:schemeClr val="accent1"/>
+          </a:fillRef>
+          <a:effectRef idx="0">
+            <a:schemeClr val="accent1"/>
+          </a:effectRef>
+          <a:fontRef idx="minor">
+            <a:schemeClr val="tx1"/>
+          </a:fontRef>
+        </p:style>
+        <p:txBody>
+          <a:bodyPr rtlCol="0" anchor="ctr"/>
+          <a:lstStyle/>
+          <a:p>
+            <a:pPr algn="ctr"/>
+            <a:endParaRPr lang="en-US"/>
+          </a:p>
+        </p:txBody>
+      </p:sp>
+      <p:sp>
+        <p:nvSpPr>
+          <p:cNvPr id="46" name="TextBox 45"/>
+          <p:cNvSpPr txBox="1"/>
+          <p:nvPr/>
+        </p:nvSpPr>
+        <p:spPr>
+          <a:xfrm>
+            <a:off x="-102635" y="2814935"/>
+            <a:ext cx="990600" cy="461665"/>
+          </a:xfrm>
+          <a:prstGeom prst="rect">
+            <a:avLst/>
+          </a:prstGeom>
+          <a:noFill/>
+        </p:spPr>
+        <p:txBody>
+          <a:bodyPr wrap="square" rtlCol="0">
+            <a:spAutoFit/>
+          </a:bodyPr>
+          <a:lstStyle/>
+          <a:p>
+            <a:pPr algn="ctr"/>
+            <a:r>
+              <a:rPr lang="en-US" sz="1200" dirty="0"/>
+              <a:t>Stack Collection</a:t>
+            </a:r>
+          </a:p>
+        </p:txBody>
+      </p:sp>
+    </p:spTree>
+    <p:extLst>
+      <p:ext uri="{BB962C8B-B14F-4D97-AF65-F5344CB8AC3E}">
+        <p14:creationId xmlns:p14="http://schemas.microsoft.com/office/powerpoint/2010/main" val="1233324448"/>
+      </p:ext>
+    </p:extLst>
+  </p:cSld>
+  <p:clrMapOvr>
+    <a:masterClrMapping/>
+  </p:clrMapOvr>
+</p:sld>
+</file>
+
+<file path=ppt/slides/slide13.xml><?xml version="1.0" encoding="utf-8"?>
+<p:sld xmlns:a="http://schemas.openxmlformats.org/drawingml/2006/main" xmlns:r="http://schemas.openxmlformats.org/officeDocument/2006/relationships" xmlns:p="http://schemas.openxmlformats.org/presentationml/2006/main">
+  <p:cSld>
+    <p:spTree>
+      <p:nvGrpSpPr>
+        <p:cNvPr id="1" name=""/>
+        <p:cNvGrpSpPr/>
+        <p:nvPr/>
+      </p:nvGrpSpPr>
+      <p:grpSpPr>
+        <a:xfrm>
+          <a:off x="0" y="0"/>
+          <a:ext cx="0" cy="0"/>
+          <a:chOff x="0" y="0"/>
+          <a:chExt cx="0" cy="0"/>
+        </a:xfrm>
+      </p:grpSpPr>
+      <p:sp>
+        <p:nvSpPr>
+          <p:cNvPr id="15" name="Rectangle 14"/>
+          <p:cNvSpPr/>
+          <p:nvPr/>
+        </p:nvSpPr>
+        <p:spPr>
+          <a:xfrm>
+            <a:off x="685800" y="1066800"/>
+            <a:ext cx="7467600" cy="3733800"/>
+          </a:xfrm>
+          <a:prstGeom prst="rect">
+            <a:avLst/>
+          </a:prstGeom>
+        </p:spPr>
+        <p:style>
+          <a:lnRef idx="2">
+            <a:schemeClr val="accent1"/>
+          </a:lnRef>
+          <a:fillRef idx="1">
+            <a:schemeClr val="lt1"/>
+          </a:fillRef>
+          <a:effectRef idx="0">
+            <a:schemeClr val="accent1"/>
+          </a:effectRef>
+          <a:fontRef idx="minor">
+            <a:schemeClr val="dk1"/>
+          </a:fontRef>
+        </p:style>
+        <p:txBody>
+          <a:bodyPr rtlCol="0" anchor="ctr"/>
+          <a:lstStyle/>
+          <a:p>
+            <a:pPr algn="ctr"/>
+            <a:endParaRPr lang="en-US"/>
+          </a:p>
+        </p:txBody>
+      </p:sp>
+      <p:sp>
+        <p:nvSpPr>
+          <p:cNvPr id="2" name="Slide Number Placeholder 1"/>
+          <p:cNvSpPr>
+            <a:spLocks noGrp="1"/>
+          </p:cNvSpPr>
+          <p:nvPr>
+            <p:ph type="sldNum" sz="quarter" idx="12"/>
+          </p:nvPr>
+        </p:nvSpPr>
+        <p:spPr/>
+        <p:txBody>
+          <a:bodyPr/>
+          <a:lstStyle/>
+          <a:p>
+            <a:fld id="{7C65DD3B-8E90-4815-956E-D18D24CB454B}" type="slidenum">
+              <a:rPr lang="en-US" smtClean="0"/>
+              <a:pPr/>
+              <a:t>13</a:t>
+            </a:fld>
+            <a:endParaRPr lang="en-US" dirty="0"/>
+          </a:p>
+        </p:txBody>
+      </p:sp>
+      <p:sp>
+        <p:nvSpPr>
+          <p:cNvPr id="3" name="Rectangle 2"/>
+          <p:cNvSpPr/>
+          <p:nvPr/>
+        </p:nvSpPr>
+        <p:spPr>
+          <a:xfrm>
+            <a:off x="2971800" y="1596313"/>
+            <a:ext cx="2895600" cy="1066800"/>
+          </a:xfrm>
+          <a:prstGeom prst="rect">
+            <a:avLst/>
+          </a:prstGeom>
+        </p:spPr>
+        <p:style>
+          <a:lnRef idx="2">
+            <a:schemeClr val="accent1">
+              <a:shade val="50000"/>
+            </a:schemeClr>
+          </a:lnRef>
+          <a:fillRef idx="1">
+            <a:schemeClr val="accent1"/>
+          </a:fillRef>
+          <a:effectRef idx="0">
+            <a:schemeClr val="accent1"/>
+          </a:effectRef>
+          <a:fontRef idx="minor">
+            <a:schemeClr val="lt1"/>
+          </a:fontRef>
+        </p:style>
+        <p:txBody>
+          <a:bodyPr rtlCol="0" anchor="ctr"/>
+          <a:lstStyle/>
+          <a:p>
+            <a:pPr algn="ctr"/>
+            <a:r>
+              <a:rPr lang="en-US" dirty="0"/>
+              <a:t>API Gateway</a:t>
+            </a:r>
+          </a:p>
+          <a:p>
+            <a:pPr algn="ctr"/>
+            <a:r>
+              <a:rPr lang="en-US" dirty="0"/>
+              <a:t>Stateless Service</a:t>
+            </a:r>
+          </a:p>
+        </p:txBody>
+      </p:sp>
+      <p:sp>
+        <p:nvSpPr>
+          <p:cNvPr id="4" name="Rectangle 3"/>
+          <p:cNvSpPr/>
+          <p:nvPr/>
+        </p:nvSpPr>
+        <p:spPr>
+          <a:xfrm>
+            <a:off x="914400" y="3581400"/>
+            <a:ext cx="1981200" cy="914400"/>
+          </a:xfrm>
+          <a:prstGeom prst="rect">
+            <a:avLst/>
+          </a:prstGeom>
+        </p:spPr>
+        <p:style>
+          <a:lnRef idx="1">
+            <a:schemeClr val="dk1"/>
+          </a:lnRef>
+          <a:fillRef idx="2">
+            <a:schemeClr val="dk1"/>
+          </a:fillRef>
+          <a:effectRef idx="1">
+            <a:schemeClr val="dk1"/>
+          </a:effectRef>
+          <a:fontRef idx="minor">
+            <a:schemeClr val="dk1"/>
+          </a:fontRef>
+        </p:style>
+        <p:txBody>
+          <a:bodyPr rtlCol="0" anchor="ctr"/>
+          <a:lstStyle/>
+          <a:p>
+            <a:pPr algn="ctr"/>
+            <a:r>
+              <a:rPr lang="en-US" dirty="0"/>
+              <a:t>Stateless Service</a:t>
+            </a:r>
+          </a:p>
+        </p:txBody>
+      </p:sp>
+      <p:sp>
+        <p:nvSpPr>
+          <p:cNvPr id="5" name="Rectangle 4"/>
+          <p:cNvSpPr/>
+          <p:nvPr/>
+        </p:nvSpPr>
+        <p:spPr>
+          <a:xfrm>
+            <a:off x="3429000" y="3581400"/>
+            <a:ext cx="1981200" cy="914400"/>
+          </a:xfrm>
+          <a:prstGeom prst="rect">
+            <a:avLst/>
+          </a:prstGeom>
+        </p:spPr>
+        <p:style>
+          <a:lnRef idx="1">
+            <a:schemeClr val="dk1"/>
+          </a:lnRef>
+          <a:fillRef idx="2">
+            <a:schemeClr val="dk1"/>
+          </a:fillRef>
+          <a:effectRef idx="1">
+            <a:schemeClr val="dk1"/>
+          </a:effectRef>
+          <a:fontRef idx="minor">
+            <a:schemeClr val="dk1"/>
+          </a:fontRef>
+        </p:style>
+        <p:txBody>
+          <a:bodyPr rtlCol="0" anchor="ctr"/>
+          <a:lstStyle/>
+          <a:p>
+            <a:pPr algn="ctr"/>
+            <a:r>
+              <a:rPr lang="en-US" dirty="0"/>
+              <a:t>Stateful Service</a:t>
+            </a:r>
+          </a:p>
+        </p:txBody>
+      </p:sp>
+      <p:sp>
+        <p:nvSpPr>
+          <p:cNvPr id="6" name="Rectangle 5"/>
+          <p:cNvSpPr/>
+          <p:nvPr/>
+        </p:nvSpPr>
+        <p:spPr>
+          <a:xfrm>
+            <a:off x="5943600" y="3575180"/>
+            <a:ext cx="1981200" cy="914400"/>
+          </a:xfrm>
+          <a:prstGeom prst="rect">
+            <a:avLst/>
+          </a:prstGeom>
+        </p:spPr>
+        <p:style>
+          <a:lnRef idx="1">
+            <a:schemeClr val="dk1"/>
+          </a:lnRef>
+          <a:fillRef idx="2">
+            <a:schemeClr val="dk1"/>
+          </a:fillRef>
+          <a:effectRef idx="1">
+            <a:schemeClr val="dk1"/>
+          </a:effectRef>
+          <a:fontRef idx="minor">
+            <a:schemeClr val="dk1"/>
+          </a:fontRef>
+        </p:style>
+        <p:txBody>
+          <a:bodyPr rtlCol="0" anchor="ctr"/>
+          <a:lstStyle/>
+          <a:p>
+            <a:pPr algn="ctr"/>
+            <a:r>
+              <a:rPr lang="en-US" dirty="0"/>
+              <a:t>Actor</a:t>
+            </a:r>
+          </a:p>
+        </p:txBody>
+      </p:sp>
+      <p:cxnSp>
+        <p:nvCxnSpPr>
+          <p:cNvPr id="10" name="Elbow Connector 9"/>
+          <p:cNvCxnSpPr>
+            <a:stCxn id="3" idx="2"/>
+            <a:endCxn id="6" idx="0"/>
+          </p:cNvCxnSpPr>
+          <p:nvPr/>
+        </p:nvCxnSpPr>
+        <p:spPr>
+          <a:xfrm rot="16200000" flipH="1">
+            <a:off x="5220867" y="1861846"/>
+            <a:ext cx="912067" cy="2514600"/>
+          </a:xfrm>
+          <a:prstGeom prst="bentConnector3">
+            <a:avLst/>
+          </a:prstGeom>
+          <a:ln>
+            <a:headEnd type="triangle"/>
+            <a:tailEnd type="triangle"/>
+          </a:ln>
+        </p:spPr>
+        <p:style>
+          <a:lnRef idx="1">
+            <a:schemeClr val="accent1"/>
+          </a:lnRef>
+          <a:fillRef idx="0">
+            <a:schemeClr val="accent1"/>
+          </a:fillRef>
+          <a:effectRef idx="0">
+            <a:schemeClr val="accent1"/>
+          </a:effectRef>
+          <a:fontRef idx="minor">
+            <a:schemeClr val="tx1"/>
+          </a:fontRef>
+        </p:style>
+      </p:cxnSp>
+      <p:cxnSp>
+        <p:nvCxnSpPr>
+          <p:cNvPr id="12" name="Elbow Connector 11"/>
+          <p:cNvCxnSpPr>
+            <a:stCxn id="3" idx="2"/>
+            <a:endCxn id="5" idx="0"/>
+          </p:cNvCxnSpPr>
+          <p:nvPr/>
+        </p:nvCxnSpPr>
+        <p:spPr>
+          <a:xfrm rot="5400000">
+            <a:off x="3960457" y="3122256"/>
+            <a:ext cx="918287" cy="12700"/>
+          </a:xfrm>
+          <a:prstGeom prst="bentConnector3">
+            <a:avLst/>
+          </a:prstGeom>
+          <a:ln>
+            <a:headEnd type="triangle"/>
+            <a:tailEnd type="triangle"/>
+          </a:ln>
+        </p:spPr>
+        <p:style>
+          <a:lnRef idx="1">
+            <a:schemeClr val="accent1"/>
+          </a:lnRef>
+          <a:fillRef idx="0">
+            <a:schemeClr val="accent1"/>
+          </a:fillRef>
+          <a:effectRef idx="0">
+            <a:schemeClr val="accent1"/>
+          </a:effectRef>
+          <a:fontRef idx="minor">
+            <a:schemeClr val="tx1"/>
+          </a:fontRef>
+        </p:style>
+      </p:cxnSp>
+      <p:cxnSp>
+        <p:nvCxnSpPr>
+          <p:cNvPr id="14" name="Elbow Connector 13"/>
+          <p:cNvCxnSpPr>
+            <a:stCxn id="3" idx="2"/>
+            <a:endCxn id="4" idx="0"/>
+          </p:cNvCxnSpPr>
+          <p:nvPr/>
+        </p:nvCxnSpPr>
+        <p:spPr>
+          <a:xfrm rot="5400000">
+            <a:off x="2703157" y="1864956"/>
+            <a:ext cx="918287" cy="2514600"/>
+          </a:xfrm>
+          <a:prstGeom prst="bentConnector3">
+            <a:avLst/>
+          </a:prstGeom>
+          <a:ln>
+            <a:headEnd type="triangle"/>
+            <a:tailEnd type="triangle"/>
+          </a:ln>
+        </p:spPr>
+        <p:style>
+          <a:lnRef idx="1">
+            <a:schemeClr val="accent1"/>
+          </a:lnRef>
+          <a:fillRef idx="0">
+            <a:schemeClr val="accent1"/>
+          </a:fillRef>
+          <a:effectRef idx="0">
+            <a:schemeClr val="accent1"/>
+          </a:effectRef>
+          <a:fontRef idx="minor">
+            <a:schemeClr val="tx1"/>
+          </a:fontRef>
+        </p:style>
+      </p:cxnSp>
+      <p:sp>
+        <p:nvSpPr>
+          <p:cNvPr id="16" name="Rectangle 15"/>
+          <p:cNvSpPr/>
+          <p:nvPr/>
+        </p:nvSpPr>
+        <p:spPr>
+          <a:xfrm>
+            <a:off x="2971800" y="1201316"/>
+            <a:ext cx="914400" cy="304800"/>
+          </a:xfrm>
+          <a:prstGeom prst="rect">
+            <a:avLst/>
+          </a:prstGeom>
+        </p:spPr>
+        <p:style>
+          <a:lnRef idx="2">
+            <a:schemeClr val="accent1">
+              <a:shade val="50000"/>
+            </a:schemeClr>
+          </a:lnRef>
+          <a:fillRef idx="1">
+            <a:schemeClr val="accent1"/>
+          </a:fillRef>
+          <a:effectRef idx="0">
+            <a:schemeClr val="accent1"/>
+          </a:effectRef>
+          <a:fontRef idx="minor">
+            <a:schemeClr val="lt1"/>
+          </a:fontRef>
+        </p:style>
+        <p:txBody>
+          <a:bodyPr rtlCol="0" anchor="ctr"/>
+          <a:lstStyle/>
+          <a:p>
+            <a:pPr algn="ctr"/>
+            <a:r>
+              <a:rPr lang="en-US" dirty="0"/>
+              <a:t>HTTP</a:t>
+            </a:r>
+          </a:p>
+        </p:txBody>
+      </p:sp>
+      <p:sp>
+        <p:nvSpPr>
+          <p:cNvPr id="17" name="Rectangle 16"/>
+          <p:cNvSpPr/>
+          <p:nvPr/>
+        </p:nvSpPr>
+        <p:spPr>
+          <a:xfrm>
+            <a:off x="3962400" y="1212203"/>
+            <a:ext cx="914400" cy="304800"/>
+          </a:xfrm>
+          <a:prstGeom prst="rect">
+            <a:avLst/>
+          </a:prstGeom>
+        </p:spPr>
+        <p:style>
+          <a:lnRef idx="2">
+            <a:schemeClr val="accent1">
+              <a:shade val="50000"/>
+            </a:schemeClr>
+          </a:lnRef>
+          <a:fillRef idx="1">
+            <a:schemeClr val="accent1"/>
+          </a:fillRef>
+          <a:effectRef idx="0">
+            <a:schemeClr val="accent1"/>
+          </a:effectRef>
+          <a:fontRef idx="minor">
+            <a:schemeClr val="lt1"/>
+          </a:fontRef>
+        </p:style>
+        <p:txBody>
+          <a:bodyPr rtlCol="0" anchor="ctr"/>
+          <a:lstStyle/>
+          <a:p>
+            <a:pPr algn="ctr"/>
+            <a:r>
+              <a:rPr lang="en-US" dirty="0"/>
+              <a:t>WCF</a:t>
+            </a:r>
+          </a:p>
+        </p:txBody>
+      </p:sp>
+      <p:sp>
+        <p:nvSpPr>
+          <p:cNvPr id="18" name="Rectangle 17"/>
+          <p:cNvSpPr/>
+          <p:nvPr/>
+        </p:nvSpPr>
+        <p:spPr>
+          <a:xfrm>
+            <a:off x="4953000" y="1219200"/>
+            <a:ext cx="914400" cy="304800"/>
+          </a:xfrm>
+          <a:prstGeom prst="rect">
+            <a:avLst/>
+          </a:prstGeom>
+        </p:spPr>
+        <p:style>
+          <a:lnRef idx="2">
+            <a:schemeClr val="accent1">
+              <a:shade val="50000"/>
+            </a:schemeClr>
+          </a:lnRef>
+          <a:fillRef idx="1">
+            <a:schemeClr val="accent1"/>
+          </a:fillRef>
+          <a:effectRef idx="0">
+            <a:schemeClr val="accent1"/>
+          </a:effectRef>
+          <a:fontRef idx="minor">
+            <a:schemeClr val="lt1"/>
+          </a:fontRef>
+        </p:style>
+        <p:txBody>
+          <a:bodyPr rtlCol="0" anchor="ctr"/>
+          <a:lstStyle/>
+          <a:p>
+            <a:pPr algn="ctr"/>
+            <a:r>
+              <a:rPr lang="en-US" dirty="0"/>
+              <a:t>…..</a:t>
+            </a:r>
+          </a:p>
+        </p:txBody>
+      </p:sp>
+    </p:spTree>
+    <p:extLst>
+      <p:ext uri="{BB962C8B-B14F-4D97-AF65-F5344CB8AC3E}">
+        <p14:creationId xmlns:p14="http://schemas.microsoft.com/office/powerpoint/2010/main" val="2363918395"/>
       </p:ext>
     </p:extLst>
   </p:cSld>
@@ -3361,7 +8340,7 @@
           <a:p>
             <a:pPr algn="ctr"/>
             <a:r>
-              <a:rPr lang="en-US" dirty="0" smtClean="0">
+              <a:rPr lang="en-US" dirty="0">
                 <a:latin typeface="Segoe UI Light" panose="020B0502040204020203" pitchFamily="34" charset="0"/>
                 <a:cs typeface="Segoe UI Light" panose="020B0502040204020203" pitchFamily="34" charset="0"/>
               </a:rPr>
@@ -3371,7 +8350,7 @@
           <a:p>
             <a:pPr algn="ctr"/>
             <a:r>
-              <a:rPr lang="en-US" sz="1100" dirty="0" smtClean="0">
+              <a:rPr lang="en-US" sz="1100" dirty="0">
                 <a:latin typeface="Segoe UI Light" panose="020B0502040204020203" pitchFamily="34" charset="0"/>
                 <a:cs typeface="Segoe UI Light" panose="020B0502040204020203" pitchFamily="34" charset="0"/>
               </a:rPr>
@@ -3381,16 +8360,12 @@
           <a:p>
             <a:pPr algn="ctr"/>
             <a:r>
-              <a:rPr lang="en-US" sz="1100" dirty="0" smtClean="0">
+              <a:rPr lang="en-US" sz="1100" dirty="0">
                 <a:latin typeface="Segoe UI Light" panose="020B0502040204020203" pitchFamily="34" charset="0"/>
                 <a:cs typeface="Segoe UI Light" panose="020B0502040204020203" pitchFamily="34" charset="0"/>
               </a:rPr>
               <a:t>Stationary - Windows Service</a:t>
             </a:r>
-            <a:endParaRPr lang="en-US" sz="1100" dirty="0">
-              <a:latin typeface="Segoe UI Light" panose="020B0502040204020203" pitchFamily="34" charset="0"/>
-              <a:cs typeface="Segoe UI Light" panose="020B0502040204020203" pitchFamily="34" charset="0"/>
-            </a:endParaRPr>
           </a:p>
         </p:txBody>
       </p:sp>
@@ -3436,7 +8411,7 @@
           <a:p>
             <a:pPr algn="ctr"/>
             <a:r>
-              <a:rPr lang="en-US" dirty="0" smtClean="0">
+              <a:rPr lang="en-US" dirty="0">
                 <a:latin typeface="Segoe UI Light" panose="020B0502040204020203" pitchFamily="34" charset="0"/>
                 <a:cs typeface="Segoe UI Light" panose="020B0502040204020203" pitchFamily="34" charset="0"/>
               </a:rPr>
@@ -3446,16 +8421,12 @@
           <a:p>
             <a:pPr algn="ctr"/>
             <a:r>
-              <a:rPr lang="en-US" sz="1100" dirty="0" smtClean="0">
+              <a:rPr lang="en-US" sz="1100" dirty="0">
                 <a:latin typeface="Segoe UI Light" panose="020B0502040204020203" pitchFamily="34" charset="0"/>
                 <a:cs typeface="Segoe UI Light" panose="020B0502040204020203" pitchFamily="34" charset="0"/>
               </a:rPr>
               <a:t>Web API</a:t>
             </a:r>
-            <a:endParaRPr lang="en-US" sz="1100" dirty="0">
-              <a:latin typeface="Segoe UI Light" panose="020B0502040204020203" pitchFamily="34" charset="0"/>
-              <a:cs typeface="Segoe UI Light" panose="020B0502040204020203" pitchFamily="34" charset="0"/>
-            </a:endParaRPr>
           </a:p>
         </p:txBody>
       </p:sp>
@@ -3523,7 +8494,7 @@
           <a:p>
             <a:pPr algn="ctr"/>
             <a:r>
-              <a:rPr lang="en-US" sz="1400" dirty="0" smtClean="0">
+              <a:rPr lang="en-US" sz="1400" dirty="0">
                 <a:solidFill>
                   <a:srgbClr val="FF0000"/>
                 </a:solidFill>
@@ -3532,13 +8503,6 @@
               </a:rPr>
               <a:t>HTTPS</a:t>
             </a:r>
-            <a:endParaRPr lang="en-US" sz="1400" dirty="0">
-              <a:solidFill>
-                <a:srgbClr val="FF0000"/>
-              </a:solidFill>
-              <a:latin typeface="Segoe UI Light" panose="020B0502040204020203" pitchFamily="34" charset="0"/>
-              <a:cs typeface="Segoe UI Light" panose="020B0502040204020203" pitchFamily="34" charset="0"/>
-            </a:endParaRPr>
           </a:p>
         </p:txBody>
       </p:sp>
@@ -3589,7 +8553,7 @@
           <a:p>
             <a:pPr algn="ctr"/>
             <a:r>
-              <a:rPr lang="en-US" dirty="0" smtClean="0">
+              <a:rPr lang="en-US" dirty="0">
                 <a:latin typeface="Segoe UI Light" panose="020B0502040204020203" pitchFamily="34" charset="0"/>
                 <a:cs typeface="Segoe UI Light" panose="020B0502040204020203" pitchFamily="34" charset="0"/>
               </a:rPr>
@@ -3599,16 +8563,12 @@
           <a:p>
             <a:pPr algn="ctr"/>
             <a:r>
-              <a:rPr lang="en-US" sz="1100" dirty="0" smtClean="0">
+              <a:rPr lang="en-US" sz="1100" dirty="0">
                 <a:latin typeface="Segoe UI Light" panose="020B0502040204020203" pitchFamily="34" charset="0"/>
                 <a:cs typeface="Segoe UI Light" panose="020B0502040204020203" pitchFamily="34" charset="0"/>
               </a:rPr>
               <a:t>Voucher Redemption Processor</a:t>
             </a:r>
-            <a:endParaRPr lang="en-US" sz="1100" dirty="0">
-              <a:latin typeface="Segoe UI Light" panose="020B0502040204020203" pitchFamily="34" charset="0"/>
-              <a:cs typeface="Segoe UI Light" panose="020B0502040204020203" pitchFamily="34" charset="0"/>
-            </a:endParaRPr>
           </a:p>
         </p:txBody>
       </p:sp>
@@ -3675,7 +8635,7 @@
           <a:p>
             <a:pPr algn="ctr"/>
             <a:r>
-              <a:rPr lang="en-US" sz="1400" dirty="0" smtClean="0">
+              <a:rPr lang="en-US" sz="1400" dirty="0">
                 <a:solidFill>
                   <a:srgbClr val="FF0000"/>
                 </a:solidFill>
@@ -3684,13 +8644,6 @@
               </a:rPr>
               <a:t>TRIGGERS</a:t>
             </a:r>
-            <a:endParaRPr lang="en-US" sz="1400" dirty="0">
-              <a:solidFill>
-                <a:srgbClr val="FF0000"/>
-              </a:solidFill>
-              <a:latin typeface="Segoe UI Light" panose="020B0502040204020203" pitchFamily="34" charset="0"/>
-              <a:cs typeface="Segoe UI Light" panose="020B0502040204020203" pitchFamily="34" charset="0"/>
-            </a:endParaRPr>
           </a:p>
         </p:txBody>
       </p:sp>
@@ -3790,7 +8743,7 @@
           <a:p>
             <a:pPr algn="ctr"/>
             <a:r>
-              <a:rPr lang="en-US" dirty="0" smtClean="0">
+              <a:rPr lang="en-US" dirty="0">
                 <a:latin typeface="Segoe UI Light" panose="020B0502040204020203" pitchFamily="34" charset="0"/>
                 <a:cs typeface="Segoe UI Light" panose="020B0502040204020203" pitchFamily="34" charset="0"/>
               </a:rPr>
@@ -3800,16 +8753,12 @@
           <a:p>
             <a:pPr algn="ctr"/>
             <a:r>
-              <a:rPr lang="en-US" sz="1100" dirty="0" smtClean="0">
+              <a:rPr lang="en-US" sz="1100" dirty="0">
                 <a:latin typeface="Segoe UI Light" panose="020B0502040204020203" pitchFamily="34" charset="0"/>
                 <a:cs typeface="Segoe UI Light" panose="020B0502040204020203" pitchFamily="34" charset="0"/>
               </a:rPr>
               <a:t>Web API</a:t>
             </a:r>
-            <a:endParaRPr lang="en-US" sz="1100" dirty="0">
-              <a:latin typeface="Segoe UI Light" panose="020B0502040204020203" pitchFamily="34" charset="0"/>
-              <a:cs typeface="Segoe UI Light" panose="020B0502040204020203" pitchFamily="34" charset="0"/>
-            </a:endParaRPr>
           </a:p>
         </p:txBody>
       </p:sp>
@@ -3860,7 +8809,7 @@
           <a:p>
             <a:pPr algn="ctr"/>
             <a:r>
-              <a:rPr lang="en-US" dirty="0" smtClean="0">
+              <a:rPr lang="en-US" dirty="0">
                 <a:latin typeface="Segoe UI Light" panose="020B0502040204020203" pitchFamily="34" charset="0"/>
                 <a:cs typeface="Segoe UI Light" panose="020B0502040204020203" pitchFamily="34" charset="0"/>
               </a:rPr>
@@ -3870,16 +8819,12 @@
           <a:p>
             <a:pPr algn="ctr"/>
             <a:r>
-              <a:rPr lang="en-US" sz="1100" dirty="0" smtClean="0">
+              <a:rPr lang="en-US" sz="1100" dirty="0">
                 <a:latin typeface="Segoe UI Light" panose="020B0502040204020203" pitchFamily="34" charset="0"/>
                 <a:cs typeface="Segoe UI Light" panose="020B0502040204020203" pitchFamily="34" charset="0"/>
               </a:rPr>
               <a:t>Voucher Redemption Processor</a:t>
             </a:r>
-            <a:endParaRPr lang="en-US" sz="1100" dirty="0">
-              <a:latin typeface="Segoe UI Light" panose="020B0502040204020203" pitchFamily="34" charset="0"/>
-              <a:cs typeface="Segoe UI Light" panose="020B0502040204020203" pitchFamily="34" charset="0"/>
-            </a:endParaRPr>
           </a:p>
         </p:txBody>
       </p:sp>
@@ -3925,7 +8870,7 @@
           <a:p>
             <a:pPr algn="ctr"/>
             <a:r>
-              <a:rPr lang="en-US" dirty="0" smtClean="0">
+              <a:rPr lang="en-US" dirty="0">
                 <a:latin typeface="Segoe UI Light" panose="020B0502040204020203" pitchFamily="34" charset="0"/>
                 <a:cs typeface="Segoe UI Light" panose="020B0502040204020203" pitchFamily="34" charset="0"/>
               </a:rPr>
@@ -3935,16 +8880,12 @@
           <a:p>
             <a:pPr algn="ctr"/>
             <a:r>
-              <a:rPr lang="en-US" sz="1100" dirty="0" smtClean="0">
+              <a:rPr lang="en-US" sz="1100" dirty="0">
                 <a:latin typeface="Segoe UI Light" panose="020B0502040204020203" pitchFamily="34" charset="0"/>
                 <a:cs typeface="Segoe UI Light" panose="020B0502040204020203" pitchFamily="34" charset="0"/>
               </a:rPr>
               <a:t>Trigger Callback Registrar</a:t>
             </a:r>
-            <a:endParaRPr lang="en-US" sz="1100" dirty="0">
-              <a:latin typeface="Segoe UI Light" panose="020B0502040204020203" pitchFamily="34" charset="0"/>
-              <a:cs typeface="Segoe UI Light" panose="020B0502040204020203" pitchFamily="34" charset="0"/>
-            </a:endParaRPr>
           </a:p>
         </p:txBody>
       </p:sp>
@@ -4156,7 +9097,7 @@
           <a:p>
             <a:pPr algn="ctr"/>
             <a:r>
-              <a:rPr lang="en-US" sz="1400" dirty="0" smtClean="0">
+              <a:rPr lang="en-US" sz="1400" dirty="0">
                 <a:solidFill>
                   <a:srgbClr val="FF0000"/>
                 </a:solidFill>
@@ -4165,13 +9106,6 @@
               </a:rPr>
               <a:t>REGISTERS</a:t>
             </a:r>
-            <a:endParaRPr lang="en-US" sz="1400" dirty="0">
-              <a:solidFill>
-                <a:srgbClr val="FF0000"/>
-              </a:solidFill>
-              <a:latin typeface="Segoe UI Light" panose="020B0502040204020203" pitchFamily="34" charset="0"/>
-              <a:cs typeface="Segoe UI Light" panose="020B0502040204020203" pitchFamily="34" charset="0"/>
-            </a:endParaRPr>
           </a:p>
         </p:txBody>
       </p:sp>
@@ -4199,7 +9133,7 @@
           <a:p>
             <a:pPr algn="ctr"/>
             <a:r>
-              <a:rPr lang="en-US" sz="1400" dirty="0" smtClean="0">
+              <a:rPr lang="en-US" sz="1400" dirty="0">
                 <a:solidFill>
                   <a:srgbClr val="FF0000"/>
                 </a:solidFill>
@@ -4208,13 +9142,6 @@
               </a:rPr>
               <a:t>TRIGGERS</a:t>
             </a:r>
-            <a:endParaRPr lang="en-US" sz="1400" dirty="0">
-              <a:solidFill>
-                <a:srgbClr val="FF0000"/>
-              </a:solidFill>
-              <a:latin typeface="Segoe UI Light" panose="020B0502040204020203" pitchFamily="34" charset="0"/>
-              <a:cs typeface="Segoe UI Light" panose="020B0502040204020203" pitchFamily="34" charset="0"/>
-            </a:endParaRPr>
           </a:p>
         </p:txBody>
       </p:sp>
@@ -4242,7 +9169,7 @@
           <a:p>
             <a:pPr algn="ctr"/>
             <a:r>
-              <a:rPr lang="en-US" sz="1400" dirty="0" smtClean="0">
+              <a:rPr lang="en-US" sz="1400" dirty="0">
                 <a:solidFill>
                   <a:srgbClr val="FF0000"/>
                 </a:solidFill>
@@ -4251,13 +9178,6 @@
               </a:rPr>
               <a:t>CALLBACK URLs</a:t>
             </a:r>
-            <a:endParaRPr lang="en-US" sz="1400" dirty="0">
-              <a:solidFill>
-                <a:srgbClr val="FF0000"/>
-              </a:solidFill>
-              <a:latin typeface="Segoe UI Light" panose="020B0502040204020203" pitchFamily="34" charset="0"/>
-              <a:cs typeface="Segoe UI Light" panose="020B0502040204020203" pitchFamily="34" charset="0"/>
-            </a:endParaRPr>
           </a:p>
         </p:txBody>
       </p:sp>
@@ -4457,7 +9377,7 @@
           <a:p>
             <a:pPr algn="ctr"/>
             <a:r>
-              <a:rPr lang="en-US" sz="1400" dirty="0" smtClean="0">
+              <a:rPr lang="en-US" sz="1400" dirty="0">
                 <a:latin typeface="Segoe UI Light" panose="020B0502040204020203" pitchFamily="34" charset="0"/>
                 <a:cs typeface="Segoe UI Light" panose="020B0502040204020203" pitchFamily="34" charset="0"/>
               </a:rPr>
@@ -4467,16 +9387,12 @@
           <a:p>
             <a:pPr algn="ctr"/>
             <a:r>
-              <a:rPr lang="en-US" sz="1000" dirty="0" smtClean="0">
+              <a:rPr lang="en-US" sz="1000" dirty="0">
                 <a:latin typeface="Segoe UI Light" panose="020B0502040204020203" pitchFamily="34" charset="0"/>
                 <a:cs typeface="Segoe UI Light" panose="020B0502040204020203" pitchFamily="34" charset="0"/>
               </a:rPr>
               <a:t>Trigger Recipient</a:t>
             </a:r>
-            <a:endParaRPr lang="en-US" sz="1000" dirty="0">
-              <a:latin typeface="Segoe UI Light" panose="020B0502040204020203" pitchFamily="34" charset="0"/>
-              <a:cs typeface="Segoe UI Light" panose="020B0502040204020203" pitchFamily="34" charset="0"/>
-            </a:endParaRPr>
           </a:p>
         </p:txBody>
       </p:sp>
@@ -4520,7 +9436,7 @@
           <a:p>
             <a:pPr algn="ctr"/>
             <a:r>
-              <a:rPr lang="en-US" sz="1400" dirty="0" smtClean="0">
+              <a:rPr lang="en-US" sz="1400" dirty="0">
                 <a:latin typeface="Segoe UI Light" panose="020B0502040204020203" pitchFamily="34" charset="0"/>
                 <a:cs typeface="Segoe UI Light" panose="020B0502040204020203" pitchFamily="34" charset="0"/>
               </a:rPr>
@@ -4530,23 +9446,19 @@
           <a:p>
             <a:pPr algn="ctr"/>
             <a:r>
-              <a:rPr lang="en-US" sz="1400" dirty="0" smtClean="0">
+              <a:rPr lang="en-US" sz="1400" dirty="0">
                 <a:latin typeface="Segoe UI Light" panose="020B0502040204020203" pitchFamily="34" charset="0"/>
                 <a:cs typeface="Segoe UI Light" panose="020B0502040204020203" pitchFamily="34" charset="0"/>
               </a:rPr>
               <a:t> </a:t>
             </a:r>
             <a:r>
-              <a:rPr lang="en-US" sz="1000" dirty="0" smtClean="0">
+              <a:rPr lang="en-US" sz="1000" dirty="0">
                 <a:latin typeface="Segoe UI Light" panose="020B0502040204020203" pitchFamily="34" charset="0"/>
                 <a:cs typeface="Segoe UI Light" panose="020B0502040204020203" pitchFamily="34" charset="0"/>
               </a:rPr>
               <a:t>Trigger Manager</a:t>
             </a:r>
-            <a:endParaRPr lang="en-US" sz="1000" dirty="0">
-              <a:latin typeface="Segoe UI Light" panose="020B0502040204020203" pitchFamily="34" charset="0"/>
-              <a:cs typeface="Segoe UI Light" panose="020B0502040204020203" pitchFamily="34" charset="0"/>
-            </a:endParaRPr>
           </a:p>
         </p:txBody>
       </p:sp>
@@ -4590,7 +9502,7 @@
           <a:p>
             <a:pPr algn="ctr"/>
             <a:r>
-              <a:rPr lang="en-US" sz="1400" dirty="0" smtClean="0">
+              <a:rPr lang="en-US" sz="1400" dirty="0">
                 <a:latin typeface="Segoe UI Light" panose="020B0502040204020203" pitchFamily="34" charset="0"/>
                 <a:cs typeface="Segoe UI Light" panose="020B0502040204020203" pitchFamily="34" charset="0"/>
               </a:rPr>
@@ -4600,16 +9512,12 @@
           <a:p>
             <a:pPr algn="ctr"/>
             <a:r>
-              <a:rPr lang="en-US" sz="1000" dirty="0" smtClean="0">
+              <a:rPr lang="en-US" sz="1000" dirty="0">
                 <a:latin typeface="Segoe UI Light" panose="020B0502040204020203" pitchFamily="34" charset="0"/>
                 <a:cs typeface="Segoe UI Light" panose="020B0502040204020203" pitchFamily="34" charset="0"/>
               </a:rPr>
               <a:t>Trigger Source</a:t>
             </a:r>
-            <a:endParaRPr lang="en-US" sz="1000" dirty="0">
-              <a:latin typeface="Segoe UI Light" panose="020B0502040204020203" pitchFamily="34" charset="0"/>
-              <a:cs typeface="Segoe UI Light" panose="020B0502040204020203" pitchFamily="34" charset="0"/>
-            </a:endParaRPr>
           </a:p>
         </p:txBody>
       </p:sp>
@@ -4783,16 +9691,12 @@
           <a:lstStyle/>
           <a:p>
             <a:r>
-              <a:rPr lang="en-US" sz="1400" dirty="0" smtClean="0">
+              <a:rPr lang="en-US" sz="1400" dirty="0">
                 <a:latin typeface="Segoe UI Light" panose="020B0502040204020203" pitchFamily="34" charset="0"/>
                 <a:cs typeface="Segoe UI Light" panose="020B0502040204020203" pitchFamily="34" charset="0"/>
               </a:rPr>
               <a:t>PUT Configuration</a:t>
             </a:r>
-            <a:endParaRPr lang="en-US" sz="1400" dirty="0">
-              <a:latin typeface="Segoe UI Light" panose="020B0502040204020203" pitchFamily="34" charset="0"/>
-              <a:cs typeface="Segoe UI Light" panose="020B0502040204020203" pitchFamily="34" charset="0"/>
-            </a:endParaRPr>
           </a:p>
         </p:txBody>
       </p:sp>
@@ -5031,16 +9935,12 @@
           <a:lstStyle/>
           <a:p>
             <a:r>
-              <a:rPr lang="en-US" sz="1400" dirty="0" smtClean="0">
+              <a:rPr lang="en-US" sz="1400" dirty="0">
                 <a:latin typeface="Segoe UI Light" panose="020B0502040204020203" pitchFamily="34" charset="0"/>
                 <a:cs typeface="Segoe UI Light" panose="020B0502040204020203" pitchFamily="34" charset="0"/>
               </a:rPr>
               <a:t>Reply</a:t>
             </a:r>
-            <a:endParaRPr lang="en-US" sz="1400" dirty="0">
-              <a:latin typeface="Segoe UI Light" panose="020B0502040204020203" pitchFamily="34" charset="0"/>
-              <a:cs typeface="Segoe UI Light" panose="020B0502040204020203" pitchFamily="34" charset="0"/>
-            </a:endParaRPr>
           </a:p>
         </p:txBody>
       </p:sp>
@@ -5190,16 +10090,12 @@
           <a:lstStyle/>
           <a:p>
             <a:r>
-              <a:rPr lang="en-US" sz="1400" dirty="0" smtClean="0">
+              <a:rPr lang="en-US" sz="1400" dirty="0">
                 <a:latin typeface="Segoe UI Light" panose="020B0502040204020203" pitchFamily="34" charset="0"/>
                 <a:cs typeface="Segoe UI Light" panose="020B0502040204020203" pitchFamily="34" charset="0"/>
               </a:rPr>
               <a:t>POST Configuration and Callback Info </a:t>
             </a:r>
-            <a:endParaRPr lang="en-US" sz="1400" dirty="0">
-              <a:latin typeface="Segoe UI Light" panose="020B0502040204020203" pitchFamily="34" charset="0"/>
-              <a:cs typeface="Segoe UI Light" panose="020B0502040204020203" pitchFamily="34" charset="0"/>
-            </a:endParaRPr>
           </a:p>
         </p:txBody>
       </p:sp>
@@ -5245,16 +10141,12 @@
           <a:p>
             <a:pPr algn="ctr"/>
             <a:r>
-              <a:rPr lang="en-US" sz="1400" dirty="0" smtClean="0">
+              <a:rPr lang="en-US" sz="1400" dirty="0">
                 <a:latin typeface="Segoe UI Light" panose="020B0502040204020203" pitchFamily="34" charset="0"/>
                 <a:cs typeface="Segoe UI Light" panose="020B0502040204020203" pitchFamily="34" charset="0"/>
               </a:rPr>
               <a:t>Registration Phase</a:t>
             </a:r>
-            <a:endParaRPr lang="en-US" sz="1400" dirty="0">
-              <a:latin typeface="Segoe UI Light" panose="020B0502040204020203" pitchFamily="34" charset="0"/>
-              <a:cs typeface="Segoe UI Light" panose="020B0502040204020203" pitchFamily="34" charset="0"/>
-            </a:endParaRPr>
           </a:p>
         </p:txBody>
       </p:sp>
@@ -5300,16 +10192,12 @@
           <a:p>
             <a:pPr algn="ctr"/>
             <a:r>
-              <a:rPr lang="en-US" sz="1400" dirty="0" smtClean="0">
+              <a:rPr lang="en-US" sz="1400" dirty="0">
                 <a:latin typeface="Segoe UI Light" panose="020B0502040204020203" pitchFamily="34" charset="0"/>
                 <a:cs typeface="Segoe UI Light" panose="020B0502040204020203" pitchFamily="34" charset="0"/>
               </a:rPr>
               <a:t>Callback Phase</a:t>
             </a:r>
-            <a:endParaRPr lang="en-US" sz="1400" dirty="0">
-              <a:latin typeface="Segoe UI Light" panose="020B0502040204020203" pitchFamily="34" charset="0"/>
-              <a:cs typeface="Segoe UI Light" panose="020B0502040204020203" pitchFamily="34" charset="0"/>
-            </a:endParaRPr>
           </a:p>
         </p:txBody>
       </p:sp>
@@ -5358,16 +10246,12 @@
           <a:p>
             <a:pPr algn="r"/>
             <a:r>
-              <a:rPr lang="en-US" sz="1400" dirty="0" smtClean="0">
+              <a:rPr lang="en-US" sz="1400" dirty="0">
                 <a:latin typeface="Segoe UI Semilight" panose="020B0402040204020203" pitchFamily="34" charset="0"/>
                 <a:cs typeface="Segoe UI Semilight" panose="020B0402040204020203" pitchFamily="34" charset="0"/>
               </a:rPr>
               <a:t>Editor Save</a:t>
             </a:r>
-            <a:endParaRPr lang="en-US" sz="1400" dirty="0">
-              <a:latin typeface="Segoe UI Semilight" panose="020B0402040204020203" pitchFamily="34" charset="0"/>
-              <a:cs typeface="Segoe UI Semilight" panose="020B0402040204020203" pitchFamily="34" charset="0"/>
-            </a:endParaRPr>
           </a:p>
         </p:txBody>
       </p:sp>
@@ -5581,16 +10465,12 @@
           <a:p>
             <a:pPr algn="r"/>
             <a:r>
-              <a:rPr lang="en-US" sz="1400" dirty="0" smtClean="0">
+              <a:rPr lang="en-US" sz="1400" dirty="0">
                 <a:latin typeface="Segoe UI Semilight" panose="020B0402040204020203" pitchFamily="34" charset="0"/>
                 <a:cs typeface="Segoe UI Semilight" panose="020B0402040204020203" pitchFamily="34" charset="0"/>
               </a:rPr>
               <a:t>Trigger Event</a:t>
             </a:r>
-            <a:endParaRPr lang="en-US" sz="1400" dirty="0">
-              <a:latin typeface="Segoe UI Semilight" panose="020B0402040204020203" pitchFamily="34" charset="0"/>
-              <a:cs typeface="Segoe UI Semilight" panose="020B0402040204020203" pitchFamily="34" charset="0"/>
-            </a:endParaRPr>
           </a:p>
         </p:txBody>
       </p:sp>
@@ -5669,16 +10549,12 @@
           <a:lstStyle/>
           <a:p>
             <a:r>
-              <a:rPr lang="en-US" sz="1400" dirty="0" smtClean="0">
+              <a:rPr lang="en-US" sz="1400" dirty="0">
                 <a:latin typeface="Segoe UI Light" panose="020B0502040204020203" pitchFamily="34" charset="0"/>
                 <a:cs typeface="Segoe UI Light" panose="020B0502040204020203" pitchFamily="34" charset="0"/>
               </a:rPr>
               <a:t>POST Trigger Body using the callback URL</a:t>
             </a:r>
-            <a:endParaRPr lang="en-US" sz="1400" dirty="0">
-              <a:latin typeface="Segoe UI Light" panose="020B0502040204020203" pitchFamily="34" charset="0"/>
-              <a:cs typeface="Segoe UI Light" panose="020B0502040204020203" pitchFamily="34" charset="0"/>
-            </a:endParaRPr>
           </a:p>
         </p:txBody>
       </p:sp>
@@ -6805,10 +11681,9 @@
           <a:p>
             <a:pPr algn="ctr"/>
             <a:r>
-              <a:rPr lang="en-US" dirty="0" smtClean="0"/>
+              <a:rPr lang="en-US" dirty="0"/>
               <a:t>GLOBAL</a:t>
             </a:r>
-            <a:endParaRPr lang="en-US" dirty="0"/>
           </a:p>
         </p:txBody>
       </p:sp>
@@ -6849,10 +11724,9 @@
           <a:p>
             <a:pPr algn="ctr"/>
             <a:r>
-              <a:rPr lang="en-US" dirty="0" smtClean="0"/>
+              <a:rPr lang="en-US" dirty="0"/>
               <a:t>REGIONS</a:t>
             </a:r>
-            <a:endParaRPr lang="en-US" dirty="0"/>
           </a:p>
         </p:txBody>
       </p:sp>
@@ -6893,10 +11767,9 @@
           <a:p>
             <a:pPr algn="ctr"/>
             <a:r>
-              <a:rPr lang="en-US" dirty="0" smtClean="0"/>
+              <a:rPr lang="en-US" dirty="0"/>
               <a:t>COUNTRIES</a:t>
             </a:r>
-            <a:endParaRPr lang="en-US" dirty="0"/>
           </a:p>
         </p:txBody>
       </p:sp>
@@ -6973,10 +11846,9 @@
           <a:p>
             <a:pPr algn="ctr"/>
             <a:r>
-              <a:rPr lang="en-US" dirty="0" smtClean="0"/>
+              <a:rPr lang="en-US" dirty="0"/>
               <a:t>CALL CENTERS</a:t>
             </a:r>
-            <a:endParaRPr lang="en-US" dirty="0"/>
           </a:p>
         </p:txBody>
       </p:sp>
@@ -7017,10 +11889,9 @@
           <a:p>
             <a:pPr algn="ctr"/>
             <a:r>
-              <a:rPr lang="en-US" dirty="0" smtClean="0"/>
+              <a:rPr lang="en-US" dirty="0"/>
               <a:t>REVENUE UNITS</a:t>
             </a:r>
-            <a:endParaRPr lang="en-US" dirty="0"/>
           </a:p>
         </p:txBody>
       </p:sp>
@@ -7303,10 +12174,9 @@
           <a:p>
             <a:pPr algn="ctr"/>
             <a:r>
-              <a:rPr lang="en-US" sz="1050" dirty="0" smtClean="0"/>
+              <a:rPr lang="en-US" sz="1050" dirty="0"/>
               <a:t>children</a:t>
             </a:r>
-            <a:endParaRPr lang="en-US" sz="1050" dirty="0"/>
           </a:p>
         </p:txBody>
       </p:sp>
@@ -7334,10 +12204,9 @@
           <a:p>
             <a:pPr algn="ctr"/>
             <a:r>
-              <a:rPr lang="en-US" sz="1050" dirty="0" smtClean="0"/>
+              <a:rPr lang="en-US" sz="1050" dirty="0"/>
               <a:t>children</a:t>
             </a:r>
-            <a:endParaRPr lang="en-US" sz="1050" dirty="0"/>
           </a:p>
         </p:txBody>
       </p:sp>
@@ -7365,10 +12234,9 @@
           <a:p>
             <a:pPr algn="ctr"/>
             <a:r>
-              <a:rPr lang="en-US" sz="1050" dirty="0" smtClean="0"/>
+              <a:rPr lang="en-US" sz="1050" dirty="0"/>
               <a:t>children</a:t>
             </a:r>
-            <a:endParaRPr lang="en-US" sz="1050" dirty="0"/>
           </a:p>
         </p:txBody>
       </p:sp>
@@ -7396,10 +12264,9 @@
           <a:p>
             <a:pPr algn="ctr"/>
             <a:r>
-              <a:rPr lang="en-US" sz="1050" dirty="0" smtClean="0"/>
+              <a:rPr lang="en-US" sz="1050" dirty="0"/>
               <a:t>children</a:t>
             </a:r>
-            <a:endParaRPr lang="en-US" sz="1050" dirty="0"/>
           </a:p>
         </p:txBody>
       </p:sp>
@@ -7427,10 +12294,9 @@
           <a:p>
             <a:pPr algn="ctr"/>
             <a:r>
-              <a:rPr lang="en-US" sz="1050" dirty="0" smtClean="0"/>
+              <a:rPr lang="en-US" sz="1050" dirty="0"/>
               <a:t>parent</a:t>
             </a:r>
-            <a:endParaRPr lang="en-US" sz="1050" dirty="0"/>
           </a:p>
         </p:txBody>
       </p:sp>
@@ -7458,10 +12324,9 @@
           <a:p>
             <a:pPr algn="ctr"/>
             <a:r>
-              <a:rPr lang="en-US" sz="1050" dirty="0" smtClean="0"/>
+              <a:rPr lang="en-US" sz="1050" dirty="0"/>
               <a:t>parent</a:t>
             </a:r>
-            <a:endParaRPr lang="en-US" sz="1050" dirty="0"/>
           </a:p>
         </p:txBody>
       </p:sp>
@@ -7489,10 +12354,9 @@
           <a:p>
             <a:pPr algn="ctr"/>
             <a:r>
-              <a:rPr lang="en-US" sz="1050" dirty="0" smtClean="0"/>
+              <a:rPr lang="en-US" sz="1050" dirty="0"/>
               <a:t>parent</a:t>
             </a:r>
-            <a:endParaRPr lang="en-US" sz="1050" dirty="0"/>
           </a:p>
         </p:txBody>
       </p:sp>
@@ -7520,10 +12384,9 @@
           <a:p>
             <a:pPr algn="ctr"/>
             <a:r>
-              <a:rPr lang="en-US" sz="1050" dirty="0" smtClean="0"/>
+              <a:rPr lang="en-US" sz="1050" dirty="0"/>
               <a:t>parent</a:t>
             </a:r>
-            <a:endParaRPr lang="en-US" sz="1050" dirty="0"/>
           </a:p>
         </p:txBody>
       </p:sp>
@@ -7594,10 +12457,9 @@
           <a:p>
             <a:pPr algn="ctr"/>
             <a:r>
-              <a:rPr lang="en-US" dirty="0" smtClean="0"/>
+              <a:rPr lang="en-US" dirty="0"/>
               <a:t>GLOBAL</a:t>
             </a:r>
-            <a:endParaRPr lang="en-US" dirty="0"/>
           </a:p>
         </p:txBody>
       </p:sp>
@@ -7638,10 +12500,9 @@
           <a:p>
             <a:pPr algn="ctr"/>
             <a:r>
-              <a:rPr lang="en-US" dirty="0" smtClean="0"/>
+              <a:rPr lang="en-US" dirty="0"/>
               <a:t>WEEK: 3/2016</a:t>
             </a:r>
-            <a:endParaRPr lang="en-US" dirty="0"/>
           </a:p>
         </p:txBody>
       </p:sp>
@@ -7687,10 +12548,9 @@
           <a:p>
             <a:pPr algn="ctr"/>
             <a:r>
-              <a:rPr lang="en-US" dirty="0" smtClean="0"/>
+              <a:rPr lang="en-US" dirty="0"/>
               <a:t>WTD</a:t>
             </a:r>
-            <a:endParaRPr lang="en-US" dirty="0"/>
           </a:p>
         </p:txBody>
       </p:sp>
@@ -7736,10 +12596,9 @@
           <a:p>
             <a:pPr algn="ctr"/>
             <a:r>
-              <a:rPr lang="en-US" dirty="0" smtClean="0"/>
+              <a:rPr lang="en-US" dirty="0"/>
               <a:t>NS</a:t>
             </a:r>
-            <a:endParaRPr lang="en-US" dirty="0"/>
           </a:p>
         </p:txBody>
       </p:sp>
@@ -7785,10 +12644,9 @@
           <a:p>
             <a:pPr algn="ctr"/>
             <a:r>
-              <a:rPr lang="en-US" dirty="0" smtClean="0"/>
+              <a:rPr lang="en-US" dirty="0"/>
               <a:t>NR</a:t>
             </a:r>
-            <a:endParaRPr lang="en-US" dirty="0"/>
           </a:p>
         </p:txBody>
       </p:sp>
@@ -7834,10 +12692,9 @@
           <a:p>
             <a:pPr algn="ctr"/>
             <a:r>
-              <a:rPr lang="en-US" dirty="0" smtClean="0"/>
+              <a:rPr lang="en-US" dirty="0"/>
               <a:t>QTD</a:t>
             </a:r>
-            <a:endParaRPr lang="en-US" dirty="0"/>
           </a:p>
         </p:txBody>
       </p:sp>
@@ -7883,10 +12740,9 @@
           <a:p>
             <a:pPr algn="ctr"/>
             <a:r>
-              <a:rPr lang="en-US" dirty="0" smtClean="0"/>
+              <a:rPr lang="en-US" dirty="0"/>
               <a:t>NS</a:t>
             </a:r>
-            <a:endParaRPr lang="en-US" dirty="0"/>
           </a:p>
         </p:txBody>
       </p:sp>
@@ -7932,10 +12788,9 @@
           <a:p>
             <a:pPr algn="ctr"/>
             <a:r>
-              <a:rPr lang="en-US" dirty="0" smtClean="0"/>
+              <a:rPr lang="en-US" dirty="0"/>
               <a:t>NR</a:t>
             </a:r>
-            <a:endParaRPr lang="en-US" dirty="0"/>
           </a:p>
         </p:txBody>
       </p:sp>
@@ -7981,10 +12836,9 @@
           <a:p>
             <a:pPr algn="ctr"/>
             <a:r>
-              <a:rPr lang="en-US" dirty="0" smtClean="0"/>
+              <a:rPr lang="en-US" dirty="0"/>
               <a:t>YTD</a:t>
             </a:r>
-            <a:endParaRPr lang="en-US" dirty="0"/>
           </a:p>
         </p:txBody>
       </p:sp>
@@ -8030,10 +12884,9 @@
           <a:p>
             <a:pPr algn="ctr"/>
             <a:r>
-              <a:rPr lang="en-US" dirty="0" smtClean="0"/>
+              <a:rPr lang="en-US" dirty="0"/>
               <a:t>NS</a:t>
             </a:r>
-            <a:endParaRPr lang="en-US" dirty="0"/>
           </a:p>
         </p:txBody>
       </p:sp>
@@ -8079,10 +12932,9 @@
           <a:p>
             <a:pPr algn="ctr"/>
             <a:r>
-              <a:rPr lang="en-US" dirty="0" smtClean="0"/>
+              <a:rPr lang="en-US" dirty="0"/>
               <a:t>NR</a:t>
             </a:r>
-            <a:endParaRPr lang="en-US" dirty="0"/>
           </a:p>
         </p:txBody>
       </p:sp>
@@ -8123,10 +12975,9 @@
           <a:p>
             <a:pPr algn="ctr"/>
             <a:r>
-              <a:rPr lang="en-US" dirty="0" smtClean="0"/>
+              <a:rPr lang="en-US" dirty="0"/>
               <a:t>REGION 1</a:t>
             </a:r>
-            <a:endParaRPr lang="en-US" dirty="0"/>
           </a:p>
         </p:txBody>
       </p:sp>
@@ -8167,10 +13018,9 @@
           <a:p>
             <a:pPr algn="ctr"/>
             <a:r>
-              <a:rPr lang="en-US" dirty="0" smtClean="0"/>
+              <a:rPr lang="en-US" dirty="0"/>
               <a:t>REGION 2</a:t>
             </a:r>
-            <a:endParaRPr lang="en-US" dirty="0"/>
           </a:p>
         </p:txBody>
       </p:sp>
@@ -8211,10 +13061,9 @@
           <a:p>
             <a:pPr algn="ctr"/>
             <a:r>
-              <a:rPr lang="en-US" dirty="0" smtClean="0"/>
+              <a:rPr lang="en-US" dirty="0"/>
               <a:t>REGION 3</a:t>
             </a:r>
-            <a:endParaRPr lang="en-US" dirty="0"/>
           </a:p>
         </p:txBody>
       </p:sp>
@@ -8255,10 +13104,9 @@
           <a:p>
             <a:pPr algn="ctr"/>
             <a:r>
-              <a:rPr lang="en-US" dirty="0" smtClean="0"/>
+              <a:rPr lang="en-US" dirty="0"/>
               <a:t>REGION 4</a:t>
             </a:r>
-            <a:endParaRPr lang="en-US" dirty="0"/>
           </a:p>
         </p:txBody>
       </p:sp>
@@ -8298,10 +13146,9 @@
           <a:p>
             <a:pPr algn="ctr"/>
             <a:r>
-              <a:rPr lang="en-US" dirty="0" smtClean="0"/>
+              <a:rPr lang="en-US" dirty="0"/>
               <a:t>100</a:t>
             </a:r>
-            <a:endParaRPr lang="en-US" dirty="0"/>
           </a:p>
         </p:txBody>
       </p:sp>
@@ -8341,10 +13188,9 @@
           <a:p>
             <a:pPr algn="ctr"/>
             <a:r>
-              <a:rPr lang="en-US" dirty="0" smtClean="0"/>
+              <a:rPr lang="en-US" dirty="0"/>
               <a:t>100,000</a:t>
             </a:r>
-            <a:endParaRPr lang="en-US" dirty="0"/>
           </a:p>
         </p:txBody>
       </p:sp>
@@ -8384,10 +13230,9 @@
           <a:p>
             <a:pPr algn="ctr"/>
             <a:r>
-              <a:rPr lang="en-US" dirty="0" smtClean="0"/>
+              <a:rPr lang="en-US" dirty="0"/>
               <a:t>200</a:t>
             </a:r>
-            <a:endParaRPr lang="en-US" dirty="0"/>
           </a:p>
         </p:txBody>
       </p:sp>
@@ -8427,10 +13272,9 @@
           <a:p>
             <a:pPr algn="ctr"/>
             <a:r>
-              <a:rPr lang="en-US" dirty="0" smtClean="0"/>
+              <a:rPr lang="en-US" dirty="0"/>
               <a:t>200,000</a:t>
             </a:r>
-            <a:endParaRPr lang="en-US" dirty="0"/>
           </a:p>
         </p:txBody>
       </p:sp>
@@ -8470,10 +13314,9 @@
           <a:p>
             <a:pPr algn="ctr"/>
             <a:r>
-              <a:rPr lang="en-US" dirty="0" smtClean="0"/>
+              <a:rPr lang="en-US" dirty="0"/>
               <a:t>300</a:t>
             </a:r>
-            <a:endParaRPr lang="en-US" dirty="0"/>
           </a:p>
         </p:txBody>
       </p:sp>
@@ -8513,10 +13356,9 @@
           <a:p>
             <a:pPr algn="ctr"/>
             <a:r>
-              <a:rPr lang="en-US" dirty="0" smtClean="0"/>
+              <a:rPr lang="en-US" dirty="0"/>
               <a:t>300,000</a:t>
             </a:r>
-            <a:endParaRPr lang="en-US" dirty="0"/>
           </a:p>
         </p:txBody>
       </p:sp>
@@ -8556,10 +13398,9 @@
           <a:p>
             <a:pPr algn="ctr"/>
             <a:r>
-              <a:rPr lang="en-US" dirty="0" smtClean="0"/>
+              <a:rPr lang="en-US" dirty="0"/>
               <a:t>20</a:t>
             </a:r>
-            <a:endParaRPr lang="en-US" dirty="0"/>
           </a:p>
         </p:txBody>
       </p:sp>
@@ -8599,10 +13440,9 @@
           <a:p>
             <a:pPr algn="ctr"/>
             <a:r>
-              <a:rPr lang="en-US" dirty="0" smtClean="0"/>
+              <a:rPr lang="en-US" dirty="0"/>
               <a:t>20,000</a:t>
             </a:r>
-            <a:endParaRPr lang="en-US" dirty="0"/>
           </a:p>
         </p:txBody>
       </p:sp>
@@ -8642,10 +13482,9 @@
           <a:p>
             <a:pPr algn="ctr"/>
             <a:r>
-              <a:rPr lang="en-US" dirty="0" smtClean="0"/>
+              <a:rPr lang="en-US" dirty="0"/>
               <a:t>40</a:t>
             </a:r>
-            <a:endParaRPr lang="en-US" dirty="0"/>
           </a:p>
         </p:txBody>
       </p:sp>
@@ -8685,10 +13524,9 @@
           <a:p>
             <a:pPr algn="ctr"/>
             <a:r>
-              <a:rPr lang="en-US" dirty="0" smtClean="0"/>
+              <a:rPr lang="en-US" dirty="0"/>
               <a:t>40,000</a:t>
             </a:r>
-            <a:endParaRPr lang="en-US" dirty="0"/>
           </a:p>
         </p:txBody>
       </p:sp>
@@ -8728,10 +13566,9 @@
           <a:p>
             <a:pPr algn="ctr"/>
             <a:r>
-              <a:rPr lang="en-US" dirty="0" smtClean="0"/>
+              <a:rPr lang="en-US" dirty="0"/>
               <a:t>60</a:t>
             </a:r>
-            <a:endParaRPr lang="en-US" dirty="0"/>
           </a:p>
         </p:txBody>
       </p:sp>
@@ -8771,10 +13608,9 @@
           <a:p>
             <a:pPr algn="ctr"/>
             <a:r>
-              <a:rPr lang="en-US" dirty="0" smtClean="0"/>
+              <a:rPr lang="en-US" dirty="0"/>
               <a:t>60,000</a:t>
             </a:r>
-            <a:endParaRPr lang="en-US" dirty="0"/>
           </a:p>
         </p:txBody>
       </p:sp>
@@ -8814,10 +13650,9 @@
           <a:p>
             <a:pPr algn="ctr"/>
             <a:r>
-              <a:rPr lang="en-US" dirty="0" smtClean="0"/>
+              <a:rPr lang="en-US" dirty="0"/>
               <a:t>30</a:t>
             </a:r>
-            <a:endParaRPr lang="en-US" dirty="0"/>
           </a:p>
         </p:txBody>
       </p:sp>
@@ -8857,10 +13692,9 @@
           <a:p>
             <a:pPr algn="ctr"/>
             <a:r>
-              <a:rPr lang="en-US" dirty="0" smtClean="0"/>
+              <a:rPr lang="en-US" dirty="0"/>
               <a:t>30,000</a:t>
             </a:r>
-            <a:endParaRPr lang="en-US" dirty="0"/>
           </a:p>
         </p:txBody>
       </p:sp>
@@ -8900,10 +13734,9 @@
           <a:p>
             <a:pPr algn="ctr"/>
             <a:r>
-              <a:rPr lang="en-US" dirty="0" smtClean="0"/>
+              <a:rPr lang="en-US" dirty="0"/>
               <a:t>60</a:t>
             </a:r>
-            <a:endParaRPr lang="en-US" dirty="0"/>
           </a:p>
         </p:txBody>
       </p:sp>
@@ -8943,10 +13776,9 @@
           <a:p>
             <a:pPr algn="ctr"/>
             <a:r>
-              <a:rPr lang="en-US" dirty="0" smtClean="0"/>
+              <a:rPr lang="en-US" dirty="0"/>
               <a:t>60,000</a:t>
             </a:r>
-            <a:endParaRPr lang="en-US" dirty="0"/>
           </a:p>
         </p:txBody>
       </p:sp>
@@ -8986,10 +13818,9 @@
           <a:p>
             <a:pPr algn="ctr"/>
             <a:r>
-              <a:rPr lang="en-US" dirty="0" smtClean="0"/>
+              <a:rPr lang="en-US" dirty="0"/>
               <a:t>90</a:t>
             </a:r>
-            <a:endParaRPr lang="en-US" dirty="0"/>
           </a:p>
         </p:txBody>
       </p:sp>
@@ -9029,10 +13860,9 @@
           <a:p>
             <a:pPr algn="ctr"/>
             <a:r>
-              <a:rPr lang="en-US" dirty="0" smtClean="0"/>
+              <a:rPr lang="en-US" dirty="0"/>
               <a:t>90,000</a:t>
             </a:r>
-            <a:endParaRPr lang="en-US" dirty="0"/>
           </a:p>
         </p:txBody>
       </p:sp>
@@ -9072,10 +13902,9 @@
           <a:p>
             <a:pPr algn="ctr"/>
             <a:r>
-              <a:rPr lang="en-US" dirty="0" smtClean="0"/>
+              <a:rPr lang="en-US" dirty="0"/>
               <a:t>10</a:t>
             </a:r>
-            <a:endParaRPr lang="en-US" dirty="0"/>
           </a:p>
         </p:txBody>
       </p:sp>
@@ -9115,10 +13944,9 @@
           <a:p>
             <a:pPr algn="ctr"/>
             <a:r>
-              <a:rPr lang="en-US" dirty="0" smtClean="0"/>
+              <a:rPr lang="en-US" dirty="0"/>
               <a:t>10,000</a:t>
             </a:r>
-            <a:endParaRPr lang="en-US" dirty="0"/>
           </a:p>
         </p:txBody>
       </p:sp>
@@ -9158,10 +13986,9 @@
           <a:p>
             <a:pPr algn="ctr"/>
             <a:r>
-              <a:rPr lang="en-US" dirty="0" smtClean="0"/>
+              <a:rPr lang="en-US" dirty="0"/>
               <a:t>20</a:t>
             </a:r>
-            <a:endParaRPr lang="en-US" dirty="0"/>
           </a:p>
         </p:txBody>
       </p:sp>
@@ -9201,10 +14028,9 @@
           <a:p>
             <a:pPr algn="ctr"/>
             <a:r>
-              <a:rPr lang="en-US" dirty="0" smtClean="0"/>
+              <a:rPr lang="en-US" dirty="0"/>
               <a:t>20,000</a:t>
             </a:r>
-            <a:endParaRPr lang="en-US" dirty="0"/>
           </a:p>
         </p:txBody>
       </p:sp>
@@ -9244,10 +14070,9 @@
           <a:p>
             <a:pPr algn="ctr"/>
             <a:r>
-              <a:rPr lang="en-US" dirty="0" smtClean="0"/>
+              <a:rPr lang="en-US" dirty="0"/>
               <a:t>30</a:t>
             </a:r>
-            <a:endParaRPr lang="en-US" dirty="0"/>
           </a:p>
         </p:txBody>
       </p:sp>
@@ -9287,10 +14112,9 @@
           <a:p>
             <a:pPr algn="ctr"/>
             <a:r>
-              <a:rPr lang="en-US" dirty="0" smtClean="0"/>
+              <a:rPr lang="en-US" dirty="0"/>
               <a:t>30,000</a:t>
             </a:r>
-            <a:endParaRPr lang="en-US" dirty="0"/>
           </a:p>
         </p:txBody>
       </p:sp>
@@ -9330,10 +14154,9 @@
           <a:p>
             <a:pPr algn="ctr"/>
             <a:r>
-              <a:rPr lang="en-US" dirty="0" smtClean="0"/>
+              <a:rPr lang="en-US" dirty="0"/>
               <a:t>40</a:t>
             </a:r>
-            <a:endParaRPr lang="en-US" dirty="0"/>
           </a:p>
         </p:txBody>
       </p:sp>
@@ -9373,10 +14196,9 @@
           <a:p>
             <a:pPr algn="ctr"/>
             <a:r>
-              <a:rPr lang="en-US" dirty="0" smtClean="0"/>
+              <a:rPr lang="en-US" dirty="0"/>
               <a:t>40,000</a:t>
             </a:r>
-            <a:endParaRPr lang="en-US" dirty="0"/>
           </a:p>
         </p:txBody>
       </p:sp>
@@ -9416,10 +14238,9 @@
           <a:p>
             <a:pPr algn="ctr"/>
             <a:r>
-              <a:rPr lang="en-US" dirty="0" smtClean="0"/>
+              <a:rPr lang="en-US" dirty="0"/>
               <a:t>80</a:t>
             </a:r>
-            <a:endParaRPr lang="en-US" dirty="0"/>
           </a:p>
         </p:txBody>
       </p:sp>
@@ -9459,10 +14280,9 @@
           <a:p>
             <a:pPr algn="ctr"/>
             <a:r>
-              <a:rPr lang="en-US" dirty="0" smtClean="0"/>
+              <a:rPr lang="en-US" dirty="0"/>
               <a:t>80,000</a:t>
             </a:r>
-            <a:endParaRPr lang="en-US" dirty="0"/>
           </a:p>
         </p:txBody>
       </p:sp>
@@ -9502,10 +14322,9 @@
           <a:p>
             <a:pPr algn="ctr"/>
             <a:r>
-              <a:rPr lang="en-US" dirty="0" smtClean="0"/>
+              <a:rPr lang="en-US" dirty="0"/>
               <a:t>120</a:t>
             </a:r>
-            <a:endParaRPr lang="en-US" dirty="0"/>
           </a:p>
         </p:txBody>
       </p:sp>
@@ -9545,10 +14364,9 @@
           <a:p>
             <a:pPr algn="ctr"/>
             <a:r>
-              <a:rPr lang="en-US" dirty="0" smtClean="0"/>
+              <a:rPr lang="en-US" dirty="0"/>
               <a:t>120,000</a:t>
             </a:r>
-            <a:endParaRPr lang="en-US" dirty="0"/>
           </a:p>
         </p:txBody>
       </p:sp>
@@ -9619,10 +14437,9 @@
           <a:p>
             <a:pPr algn="ctr"/>
             <a:r>
-              <a:rPr lang="en-US" dirty="0" smtClean="0"/>
+              <a:rPr lang="en-US" dirty="0"/>
               <a:t>CALL CENTER 1</a:t>
             </a:r>
-            <a:endParaRPr lang="en-US" dirty="0"/>
           </a:p>
         </p:txBody>
       </p:sp>
@@ -9663,10 +14480,9 @@
           <a:p>
             <a:pPr algn="ctr"/>
             <a:r>
-              <a:rPr lang="en-US" dirty="0" smtClean="0"/>
+              <a:rPr lang="en-US" dirty="0"/>
               <a:t>1/2016</a:t>
             </a:r>
-            <a:endParaRPr lang="en-US" dirty="0"/>
           </a:p>
         </p:txBody>
       </p:sp>
@@ -9708,13 +14524,8 @@
             <a:pPr algn="ctr"/>
             <a:r>
               <a:rPr lang="en-US" dirty="0"/>
-              <a:t>2</a:t>
-            </a:r>
-            <a:r>
-              <a:rPr lang="en-US" dirty="0" smtClean="0"/>
-              <a:t>/2016</a:t>
-            </a:r>
-            <a:endParaRPr lang="en-US" dirty="0"/>
+              <a:t>2/2016</a:t>
+            </a:r>
           </a:p>
         </p:txBody>
       </p:sp>
@@ -9755,10 +14566,9 @@
           <a:p>
             <a:pPr algn="ctr"/>
             <a:r>
-              <a:rPr lang="en-US" dirty="0" smtClean="0"/>
+              <a:rPr lang="en-US" dirty="0"/>
               <a:t>3/2016</a:t>
             </a:r>
-            <a:endParaRPr lang="en-US" dirty="0"/>
           </a:p>
         </p:txBody>
       </p:sp>
@@ -9799,10 +14609,9 @@
           <a:p>
             <a:pPr algn="ctr"/>
             <a:r>
-              <a:rPr lang="en-US" dirty="0" smtClean="0"/>
+              <a:rPr lang="en-US" dirty="0"/>
               <a:t>4/2016</a:t>
             </a:r>
-            <a:endParaRPr lang="en-US" dirty="0"/>
           </a:p>
         </p:txBody>
       </p:sp>
@@ -9843,10 +14652,9 @@
           <a:p>
             <a:pPr algn="ctr"/>
             <a:r>
-              <a:rPr lang="en-US" dirty="0" smtClean="0"/>
+              <a:rPr lang="en-US" dirty="0"/>
               <a:t>5/2016</a:t>
             </a:r>
-            <a:endParaRPr lang="en-US" dirty="0"/>
           </a:p>
         </p:txBody>
       </p:sp>
@@ -9887,10 +14695,9 @@
           <a:p>
             <a:pPr algn="ctr"/>
             <a:r>
-              <a:rPr lang="en-US" dirty="0" smtClean="0"/>
+              <a:rPr lang="en-US" dirty="0"/>
               <a:t>COUNTRY 1</a:t>
             </a:r>
-            <a:endParaRPr lang="en-US" dirty="0"/>
           </a:p>
         </p:txBody>
       </p:sp>
@@ -9931,10 +14738,9 @@
           <a:p>
             <a:pPr algn="ctr"/>
             <a:r>
-              <a:rPr lang="en-US" dirty="0" smtClean="0"/>
+              <a:rPr lang="en-US" dirty="0"/>
               <a:t>1/2016</a:t>
             </a:r>
-            <a:endParaRPr lang="en-US" dirty="0"/>
           </a:p>
         </p:txBody>
       </p:sp>
@@ -9976,13 +14782,8 @@
             <a:pPr algn="ctr"/>
             <a:r>
               <a:rPr lang="en-US" dirty="0"/>
-              <a:t>2</a:t>
-            </a:r>
-            <a:r>
-              <a:rPr lang="en-US" dirty="0" smtClean="0"/>
-              <a:t>/2016</a:t>
-            </a:r>
-            <a:endParaRPr lang="en-US" dirty="0"/>
+              <a:t>2/2016</a:t>
+            </a:r>
           </a:p>
         </p:txBody>
       </p:sp>
@@ -10023,10 +14824,9 @@
           <a:p>
             <a:pPr algn="ctr"/>
             <a:r>
-              <a:rPr lang="en-US" dirty="0" smtClean="0"/>
+              <a:rPr lang="en-US" dirty="0"/>
               <a:t>3/2016</a:t>
             </a:r>
-            <a:endParaRPr lang="en-US" dirty="0"/>
           </a:p>
         </p:txBody>
       </p:sp>
@@ -10067,10 +14867,9 @@
           <a:p>
             <a:pPr algn="ctr"/>
             <a:r>
-              <a:rPr lang="en-US" dirty="0" smtClean="0"/>
+              <a:rPr lang="en-US" dirty="0"/>
               <a:t>4/2016</a:t>
             </a:r>
-            <a:endParaRPr lang="en-US" dirty="0"/>
           </a:p>
         </p:txBody>
       </p:sp>
@@ -10111,10 +14910,9 @@
           <a:p>
             <a:pPr algn="ctr"/>
             <a:r>
-              <a:rPr lang="en-US" dirty="0" smtClean="0"/>
+              <a:rPr lang="en-US" dirty="0"/>
               <a:t>5/2016</a:t>
             </a:r>
-            <a:endParaRPr lang="en-US" dirty="0"/>
           </a:p>
         </p:txBody>
       </p:sp>
@@ -10155,10 +14953,9 @@
           <a:p>
             <a:pPr algn="ctr"/>
             <a:r>
-              <a:rPr lang="en-US" dirty="0" smtClean="0"/>
+              <a:rPr lang="en-US" dirty="0"/>
               <a:t>REGION 1</a:t>
             </a:r>
-            <a:endParaRPr lang="en-US" dirty="0"/>
           </a:p>
         </p:txBody>
       </p:sp>
@@ -10199,10 +14996,9 @@
           <a:p>
             <a:pPr algn="ctr"/>
             <a:r>
-              <a:rPr lang="en-US" dirty="0" smtClean="0"/>
+              <a:rPr lang="en-US" dirty="0"/>
               <a:t>1/2016</a:t>
             </a:r>
-            <a:endParaRPr lang="en-US" dirty="0"/>
           </a:p>
         </p:txBody>
       </p:sp>
@@ -10244,13 +15040,8 @@
             <a:pPr algn="ctr"/>
             <a:r>
               <a:rPr lang="en-US" dirty="0"/>
-              <a:t>2</a:t>
-            </a:r>
-            <a:r>
-              <a:rPr lang="en-US" dirty="0" smtClean="0"/>
-              <a:t>/2016</a:t>
-            </a:r>
-            <a:endParaRPr lang="en-US" dirty="0"/>
+              <a:t>2/2016</a:t>
+            </a:r>
           </a:p>
         </p:txBody>
       </p:sp>
@@ -10291,10 +15082,9 @@
           <a:p>
             <a:pPr algn="ctr"/>
             <a:r>
-              <a:rPr lang="en-US" dirty="0" smtClean="0"/>
+              <a:rPr lang="en-US" dirty="0"/>
               <a:t>3/2016</a:t>
             </a:r>
-            <a:endParaRPr lang="en-US" dirty="0"/>
           </a:p>
         </p:txBody>
       </p:sp>
@@ -10335,10 +15125,9 @@
           <a:p>
             <a:pPr algn="ctr"/>
             <a:r>
-              <a:rPr lang="en-US" dirty="0" smtClean="0"/>
+              <a:rPr lang="en-US" dirty="0"/>
               <a:t>4/2016</a:t>
             </a:r>
-            <a:endParaRPr lang="en-US" dirty="0"/>
           </a:p>
         </p:txBody>
       </p:sp>
@@ -10379,10 +15168,9 @@
           <a:p>
             <a:pPr algn="ctr"/>
             <a:r>
-              <a:rPr lang="en-US" dirty="0" smtClean="0"/>
+              <a:rPr lang="en-US" dirty="0"/>
               <a:t>5/2016</a:t>
             </a:r>
-            <a:endParaRPr lang="en-US" dirty="0"/>
           </a:p>
         </p:txBody>
       </p:sp>
@@ -10423,10 +15211,9 @@
           <a:p>
             <a:pPr algn="ctr"/>
             <a:r>
-              <a:rPr lang="en-US" dirty="0" smtClean="0"/>
+              <a:rPr lang="en-US" dirty="0"/>
               <a:t>REVENUE UNIT 1</a:t>
             </a:r>
-            <a:endParaRPr lang="en-US" dirty="0"/>
           </a:p>
         </p:txBody>
       </p:sp>
@@ -10467,10 +15254,9 @@
           <a:p>
             <a:pPr algn="ctr"/>
             <a:r>
-              <a:rPr lang="en-US" dirty="0" smtClean="0"/>
+              <a:rPr lang="en-US" dirty="0"/>
               <a:t>1/2016</a:t>
             </a:r>
-            <a:endParaRPr lang="en-US" dirty="0"/>
           </a:p>
         </p:txBody>
       </p:sp>
@@ -10512,13 +15298,8 @@
             <a:pPr algn="ctr"/>
             <a:r>
               <a:rPr lang="en-US" dirty="0"/>
-              <a:t>2</a:t>
-            </a:r>
-            <a:r>
-              <a:rPr lang="en-US" dirty="0" smtClean="0"/>
-              <a:t>/2016</a:t>
-            </a:r>
-            <a:endParaRPr lang="en-US" dirty="0"/>
+              <a:t>2/2016</a:t>
+            </a:r>
           </a:p>
         </p:txBody>
       </p:sp>
@@ -10559,10 +15340,9 @@
           <a:p>
             <a:pPr algn="ctr"/>
             <a:r>
-              <a:rPr lang="en-US" dirty="0" smtClean="0"/>
+              <a:rPr lang="en-US" dirty="0"/>
               <a:t>3/2016</a:t>
             </a:r>
-            <a:endParaRPr lang="en-US" dirty="0"/>
           </a:p>
         </p:txBody>
       </p:sp>
@@ -10603,10 +15383,9 @@
           <a:p>
             <a:pPr algn="ctr"/>
             <a:r>
-              <a:rPr lang="en-US" dirty="0" smtClean="0"/>
+              <a:rPr lang="en-US" dirty="0"/>
               <a:t>4/2016</a:t>
             </a:r>
-            <a:endParaRPr lang="en-US" dirty="0"/>
           </a:p>
         </p:txBody>
       </p:sp>
@@ -10647,10 +15426,9 @@
           <a:p>
             <a:pPr algn="ctr"/>
             <a:r>
-              <a:rPr lang="en-US" dirty="0" smtClean="0"/>
+              <a:rPr lang="en-US" dirty="0"/>
               <a:t>5/2016</a:t>
             </a:r>
-            <a:endParaRPr lang="en-US" dirty="0"/>
           </a:p>
         </p:txBody>
       </p:sp>
@@ -10691,10 +15469,9 @@
           <a:p>
             <a:pPr algn="ctr"/>
             <a:r>
-              <a:rPr lang="en-US" dirty="0" smtClean="0"/>
+              <a:rPr lang="en-US" dirty="0"/>
               <a:t>GLOBAL</a:t>
             </a:r>
-            <a:endParaRPr lang="en-US" dirty="0"/>
           </a:p>
         </p:txBody>
       </p:sp>
@@ -10735,10 +15512,9 @@
           <a:p>
             <a:pPr algn="ctr"/>
             <a:r>
-              <a:rPr lang="en-US" dirty="0" smtClean="0"/>
+              <a:rPr lang="en-US" dirty="0"/>
               <a:t>1/2016</a:t>
             </a:r>
-            <a:endParaRPr lang="en-US" dirty="0"/>
           </a:p>
         </p:txBody>
       </p:sp>
@@ -10780,13 +15556,8 @@
             <a:pPr algn="ctr"/>
             <a:r>
               <a:rPr lang="en-US" dirty="0"/>
-              <a:t>2</a:t>
-            </a:r>
-            <a:r>
-              <a:rPr lang="en-US" dirty="0" smtClean="0"/>
-              <a:t>/2016</a:t>
-            </a:r>
-            <a:endParaRPr lang="en-US" dirty="0"/>
+              <a:t>2/2016</a:t>
+            </a:r>
           </a:p>
         </p:txBody>
       </p:sp>
@@ -10827,10 +15598,9 @@
           <a:p>
             <a:pPr algn="ctr"/>
             <a:r>
-              <a:rPr lang="en-US" dirty="0" smtClean="0"/>
+              <a:rPr lang="en-US" dirty="0"/>
               <a:t>3/2016</a:t>
             </a:r>
-            <a:endParaRPr lang="en-US" dirty="0"/>
           </a:p>
         </p:txBody>
       </p:sp>
@@ -10871,10 +15641,9 @@
           <a:p>
             <a:pPr algn="ctr"/>
             <a:r>
-              <a:rPr lang="en-US" dirty="0" smtClean="0"/>
+              <a:rPr lang="en-US" dirty="0"/>
               <a:t>4/2016</a:t>
             </a:r>
-            <a:endParaRPr lang="en-US" dirty="0"/>
           </a:p>
         </p:txBody>
       </p:sp>
@@ -10915,10 +15684,9 @@
           <a:p>
             <a:pPr algn="ctr"/>
             <a:r>
-              <a:rPr lang="en-US" dirty="0" smtClean="0"/>
+              <a:rPr lang="en-US" dirty="0"/>
               <a:t>5/2016</a:t>
             </a:r>
-            <a:endParaRPr lang="en-US" dirty="0"/>
           </a:p>
         </p:txBody>
       </p:sp>
@@ -10984,10 +15752,9 @@
           <a:p>
             <a:pPr algn="ctr"/>
             <a:r>
-              <a:rPr lang="en-US" dirty="0" smtClean="0"/>
+              <a:rPr lang="en-US" dirty="0"/>
               <a:t>quarter &amp; year weeks </a:t>
             </a:r>
-            <a:endParaRPr lang="en-US" dirty="0"/>
           </a:p>
         </p:txBody>
       </p:sp>
@@ -11199,10 +15966,9 @@
           <a:p>
             <a:pPr algn="ctr"/>
             <a:r>
-              <a:rPr lang="en-US" dirty="0" smtClean="0"/>
+              <a:rPr lang="en-US" dirty="0"/>
               <a:t>RE-PROCESS</a:t>
             </a:r>
-            <a:endParaRPr lang="en-US" dirty="0"/>
           </a:p>
         </p:txBody>
       </p:sp>
@@ -11273,10 +16039,9 @@
           <a:p>
             <a:pPr algn="ctr"/>
             <a:r>
-              <a:rPr lang="en-US" dirty="0" smtClean="0"/>
+              <a:rPr lang="en-US" dirty="0"/>
               <a:t>CALL CENTER 1</a:t>
             </a:r>
-            <a:endParaRPr lang="en-US" dirty="0"/>
           </a:p>
         </p:txBody>
       </p:sp>
@@ -11317,10 +16082,9 @@
           <a:p>
             <a:pPr algn="ctr"/>
             <a:r>
-              <a:rPr lang="en-US" dirty="0" smtClean="0"/>
+              <a:rPr lang="en-US" dirty="0"/>
               <a:t>1/2016</a:t>
             </a:r>
-            <a:endParaRPr lang="en-US" dirty="0"/>
           </a:p>
         </p:txBody>
       </p:sp>
@@ -11362,13 +16126,8 @@
             <a:pPr algn="ctr"/>
             <a:r>
               <a:rPr lang="en-US" dirty="0"/>
-              <a:t>2</a:t>
-            </a:r>
-            <a:r>
-              <a:rPr lang="en-US" dirty="0" smtClean="0"/>
-              <a:t>/2016</a:t>
-            </a:r>
-            <a:endParaRPr lang="en-US" dirty="0"/>
+              <a:t>2/2016</a:t>
+            </a:r>
           </a:p>
         </p:txBody>
       </p:sp>
@@ -11409,10 +16168,9 @@
           <a:p>
             <a:pPr algn="ctr"/>
             <a:r>
-              <a:rPr lang="en-US" dirty="0" smtClean="0"/>
+              <a:rPr lang="en-US" dirty="0"/>
               <a:t>3/2016</a:t>
             </a:r>
-            <a:endParaRPr lang="en-US" dirty="0"/>
           </a:p>
         </p:txBody>
       </p:sp>
@@ -11453,10 +16211,9 @@
           <a:p>
             <a:pPr algn="ctr"/>
             <a:r>
-              <a:rPr lang="en-US" dirty="0" smtClean="0"/>
+              <a:rPr lang="en-US" dirty="0"/>
               <a:t>4/2016</a:t>
             </a:r>
-            <a:endParaRPr lang="en-US" dirty="0"/>
           </a:p>
         </p:txBody>
       </p:sp>
@@ -11497,10 +16254,9 @@
           <a:p>
             <a:pPr algn="ctr"/>
             <a:r>
-              <a:rPr lang="en-US" dirty="0" smtClean="0"/>
+              <a:rPr lang="en-US" dirty="0"/>
               <a:t>5/2016</a:t>
             </a:r>
-            <a:endParaRPr lang="en-US" dirty="0"/>
           </a:p>
         </p:txBody>
       </p:sp>
@@ -11541,10 +16297,9 @@
           <a:p>
             <a:pPr algn="ctr"/>
             <a:r>
-              <a:rPr lang="en-US" dirty="0" smtClean="0"/>
+              <a:rPr lang="en-US" dirty="0"/>
               <a:t>COUNTRY 1</a:t>
             </a:r>
-            <a:endParaRPr lang="en-US" dirty="0"/>
           </a:p>
         </p:txBody>
       </p:sp>
@@ -11585,10 +16340,9 @@
           <a:p>
             <a:pPr algn="ctr"/>
             <a:r>
-              <a:rPr lang="en-US" dirty="0" smtClean="0"/>
+              <a:rPr lang="en-US" dirty="0"/>
               <a:t>1/2016</a:t>
             </a:r>
-            <a:endParaRPr lang="en-US" dirty="0"/>
           </a:p>
         </p:txBody>
       </p:sp>
@@ -11630,13 +16384,8 @@
             <a:pPr algn="ctr"/>
             <a:r>
               <a:rPr lang="en-US" dirty="0"/>
-              <a:t>2</a:t>
-            </a:r>
-            <a:r>
-              <a:rPr lang="en-US" dirty="0" smtClean="0"/>
-              <a:t>/2016</a:t>
-            </a:r>
-            <a:endParaRPr lang="en-US" dirty="0"/>
+              <a:t>2/2016</a:t>
+            </a:r>
           </a:p>
         </p:txBody>
       </p:sp>
@@ -11677,10 +16426,9 @@
           <a:p>
             <a:pPr algn="ctr"/>
             <a:r>
-              <a:rPr lang="en-US" dirty="0" smtClean="0"/>
+              <a:rPr lang="en-US" dirty="0"/>
               <a:t>3/2016</a:t>
             </a:r>
-            <a:endParaRPr lang="en-US" dirty="0"/>
           </a:p>
         </p:txBody>
       </p:sp>
@@ -11721,10 +16469,9 @@
           <a:p>
             <a:pPr algn="ctr"/>
             <a:r>
-              <a:rPr lang="en-US" dirty="0" smtClean="0"/>
+              <a:rPr lang="en-US" dirty="0"/>
               <a:t>4/2016</a:t>
             </a:r>
-            <a:endParaRPr lang="en-US" dirty="0"/>
           </a:p>
         </p:txBody>
       </p:sp>
@@ -11765,10 +16512,9 @@
           <a:p>
             <a:pPr algn="ctr"/>
             <a:r>
-              <a:rPr lang="en-US" dirty="0" smtClean="0"/>
+              <a:rPr lang="en-US" dirty="0"/>
               <a:t>5/2016</a:t>
             </a:r>
-            <a:endParaRPr lang="en-US" dirty="0"/>
           </a:p>
         </p:txBody>
       </p:sp>
@@ -11809,10 +16555,9 @@
           <a:p>
             <a:pPr algn="ctr"/>
             <a:r>
-              <a:rPr lang="en-US" dirty="0" smtClean="0"/>
+              <a:rPr lang="en-US" dirty="0"/>
               <a:t>REGION 1</a:t>
             </a:r>
-            <a:endParaRPr lang="en-US" dirty="0"/>
           </a:p>
         </p:txBody>
       </p:sp>
@@ -11853,10 +16598,9 @@
           <a:p>
             <a:pPr algn="ctr"/>
             <a:r>
-              <a:rPr lang="en-US" dirty="0" smtClean="0"/>
+              <a:rPr lang="en-US" dirty="0"/>
               <a:t>1/2016</a:t>
             </a:r>
-            <a:endParaRPr lang="en-US" dirty="0"/>
           </a:p>
         </p:txBody>
       </p:sp>
@@ -11898,13 +16642,8 @@
             <a:pPr algn="ctr"/>
             <a:r>
               <a:rPr lang="en-US" dirty="0"/>
-              <a:t>2</a:t>
-            </a:r>
-            <a:r>
-              <a:rPr lang="en-US" dirty="0" smtClean="0"/>
-              <a:t>/2016</a:t>
-            </a:r>
-            <a:endParaRPr lang="en-US" dirty="0"/>
+              <a:t>2/2016</a:t>
+            </a:r>
           </a:p>
         </p:txBody>
       </p:sp>
@@ -11945,10 +16684,9 @@
           <a:p>
             <a:pPr algn="ctr"/>
             <a:r>
-              <a:rPr lang="en-US" dirty="0" smtClean="0"/>
+              <a:rPr lang="en-US" dirty="0"/>
               <a:t>3/2016</a:t>
             </a:r>
-            <a:endParaRPr lang="en-US" dirty="0"/>
           </a:p>
         </p:txBody>
       </p:sp>
@@ -11989,10 +16727,9 @@
           <a:p>
             <a:pPr algn="ctr"/>
             <a:r>
-              <a:rPr lang="en-US" dirty="0" smtClean="0"/>
+              <a:rPr lang="en-US" dirty="0"/>
               <a:t>4/2016</a:t>
             </a:r>
-            <a:endParaRPr lang="en-US" dirty="0"/>
           </a:p>
         </p:txBody>
       </p:sp>
@@ -12033,10 +16770,9 @@
           <a:p>
             <a:pPr algn="ctr"/>
             <a:r>
-              <a:rPr lang="en-US" dirty="0" smtClean="0"/>
+              <a:rPr lang="en-US" dirty="0"/>
               <a:t>5/2016</a:t>
             </a:r>
-            <a:endParaRPr lang="en-US" dirty="0"/>
           </a:p>
         </p:txBody>
       </p:sp>
@@ -12077,10 +16813,9 @@
           <a:p>
             <a:pPr algn="ctr"/>
             <a:r>
-              <a:rPr lang="en-US" dirty="0" smtClean="0"/>
+              <a:rPr lang="en-US" dirty="0"/>
               <a:t>REVENUE UNIT 1</a:t>
             </a:r>
-            <a:endParaRPr lang="en-US" dirty="0"/>
           </a:p>
         </p:txBody>
       </p:sp>
@@ -12121,10 +16856,9 @@
           <a:p>
             <a:pPr algn="ctr"/>
             <a:r>
-              <a:rPr lang="en-US" dirty="0" smtClean="0"/>
+              <a:rPr lang="en-US" dirty="0"/>
               <a:t>1/2016</a:t>
             </a:r>
-            <a:endParaRPr lang="en-US" dirty="0"/>
           </a:p>
         </p:txBody>
       </p:sp>
@@ -12166,13 +16900,8 @@
             <a:pPr algn="ctr"/>
             <a:r>
               <a:rPr lang="en-US" dirty="0"/>
-              <a:t>2</a:t>
-            </a:r>
-            <a:r>
-              <a:rPr lang="en-US" dirty="0" smtClean="0"/>
-              <a:t>/2016</a:t>
-            </a:r>
-            <a:endParaRPr lang="en-US" dirty="0"/>
+              <a:t>2/2016</a:t>
+            </a:r>
           </a:p>
         </p:txBody>
       </p:sp>
@@ -12213,10 +16942,9 @@
           <a:p>
             <a:pPr algn="ctr"/>
             <a:r>
-              <a:rPr lang="en-US" dirty="0" smtClean="0"/>
+              <a:rPr lang="en-US" dirty="0"/>
               <a:t>3/2016</a:t>
             </a:r>
-            <a:endParaRPr lang="en-US" dirty="0"/>
           </a:p>
         </p:txBody>
       </p:sp>
@@ -12257,10 +16985,9 @@
           <a:p>
             <a:pPr algn="ctr"/>
             <a:r>
-              <a:rPr lang="en-US" dirty="0" smtClean="0"/>
+              <a:rPr lang="en-US" dirty="0"/>
               <a:t>4/2016</a:t>
             </a:r>
-            <a:endParaRPr lang="en-US" dirty="0"/>
           </a:p>
         </p:txBody>
       </p:sp>
@@ -12301,10 +17028,9 @@
           <a:p>
             <a:pPr algn="ctr"/>
             <a:r>
-              <a:rPr lang="en-US" dirty="0" smtClean="0"/>
+              <a:rPr lang="en-US" dirty="0"/>
               <a:t>5/2016</a:t>
             </a:r>
-            <a:endParaRPr lang="en-US" dirty="0"/>
           </a:p>
         </p:txBody>
       </p:sp>
@@ -12345,10 +17071,9 @@
           <a:p>
             <a:pPr algn="ctr"/>
             <a:r>
-              <a:rPr lang="en-US" dirty="0" smtClean="0"/>
+              <a:rPr lang="en-US" dirty="0"/>
               <a:t>GLOBAL</a:t>
             </a:r>
-            <a:endParaRPr lang="en-US" dirty="0"/>
           </a:p>
         </p:txBody>
       </p:sp>
@@ -12389,10 +17114,9 @@
           <a:p>
             <a:pPr algn="ctr"/>
             <a:r>
-              <a:rPr lang="en-US" dirty="0" smtClean="0"/>
+              <a:rPr lang="en-US" dirty="0"/>
               <a:t>1/2016</a:t>
             </a:r>
-            <a:endParaRPr lang="en-US" dirty="0"/>
           </a:p>
         </p:txBody>
       </p:sp>
@@ -12434,13 +17158,8 @@
             <a:pPr algn="ctr"/>
             <a:r>
               <a:rPr lang="en-US" dirty="0"/>
-              <a:t>2</a:t>
-            </a:r>
-            <a:r>
-              <a:rPr lang="en-US" dirty="0" smtClean="0"/>
-              <a:t>/2016</a:t>
-            </a:r>
-            <a:endParaRPr lang="en-US" dirty="0"/>
+              <a:t>2/2016</a:t>
+            </a:r>
           </a:p>
         </p:txBody>
       </p:sp>
@@ -12481,10 +17200,9 @@
           <a:p>
             <a:pPr algn="ctr"/>
             <a:r>
-              <a:rPr lang="en-US" dirty="0" smtClean="0"/>
+              <a:rPr lang="en-US" dirty="0"/>
               <a:t>3/2016</a:t>
             </a:r>
-            <a:endParaRPr lang="en-US" dirty="0"/>
           </a:p>
         </p:txBody>
       </p:sp>
@@ -12525,10 +17243,9 @@
           <a:p>
             <a:pPr algn="ctr"/>
             <a:r>
-              <a:rPr lang="en-US" dirty="0" smtClean="0"/>
+              <a:rPr lang="en-US" dirty="0"/>
               <a:t>4/2016</a:t>
             </a:r>
-            <a:endParaRPr lang="en-US" dirty="0"/>
           </a:p>
         </p:txBody>
       </p:sp>
@@ -12569,10 +17286,9 @@
           <a:p>
             <a:pPr algn="ctr"/>
             <a:r>
-              <a:rPr lang="en-US" dirty="0" smtClean="0"/>
+              <a:rPr lang="en-US" dirty="0"/>
               <a:t>5/2016</a:t>
             </a:r>
-            <a:endParaRPr lang="en-US" dirty="0"/>
           </a:p>
         </p:txBody>
       </p:sp>
@@ -12638,10 +17354,9 @@
           <a:p>
             <a:pPr algn="ctr"/>
             <a:r>
-              <a:rPr lang="en-US" dirty="0" smtClean="0"/>
+              <a:rPr lang="en-US" dirty="0"/>
               <a:t>quarter &amp; year weeks </a:t>
             </a:r>
-            <a:endParaRPr lang="en-US" dirty="0"/>
           </a:p>
         </p:txBody>
       </p:sp>
@@ -13048,10 +17763,9 @@
           <a:p>
             <a:pPr algn="ctr"/>
             <a:r>
-              <a:rPr lang="en-US" dirty="0" smtClean="0"/>
+              <a:rPr lang="en-US" dirty="0"/>
               <a:t>RE-PROCESS</a:t>
             </a:r>
-            <a:endParaRPr lang="en-US" dirty="0"/>
           </a:p>
         </p:txBody>
       </p:sp>
@@ -13184,10 +17898,9 @@
           <a:p>
             <a:pPr algn="ctr"/>
             <a:r>
-              <a:rPr lang="en-US" dirty="0" smtClean="0"/>
+              <a:rPr lang="en-US" dirty="0"/>
               <a:t>API Gateway</a:t>
             </a:r>
-            <a:endParaRPr lang="en-US" dirty="0"/>
           </a:p>
         </p:txBody>
       </p:sp>
@@ -13228,17 +17941,16 @@
           <a:p>
             <a:pPr algn="ctr"/>
             <a:r>
-              <a:rPr lang="en-US" dirty="0" smtClean="0"/>
+              <a:rPr lang="en-US" dirty="0"/>
               <a:t>Enqueuer Service</a:t>
             </a:r>
           </a:p>
           <a:p>
             <a:pPr algn="ctr"/>
             <a:r>
-              <a:rPr lang="en-US" sz="1050" dirty="0" smtClean="0"/>
+              <a:rPr lang="en-US" sz="1050" dirty="0"/>
               <a:t>Gatekeeper</a:t>
             </a:r>
-            <a:endParaRPr lang="en-US" sz="1050" dirty="0"/>
           </a:p>
         </p:txBody>
       </p:sp>
@@ -13279,17 +17991,16 @@
           <a:p>
             <a:pPr algn="ctr"/>
             <a:r>
-              <a:rPr lang="en-US" dirty="0" smtClean="0"/>
+              <a:rPr lang="en-US" dirty="0"/>
               <a:t>Entity Actor</a:t>
             </a:r>
           </a:p>
           <a:p>
             <a:pPr algn="ctr"/>
             <a:r>
-              <a:rPr lang="en-US" sz="1050" dirty="0" smtClean="0"/>
+              <a:rPr lang="en-US" sz="1050" dirty="0"/>
               <a:t>Target</a:t>
             </a:r>
-            <a:endParaRPr lang="en-US" sz="1050" dirty="0"/>
           </a:p>
         </p:txBody>
       </p:sp>
@@ -13330,17 +18041,16 @@
           <a:p>
             <a:pPr algn="ctr"/>
             <a:r>
-              <a:rPr lang="en-US" dirty="0" smtClean="0"/>
+              <a:rPr lang="en-US" dirty="0"/>
               <a:t>Entity Actor</a:t>
             </a:r>
           </a:p>
           <a:p>
             <a:pPr algn="ctr"/>
             <a:r>
-              <a:rPr lang="en-US" sz="1050" dirty="0" smtClean="0"/>
+              <a:rPr lang="en-US" sz="1050" dirty="0"/>
               <a:t>Parent</a:t>
             </a:r>
-            <a:endParaRPr lang="en-US" sz="1050" dirty="0"/>
           </a:p>
         </p:txBody>
       </p:sp>
@@ -13381,21 +18091,16 @@
           <a:p>
             <a:pPr algn="ctr"/>
             <a:r>
-              <a:rPr lang="en-US" dirty="0" smtClean="0"/>
+              <a:rPr lang="en-US" dirty="0"/>
               <a:t>Entity Actor</a:t>
             </a:r>
           </a:p>
           <a:p>
             <a:pPr algn="ctr"/>
             <a:r>
-              <a:rPr lang="en-US" sz="1050" dirty="0" smtClean="0"/>
-              <a:t>Forward </a:t>
-            </a:r>
-            <a:r>
-              <a:rPr lang="en-US" sz="1050" dirty="0" smtClean="0"/>
-              <a:t>Period</a:t>
-            </a:r>
-            <a:endParaRPr lang="en-US" sz="1050" dirty="0"/>
+              <a:rPr lang="en-US" sz="1050" dirty="0"/>
+              <a:t>Forward Period</a:t>
+            </a:r>
           </a:p>
         </p:txBody>
       </p:sp>
@@ -13642,10 +18347,9 @@
           <a:p>
             <a:pPr algn="ctr"/>
             <a:r>
-              <a:rPr lang="en-US" sz="1200" dirty="0" smtClean="0"/>
+              <a:rPr lang="en-US" sz="1200" dirty="0"/>
               <a:t>Reprocess</a:t>
             </a:r>
-            <a:endParaRPr lang="en-US" sz="1200" dirty="0"/>
           </a:p>
         </p:txBody>
       </p:sp>
@@ -13673,10 +18377,9 @@
           <a:p>
             <a:pPr algn="ctr"/>
             <a:r>
-              <a:rPr lang="en-US" sz="1200" dirty="0" smtClean="0"/>
+              <a:rPr lang="en-US" sz="1200" dirty="0"/>
               <a:t>Reprocess</a:t>
             </a:r>
-            <a:endParaRPr lang="en-US" sz="1200" dirty="0"/>
           </a:p>
         </p:txBody>
       </p:sp>
@@ -13704,10 +18407,9 @@
           <a:p>
             <a:pPr algn="ctr"/>
             <a:r>
-              <a:rPr lang="en-US" sz="1200" dirty="0" smtClean="0"/>
+              <a:rPr lang="en-US" sz="1200" dirty="0"/>
               <a:t>Reprocess</a:t>
             </a:r>
-            <a:endParaRPr lang="en-US" sz="1200" dirty="0"/>
           </a:p>
         </p:txBody>
       </p:sp>
@@ -13735,10 +18437,9 @@
           <a:p>
             <a:pPr algn="ctr"/>
             <a:r>
-              <a:rPr lang="en-US" sz="1200" dirty="0" smtClean="0"/>
+              <a:rPr lang="en-US" sz="1200" dirty="0"/>
               <a:t>Event</a:t>
             </a:r>
-            <a:endParaRPr lang="en-US" sz="1200" dirty="0"/>
           </a:p>
         </p:txBody>
       </p:sp>
@@ -13765,10 +18466,9 @@
           <a:lstStyle/>
           <a:p>
             <a:r>
-              <a:rPr lang="en-US" sz="1200" dirty="0" smtClean="0"/>
+              <a:rPr lang="en-US" sz="1200" dirty="0"/>
               <a:t>Reprocess Revenue Unit, Week and Year</a:t>
             </a:r>
-            <a:endParaRPr lang="en-US" sz="1200" dirty="0"/>
           </a:p>
         </p:txBody>
       </p:sp>
@@ -13795,10 +18495,9 @@
           <a:lstStyle/>
           <a:p>
             <a:r>
-              <a:rPr lang="en-US" sz="1200" dirty="0" smtClean="0"/>
+              <a:rPr lang="en-US" sz="1200" dirty="0"/>
               <a:t>Given week, year and entity, retrieve time slots measures for the entity and its immediate children</a:t>
             </a:r>
-            <a:endParaRPr lang="en-US" sz="1200" dirty="0"/>
           </a:p>
         </p:txBody>
       </p:sp>
@@ -13839,7 +18538,7 @@
           <a:p>
             <a:pPr algn="ctr"/>
             <a:r>
-              <a:rPr lang="en-US" dirty="0" smtClean="0"/>
+              <a:rPr lang="en-US" dirty="0"/>
               <a:t>Transactional  System</a:t>
             </a:r>
             <a:endParaRPr lang="en-US" sz="1050" dirty="0"/>
@@ -13905,10 +18604,9 @@
           <a:lstStyle/>
           <a:p>
             <a:r>
-              <a:rPr lang="en-US" sz="1200" dirty="0" smtClean="0"/>
+              <a:rPr lang="en-US" sz="1200" dirty="0"/>
               <a:t>API Posts</a:t>
             </a:r>
-            <a:endParaRPr lang="en-US" sz="1200" dirty="0"/>
           </a:p>
         </p:txBody>
       </p:sp>
@@ -13949,12 +18647,8 @@
           <a:p>
             <a:pPr algn="ctr"/>
             <a:r>
-              <a:rPr lang="en-US" dirty="0" smtClean="0"/>
-              <a:t>Hierarchical </a:t>
-            </a:r>
-            <a:r>
-              <a:rPr lang="en-US" dirty="0" smtClean="0"/>
-              <a:t>Actor</a:t>
+              <a:rPr lang="en-US" dirty="0"/>
+              <a:t>Hierarchical Actor</a:t>
             </a:r>
           </a:p>
           <a:p>
@@ -13986,10 +18680,9 @@
           <a:lstStyle/>
           <a:p>
             <a:r>
-              <a:rPr lang="en-US" sz="1200" dirty="0" smtClean="0"/>
+              <a:rPr lang="en-US" sz="1200" dirty="0"/>
               <a:t>Serves as entities and periods state store</a:t>
             </a:r>
-            <a:endParaRPr lang="en-US" sz="1200" dirty="0"/>
           </a:p>
         </p:txBody>
       </p:sp>
@@ -14021,10 +18714,9 @@
           <a:lstStyle/>
           <a:p>
             <a:r>
-              <a:rPr lang="en-US" sz="1200" dirty="0" smtClean="0"/>
+              <a:rPr lang="en-US" sz="1200" dirty="0"/>
               <a:t>Activates the required entity actor, its parent and its children and aggregate their state into a response</a:t>
             </a:r>
-            <a:endParaRPr lang="en-US" sz="1200" dirty="0"/>
           </a:p>
         </p:txBody>
       </p:sp>

--- a/illustrations/illustrations.pptx
+++ b/illustrations/illustrations.pptx
@@ -5,7 +5,7 @@
     <p:sldMasterId id="2147483648" r:id="rId1"/>
   </p:sldMasterIdLst>
   <p:notesMasterIdLst>
-    <p:notesMasterId r:id="rId15"/>
+    <p:notesMasterId r:id="rId17"/>
   </p:notesMasterIdLst>
   <p:sldIdLst>
     <p:sldId id="574" r:id="rId2"/>
@@ -21,6 +21,8 @@
     <p:sldId id="584" r:id="rId12"/>
     <p:sldId id="585" r:id="rId13"/>
     <p:sldId id="586" r:id="rId14"/>
+    <p:sldId id="587" r:id="rId15"/>
+    <p:sldId id="588" r:id="rId16"/>
   </p:sldIdLst>
   <p:sldSz cx="9144000" cy="6858000" type="screen4x3"/>
   <p:notesSz cx="6858000" cy="9144000"/>
@@ -159,6 +161,5966 @@
 </p:cmAuthorLst>
 </file>
 
+<file path=ppt/diagrams/colors1.xml><?xml version="1.0" encoding="utf-8"?>
+<dgm:colorsDef xmlns:dgm="http://schemas.openxmlformats.org/drawingml/2006/diagram" xmlns:a="http://schemas.openxmlformats.org/drawingml/2006/main" uniqueId="urn:microsoft.com/office/officeart/2005/8/colors/accent1_2">
+  <dgm:title val=""/>
+  <dgm:desc val=""/>
+  <dgm:catLst>
+    <dgm:cat type="accent1" pri="11200"/>
+  </dgm:catLst>
+  <dgm:styleLbl name="node0">
+    <dgm:fillClrLst meth="repeat">
+      <a:schemeClr val="accent1"/>
+    </dgm:fillClrLst>
+    <dgm:linClrLst meth="repeat">
+      <a:schemeClr val="lt1"/>
+    </dgm:linClrLst>
+    <dgm:effectClrLst/>
+    <dgm:txLinClrLst/>
+    <dgm:txFillClrLst/>
+    <dgm:txEffectClrLst/>
+  </dgm:styleLbl>
+  <dgm:styleLbl name="alignNode1">
+    <dgm:fillClrLst meth="repeat">
+      <a:schemeClr val="accent1"/>
+    </dgm:fillClrLst>
+    <dgm:linClrLst meth="repeat">
+      <a:schemeClr val="accent1"/>
+    </dgm:linClrLst>
+    <dgm:effectClrLst/>
+    <dgm:txLinClrLst/>
+    <dgm:txFillClrLst/>
+    <dgm:txEffectClrLst/>
+  </dgm:styleLbl>
+  <dgm:styleLbl name="node1">
+    <dgm:fillClrLst meth="repeat">
+      <a:schemeClr val="accent1"/>
+    </dgm:fillClrLst>
+    <dgm:linClrLst meth="repeat">
+      <a:schemeClr val="lt1"/>
+    </dgm:linClrLst>
+    <dgm:effectClrLst/>
+    <dgm:txLinClrLst/>
+    <dgm:txFillClrLst/>
+    <dgm:txEffectClrLst/>
+  </dgm:styleLbl>
+  <dgm:styleLbl name="lnNode1">
+    <dgm:fillClrLst meth="repeat">
+      <a:schemeClr val="accent1"/>
+    </dgm:fillClrLst>
+    <dgm:linClrLst meth="repeat">
+      <a:schemeClr val="lt1"/>
+    </dgm:linClrLst>
+    <dgm:effectClrLst/>
+    <dgm:txLinClrLst/>
+    <dgm:txFillClrLst/>
+    <dgm:txEffectClrLst/>
+  </dgm:styleLbl>
+  <dgm:styleLbl name="vennNode1">
+    <dgm:fillClrLst meth="repeat">
+      <a:schemeClr val="accent1">
+        <a:alpha val="50000"/>
+      </a:schemeClr>
+    </dgm:fillClrLst>
+    <dgm:linClrLst meth="repeat">
+      <a:schemeClr val="lt1"/>
+    </dgm:linClrLst>
+    <dgm:effectClrLst/>
+    <dgm:txLinClrLst/>
+    <dgm:txFillClrLst/>
+    <dgm:txEffectClrLst/>
+  </dgm:styleLbl>
+  <dgm:styleLbl name="node2">
+    <dgm:fillClrLst meth="repeat">
+      <a:schemeClr val="accent1"/>
+    </dgm:fillClrLst>
+    <dgm:linClrLst meth="repeat">
+      <a:schemeClr val="lt1"/>
+    </dgm:linClrLst>
+    <dgm:effectClrLst/>
+    <dgm:txLinClrLst/>
+    <dgm:txFillClrLst/>
+    <dgm:txEffectClrLst/>
+  </dgm:styleLbl>
+  <dgm:styleLbl name="node3">
+    <dgm:fillClrLst meth="repeat">
+      <a:schemeClr val="accent1"/>
+    </dgm:fillClrLst>
+    <dgm:linClrLst meth="repeat">
+      <a:schemeClr val="lt1"/>
+    </dgm:linClrLst>
+    <dgm:effectClrLst/>
+    <dgm:txLinClrLst/>
+    <dgm:txFillClrLst/>
+    <dgm:txEffectClrLst/>
+  </dgm:styleLbl>
+  <dgm:styleLbl name="node4">
+    <dgm:fillClrLst meth="repeat">
+      <a:schemeClr val="accent1"/>
+    </dgm:fillClrLst>
+    <dgm:linClrLst meth="repeat">
+      <a:schemeClr val="lt1"/>
+    </dgm:linClrLst>
+    <dgm:effectClrLst/>
+    <dgm:txLinClrLst/>
+    <dgm:txFillClrLst/>
+    <dgm:txEffectClrLst/>
+  </dgm:styleLbl>
+  <dgm:styleLbl name="fgImgPlace1">
+    <dgm:fillClrLst meth="repeat">
+      <a:schemeClr val="accent1">
+        <a:tint val="50000"/>
+      </a:schemeClr>
+    </dgm:fillClrLst>
+    <dgm:linClrLst meth="repeat">
+      <a:schemeClr val="lt1"/>
+    </dgm:linClrLst>
+    <dgm:effectClrLst/>
+    <dgm:txLinClrLst/>
+    <dgm:txFillClrLst meth="repeat">
+      <a:schemeClr val="lt1"/>
+    </dgm:txFillClrLst>
+    <dgm:txEffectClrLst/>
+  </dgm:styleLbl>
+  <dgm:styleLbl name="alignImgPlace1">
+    <dgm:fillClrLst meth="repeat">
+      <a:schemeClr val="accent1">
+        <a:tint val="50000"/>
+      </a:schemeClr>
+    </dgm:fillClrLst>
+    <dgm:linClrLst meth="repeat">
+      <a:schemeClr val="lt1"/>
+    </dgm:linClrLst>
+    <dgm:effectClrLst/>
+    <dgm:txLinClrLst/>
+    <dgm:txFillClrLst meth="repeat">
+      <a:schemeClr val="lt1"/>
+    </dgm:txFillClrLst>
+    <dgm:txEffectClrLst/>
+  </dgm:styleLbl>
+  <dgm:styleLbl name="bgImgPlace1">
+    <dgm:fillClrLst meth="repeat">
+      <a:schemeClr val="accent1">
+        <a:tint val="50000"/>
+      </a:schemeClr>
+    </dgm:fillClrLst>
+    <dgm:linClrLst meth="repeat">
+      <a:schemeClr val="lt1"/>
+    </dgm:linClrLst>
+    <dgm:effectClrLst/>
+    <dgm:txLinClrLst/>
+    <dgm:txFillClrLst meth="repeat">
+      <a:schemeClr val="lt1"/>
+    </dgm:txFillClrLst>
+    <dgm:txEffectClrLst/>
+  </dgm:styleLbl>
+  <dgm:styleLbl name="sibTrans2D1">
+    <dgm:fillClrLst meth="repeat">
+      <a:schemeClr val="accent1">
+        <a:tint val="60000"/>
+      </a:schemeClr>
+    </dgm:fillClrLst>
+    <dgm:linClrLst meth="repeat">
+      <a:schemeClr val="accent1">
+        <a:tint val="60000"/>
+      </a:schemeClr>
+    </dgm:linClrLst>
+    <dgm:effectClrLst/>
+    <dgm:txLinClrLst/>
+    <dgm:txFillClrLst/>
+    <dgm:txEffectClrLst/>
+  </dgm:styleLbl>
+  <dgm:styleLbl name="fgSibTrans2D1">
+    <dgm:fillClrLst meth="repeat">
+      <a:schemeClr val="accent1">
+        <a:tint val="60000"/>
+      </a:schemeClr>
+    </dgm:fillClrLst>
+    <dgm:linClrLst meth="repeat">
+      <a:schemeClr val="accent1">
+        <a:tint val="60000"/>
+      </a:schemeClr>
+    </dgm:linClrLst>
+    <dgm:effectClrLst/>
+    <dgm:txLinClrLst/>
+    <dgm:txFillClrLst/>
+    <dgm:txEffectClrLst/>
+  </dgm:styleLbl>
+  <dgm:styleLbl name="bgSibTrans2D1">
+    <dgm:fillClrLst meth="repeat">
+      <a:schemeClr val="accent1">
+        <a:tint val="60000"/>
+      </a:schemeClr>
+    </dgm:fillClrLst>
+    <dgm:linClrLst meth="repeat">
+      <a:schemeClr val="accent1">
+        <a:tint val="60000"/>
+      </a:schemeClr>
+    </dgm:linClrLst>
+    <dgm:effectClrLst/>
+    <dgm:txLinClrLst/>
+    <dgm:txFillClrLst/>
+    <dgm:txEffectClrLst/>
+  </dgm:styleLbl>
+  <dgm:styleLbl name="sibTrans1D1">
+    <dgm:fillClrLst meth="repeat">
+      <a:schemeClr val="accent1"/>
+    </dgm:fillClrLst>
+    <dgm:linClrLst meth="repeat">
+      <a:schemeClr val="accent1"/>
+    </dgm:linClrLst>
+    <dgm:effectClrLst/>
+    <dgm:txLinClrLst/>
+    <dgm:txFillClrLst meth="repeat">
+      <a:schemeClr val="tx1"/>
+    </dgm:txFillClrLst>
+    <dgm:txEffectClrLst/>
+  </dgm:styleLbl>
+  <dgm:styleLbl name="callout">
+    <dgm:fillClrLst meth="repeat">
+      <a:schemeClr val="accent1"/>
+    </dgm:fillClrLst>
+    <dgm:linClrLst meth="repeat">
+      <a:schemeClr val="accent1">
+        <a:tint val="50000"/>
+      </a:schemeClr>
+    </dgm:linClrLst>
+    <dgm:effectClrLst/>
+    <dgm:txLinClrLst/>
+    <dgm:txFillClrLst meth="repeat">
+      <a:schemeClr val="tx1"/>
+    </dgm:txFillClrLst>
+    <dgm:txEffectClrLst/>
+  </dgm:styleLbl>
+  <dgm:styleLbl name="asst0">
+    <dgm:fillClrLst meth="repeat">
+      <a:schemeClr val="accent1"/>
+    </dgm:fillClrLst>
+    <dgm:linClrLst meth="repeat">
+      <a:schemeClr val="lt1"/>
+    </dgm:linClrLst>
+    <dgm:effectClrLst/>
+    <dgm:txLinClrLst/>
+    <dgm:txFillClrLst/>
+    <dgm:txEffectClrLst/>
+  </dgm:styleLbl>
+  <dgm:styleLbl name="asst1">
+    <dgm:fillClrLst meth="repeat">
+      <a:schemeClr val="accent1"/>
+    </dgm:fillClrLst>
+    <dgm:linClrLst meth="repeat">
+      <a:schemeClr val="lt1"/>
+    </dgm:linClrLst>
+    <dgm:effectClrLst/>
+    <dgm:txLinClrLst/>
+    <dgm:txFillClrLst/>
+    <dgm:txEffectClrLst/>
+  </dgm:styleLbl>
+  <dgm:styleLbl name="asst2">
+    <dgm:fillClrLst meth="repeat">
+      <a:schemeClr val="accent1"/>
+    </dgm:fillClrLst>
+    <dgm:linClrLst meth="repeat">
+      <a:schemeClr val="lt1"/>
+    </dgm:linClrLst>
+    <dgm:effectClrLst/>
+    <dgm:txLinClrLst/>
+    <dgm:txFillClrLst/>
+    <dgm:txEffectClrLst/>
+  </dgm:styleLbl>
+  <dgm:styleLbl name="asst3">
+    <dgm:fillClrLst meth="repeat">
+      <a:schemeClr val="accent1"/>
+    </dgm:fillClrLst>
+    <dgm:linClrLst meth="repeat">
+      <a:schemeClr val="lt1"/>
+    </dgm:linClrLst>
+    <dgm:effectClrLst/>
+    <dgm:txLinClrLst/>
+    <dgm:txFillClrLst/>
+    <dgm:txEffectClrLst/>
+  </dgm:styleLbl>
+  <dgm:styleLbl name="asst4">
+    <dgm:fillClrLst meth="repeat">
+      <a:schemeClr val="accent1"/>
+    </dgm:fillClrLst>
+    <dgm:linClrLst meth="repeat">
+      <a:schemeClr val="lt1"/>
+    </dgm:linClrLst>
+    <dgm:effectClrLst/>
+    <dgm:txLinClrLst/>
+    <dgm:txFillClrLst/>
+    <dgm:txEffectClrLst/>
+  </dgm:styleLbl>
+  <dgm:styleLbl name="parChTrans2D1">
+    <dgm:fillClrLst meth="repeat">
+      <a:schemeClr val="accent1">
+        <a:tint val="60000"/>
+      </a:schemeClr>
+    </dgm:fillClrLst>
+    <dgm:linClrLst meth="repeat">
+      <a:schemeClr val="accent1">
+        <a:tint val="60000"/>
+      </a:schemeClr>
+    </dgm:linClrLst>
+    <dgm:effectClrLst/>
+    <dgm:txLinClrLst/>
+    <dgm:txFillClrLst meth="repeat">
+      <a:schemeClr val="lt1"/>
+    </dgm:txFillClrLst>
+    <dgm:txEffectClrLst/>
+  </dgm:styleLbl>
+  <dgm:styleLbl name="parChTrans2D2">
+    <dgm:fillClrLst meth="repeat">
+      <a:schemeClr val="accent1"/>
+    </dgm:fillClrLst>
+    <dgm:linClrLst meth="repeat">
+      <a:schemeClr val="accent1"/>
+    </dgm:linClrLst>
+    <dgm:effectClrLst/>
+    <dgm:txLinClrLst/>
+    <dgm:txFillClrLst meth="repeat">
+      <a:schemeClr val="lt1"/>
+    </dgm:txFillClrLst>
+    <dgm:txEffectClrLst/>
+  </dgm:styleLbl>
+  <dgm:styleLbl name="parChTrans2D3">
+    <dgm:fillClrLst meth="repeat">
+      <a:schemeClr val="accent1"/>
+    </dgm:fillClrLst>
+    <dgm:linClrLst meth="repeat">
+      <a:schemeClr val="accent1"/>
+    </dgm:linClrLst>
+    <dgm:effectClrLst/>
+    <dgm:txLinClrLst/>
+    <dgm:txFillClrLst meth="repeat">
+      <a:schemeClr val="lt1"/>
+    </dgm:txFillClrLst>
+    <dgm:txEffectClrLst/>
+  </dgm:styleLbl>
+  <dgm:styleLbl name="parChTrans2D4">
+    <dgm:fillClrLst meth="repeat">
+      <a:schemeClr val="accent1"/>
+    </dgm:fillClrLst>
+    <dgm:linClrLst meth="repeat">
+      <a:schemeClr val="accent1"/>
+    </dgm:linClrLst>
+    <dgm:effectClrLst/>
+    <dgm:txLinClrLst/>
+    <dgm:txFillClrLst meth="repeat">
+      <a:schemeClr val="lt1"/>
+    </dgm:txFillClrLst>
+    <dgm:txEffectClrLst/>
+  </dgm:styleLbl>
+  <dgm:styleLbl name="parChTrans1D1">
+    <dgm:fillClrLst meth="repeat">
+      <a:schemeClr val="accent1"/>
+    </dgm:fillClrLst>
+    <dgm:linClrLst meth="repeat">
+      <a:schemeClr val="accent1">
+        <a:shade val="60000"/>
+      </a:schemeClr>
+    </dgm:linClrLst>
+    <dgm:effectClrLst/>
+    <dgm:txLinClrLst/>
+    <dgm:txFillClrLst meth="repeat">
+      <a:schemeClr val="tx1"/>
+    </dgm:txFillClrLst>
+    <dgm:txEffectClrLst/>
+  </dgm:styleLbl>
+  <dgm:styleLbl name="parChTrans1D2">
+    <dgm:fillClrLst meth="repeat">
+      <a:schemeClr val="accent1"/>
+    </dgm:fillClrLst>
+    <dgm:linClrLst meth="repeat">
+      <a:schemeClr val="accent1">
+        <a:shade val="60000"/>
+      </a:schemeClr>
+    </dgm:linClrLst>
+    <dgm:effectClrLst/>
+    <dgm:txLinClrLst/>
+    <dgm:txFillClrLst meth="repeat">
+      <a:schemeClr val="tx1"/>
+    </dgm:txFillClrLst>
+    <dgm:txEffectClrLst/>
+  </dgm:styleLbl>
+  <dgm:styleLbl name="parChTrans1D3">
+    <dgm:fillClrLst meth="repeat">
+      <a:schemeClr val="accent1"/>
+    </dgm:fillClrLst>
+    <dgm:linClrLst meth="repeat">
+      <a:schemeClr val="accent1">
+        <a:shade val="80000"/>
+      </a:schemeClr>
+    </dgm:linClrLst>
+    <dgm:effectClrLst/>
+    <dgm:txLinClrLst/>
+    <dgm:txFillClrLst meth="repeat">
+      <a:schemeClr val="tx1"/>
+    </dgm:txFillClrLst>
+    <dgm:txEffectClrLst/>
+  </dgm:styleLbl>
+  <dgm:styleLbl name="parChTrans1D4">
+    <dgm:fillClrLst meth="repeat">
+      <a:schemeClr val="accent1"/>
+    </dgm:fillClrLst>
+    <dgm:linClrLst meth="repeat">
+      <a:schemeClr val="accent1">
+        <a:shade val="80000"/>
+      </a:schemeClr>
+    </dgm:linClrLst>
+    <dgm:effectClrLst/>
+    <dgm:txLinClrLst/>
+    <dgm:txFillClrLst meth="repeat">
+      <a:schemeClr val="tx1"/>
+    </dgm:txFillClrLst>
+    <dgm:txEffectClrLst/>
+  </dgm:styleLbl>
+  <dgm:styleLbl name="fgAcc1">
+    <dgm:fillClrLst meth="repeat">
+      <a:schemeClr val="lt1">
+        <a:alpha val="90000"/>
+      </a:schemeClr>
+    </dgm:fillClrLst>
+    <dgm:linClrLst meth="repeat">
+      <a:schemeClr val="accent1"/>
+    </dgm:linClrLst>
+    <dgm:effectClrLst/>
+    <dgm:txLinClrLst/>
+    <dgm:txFillClrLst meth="repeat">
+      <a:schemeClr val="dk1"/>
+    </dgm:txFillClrLst>
+    <dgm:txEffectClrLst/>
+  </dgm:styleLbl>
+  <dgm:styleLbl name="conFgAcc1">
+    <dgm:fillClrLst meth="repeat">
+      <a:schemeClr val="lt1">
+        <a:alpha val="90000"/>
+      </a:schemeClr>
+    </dgm:fillClrLst>
+    <dgm:linClrLst meth="repeat">
+      <a:schemeClr val="accent1"/>
+    </dgm:linClrLst>
+    <dgm:effectClrLst/>
+    <dgm:txLinClrLst/>
+    <dgm:txFillClrLst meth="repeat">
+      <a:schemeClr val="dk1"/>
+    </dgm:txFillClrLst>
+    <dgm:txEffectClrLst/>
+  </dgm:styleLbl>
+  <dgm:styleLbl name="alignAcc1">
+    <dgm:fillClrLst meth="repeat">
+      <a:schemeClr val="lt1">
+        <a:alpha val="90000"/>
+      </a:schemeClr>
+    </dgm:fillClrLst>
+    <dgm:linClrLst meth="repeat">
+      <a:schemeClr val="accent1"/>
+    </dgm:linClrLst>
+    <dgm:effectClrLst/>
+    <dgm:txLinClrLst/>
+    <dgm:txFillClrLst meth="repeat">
+      <a:schemeClr val="dk1"/>
+    </dgm:txFillClrLst>
+    <dgm:txEffectClrLst/>
+  </dgm:styleLbl>
+  <dgm:styleLbl name="trAlignAcc1">
+    <dgm:fillClrLst meth="repeat">
+      <a:schemeClr val="lt1">
+        <a:alpha val="40000"/>
+      </a:schemeClr>
+    </dgm:fillClrLst>
+    <dgm:linClrLst meth="repeat">
+      <a:schemeClr val="accent1"/>
+    </dgm:linClrLst>
+    <dgm:effectClrLst/>
+    <dgm:txLinClrLst/>
+    <dgm:txFillClrLst meth="repeat">
+      <a:schemeClr val="dk1"/>
+    </dgm:txFillClrLst>
+    <dgm:txEffectClrLst/>
+  </dgm:styleLbl>
+  <dgm:styleLbl name="bgAcc1">
+    <dgm:fillClrLst meth="repeat">
+      <a:schemeClr val="lt1">
+        <a:alpha val="90000"/>
+      </a:schemeClr>
+    </dgm:fillClrLst>
+    <dgm:linClrLst meth="repeat">
+      <a:schemeClr val="accent1"/>
+    </dgm:linClrLst>
+    <dgm:effectClrLst/>
+    <dgm:txLinClrLst/>
+    <dgm:txFillClrLst meth="repeat">
+      <a:schemeClr val="dk1"/>
+    </dgm:txFillClrLst>
+    <dgm:txEffectClrLst/>
+  </dgm:styleLbl>
+  <dgm:styleLbl name="solidFgAcc1">
+    <dgm:fillClrLst meth="repeat">
+      <a:schemeClr val="lt1"/>
+    </dgm:fillClrLst>
+    <dgm:linClrLst meth="repeat">
+      <a:schemeClr val="accent1"/>
+    </dgm:linClrLst>
+    <dgm:effectClrLst/>
+    <dgm:txLinClrLst/>
+    <dgm:txFillClrLst meth="repeat">
+      <a:schemeClr val="dk1"/>
+    </dgm:txFillClrLst>
+    <dgm:txEffectClrLst/>
+  </dgm:styleLbl>
+  <dgm:styleLbl name="solidAlignAcc1">
+    <dgm:fillClrLst meth="repeat">
+      <a:schemeClr val="lt1"/>
+    </dgm:fillClrLst>
+    <dgm:linClrLst meth="repeat">
+      <a:schemeClr val="accent1"/>
+    </dgm:linClrLst>
+    <dgm:effectClrLst/>
+    <dgm:txLinClrLst/>
+    <dgm:txFillClrLst meth="repeat">
+      <a:schemeClr val="dk1"/>
+    </dgm:txFillClrLst>
+    <dgm:txEffectClrLst/>
+  </dgm:styleLbl>
+  <dgm:styleLbl name="solidBgAcc1">
+    <dgm:fillClrLst meth="repeat">
+      <a:schemeClr val="lt1"/>
+    </dgm:fillClrLst>
+    <dgm:linClrLst meth="repeat">
+      <a:schemeClr val="accent1"/>
+    </dgm:linClrLst>
+    <dgm:effectClrLst/>
+    <dgm:txLinClrLst/>
+    <dgm:txFillClrLst meth="repeat">
+      <a:schemeClr val="dk1"/>
+    </dgm:txFillClrLst>
+    <dgm:txEffectClrLst/>
+  </dgm:styleLbl>
+  <dgm:styleLbl name="fgAccFollowNode1">
+    <dgm:fillClrLst meth="repeat">
+      <a:schemeClr val="accent1">
+        <a:alpha val="90000"/>
+        <a:tint val="40000"/>
+      </a:schemeClr>
+    </dgm:fillClrLst>
+    <dgm:linClrLst meth="repeat">
+      <a:schemeClr val="accent1">
+        <a:alpha val="90000"/>
+        <a:tint val="40000"/>
+      </a:schemeClr>
+    </dgm:linClrLst>
+    <dgm:effectClrLst/>
+    <dgm:txLinClrLst/>
+    <dgm:txFillClrLst meth="repeat">
+      <a:schemeClr val="dk1"/>
+    </dgm:txFillClrLst>
+    <dgm:txEffectClrLst/>
+  </dgm:styleLbl>
+  <dgm:styleLbl name="alignAccFollowNode1">
+    <dgm:fillClrLst meth="repeat">
+      <a:schemeClr val="accent1">
+        <a:alpha val="90000"/>
+        <a:tint val="40000"/>
+      </a:schemeClr>
+    </dgm:fillClrLst>
+    <dgm:linClrLst meth="repeat">
+      <a:schemeClr val="accent1">
+        <a:alpha val="90000"/>
+        <a:tint val="40000"/>
+      </a:schemeClr>
+    </dgm:linClrLst>
+    <dgm:effectClrLst/>
+    <dgm:txLinClrLst/>
+    <dgm:txFillClrLst meth="repeat">
+      <a:schemeClr val="dk1"/>
+    </dgm:txFillClrLst>
+    <dgm:txEffectClrLst/>
+  </dgm:styleLbl>
+  <dgm:styleLbl name="bgAccFollowNode1">
+    <dgm:fillClrLst meth="repeat">
+      <a:schemeClr val="accent1">
+        <a:alpha val="90000"/>
+        <a:tint val="40000"/>
+      </a:schemeClr>
+    </dgm:fillClrLst>
+    <dgm:linClrLst meth="repeat">
+      <a:schemeClr val="accent1">
+        <a:alpha val="90000"/>
+        <a:tint val="40000"/>
+      </a:schemeClr>
+    </dgm:linClrLst>
+    <dgm:effectClrLst/>
+    <dgm:txLinClrLst/>
+    <dgm:txFillClrLst meth="repeat">
+      <a:schemeClr val="dk1"/>
+    </dgm:txFillClrLst>
+    <dgm:txEffectClrLst/>
+  </dgm:styleLbl>
+  <dgm:styleLbl name="fgAcc0">
+    <dgm:fillClrLst meth="repeat">
+      <a:schemeClr val="lt1">
+        <a:alpha val="90000"/>
+      </a:schemeClr>
+    </dgm:fillClrLst>
+    <dgm:linClrLst meth="repeat">
+      <a:schemeClr val="accent1"/>
+    </dgm:linClrLst>
+    <dgm:effectClrLst/>
+    <dgm:txLinClrLst/>
+    <dgm:txFillClrLst meth="repeat">
+      <a:schemeClr val="dk1"/>
+    </dgm:txFillClrLst>
+    <dgm:txEffectClrLst/>
+  </dgm:styleLbl>
+  <dgm:styleLbl name="fgAcc2">
+    <dgm:fillClrLst meth="repeat">
+      <a:schemeClr val="lt1">
+        <a:alpha val="90000"/>
+      </a:schemeClr>
+    </dgm:fillClrLst>
+    <dgm:linClrLst meth="repeat">
+      <a:schemeClr val="accent1"/>
+    </dgm:linClrLst>
+    <dgm:effectClrLst/>
+    <dgm:txLinClrLst/>
+    <dgm:txFillClrLst meth="repeat">
+      <a:schemeClr val="dk1"/>
+    </dgm:txFillClrLst>
+    <dgm:txEffectClrLst/>
+  </dgm:styleLbl>
+  <dgm:styleLbl name="fgAcc3">
+    <dgm:fillClrLst meth="repeat">
+      <a:schemeClr val="lt1">
+        <a:alpha val="90000"/>
+      </a:schemeClr>
+    </dgm:fillClrLst>
+    <dgm:linClrLst meth="repeat">
+      <a:schemeClr val="accent1"/>
+    </dgm:linClrLst>
+    <dgm:effectClrLst/>
+    <dgm:txLinClrLst/>
+    <dgm:txFillClrLst meth="repeat">
+      <a:schemeClr val="dk1"/>
+    </dgm:txFillClrLst>
+    <dgm:txEffectClrLst/>
+  </dgm:styleLbl>
+  <dgm:styleLbl name="fgAcc4">
+    <dgm:fillClrLst meth="repeat">
+      <a:schemeClr val="lt1">
+        <a:alpha val="90000"/>
+      </a:schemeClr>
+    </dgm:fillClrLst>
+    <dgm:linClrLst meth="repeat">
+      <a:schemeClr val="accent1"/>
+    </dgm:linClrLst>
+    <dgm:effectClrLst/>
+    <dgm:txLinClrLst/>
+    <dgm:txFillClrLst meth="repeat">
+      <a:schemeClr val="dk1"/>
+    </dgm:txFillClrLst>
+    <dgm:txEffectClrLst/>
+  </dgm:styleLbl>
+  <dgm:styleLbl name="bgShp">
+    <dgm:fillClrLst meth="repeat">
+      <a:schemeClr val="accent1">
+        <a:tint val="40000"/>
+      </a:schemeClr>
+    </dgm:fillClrLst>
+    <dgm:linClrLst meth="repeat">
+      <a:schemeClr val="accent1"/>
+    </dgm:linClrLst>
+    <dgm:effectClrLst/>
+    <dgm:txLinClrLst/>
+    <dgm:txFillClrLst meth="repeat">
+      <a:schemeClr val="dk1"/>
+    </dgm:txFillClrLst>
+    <dgm:txEffectClrLst/>
+  </dgm:styleLbl>
+  <dgm:styleLbl name="dkBgShp">
+    <dgm:fillClrLst meth="repeat">
+      <a:schemeClr val="accent1">
+        <a:shade val="80000"/>
+      </a:schemeClr>
+    </dgm:fillClrLst>
+    <dgm:linClrLst meth="repeat">
+      <a:schemeClr val="accent1"/>
+    </dgm:linClrLst>
+    <dgm:effectClrLst/>
+    <dgm:txLinClrLst/>
+    <dgm:txFillClrLst meth="repeat">
+      <a:schemeClr val="lt1"/>
+    </dgm:txFillClrLst>
+    <dgm:txEffectClrLst/>
+  </dgm:styleLbl>
+  <dgm:styleLbl name="trBgShp">
+    <dgm:fillClrLst meth="repeat">
+      <a:schemeClr val="accent1">
+        <a:tint val="50000"/>
+        <a:alpha val="40000"/>
+      </a:schemeClr>
+    </dgm:fillClrLst>
+    <dgm:linClrLst meth="repeat">
+      <a:schemeClr val="accent1"/>
+    </dgm:linClrLst>
+    <dgm:effectClrLst/>
+    <dgm:txLinClrLst/>
+    <dgm:txFillClrLst meth="repeat">
+      <a:schemeClr val="lt1"/>
+    </dgm:txFillClrLst>
+    <dgm:txEffectClrLst/>
+  </dgm:styleLbl>
+  <dgm:styleLbl name="fgShp">
+    <dgm:fillClrLst meth="repeat">
+      <a:schemeClr val="accent1">
+        <a:tint val="60000"/>
+      </a:schemeClr>
+    </dgm:fillClrLst>
+    <dgm:linClrLst meth="repeat">
+      <a:schemeClr val="lt1"/>
+    </dgm:linClrLst>
+    <dgm:effectClrLst/>
+    <dgm:txLinClrLst/>
+    <dgm:txFillClrLst meth="repeat">
+      <a:schemeClr val="dk1"/>
+    </dgm:txFillClrLst>
+    <dgm:txEffectClrLst/>
+  </dgm:styleLbl>
+  <dgm:styleLbl name="revTx">
+    <dgm:fillClrLst meth="repeat">
+      <a:schemeClr val="lt1">
+        <a:alpha val="0"/>
+      </a:schemeClr>
+    </dgm:fillClrLst>
+    <dgm:linClrLst meth="repeat">
+      <a:schemeClr val="dk1">
+        <a:alpha val="0"/>
+      </a:schemeClr>
+    </dgm:linClrLst>
+    <dgm:effectClrLst/>
+    <dgm:txLinClrLst/>
+    <dgm:txFillClrLst meth="repeat">
+      <a:schemeClr val="tx1"/>
+    </dgm:txFillClrLst>
+    <dgm:txEffectClrLst/>
+  </dgm:styleLbl>
+</dgm:colorsDef>
+</file>
+
+<file path=ppt/diagrams/colors2.xml><?xml version="1.0" encoding="utf-8"?>
+<dgm:colorsDef xmlns:dgm="http://schemas.openxmlformats.org/drawingml/2006/diagram" xmlns:a="http://schemas.openxmlformats.org/drawingml/2006/main" uniqueId="urn:microsoft.com/office/officeart/2005/8/colors/accent1_2">
+  <dgm:title val=""/>
+  <dgm:desc val=""/>
+  <dgm:catLst>
+    <dgm:cat type="accent1" pri="11200"/>
+  </dgm:catLst>
+  <dgm:styleLbl name="node0">
+    <dgm:fillClrLst meth="repeat">
+      <a:schemeClr val="accent1"/>
+    </dgm:fillClrLst>
+    <dgm:linClrLst meth="repeat">
+      <a:schemeClr val="lt1"/>
+    </dgm:linClrLst>
+    <dgm:effectClrLst/>
+    <dgm:txLinClrLst/>
+    <dgm:txFillClrLst/>
+    <dgm:txEffectClrLst/>
+  </dgm:styleLbl>
+  <dgm:styleLbl name="alignNode1">
+    <dgm:fillClrLst meth="repeat">
+      <a:schemeClr val="accent1"/>
+    </dgm:fillClrLst>
+    <dgm:linClrLst meth="repeat">
+      <a:schemeClr val="accent1"/>
+    </dgm:linClrLst>
+    <dgm:effectClrLst/>
+    <dgm:txLinClrLst/>
+    <dgm:txFillClrLst/>
+    <dgm:txEffectClrLst/>
+  </dgm:styleLbl>
+  <dgm:styleLbl name="node1">
+    <dgm:fillClrLst meth="repeat">
+      <a:schemeClr val="accent1"/>
+    </dgm:fillClrLst>
+    <dgm:linClrLst meth="repeat">
+      <a:schemeClr val="lt1"/>
+    </dgm:linClrLst>
+    <dgm:effectClrLst/>
+    <dgm:txLinClrLst/>
+    <dgm:txFillClrLst/>
+    <dgm:txEffectClrLst/>
+  </dgm:styleLbl>
+  <dgm:styleLbl name="lnNode1">
+    <dgm:fillClrLst meth="repeat">
+      <a:schemeClr val="accent1"/>
+    </dgm:fillClrLst>
+    <dgm:linClrLst meth="repeat">
+      <a:schemeClr val="lt1"/>
+    </dgm:linClrLst>
+    <dgm:effectClrLst/>
+    <dgm:txLinClrLst/>
+    <dgm:txFillClrLst/>
+    <dgm:txEffectClrLst/>
+  </dgm:styleLbl>
+  <dgm:styleLbl name="vennNode1">
+    <dgm:fillClrLst meth="repeat">
+      <a:schemeClr val="accent1">
+        <a:alpha val="50000"/>
+      </a:schemeClr>
+    </dgm:fillClrLst>
+    <dgm:linClrLst meth="repeat">
+      <a:schemeClr val="lt1"/>
+    </dgm:linClrLst>
+    <dgm:effectClrLst/>
+    <dgm:txLinClrLst/>
+    <dgm:txFillClrLst/>
+    <dgm:txEffectClrLst/>
+  </dgm:styleLbl>
+  <dgm:styleLbl name="node2">
+    <dgm:fillClrLst meth="repeat">
+      <a:schemeClr val="accent1"/>
+    </dgm:fillClrLst>
+    <dgm:linClrLst meth="repeat">
+      <a:schemeClr val="lt1"/>
+    </dgm:linClrLst>
+    <dgm:effectClrLst/>
+    <dgm:txLinClrLst/>
+    <dgm:txFillClrLst/>
+    <dgm:txEffectClrLst/>
+  </dgm:styleLbl>
+  <dgm:styleLbl name="node3">
+    <dgm:fillClrLst meth="repeat">
+      <a:schemeClr val="accent1"/>
+    </dgm:fillClrLst>
+    <dgm:linClrLst meth="repeat">
+      <a:schemeClr val="lt1"/>
+    </dgm:linClrLst>
+    <dgm:effectClrLst/>
+    <dgm:txLinClrLst/>
+    <dgm:txFillClrLst/>
+    <dgm:txEffectClrLst/>
+  </dgm:styleLbl>
+  <dgm:styleLbl name="node4">
+    <dgm:fillClrLst meth="repeat">
+      <a:schemeClr val="accent1"/>
+    </dgm:fillClrLst>
+    <dgm:linClrLst meth="repeat">
+      <a:schemeClr val="lt1"/>
+    </dgm:linClrLst>
+    <dgm:effectClrLst/>
+    <dgm:txLinClrLst/>
+    <dgm:txFillClrLst/>
+    <dgm:txEffectClrLst/>
+  </dgm:styleLbl>
+  <dgm:styleLbl name="fgImgPlace1">
+    <dgm:fillClrLst meth="repeat">
+      <a:schemeClr val="accent1">
+        <a:tint val="50000"/>
+      </a:schemeClr>
+    </dgm:fillClrLst>
+    <dgm:linClrLst meth="repeat">
+      <a:schemeClr val="lt1"/>
+    </dgm:linClrLst>
+    <dgm:effectClrLst/>
+    <dgm:txLinClrLst/>
+    <dgm:txFillClrLst meth="repeat">
+      <a:schemeClr val="lt1"/>
+    </dgm:txFillClrLst>
+    <dgm:txEffectClrLst/>
+  </dgm:styleLbl>
+  <dgm:styleLbl name="alignImgPlace1">
+    <dgm:fillClrLst meth="repeat">
+      <a:schemeClr val="accent1">
+        <a:tint val="50000"/>
+      </a:schemeClr>
+    </dgm:fillClrLst>
+    <dgm:linClrLst meth="repeat">
+      <a:schemeClr val="lt1"/>
+    </dgm:linClrLst>
+    <dgm:effectClrLst/>
+    <dgm:txLinClrLst/>
+    <dgm:txFillClrLst meth="repeat">
+      <a:schemeClr val="lt1"/>
+    </dgm:txFillClrLst>
+    <dgm:txEffectClrLst/>
+  </dgm:styleLbl>
+  <dgm:styleLbl name="bgImgPlace1">
+    <dgm:fillClrLst meth="repeat">
+      <a:schemeClr val="accent1">
+        <a:tint val="50000"/>
+      </a:schemeClr>
+    </dgm:fillClrLst>
+    <dgm:linClrLst meth="repeat">
+      <a:schemeClr val="lt1"/>
+    </dgm:linClrLst>
+    <dgm:effectClrLst/>
+    <dgm:txLinClrLst/>
+    <dgm:txFillClrLst meth="repeat">
+      <a:schemeClr val="lt1"/>
+    </dgm:txFillClrLst>
+    <dgm:txEffectClrLst/>
+  </dgm:styleLbl>
+  <dgm:styleLbl name="sibTrans2D1">
+    <dgm:fillClrLst meth="repeat">
+      <a:schemeClr val="accent1">
+        <a:tint val="60000"/>
+      </a:schemeClr>
+    </dgm:fillClrLst>
+    <dgm:linClrLst meth="repeat">
+      <a:schemeClr val="accent1">
+        <a:tint val="60000"/>
+      </a:schemeClr>
+    </dgm:linClrLst>
+    <dgm:effectClrLst/>
+    <dgm:txLinClrLst/>
+    <dgm:txFillClrLst/>
+    <dgm:txEffectClrLst/>
+  </dgm:styleLbl>
+  <dgm:styleLbl name="fgSibTrans2D1">
+    <dgm:fillClrLst meth="repeat">
+      <a:schemeClr val="accent1">
+        <a:tint val="60000"/>
+      </a:schemeClr>
+    </dgm:fillClrLst>
+    <dgm:linClrLst meth="repeat">
+      <a:schemeClr val="accent1">
+        <a:tint val="60000"/>
+      </a:schemeClr>
+    </dgm:linClrLst>
+    <dgm:effectClrLst/>
+    <dgm:txLinClrLst/>
+    <dgm:txFillClrLst/>
+    <dgm:txEffectClrLst/>
+  </dgm:styleLbl>
+  <dgm:styleLbl name="bgSibTrans2D1">
+    <dgm:fillClrLst meth="repeat">
+      <a:schemeClr val="accent1">
+        <a:tint val="60000"/>
+      </a:schemeClr>
+    </dgm:fillClrLst>
+    <dgm:linClrLst meth="repeat">
+      <a:schemeClr val="accent1">
+        <a:tint val="60000"/>
+      </a:schemeClr>
+    </dgm:linClrLst>
+    <dgm:effectClrLst/>
+    <dgm:txLinClrLst/>
+    <dgm:txFillClrLst/>
+    <dgm:txEffectClrLst/>
+  </dgm:styleLbl>
+  <dgm:styleLbl name="sibTrans1D1">
+    <dgm:fillClrLst meth="repeat">
+      <a:schemeClr val="accent1"/>
+    </dgm:fillClrLst>
+    <dgm:linClrLst meth="repeat">
+      <a:schemeClr val="accent1"/>
+    </dgm:linClrLst>
+    <dgm:effectClrLst/>
+    <dgm:txLinClrLst/>
+    <dgm:txFillClrLst meth="repeat">
+      <a:schemeClr val="tx1"/>
+    </dgm:txFillClrLst>
+    <dgm:txEffectClrLst/>
+  </dgm:styleLbl>
+  <dgm:styleLbl name="callout">
+    <dgm:fillClrLst meth="repeat">
+      <a:schemeClr val="accent1"/>
+    </dgm:fillClrLst>
+    <dgm:linClrLst meth="repeat">
+      <a:schemeClr val="accent1">
+        <a:tint val="50000"/>
+      </a:schemeClr>
+    </dgm:linClrLst>
+    <dgm:effectClrLst/>
+    <dgm:txLinClrLst/>
+    <dgm:txFillClrLst meth="repeat">
+      <a:schemeClr val="tx1"/>
+    </dgm:txFillClrLst>
+    <dgm:txEffectClrLst/>
+  </dgm:styleLbl>
+  <dgm:styleLbl name="asst0">
+    <dgm:fillClrLst meth="repeat">
+      <a:schemeClr val="accent1"/>
+    </dgm:fillClrLst>
+    <dgm:linClrLst meth="repeat">
+      <a:schemeClr val="lt1"/>
+    </dgm:linClrLst>
+    <dgm:effectClrLst/>
+    <dgm:txLinClrLst/>
+    <dgm:txFillClrLst/>
+    <dgm:txEffectClrLst/>
+  </dgm:styleLbl>
+  <dgm:styleLbl name="asst1">
+    <dgm:fillClrLst meth="repeat">
+      <a:schemeClr val="accent1"/>
+    </dgm:fillClrLst>
+    <dgm:linClrLst meth="repeat">
+      <a:schemeClr val="lt1"/>
+    </dgm:linClrLst>
+    <dgm:effectClrLst/>
+    <dgm:txLinClrLst/>
+    <dgm:txFillClrLst/>
+    <dgm:txEffectClrLst/>
+  </dgm:styleLbl>
+  <dgm:styleLbl name="asst2">
+    <dgm:fillClrLst meth="repeat">
+      <a:schemeClr val="accent1"/>
+    </dgm:fillClrLst>
+    <dgm:linClrLst meth="repeat">
+      <a:schemeClr val="lt1"/>
+    </dgm:linClrLst>
+    <dgm:effectClrLst/>
+    <dgm:txLinClrLst/>
+    <dgm:txFillClrLst/>
+    <dgm:txEffectClrLst/>
+  </dgm:styleLbl>
+  <dgm:styleLbl name="asst3">
+    <dgm:fillClrLst meth="repeat">
+      <a:schemeClr val="accent1"/>
+    </dgm:fillClrLst>
+    <dgm:linClrLst meth="repeat">
+      <a:schemeClr val="lt1"/>
+    </dgm:linClrLst>
+    <dgm:effectClrLst/>
+    <dgm:txLinClrLst/>
+    <dgm:txFillClrLst/>
+    <dgm:txEffectClrLst/>
+  </dgm:styleLbl>
+  <dgm:styleLbl name="asst4">
+    <dgm:fillClrLst meth="repeat">
+      <a:schemeClr val="accent1"/>
+    </dgm:fillClrLst>
+    <dgm:linClrLst meth="repeat">
+      <a:schemeClr val="lt1"/>
+    </dgm:linClrLst>
+    <dgm:effectClrLst/>
+    <dgm:txLinClrLst/>
+    <dgm:txFillClrLst/>
+    <dgm:txEffectClrLst/>
+  </dgm:styleLbl>
+  <dgm:styleLbl name="parChTrans2D1">
+    <dgm:fillClrLst meth="repeat">
+      <a:schemeClr val="accent1">
+        <a:tint val="60000"/>
+      </a:schemeClr>
+    </dgm:fillClrLst>
+    <dgm:linClrLst meth="repeat">
+      <a:schemeClr val="accent1">
+        <a:tint val="60000"/>
+      </a:schemeClr>
+    </dgm:linClrLst>
+    <dgm:effectClrLst/>
+    <dgm:txLinClrLst/>
+    <dgm:txFillClrLst meth="repeat">
+      <a:schemeClr val="lt1"/>
+    </dgm:txFillClrLst>
+    <dgm:txEffectClrLst/>
+  </dgm:styleLbl>
+  <dgm:styleLbl name="parChTrans2D2">
+    <dgm:fillClrLst meth="repeat">
+      <a:schemeClr val="accent1"/>
+    </dgm:fillClrLst>
+    <dgm:linClrLst meth="repeat">
+      <a:schemeClr val="accent1"/>
+    </dgm:linClrLst>
+    <dgm:effectClrLst/>
+    <dgm:txLinClrLst/>
+    <dgm:txFillClrLst meth="repeat">
+      <a:schemeClr val="lt1"/>
+    </dgm:txFillClrLst>
+    <dgm:txEffectClrLst/>
+  </dgm:styleLbl>
+  <dgm:styleLbl name="parChTrans2D3">
+    <dgm:fillClrLst meth="repeat">
+      <a:schemeClr val="accent1"/>
+    </dgm:fillClrLst>
+    <dgm:linClrLst meth="repeat">
+      <a:schemeClr val="accent1"/>
+    </dgm:linClrLst>
+    <dgm:effectClrLst/>
+    <dgm:txLinClrLst/>
+    <dgm:txFillClrLst meth="repeat">
+      <a:schemeClr val="lt1"/>
+    </dgm:txFillClrLst>
+    <dgm:txEffectClrLst/>
+  </dgm:styleLbl>
+  <dgm:styleLbl name="parChTrans2D4">
+    <dgm:fillClrLst meth="repeat">
+      <a:schemeClr val="accent1"/>
+    </dgm:fillClrLst>
+    <dgm:linClrLst meth="repeat">
+      <a:schemeClr val="accent1"/>
+    </dgm:linClrLst>
+    <dgm:effectClrLst/>
+    <dgm:txLinClrLst/>
+    <dgm:txFillClrLst meth="repeat">
+      <a:schemeClr val="lt1"/>
+    </dgm:txFillClrLst>
+    <dgm:txEffectClrLst/>
+  </dgm:styleLbl>
+  <dgm:styleLbl name="parChTrans1D1">
+    <dgm:fillClrLst meth="repeat">
+      <a:schemeClr val="accent1"/>
+    </dgm:fillClrLst>
+    <dgm:linClrLst meth="repeat">
+      <a:schemeClr val="accent1">
+        <a:shade val="60000"/>
+      </a:schemeClr>
+    </dgm:linClrLst>
+    <dgm:effectClrLst/>
+    <dgm:txLinClrLst/>
+    <dgm:txFillClrLst meth="repeat">
+      <a:schemeClr val="tx1"/>
+    </dgm:txFillClrLst>
+    <dgm:txEffectClrLst/>
+  </dgm:styleLbl>
+  <dgm:styleLbl name="parChTrans1D2">
+    <dgm:fillClrLst meth="repeat">
+      <a:schemeClr val="accent1"/>
+    </dgm:fillClrLst>
+    <dgm:linClrLst meth="repeat">
+      <a:schemeClr val="accent1">
+        <a:shade val="60000"/>
+      </a:schemeClr>
+    </dgm:linClrLst>
+    <dgm:effectClrLst/>
+    <dgm:txLinClrLst/>
+    <dgm:txFillClrLst meth="repeat">
+      <a:schemeClr val="tx1"/>
+    </dgm:txFillClrLst>
+    <dgm:txEffectClrLst/>
+  </dgm:styleLbl>
+  <dgm:styleLbl name="parChTrans1D3">
+    <dgm:fillClrLst meth="repeat">
+      <a:schemeClr val="accent1"/>
+    </dgm:fillClrLst>
+    <dgm:linClrLst meth="repeat">
+      <a:schemeClr val="accent1">
+        <a:shade val="80000"/>
+      </a:schemeClr>
+    </dgm:linClrLst>
+    <dgm:effectClrLst/>
+    <dgm:txLinClrLst/>
+    <dgm:txFillClrLst meth="repeat">
+      <a:schemeClr val="tx1"/>
+    </dgm:txFillClrLst>
+    <dgm:txEffectClrLst/>
+  </dgm:styleLbl>
+  <dgm:styleLbl name="parChTrans1D4">
+    <dgm:fillClrLst meth="repeat">
+      <a:schemeClr val="accent1"/>
+    </dgm:fillClrLst>
+    <dgm:linClrLst meth="repeat">
+      <a:schemeClr val="accent1">
+        <a:shade val="80000"/>
+      </a:schemeClr>
+    </dgm:linClrLst>
+    <dgm:effectClrLst/>
+    <dgm:txLinClrLst/>
+    <dgm:txFillClrLst meth="repeat">
+      <a:schemeClr val="tx1"/>
+    </dgm:txFillClrLst>
+    <dgm:txEffectClrLst/>
+  </dgm:styleLbl>
+  <dgm:styleLbl name="fgAcc1">
+    <dgm:fillClrLst meth="repeat">
+      <a:schemeClr val="lt1">
+        <a:alpha val="90000"/>
+      </a:schemeClr>
+    </dgm:fillClrLst>
+    <dgm:linClrLst meth="repeat">
+      <a:schemeClr val="accent1"/>
+    </dgm:linClrLst>
+    <dgm:effectClrLst/>
+    <dgm:txLinClrLst/>
+    <dgm:txFillClrLst meth="repeat">
+      <a:schemeClr val="dk1"/>
+    </dgm:txFillClrLst>
+    <dgm:txEffectClrLst/>
+  </dgm:styleLbl>
+  <dgm:styleLbl name="conFgAcc1">
+    <dgm:fillClrLst meth="repeat">
+      <a:schemeClr val="lt1">
+        <a:alpha val="90000"/>
+      </a:schemeClr>
+    </dgm:fillClrLst>
+    <dgm:linClrLst meth="repeat">
+      <a:schemeClr val="accent1"/>
+    </dgm:linClrLst>
+    <dgm:effectClrLst/>
+    <dgm:txLinClrLst/>
+    <dgm:txFillClrLst meth="repeat">
+      <a:schemeClr val="dk1"/>
+    </dgm:txFillClrLst>
+    <dgm:txEffectClrLst/>
+  </dgm:styleLbl>
+  <dgm:styleLbl name="alignAcc1">
+    <dgm:fillClrLst meth="repeat">
+      <a:schemeClr val="lt1">
+        <a:alpha val="90000"/>
+      </a:schemeClr>
+    </dgm:fillClrLst>
+    <dgm:linClrLst meth="repeat">
+      <a:schemeClr val="accent1"/>
+    </dgm:linClrLst>
+    <dgm:effectClrLst/>
+    <dgm:txLinClrLst/>
+    <dgm:txFillClrLst meth="repeat">
+      <a:schemeClr val="dk1"/>
+    </dgm:txFillClrLst>
+    <dgm:txEffectClrLst/>
+  </dgm:styleLbl>
+  <dgm:styleLbl name="trAlignAcc1">
+    <dgm:fillClrLst meth="repeat">
+      <a:schemeClr val="lt1">
+        <a:alpha val="40000"/>
+      </a:schemeClr>
+    </dgm:fillClrLst>
+    <dgm:linClrLst meth="repeat">
+      <a:schemeClr val="accent1"/>
+    </dgm:linClrLst>
+    <dgm:effectClrLst/>
+    <dgm:txLinClrLst/>
+    <dgm:txFillClrLst meth="repeat">
+      <a:schemeClr val="dk1"/>
+    </dgm:txFillClrLst>
+    <dgm:txEffectClrLst/>
+  </dgm:styleLbl>
+  <dgm:styleLbl name="bgAcc1">
+    <dgm:fillClrLst meth="repeat">
+      <a:schemeClr val="lt1">
+        <a:alpha val="90000"/>
+      </a:schemeClr>
+    </dgm:fillClrLst>
+    <dgm:linClrLst meth="repeat">
+      <a:schemeClr val="accent1"/>
+    </dgm:linClrLst>
+    <dgm:effectClrLst/>
+    <dgm:txLinClrLst/>
+    <dgm:txFillClrLst meth="repeat">
+      <a:schemeClr val="dk1"/>
+    </dgm:txFillClrLst>
+    <dgm:txEffectClrLst/>
+  </dgm:styleLbl>
+  <dgm:styleLbl name="solidFgAcc1">
+    <dgm:fillClrLst meth="repeat">
+      <a:schemeClr val="lt1"/>
+    </dgm:fillClrLst>
+    <dgm:linClrLst meth="repeat">
+      <a:schemeClr val="accent1"/>
+    </dgm:linClrLst>
+    <dgm:effectClrLst/>
+    <dgm:txLinClrLst/>
+    <dgm:txFillClrLst meth="repeat">
+      <a:schemeClr val="dk1"/>
+    </dgm:txFillClrLst>
+    <dgm:txEffectClrLst/>
+  </dgm:styleLbl>
+  <dgm:styleLbl name="solidAlignAcc1">
+    <dgm:fillClrLst meth="repeat">
+      <a:schemeClr val="lt1"/>
+    </dgm:fillClrLst>
+    <dgm:linClrLst meth="repeat">
+      <a:schemeClr val="accent1"/>
+    </dgm:linClrLst>
+    <dgm:effectClrLst/>
+    <dgm:txLinClrLst/>
+    <dgm:txFillClrLst meth="repeat">
+      <a:schemeClr val="dk1"/>
+    </dgm:txFillClrLst>
+    <dgm:txEffectClrLst/>
+  </dgm:styleLbl>
+  <dgm:styleLbl name="solidBgAcc1">
+    <dgm:fillClrLst meth="repeat">
+      <a:schemeClr val="lt1"/>
+    </dgm:fillClrLst>
+    <dgm:linClrLst meth="repeat">
+      <a:schemeClr val="accent1"/>
+    </dgm:linClrLst>
+    <dgm:effectClrLst/>
+    <dgm:txLinClrLst/>
+    <dgm:txFillClrLst meth="repeat">
+      <a:schemeClr val="dk1"/>
+    </dgm:txFillClrLst>
+    <dgm:txEffectClrLst/>
+  </dgm:styleLbl>
+  <dgm:styleLbl name="fgAccFollowNode1">
+    <dgm:fillClrLst meth="repeat">
+      <a:schemeClr val="accent1">
+        <a:alpha val="90000"/>
+        <a:tint val="40000"/>
+      </a:schemeClr>
+    </dgm:fillClrLst>
+    <dgm:linClrLst meth="repeat">
+      <a:schemeClr val="accent1">
+        <a:alpha val="90000"/>
+        <a:tint val="40000"/>
+      </a:schemeClr>
+    </dgm:linClrLst>
+    <dgm:effectClrLst/>
+    <dgm:txLinClrLst/>
+    <dgm:txFillClrLst meth="repeat">
+      <a:schemeClr val="dk1"/>
+    </dgm:txFillClrLst>
+    <dgm:txEffectClrLst/>
+  </dgm:styleLbl>
+  <dgm:styleLbl name="alignAccFollowNode1">
+    <dgm:fillClrLst meth="repeat">
+      <a:schemeClr val="accent1">
+        <a:alpha val="90000"/>
+        <a:tint val="40000"/>
+      </a:schemeClr>
+    </dgm:fillClrLst>
+    <dgm:linClrLst meth="repeat">
+      <a:schemeClr val="accent1">
+        <a:alpha val="90000"/>
+        <a:tint val="40000"/>
+      </a:schemeClr>
+    </dgm:linClrLst>
+    <dgm:effectClrLst/>
+    <dgm:txLinClrLst/>
+    <dgm:txFillClrLst meth="repeat">
+      <a:schemeClr val="dk1"/>
+    </dgm:txFillClrLst>
+    <dgm:txEffectClrLst/>
+  </dgm:styleLbl>
+  <dgm:styleLbl name="bgAccFollowNode1">
+    <dgm:fillClrLst meth="repeat">
+      <a:schemeClr val="accent1">
+        <a:alpha val="90000"/>
+        <a:tint val="40000"/>
+      </a:schemeClr>
+    </dgm:fillClrLst>
+    <dgm:linClrLst meth="repeat">
+      <a:schemeClr val="accent1">
+        <a:alpha val="90000"/>
+        <a:tint val="40000"/>
+      </a:schemeClr>
+    </dgm:linClrLst>
+    <dgm:effectClrLst/>
+    <dgm:txLinClrLst/>
+    <dgm:txFillClrLst meth="repeat">
+      <a:schemeClr val="dk1"/>
+    </dgm:txFillClrLst>
+    <dgm:txEffectClrLst/>
+  </dgm:styleLbl>
+  <dgm:styleLbl name="fgAcc0">
+    <dgm:fillClrLst meth="repeat">
+      <a:schemeClr val="lt1">
+        <a:alpha val="90000"/>
+      </a:schemeClr>
+    </dgm:fillClrLst>
+    <dgm:linClrLst meth="repeat">
+      <a:schemeClr val="accent1"/>
+    </dgm:linClrLst>
+    <dgm:effectClrLst/>
+    <dgm:txLinClrLst/>
+    <dgm:txFillClrLst meth="repeat">
+      <a:schemeClr val="dk1"/>
+    </dgm:txFillClrLst>
+    <dgm:txEffectClrLst/>
+  </dgm:styleLbl>
+  <dgm:styleLbl name="fgAcc2">
+    <dgm:fillClrLst meth="repeat">
+      <a:schemeClr val="lt1">
+        <a:alpha val="90000"/>
+      </a:schemeClr>
+    </dgm:fillClrLst>
+    <dgm:linClrLst meth="repeat">
+      <a:schemeClr val="accent1"/>
+    </dgm:linClrLst>
+    <dgm:effectClrLst/>
+    <dgm:txLinClrLst/>
+    <dgm:txFillClrLst meth="repeat">
+      <a:schemeClr val="dk1"/>
+    </dgm:txFillClrLst>
+    <dgm:txEffectClrLst/>
+  </dgm:styleLbl>
+  <dgm:styleLbl name="fgAcc3">
+    <dgm:fillClrLst meth="repeat">
+      <a:schemeClr val="lt1">
+        <a:alpha val="90000"/>
+      </a:schemeClr>
+    </dgm:fillClrLst>
+    <dgm:linClrLst meth="repeat">
+      <a:schemeClr val="accent1"/>
+    </dgm:linClrLst>
+    <dgm:effectClrLst/>
+    <dgm:txLinClrLst/>
+    <dgm:txFillClrLst meth="repeat">
+      <a:schemeClr val="dk1"/>
+    </dgm:txFillClrLst>
+    <dgm:txEffectClrLst/>
+  </dgm:styleLbl>
+  <dgm:styleLbl name="fgAcc4">
+    <dgm:fillClrLst meth="repeat">
+      <a:schemeClr val="lt1">
+        <a:alpha val="90000"/>
+      </a:schemeClr>
+    </dgm:fillClrLst>
+    <dgm:linClrLst meth="repeat">
+      <a:schemeClr val="accent1"/>
+    </dgm:linClrLst>
+    <dgm:effectClrLst/>
+    <dgm:txLinClrLst/>
+    <dgm:txFillClrLst meth="repeat">
+      <a:schemeClr val="dk1"/>
+    </dgm:txFillClrLst>
+    <dgm:txEffectClrLst/>
+  </dgm:styleLbl>
+  <dgm:styleLbl name="bgShp">
+    <dgm:fillClrLst meth="repeat">
+      <a:schemeClr val="accent1">
+        <a:tint val="40000"/>
+      </a:schemeClr>
+    </dgm:fillClrLst>
+    <dgm:linClrLst meth="repeat">
+      <a:schemeClr val="accent1"/>
+    </dgm:linClrLst>
+    <dgm:effectClrLst/>
+    <dgm:txLinClrLst/>
+    <dgm:txFillClrLst meth="repeat">
+      <a:schemeClr val="dk1"/>
+    </dgm:txFillClrLst>
+    <dgm:txEffectClrLst/>
+  </dgm:styleLbl>
+  <dgm:styleLbl name="dkBgShp">
+    <dgm:fillClrLst meth="repeat">
+      <a:schemeClr val="accent1">
+        <a:shade val="80000"/>
+      </a:schemeClr>
+    </dgm:fillClrLst>
+    <dgm:linClrLst meth="repeat">
+      <a:schemeClr val="accent1"/>
+    </dgm:linClrLst>
+    <dgm:effectClrLst/>
+    <dgm:txLinClrLst/>
+    <dgm:txFillClrLst meth="repeat">
+      <a:schemeClr val="lt1"/>
+    </dgm:txFillClrLst>
+    <dgm:txEffectClrLst/>
+  </dgm:styleLbl>
+  <dgm:styleLbl name="trBgShp">
+    <dgm:fillClrLst meth="repeat">
+      <a:schemeClr val="accent1">
+        <a:tint val="50000"/>
+        <a:alpha val="40000"/>
+      </a:schemeClr>
+    </dgm:fillClrLst>
+    <dgm:linClrLst meth="repeat">
+      <a:schemeClr val="accent1"/>
+    </dgm:linClrLst>
+    <dgm:effectClrLst/>
+    <dgm:txLinClrLst/>
+    <dgm:txFillClrLst meth="repeat">
+      <a:schemeClr val="lt1"/>
+    </dgm:txFillClrLst>
+    <dgm:txEffectClrLst/>
+  </dgm:styleLbl>
+  <dgm:styleLbl name="fgShp">
+    <dgm:fillClrLst meth="repeat">
+      <a:schemeClr val="accent1">
+        <a:tint val="60000"/>
+      </a:schemeClr>
+    </dgm:fillClrLst>
+    <dgm:linClrLst meth="repeat">
+      <a:schemeClr val="lt1"/>
+    </dgm:linClrLst>
+    <dgm:effectClrLst/>
+    <dgm:txLinClrLst/>
+    <dgm:txFillClrLst meth="repeat">
+      <a:schemeClr val="dk1"/>
+    </dgm:txFillClrLst>
+    <dgm:txEffectClrLst/>
+  </dgm:styleLbl>
+  <dgm:styleLbl name="revTx">
+    <dgm:fillClrLst meth="repeat">
+      <a:schemeClr val="lt1">
+        <a:alpha val="0"/>
+      </a:schemeClr>
+    </dgm:fillClrLst>
+    <dgm:linClrLst meth="repeat">
+      <a:schemeClr val="dk1">
+        <a:alpha val="0"/>
+      </a:schemeClr>
+    </dgm:linClrLst>
+    <dgm:effectClrLst/>
+    <dgm:txLinClrLst/>
+    <dgm:txFillClrLst meth="repeat">
+      <a:schemeClr val="tx1"/>
+    </dgm:txFillClrLst>
+    <dgm:txEffectClrLst/>
+  </dgm:styleLbl>
+</dgm:colorsDef>
+</file>
+
+<file path=ppt/diagrams/data1.xml><?xml version="1.0" encoding="utf-8"?>
+<dgm:dataModel xmlns:dgm="http://schemas.openxmlformats.org/drawingml/2006/diagram" xmlns:a="http://schemas.openxmlformats.org/drawingml/2006/main">
+  <dgm:ptLst>
+    <dgm:pt modelId="{F99380A9-B668-449B-920D-51F879F1D912}" type="doc">
+      <dgm:prSet loTypeId="urn:microsoft.com/office/officeart/2005/8/layout/process4" loCatId="process" qsTypeId="urn:microsoft.com/office/officeart/2005/8/quickstyle/simple1" qsCatId="simple" csTypeId="urn:microsoft.com/office/officeart/2005/8/colors/accent1_2" csCatId="accent1" phldr="1"/>
+      <dgm:spPr/>
+      <dgm:t>
+        <a:bodyPr/>
+        <a:lstStyle/>
+        <a:p>
+          <a:endParaRPr lang="en-US"/>
+        </a:p>
+      </dgm:t>
+    </dgm:pt>
+    <dgm:pt modelId="{AF5DDCCF-7B53-4A4C-B16E-39CF90B0B9F2}">
+      <dgm:prSet phldrT="[Text]"/>
+      <dgm:spPr/>
+      <dgm:t>
+        <a:bodyPr/>
+        <a:lstStyle/>
+        <a:p>
+          <a:r>
+            <a:rPr lang="en-US" dirty="0"/>
+            <a:t>Process Method</a:t>
+          </a:r>
+        </a:p>
+      </dgm:t>
+    </dgm:pt>
+    <dgm:pt modelId="{8C8E70BC-9E4D-4023-A47E-827D82FC4EDA}" type="parTrans" cxnId="{048A2377-7277-4D45-94BD-550681A57AB6}">
+      <dgm:prSet/>
+      <dgm:spPr/>
+      <dgm:t>
+        <a:bodyPr/>
+        <a:lstStyle/>
+        <a:p>
+          <a:endParaRPr lang="en-US"/>
+        </a:p>
+      </dgm:t>
+    </dgm:pt>
+    <dgm:pt modelId="{7C380EF4-200F-4795-B540-E1B1F36C0852}" type="sibTrans" cxnId="{048A2377-7277-4D45-94BD-550681A57AB6}">
+      <dgm:prSet/>
+      <dgm:spPr/>
+      <dgm:t>
+        <a:bodyPr/>
+        <a:lstStyle/>
+        <a:p>
+          <a:endParaRPr lang="en-US"/>
+        </a:p>
+      </dgm:t>
+    </dgm:pt>
+    <dgm:pt modelId="{BCACD718-32BE-45F5-A691-B9EE3D302E1E}">
+      <dgm:prSet phldrT="[Text]"/>
+      <dgm:spPr/>
+      <dgm:t>
+        <a:bodyPr/>
+        <a:lstStyle/>
+        <a:p>
+          <a:r>
+            <a:rPr lang="en-US" dirty="0"/>
+            <a:t>Process Method</a:t>
+          </a:r>
+        </a:p>
+      </dgm:t>
+    </dgm:pt>
+    <dgm:pt modelId="{24AA74BD-90C3-4800-A1A3-D270A267950D}" type="parTrans" cxnId="{4BB6292B-DD56-48D3-9197-BBA14AF5C9A7}">
+      <dgm:prSet/>
+      <dgm:spPr/>
+      <dgm:t>
+        <a:bodyPr/>
+        <a:lstStyle/>
+        <a:p>
+          <a:endParaRPr lang="en-US"/>
+        </a:p>
+      </dgm:t>
+    </dgm:pt>
+    <dgm:pt modelId="{499878E2-56A0-48DF-8DFC-116485555A64}" type="sibTrans" cxnId="{4BB6292B-DD56-48D3-9197-BBA14AF5C9A7}">
+      <dgm:prSet/>
+      <dgm:spPr/>
+      <dgm:t>
+        <a:bodyPr/>
+        <a:lstStyle/>
+        <a:p>
+          <a:endParaRPr lang="en-US"/>
+        </a:p>
+      </dgm:t>
+    </dgm:pt>
+    <dgm:pt modelId="{B1C23AF6-BE31-4914-818C-D393C108EC10}">
+      <dgm:prSet phldrT="[Text]"/>
+      <dgm:spPr/>
+      <dgm:t>
+        <a:bodyPr/>
+        <a:lstStyle/>
+        <a:p>
+          <a:r>
+            <a:rPr lang="en-US" dirty="0"/>
+            <a:t>Transaction</a:t>
+          </a:r>
+        </a:p>
+      </dgm:t>
+    </dgm:pt>
+    <dgm:pt modelId="{C223CFEE-25DD-43D7-A029-7F94691B435F}" type="parTrans" cxnId="{2C0F271A-9DC3-4874-8512-544D4DA2466A}">
+      <dgm:prSet/>
+      <dgm:spPr/>
+      <dgm:t>
+        <a:bodyPr/>
+        <a:lstStyle/>
+        <a:p>
+          <a:endParaRPr lang="en-US"/>
+        </a:p>
+      </dgm:t>
+    </dgm:pt>
+    <dgm:pt modelId="{7E469D0A-54AF-4D30-9C2F-77F6AC72E6D1}" type="sibTrans" cxnId="{2C0F271A-9DC3-4874-8512-544D4DA2466A}">
+      <dgm:prSet/>
+      <dgm:spPr/>
+      <dgm:t>
+        <a:bodyPr/>
+        <a:lstStyle/>
+        <a:p>
+          <a:endParaRPr lang="en-US"/>
+        </a:p>
+      </dgm:t>
+    </dgm:pt>
+    <dgm:pt modelId="{DEFEEA8C-B625-46EB-80FD-8036FD4F5303}">
+      <dgm:prSet phldrT="[Text]"/>
+      <dgm:spPr/>
+      <dgm:t>
+        <a:bodyPr/>
+        <a:lstStyle/>
+        <a:p>
+          <a:r>
+            <a:rPr lang="en-US" dirty="0"/>
+            <a:t>Process Method</a:t>
+          </a:r>
+        </a:p>
+      </dgm:t>
+    </dgm:pt>
+    <dgm:pt modelId="{EDBDE7BE-D6D0-4703-A2B0-226A24124F33}" type="parTrans" cxnId="{EB4A50D6-95CB-4D43-A4F7-D35E4A73B5D4}">
+      <dgm:prSet/>
+      <dgm:spPr/>
+      <dgm:t>
+        <a:bodyPr/>
+        <a:lstStyle/>
+        <a:p>
+          <a:endParaRPr lang="en-US"/>
+        </a:p>
+      </dgm:t>
+    </dgm:pt>
+    <dgm:pt modelId="{8C34E643-4E2F-427D-B1B8-4EF161F3BA87}" type="sibTrans" cxnId="{EB4A50D6-95CB-4D43-A4F7-D35E4A73B5D4}">
+      <dgm:prSet/>
+      <dgm:spPr/>
+      <dgm:t>
+        <a:bodyPr/>
+        <a:lstStyle/>
+        <a:p>
+          <a:endParaRPr lang="en-US"/>
+        </a:p>
+      </dgm:t>
+    </dgm:pt>
+    <dgm:pt modelId="{66C197CC-BD55-4780-96DB-FFC14484B6F4}">
+      <dgm:prSet phldrT="[Text]"/>
+      <dgm:spPr/>
+      <dgm:t>
+        <a:bodyPr/>
+        <a:lstStyle/>
+        <a:p>
+          <a:r>
+            <a:rPr lang="en-US" dirty="0"/>
+            <a:t>Transaction</a:t>
+          </a:r>
+        </a:p>
+      </dgm:t>
+    </dgm:pt>
+    <dgm:pt modelId="{4B100D52-6AC8-4E7A-B2E0-9BE05AA4D77F}" type="parTrans" cxnId="{5FD16841-95BF-4B41-A4E7-AE6413BC0FB4}">
+      <dgm:prSet/>
+      <dgm:spPr/>
+      <dgm:t>
+        <a:bodyPr/>
+        <a:lstStyle/>
+        <a:p>
+          <a:endParaRPr lang="en-US"/>
+        </a:p>
+      </dgm:t>
+    </dgm:pt>
+    <dgm:pt modelId="{5BC94DCE-9E38-44EB-9E41-46759D062B81}" type="sibTrans" cxnId="{5FD16841-95BF-4B41-A4E7-AE6413BC0FB4}">
+      <dgm:prSet/>
+      <dgm:spPr/>
+      <dgm:t>
+        <a:bodyPr/>
+        <a:lstStyle/>
+        <a:p>
+          <a:endParaRPr lang="en-US"/>
+        </a:p>
+      </dgm:t>
+    </dgm:pt>
+    <dgm:pt modelId="{D67728B6-92E8-4009-AF69-2D48B766590A}">
+      <dgm:prSet phldrT="[Text]"/>
+      <dgm:spPr/>
+      <dgm:t>
+        <a:bodyPr/>
+        <a:lstStyle/>
+        <a:p>
+          <a:r>
+            <a:rPr lang="en-US" dirty="0"/>
+            <a:t>Transaction</a:t>
+          </a:r>
+        </a:p>
+      </dgm:t>
+    </dgm:pt>
+    <dgm:pt modelId="{9CAA8F85-7896-4A6C-95BD-5F459416FE75}" type="parTrans" cxnId="{51035011-0488-4BE7-A87A-2C3725D7D1F3}">
+      <dgm:prSet/>
+      <dgm:spPr/>
+      <dgm:t>
+        <a:bodyPr/>
+        <a:lstStyle/>
+        <a:p>
+          <a:endParaRPr lang="en-US"/>
+        </a:p>
+      </dgm:t>
+    </dgm:pt>
+    <dgm:pt modelId="{37B92E8C-6F31-4F44-83F6-FAA9B09C5FE2}" type="sibTrans" cxnId="{51035011-0488-4BE7-A87A-2C3725D7D1F3}">
+      <dgm:prSet/>
+      <dgm:spPr/>
+      <dgm:t>
+        <a:bodyPr/>
+        <a:lstStyle/>
+        <a:p>
+          <a:endParaRPr lang="en-US"/>
+        </a:p>
+      </dgm:t>
+    </dgm:pt>
+    <dgm:pt modelId="{42A4C1D8-DA21-497B-AD89-C3F1BD36FC1F}" type="pres">
+      <dgm:prSet presAssocID="{F99380A9-B668-449B-920D-51F879F1D912}" presName="Name0" presStyleCnt="0">
+        <dgm:presLayoutVars>
+          <dgm:dir/>
+          <dgm:animLvl val="lvl"/>
+          <dgm:resizeHandles val="exact"/>
+        </dgm:presLayoutVars>
+      </dgm:prSet>
+      <dgm:spPr/>
+    </dgm:pt>
+    <dgm:pt modelId="{AB831EBA-42C9-42E3-BE38-860137BBD197}" type="pres">
+      <dgm:prSet presAssocID="{DEFEEA8C-B625-46EB-80FD-8036FD4F5303}" presName="boxAndChildren" presStyleCnt="0"/>
+      <dgm:spPr/>
+    </dgm:pt>
+    <dgm:pt modelId="{6BB44E00-F442-4F25-9FE5-5B179876D08F}" type="pres">
+      <dgm:prSet presAssocID="{DEFEEA8C-B625-46EB-80FD-8036FD4F5303}" presName="parentTextBox" presStyleLbl="node1" presStyleIdx="0" presStyleCnt="3"/>
+      <dgm:spPr/>
+    </dgm:pt>
+    <dgm:pt modelId="{9631F43F-71D5-439A-86EB-4907586BC29B}" type="pres">
+      <dgm:prSet presAssocID="{DEFEEA8C-B625-46EB-80FD-8036FD4F5303}" presName="entireBox" presStyleLbl="node1" presStyleIdx="0" presStyleCnt="3"/>
+      <dgm:spPr/>
+    </dgm:pt>
+    <dgm:pt modelId="{26C1CA6A-7580-46A3-852D-2AC2E267A96A}" type="pres">
+      <dgm:prSet presAssocID="{DEFEEA8C-B625-46EB-80FD-8036FD4F5303}" presName="descendantBox" presStyleCnt="0"/>
+      <dgm:spPr/>
+    </dgm:pt>
+    <dgm:pt modelId="{54A6DB46-4E13-4153-BD8C-D6279691D80C}" type="pres">
+      <dgm:prSet presAssocID="{66C197CC-BD55-4780-96DB-FFC14484B6F4}" presName="childTextBox" presStyleLbl="fgAccFollowNode1" presStyleIdx="0" presStyleCnt="3">
+        <dgm:presLayoutVars>
+          <dgm:bulletEnabled val="1"/>
+        </dgm:presLayoutVars>
+      </dgm:prSet>
+      <dgm:spPr/>
+    </dgm:pt>
+    <dgm:pt modelId="{0224B1D2-05F9-4A1B-906C-857E8ACDED88}" type="pres">
+      <dgm:prSet presAssocID="{499878E2-56A0-48DF-8DFC-116485555A64}" presName="sp" presStyleCnt="0"/>
+      <dgm:spPr/>
+    </dgm:pt>
+    <dgm:pt modelId="{8F0E84AF-1653-4201-B5CC-E21E54B9861C}" type="pres">
+      <dgm:prSet presAssocID="{BCACD718-32BE-45F5-A691-B9EE3D302E1E}" presName="arrowAndChildren" presStyleCnt="0"/>
+      <dgm:spPr/>
+    </dgm:pt>
+    <dgm:pt modelId="{698DB033-4727-4E3C-BCFC-6EC35C5DF62E}" type="pres">
+      <dgm:prSet presAssocID="{BCACD718-32BE-45F5-A691-B9EE3D302E1E}" presName="parentTextArrow" presStyleLbl="node1" presStyleIdx="0" presStyleCnt="3"/>
+      <dgm:spPr/>
+    </dgm:pt>
+    <dgm:pt modelId="{BF6C8519-5E48-48CB-BE06-DDDDCA6D630D}" type="pres">
+      <dgm:prSet presAssocID="{BCACD718-32BE-45F5-A691-B9EE3D302E1E}" presName="arrow" presStyleLbl="node1" presStyleIdx="1" presStyleCnt="3"/>
+      <dgm:spPr/>
+    </dgm:pt>
+    <dgm:pt modelId="{5205DD39-C5D3-4284-9D9B-B658A2CD2453}" type="pres">
+      <dgm:prSet presAssocID="{BCACD718-32BE-45F5-A691-B9EE3D302E1E}" presName="descendantArrow" presStyleCnt="0"/>
+      <dgm:spPr/>
+    </dgm:pt>
+    <dgm:pt modelId="{37BA5629-FAFC-412A-90CD-731215C7A978}" type="pres">
+      <dgm:prSet presAssocID="{B1C23AF6-BE31-4914-818C-D393C108EC10}" presName="childTextArrow" presStyleLbl="fgAccFollowNode1" presStyleIdx="1" presStyleCnt="3">
+        <dgm:presLayoutVars>
+          <dgm:bulletEnabled val="1"/>
+        </dgm:presLayoutVars>
+      </dgm:prSet>
+      <dgm:spPr/>
+    </dgm:pt>
+    <dgm:pt modelId="{4CAAE9F4-C392-4122-BDAD-5D68D03A523A}" type="pres">
+      <dgm:prSet presAssocID="{7C380EF4-200F-4795-B540-E1B1F36C0852}" presName="sp" presStyleCnt="0"/>
+      <dgm:spPr/>
+    </dgm:pt>
+    <dgm:pt modelId="{A16754B7-11E3-46CE-BE48-FA5C14097FE2}" type="pres">
+      <dgm:prSet presAssocID="{AF5DDCCF-7B53-4A4C-B16E-39CF90B0B9F2}" presName="arrowAndChildren" presStyleCnt="0"/>
+      <dgm:spPr/>
+    </dgm:pt>
+    <dgm:pt modelId="{5392887C-2905-4E40-8FF8-A9BCA74D5336}" type="pres">
+      <dgm:prSet presAssocID="{AF5DDCCF-7B53-4A4C-B16E-39CF90B0B9F2}" presName="parentTextArrow" presStyleLbl="node1" presStyleIdx="1" presStyleCnt="3"/>
+      <dgm:spPr/>
+    </dgm:pt>
+    <dgm:pt modelId="{99145A6D-7000-4445-B530-229FB8F1789A}" type="pres">
+      <dgm:prSet presAssocID="{AF5DDCCF-7B53-4A4C-B16E-39CF90B0B9F2}" presName="arrow" presStyleLbl="node1" presStyleIdx="2" presStyleCnt="3"/>
+      <dgm:spPr/>
+    </dgm:pt>
+    <dgm:pt modelId="{A94517AB-06BF-49C0-8890-E5273C62BC0E}" type="pres">
+      <dgm:prSet presAssocID="{AF5DDCCF-7B53-4A4C-B16E-39CF90B0B9F2}" presName="descendantArrow" presStyleCnt="0"/>
+      <dgm:spPr/>
+    </dgm:pt>
+    <dgm:pt modelId="{D0E5A419-A8C3-4EF2-B67D-F59D92AFFF5C}" type="pres">
+      <dgm:prSet presAssocID="{D67728B6-92E8-4009-AF69-2D48B766590A}" presName="childTextArrow" presStyleLbl="fgAccFollowNode1" presStyleIdx="2" presStyleCnt="3">
+        <dgm:presLayoutVars>
+          <dgm:bulletEnabled val="1"/>
+        </dgm:presLayoutVars>
+      </dgm:prSet>
+      <dgm:spPr/>
+    </dgm:pt>
+  </dgm:ptLst>
+  <dgm:cxnLst>
+    <dgm:cxn modelId="{A09F15EC-1400-4F16-9959-003918DF7A7E}" type="presOf" srcId="{BCACD718-32BE-45F5-A691-B9EE3D302E1E}" destId="{698DB033-4727-4E3C-BCFC-6EC35C5DF62E}" srcOrd="0" destOrd="0" presId="urn:microsoft.com/office/officeart/2005/8/layout/process4"/>
+    <dgm:cxn modelId="{4BB6292B-DD56-48D3-9197-BBA14AF5C9A7}" srcId="{F99380A9-B668-449B-920D-51F879F1D912}" destId="{BCACD718-32BE-45F5-A691-B9EE3D302E1E}" srcOrd="1" destOrd="0" parTransId="{24AA74BD-90C3-4800-A1A3-D270A267950D}" sibTransId="{499878E2-56A0-48DF-8DFC-116485555A64}"/>
+    <dgm:cxn modelId="{E42AB08B-CCF6-485D-B438-83FFAEE130A0}" type="presOf" srcId="{AF5DDCCF-7B53-4A4C-B16E-39CF90B0B9F2}" destId="{99145A6D-7000-4445-B530-229FB8F1789A}" srcOrd="1" destOrd="0" presId="urn:microsoft.com/office/officeart/2005/8/layout/process4"/>
+    <dgm:cxn modelId="{B7A6575D-38FD-4DB9-804B-6161B9C31898}" type="presOf" srcId="{DEFEEA8C-B625-46EB-80FD-8036FD4F5303}" destId="{6BB44E00-F442-4F25-9FE5-5B179876D08F}" srcOrd="0" destOrd="0" presId="urn:microsoft.com/office/officeart/2005/8/layout/process4"/>
+    <dgm:cxn modelId="{6F36FE41-029D-49FF-83B1-373D29A2262C}" type="presOf" srcId="{B1C23AF6-BE31-4914-818C-D393C108EC10}" destId="{37BA5629-FAFC-412A-90CD-731215C7A978}" srcOrd="0" destOrd="0" presId="urn:microsoft.com/office/officeart/2005/8/layout/process4"/>
+    <dgm:cxn modelId="{60284354-1283-4E49-8A2A-6BDAF10A67EC}" type="presOf" srcId="{BCACD718-32BE-45F5-A691-B9EE3D302E1E}" destId="{BF6C8519-5E48-48CB-BE06-DDDDCA6D630D}" srcOrd="1" destOrd="0" presId="urn:microsoft.com/office/officeart/2005/8/layout/process4"/>
+    <dgm:cxn modelId="{2C0F271A-9DC3-4874-8512-544D4DA2466A}" srcId="{BCACD718-32BE-45F5-A691-B9EE3D302E1E}" destId="{B1C23AF6-BE31-4914-818C-D393C108EC10}" srcOrd="0" destOrd="0" parTransId="{C223CFEE-25DD-43D7-A029-7F94691B435F}" sibTransId="{7E469D0A-54AF-4D30-9C2F-77F6AC72E6D1}"/>
+    <dgm:cxn modelId="{EDD64CC0-B960-4961-A8CA-E2C259E9C0C3}" type="presOf" srcId="{DEFEEA8C-B625-46EB-80FD-8036FD4F5303}" destId="{9631F43F-71D5-439A-86EB-4907586BC29B}" srcOrd="1" destOrd="0" presId="urn:microsoft.com/office/officeart/2005/8/layout/process4"/>
+    <dgm:cxn modelId="{3727209C-D399-49BA-975D-34906BF26614}" type="presOf" srcId="{D67728B6-92E8-4009-AF69-2D48B766590A}" destId="{D0E5A419-A8C3-4EF2-B67D-F59D92AFFF5C}" srcOrd="0" destOrd="0" presId="urn:microsoft.com/office/officeart/2005/8/layout/process4"/>
+    <dgm:cxn modelId="{FABF78A1-B7CE-4C9C-99A2-14A03F8BCD47}" type="presOf" srcId="{66C197CC-BD55-4780-96DB-FFC14484B6F4}" destId="{54A6DB46-4E13-4153-BD8C-D6279691D80C}" srcOrd="0" destOrd="0" presId="urn:microsoft.com/office/officeart/2005/8/layout/process4"/>
+    <dgm:cxn modelId="{8960B50A-8489-4BB3-ADB4-23568788FC4A}" type="presOf" srcId="{AF5DDCCF-7B53-4A4C-B16E-39CF90B0B9F2}" destId="{5392887C-2905-4E40-8FF8-A9BCA74D5336}" srcOrd="0" destOrd="0" presId="urn:microsoft.com/office/officeart/2005/8/layout/process4"/>
+    <dgm:cxn modelId="{5FD16841-95BF-4B41-A4E7-AE6413BC0FB4}" srcId="{DEFEEA8C-B625-46EB-80FD-8036FD4F5303}" destId="{66C197CC-BD55-4780-96DB-FFC14484B6F4}" srcOrd="0" destOrd="0" parTransId="{4B100D52-6AC8-4E7A-B2E0-9BE05AA4D77F}" sibTransId="{5BC94DCE-9E38-44EB-9E41-46759D062B81}"/>
+    <dgm:cxn modelId="{8A78FD57-467D-48C8-A90D-A3736DD1D8A7}" type="presOf" srcId="{F99380A9-B668-449B-920D-51F879F1D912}" destId="{42A4C1D8-DA21-497B-AD89-C3F1BD36FC1F}" srcOrd="0" destOrd="0" presId="urn:microsoft.com/office/officeart/2005/8/layout/process4"/>
+    <dgm:cxn modelId="{51035011-0488-4BE7-A87A-2C3725D7D1F3}" srcId="{AF5DDCCF-7B53-4A4C-B16E-39CF90B0B9F2}" destId="{D67728B6-92E8-4009-AF69-2D48B766590A}" srcOrd="0" destOrd="0" parTransId="{9CAA8F85-7896-4A6C-95BD-5F459416FE75}" sibTransId="{37B92E8C-6F31-4F44-83F6-FAA9B09C5FE2}"/>
+    <dgm:cxn modelId="{048A2377-7277-4D45-94BD-550681A57AB6}" srcId="{F99380A9-B668-449B-920D-51F879F1D912}" destId="{AF5DDCCF-7B53-4A4C-B16E-39CF90B0B9F2}" srcOrd="0" destOrd="0" parTransId="{8C8E70BC-9E4D-4023-A47E-827D82FC4EDA}" sibTransId="{7C380EF4-200F-4795-B540-E1B1F36C0852}"/>
+    <dgm:cxn modelId="{EB4A50D6-95CB-4D43-A4F7-D35E4A73B5D4}" srcId="{F99380A9-B668-449B-920D-51F879F1D912}" destId="{DEFEEA8C-B625-46EB-80FD-8036FD4F5303}" srcOrd="2" destOrd="0" parTransId="{EDBDE7BE-D6D0-4703-A2B0-226A24124F33}" sibTransId="{8C34E643-4E2F-427D-B1B8-4EF161F3BA87}"/>
+    <dgm:cxn modelId="{FF4C1400-1108-4DCE-9371-BE6F1C78C323}" type="presParOf" srcId="{42A4C1D8-DA21-497B-AD89-C3F1BD36FC1F}" destId="{AB831EBA-42C9-42E3-BE38-860137BBD197}" srcOrd="0" destOrd="0" presId="urn:microsoft.com/office/officeart/2005/8/layout/process4"/>
+    <dgm:cxn modelId="{9D6C4966-9CCD-4422-B42E-DA5FBBF2378A}" type="presParOf" srcId="{AB831EBA-42C9-42E3-BE38-860137BBD197}" destId="{6BB44E00-F442-4F25-9FE5-5B179876D08F}" srcOrd="0" destOrd="0" presId="urn:microsoft.com/office/officeart/2005/8/layout/process4"/>
+    <dgm:cxn modelId="{6A4D93F8-7C42-4481-98C9-2F6A513766FF}" type="presParOf" srcId="{AB831EBA-42C9-42E3-BE38-860137BBD197}" destId="{9631F43F-71D5-439A-86EB-4907586BC29B}" srcOrd="1" destOrd="0" presId="urn:microsoft.com/office/officeart/2005/8/layout/process4"/>
+    <dgm:cxn modelId="{600907C2-3C2B-4FAA-AB5F-221268947BF8}" type="presParOf" srcId="{AB831EBA-42C9-42E3-BE38-860137BBD197}" destId="{26C1CA6A-7580-46A3-852D-2AC2E267A96A}" srcOrd="2" destOrd="0" presId="urn:microsoft.com/office/officeart/2005/8/layout/process4"/>
+    <dgm:cxn modelId="{C0C4D482-B7BA-4D98-A6D7-D2144C87CE4C}" type="presParOf" srcId="{26C1CA6A-7580-46A3-852D-2AC2E267A96A}" destId="{54A6DB46-4E13-4153-BD8C-D6279691D80C}" srcOrd="0" destOrd="0" presId="urn:microsoft.com/office/officeart/2005/8/layout/process4"/>
+    <dgm:cxn modelId="{BE801CA1-FBA3-4E63-BD74-EBC072637C9E}" type="presParOf" srcId="{42A4C1D8-DA21-497B-AD89-C3F1BD36FC1F}" destId="{0224B1D2-05F9-4A1B-906C-857E8ACDED88}" srcOrd="1" destOrd="0" presId="urn:microsoft.com/office/officeart/2005/8/layout/process4"/>
+    <dgm:cxn modelId="{33F5F0EA-EDED-4FA2-A795-BC5F84841052}" type="presParOf" srcId="{42A4C1D8-DA21-497B-AD89-C3F1BD36FC1F}" destId="{8F0E84AF-1653-4201-B5CC-E21E54B9861C}" srcOrd="2" destOrd="0" presId="urn:microsoft.com/office/officeart/2005/8/layout/process4"/>
+    <dgm:cxn modelId="{D0066F4D-D99D-4D44-A8A8-9BA0E2E25737}" type="presParOf" srcId="{8F0E84AF-1653-4201-B5CC-E21E54B9861C}" destId="{698DB033-4727-4E3C-BCFC-6EC35C5DF62E}" srcOrd="0" destOrd="0" presId="urn:microsoft.com/office/officeart/2005/8/layout/process4"/>
+    <dgm:cxn modelId="{E3D8668A-51BF-4E48-BC3C-E24E712CFD44}" type="presParOf" srcId="{8F0E84AF-1653-4201-B5CC-E21E54B9861C}" destId="{BF6C8519-5E48-48CB-BE06-DDDDCA6D630D}" srcOrd="1" destOrd="0" presId="urn:microsoft.com/office/officeart/2005/8/layout/process4"/>
+    <dgm:cxn modelId="{F18FA976-9E8A-480C-AE42-A9FE0AD1187D}" type="presParOf" srcId="{8F0E84AF-1653-4201-B5CC-E21E54B9861C}" destId="{5205DD39-C5D3-4284-9D9B-B658A2CD2453}" srcOrd="2" destOrd="0" presId="urn:microsoft.com/office/officeart/2005/8/layout/process4"/>
+    <dgm:cxn modelId="{F086C024-7628-44A3-BBBE-DD25CECDBB02}" type="presParOf" srcId="{5205DD39-C5D3-4284-9D9B-B658A2CD2453}" destId="{37BA5629-FAFC-412A-90CD-731215C7A978}" srcOrd="0" destOrd="0" presId="urn:microsoft.com/office/officeart/2005/8/layout/process4"/>
+    <dgm:cxn modelId="{D06A99A3-9136-4F0A-9F3D-5DD1F67C0AFC}" type="presParOf" srcId="{42A4C1D8-DA21-497B-AD89-C3F1BD36FC1F}" destId="{4CAAE9F4-C392-4122-BDAD-5D68D03A523A}" srcOrd="3" destOrd="0" presId="urn:microsoft.com/office/officeart/2005/8/layout/process4"/>
+    <dgm:cxn modelId="{07692C4B-DD7D-463B-9C0E-72B703A270F2}" type="presParOf" srcId="{42A4C1D8-DA21-497B-AD89-C3F1BD36FC1F}" destId="{A16754B7-11E3-46CE-BE48-FA5C14097FE2}" srcOrd="4" destOrd="0" presId="urn:microsoft.com/office/officeart/2005/8/layout/process4"/>
+    <dgm:cxn modelId="{5D58DBB8-13D4-410D-9DDF-D701FE955337}" type="presParOf" srcId="{A16754B7-11E3-46CE-BE48-FA5C14097FE2}" destId="{5392887C-2905-4E40-8FF8-A9BCA74D5336}" srcOrd="0" destOrd="0" presId="urn:microsoft.com/office/officeart/2005/8/layout/process4"/>
+    <dgm:cxn modelId="{F5AB83D6-309D-4C02-AA3B-F5F956888598}" type="presParOf" srcId="{A16754B7-11E3-46CE-BE48-FA5C14097FE2}" destId="{99145A6D-7000-4445-B530-229FB8F1789A}" srcOrd="1" destOrd="0" presId="urn:microsoft.com/office/officeart/2005/8/layout/process4"/>
+    <dgm:cxn modelId="{A8BD2D72-65B9-4C2D-9174-338D92E5873D}" type="presParOf" srcId="{A16754B7-11E3-46CE-BE48-FA5C14097FE2}" destId="{A94517AB-06BF-49C0-8890-E5273C62BC0E}" srcOrd="2" destOrd="0" presId="urn:microsoft.com/office/officeart/2005/8/layout/process4"/>
+    <dgm:cxn modelId="{39CBFF0F-F3F6-4014-8169-B66B2C7C7C76}" type="presParOf" srcId="{A94517AB-06BF-49C0-8890-E5273C62BC0E}" destId="{D0E5A419-A8C3-4EF2-B67D-F59D92AFFF5C}" srcOrd="0" destOrd="0" presId="urn:microsoft.com/office/officeart/2005/8/layout/process4"/>
+  </dgm:cxnLst>
+  <dgm:bg/>
+  <dgm:whole/>
+  <dgm:extLst>
+    <a:ext uri="http://schemas.microsoft.com/office/drawing/2008/diagram">
+      <dsp:dataModelExt xmlns:dsp="http://schemas.microsoft.com/office/drawing/2008/diagram" relId="rId6" minVer="http://schemas.openxmlformats.org/drawingml/2006/diagram"/>
+    </a:ext>
+  </dgm:extLst>
+</dgm:dataModel>
+</file>
+
+<file path=ppt/diagrams/data2.xml><?xml version="1.0" encoding="utf-8"?>
+<dgm:dataModel xmlns:dgm="http://schemas.openxmlformats.org/drawingml/2006/diagram" xmlns:a="http://schemas.openxmlformats.org/drawingml/2006/main">
+  <dgm:ptLst>
+    <dgm:pt modelId="{F99380A9-B668-449B-920D-51F879F1D912}" type="doc">
+      <dgm:prSet loTypeId="urn:microsoft.com/office/officeart/2005/8/layout/process4" loCatId="process" qsTypeId="urn:microsoft.com/office/officeart/2005/8/quickstyle/simple1" qsCatId="simple" csTypeId="urn:microsoft.com/office/officeart/2005/8/colors/accent1_2" csCatId="accent1" phldr="1"/>
+      <dgm:spPr/>
+      <dgm:t>
+        <a:bodyPr/>
+        <a:lstStyle/>
+        <a:p>
+          <a:endParaRPr lang="en-US"/>
+        </a:p>
+      </dgm:t>
+    </dgm:pt>
+    <dgm:pt modelId="{AF5DDCCF-7B53-4A4C-B16E-39CF90B0B9F2}">
+      <dgm:prSet phldrT="[Text]"/>
+      <dgm:spPr/>
+      <dgm:t>
+        <a:bodyPr/>
+        <a:lstStyle/>
+        <a:p>
+          <a:r>
+            <a:rPr lang="en-US" dirty="0"/>
+            <a:t>Retrieve Method</a:t>
+          </a:r>
+        </a:p>
+      </dgm:t>
+    </dgm:pt>
+    <dgm:pt modelId="{8C8E70BC-9E4D-4023-A47E-827D82FC4EDA}" type="parTrans" cxnId="{048A2377-7277-4D45-94BD-550681A57AB6}">
+      <dgm:prSet/>
+      <dgm:spPr/>
+      <dgm:t>
+        <a:bodyPr/>
+        <a:lstStyle/>
+        <a:p>
+          <a:endParaRPr lang="en-US"/>
+        </a:p>
+      </dgm:t>
+    </dgm:pt>
+    <dgm:pt modelId="{7C380EF4-200F-4795-B540-E1B1F36C0852}" type="sibTrans" cxnId="{048A2377-7277-4D45-94BD-550681A57AB6}">
+      <dgm:prSet/>
+      <dgm:spPr/>
+      <dgm:t>
+        <a:bodyPr/>
+        <a:lstStyle/>
+        <a:p>
+          <a:endParaRPr lang="en-US"/>
+        </a:p>
+      </dgm:t>
+    </dgm:pt>
+    <dgm:pt modelId="{BCACD718-32BE-45F5-A691-B9EE3D302E1E}">
+      <dgm:prSet phldrT="[Text]"/>
+      <dgm:spPr/>
+      <dgm:t>
+        <a:bodyPr/>
+        <a:lstStyle/>
+        <a:p>
+          <a:r>
+            <a:rPr lang="en-US" dirty="0"/>
+            <a:t>Retrieve Method</a:t>
+          </a:r>
+        </a:p>
+      </dgm:t>
+    </dgm:pt>
+    <dgm:pt modelId="{24AA74BD-90C3-4800-A1A3-D270A267950D}" type="parTrans" cxnId="{4BB6292B-DD56-48D3-9197-BBA14AF5C9A7}">
+      <dgm:prSet/>
+      <dgm:spPr/>
+      <dgm:t>
+        <a:bodyPr/>
+        <a:lstStyle/>
+        <a:p>
+          <a:endParaRPr lang="en-US"/>
+        </a:p>
+      </dgm:t>
+    </dgm:pt>
+    <dgm:pt modelId="{499878E2-56A0-48DF-8DFC-116485555A64}" type="sibTrans" cxnId="{4BB6292B-DD56-48D3-9197-BBA14AF5C9A7}">
+      <dgm:prSet/>
+      <dgm:spPr/>
+      <dgm:t>
+        <a:bodyPr/>
+        <a:lstStyle/>
+        <a:p>
+          <a:endParaRPr lang="en-US"/>
+        </a:p>
+      </dgm:t>
+    </dgm:pt>
+    <dgm:pt modelId="{B1C23AF6-BE31-4914-818C-D393C108EC10}">
+      <dgm:prSet phldrT="[Text]"/>
+      <dgm:spPr/>
+      <dgm:t>
+        <a:bodyPr/>
+        <a:lstStyle/>
+        <a:p>
+          <a:r>
+            <a:rPr lang="en-US" dirty="0"/>
+            <a:t>Arguments</a:t>
+          </a:r>
+        </a:p>
+      </dgm:t>
+    </dgm:pt>
+    <dgm:pt modelId="{C223CFEE-25DD-43D7-A029-7F94691B435F}" type="parTrans" cxnId="{2C0F271A-9DC3-4874-8512-544D4DA2466A}">
+      <dgm:prSet/>
+      <dgm:spPr/>
+      <dgm:t>
+        <a:bodyPr/>
+        <a:lstStyle/>
+        <a:p>
+          <a:endParaRPr lang="en-US"/>
+        </a:p>
+      </dgm:t>
+    </dgm:pt>
+    <dgm:pt modelId="{7E469D0A-54AF-4D30-9C2F-77F6AC72E6D1}" type="sibTrans" cxnId="{2C0F271A-9DC3-4874-8512-544D4DA2466A}">
+      <dgm:prSet/>
+      <dgm:spPr/>
+      <dgm:t>
+        <a:bodyPr/>
+        <a:lstStyle/>
+        <a:p>
+          <a:endParaRPr lang="en-US"/>
+        </a:p>
+      </dgm:t>
+    </dgm:pt>
+    <dgm:pt modelId="{DEFEEA8C-B625-46EB-80FD-8036FD4F5303}">
+      <dgm:prSet phldrT="[Text]"/>
+      <dgm:spPr/>
+      <dgm:t>
+        <a:bodyPr/>
+        <a:lstStyle/>
+        <a:p>
+          <a:r>
+            <a:rPr lang="en-US" dirty="0"/>
+            <a:t>Retrieve Method</a:t>
+          </a:r>
+        </a:p>
+      </dgm:t>
+    </dgm:pt>
+    <dgm:pt modelId="{EDBDE7BE-D6D0-4703-A2B0-226A24124F33}" type="parTrans" cxnId="{EB4A50D6-95CB-4D43-A4F7-D35E4A73B5D4}">
+      <dgm:prSet/>
+      <dgm:spPr/>
+      <dgm:t>
+        <a:bodyPr/>
+        <a:lstStyle/>
+        <a:p>
+          <a:endParaRPr lang="en-US"/>
+        </a:p>
+      </dgm:t>
+    </dgm:pt>
+    <dgm:pt modelId="{8C34E643-4E2F-427D-B1B8-4EF161F3BA87}" type="sibTrans" cxnId="{EB4A50D6-95CB-4D43-A4F7-D35E4A73B5D4}">
+      <dgm:prSet/>
+      <dgm:spPr/>
+      <dgm:t>
+        <a:bodyPr/>
+        <a:lstStyle/>
+        <a:p>
+          <a:endParaRPr lang="en-US"/>
+        </a:p>
+      </dgm:t>
+    </dgm:pt>
+    <dgm:pt modelId="{66C197CC-BD55-4780-96DB-FFC14484B6F4}">
+      <dgm:prSet phldrT="[Text]"/>
+      <dgm:spPr/>
+      <dgm:t>
+        <a:bodyPr/>
+        <a:lstStyle/>
+        <a:p>
+          <a:r>
+            <a:rPr lang="en-US" dirty="0"/>
+            <a:t>Arguments</a:t>
+          </a:r>
+        </a:p>
+      </dgm:t>
+    </dgm:pt>
+    <dgm:pt modelId="{4B100D52-6AC8-4E7A-B2E0-9BE05AA4D77F}" type="parTrans" cxnId="{5FD16841-95BF-4B41-A4E7-AE6413BC0FB4}">
+      <dgm:prSet/>
+      <dgm:spPr/>
+      <dgm:t>
+        <a:bodyPr/>
+        <a:lstStyle/>
+        <a:p>
+          <a:endParaRPr lang="en-US"/>
+        </a:p>
+      </dgm:t>
+    </dgm:pt>
+    <dgm:pt modelId="{5BC94DCE-9E38-44EB-9E41-46759D062B81}" type="sibTrans" cxnId="{5FD16841-95BF-4B41-A4E7-AE6413BC0FB4}">
+      <dgm:prSet/>
+      <dgm:spPr/>
+      <dgm:t>
+        <a:bodyPr/>
+        <a:lstStyle/>
+        <a:p>
+          <a:endParaRPr lang="en-US"/>
+        </a:p>
+      </dgm:t>
+    </dgm:pt>
+    <dgm:pt modelId="{D67728B6-92E8-4009-AF69-2D48B766590A}">
+      <dgm:prSet phldrT="[Text]"/>
+      <dgm:spPr/>
+      <dgm:t>
+        <a:bodyPr/>
+        <a:lstStyle/>
+        <a:p>
+          <a:r>
+            <a:rPr lang="en-US" dirty="0"/>
+            <a:t>Arguments</a:t>
+          </a:r>
+        </a:p>
+      </dgm:t>
+    </dgm:pt>
+    <dgm:pt modelId="{9CAA8F85-7896-4A6C-95BD-5F459416FE75}" type="parTrans" cxnId="{51035011-0488-4BE7-A87A-2C3725D7D1F3}">
+      <dgm:prSet/>
+      <dgm:spPr/>
+      <dgm:t>
+        <a:bodyPr/>
+        <a:lstStyle/>
+        <a:p>
+          <a:endParaRPr lang="en-US"/>
+        </a:p>
+      </dgm:t>
+    </dgm:pt>
+    <dgm:pt modelId="{37B92E8C-6F31-4F44-83F6-FAA9B09C5FE2}" type="sibTrans" cxnId="{51035011-0488-4BE7-A87A-2C3725D7D1F3}">
+      <dgm:prSet/>
+      <dgm:spPr/>
+      <dgm:t>
+        <a:bodyPr/>
+        <a:lstStyle/>
+        <a:p>
+          <a:endParaRPr lang="en-US"/>
+        </a:p>
+      </dgm:t>
+    </dgm:pt>
+    <dgm:pt modelId="{42A4C1D8-DA21-497B-AD89-C3F1BD36FC1F}" type="pres">
+      <dgm:prSet presAssocID="{F99380A9-B668-449B-920D-51F879F1D912}" presName="Name0" presStyleCnt="0">
+        <dgm:presLayoutVars>
+          <dgm:dir/>
+          <dgm:animLvl val="lvl"/>
+          <dgm:resizeHandles val="exact"/>
+        </dgm:presLayoutVars>
+      </dgm:prSet>
+      <dgm:spPr/>
+    </dgm:pt>
+    <dgm:pt modelId="{AB831EBA-42C9-42E3-BE38-860137BBD197}" type="pres">
+      <dgm:prSet presAssocID="{DEFEEA8C-B625-46EB-80FD-8036FD4F5303}" presName="boxAndChildren" presStyleCnt="0"/>
+      <dgm:spPr/>
+    </dgm:pt>
+    <dgm:pt modelId="{6BB44E00-F442-4F25-9FE5-5B179876D08F}" type="pres">
+      <dgm:prSet presAssocID="{DEFEEA8C-B625-46EB-80FD-8036FD4F5303}" presName="parentTextBox" presStyleLbl="node1" presStyleIdx="0" presStyleCnt="3"/>
+      <dgm:spPr/>
+    </dgm:pt>
+    <dgm:pt modelId="{9631F43F-71D5-439A-86EB-4907586BC29B}" type="pres">
+      <dgm:prSet presAssocID="{DEFEEA8C-B625-46EB-80FD-8036FD4F5303}" presName="entireBox" presStyleLbl="node1" presStyleIdx="0" presStyleCnt="3"/>
+      <dgm:spPr/>
+    </dgm:pt>
+    <dgm:pt modelId="{26C1CA6A-7580-46A3-852D-2AC2E267A96A}" type="pres">
+      <dgm:prSet presAssocID="{DEFEEA8C-B625-46EB-80FD-8036FD4F5303}" presName="descendantBox" presStyleCnt="0"/>
+      <dgm:spPr/>
+    </dgm:pt>
+    <dgm:pt modelId="{54A6DB46-4E13-4153-BD8C-D6279691D80C}" type="pres">
+      <dgm:prSet presAssocID="{66C197CC-BD55-4780-96DB-FFC14484B6F4}" presName="childTextBox" presStyleLbl="fgAccFollowNode1" presStyleIdx="0" presStyleCnt="3">
+        <dgm:presLayoutVars>
+          <dgm:bulletEnabled val="1"/>
+        </dgm:presLayoutVars>
+      </dgm:prSet>
+      <dgm:spPr/>
+    </dgm:pt>
+    <dgm:pt modelId="{0224B1D2-05F9-4A1B-906C-857E8ACDED88}" type="pres">
+      <dgm:prSet presAssocID="{499878E2-56A0-48DF-8DFC-116485555A64}" presName="sp" presStyleCnt="0"/>
+      <dgm:spPr/>
+    </dgm:pt>
+    <dgm:pt modelId="{8F0E84AF-1653-4201-B5CC-E21E54B9861C}" type="pres">
+      <dgm:prSet presAssocID="{BCACD718-32BE-45F5-A691-B9EE3D302E1E}" presName="arrowAndChildren" presStyleCnt="0"/>
+      <dgm:spPr/>
+    </dgm:pt>
+    <dgm:pt modelId="{698DB033-4727-4E3C-BCFC-6EC35C5DF62E}" type="pres">
+      <dgm:prSet presAssocID="{BCACD718-32BE-45F5-A691-B9EE3D302E1E}" presName="parentTextArrow" presStyleLbl="node1" presStyleIdx="0" presStyleCnt="3"/>
+      <dgm:spPr/>
+    </dgm:pt>
+    <dgm:pt modelId="{BF6C8519-5E48-48CB-BE06-DDDDCA6D630D}" type="pres">
+      <dgm:prSet presAssocID="{BCACD718-32BE-45F5-A691-B9EE3D302E1E}" presName="arrow" presStyleLbl="node1" presStyleIdx="1" presStyleCnt="3"/>
+      <dgm:spPr/>
+    </dgm:pt>
+    <dgm:pt modelId="{5205DD39-C5D3-4284-9D9B-B658A2CD2453}" type="pres">
+      <dgm:prSet presAssocID="{BCACD718-32BE-45F5-A691-B9EE3D302E1E}" presName="descendantArrow" presStyleCnt="0"/>
+      <dgm:spPr/>
+    </dgm:pt>
+    <dgm:pt modelId="{37BA5629-FAFC-412A-90CD-731215C7A978}" type="pres">
+      <dgm:prSet presAssocID="{B1C23AF6-BE31-4914-818C-D393C108EC10}" presName="childTextArrow" presStyleLbl="fgAccFollowNode1" presStyleIdx="1" presStyleCnt="3">
+        <dgm:presLayoutVars>
+          <dgm:bulletEnabled val="1"/>
+        </dgm:presLayoutVars>
+      </dgm:prSet>
+      <dgm:spPr/>
+    </dgm:pt>
+    <dgm:pt modelId="{4CAAE9F4-C392-4122-BDAD-5D68D03A523A}" type="pres">
+      <dgm:prSet presAssocID="{7C380EF4-200F-4795-B540-E1B1F36C0852}" presName="sp" presStyleCnt="0"/>
+      <dgm:spPr/>
+    </dgm:pt>
+    <dgm:pt modelId="{A16754B7-11E3-46CE-BE48-FA5C14097FE2}" type="pres">
+      <dgm:prSet presAssocID="{AF5DDCCF-7B53-4A4C-B16E-39CF90B0B9F2}" presName="arrowAndChildren" presStyleCnt="0"/>
+      <dgm:spPr/>
+    </dgm:pt>
+    <dgm:pt modelId="{5392887C-2905-4E40-8FF8-A9BCA74D5336}" type="pres">
+      <dgm:prSet presAssocID="{AF5DDCCF-7B53-4A4C-B16E-39CF90B0B9F2}" presName="parentTextArrow" presStyleLbl="node1" presStyleIdx="1" presStyleCnt="3"/>
+      <dgm:spPr/>
+    </dgm:pt>
+    <dgm:pt modelId="{99145A6D-7000-4445-B530-229FB8F1789A}" type="pres">
+      <dgm:prSet presAssocID="{AF5DDCCF-7B53-4A4C-B16E-39CF90B0B9F2}" presName="arrow" presStyleLbl="node1" presStyleIdx="2" presStyleCnt="3"/>
+      <dgm:spPr/>
+    </dgm:pt>
+    <dgm:pt modelId="{A94517AB-06BF-49C0-8890-E5273C62BC0E}" type="pres">
+      <dgm:prSet presAssocID="{AF5DDCCF-7B53-4A4C-B16E-39CF90B0B9F2}" presName="descendantArrow" presStyleCnt="0"/>
+      <dgm:spPr/>
+    </dgm:pt>
+    <dgm:pt modelId="{D0E5A419-A8C3-4EF2-B67D-F59D92AFFF5C}" type="pres">
+      <dgm:prSet presAssocID="{D67728B6-92E8-4009-AF69-2D48B766590A}" presName="childTextArrow" presStyleLbl="fgAccFollowNode1" presStyleIdx="2" presStyleCnt="3">
+        <dgm:presLayoutVars>
+          <dgm:bulletEnabled val="1"/>
+        </dgm:presLayoutVars>
+      </dgm:prSet>
+      <dgm:spPr/>
+    </dgm:pt>
+  </dgm:ptLst>
+  <dgm:cxnLst>
+    <dgm:cxn modelId="{2C0F271A-9DC3-4874-8512-544D4DA2466A}" srcId="{BCACD718-32BE-45F5-A691-B9EE3D302E1E}" destId="{B1C23AF6-BE31-4914-818C-D393C108EC10}" srcOrd="0" destOrd="0" parTransId="{C223CFEE-25DD-43D7-A029-7F94691B435F}" sibTransId="{7E469D0A-54AF-4D30-9C2F-77F6AC72E6D1}"/>
+    <dgm:cxn modelId="{4BB6292B-DD56-48D3-9197-BBA14AF5C9A7}" srcId="{F99380A9-B668-449B-920D-51F879F1D912}" destId="{BCACD718-32BE-45F5-A691-B9EE3D302E1E}" srcOrd="1" destOrd="0" parTransId="{24AA74BD-90C3-4800-A1A3-D270A267950D}" sibTransId="{499878E2-56A0-48DF-8DFC-116485555A64}"/>
+    <dgm:cxn modelId="{6F36FE41-029D-49FF-83B1-373D29A2262C}" type="presOf" srcId="{B1C23AF6-BE31-4914-818C-D393C108EC10}" destId="{37BA5629-FAFC-412A-90CD-731215C7A978}" srcOrd="0" destOrd="0" presId="urn:microsoft.com/office/officeart/2005/8/layout/process4"/>
+    <dgm:cxn modelId="{048A2377-7277-4D45-94BD-550681A57AB6}" srcId="{F99380A9-B668-449B-920D-51F879F1D912}" destId="{AF5DDCCF-7B53-4A4C-B16E-39CF90B0B9F2}" srcOrd="0" destOrd="0" parTransId="{8C8E70BC-9E4D-4023-A47E-827D82FC4EDA}" sibTransId="{7C380EF4-200F-4795-B540-E1B1F36C0852}"/>
+    <dgm:cxn modelId="{8960B50A-8489-4BB3-ADB4-23568788FC4A}" type="presOf" srcId="{AF5DDCCF-7B53-4A4C-B16E-39CF90B0B9F2}" destId="{5392887C-2905-4E40-8FF8-A9BCA74D5336}" srcOrd="0" destOrd="0" presId="urn:microsoft.com/office/officeart/2005/8/layout/process4"/>
+    <dgm:cxn modelId="{EB4A50D6-95CB-4D43-A4F7-D35E4A73B5D4}" srcId="{F99380A9-B668-449B-920D-51F879F1D912}" destId="{DEFEEA8C-B625-46EB-80FD-8036FD4F5303}" srcOrd="2" destOrd="0" parTransId="{EDBDE7BE-D6D0-4703-A2B0-226A24124F33}" sibTransId="{8C34E643-4E2F-427D-B1B8-4EF161F3BA87}"/>
+    <dgm:cxn modelId="{FABF78A1-B7CE-4C9C-99A2-14A03F8BCD47}" type="presOf" srcId="{66C197CC-BD55-4780-96DB-FFC14484B6F4}" destId="{54A6DB46-4E13-4153-BD8C-D6279691D80C}" srcOrd="0" destOrd="0" presId="urn:microsoft.com/office/officeart/2005/8/layout/process4"/>
+    <dgm:cxn modelId="{5FD16841-95BF-4B41-A4E7-AE6413BC0FB4}" srcId="{DEFEEA8C-B625-46EB-80FD-8036FD4F5303}" destId="{66C197CC-BD55-4780-96DB-FFC14484B6F4}" srcOrd="0" destOrd="0" parTransId="{4B100D52-6AC8-4E7A-B2E0-9BE05AA4D77F}" sibTransId="{5BC94DCE-9E38-44EB-9E41-46759D062B81}"/>
+    <dgm:cxn modelId="{B7A6575D-38FD-4DB9-804B-6161B9C31898}" type="presOf" srcId="{DEFEEA8C-B625-46EB-80FD-8036FD4F5303}" destId="{6BB44E00-F442-4F25-9FE5-5B179876D08F}" srcOrd="0" destOrd="0" presId="urn:microsoft.com/office/officeart/2005/8/layout/process4"/>
+    <dgm:cxn modelId="{3727209C-D399-49BA-975D-34906BF26614}" type="presOf" srcId="{D67728B6-92E8-4009-AF69-2D48B766590A}" destId="{D0E5A419-A8C3-4EF2-B67D-F59D92AFFF5C}" srcOrd="0" destOrd="0" presId="urn:microsoft.com/office/officeart/2005/8/layout/process4"/>
+    <dgm:cxn modelId="{E42AB08B-CCF6-485D-B438-83FFAEE130A0}" type="presOf" srcId="{AF5DDCCF-7B53-4A4C-B16E-39CF90B0B9F2}" destId="{99145A6D-7000-4445-B530-229FB8F1789A}" srcOrd="1" destOrd="0" presId="urn:microsoft.com/office/officeart/2005/8/layout/process4"/>
+    <dgm:cxn modelId="{A09F15EC-1400-4F16-9959-003918DF7A7E}" type="presOf" srcId="{BCACD718-32BE-45F5-A691-B9EE3D302E1E}" destId="{698DB033-4727-4E3C-BCFC-6EC35C5DF62E}" srcOrd="0" destOrd="0" presId="urn:microsoft.com/office/officeart/2005/8/layout/process4"/>
+    <dgm:cxn modelId="{60284354-1283-4E49-8A2A-6BDAF10A67EC}" type="presOf" srcId="{BCACD718-32BE-45F5-A691-B9EE3D302E1E}" destId="{BF6C8519-5E48-48CB-BE06-DDDDCA6D630D}" srcOrd="1" destOrd="0" presId="urn:microsoft.com/office/officeart/2005/8/layout/process4"/>
+    <dgm:cxn modelId="{EDD64CC0-B960-4961-A8CA-E2C259E9C0C3}" type="presOf" srcId="{DEFEEA8C-B625-46EB-80FD-8036FD4F5303}" destId="{9631F43F-71D5-439A-86EB-4907586BC29B}" srcOrd="1" destOrd="0" presId="urn:microsoft.com/office/officeart/2005/8/layout/process4"/>
+    <dgm:cxn modelId="{8A78FD57-467D-48C8-A90D-A3736DD1D8A7}" type="presOf" srcId="{F99380A9-B668-449B-920D-51F879F1D912}" destId="{42A4C1D8-DA21-497B-AD89-C3F1BD36FC1F}" srcOrd="0" destOrd="0" presId="urn:microsoft.com/office/officeart/2005/8/layout/process4"/>
+    <dgm:cxn modelId="{51035011-0488-4BE7-A87A-2C3725D7D1F3}" srcId="{AF5DDCCF-7B53-4A4C-B16E-39CF90B0B9F2}" destId="{D67728B6-92E8-4009-AF69-2D48B766590A}" srcOrd="0" destOrd="0" parTransId="{9CAA8F85-7896-4A6C-95BD-5F459416FE75}" sibTransId="{37B92E8C-6F31-4F44-83F6-FAA9B09C5FE2}"/>
+    <dgm:cxn modelId="{FF4C1400-1108-4DCE-9371-BE6F1C78C323}" type="presParOf" srcId="{42A4C1D8-DA21-497B-AD89-C3F1BD36FC1F}" destId="{AB831EBA-42C9-42E3-BE38-860137BBD197}" srcOrd="0" destOrd="0" presId="urn:microsoft.com/office/officeart/2005/8/layout/process4"/>
+    <dgm:cxn modelId="{9D6C4966-9CCD-4422-B42E-DA5FBBF2378A}" type="presParOf" srcId="{AB831EBA-42C9-42E3-BE38-860137BBD197}" destId="{6BB44E00-F442-4F25-9FE5-5B179876D08F}" srcOrd="0" destOrd="0" presId="urn:microsoft.com/office/officeart/2005/8/layout/process4"/>
+    <dgm:cxn modelId="{6A4D93F8-7C42-4481-98C9-2F6A513766FF}" type="presParOf" srcId="{AB831EBA-42C9-42E3-BE38-860137BBD197}" destId="{9631F43F-71D5-439A-86EB-4907586BC29B}" srcOrd="1" destOrd="0" presId="urn:microsoft.com/office/officeart/2005/8/layout/process4"/>
+    <dgm:cxn modelId="{600907C2-3C2B-4FAA-AB5F-221268947BF8}" type="presParOf" srcId="{AB831EBA-42C9-42E3-BE38-860137BBD197}" destId="{26C1CA6A-7580-46A3-852D-2AC2E267A96A}" srcOrd="2" destOrd="0" presId="urn:microsoft.com/office/officeart/2005/8/layout/process4"/>
+    <dgm:cxn modelId="{C0C4D482-B7BA-4D98-A6D7-D2144C87CE4C}" type="presParOf" srcId="{26C1CA6A-7580-46A3-852D-2AC2E267A96A}" destId="{54A6DB46-4E13-4153-BD8C-D6279691D80C}" srcOrd="0" destOrd="0" presId="urn:microsoft.com/office/officeart/2005/8/layout/process4"/>
+    <dgm:cxn modelId="{BE801CA1-FBA3-4E63-BD74-EBC072637C9E}" type="presParOf" srcId="{42A4C1D8-DA21-497B-AD89-C3F1BD36FC1F}" destId="{0224B1D2-05F9-4A1B-906C-857E8ACDED88}" srcOrd="1" destOrd="0" presId="urn:microsoft.com/office/officeart/2005/8/layout/process4"/>
+    <dgm:cxn modelId="{33F5F0EA-EDED-4FA2-A795-BC5F84841052}" type="presParOf" srcId="{42A4C1D8-DA21-497B-AD89-C3F1BD36FC1F}" destId="{8F0E84AF-1653-4201-B5CC-E21E54B9861C}" srcOrd="2" destOrd="0" presId="urn:microsoft.com/office/officeart/2005/8/layout/process4"/>
+    <dgm:cxn modelId="{D0066F4D-D99D-4D44-A8A8-9BA0E2E25737}" type="presParOf" srcId="{8F0E84AF-1653-4201-B5CC-E21E54B9861C}" destId="{698DB033-4727-4E3C-BCFC-6EC35C5DF62E}" srcOrd="0" destOrd="0" presId="urn:microsoft.com/office/officeart/2005/8/layout/process4"/>
+    <dgm:cxn modelId="{E3D8668A-51BF-4E48-BC3C-E24E712CFD44}" type="presParOf" srcId="{8F0E84AF-1653-4201-B5CC-E21E54B9861C}" destId="{BF6C8519-5E48-48CB-BE06-DDDDCA6D630D}" srcOrd="1" destOrd="0" presId="urn:microsoft.com/office/officeart/2005/8/layout/process4"/>
+    <dgm:cxn modelId="{F18FA976-9E8A-480C-AE42-A9FE0AD1187D}" type="presParOf" srcId="{8F0E84AF-1653-4201-B5CC-E21E54B9861C}" destId="{5205DD39-C5D3-4284-9D9B-B658A2CD2453}" srcOrd="2" destOrd="0" presId="urn:microsoft.com/office/officeart/2005/8/layout/process4"/>
+    <dgm:cxn modelId="{F086C024-7628-44A3-BBBE-DD25CECDBB02}" type="presParOf" srcId="{5205DD39-C5D3-4284-9D9B-B658A2CD2453}" destId="{37BA5629-FAFC-412A-90CD-731215C7A978}" srcOrd="0" destOrd="0" presId="urn:microsoft.com/office/officeart/2005/8/layout/process4"/>
+    <dgm:cxn modelId="{D06A99A3-9136-4F0A-9F3D-5DD1F67C0AFC}" type="presParOf" srcId="{42A4C1D8-DA21-497B-AD89-C3F1BD36FC1F}" destId="{4CAAE9F4-C392-4122-BDAD-5D68D03A523A}" srcOrd="3" destOrd="0" presId="urn:microsoft.com/office/officeart/2005/8/layout/process4"/>
+    <dgm:cxn modelId="{07692C4B-DD7D-463B-9C0E-72B703A270F2}" type="presParOf" srcId="{42A4C1D8-DA21-497B-AD89-C3F1BD36FC1F}" destId="{A16754B7-11E3-46CE-BE48-FA5C14097FE2}" srcOrd="4" destOrd="0" presId="urn:microsoft.com/office/officeart/2005/8/layout/process4"/>
+    <dgm:cxn modelId="{5D58DBB8-13D4-410D-9DDF-D701FE955337}" type="presParOf" srcId="{A16754B7-11E3-46CE-BE48-FA5C14097FE2}" destId="{5392887C-2905-4E40-8FF8-A9BCA74D5336}" srcOrd="0" destOrd="0" presId="urn:microsoft.com/office/officeart/2005/8/layout/process4"/>
+    <dgm:cxn modelId="{F5AB83D6-309D-4C02-AA3B-F5F956888598}" type="presParOf" srcId="{A16754B7-11E3-46CE-BE48-FA5C14097FE2}" destId="{99145A6D-7000-4445-B530-229FB8F1789A}" srcOrd="1" destOrd="0" presId="urn:microsoft.com/office/officeart/2005/8/layout/process4"/>
+    <dgm:cxn modelId="{A8BD2D72-65B9-4C2D-9174-338D92E5873D}" type="presParOf" srcId="{A16754B7-11E3-46CE-BE48-FA5C14097FE2}" destId="{A94517AB-06BF-49C0-8890-E5273C62BC0E}" srcOrd="2" destOrd="0" presId="urn:microsoft.com/office/officeart/2005/8/layout/process4"/>
+    <dgm:cxn modelId="{39CBFF0F-F3F6-4014-8169-B66B2C7C7C76}" type="presParOf" srcId="{A94517AB-06BF-49C0-8890-E5273C62BC0E}" destId="{D0E5A419-A8C3-4EF2-B67D-F59D92AFFF5C}" srcOrd="0" destOrd="0" presId="urn:microsoft.com/office/officeart/2005/8/layout/process4"/>
+  </dgm:cxnLst>
+  <dgm:bg/>
+  <dgm:whole/>
+  <dgm:extLst>
+    <a:ext uri="http://schemas.microsoft.com/office/drawing/2008/diagram">
+      <dsp:dataModelExt xmlns:dsp="http://schemas.microsoft.com/office/drawing/2008/diagram" relId="rId6" minVer="http://schemas.openxmlformats.org/drawingml/2006/diagram"/>
+    </a:ext>
+  </dgm:extLst>
+</dgm:dataModel>
+</file>
+
+<file path=ppt/diagrams/drawing1.xml><?xml version="1.0" encoding="utf-8"?>
+<dsp:drawing xmlns:dgm="http://schemas.openxmlformats.org/drawingml/2006/diagram" xmlns:dsp="http://schemas.microsoft.com/office/drawing/2008/diagram" xmlns:a="http://schemas.openxmlformats.org/drawingml/2006/main">
+  <dsp:spTree>
+    <dsp:nvGrpSpPr>
+      <dsp:cNvPr id="0" name=""/>
+      <dsp:cNvGrpSpPr/>
+    </dsp:nvGrpSpPr>
+    <dsp:grpSpPr/>
+    <dsp:sp modelId="{9631F43F-71D5-439A-86EB-4907586BC29B}">
+      <dsp:nvSpPr>
+        <dsp:cNvPr id="0" name=""/>
+        <dsp:cNvSpPr/>
+      </dsp:nvSpPr>
+      <dsp:spPr>
+        <a:xfrm>
+          <a:off x="0" y="2275271"/>
+          <a:ext cx="3124200" cy="746794"/>
+        </a:xfrm>
+        <a:prstGeom prst="rect">
+          <a:avLst/>
+        </a:prstGeom>
+        <a:solidFill>
+          <a:schemeClr val="accent1">
+            <a:hueOff val="0"/>
+            <a:satOff val="0"/>
+            <a:lumOff val="0"/>
+            <a:alphaOff val="0"/>
+          </a:schemeClr>
+        </a:solidFill>
+        <a:ln w="25400" cap="flat" cmpd="sng" algn="ctr">
+          <a:solidFill>
+            <a:schemeClr val="lt1">
+              <a:hueOff val="0"/>
+              <a:satOff val="0"/>
+              <a:lumOff val="0"/>
+              <a:alphaOff val="0"/>
+            </a:schemeClr>
+          </a:solidFill>
+          <a:prstDash val="solid"/>
+        </a:ln>
+        <a:effectLst/>
+      </dsp:spPr>
+      <dsp:style>
+        <a:lnRef idx="2">
+          <a:scrgbClr r="0" g="0" b="0"/>
+        </a:lnRef>
+        <a:fillRef idx="1">
+          <a:scrgbClr r="0" g="0" b="0"/>
+        </a:fillRef>
+        <a:effectRef idx="0">
+          <a:scrgbClr r="0" g="0" b="0"/>
+        </a:effectRef>
+        <a:fontRef idx="minor">
+          <a:schemeClr val="lt1"/>
+        </a:fontRef>
+      </dsp:style>
+      <dsp:txBody>
+        <a:bodyPr spcFirstLastPara="0" vert="horz" wrap="square" lIns="99568" tIns="99568" rIns="99568" bIns="99568" numCol="1" spcCol="1270" anchor="ctr" anchorCtr="0">
+          <a:noAutofit/>
+        </a:bodyPr>
+        <a:lstStyle/>
+        <a:p>
+          <a:pPr marL="0" lvl="0" indent="0" algn="ctr" defTabSz="622300">
+            <a:lnSpc>
+              <a:spcPct val="90000"/>
+            </a:lnSpc>
+            <a:spcBef>
+              <a:spcPct val="0"/>
+            </a:spcBef>
+            <a:spcAft>
+              <a:spcPct val="35000"/>
+            </a:spcAft>
+            <a:buNone/>
+          </a:pPr>
+          <a:r>
+            <a:rPr lang="en-US" sz="1400" kern="1200" dirty="0"/>
+            <a:t>Process Method</a:t>
+          </a:r>
+        </a:p>
+      </dsp:txBody>
+      <dsp:txXfrm>
+        <a:off x="0" y="2275271"/>
+        <a:ext cx="3124200" cy="403269"/>
+      </dsp:txXfrm>
+    </dsp:sp>
+    <dsp:sp modelId="{54A6DB46-4E13-4153-BD8C-D6279691D80C}">
+      <dsp:nvSpPr>
+        <dsp:cNvPr id="0" name=""/>
+        <dsp:cNvSpPr/>
+      </dsp:nvSpPr>
+      <dsp:spPr>
+        <a:xfrm>
+          <a:off x="0" y="2663604"/>
+          <a:ext cx="3124200" cy="343525"/>
+        </a:xfrm>
+        <a:prstGeom prst="rect">
+          <a:avLst/>
+        </a:prstGeom>
+        <a:solidFill>
+          <a:schemeClr val="accent1">
+            <a:alpha val="90000"/>
+            <a:tint val="40000"/>
+            <a:hueOff val="0"/>
+            <a:satOff val="0"/>
+            <a:lumOff val="0"/>
+            <a:alphaOff val="0"/>
+          </a:schemeClr>
+        </a:solidFill>
+        <a:ln w="25400" cap="flat" cmpd="sng" algn="ctr">
+          <a:solidFill>
+            <a:schemeClr val="accent1">
+              <a:alpha val="90000"/>
+              <a:tint val="40000"/>
+              <a:hueOff val="0"/>
+              <a:satOff val="0"/>
+              <a:lumOff val="0"/>
+              <a:alphaOff val="0"/>
+            </a:schemeClr>
+          </a:solidFill>
+          <a:prstDash val="solid"/>
+        </a:ln>
+        <a:effectLst/>
+      </dsp:spPr>
+      <dsp:style>
+        <a:lnRef idx="2">
+          <a:scrgbClr r="0" g="0" b="0"/>
+        </a:lnRef>
+        <a:fillRef idx="1">
+          <a:scrgbClr r="0" g="0" b="0"/>
+        </a:fillRef>
+        <a:effectRef idx="0">
+          <a:scrgbClr r="0" g="0" b="0"/>
+        </a:effectRef>
+        <a:fontRef idx="minor"/>
+      </dsp:style>
+      <dsp:txBody>
+        <a:bodyPr spcFirstLastPara="0" vert="horz" wrap="square" lIns="142240" tIns="25400" rIns="142240" bIns="25400" numCol="1" spcCol="1270" anchor="ctr" anchorCtr="0">
+          <a:noAutofit/>
+        </a:bodyPr>
+        <a:lstStyle/>
+        <a:p>
+          <a:pPr marL="0" lvl="0" indent="0" algn="ctr" defTabSz="889000">
+            <a:lnSpc>
+              <a:spcPct val="90000"/>
+            </a:lnSpc>
+            <a:spcBef>
+              <a:spcPct val="0"/>
+            </a:spcBef>
+            <a:spcAft>
+              <a:spcPct val="35000"/>
+            </a:spcAft>
+            <a:buNone/>
+          </a:pPr>
+          <a:r>
+            <a:rPr lang="en-US" sz="2000" kern="1200" dirty="0"/>
+            <a:t>Transaction</a:t>
+          </a:r>
+        </a:p>
+      </dsp:txBody>
+      <dsp:txXfrm>
+        <a:off x="0" y="2663604"/>
+        <a:ext cx="3124200" cy="343525"/>
+      </dsp:txXfrm>
+    </dsp:sp>
+    <dsp:sp modelId="{BF6C8519-5E48-48CB-BE06-DDDDCA6D630D}">
+      <dsp:nvSpPr>
+        <dsp:cNvPr id="0" name=""/>
+        <dsp:cNvSpPr/>
+      </dsp:nvSpPr>
+      <dsp:spPr>
+        <a:xfrm rot="10800000">
+          <a:off x="0" y="1137902"/>
+          <a:ext cx="3124200" cy="1148570"/>
+        </a:xfrm>
+        <a:prstGeom prst="upArrowCallout">
+          <a:avLst/>
+        </a:prstGeom>
+        <a:solidFill>
+          <a:schemeClr val="accent1">
+            <a:hueOff val="0"/>
+            <a:satOff val="0"/>
+            <a:lumOff val="0"/>
+            <a:alphaOff val="0"/>
+          </a:schemeClr>
+        </a:solidFill>
+        <a:ln w="25400" cap="flat" cmpd="sng" algn="ctr">
+          <a:solidFill>
+            <a:schemeClr val="lt1">
+              <a:hueOff val="0"/>
+              <a:satOff val="0"/>
+              <a:lumOff val="0"/>
+              <a:alphaOff val="0"/>
+            </a:schemeClr>
+          </a:solidFill>
+          <a:prstDash val="solid"/>
+        </a:ln>
+        <a:effectLst/>
+      </dsp:spPr>
+      <dsp:style>
+        <a:lnRef idx="2">
+          <a:scrgbClr r="0" g="0" b="0"/>
+        </a:lnRef>
+        <a:fillRef idx="1">
+          <a:scrgbClr r="0" g="0" b="0"/>
+        </a:fillRef>
+        <a:effectRef idx="0">
+          <a:scrgbClr r="0" g="0" b="0"/>
+        </a:effectRef>
+        <a:fontRef idx="minor">
+          <a:schemeClr val="lt1"/>
+        </a:fontRef>
+      </dsp:style>
+      <dsp:txBody>
+        <a:bodyPr spcFirstLastPara="0" vert="horz" wrap="square" lIns="99568" tIns="99568" rIns="99568" bIns="99568" numCol="1" spcCol="1270" anchor="ctr" anchorCtr="0">
+          <a:noAutofit/>
+        </a:bodyPr>
+        <a:lstStyle/>
+        <a:p>
+          <a:pPr marL="0" lvl="0" indent="0" algn="ctr" defTabSz="622300">
+            <a:lnSpc>
+              <a:spcPct val="90000"/>
+            </a:lnSpc>
+            <a:spcBef>
+              <a:spcPct val="0"/>
+            </a:spcBef>
+            <a:spcAft>
+              <a:spcPct val="35000"/>
+            </a:spcAft>
+            <a:buNone/>
+          </a:pPr>
+          <a:r>
+            <a:rPr lang="en-US" sz="1400" kern="1200" dirty="0"/>
+            <a:t>Process Method</a:t>
+          </a:r>
+        </a:p>
+      </dsp:txBody>
+      <dsp:txXfrm rot="-10800000">
+        <a:off x="0" y="1137902"/>
+        <a:ext cx="3124200" cy="403148"/>
+      </dsp:txXfrm>
+    </dsp:sp>
+    <dsp:sp modelId="{37BA5629-FAFC-412A-90CD-731215C7A978}">
+      <dsp:nvSpPr>
+        <dsp:cNvPr id="0" name=""/>
+        <dsp:cNvSpPr/>
+      </dsp:nvSpPr>
+      <dsp:spPr>
+        <a:xfrm>
+          <a:off x="0" y="1541050"/>
+          <a:ext cx="3124200" cy="343422"/>
+        </a:xfrm>
+        <a:prstGeom prst="rect">
+          <a:avLst/>
+        </a:prstGeom>
+        <a:solidFill>
+          <a:schemeClr val="accent1">
+            <a:alpha val="90000"/>
+            <a:tint val="40000"/>
+            <a:hueOff val="0"/>
+            <a:satOff val="0"/>
+            <a:lumOff val="0"/>
+            <a:alphaOff val="0"/>
+          </a:schemeClr>
+        </a:solidFill>
+        <a:ln w="25400" cap="flat" cmpd="sng" algn="ctr">
+          <a:solidFill>
+            <a:schemeClr val="accent1">
+              <a:alpha val="90000"/>
+              <a:tint val="40000"/>
+              <a:hueOff val="0"/>
+              <a:satOff val="0"/>
+              <a:lumOff val="0"/>
+              <a:alphaOff val="0"/>
+            </a:schemeClr>
+          </a:solidFill>
+          <a:prstDash val="solid"/>
+        </a:ln>
+        <a:effectLst/>
+      </dsp:spPr>
+      <dsp:style>
+        <a:lnRef idx="2">
+          <a:scrgbClr r="0" g="0" b="0"/>
+        </a:lnRef>
+        <a:fillRef idx="1">
+          <a:scrgbClr r="0" g="0" b="0"/>
+        </a:fillRef>
+        <a:effectRef idx="0">
+          <a:scrgbClr r="0" g="0" b="0"/>
+        </a:effectRef>
+        <a:fontRef idx="minor"/>
+      </dsp:style>
+      <dsp:txBody>
+        <a:bodyPr spcFirstLastPara="0" vert="horz" wrap="square" lIns="142240" tIns="25400" rIns="142240" bIns="25400" numCol="1" spcCol="1270" anchor="ctr" anchorCtr="0">
+          <a:noAutofit/>
+        </a:bodyPr>
+        <a:lstStyle/>
+        <a:p>
+          <a:pPr marL="0" lvl="0" indent="0" algn="ctr" defTabSz="889000">
+            <a:lnSpc>
+              <a:spcPct val="90000"/>
+            </a:lnSpc>
+            <a:spcBef>
+              <a:spcPct val="0"/>
+            </a:spcBef>
+            <a:spcAft>
+              <a:spcPct val="35000"/>
+            </a:spcAft>
+            <a:buNone/>
+          </a:pPr>
+          <a:r>
+            <a:rPr lang="en-US" sz="2000" kern="1200" dirty="0"/>
+            <a:t>Transaction</a:t>
+          </a:r>
+        </a:p>
+      </dsp:txBody>
+      <dsp:txXfrm>
+        <a:off x="0" y="1541050"/>
+        <a:ext cx="3124200" cy="343422"/>
+      </dsp:txXfrm>
+    </dsp:sp>
+    <dsp:sp modelId="{99145A6D-7000-4445-B530-229FB8F1789A}">
+      <dsp:nvSpPr>
+        <dsp:cNvPr id="0" name=""/>
+        <dsp:cNvSpPr/>
+      </dsp:nvSpPr>
+      <dsp:spPr>
+        <a:xfrm rot="10800000">
+          <a:off x="0" y="534"/>
+          <a:ext cx="3124200" cy="1148570"/>
+        </a:xfrm>
+        <a:prstGeom prst="upArrowCallout">
+          <a:avLst/>
+        </a:prstGeom>
+        <a:solidFill>
+          <a:schemeClr val="accent1">
+            <a:hueOff val="0"/>
+            <a:satOff val="0"/>
+            <a:lumOff val="0"/>
+            <a:alphaOff val="0"/>
+          </a:schemeClr>
+        </a:solidFill>
+        <a:ln w="25400" cap="flat" cmpd="sng" algn="ctr">
+          <a:solidFill>
+            <a:schemeClr val="lt1">
+              <a:hueOff val="0"/>
+              <a:satOff val="0"/>
+              <a:lumOff val="0"/>
+              <a:alphaOff val="0"/>
+            </a:schemeClr>
+          </a:solidFill>
+          <a:prstDash val="solid"/>
+        </a:ln>
+        <a:effectLst/>
+      </dsp:spPr>
+      <dsp:style>
+        <a:lnRef idx="2">
+          <a:scrgbClr r="0" g="0" b="0"/>
+        </a:lnRef>
+        <a:fillRef idx="1">
+          <a:scrgbClr r="0" g="0" b="0"/>
+        </a:fillRef>
+        <a:effectRef idx="0">
+          <a:scrgbClr r="0" g="0" b="0"/>
+        </a:effectRef>
+        <a:fontRef idx="minor">
+          <a:schemeClr val="lt1"/>
+        </a:fontRef>
+      </dsp:style>
+      <dsp:txBody>
+        <a:bodyPr spcFirstLastPara="0" vert="horz" wrap="square" lIns="99568" tIns="99568" rIns="99568" bIns="99568" numCol="1" spcCol="1270" anchor="ctr" anchorCtr="0">
+          <a:noAutofit/>
+        </a:bodyPr>
+        <a:lstStyle/>
+        <a:p>
+          <a:pPr marL="0" lvl="0" indent="0" algn="ctr" defTabSz="622300">
+            <a:lnSpc>
+              <a:spcPct val="90000"/>
+            </a:lnSpc>
+            <a:spcBef>
+              <a:spcPct val="0"/>
+            </a:spcBef>
+            <a:spcAft>
+              <a:spcPct val="35000"/>
+            </a:spcAft>
+            <a:buNone/>
+          </a:pPr>
+          <a:r>
+            <a:rPr lang="en-US" sz="1400" kern="1200" dirty="0"/>
+            <a:t>Process Method</a:t>
+          </a:r>
+        </a:p>
+      </dsp:txBody>
+      <dsp:txXfrm rot="-10800000">
+        <a:off x="0" y="534"/>
+        <a:ext cx="3124200" cy="403148"/>
+      </dsp:txXfrm>
+    </dsp:sp>
+    <dsp:sp modelId="{D0E5A419-A8C3-4EF2-B67D-F59D92AFFF5C}">
+      <dsp:nvSpPr>
+        <dsp:cNvPr id="0" name=""/>
+        <dsp:cNvSpPr/>
+      </dsp:nvSpPr>
+      <dsp:spPr>
+        <a:xfrm>
+          <a:off x="0" y="403682"/>
+          <a:ext cx="3124200" cy="343422"/>
+        </a:xfrm>
+        <a:prstGeom prst="rect">
+          <a:avLst/>
+        </a:prstGeom>
+        <a:solidFill>
+          <a:schemeClr val="accent1">
+            <a:alpha val="90000"/>
+            <a:tint val="40000"/>
+            <a:hueOff val="0"/>
+            <a:satOff val="0"/>
+            <a:lumOff val="0"/>
+            <a:alphaOff val="0"/>
+          </a:schemeClr>
+        </a:solidFill>
+        <a:ln w="25400" cap="flat" cmpd="sng" algn="ctr">
+          <a:solidFill>
+            <a:schemeClr val="accent1">
+              <a:alpha val="90000"/>
+              <a:tint val="40000"/>
+              <a:hueOff val="0"/>
+              <a:satOff val="0"/>
+              <a:lumOff val="0"/>
+              <a:alphaOff val="0"/>
+            </a:schemeClr>
+          </a:solidFill>
+          <a:prstDash val="solid"/>
+        </a:ln>
+        <a:effectLst/>
+      </dsp:spPr>
+      <dsp:style>
+        <a:lnRef idx="2">
+          <a:scrgbClr r="0" g="0" b="0"/>
+        </a:lnRef>
+        <a:fillRef idx="1">
+          <a:scrgbClr r="0" g="0" b="0"/>
+        </a:fillRef>
+        <a:effectRef idx="0">
+          <a:scrgbClr r="0" g="0" b="0"/>
+        </a:effectRef>
+        <a:fontRef idx="minor"/>
+      </dsp:style>
+      <dsp:txBody>
+        <a:bodyPr spcFirstLastPara="0" vert="horz" wrap="square" lIns="142240" tIns="25400" rIns="142240" bIns="25400" numCol="1" spcCol="1270" anchor="ctr" anchorCtr="0">
+          <a:noAutofit/>
+        </a:bodyPr>
+        <a:lstStyle/>
+        <a:p>
+          <a:pPr marL="0" lvl="0" indent="0" algn="ctr" defTabSz="889000">
+            <a:lnSpc>
+              <a:spcPct val="90000"/>
+            </a:lnSpc>
+            <a:spcBef>
+              <a:spcPct val="0"/>
+            </a:spcBef>
+            <a:spcAft>
+              <a:spcPct val="35000"/>
+            </a:spcAft>
+            <a:buNone/>
+          </a:pPr>
+          <a:r>
+            <a:rPr lang="en-US" sz="2000" kern="1200" dirty="0"/>
+            <a:t>Transaction</a:t>
+          </a:r>
+        </a:p>
+      </dsp:txBody>
+      <dsp:txXfrm>
+        <a:off x="0" y="403682"/>
+        <a:ext cx="3124200" cy="343422"/>
+      </dsp:txXfrm>
+    </dsp:sp>
+  </dsp:spTree>
+</dsp:drawing>
+</file>
+
+<file path=ppt/diagrams/drawing2.xml><?xml version="1.0" encoding="utf-8"?>
+<dsp:drawing xmlns:dgm="http://schemas.openxmlformats.org/drawingml/2006/diagram" xmlns:dsp="http://schemas.microsoft.com/office/drawing/2008/diagram" xmlns:a="http://schemas.openxmlformats.org/drawingml/2006/main">
+  <dsp:spTree>
+    <dsp:nvGrpSpPr>
+      <dsp:cNvPr id="0" name=""/>
+      <dsp:cNvGrpSpPr/>
+    </dsp:nvGrpSpPr>
+    <dsp:grpSpPr/>
+    <dsp:sp modelId="{9631F43F-71D5-439A-86EB-4907586BC29B}">
+      <dsp:nvSpPr>
+        <dsp:cNvPr id="0" name=""/>
+        <dsp:cNvSpPr/>
+      </dsp:nvSpPr>
+      <dsp:spPr>
+        <a:xfrm>
+          <a:off x="0" y="2275271"/>
+          <a:ext cx="3124200" cy="746794"/>
+        </a:xfrm>
+        <a:prstGeom prst="rect">
+          <a:avLst/>
+        </a:prstGeom>
+        <a:solidFill>
+          <a:schemeClr val="accent1">
+            <a:hueOff val="0"/>
+            <a:satOff val="0"/>
+            <a:lumOff val="0"/>
+            <a:alphaOff val="0"/>
+          </a:schemeClr>
+        </a:solidFill>
+        <a:ln w="25400" cap="flat" cmpd="sng" algn="ctr">
+          <a:solidFill>
+            <a:schemeClr val="lt1">
+              <a:hueOff val="0"/>
+              <a:satOff val="0"/>
+              <a:lumOff val="0"/>
+              <a:alphaOff val="0"/>
+            </a:schemeClr>
+          </a:solidFill>
+          <a:prstDash val="solid"/>
+        </a:ln>
+        <a:effectLst/>
+      </dsp:spPr>
+      <dsp:style>
+        <a:lnRef idx="2">
+          <a:scrgbClr r="0" g="0" b="0"/>
+        </a:lnRef>
+        <a:fillRef idx="1">
+          <a:scrgbClr r="0" g="0" b="0"/>
+        </a:fillRef>
+        <a:effectRef idx="0">
+          <a:scrgbClr r="0" g="0" b="0"/>
+        </a:effectRef>
+        <a:fontRef idx="minor">
+          <a:schemeClr val="lt1"/>
+        </a:fontRef>
+      </dsp:style>
+      <dsp:txBody>
+        <a:bodyPr spcFirstLastPara="0" vert="horz" wrap="square" lIns="99568" tIns="99568" rIns="99568" bIns="99568" numCol="1" spcCol="1270" anchor="ctr" anchorCtr="0">
+          <a:noAutofit/>
+        </a:bodyPr>
+        <a:lstStyle/>
+        <a:p>
+          <a:pPr marL="0" lvl="0" indent="0" algn="ctr" defTabSz="622300">
+            <a:lnSpc>
+              <a:spcPct val="90000"/>
+            </a:lnSpc>
+            <a:spcBef>
+              <a:spcPct val="0"/>
+            </a:spcBef>
+            <a:spcAft>
+              <a:spcPct val="35000"/>
+            </a:spcAft>
+            <a:buNone/>
+          </a:pPr>
+          <a:r>
+            <a:rPr lang="en-US" sz="1400" kern="1200" dirty="0"/>
+            <a:t>Retrieve Method</a:t>
+          </a:r>
+        </a:p>
+      </dsp:txBody>
+      <dsp:txXfrm>
+        <a:off x="0" y="2275271"/>
+        <a:ext cx="3124200" cy="403269"/>
+      </dsp:txXfrm>
+    </dsp:sp>
+    <dsp:sp modelId="{54A6DB46-4E13-4153-BD8C-D6279691D80C}">
+      <dsp:nvSpPr>
+        <dsp:cNvPr id="0" name=""/>
+        <dsp:cNvSpPr/>
+      </dsp:nvSpPr>
+      <dsp:spPr>
+        <a:xfrm>
+          <a:off x="0" y="2663604"/>
+          <a:ext cx="3124200" cy="343525"/>
+        </a:xfrm>
+        <a:prstGeom prst="rect">
+          <a:avLst/>
+        </a:prstGeom>
+        <a:solidFill>
+          <a:schemeClr val="accent1">
+            <a:alpha val="90000"/>
+            <a:tint val="40000"/>
+            <a:hueOff val="0"/>
+            <a:satOff val="0"/>
+            <a:lumOff val="0"/>
+            <a:alphaOff val="0"/>
+          </a:schemeClr>
+        </a:solidFill>
+        <a:ln w="25400" cap="flat" cmpd="sng" algn="ctr">
+          <a:solidFill>
+            <a:schemeClr val="accent1">
+              <a:alpha val="90000"/>
+              <a:tint val="40000"/>
+              <a:hueOff val="0"/>
+              <a:satOff val="0"/>
+              <a:lumOff val="0"/>
+              <a:alphaOff val="0"/>
+            </a:schemeClr>
+          </a:solidFill>
+          <a:prstDash val="solid"/>
+        </a:ln>
+        <a:effectLst/>
+      </dsp:spPr>
+      <dsp:style>
+        <a:lnRef idx="2">
+          <a:scrgbClr r="0" g="0" b="0"/>
+        </a:lnRef>
+        <a:fillRef idx="1">
+          <a:scrgbClr r="0" g="0" b="0"/>
+        </a:fillRef>
+        <a:effectRef idx="0">
+          <a:scrgbClr r="0" g="0" b="0"/>
+        </a:effectRef>
+        <a:fontRef idx="minor"/>
+      </dsp:style>
+      <dsp:txBody>
+        <a:bodyPr spcFirstLastPara="0" vert="horz" wrap="square" lIns="142240" tIns="25400" rIns="142240" bIns="25400" numCol="1" spcCol="1270" anchor="ctr" anchorCtr="0">
+          <a:noAutofit/>
+        </a:bodyPr>
+        <a:lstStyle/>
+        <a:p>
+          <a:pPr marL="0" lvl="0" indent="0" algn="ctr" defTabSz="889000">
+            <a:lnSpc>
+              <a:spcPct val="90000"/>
+            </a:lnSpc>
+            <a:spcBef>
+              <a:spcPct val="0"/>
+            </a:spcBef>
+            <a:spcAft>
+              <a:spcPct val="35000"/>
+            </a:spcAft>
+            <a:buNone/>
+          </a:pPr>
+          <a:r>
+            <a:rPr lang="en-US" sz="2000" kern="1200" dirty="0"/>
+            <a:t>Arguments</a:t>
+          </a:r>
+        </a:p>
+      </dsp:txBody>
+      <dsp:txXfrm>
+        <a:off x="0" y="2663604"/>
+        <a:ext cx="3124200" cy="343525"/>
+      </dsp:txXfrm>
+    </dsp:sp>
+    <dsp:sp modelId="{BF6C8519-5E48-48CB-BE06-DDDDCA6D630D}">
+      <dsp:nvSpPr>
+        <dsp:cNvPr id="0" name=""/>
+        <dsp:cNvSpPr/>
+      </dsp:nvSpPr>
+      <dsp:spPr>
+        <a:xfrm rot="10800000">
+          <a:off x="0" y="1137902"/>
+          <a:ext cx="3124200" cy="1148570"/>
+        </a:xfrm>
+        <a:prstGeom prst="upArrowCallout">
+          <a:avLst/>
+        </a:prstGeom>
+        <a:solidFill>
+          <a:schemeClr val="accent1">
+            <a:hueOff val="0"/>
+            <a:satOff val="0"/>
+            <a:lumOff val="0"/>
+            <a:alphaOff val="0"/>
+          </a:schemeClr>
+        </a:solidFill>
+        <a:ln w="25400" cap="flat" cmpd="sng" algn="ctr">
+          <a:solidFill>
+            <a:schemeClr val="lt1">
+              <a:hueOff val="0"/>
+              <a:satOff val="0"/>
+              <a:lumOff val="0"/>
+              <a:alphaOff val="0"/>
+            </a:schemeClr>
+          </a:solidFill>
+          <a:prstDash val="solid"/>
+        </a:ln>
+        <a:effectLst/>
+      </dsp:spPr>
+      <dsp:style>
+        <a:lnRef idx="2">
+          <a:scrgbClr r="0" g="0" b="0"/>
+        </a:lnRef>
+        <a:fillRef idx="1">
+          <a:scrgbClr r="0" g="0" b="0"/>
+        </a:fillRef>
+        <a:effectRef idx="0">
+          <a:scrgbClr r="0" g="0" b="0"/>
+        </a:effectRef>
+        <a:fontRef idx="minor">
+          <a:schemeClr val="lt1"/>
+        </a:fontRef>
+      </dsp:style>
+      <dsp:txBody>
+        <a:bodyPr spcFirstLastPara="0" vert="horz" wrap="square" lIns="99568" tIns="99568" rIns="99568" bIns="99568" numCol="1" spcCol="1270" anchor="ctr" anchorCtr="0">
+          <a:noAutofit/>
+        </a:bodyPr>
+        <a:lstStyle/>
+        <a:p>
+          <a:pPr marL="0" lvl="0" indent="0" algn="ctr" defTabSz="622300">
+            <a:lnSpc>
+              <a:spcPct val="90000"/>
+            </a:lnSpc>
+            <a:spcBef>
+              <a:spcPct val="0"/>
+            </a:spcBef>
+            <a:spcAft>
+              <a:spcPct val="35000"/>
+            </a:spcAft>
+            <a:buNone/>
+          </a:pPr>
+          <a:r>
+            <a:rPr lang="en-US" sz="1400" kern="1200" dirty="0"/>
+            <a:t>Retrieve Method</a:t>
+          </a:r>
+        </a:p>
+      </dsp:txBody>
+      <dsp:txXfrm rot="-10800000">
+        <a:off x="0" y="1137902"/>
+        <a:ext cx="3124200" cy="403148"/>
+      </dsp:txXfrm>
+    </dsp:sp>
+    <dsp:sp modelId="{37BA5629-FAFC-412A-90CD-731215C7A978}">
+      <dsp:nvSpPr>
+        <dsp:cNvPr id="0" name=""/>
+        <dsp:cNvSpPr/>
+      </dsp:nvSpPr>
+      <dsp:spPr>
+        <a:xfrm>
+          <a:off x="0" y="1541050"/>
+          <a:ext cx="3124200" cy="343422"/>
+        </a:xfrm>
+        <a:prstGeom prst="rect">
+          <a:avLst/>
+        </a:prstGeom>
+        <a:solidFill>
+          <a:schemeClr val="accent1">
+            <a:alpha val="90000"/>
+            <a:tint val="40000"/>
+            <a:hueOff val="0"/>
+            <a:satOff val="0"/>
+            <a:lumOff val="0"/>
+            <a:alphaOff val="0"/>
+          </a:schemeClr>
+        </a:solidFill>
+        <a:ln w="25400" cap="flat" cmpd="sng" algn="ctr">
+          <a:solidFill>
+            <a:schemeClr val="accent1">
+              <a:alpha val="90000"/>
+              <a:tint val="40000"/>
+              <a:hueOff val="0"/>
+              <a:satOff val="0"/>
+              <a:lumOff val="0"/>
+              <a:alphaOff val="0"/>
+            </a:schemeClr>
+          </a:solidFill>
+          <a:prstDash val="solid"/>
+        </a:ln>
+        <a:effectLst/>
+      </dsp:spPr>
+      <dsp:style>
+        <a:lnRef idx="2">
+          <a:scrgbClr r="0" g="0" b="0"/>
+        </a:lnRef>
+        <a:fillRef idx="1">
+          <a:scrgbClr r="0" g="0" b="0"/>
+        </a:fillRef>
+        <a:effectRef idx="0">
+          <a:scrgbClr r="0" g="0" b="0"/>
+        </a:effectRef>
+        <a:fontRef idx="minor"/>
+      </dsp:style>
+      <dsp:txBody>
+        <a:bodyPr spcFirstLastPara="0" vert="horz" wrap="square" lIns="142240" tIns="25400" rIns="142240" bIns="25400" numCol="1" spcCol="1270" anchor="ctr" anchorCtr="0">
+          <a:noAutofit/>
+        </a:bodyPr>
+        <a:lstStyle/>
+        <a:p>
+          <a:pPr marL="0" lvl="0" indent="0" algn="ctr" defTabSz="889000">
+            <a:lnSpc>
+              <a:spcPct val="90000"/>
+            </a:lnSpc>
+            <a:spcBef>
+              <a:spcPct val="0"/>
+            </a:spcBef>
+            <a:spcAft>
+              <a:spcPct val="35000"/>
+            </a:spcAft>
+            <a:buNone/>
+          </a:pPr>
+          <a:r>
+            <a:rPr lang="en-US" sz="2000" kern="1200" dirty="0"/>
+            <a:t>Arguments</a:t>
+          </a:r>
+        </a:p>
+      </dsp:txBody>
+      <dsp:txXfrm>
+        <a:off x="0" y="1541050"/>
+        <a:ext cx="3124200" cy="343422"/>
+      </dsp:txXfrm>
+    </dsp:sp>
+    <dsp:sp modelId="{99145A6D-7000-4445-B530-229FB8F1789A}">
+      <dsp:nvSpPr>
+        <dsp:cNvPr id="0" name=""/>
+        <dsp:cNvSpPr/>
+      </dsp:nvSpPr>
+      <dsp:spPr>
+        <a:xfrm rot="10800000">
+          <a:off x="0" y="534"/>
+          <a:ext cx="3124200" cy="1148570"/>
+        </a:xfrm>
+        <a:prstGeom prst="upArrowCallout">
+          <a:avLst/>
+        </a:prstGeom>
+        <a:solidFill>
+          <a:schemeClr val="accent1">
+            <a:hueOff val="0"/>
+            <a:satOff val="0"/>
+            <a:lumOff val="0"/>
+            <a:alphaOff val="0"/>
+          </a:schemeClr>
+        </a:solidFill>
+        <a:ln w="25400" cap="flat" cmpd="sng" algn="ctr">
+          <a:solidFill>
+            <a:schemeClr val="lt1">
+              <a:hueOff val="0"/>
+              <a:satOff val="0"/>
+              <a:lumOff val="0"/>
+              <a:alphaOff val="0"/>
+            </a:schemeClr>
+          </a:solidFill>
+          <a:prstDash val="solid"/>
+        </a:ln>
+        <a:effectLst/>
+      </dsp:spPr>
+      <dsp:style>
+        <a:lnRef idx="2">
+          <a:scrgbClr r="0" g="0" b="0"/>
+        </a:lnRef>
+        <a:fillRef idx="1">
+          <a:scrgbClr r="0" g="0" b="0"/>
+        </a:fillRef>
+        <a:effectRef idx="0">
+          <a:scrgbClr r="0" g="0" b="0"/>
+        </a:effectRef>
+        <a:fontRef idx="minor">
+          <a:schemeClr val="lt1"/>
+        </a:fontRef>
+      </dsp:style>
+      <dsp:txBody>
+        <a:bodyPr spcFirstLastPara="0" vert="horz" wrap="square" lIns="99568" tIns="99568" rIns="99568" bIns="99568" numCol="1" spcCol="1270" anchor="ctr" anchorCtr="0">
+          <a:noAutofit/>
+        </a:bodyPr>
+        <a:lstStyle/>
+        <a:p>
+          <a:pPr marL="0" lvl="0" indent="0" algn="ctr" defTabSz="622300">
+            <a:lnSpc>
+              <a:spcPct val="90000"/>
+            </a:lnSpc>
+            <a:spcBef>
+              <a:spcPct val="0"/>
+            </a:spcBef>
+            <a:spcAft>
+              <a:spcPct val="35000"/>
+            </a:spcAft>
+            <a:buNone/>
+          </a:pPr>
+          <a:r>
+            <a:rPr lang="en-US" sz="1400" kern="1200" dirty="0"/>
+            <a:t>Retrieve Method</a:t>
+          </a:r>
+        </a:p>
+      </dsp:txBody>
+      <dsp:txXfrm rot="-10800000">
+        <a:off x="0" y="534"/>
+        <a:ext cx="3124200" cy="403148"/>
+      </dsp:txXfrm>
+    </dsp:sp>
+    <dsp:sp modelId="{D0E5A419-A8C3-4EF2-B67D-F59D92AFFF5C}">
+      <dsp:nvSpPr>
+        <dsp:cNvPr id="0" name=""/>
+        <dsp:cNvSpPr/>
+      </dsp:nvSpPr>
+      <dsp:spPr>
+        <a:xfrm>
+          <a:off x="0" y="403682"/>
+          <a:ext cx="3124200" cy="343422"/>
+        </a:xfrm>
+        <a:prstGeom prst="rect">
+          <a:avLst/>
+        </a:prstGeom>
+        <a:solidFill>
+          <a:schemeClr val="accent1">
+            <a:alpha val="90000"/>
+            <a:tint val="40000"/>
+            <a:hueOff val="0"/>
+            <a:satOff val="0"/>
+            <a:lumOff val="0"/>
+            <a:alphaOff val="0"/>
+          </a:schemeClr>
+        </a:solidFill>
+        <a:ln w="25400" cap="flat" cmpd="sng" algn="ctr">
+          <a:solidFill>
+            <a:schemeClr val="accent1">
+              <a:alpha val="90000"/>
+              <a:tint val="40000"/>
+              <a:hueOff val="0"/>
+              <a:satOff val="0"/>
+              <a:lumOff val="0"/>
+              <a:alphaOff val="0"/>
+            </a:schemeClr>
+          </a:solidFill>
+          <a:prstDash val="solid"/>
+        </a:ln>
+        <a:effectLst/>
+      </dsp:spPr>
+      <dsp:style>
+        <a:lnRef idx="2">
+          <a:scrgbClr r="0" g="0" b="0"/>
+        </a:lnRef>
+        <a:fillRef idx="1">
+          <a:scrgbClr r="0" g="0" b="0"/>
+        </a:fillRef>
+        <a:effectRef idx="0">
+          <a:scrgbClr r="0" g="0" b="0"/>
+        </a:effectRef>
+        <a:fontRef idx="minor"/>
+      </dsp:style>
+      <dsp:txBody>
+        <a:bodyPr spcFirstLastPara="0" vert="horz" wrap="square" lIns="142240" tIns="25400" rIns="142240" bIns="25400" numCol="1" spcCol="1270" anchor="ctr" anchorCtr="0">
+          <a:noAutofit/>
+        </a:bodyPr>
+        <a:lstStyle/>
+        <a:p>
+          <a:pPr marL="0" lvl="0" indent="0" algn="ctr" defTabSz="889000">
+            <a:lnSpc>
+              <a:spcPct val="90000"/>
+            </a:lnSpc>
+            <a:spcBef>
+              <a:spcPct val="0"/>
+            </a:spcBef>
+            <a:spcAft>
+              <a:spcPct val="35000"/>
+            </a:spcAft>
+            <a:buNone/>
+          </a:pPr>
+          <a:r>
+            <a:rPr lang="en-US" sz="2000" kern="1200" dirty="0"/>
+            <a:t>Arguments</a:t>
+          </a:r>
+        </a:p>
+      </dsp:txBody>
+      <dsp:txXfrm>
+        <a:off x="0" y="403682"/>
+        <a:ext cx="3124200" cy="343422"/>
+      </dsp:txXfrm>
+    </dsp:sp>
+  </dsp:spTree>
+</dsp:drawing>
+</file>
+
+<file path=ppt/diagrams/layout1.xml><?xml version="1.0" encoding="utf-8"?>
+<dgm:layoutDef xmlns:dgm="http://schemas.openxmlformats.org/drawingml/2006/diagram" xmlns:a="http://schemas.openxmlformats.org/drawingml/2006/main" uniqueId="urn:microsoft.com/office/officeart/2005/8/layout/process4">
+  <dgm:title val=""/>
+  <dgm:desc val=""/>
+  <dgm:catLst>
+    <dgm:cat type="process" pri="16000"/>
+    <dgm:cat type="list" pri="20000"/>
+  </dgm:catLst>
+  <dgm:sampData>
+    <dgm:dataModel>
+      <dgm:ptLst>
+        <dgm:pt modelId="0" type="doc"/>
+        <dgm:pt modelId="1">
+          <dgm:prSet phldr="1"/>
+        </dgm:pt>
+        <dgm:pt modelId="11">
+          <dgm:prSet phldr="1"/>
+        </dgm:pt>
+        <dgm:pt modelId="12">
+          <dgm:prSet phldr="1"/>
+        </dgm:pt>
+        <dgm:pt modelId="2">
+          <dgm:prSet phldr="1"/>
+        </dgm:pt>
+        <dgm:pt modelId="21">
+          <dgm:prSet phldr="1"/>
+        </dgm:pt>
+        <dgm:pt modelId="22">
+          <dgm:prSet phldr="1"/>
+        </dgm:pt>
+        <dgm:pt modelId="3">
+          <dgm:prSet phldr="1"/>
+        </dgm:pt>
+        <dgm:pt modelId="31">
+          <dgm:prSet phldr="1"/>
+        </dgm:pt>
+        <dgm:pt modelId="32">
+          <dgm:prSet phldr="1"/>
+        </dgm:pt>
+      </dgm:ptLst>
+      <dgm:cxnLst>
+        <dgm:cxn modelId="4" srcId="0" destId="1" srcOrd="0" destOrd="0"/>
+        <dgm:cxn modelId="5" srcId="0" destId="2" srcOrd="1" destOrd="0"/>
+        <dgm:cxn modelId="6" srcId="0" destId="3" srcOrd="2" destOrd="0"/>
+        <dgm:cxn modelId="13" srcId="1" destId="11" srcOrd="0" destOrd="0"/>
+        <dgm:cxn modelId="14" srcId="1" destId="12" srcOrd="1" destOrd="0"/>
+        <dgm:cxn modelId="23" srcId="2" destId="21" srcOrd="0" destOrd="0"/>
+        <dgm:cxn modelId="24" srcId="2" destId="22" srcOrd="1" destOrd="0"/>
+        <dgm:cxn modelId="33" srcId="3" destId="31" srcOrd="0" destOrd="0"/>
+        <dgm:cxn modelId="34" srcId="3" destId="32" srcOrd="1" destOrd="0"/>
+      </dgm:cxnLst>
+      <dgm:bg/>
+      <dgm:whole/>
+    </dgm:dataModel>
+  </dgm:sampData>
+  <dgm:styleData>
+    <dgm:dataModel>
+      <dgm:ptLst>
+        <dgm:pt modelId="0" type="doc"/>
+        <dgm:pt modelId="1"/>
+        <dgm:pt modelId="11"/>
+        <dgm:pt modelId="2"/>
+        <dgm:pt modelId="21"/>
+      </dgm:ptLst>
+      <dgm:cxnLst>
+        <dgm:cxn modelId="4" srcId="0" destId="1" srcOrd="0" destOrd="0"/>
+        <dgm:cxn modelId="5" srcId="0" destId="2" srcOrd="1" destOrd="0"/>
+        <dgm:cxn modelId="13" srcId="1" destId="11" srcOrd="0" destOrd="0"/>
+        <dgm:cxn modelId="23" srcId="2" destId="21" srcOrd="0" destOrd="0"/>
+      </dgm:cxnLst>
+      <dgm:bg/>
+      <dgm:whole/>
+    </dgm:dataModel>
+  </dgm:styleData>
+  <dgm:clrData>
+    <dgm:dataModel>
+      <dgm:ptLst>
+        <dgm:pt modelId="0" type="doc"/>
+        <dgm:pt modelId="1"/>
+        <dgm:pt modelId="11"/>
+        <dgm:pt modelId="2"/>
+        <dgm:pt modelId="21"/>
+        <dgm:pt modelId="3"/>
+        <dgm:pt modelId="31"/>
+        <dgm:pt modelId="4"/>
+        <dgm:pt modelId="41"/>
+      </dgm:ptLst>
+      <dgm:cxnLst>
+        <dgm:cxn modelId="5" srcId="0" destId="1" srcOrd="0" destOrd="0"/>
+        <dgm:cxn modelId="6" srcId="0" destId="2" srcOrd="1" destOrd="0"/>
+        <dgm:cxn modelId="7" srcId="0" destId="3" srcOrd="2" destOrd="0"/>
+        <dgm:cxn modelId="8" srcId="0" destId="4" srcOrd="3" destOrd="0"/>
+        <dgm:cxn modelId="13" srcId="1" destId="11" srcOrd="0" destOrd="0"/>
+        <dgm:cxn modelId="23" srcId="2" destId="21" srcOrd="0" destOrd="0"/>
+        <dgm:cxn modelId="33" srcId="3" destId="31" srcOrd="0" destOrd="0"/>
+        <dgm:cxn modelId="43" srcId="4" destId="41" srcOrd="0" destOrd="0"/>
+      </dgm:cxnLst>
+      <dgm:bg/>
+      <dgm:whole/>
+    </dgm:dataModel>
+  </dgm:clrData>
+  <dgm:layoutNode name="Name0">
+    <dgm:varLst>
+      <dgm:dir/>
+      <dgm:animLvl val="lvl"/>
+      <dgm:resizeHandles val="exact"/>
+    </dgm:varLst>
+    <dgm:alg type="lin">
+      <dgm:param type="linDir" val="fromB"/>
+    </dgm:alg>
+    <dgm:shape xmlns:r="http://schemas.openxmlformats.org/officeDocument/2006/relationships" r:blip="">
+      <dgm:adjLst/>
+    </dgm:shape>
+    <dgm:presOf/>
+    <dgm:constrLst>
+      <dgm:constr type="h" for="ch" forName="boxAndChildren" refType="h"/>
+      <dgm:constr type="h" for="ch" forName="arrowAndChildren" refType="h" refFor="ch" refForName="boxAndChildren" op="equ" fact="1.538"/>
+      <dgm:constr type="w" for="ch" forName="arrowAndChildren" refType="w"/>
+      <dgm:constr type="w" for="ch" forName="boxAndChildren" refType="w"/>
+      <dgm:constr type="h" for="ch" forName="sp" refType="h" fact="-0.015"/>
+      <dgm:constr type="primFontSz" for="des" forName="parentTextBox" val="65"/>
+      <dgm:constr type="primFontSz" for="des" forName="parentTextArrow" refType="primFontSz" refFor="des" refForName="parentTextBox" op="equ"/>
+      <dgm:constr type="primFontSz" for="des" forName="childTextArrow" val="65"/>
+      <dgm:constr type="primFontSz" for="des" forName="childTextBox" refType="primFontSz" refFor="des" refForName="childTextArrow" op="equ"/>
+    </dgm:constrLst>
+    <dgm:ruleLst/>
+    <dgm:forEach name="Name1" axis="ch" ptType="node" st="-1" step="-1">
+      <dgm:choose name="Name2">
+        <dgm:if name="Name3" axis="self" ptType="node" func="revPos" op="equ" val="1">
+          <dgm:layoutNode name="boxAndChildren">
+            <dgm:alg type="composite"/>
+            <dgm:shape xmlns:r="http://schemas.openxmlformats.org/officeDocument/2006/relationships" r:blip="">
+              <dgm:adjLst/>
+            </dgm:shape>
+            <dgm:presOf/>
+            <dgm:choose name="Name4">
+              <dgm:if name="Name5" axis="ch" ptType="node" func="cnt" op="gte" val="1">
+                <dgm:constrLst>
+                  <dgm:constr type="w" for="ch" forName="parentTextBox" refType="w"/>
+                  <dgm:constr type="h" for="ch" forName="parentTextBox" refType="h" fact="0.54"/>
+                  <dgm:constr type="t" for="ch" forName="parentTextBox"/>
+                  <dgm:constr type="w" for="ch" forName="entireBox" refType="w"/>
+                  <dgm:constr type="h" for="ch" forName="entireBox" refType="h"/>
+                  <dgm:constr type="w" for="ch" forName="descendantBox" refType="w"/>
+                  <dgm:constr type="b" for="ch" forName="descendantBox" refType="h" fact="0.98"/>
+                  <dgm:constr type="h" for="ch" forName="descendantBox" refType="h" fact="0.46"/>
+                </dgm:constrLst>
+              </dgm:if>
+              <dgm:else name="Name6">
+                <dgm:constrLst>
+                  <dgm:constr type="w" for="ch" forName="parentTextBox" refType="w"/>
+                  <dgm:constr type="h" for="ch" forName="parentTextBox" refType="h"/>
+                </dgm:constrLst>
+              </dgm:else>
+            </dgm:choose>
+            <dgm:ruleLst/>
+            <dgm:layoutNode name="parentTextBox">
+              <dgm:alg type="tx"/>
+              <dgm:choose name="Name7">
+                <dgm:if name="Name8" axis="ch" ptType="node" func="cnt" op="gte" val="1">
+                  <dgm:shape xmlns:r="http://schemas.openxmlformats.org/officeDocument/2006/relationships" type="rect" r:blip="" zOrderOff="1" hideGeom="1">
+                    <dgm:adjLst/>
+                  </dgm:shape>
+                </dgm:if>
+                <dgm:else name="Name9">
+                  <dgm:shape xmlns:r="http://schemas.openxmlformats.org/officeDocument/2006/relationships" type="rect" r:blip="">
+                    <dgm:adjLst/>
+                  </dgm:shape>
+                </dgm:else>
+              </dgm:choose>
+              <dgm:presOf axis="self"/>
+              <dgm:constrLst/>
+              <dgm:ruleLst>
+                <dgm:rule type="primFontSz" val="5" fact="NaN" max="NaN"/>
+              </dgm:ruleLst>
+            </dgm:layoutNode>
+            <dgm:choose name="Name10">
+              <dgm:if name="Name11" axis="ch" ptType="node" func="cnt" op="gte" val="1">
+                <dgm:layoutNode name="entireBox">
+                  <dgm:alg type="sp"/>
+                  <dgm:shape xmlns:r="http://schemas.openxmlformats.org/officeDocument/2006/relationships" type="rect" r:blip="">
+                    <dgm:adjLst/>
+                  </dgm:shape>
+                  <dgm:presOf axis="self"/>
+                  <dgm:constrLst/>
+                  <dgm:ruleLst/>
+                </dgm:layoutNode>
+                <dgm:layoutNode name="descendantBox" styleLbl="fgAccFollowNode1">
+                  <dgm:choose name="Name12">
+                    <dgm:if name="Name13" func="var" arg="dir" op="equ" val="norm">
+                      <dgm:alg type="lin"/>
+                    </dgm:if>
+                    <dgm:else name="Name14">
+                      <dgm:alg type="lin">
+                        <dgm:param type="linDir" val="fromR"/>
+                      </dgm:alg>
+                    </dgm:else>
+                  </dgm:choose>
+                  <dgm:shape xmlns:r="http://schemas.openxmlformats.org/officeDocument/2006/relationships" r:blip="">
+                    <dgm:adjLst/>
+                  </dgm:shape>
+                  <dgm:presOf/>
+                  <dgm:constrLst>
+                    <dgm:constr type="w" for="ch" forName="childTextBox" refType="w"/>
+                    <dgm:constr type="h" for="ch" forName="childTextBox" refType="h"/>
+                  </dgm:constrLst>
+                  <dgm:ruleLst/>
+                  <dgm:forEach name="Name15" axis="ch" ptType="node">
+                    <dgm:layoutNode name="childTextBox" styleLbl="fgAccFollowNode1">
+                      <dgm:varLst>
+                        <dgm:bulletEnabled val="1"/>
+                      </dgm:varLst>
+                      <dgm:alg type="tx"/>
+                      <dgm:shape xmlns:r="http://schemas.openxmlformats.org/officeDocument/2006/relationships" type="rect" r:blip="">
+                        <dgm:adjLst/>
+                      </dgm:shape>
+                      <dgm:presOf axis="desOrSelf" ptType="node"/>
+                      <dgm:constrLst>
+                        <dgm:constr type="tMarg" refType="primFontSz" fact="0.1"/>
+                        <dgm:constr type="bMarg" refType="primFontSz" fact="0.1"/>
+                      </dgm:constrLst>
+                      <dgm:ruleLst>
+                        <dgm:rule type="primFontSz" val="5" fact="NaN" max="NaN"/>
+                      </dgm:ruleLst>
+                    </dgm:layoutNode>
+                  </dgm:forEach>
+                </dgm:layoutNode>
+              </dgm:if>
+              <dgm:else name="Name16"/>
+            </dgm:choose>
+          </dgm:layoutNode>
+        </dgm:if>
+        <dgm:else name="Name17">
+          <dgm:layoutNode name="arrowAndChildren">
+            <dgm:alg type="composite"/>
+            <dgm:shape xmlns:r="http://schemas.openxmlformats.org/officeDocument/2006/relationships" r:blip="">
+              <dgm:adjLst/>
+            </dgm:shape>
+            <dgm:presOf/>
+            <dgm:choose name="Name18">
+              <dgm:if name="Name19" axis="ch" ptType="node" func="cnt" op="gte" val="1">
+                <dgm:constrLst>
+                  <dgm:constr type="w" for="ch" forName="parentTextArrow" refType="w"/>
+                  <dgm:constr type="t" for="ch" forName="parentTextArrow"/>
+                  <dgm:constr type="h" for="ch" forName="parentTextArrow" refType="h" fact="0.351"/>
+                  <dgm:constr type="w" for="ch" forName="arrow" refType="w"/>
+                  <dgm:constr type="h" for="ch" forName="arrow" refType="h"/>
+                  <dgm:constr type="w" for="ch" forName="descendantArrow" refType="w"/>
+                  <dgm:constr type="b" for="ch" forName="descendantArrow" refType="h" fact="0.65"/>
+                  <dgm:constr type="h" for="ch" forName="descendantArrow" refType="h" fact="0.299"/>
+                </dgm:constrLst>
+              </dgm:if>
+              <dgm:else name="Name20">
+                <dgm:constrLst>
+                  <dgm:constr type="w" for="ch" forName="parentTextArrow" refType="w"/>
+                  <dgm:constr type="h" for="ch" forName="parentTextArrow" refType="h"/>
+                </dgm:constrLst>
+              </dgm:else>
+            </dgm:choose>
+            <dgm:ruleLst/>
+            <dgm:layoutNode name="parentTextArrow">
+              <dgm:alg type="tx"/>
+              <dgm:choose name="Name21">
+                <dgm:if name="Name22" axis="ch" ptType="node" func="cnt" op="gte" val="1">
+                  <dgm:shape xmlns:r="http://schemas.openxmlformats.org/officeDocument/2006/relationships" type="rect" r:blip="" zOrderOff="1" hideGeom="1">
+                    <dgm:adjLst/>
+                  </dgm:shape>
+                </dgm:if>
+                <dgm:else name="Name23">
+                  <dgm:shape xmlns:r="http://schemas.openxmlformats.org/officeDocument/2006/relationships" rot="180" type="upArrowCallout" r:blip="">
+                    <dgm:adjLst/>
+                  </dgm:shape>
+                </dgm:else>
+              </dgm:choose>
+              <dgm:presOf axis="self"/>
+              <dgm:constrLst/>
+              <dgm:ruleLst>
+                <dgm:rule type="primFontSz" val="5" fact="NaN" max="NaN"/>
+              </dgm:ruleLst>
+            </dgm:layoutNode>
+            <dgm:choose name="Name24">
+              <dgm:if name="Name25" axis="ch" ptType="node" func="cnt" op="gte" val="1">
+                <dgm:layoutNode name="arrow">
+                  <dgm:alg type="sp"/>
+                  <dgm:shape xmlns:r="http://schemas.openxmlformats.org/officeDocument/2006/relationships" rot="180" type="upArrowCallout" r:blip="">
+                    <dgm:adjLst/>
+                  </dgm:shape>
+                  <dgm:presOf axis="self"/>
+                  <dgm:constrLst/>
+                  <dgm:ruleLst/>
+                </dgm:layoutNode>
+                <dgm:layoutNode name="descendantArrow">
+                  <dgm:choose name="Name26">
+                    <dgm:if name="Name27" func="var" arg="dir" op="equ" val="norm">
+                      <dgm:alg type="lin"/>
+                    </dgm:if>
+                    <dgm:else name="Name28">
+                      <dgm:alg type="lin">
+                        <dgm:param type="linDir" val="fromR"/>
+                      </dgm:alg>
+                    </dgm:else>
+                  </dgm:choose>
+                  <dgm:shape xmlns:r="http://schemas.openxmlformats.org/officeDocument/2006/relationships" r:blip="">
+                    <dgm:adjLst/>
+                  </dgm:shape>
+                  <dgm:presOf/>
+                  <dgm:constrLst>
+                    <dgm:constr type="w" for="ch" forName="childTextArrow" refType="w"/>
+                    <dgm:constr type="h" for="ch" forName="childTextArrow" refType="h"/>
+                  </dgm:constrLst>
+                  <dgm:ruleLst/>
+                  <dgm:forEach name="Name29" axis="ch" ptType="node">
+                    <dgm:layoutNode name="childTextArrow" styleLbl="fgAccFollowNode1">
+                      <dgm:varLst>
+                        <dgm:bulletEnabled val="1"/>
+                      </dgm:varLst>
+                      <dgm:alg type="tx"/>
+                      <dgm:shape xmlns:r="http://schemas.openxmlformats.org/officeDocument/2006/relationships" type="rect" r:blip="">
+                        <dgm:adjLst/>
+                      </dgm:shape>
+                      <dgm:presOf axis="desOrSelf" ptType="node"/>
+                      <dgm:constrLst>
+                        <dgm:constr type="tMarg" refType="primFontSz" fact="0.1"/>
+                        <dgm:constr type="bMarg" refType="primFontSz" fact="0.1"/>
+                      </dgm:constrLst>
+                      <dgm:ruleLst>
+                        <dgm:rule type="primFontSz" val="5" fact="NaN" max="NaN"/>
+                      </dgm:ruleLst>
+                    </dgm:layoutNode>
+                  </dgm:forEach>
+                </dgm:layoutNode>
+              </dgm:if>
+              <dgm:else name="Name30"/>
+            </dgm:choose>
+          </dgm:layoutNode>
+        </dgm:else>
+      </dgm:choose>
+      <dgm:forEach name="Name31" axis="precedSib" ptType="sibTrans" st="-1" cnt="1">
+        <dgm:layoutNode name="sp">
+          <dgm:alg type="sp"/>
+          <dgm:shape xmlns:r="http://schemas.openxmlformats.org/officeDocument/2006/relationships" r:blip="">
+            <dgm:adjLst/>
+          </dgm:shape>
+          <dgm:presOf axis="self"/>
+          <dgm:constrLst/>
+          <dgm:ruleLst/>
+        </dgm:layoutNode>
+      </dgm:forEach>
+    </dgm:forEach>
+  </dgm:layoutNode>
+</dgm:layoutDef>
+</file>
+
+<file path=ppt/diagrams/layout2.xml><?xml version="1.0" encoding="utf-8"?>
+<dgm:layoutDef xmlns:dgm="http://schemas.openxmlformats.org/drawingml/2006/diagram" xmlns:a="http://schemas.openxmlformats.org/drawingml/2006/main" uniqueId="urn:microsoft.com/office/officeart/2005/8/layout/process4">
+  <dgm:title val=""/>
+  <dgm:desc val=""/>
+  <dgm:catLst>
+    <dgm:cat type="process" pri="16000"/>
+    <dgm:cat type="list" pri="20000"/>
+  </dgm:catLst>
+  <dgm:sampData>
+    <dgm:dataModel>
+      <dgm:ptLst>
+        <dgm:pt modelId="0" type="doc"/>
+        <dgm:pt modelId="1">
+          <dgm:prSet phldr="1"/>
+        </dgm:pt>
+        <dgm:pt modelId="11">
+          <dgm:prSet phldr="1"/>
+        </dgm:pt>
+        <dgm:pt modelId="12">
+          <dgm:prSet phldr="1"/>
+        </dgm:pt>
+        <dgm:pt modelId="2">
+          <dgm:prSet phldr="1"/>
+        </dgm:pt>
+        <dgm:pt modelId="21">
+          <dgm:prSet phldr="1"/>
+        </dgm:pt>
+        <dgm:pt modelId="22">
+          <dgm:prSet phldr="1"/>
+        </dgm:pt>
+        <dgm:pt modelId="3">
+          <dgm:prSet phldr="1"/>
+        </dgm:pt>
+        <dgm:pt modelId="31">
+          <dgm:prSet phldr="1"/>
+        </dgm:pt>
+        <dgm:pt modelId="32">
+          <dgm:prSet phldr="1"/>
+        </dgm:pt>
+      </dgm:ptLst>
+      <dgm:cxnLst>
+        <dgm:cxn modelId="4" srcId="0" destId="1" srcOrd="0" destOrd="0"/>
+        <dgm:cxn modelId="5" srcId="0" destId="2" srcOrd="1" destOrd="0"/>
+        <dgm:cxn modelId="6" srcId="0" destId="3" srcOrd="2" destOrd="0"/>
+        <dgm:cxn modelId="13" srcId="1" destId="11" srcOrd="0" destOrd="0"/>
+        <dgm:cxn modelId="14" srcId="1" destId="12" srcOrd="1" destOrd="0"/>
+        <dgm:cxn modelId="23" srcId="2" destId="21" srcOrd="0" destOrd="0"/>
+        <dgm:cxn modelId="24" srcId="2" destId="22" srcOrd="1" destOrd="0"/>
+        <dgm:cxn modelId="33" srcId="3" destId="31" srcOrd="0" destOrd="0"/>
+        <dgm:cxn modelId="34" srcId="3" destId="32" srcOrd="1" destOrd="0"/>
+      </dgm:cxnLst>
+      <dgm:bg/>
+      <dgm:whole/>
+    </dgm:dataModel>
+  </dgm:sampData>
+  <dgm:styleData>
+    <dgm:dataModel>
+      <dgm:ptLst>
+        <dgm:pt modelId="0" type="doc"/>
+        <dgm:pt modelId="1"/>
+        <dgm:pt modelId="11"/>
+        <dgm:pt modelId="2"/>
+        <dgm:pt modelId="21"/>
+      </dgm:ptLst>
+      <dgm:cxnLst>
+        <dgm:cxn modelId="4" srcId="0" destId="1" srcOrd="0" destOrd="0"/>
+        <dgm:cxn modelId="5" srcId="0" destId="2" srcOrd="1" destOrd="0"/>
+        <dgm:cxn modelId="13" srcId="1" destId="11" srcOrd="0" destOrd="0"/>
+        <dgm:cxn modelId="23" srcId="2" destId="21" srcOrd="0" destOrd="0"/>
+      </dgm:cxnLst>
+      <dgm:bg/>
+      <dgm:whole/>
+    </dgm:dataModel>
+  </dgm:styleData>
+  <dgm:clrData>
+    <dgm:dataModel>
+      <dgm:ptLst>
+        <dgm:pt modelId="0" type="doc"/>
+        <dgm:pt modelId="1"/>
+        <dgm:pt modelId="11"/>
+        <dgm:pt modelId="2"/>
+        <dgm:pt modelId="21"/>
+        <dgm:pt modelId="3"/>
+        <dgm:pt modelId="31"/>
+        <dgm:pt modelId="4"/>
+        <dgm:pt modelId="41"/>
+      </dgm:ptLst>
+      <dgm:cxnLst>
+        <dgm:cxn modelId="5" srcId="0" destId="1" srcOrd="0" destOrd="0"/>
+        <dgm:cxn modelId="6" srcId="0" destId="2" srcOrd="1" destOrd="0"/>
+        <dgm:cxn modelId="7" srcId="0" destId="3" srcOrd="2" destOrd="0"/>
+        <dgm:cxn modelId="8" srcId="0" destId="4" srcOrd="3" destOrd="0"/>
+        <dgm:cxn modelId="13" srcId="1" destId="11" srcOrd="0" destOrd="0"/>
+        <dgm:cxn modelId="23" srcId="2" destId="21" srcOrd="0" destOrd="0"/>
+        <dgm:cxn modelId="33" srcId="3" destId="31" srcOrd="0" destOrd="0"/>
+        <dgm:cxn modelId="43" srcId="4" destId="41" srcOrd="0" destOrd="0"/>
+      </dgm:cxnLst>
+      <dgm:bg/>
+      <dgm:whole/>
+    </dgm:dataModel>
+  </dgm:clrData>
+  <dgm:layoutNode name="Name0">
+    <dgm:varLst>
+      <dgm:dir/>
+      <dgm:animLvl val="lvl"/>
+      <dgm:resizeHandles val="exact"/>
+    </dgm:varLst>
+    <dgm:alg type="lin">
+      <dgm:param type="linDir" val="fromB"/>
+    </dgm:alg>
+    <dgm:shape xmlns:r="http://schemas.openxmlformats.org/officeDocument/2006/relationships" r:blip="">
+      <dgm:adjLst/>
+    </dgm:shape>
+    <dgm:presOf/>
+    <dgm:constrLst>
+      <dgm:constr type="h" for="ch" forName="boxAndChildren" refType="h"/>
+      <dgm:constr type="h" for="ch" forName="arrowAndChildren" refType="h" refFor="ch" refForName="boxAndChildren" op="equ" fact="1.538"/>
+      <dgm:constr type="w" for="ch" forName="arrowAndChildren" refType="w"/>
+      <dgm:constr type="w" for="ch" forName="boxAndChildren" refType="w"/>
+      <dgm:constr type="h" for="ch" forName="sp" refType="h" fact="-0.015"/>
+      <dgm:constr type="primFontSz" for="des" forName="parentTextBox" val="65"/>
+      <dgm:constr type="primFontSz" for="des" forName="parentTextArrow" refType="primFontSz" refFor="des" refForName="parentTextBox" op="equ"/>
+      <dgm:constr type="primFontSz" for="des" forName="childTextArrow" val="65"/>
+      <dgm:constr type="primFontSz" for="des" forName="childTextBox" refType="primFontSz" refFor="des" refForName="childTextArrow" op="equ"/>
+    </dgm:constrLst>
+    <dgm:ruleLst/>
+    <dgm:forEach name="Name1" axis="ch" ptType="node" st="-1" step="-1">
+      <dgm:choose name="Name2">
+        <dgm:if name="Name3" axis="self" ptType="node" func="revPos" op="equ" val="1">
+          <dgm:layoutNode name="boxAndChildren">
+            <dgm:alg type="composite"/>
+            <dgm:shape xmlns:r="http://schemas.openxmlformats.org/officeDocument/2006/relationships" r:blip="">
+              <dgm:adjLst/>
+            </dgm:shape>
+            <dgm:presOf/>
+            <dgm:choose name="Name4">
+              <dgm:if name="Name5" axis="ch" ptType="node" func="cnt" op="gte" val="1">
+                <dgm:constrLst>
+                  <dgm:constr type="w" for="ch" forName="parentTextBox" refType="w"/>
+                  <dgm:constr type="h" for="ch" forName="parentTextBox" refType="h" fact="0.54"/>
+                  <dgm:constr type="t" for="ch" forName="parentTextBox"/>
+                  <dgm:constr type="w" for="ch" forName="entireBox" refType="w"/>
+                  <dgm:constr type="h" for="ch" forName="entireBox" refType="h"/>
+                  <dgm:constr type="w" for="ch" forName="descendantBox" refType="w"/>
+                  <dgm:constr type="b" for="ch" forName="descendantBox" refType="h" fact="0.98"/>
+                  <dgm:constr type="h" for="ch" forName="descendantBox" refType="h" fact="0.46"/>
+                </dgm:constrLst>
+              </dgm:if>
+              <dgm:else name="Name6">
+                <dgm:constrLst>
+                  <dgm:constr type="w" for="ch" forName="parentTextBox" refType="w"/>
+                  <dgm:constr type="h" for="ch" forName="parentTextBox" refType="h"/>
+                </dgm:constrLst>
+              </dgm:else>
+            </dgm:choose>
+            <dgm:ruleLst/>
+            <dgm:layoutNode name="parentTextBox">
+              <dgm:alg type="tx"/>
+              <dgm:choose name="Name7">
+                <dgm:if name="Name8" axis="ch" ptType="node" func="cnt" op="gte" val="1">
+                  <dgm:shape xmlns:r="http://schemas.openxmlformats.org/officeDocument/2006/relationships" type="rect" r:blip="" zOrderOff="1" hideGeom="1">
+                    <dgm:adjLst/>
+                  </dgm:shape>
+                </dgm:if>
+                <dgm:else name="Name9">
+                  <dgm:shape xmlns:r="http://schemas.openxmlformats.org/officeDocument/2006/relationships" type="rect" r:blip="">
+                    <dgm:adjLst/>
+                  </dgm:shape>
+                </dgm:else>
+              </dgm:choose>
+              <dgm:presOf axis="self"/>
+              <dgm:constrLst/>
+              <dgm:ruleLst>
+                <dgm:rule type="primFontSz" val="5" fact="NaN" max="NaN"/>
+              </dgm:ruleLst>
+            </dgm:layoutNode>
+            <dgm:choose name="Name10">
+              <dgm:if name="Name11" axis="ch" ptType="node" func="cnt" op="gte" val="1">
+                <dgm:layoutNode name="entireBox">
+                  <dgm:alg type="sp"/>
+                  <dgm:shape xmlns:r="http://schemas.openxmlformats.org/officeDocument/2006/relationships" type="rect" r:blip="">
+                    <dgm:adjLst/>
+                  </dgm:shape>
+                  <dgm:presOf axis="self"/>
+                  <dgm:constrLst/>
+                  <dgm:ruleLst/>
+                </dgm:layoutNode>
+                <dgm:layoutNode name="descendantBox" styleLbl="fgAccFollowNode1">
+                  <dgm:choose name="Name12">
+                    <dgm:if name="Name13" func="var" arg="dir" op="equ" val="norm">
+                      <dgm:alg type="lin"/>
+                    </dgm:if>
+                    <dgm:else name="Name14">
+                      <dgm:alg type="lin">
+                        <dgm:param type="linDir" val="fromR"/>
+                      </dgm:alg>
+                    </dgm:else>
+                  </dgm:choose>
+                  <dgm:shape xmlns:r="http://schemas.openxmlformats.org/officeDocument/2006/relationships" r:blip="">
+                    <dgm:adjLst/>
+                  </dgm:shape>
+                  <dgm:presOf/>
+                  <dgm:constrLst>
+                    <dgm:constr type="w" for="ch" forName="childTextBox" refType="w"/>
+                    <dgm:constr type="h" for="ch" forName="childTextBox" refType="h"/>
+                  </dgm:constrLst>
+                  <dgm:ruleLst/>
+                  <dgm:forEach name="Name15" axis="ch" ptType="node">
+                    <dgm:layoutNode name="childTextBox" styleLbl="fgAccFollowNode1">
+                      <dgm:varLst>
+                        <dgm:bulletEnabled val="1"/>
+                      </dgm:varLst>
+                      <dgm:alg type="tx"/>
+                      <dgm:shape xmlns:r="http://schemas.openxmlformats.org/officeDocument/2006/relationships" type="rect" r:blip="">
+                        <dgm:adjLst/>
+                      </dgm:shape>
+                      <dgm:presOf axis="desOrSelf" ptType="node"/>
+                      <dgm:constrLst>
+                        <dgm:constr type="tMarg" refType="primFontSz" fact="0.1"/>
+                        <dgm:constr type="bMarg" refType="primFontSz" fact="0.1"/>
+                      </dgm:constrLst>
+                      <dgm:ruleLst>
+                        <dgm:rule type="primFontSz" val="5" fact="NaN" max="NaN"/>
+                      </dgm:ruleLst>
+                    </dgm:layoutNode>
+                  </dgm:forEach>
+                </dgm:layoutNode>
+              </dgm:if>
+              <dgm:else name="Name16"/>
+            </dgm:choose>
+          </dgm:layoutNode>
+        </dgm:if>
+        <dgm:else name="Name17">
+          <dgm:layoutNode name="arrowAndChildren">
+            <dgm:alg type="composite"/>
+            <dgm:shape xmlns:r="http://schemas.openxmlformats.org/officeDocument/2006/relationships" r:blip="">
+              <dgm:adjLst/>
+            </dgm:shape>
+            <dgm:presOf/>
+            <dgm:choose name="Name18">
+              <dgm:if name="Name19" axis="ch" ptType="node" func="cnt" op="gte" val="1">
+                <dgm:constrLst>
+                  <dgm:constr type="w" for="ch" forName="parentTextArrow" refType="w"/>
+                  <dgm:constr type="t" for="ch" forName="parentTextArrow"/>
+                  <dgm:constr type="h" for="ch" forName="parentTextArrow" refType="h" fact="0.351"/>
+                  <dgm:constr type="w" for="ch" forName="arrow" refType="w"/>
+                  <dgm:constr type="h" for="ch" forName="arrow" refType="h"/>
+                  <dgm:constr type="w" for="ch" forName="descendantArrow" refType="w"/>
+                  <dgm:constr type="b" for="ch" forName="descendantArrow" refType="h" fact="0.65"/>
+                  <dgm:constr type="h" for="ch" forName="descendantArrow" refType="h" fact="0.299"/>
+                </dgm:constrLst>
+              </dgm:if>
+              <dgm:else name="Name20">
+                <dgm:constrLst>
+                  <dgm:constr type="w" for="ch" forName="parentTextArrow" refType="w"/>
+                  <dgm:constr type="h" for="ch" forName="parentTextArrow" refType="h"/>
+                </dgm:constrLst>
+              </dgm:else>
+            </dgm:choose>
+            <dgm:ruleLst/>
+            <dgm:layoutNode name="parentTextArrow">
+              <dgm:alg type="tx"/>
+              <dgm:choose name="Name21">
+                <dgm:if name="Name22" axis="ch" ptType="node" func="cnt" op="gte" val="1">
+                  <dgm:shape xmlns:r="http://schemas.openxmlformats.org/officeDocument/2006/relationships" type="rect" r:blip="" zOrderOff="1" hideGeom="1">
+                    <dgm:adjLst/>
+                  </dgm:shape>
+                </dgm:if>
+                <dgm:else name="Name23">
+                  <dgm:shape xmlns:r="http://schemas.openxmlformats.org/officeDocument/2006/relationships" rot="180" type="upArrowCallout" r:blip="">
+                    <dgm:adjLst/>
+                  </dgm:shape>
+                </dgm:else>
+              </dgm:choose>
+              <dgm:presOf axis="self"/>
+              <dgm:constrLst/>
+              <dgm:ruleLst>
+                <dgm:rule type="primFontSz" val="5" fact="NaN" max="NaN"/>
+              </dgm:ruleLst>
+            </dgm:layoutNode>
+            <dgm:choose name="Name24">
+              <dgm:if name="Name25" axis="ch" ptType="node" func="cnt" op="gte" val="1">
+                <dgm:layoutNode name="arrow">
+                  <dgm:alg type="sp"/>
+                  <dgm:shape xmlns:r="http://schemas.openxmlformats.org/officeDocument/2006/relationships" rot="180" type="upArrowCallout" r:blip="">
+                    <dgm:adjLst/>
+                  </dgm:shape>
+                  <dgm:presOf axis="self"/>
+                  <dgm:constrLst/>
+                  <dgm:ruleLst/>
+                </dgm:layoutNode>
+                <dgm:layoutNode name="descendantArrow">
+                  <dgm:choose name="Name26">
+                    <dgm:if name="Name27" func="var" arg="dir" op="equ" val="norm">
+                      <dgm:alg type="lin"/>
+                    </dgm:if>
+                    <dgm:else name="Name28">
+                      <dgm:alg type="lin">
+                        <dgm:param type="linDir" val="fromR"/>
+                      </dgm:alg>
+                    </dgm:else>
+                  </dgm:choose>
+                  <dgm:shape xmlns:r="http://schemas.openxmlformats.org/officeDocument/2006/relationships" r:blip="">
+                    <dgm:adjLst/>
+                  </dgm:shape>
+                  <dgm:presOf/>
+                  <dgm:constrLst>
+                    <dgm:constr type="w" for="ch" forName="childTextArrow" refType="w"/>
+                    <dgm:constr type="h" for="ch" forName="childTextArrow" refType="h"/>
+                  </dgm:constrLst>
+                  <dgm:ruleLst/>
+                  <dgm:forEach name="Name29" axis="ch" ptType="node">
+                    <dgm:layoutNode name="childTextArrow" styleLbl="fgAccFollowNode1">
+                      <dgm:varLst>
+                        <dgm:bulletEnabled val="1"/>
+                      </dgm:varLst>
+                      <dgm:alg type="tx"/>
+                      <dgm:shape xmlns:r="http://schemas.openxmlformats.org/officeDocument/2006/relationships" type="rect" r:blip="">
+                        <dgm:adjLst/>
+                      </dgm:shape>
+                      <dgm:presOf axis="desOrSelf" ptType="node"/>
+                      <dgm:constrLst>
+                        <dgm:constr type="tMarg" refType="primFontSz" fact="0.1"/>
+                        <dgm:constr type="bMarg" refType="primFontSz" fact="0.1"/>
+                      </dgm:constrLst>
+                      <dgm:ruleLst>
+                        <dgm:rule type="primFontSz" val="5" fact="NaN" max="NaN"/>
+                      </dgm:ruleLst>
+                    </dgm:layoutNode>
+                  </dgm:forEach>
+                </dgm:layoutNode>
+              </dgm:if>
+              <dgm:else name="Name30"/>
+            </dgm:choose>
+          </dgm:layoutNode>
+        </dgm:else>
+      </dgm:choose>
+      <dgm:forEach name="Name31" axis="precedSib" ptType="sibTrans" st="-1" cnt="1">
+        <dgm:layoutNode name="sp">
+          <dgm:alg type="sp"/>
+          <dgm:shape xmlns:r="http://schemas.openxmlformats.org/officeDocument/2006/relationships" r:blip="">
+            <dgm:adjLst/>
+          </dgm:shape>
+          <dgm:presOf axis="self"/>
+          <dgm:constrLst/>
+          <dgm:ruleLst/>
+        </dgm:layoutNode>
+      </dgm:forEach>
+    </dgm:forEach>
+  </dgm:layoutNode>
+</dgm:layoutDef>
+</file>
+
+<file path=ppt/diagrams/quickStyle1.xml><?xml version="1.0" encoding="utf-8"?>
+<dgm:styleDef xmlns:dgm="http://schemas.openxmlformats.org/drawingml/2006/diagram" xmlns:a="http://schemas.openxmlformats.org/drawingml/2006/main" uniqueId="urn:microsoft.com/office/officeart/2005/8/quickstyle/simple1">
+  <dgm:title val=""/>
+  <dgm:desc val=""/>
+  <dgm:catLst>
+    <dgm:cat type="simple" pri="10100"/>
+  </dgm:catLst>
+  <dgm:scene3d>
+    <a:camera prst="orthographicFront"/>
+    <a:lightRig rig="threePt" dir="t"/>
+  </dgm:scene3d>
+  <dgm:styleLbl name="node0">
+    <dgm:scene3d>
+      <a:camera prst="orthographicFront"/>
+      <a:lightRig rig="threePt" dir="t"/>
+    </dgm:scene3d>
+    <dgm:sp3d/>
+    <dgm:txPr/>
+    <dgm:style>
+      <a:lnRef idx="2">
+        <a:scrgbClr r="0" g="0" b="0"/>
+      </a:lnRef>
+      <a:fillRef idx="1">
+        <a:scrgbClr r="0" g="0" b="0"/>
+      </a:fillRef>
+      <a:effectRef idx="0">
+        <a:scrgbClr r="0" g="0" b="0"/>
+      </a:effectRef>
+      <a:fontRef idx="minor">
+        <a:schemeClr val="lt1"/>
+      </a:fontRef>
+    </dgm:style>
+  </dgm:styleLbl>
+  <dgm:styleLbl name="lnNode1">
+    <dgm:scene3d>
+      <a:camera prst="orthographicFront"/>
+      <a:lightRig rig="threePt" dir="t"/>
+    </dgm:scene3d>
+    <dgm:sp3d/>
+    <dgm:txPr/>
+    <dgm:style>
+      <a:lnRef idx="2">
+        <a:scrgbClr r="0" g="0" b="0"/>
+      </a:lnRef>
+      <a:fillRef idx="1">
+        <a:scrgbClr r="0" g="0" b="0"/>
+      </a:fillRef>
+      <a:effectRef idx="0">
+        <a:scrgbClr r="0" g="0" b="0"/>
+      </a:effectRef>
+      <a:fontRef idx="minor">
+        <a:schemeClr val="lt1"/>
+      </a:fontRef>
+    </dgm:style>
+  </dgm:styleLbl>
+  <dgm:styleLbl name="vennNode1">
+    <dgm:scene3d>
+      <a:camera prst="orthographicFront"/>
+      <a:lightRig rig="threePt" dir="t"/>
+    </dgm:scene3d>
+    <dgm:sp3d/>
+    <dgm:txPr/>
+    <dgm:style>
+      <a:lnRef idx="2">
+        <a:scrgbClr r="0" g="0" b="0"/>
+      </a:lnRef>
+      <a:fillRef idx="1">
+        <a:scrgbClr r="0" g="0" b="0"/>
+      </a:fillRef>
+      <a:effectRef idx="0">
+        <a:scrgbClr r="0" g="0" b="0"/>
+      </a:effectRef>
+      <a:fontRef idx="minor">
+        <a:schemeClr val="tx1"/>
+      </a:fontRef>
+    </dgm:style>
+  </dgm:styleLbl>
+  <dgm:styleLbl name="alignNode1">
+    <dgm:scene3d>
+      <a:camera prst="orthographicFront"/>
+      <a:lightRig rig="threePt" dir="t"/>
+    </dgm:scene3d>
+    <dgm:sp3d/>
+    <dgm:txPr/>
+    <dgm:style>
+      <a:lnRef idx="2">
+        <a:scrgbClr r="0" g="0" b="0"/>
+      </a:lnRef>
+      <a:fillRef idx="1">
+        <a:scrgbClr r="0" g="0" b="0"/>
+      </a:fillRef>
+      <a:effectRef idx="0">
+        <a:scrgbClr r="0" g="0" b="0"/>
+      </a:effectRef>
+      <a:fontRef idx="minor">
+        <a:schemeClr val="lt1"/>
+      </a:fontRef>
+    </dgm:style>
+  </dgm:styleLbl>
+  <dgm:styleLbl name="node1">
+    <dgm:scene3d>
+      <a:camera prst="orthographicFront"/>
+      <a:lightRig rig="threePt" dir="t"/>
+    </dgm:scene3d>
+    <dgm:sp3d/>
+    <dgm:txPr/>
+    <dgm:style>
+      <a:lnRef idx="2">
+        <a:scrgbClr r="0" g="0" b="0"/>
+      </a:lnRef>
+      <a:fillRef idx="1">
+        <a:scrgbClr r="0" g="0" b="0"/>
+      </a:fillRef>
+      <a:effectRef idx="0">
+        <a:scrgbClr r="0" g="0" b="0"/>
+      </a:effectRef>
+      <a:fontRef idx="minor">
+        <a:schemeClr val="lt1"/>
+      </a:fontRef>
+    </dgm:style>
+  </dgm:styleLbl>
+  <dgm:styleLbl name="node2">
+    <dgm:scene3d>
+      <a:camera prst="orthographicFront"/>
+      <a:lightRig rig="threePt" dir="t"/>
+    </dgm:scene3d>
+    <dgm:sp3d/>
+    <dgm:txPr/>
+    <dgm:style>
+      <a:lnRef idx="2">
+        <a:scrgbClr r="0" g="0" b="0"/>
+      </a:lnRef>
+      <a:fillRef idx="1">
+        <a:scrgbClr r="0" g="0" b="0"/>
+      </a:fillRef>
+      <a:effectRef idx="0">
+        <a:scrgbClr r="0" g="0" b="0"/>
+      </a:effectRef>
+      <a:fontRef idx="minor">
+        <a:schemeClr val="lt1"/>
+      </a:fontRef>
+    </dgm:style>
+  </dgm:styleLbl>
+  <dgm:styleLbl name="node3">
+    <dgm:scene3d>
+      <a:camera prst="orthographicFront"/>
+      <a:lightRig rig="threePt" dir="t"/>
+    </dgm:scene3d>
+    <dgm:sp3d/>
+    <dgm:txPr/>
+    <dgm:style>
+      <a:lnRef idx="2">
+        <a:scrgbClr r="0" g="0" b="0"/>
+      </a:lnRef>
+      <a:fillRef idx="1">
+        <a:scrgbClr r="0" g="0" b="0"/>
+      </a:fillRef>
+      <a:effectRef idx="0">
+        <a:scrgbClr r="0" g="0" b="0"/>
+      </a:effectRef>
+      <a:fontRef idx="minor">
+        <a:schemeClr val="lt1"/>
+      </a:fontRef>
+    </dgm:style>
+  </dgm:styleLbl>
+  <dgm:styleLbl name="node4">
+    <dgm:scene3d>
+      <a:camera prst="orthographicFront"/>
+      <a:lightRig rig="threePt" dir="t"/>
+    </dgm:scene3d>
+    <dgm:sp3d/>
+    <dgm:txPr/>
+    <dgm:style>
+      <a:lnRef idx="2">
+        <a:scrgbClr r="0" g="0" b="0"/>
+      </a:lnRef>
+      <a:fillRef idx="1">
+        <a:scrgbClr r="0" g="0" b="0"/>
+      </a:fillRef>
+      <a:effectRef idx="0">
+        <a:scrgbClr r="0" g="0" b="0"/>
+      </a:effectRef>
+      <a:fontRef idx="minor">
+        <a:schemeClr val="lt1"/>
+      </a:fontRef>
+    </dgm:style>
+  </dgm:styleLbl>
+  <dgm:styleLbl name="fgImgPlace1">
+    <dgm:scene3d>
+      <a:camera prst="orthographicFront"/>
+      <a:lightRig rig="threePt" dir="t"/>
+    </dgm:scene3d>
+    <dgm:sp3d/>
+    <dgm:txPr/>
+    <dgm:style>
+      <a:lnRef idx="2">
+        <a:scrgbClr r="0" g="0" b="0"/>
+      </a:lnRef>
+      <a:fillRef idx="1">
+        <a:scrgbClr r="0" g="0" b="0"/>
+      </a:fillRef>
+      <a:effectRef idx="0">
+        <a:scrgbClr r="0" g="0" b="0"/>
+      </a:effectRef>
+      <a:fontRef idx="minor"/>
+    </dgm:style>
+  </dgm:styleLbl>
+  <dgm:styleLbl name="alignImgPlace1">
+    <dgm:scene3d>
+      <a:camera prst="orthographicFront"/>
+      <a:lightRig rig="threePt" dir="t"/>
+    </dgm:scene3d>
+    <dgm:sp3d/>
+    <dgm:txPr/>
+    <dgm:style>
+      <a:lnRef idx="2">
+        <a:scrgbClr r="0" g="0" b="0"/>
+      </a:lnRef>
+      <a:fillRef idx="1">
+        <a:scrgbClr r="0" g="0" b="0"/>
+      </a:fillRef>
+      <a:effectRef idx="0">
+        <a:scrgbClr r="0" g="0" b="0"/>
+      </a:effectRef>
+      <a:fontRef idx="minor"/>
+    </dgm:style>
+  </dgm:styleLbl>
+  <dgm:styleLbl name="bgImgPlace1">
+    <dgm:scene3d>
+      <a:camera prst="orthographicFront"/>
+      <a:lightRig rig="threePt" dir="t"/>
+    </dgm:scene3d>
+    <dgm:sp3d/>
+    <dgm:txPr/>
+    <dgm:style>
+      <a:lnRef idx="2">
+        <a:scrgbClr r="0" g="0" b="0"/>
+      </a:lnRef>
+      <a:fillRef idx="1">
+        <a:scrgbClr r="0" g="0" b="0"/>
+      </a:fillRef>
+      <a:effectRef idx="0">
+        <a:scrgbClr r="0" g="0" b="0"/>
+      </a:effectRef>
+      <a:fontRef idx="minor"/>
+    </dgm:style>
+  </dgm:styleLbl>
+  <dgm:styleLbl name="sibTrans2D1">
+    <dgm:scene3d>
+      <a:camera prst="orthographicFront"/>
+      <a:lightRig rig="threePt" dir="t"/>
+    </dgm:scene3d>
+    <dgm:sp3d/>
+    <dgm:txPr/>
+    <dgm:style>
+      <a:lnRef idx="0">
+        <a:scrgbClr r="0" g="0" b="0"/>
+      </a:lnRef>
+      <a:fillRef idx="1">
+        <a:scrgbClr r="0" g="0" b="0"/>
+      </a:fillRef>
+      <a:effectRef idx="0">
+        <a:scrgbClr r="0" g="0" b="0"/>
+      </a:effectRef>
+      <a:fontRef idx="minor">
+        <a:schemeClr val="lt1"/>
+      </a:fontRef>
+    </dgm:style>
+  </dgm:styleLbl>
+  <dgm:styleLbl name="fgSibTrans2D1">
+    <dgm:scene3d>
+      <a:camera prst="orthographicFront"/>
+      <a:lightRig rig="threePt" dir="t"/>
+    </dgm:scene3d>
+    <dgm:sp3d/>
+    <dgm:txPr/>
+    <dgm:style>
+      <a:lnRef idx="0">
+        <a:scrgbClr r="0" g="0" b="0"/>
+      </a:lnRef>
+      <a:fillRef idx="1">
+        <a:scrgbClr r="0" g="0" b="0"/>
+      </a:fillRef>
+      <a:effectRef idx="0">
+        <a:scrgbClr r="0" g="0" b="0"/>
+      </a:effectRef>
+      <a:fontRef idx="minor">
+        <a:schemeClr val="lt1"/>
+      </a:fontRef>
+    </dgm:style>
+  </dgm:styleLbl>
+  <dgm:styleLbl name="bgSibTrans2D1">
+    <dgm:scene3d>
+      <a:camera prst="orthographicFront"/>
+      <a:lightRig rig="threePt" dir="t"/>
+    </dgm:scene3d>
+    <dgm:sp3d/>
+    <dgm:txPr/>
+    <dgm:style>
+      <a:lnRef idx="0">
+        <a:scrgbClr r="0" g="0" b="0"/>
+      </a:lnRef>
+      <a:fillRef idx="1">
+        <a:scrgbClr r="0" g="0" b="0"/>
+      </a:fillRef>
+      <a:effectRef idx="0">
+        <a:scrgbClr r="0" g="0" b="0"/>
+      </a:effectRef>
+      <a:fontRef idx="minor">
+        <a:schemeClr val="lt1"/>
+      </a:fontRef>
+    </dgm:style>
+  </dgm:styleLbl>
+  <dgm:styleLbl name="sibTrans1D1">
+    <dgm:scene3d>
+      <a:camera prst="orthographicFront"/>
+      <a:lightRig rig="threePt" dir="t"/>
+    </dgm:scene3d>
+    <dgm:sp3d/>
+    <dgm:txPr/>
+    <dgm:style>
+      <a:lnRef idx="1">
+        <a:scrgbClr r="0" g="0" b="0"/>
+      </a:lnRef>
+      <a:fillRef idx="0">
+        <a:scrgbClr r="0" g="0" b="0"/>
+      </a:fillRef>
+      <a:effectRef idx="0">
+        <a:scrgbClr r="0" g="0" b="0"/>
+      </a:effectRef>
+      <a:fontRef idx="minor"/>
+    </dgm:style>
+  </dgm:styleLbl>
+  <dgm:styleLbl name="callout">
+    <dgm:scene3d>
+      <a:camera prst="orthographicFront"/>
+      <a:lightRig rig="threePt" dir="t"/>
+    </dgm:scene3d>
+    <dgm:sp3d/>
+    <dgm:txPr/>
+    <dgm:style>
+      <a:lnRef idx="2">
+        <a:scrgbClr r="0" g="0" b="0"/>
+      </a:lnRef>
+      <a:fillRef idx="1">
+        <a:scrgbClr r="0" g="0" b="0"/>
+      </a:fillRef>
+      <a:effectRef idx="0">
+        <a:scrgbClr r="0" g="0" b="0"/>
+      </a:effectRef>
+      <a:fontRef idx="minor"/>
+    </dgm:style>
+  </dgm:styleLbl>
+  <dgm:styleLbl name="asst0">
+    <dgm:scene3d>
+      <a:camera prst="orthographicFront"/>
+      <a:lightRig rig="threePt" dir="t"/>
+    </dgm:scene3d>
+    <dgm:sp3d/>
+    <dgm:txPr/>
+    <dgm:style>
+      <a:lnRef idx="2">
+        <a:scrgbClr r="0" g="0" b="0"/>
+      </a:lnRef>
+      <a:fillRef idx="1">
+        <a:scrgbClr r="0" g="0" b="0"/>
+      </a:fillRef>
+      <a:effectRef idx="0">
+        <a:scrgbClr r="0" g="0" b="0"/>
+      </a:effectRef>
+      <a:fontRef idx="minor">
+        <a:schemeClr val="lt1"/>
+      </a:fontRef>
+    </dgm:style>
+  </dgm:styleLbl>
+  <dgm:styleLbl name="asst1">
+    <dgm:scene3d>
+      <a:camera prst="orthographicFront"/>
+      <a:lightRig rig="threePt" dir="t"/>
+    </dgm:scene3d>
+    <dgm:sp3d/>
+    <dgm:txPr/>
+    <dgm:style>
+      <a:lnRef idx="2">
+        <a:scrgbClr r="0" g="0" b="0"/>
+      </a:lnRef>
+      <a:fillRef idx="1">
+        <a:scrgbClr r="0" g="0" b="0"/>
+      </a:fillRef>
+      <a:effectRef idx="0">
+        <a:scrgbClr r="0" g="0" b="0"/>
+      </a:effectRef>
+      <a:fontRef idx="minor">
+        <a:schemeClr val="lt1"/>
+      </a:fontRef>
+    </dgm:style>
+  </dgm:styleLbl>
+  <dgm:styleLbl name="asst2">
+    <dgm:scene3d>
+      <a:camera prst="orthographicFront"/>
+      <a:lightRig rig="threePt" dir="t"/>
+    </dgm:scene3d>
+    <dgm:sp3d/>
+    <dgm:txPr/>
+    <dgm:style>
+      <a:lnRef idx="2">
+        <a:scrgbClr r="0" g="0" b="0"/>
+      </a:lnRef>
+      <a:fillRef idx="1">
+        <a:scrgbClr r="0" g="0" b="0"/>
+      </a:fillRef>
+      <a:effectRef idx="0">
+        <a:scrgbClr r="0" g="0" b="0"/>
+      </a:effectRef>
+      <a:fontRef idx="minor">
+        <a:schemeClr val="lt1"/>
+      </a:fontRef>
+    </dgm:style>
+  </dgm:styleLbl>
+  <dgm:styleLbl name="asst3">
+    <dgm:scene3d>
+      <a:camera prst="orthographicFront"/>
+      <a:lightRig rig="threePt" dir="t"/>
+    </dgm:scene3d>
+    <dgm:sp3d/>
+    <dgm:txPr/>
+    <dgm:style>
+      <a:lnRef idx="2">
+        <a:scrgbClr r="0" g="0" b="0"/>
+      </a:lnRef>
+      <a:fillRef idx="1">
+        <a:scrgbClr r="0" g="0" b="0"/>
+      </a:fillRef>
+      <a:effectRef idx="0">
+        <a:scrgbClr r="0" g="0" b="0"/>
+      </a:effectRef>
+      <a:fontRef idx="minor">
+        <a:schemeClr val="lt1"/>
+      </a:fontRef>
+    </dgm:style>
+  </dgm:styleLbl>
+  <dgm:styleLbl name="asst4">
+    <dgm:scene3d>
+      <a:camera prst="orthographicFront"/>
+      <a:lightRig rig="threePt" dir="t"/>
+    </dgm:scene3d>
+    <dgm:sp3d/>
+    <dgm:txPr/>
+    <dgm:style>
+      <a:lnRef idx="2">
+        <a:scrgbClr r="0" g="0" b="0"/>
+      </a:lnRef>
+      <a:fillRef idx="1">
+        <a:scrgbClr r="0" g="0" b="0"/>
+      </a:fillRef>
+      <a:effectRef idx="0">
+        <a:scrgbClr r="0" g="0" b="0"/>
+      </a:effectRef>
+      <a:fontRef idx="minor">
+        <a:schemeClr val="lt1"/>
+      </a:fontRef>
+    </dgm:style>
+  </dgm:styleLbl>
+  <dgm:styleLbl name="parChTrans2D1">
+    <dgm:scene3d>
+      <a:camera prst="orthographicFront"/>
+      <a:lightRig rig="threePt" dir="t"/>
+    </dgm:scene3d>
+    <dgm:sp3d/>
+    <dgm:txPr/>
+    <dgm:style>
+      <a:lnRef idx="2">
+        <a:scrgbClr r="0" g="0" b="0"/>
+      </a:lnRef>
+      <a:fillRef idx="1">
+        <a:scrgbClr r="0" g="0" b="0"/>
+      </a:fillRef>
+      <a:effectRef idx="0">
+        <a:scrgbClr r="0" g="0" b="0"/>
+      </a:effectRef>
+      <a:fontRef idx="minor">
+        <a:schemeClr val="lt1"/>
+      </a:fontRef>
+    </dgm:style>
+  </dgm:styleLbl>
+  <dgm:styleLbl name="parChTrans2D2">
+    <dgm:scene3d>
+      <a:camera prst="orthographicFront"/>
+      <a:lightRig rig="threePt" dir="t"/>
+    </dgm:scene3d>
+    <dgm:sp3d/>
+    <dgm:txPr/>
+    <dgm:style>
+      <a:lnRef idx="2">
+        <a:scrgbClr r="0" g="0" b="0"/>
+      </a:lnRef>
+      <a:fillRef idx="1">
+        <a:scrgbClr r="0" g="0" b="0"/>
+      </a:fillRef>
+      <a:effectRef idx="0">
+        <a:scrgbClr r="0" g="0" b="0"/>
+      </a:effectRef>
+      <a:fontRef idx="minor">
+        <a:schemeClr val="lt1"/>
+      </a:fontRef>
+    </dgm:style>
+  </dgm:styleLbl>
+  <dgm:styleLbl name="parChTrans2D3">
+    <dgm:scene3d>
+      <a:camera prst="orthographicFront"/>
+      <a:lightRig rig="threePt" dir="t"/>
+    </dgm:scene3d>
+    <dgm:sp3d/>
+    <dgm:txPr/>
+    <dgm:style>
+      <a:lnRef idx="2">
+        <a:scrgbClr r="0" g="0" b="0"/>
+      </a:lnRef>
+      <a:fillRef idx="1">
+        <a:scrgbClr r="0" g="0" b="0"/>
+      </a:fillRef>
+      <a:effectRef idx="0">
+        <a:scrgbClr r="0" g="0" b="0"/>
+      </a:effectRef>
+      <a:fontRef idx="minor">
+        <a:schemeClr val="lt1"/>
+      </a:fontRef>
+    </dgm:style>
+  </dgm:styleLbl>
+  <dgm:styleLbl name="parChTrans2D4">
+    <dgm:scene3d>
+      <a:camera prst="orthographicFront"/>
+      <a:lightRig rig="threePt" dir="t"/>
+    </dgm:scene3d>
+    <dgm:sp3d/>
+    <dgm:txPr/>
+    <dgm:style>
+      <a:lnRef idx="2">
+        <a:scrgbClr r="0" g="0" b="0"/>
+      </a:lnRef>
+      <a:fillRef idx="1">
+        <a:scrgbClr r="0" g="0" b="0"/>
+      </a:fillRef>
+      <a:effectRef idx="0">
+        <a:scrgbClr r="0" g="0" b="0"/>
+      </a:effectRef>
+      <a:fontRef idx="minor">
+        <a:schemeClr val="lt1"/>
+      </a:fontRef>
+    </dgm:style>
+  </dgm:styleLbl>
+  <dgm:styleLbl name="parChTrans1D1">
+    <dgm:scene3d>
+      <a:camera prst="orthographicFront"/>
+      <a:lightRig rig="threePt" dir="t"/>
+    </dgm:scene3d>
+    <dgm:sp3d/>
+    <dgm:txPr/>
+    <dgm:style>
+      <a:lnRef idx="2">
+        <a:scrgbClr r="0" g="0" b="0"/>
+      </a:lnRef>
+      <a:fillRef idx="0">
+        <a:scrgbClr r="0" g="0" b="0"/>
+      </a:fillRef>
+      <a:effectRef idx="0">
+        <a:scrgbClr r="0" g="0" b="0"/>
+      </a:effectRef>
+      <a:fontRef idx="minor"/>
+    </dgm:style>
+  </dgm:styleLbl>
+  <dgm:styleLbl name="parChTrans1D2">
+    <dgm:scene3d>
+      <a:camera prst="orthographicFront"/>
+      <a:lightRig rig="threePt" dir="t"/>
+    </dgm:scene3d>
+    <dgm:sp3d/>
+    <dgm:txPr/>
+    <dgm:style>
+      <a:lnRef idx="2">
+        <a:scrgbClr r="0" g="0" b="0"/>
+      </a:lnRef>
+      <a:fillRef idx="0">
+        <a:scrgbClr r="0" g="0" b="0"/>
+      </a:fillRef>
+      <a:effectRef idx="0">
+        <a:scrgbClr r="0" g="0" b="0"/>
+      </a:effectRef>
+      <a:fontRef idx="minor"/>
+    </dgm:style>
+  </dgm:styleLbl>
+  <dgm:styleLbl name="parChTrans1D3">
+    <dgm:scene3d>
+      <a:camera prst="orthographicFront"/>
+      <a:lightRig rig="threePt" dir="t"/>
+    </dgm:scene3d>
+    <dgm:sp3d/>
+    <dgm:txPr/>
+    <dgm:style>
+      <a:lnRef idx="2">
+        <a:scrgbClr r="0" g="0" b="0"/>
+      </a:lnRef>
+      <a:fillRef idx="0">
+        <a:scrgbClr r="0" g="0" b="0"/>
+      </a:fillRef>
+      <a:effectRef idx="0">
+        <a:scrgbClr r="0" g="0" b="0"/>
+      </a:effectRef>
+      <a:fontRef idx="minor"/>
+    </dgm:style>
+  </dgm:styleLbl>
+  <dgm:styleLbl name="parChTrans1D4">
+    <dgm:scene3d>
+      <a:camera prst="orthographicFront"/>
+      <a:lightRig rig="threePt" dir="t"/>
+    </dgm:scene3d>
+    <dgm:sp3d/>
+    <dgm:txPr/>
+    <dgm:style>
+      <a:lnRef idx="2">
+        <a:scrgbClr r="0" g="0" b="0"/>
+      </a:lnRef>
+      <a:fillRef idx="0">
+        <a:scrgbClr r="0" g="0" b="0"/>
+      </a:fillRef>
+      <a:effectRef idx="0">
+        <a:scrgbClr r="0" g="0" b="0"/>
+      </a:effectRef>
+      <a:fontRef idx="minor"/>
+    </dgm:style>
+  </dgm:styleLbl>
+  <dgm:styleLbl name="fgAcc1">
+    <dgm:scene3d>
+      <a:camera prst="orthographicFront"/>
+      <a:lightRig rig="threePt" dir="t"/>
+    </dgm:scene3d>
+    <dgm:sp3d/>
+    <dgm:txPr/>
+    <dgm:style>
+      <a:lnRef idx="2">
+        <a:scrgbClr r="0" g="0" b="0"/>
+      </a:lnRef>
+      <a:fillRef idx="1">
+        <a:scrgbClr r="0" g="0" b="0"/>
+      </a:fillRef>
+      <a:effectRef idx="0">
+        <a:scrgbClr r="0" g="0" b="0"/>
+      </a:effectRef>
+      <a:fontRef idx="minor"/>
+    </dgm:style>
+  </dgm:styleLbl>
+  <dgm:styleLbl name="conFgAcc1">
+    <dgm:scene3d>
+      <a:camera prst="orthographicFront"/>
+      <a:lightRig rig="threePt" dir="t"/>
+    </dgm:scene3d>
+    <dgm:sp3d/>
+    <dgm:txPr/>
+    <dgm:style>
+      <a:lnRef idx="2">
+        <a:scrgbClr r="0" g="0" b="0"/>
+      </a:lnRef>
+      <a:fillRef idx="1">
+        <a:scrgbClr r="0" g="0" b="0"/>
+      </a:fillRef>
+      <a:effectRef idx="0">
+        <a:scrgbClr r="0" g="0" b="0"/>
+      </a:effectRef>
+      <a:fontRef idx="minor"/>
+    </dgm:style>
+  </dgm:styleLbl>
+  <dgm:styleLbl name="alignAcc1">
+    <dgm:scene3d>
+      <a:camera prst="orthographicFront"/>
+      <a:lightRig rig="threePt" dir="t"/>
+    </dgm:scene3d>
+    <dgm:sp3d/>
+    <dgm:txPr/>
+    <dgm:style>
+      <a:lnRef idx="2">
+        <a:scrgbClr r="0" g="0" b="0"/>
+      </a:lnRef>
+      <a:fillRef idx="1">
+        <a:scrgbClr r="0" g="0" b="0"/>
+      </a:fillRef>
+      <a:effectRef idx="0">
+        <a:scrgbClr r="0" g="0" b="0"/>
+      </a:effectRef>
+      <a:fontRef idx="minor"/>
+    </dgm:style>
+  </dgm:styleLbl>
+  <dgm:styleLbl name="trAlignAcc1">
+    <dgm:scene3d>
+      <a:camera prst="orthographicFront"/>
+      <a:lightRig rig="threePt" dir="t"/>
+    </dgm:scene3d>
+    <dgm:sp3d/>
+    <dgm:txPr/>
+    <dgm:style>
+      <a:lnRef idx="1">
+        <a:scrgbClr r="0" g="0" b="0"/>
+      </a:lnRef>
+      <a:fillRef idx="1">
+        <a:scrgbClr r="0" g="0" b="0"/>
+      </a:fillRef>
+      <a:effectRef idx="0">
+        <a:scrgbClr r="0" g="0" b="0"/>
+      </a:effectRef>
+      <a:fontRef idx="minor"/>
+    </dgm:style>
+  </dgm:styleLbl>
+  <dgm:styleLbl name="bgAcc1">
+    <dgm:scene3d>
+      <a:camera prst="orthographicFront"/>
+      <a:lightRig rig="threePt" dir="t"/>
+    </dgm:scene3d>
+    <dgm:sp3d/>
+    <dgm:txPr/>
+    <dgm:style>
+      <a:lnRef idx="2">
+        <a:scrgbClr r="0" g="0" b="0"/>
+      </a:lnRef>
+      <a:fillRef idx="1">
+        <a:scrgbClr r="0" g="0" b="0"/>
+      </a:fillRef>
+      <a:effectRef idx="0">
+        <a:scrgbClr r="0" g="0" b="0"/>
+      </a:effectRef>
+      <a:fontRef idx="minor"/>
+    </dgm:style>
+  </dgm:styleLbl>
+  <dgm:styleLbl name="solidFgAcc1">
+    <dgm:scene3d>
+      <a:camera prst="orthographicFront"/>
+      <a:lightRig rig="threePt" dir="t"/>
+    </dgm:scene3d>
+    <dgm:sp3d/>
+    <dgm:txPr/>
+    <dgm:style>
+      <a:lnRef idx="2">
+        <a:scrgbClr r="0" g="0" b="0"/>
+      </a:lnRef>
+      <a:fillRef idx="1">
+        <a:scrgbClr r="0" g="0" b="0"/>
+      </a:fillRef>
+      <a:effectRef idx="0">
+        <a:scrgbClr r="0" g="0" b="0"/>
+      </a:effectRef>
+      <a:fontRef idx="minor"/>
+    </dgm:style>
+  </dgm:styleLbl>
+  <dgm:styleLbl name="solidAlignAcc1">
+    <dgm:scene3d>
+      <a:camera prst="orthographicFront"/>
+      <a:lightRig rig="threePt" dir="t"/>
+    </dgm:scene3d>
+    <dgm:sp3d/>
+    <dgm:txPr/>
+    <dgm:style>
+      <a:lnRef idx="2">
+        <a:scrgbClr r="0" g="0" b="0"/>
+      </a:lnRef>
+      <a:fillRef idx="1">
+        <a:scrgbClr r="0" g="0" b="0"/>
+      </a:fillRef>
+      <a:effectRef idx="0">
+        <a:scrgbClr r="0" g="0" b="0"/>
+      </a:effectRef>
+      <a:fontRef idx="minor"/>
+    </dgm:style>
+  </dgm:styleLbl>
+  <dgm:styleLbl name="solidBgAcc1">
+    <dgm:scene3d>
+      <a:camera prst="orthographicFront"/>
+      <a:lightRig rig="threePt" dir="t"/>
+    </dgm:scene3d>
+    <dgm:sp3d/>
+    <dgm:txPr/>
+    <dgm:style>
+      <a:lnRef idx="2">
+        <a:scrgbClr r="0" g="0" b="0"/>
+      </a:lnRef>
+      <a:fillRef idx="1">
+        <a:scrgbClr r="0" g="0" b="0"/>
+      </a:fillRef>
+      <a:effectRef idx="0">
+        <a:scrgbClr r="0" g="0" b="0"/>
+      </a:effectRef>
+      <a:fontRef idx="minor"/>
+    </dgm:style>
+  </dgm:styleLbl>
+  <dgm:styleLbl name="fgAccFollowNode1">
+    <dgm:scene3d>
+      <a:camera prst="orthographicFront"/>
+      <a:lightRig rig="threePt" dir="t"/>
+    </dgm:scene3d>
+    <dgm:sp3d/>
+    <dgm:txPr/>
+    <dgm:style>
+      <a:lnRef idx="2">
+        <a:scrgbClr r="0" g="0" b="0"/>
+      </a:lnRef>
+      <a:fillRef idx="1">
+        <a:scrgbClr r="0" g="0" b="0"/>
+      </a:fillRef>
+      <a:effectRef idx="0">
+        <a:scrgbClr r="0" g="0" b="0"/>
+      </a:effectRef>
+      <a:fontRef idx="minor"/>
+    </dgm:style>
+  </dgm:styleLbl>
+  <dgm:styleLbl name="alignAccFollowNode1">
+    <dgm:scene3d>
+      <a:camera prst="orthographicFront"/>
+      <a:lightRig rig="threePt" dir="t"/>
+    </dgm:scene3d>
+    <dgm:sp3d/>
+    <dgm:txPr/>
+    <dgm:style>
+      <a:lnRef idx="2">
+        <a:scrgbClr r="0" g="0" b="0"/>
+      </a:lnRef>
+      <a:fillRef idx="1">
+        <a:scrgbClr r="0" g="0" b="0"/>
+      </a:fillRef>
+      <a:effectRef idx="0">
+        <a:scrgbClr r="0" g="0" b="0"/>
+      </a:effectRef>
+      <a:fontRef idx="minor"/>
+    </dgm:style>
+  </dgm:styleLbl>
+  <dgm:styleLbl name="bgAccFollowNode1">
+    <dgm:scene3d>
+      <a:camera prst="orthographicFront"/>
+      <a:lightRig rig="threePt" dir="t"/>
+    </dgm:scene3d>
+    <dgm:sp3d/>
+    <dgm:txPr/>
+    <dgm:style>
+      <a:lnRef idx="2">
+        <a:scrgbClr r="0" g="0" b="0"/>
+      </a:lnRef>
+      <a:fillRef idx="1">
+        <a:scrgbClr r="0" g="0" b="0"/>
+      </a:fillRef>
+      <a:effectRef idx="0">
+        <a:scrgbClr r="0" g="0" b="0"/>
+      </a:effectRef>
+      <a:fontRef idx="minor"/>
+    </dgm:style>
+  </dgm:styleLbl>
+  <dgm:styleLbl name="fgAcc0">
+    <dgm:scene3d>
+      <a:camera prst="orthographicFront"/>
+      <a:lightRig rig="threePt" dir="t"/>
+    </dgm:scene3d>
+    <dgm:sp3d/>
+    <dgm:txPr/>
+    <dgm:style>
+      <a:lnRef idx="2">
+        <a:scrgbClr r="0" g="0" b="0"/>
+      </a:lnRef>
+      <a:fillRef idx="1">
+        <a:scrgbClr r="0" g="0" b="0"/>
+      </a:fillRef>
+      <a:effectRef idx="0">
+        <a:scrgbClr r="0" g="0" b="0"/>
+      </a:effectRef>
+      <a:fontRef idx="minor"/>
+    </dgm:style>
+  </dgm:styleLbl>
+  <dgm:styleLbl name="fgAcc2">
+    <dgm:scene3d>
+      <a:camera prst="orthographicFront"/>
+      <a:lightRig rig="threePt" dir="t"/>
+    </dgm:scene3d>
+    <dgm:sp3d/>
+    <dgm:txPr/>
+    <dgm:style>
+      <a:lnRef idx="2">
+        <a:scrgbClr r="0" g="0" b="0"/>
+      </a:lnRef>
+      <a:fillRef idx="1">
+        <a:scrgbClr r="0" g="0" b="0"/>
+      </a:fillRef>
+      <a:effectRef idx="0">
+        <a:scrgbClr r="0" g="0" b="0"/>
+      </a:effectRef>
+      <a:fontRef idx="minor"/>
+    </dgm:style>
+  </dgm:styleLbl>
+  <dgm:styleLbl name="fgAcc3">
+    <dgm:scene3d>
+      <a:camera prst="orthographicFront"/>
+      <a:lightRig rig="threePt" dir="t"/>
+    </dgm:scene3d>
+    <dgm:sp3d/>
+    <dgm:txPr/>
+    <dgm:style>
+      <a:lnRef idx="2">
+        <a:scrgbClr r="0" g="0" b="0"/>
+      </a:lnRef>
+      <a:fillRef idx="1">
+        <a:scrgbClr r="0" g="0" b="0"/>
+      </a:fillRef>
+      <a:effectRef idx="0">
+        <a:scrgbClr r="0" g="0" b="0"/>
+      </a:effectRef>
+      <a:fontRef idx="minor"/>
+    </dgm:style>
+  </dgm:styleLbl>
+  <dgm:styleLbl name="fgAcc4">
+    <dgm:scene3d>
+      <a:camera prst="orthographicFront"/>
+      <a:lightRig rig="threePt" dir="t"/>
+    </dgm:scene3d>
+    <dgm:sp3d/>
+    <dgm:txPr/>
+    <dgm:style>
+      <a:lnRef idx="2">
+        <a:scrgbClr r="0" g="0" b="0"/>
+      </a:lnRef>
+      <a:fillRef idx="1">
+        <a:scrgbClr r="0" g="0" b="0"/>
+      </a:fillRef>
+      <a:effectRef idx="0">
+        <a:scrgbClr r="0" g="0" b="0"/>
+      </a:effectRef>
+      <a:fontRef idx="minor"/>
+    </dgm:style>
+  </dgm:styleLbl>
+  <dgm:styleLbl name="bgShp">
+    <dgm:scene3d>
+      <a:camera prst="orthographicFront"/>
+      <a:lightRig rig="threePt" dir="t"/>
+    </dgm:scene3d>
+    <dgm:sp3d/>
+    <dgm:txPr/>
+    <dgm:style>
+      <a:lnRef idx="0">
+        <a:scrgbClr r="0" g="0" b="0"/>
+      </a:lnRef>
+      <a:fillRef idx="1">
+        <a:scrgbClr r="0" g="0" b="0"/>
+      </a:fillRef>
+      <a:effectRef idx="0">
+        <a:scrgbClr r="0" g="0" b="0"/>
+      </a:effectRef>
+      <a:fontRef idx="minor"/>
+    </dgm:style>
+  </dgm:styleLbl>
+  <dgm:styleLbl name="dkBgShp">
+    <dgm:scene3d>
+      <a:camera prst="orthographicFront"/>
+      <a:lightRig rig="threePt" dir="t"/>
+    </dgm:scene3d>
+    <dgm:sp3d/>
+    <dgm:txPr/>
+    <dgm:style>
+      <a:lnRef idx="0">
+        <a:scrgbClr r="0" g="0" b="0"/>
+      </a:lnRef>
+      <a:fillRef idx="1">
+        <a:scrgbClr r="0" g="0" b="0"/>
+      </a:fillRef>
+      <a:effectRef idx="0">
+        <a:scrgbClr r="0" g="0" b="0"/>
+      </a:effectRef>
+      <a:fontRef idx="minor"/>
+    </dgm:style>
+  </dgm:styleLbl>
+  <dgm:styleLbl name="trBgShp">
+    <dgm:scene3d>
+      <a:camera prst="orthographicFront"/>
+      <a:lightRig rig="threePt" dir="t"/>
+    </dgm:scene3d>
+    <dgm:sp3d/>
+    <dgm:txPr/>
+    <dgm:style>
+      <a:lnRef idx="0">
+        <a:scrgbClr r="0" g="0" b="0"/>
+      </a:lnRef>
+      <a:fillRef idx="1">
+        <a:scrgbClr r="0" g="0" b="0"/>
+      </a:fillRef>
+      <a:effectRef idx="0">
+        <a:scrgbClr r="0" g="0" b="0"/>
+      </a:effectRef>
+      <a:fontRef idx="minor"/>
+    </dgm:style>
+  </dgm:styleLbl>
+  <dgm:styleLbl name="fgShp">
+    <dgm:scene3d>
+      <a:camera prst="orthographicFront"/>
+      <a:lightRig rig="threePt" dir="t"/>
+    </dgm:scene3d>
+    <dgm:sp3d/>
+    <dgm:txPr/>
+    <dgm:style>
+      <a:lnRef idx="2">
+        <a:scrgbClr r="0" g="0" b="0"/>
+      </a:lnRef>
+      <a:fillRef idx="1">
+        <a:scrgbClr r="0" g="0" b="0"/>
+      </a:fillRef>
+      <a:effectRef idx="0">
+        <a:scrgbClr r="0" g="0" b="0"/>
+      </a:effectRef>
+      <a:fontRef idx="minor"/>
+    </dgm:style>
+  </dgm:styleLbl>
+  <dgm:styleLbl name="revTx">
+    <dgm:scene3d>
+      <a:camera prst="orthographicFront"/>
+      <a:lightRig rig="threePt" dir="t"/>
+    </dgm:scene3d>
+    <dgm:sp3d/>
+    <dgm:txPr/>
+    <dgm:style>
+      <a:lnRef idx="0">
+        <a:scrgbClr r="0" g="0" b="0"/>
+      </a:lnRef>
+      <a:fillRef idx="0">
+        <a:scrgbClr r="0" g="0" b="0"/>
+      </a:fillRef>
+      <a:effectRef idx="0">
+        <a:scrgbClr r="0" g="0" b="0"/>
+      </a:effectRef>
+      <a:fontRef idx="minor"/>
+    </dgm:style>
+  </dgm:styleLbl>
+</dgm:styleDef>
+</file>
+
+<file path=ppt/diagrams/quickStyle2.xml><?xml version="1.0" encoding="utf-8"?>
+<dgm:styleDef xmlns:dgm="http://schemas.openxmlformats.org/drawingml/2006/diagram" xmlns:a="http://schemas.openxmlformats.org/drawingml/2006/main" uniqueId="urn:microsoft.com/office/officeart/2005/8/quickstyle/simple1">
+  <dgm:title val=""/>
+  <dgm:desc val=""/>
+  <dgm:catLst>
+    <dgm:cat type="simple" pri="10100"/>
+  </dgm:catLst>
+  <dgm:scene3d>
+    <a:camera prst="orthographicFront"/>
+    <a:lightRig rig="threePt" dir="t"/>
+  </dgm:scene3d>
+  <dgm:styleLbl name="node0">
+    <dgm:scene3d>
+      <a:camera prst="orthographicFront"/>
+      <a:lightRig rig="threePt" dir="t"/>
+    </dgm:scene3d>
+    <dgm:sp3d/>
+    <dgm:txPr/>
+    <dgm:style>
+      <a:lnRef idx="2">
+        <a:scrgbClr r="0" g="0" b="0"/>
+      </a:lnRef>
+      <a:fillRef idx="1">
+        <a:scrgbClr r="0" g="0" b="0"/>
+      </a:fillRef>
+      <a:effectRef idx="0">
+        <a:scrgbClr r="0" g="0" b="0"/>
+      </a:effectRef>
+      <a:fontRef idx="minor">
+        <a:schemeClr val="lt1"/>
+      </a:fontRef>
+    </dgm:style>
+  </dgm:styleLbl>
+  <dgm:styleLbl name="lnNode1">
+    <dgm:scene3d>
+      <a:camera prst="orthographicFront"/>
+      <a:lightRig rig="threePt" dir="t"/>
+    </dgm:scene3d>
+    <dgm:sp3d/>
+    <dgm:txPr/>
+    <dgm:style>
+      <a:lnRef idx="2">
+        <a:scrgbClr r="0" g="0" b="0"/>
+      </a:lnRef>
+      <a:fillRef idx="1">
+        <a:scrgbClr r="0" g="0" b="0"/>
+      </a:fillRef>
+      <a:effectRef idx="0">
+        <a:scrgbClr r="0" g="0" b="0"/>
+      </a:effectRef>
+      <a:fontRef idx="minor">
+        <a:schemeClr val="lt1"/>
+      </a:fontRef>
+    </dgm:style>
+  </dgm:styleLbl>
+  <dgm:styleLbl name="vennNode1">
+    <dgm:scene3d>
+      <a:camera prst="orthographicFront"/>
+      <a:lightRig rig="threePt" dir="t"/>
+    </dgm:scene3d>
+    <dgm:sp3d/>
+    <dgm:txPr/>
+    <dgm:style>
+      <a:lnRef idx="2">
+        <a:scrgbClr r="0" g="0" b="0"/>
+      </a:lnRef>
+      <a:fillRef idx="1">
+        <a:scrgbClr r="0" g="0" b="0"/>
+      </a:fillRef>
+      <a:effectRef idx="0">
+        <a:scrgbClr r="0" g="0" b="0"/>
+      </a:effectRef>
+      <a:fontRef idx="minor">
+        <a:schemeClr val="tx1"/>
+      </a:fontRef>
+    </dgm:style>
+  </dgm:styleLbl>
+  <dgm:styleLbl name="alignNode1">
+    <dgm:scene3d>
+      <a:camera prst="orthographicFront"/>
+      <a:lightRig rig="threePt" dir="t"/>
+    </dgm:scene3d>
+    <dgm:sp3d/>
+    <dgm:txPr/>
+    <dgm:style>
+      <a:lnRef idx="2">
+        <a:scrgbClr r="0" g="0" b="0"/>
+      </a:lnRef>
+      <a:fillRef idx="1">
+        <a:scrgbClr r="0" g="0" b="0"/>
+      </a:fillRef>
+      <a:effectRef idx="0">
+        <a:scrgbClr r="0" g="0" b="0"/>
+      </a:effectRef>
+      <a:fontRef idx="minor">
+        <a:schemeClr val="lt1"/>
+      </a:fontRef>
+    </dgm:style>
+  </dgm:styleLbl>
+  <dgm:styleLbl name="node1">
+    <dgm:scene3d>
+      <a:camera prst="orthographicFront"/>
+      <a:lightRig rig="threePt" dir="t"/>
+    </dgm:scene3d>
+    <dgm:sp3d/>
+    <dgm:txPr/>
+    <dgm:style>
+      <a:lnRef idx="2">
+        <a:scrgbClr r="0" g="0" b="0"/>
+      </a:lnRef>
+      <a:fillRef idx="1">
+        <a:scrgbClr r="0" g="0" b="0"/>
+      </a:fillRef>
+      <a:effectRef idx="0">
+        <a:scrgbClr r="0" g="0" b="0"/>
+      </a:effectRef>
+      <a:fontRef idx="minor">
+        <a:schemeClr val="lt1"/>
+      </a:fontRef>
+    </dgm:style>
+  </dgm:styleLbl>
+  <dgm:styleLbl name="node2">
+    <dgm:scene3d>
+      <a:camera prst="orthographicFront"/>
+      <a:lightRig rig="threePt" dir="t"/>
+    </dgm:scene3d>
+    <dgm:sp3d/>
+    <dgm:txPr/>
+    <dgm:style>
+      <a:lnRef idx="2">
+        <a:scrgbClr r="0" g="0" b="0"/>
+      </a:lnRef>
+      <a:fillRef idx="1">
+        <a:scrgbClr r="0" g="0" b="0"/>
+      </a:fillRef>
+      <a:effectRef idx="0">
+        <a:scrgbClr r="0" g="0" b="0"/>
+      </a:effectRef>
+      <a:fontRef idx="minor">
+        <a:schemeClr val="lt1"/>
+      </a:fontRef>
+    </dgm:style>
+  </dgm:styleLbl>
+  <dgm:styleLbl name="node3">
+    <dgm:scene3d>
+      <a:camera prst="orthographicFront"/>
+      <a:lightRig rig="threePt" dir="t"/>
+    </dgm:scene3d>
+    <dgm:sp3d/>
+    <dgm:txPr/>
+    <dgm:style>
+      <a:lnRef idx="2">
+        <a:scrgbClr r="0" g="0" b="0"/>
+      </a:lnRef>
+      <a:fillRef idx="1">
+        <a:scrgbClr r="0" g="0" b="0"/>
+      </a:fillRef>
+      <a:effectRef idx="0">
+        <a:scrgbClr r="0" g="0" b="0"/>
+      </a:effectRef>
+      <a:fontRef idx="minor">
+        <a:schemeClr val="lt1"/>
+      </a:fontRef>
+    </dgm:style>
+  </dgm:styleLbl>
+  <dgm:styleLbl name="node4">
+    <dgm:scene3d>
+      <a:camera prst="orthographicFront"/>
+      <a:lightRig rig="threePt" dir="t"/>
+    </dgm:scene3d>
+    <dgm:sp3d/>
+    <dgm:txPr/>
+    <dgm:style>
+      <a:lnRef idx="2">
+        <a:scrgbClr r="0" g="0" b="0"/>
+      </a:lnRef>
+      <a:fillRef idx="1">
+        <a:scrgbClr r="0" g="0" b="0"/>
+      </a:fillRef>
+      <a:effectRef idx="0">
+        <a:scrgbClr r="0" g="0" b="0"/>
+      </a:effectRef>
+      <a:fontRef idx="minor">
+        <a:schemeClr val="lt1"/>
+      </a:fontRef>
+    </dgm:style>
+  </dgm:styleLbl>
+  <dgm:styleLbl name="fgImgPlace1">
+    <dgm:scene3d>
+      <a:camera prst="orthographicFront"/>
+      <a:lightRig rig="threePt" dir="t"/>
+    </dgm:scene3d>
+    <dgm:sp3d/>
+    <dgm:txPr/>
+    <dgm:style>
+      <a:lnRef idx="2">
+        <a:scrgbClr r="0" g="0" b="0"/>
+      </a:lnRef>
+      <a:fillRef idx="1">
+        <a:scrgbClr r="0" g="0" b="0"/>
+      </a:fillRef>
+      <a:effectRef idx="0">
+        <a:scrgbClr r="0" g="0" b="0"/>
+      </a:effectRef>
+      <a:fontRef idx="minor"/>
+    </dgm:style>
+  </dgm:styleLbl>
+  <dgm:styleLbl name="alignImgPlace1">
+    <dgm:scene3d>
+      <a:camera prst="orthographicFront"/>
+      <a:lightRig rig="threePt" dir="t"/>
+    </dgm:scene3d>
+    <dgm:sp3d/>
+    <dgm:txPr/>
+    <dgm:style>
+      <a:lnRef idx="2">
+        <a:scrgbClr r="0" g="0" b="0"/>
+      </a:lnRef>
+      <a:fillRef idx="1">
+        <a:scrgbClr r="0" g="0" b="0"/>
+      </a:fillRef>
+      <a:effectRef idx="0">
+        <a:scrgbClr r="0" g="0" b="0"/>
+      </a:effectRef>
+      <a:fontRef idx="minor"/>
+    </dgm:style>
+  </dgm:styleLbl>
+  <dgm:styleLbl name="bgImgPlace1">
+    <dgm:scene3d>
+      <a:camera prst="orthographicFront"/>
+      <a:lightRig rig="threePt" dir="t"/>
+    </dgm:scene3d>
+    <dgm:sp3d/>
+    <dgm:txPr/>
+    <dgm:style>
+      <a:lnRef idx="2">
+        <a:scrgbClr r="0" g="0" b="0"/>
+      </a:lnRef>
+      <a:fillRef idx="1">
+        <a:scrgbClr r="0" g="0" b="0"/>
+      </a:fillRef>
+      <a:effectRef idx="0">
+        <a:scrgbClr r="0" g="0" b="0"/>
+      </a:effectRef>
+      <a:fontRef idx="minor"/>
+    </dgm:style>
+  </dgm:styleLbl>
+  <dgm:styleLbl name="sibTrans2D1">
+    <dgm:scene3d>
+      <a:camera prst="orthographicFront"/>
+      <a:lightRig rig="threePt" dir="t"/>
+    </dgm:scene3d>
+    <dgm:sp3d/>
+    <dgm:txPr/>
+    <dgm:style>
+      <a:lnRef idx="0">
+        <a:scrgbClr r="0" g="0" b="0"/>
+      </a:lnRef>
+      <a:fillRef idx="1">
+        <a:scrgbClr r="0" g="0" b="0"/>
+      </a:fillRef>
+      <a:effectRef idx="0">
+        <a:scrgbClr r="0" g="0" b="0"/>
+      </a:effectRef>
+      <a:fontRef idx="minor">
+        <a:schemeClr val="lt1"/>
+      </a:fontRef>
+    </dgm:style>
+  </dgm:styleLbl>
+  <dgm:styleLbl name="fgSibTrans2D1">
+    <dgm:scene3d>
+      <a:camera prst="orthographicFront"/>
+      <a:lightRig rig="threePt" dir="t"/>
+    </dgm:scene3d>
+    <dgm:sp3d/>
+    <dgm:txPr/>
+    <dgm:style>
+      <a:lnRef idx="0">
+        <a:scrgbClr r="0" g="0" b="0"/>
+      </a:lnRef>
+      <a:fillRef idx="1">
+        <a:scrgbClr r="0" g="0" b="0"/>
+      </a:fillRef>
+      <a:effectRef idx="0">
+        <a:scrgbClr r="0" g="0" b="0"/>
+      </a:effectRef>
+      <a:fontRef idx="minor">
+        <a:schemeClr val="lt1"/>
+      </a:fontRef>
+    </dgm:style>
+  </dgm:styleLbl>
+  <dgm:styleLbl name="bgSibTrans2D1">
+    <dgm:scene3d>
+      <a:camera prst="orthographicFront"/>
+      <a:lightRig rig="threePt" dir="t"/>
+    </dgm:scene3d>
+    <dgm:sp3d/>
+    <dgm:txPr/>
+    <dgm:style>
+      <a:lnRef idx="0">
+        <a:scrgbClr r="0" g="0" b="0"/>
+      </a:lnRef>
+      <a:fillRef idx="1">
+        <a:scrgbClr r="0" g="0" b="0"/>
+      </a:fillRef>
+      <a:effectRef idx="0">
+        <a:scrgbClr r="0" g="0" b="0"/>
+      </a:effectRef>
+      <a:fontRef idx="minor">
+        <a:schemeClr val="lt1"/>
+      </a:fontRef>
+    </dgm:style>
+  </dgm:styleLbl>
+  <dgm:styleLbl name="sibTrans1D1">
+    <dgm:scene3d>
+      <a:camera prst="orthographicFront"/>
+      <a:lightRig rig="threePt" dir="t"/>
+    </dgm:scene3d>
+    <dgm:sp3d/>
+    <dgm:txPr/>
+    <dgm:style>
+      <a:lnRef idx="1">
+        <a:scrgbClr r="0" g="0" b="0"/>
+      </a:lnRef>
+      <a:fillRef idx="0">
+        <a:scrgbClr r="0" g="0" b="0"/>
+      </a:fillRef>
+      <a:effectRef idx="0">
+        <a:scrgbClr r="0" g="0" b="0"/>
+      </a:effectRef>
+      <a:fontRef idx="minor"/>
+    </dgm:style>
+  </dgm:styleLbl>
+  <dgm:styleLbl name="callout">
+    <dgm:scene3d>
+      <a:camera prst="orthographicFront"/>
+      <a:lightRig rig="threePt" dir="t"/>
+    </dgm:scene3d>
+    <dgm:sp3d/>
+    <dgm:txPr/>
+    <dgm:style>
+      <a:lnRef idx="2">
+        <a:scrgbClr r="0" g="0" b="0"/>
+      </a:lnRef>
+      <a:fillRef idx="1">
+        <a:scrgbClr r="0" g="0" b="0"/>
+      </a:fillRef>
+      <a:effectRef idx="0">
+        <a:scrgbClr r="0" g="0" b="0"/>
+      </a:effectRef>
+      <a:fontRef idx="minor"/>
+    </dgm:style>
+  </dgm:styleLbl>
+  <dgm:styleLbl name="asst0">
+    <dgm:scene3d>
+      <a:camera prst="orthographicFront"/>
+      <a:lightRig rig="threePt" dir="t"/>
+    </dgm:scene3d>
+    <dgm:sp3d/>
+    <dgm:txPr/>
+    <dgm:style>
+      <a:lnRef idx="2">
+        <a:scrgbClr r="0" g="0" b="0"/>
+      </a:lnRef>
+      <a:fillRef idx="1">
+        <a:scrgbClr r="0" g="0" b="0"/>
+      </a:fillRef>
+      <a:effectRef idx="0">
+        <a:scrgbClr r="0" g="0" b="0"/>
+      </a:effectRef>
+      <a:fontRef idx="minor">
+        <a:schemeClr val="lt1"/>
+      </a:fontRef>
+    </dgm:style>
+  </dgm:styleLbl>
+  <dgm:styleLbl name="asst1">
+    <dgm:scene3d>
+      <a:camera prst="orthographicFront"/>
+      <a:lightRig rig="threePt" dir="t"/>
+    </dgm:scene3d>
+    <dgm:sp3d/>
+    <dgm:txPr/>
+    <dgm:style>
+      <a:lnRef idx="2">
+        <a:scrgbClr r="0" g="0" b="0"/>
+      </a:lnRef>
+      <a:fillRef idx="1">
+        <a:scrgbClr r="0" g="0" b="0"/>
+      </a:fillRef>
+      <a:effectRef idx="0">
+        <a:scrgbClr r="0" g="0" b="0"/>
+      </a:effectRef>
+      <a:fontRef idx="minor">
+        <a:schemeClr val="lt1"/>
+      </a:fontRef>
+    </dgm:style>
+  </dgm:styleLbl>
+  <dgm:styleLbl name="asst2">
+    <dgm:scene3d>
+      <a:camera prst="orthographicFront"/>
+      <a:lightRig rig="threePt" dir="t"/>
+    </dgm:scene3d>
+    <dgm:sp3d/>
+    <dgm:txPr/>
+    <dgm:style>
+      <a:lnRef idx="2">
+        <a:scrgbClr r="0" g="0" b="0"/>
+      </a:lnRef>
+      <a:fillRef idx="1">
+        <a:scrgbClr r="0" g="0" b="0"/>
+      </a:fillRef>
+      <a:effectRef idx="0">
+        <a:scrgbClr r="0" g="0" b="0"/>
+      </a:effectRef>
+      <a:fontRef idx="minor">
+        <a:schemeClr val="lt1"/>
+      </a:fontRef>
+    </dgm:style>
+  </dgm:styleLbl>
+  <dgm:styleLbl name="asst3">
+    <dgm:scene3d>
+      <a:camera prst="orthographicFront"/>
+      <a:lightRig rig="threePt" dir="t"/>
+    </dgm:scene3d>
+    <dgm:sp3d/>
+    <dgm:txPr/>
+    <dgm:style>
+      <a:lnRef idx="2">
+        <a:scrgbClr r="0" g="0" b="0"/>
+      </a:lnRef>
+      <a:fillRef idx="1">
+        <a:scrgbClr r="0" g="0" b="0"/>
+      </a:fillRef>
+      <a:effectRef idx="0">
+        <a:scrgbClr r="0" g="0" b="0"/>
+      </a:effectRef>
+      <a:fontRef idx="minor">
+        <a:schemeClr val="lt1"/>
+      </a:fontRef>
+    </dgm:style>
+  </dgm:styleLbl>
+  <dgm:styleLbl name="asst4">
+    <dgm:scene3d>
+      <a:camera prst="orthographicFront"/>
+      <a:lightRig rig="threePt" dir="t"/>
+    </dgm:scene3d>
+    <dgm:sp3d/>
+    <dgm:txPr/>
+    <dgm:style>
+      <a:lnRef idx="2">
+        <a:scrgbClr r="0" g="0" b="0"/>
+      </a:lnRef>
+      <a:fillRef idx="1">
+        <a:scrgbClr r="0" g="0" b="0"/>
+      </a:fillRef>
+      <a:effectRef idx="0">
+        <a:scrgbClr r="0" g="0" b="0"/>
+      </a:effectRef>
+      <a:fontRef idx="minor">
+        <a:schemeClr val="lt1"/>
+      </a:fontRef>
+    </dgm:style>
+  </dgm:styleLbl>
+  <dgm:styleLbl name="parChTrans2D1">
+    <dgm:scene3d>
+      <a:camera prst="orthographicFront"/>
+      <a:lightRig rig="threePt" dir="t"/>
+    </dgm:scene3d>
+    <dgm:sp3d/>
+    <dgm:txPr/>
+    <dgm:style>
+      <a:lnRef idx="2">
+        <a:scrgbClr r="0" g="0" b="0"/>
+      </a:lnRef>
+      <a:fillRef idx="1">
+        <a:scrgbClr r="0" g="0" b="0"/>
+      </a:fillRef>
+      <a:effectRef idx="0">
+        <a:scrgbClr r="0" g="0" b="0"/>
+      </a:effectRef>
+      <a:fontRef idx="minor">
+        <a:schemeClr val="lt1"/>
+      </a:fontRef>
+    </dgm:style>
+  </dgm:styleLbl>
+  <dgm:styleLbl name="parChTrans2D2">
+    <dgm:scene3d>
+      <a:camera prst="orthographicFront"/>
+      <a:lightRig rig="threePt" dir="t"/>
+    </dgm:scene3d>
+    <dgm:sp3d/>
+    <dgm:txPr/>
+    <dgm:style>
+      <a:lnRef idx="2">
+        <a:scrgbClr r="0" g="0" b="0"/>
+      </a:lnRef>
+      <a:fillRef idx="1">
+        <a:scrgbClr r="0" g="0" b="0"/>
+      </a:fillRef>
+      <a:effectRef idx="0">
+        <a:scrgbClr r="0" g="0" b="0"/>
+      </a:effectRef>
+      <a:fontRef idx="minor">
+        <a:schemeClr val="lt1"/>
+      </a:fontRef>
+    </dgm:style>
+  </dgm:styleLbl>
+  <dgm:styleLbl name="parChTrans2D3">
+    <dgm:scene3d>
+      <a:camera prst="orthographicFront"/>
+      <a:lightRig rig="threePt" dir="t"/>
+    </dgm:scene3d>
+    <dgm:sp3d/>
+    <dgm:txPr/>
+    <dgm:style>
+      <a:lnRef idx="2">
+        <a:scrgbClr r="0" g="0" b="0"/>
+      </a:lnRef>
+      <a:fillRef idx="1">
+        <a:scrgbClr r="0" g="0" b="0"/>
+      </a:fillRef>
+      <a:effectRef idx="0">
+        <a:scrgbClr r="0" g="0" b="0"/>
+      </a:effectRef>
+      <a:fontRef idx="minor">
+        <a:schemeClr val="lt1"/>
+      </a:fontRef>
+    </dgm:style>
+  </dgm:styleLbl>
+  <dgm:styleLbl name="parChTrans2D4">
+    <dgm:scene3d>
+      <a:camera prst="orthographicFront"/>
+      <a:lightRig rig="threePt" dir="t"/>
+    </dgm:scene3d>
+    <dgm:sp3d/>
+    <dgm:txPr/>
+    <dgm:style>
+      <a:lnRef idx="2">
+        <a:scrgbClr r="0" g="0" b="0"/>
+      </a:lnRef>
+      <a:fillRef idx="1">
+        <a:scrgbClr r="0" g="0" b="0"/>
+      </a:fillRef>
+      <a:effectRef idx="0">
+        <a:scrgbClr r="0" g="0" b="0"/>
+      </a:effectRef>
+      <a:fontRef idx="minor">
+        <a:schemeClr val="lt1"/>
+      </a:fontRef>
+    </dgm:style>
+  </dgm:styleLbl>
+  <dgm:styleLbl name="parChTrans1D1">
+    <dgm:scene3d>
+      <a:camera prst="orthographicFront"/>
+      <a:lightRig rig="threePt" dir="t"/>
+    </dgm:scene3d>
+    <dgm:sp3d/>
+    <dgm:txPr/>
+    <dgm:style>
+      <a:lnRef idx="2">
+        <a:scrgbClr r="0" g="0" b="0"/>
+      </a:lnRef>
+      <a:fillRef idx="0">
+        <a:scrgbClr r="0" g="0" b="0"/>
+      </a:fillRef>
+      <a:effectRef idx="0">
+        <a:scrgbClr r="0" g="0" b="0"/>
+      </a:effectRef>
+      <a:fontRef idx="minor"/>
+    </dgm:style>
+  </dgm:styleLbl>
+  <dgm:styleLbl name="parChTrans1D2">
+    <dgm:scene3d>
+      <a:camera prst="orthographicFront"/>
+      <a:lightRig rig="threePt" dir="t"/>
+    </dgm:scene3d>
+    <dgm:sp3d/>
+    <dgm:txPr/>
+    <dgm:style>
+      <a:lnRef idx="2">
+        <a:scrgbClr r="0" g="0" b="0"/>
+      </a:lnRef>
+      <a:fillRef idx="0">
+        <a:scrgbClr r="0" g="0" b="0"/>
+      </a:fillRef>
+      <a:effectRef idx="0">
+        <a:scrgbClr r="0" g="0" b="0"/>
+      </a:effectRef>
+      <a:fontRef idx="minor"/>
+    </dgm:style>
+  </dgm:styleLbl>
+  <dgm:styleLbl name="parChTrans1D3">
+    <dgm:scene3d>
+      <a:camera prst="orthographicFront"/>
+      <a:lightRig rig="threePt" dir="t"/>
+    </dgm:scene3d>
+    <dgm:sp3d/>
+    <dgm:txPr/>
+    <dgm:style>
+      <a:lnRef idx="2">
+        <a:scrgbClr r="0" g="0" b="0"/>
+      </a:lnRef>
+      <a:fillRef idx="0">
+        <a:scrgbClr r="0" g="0" b="0"/>
+      </a:fillRef>
+      <a:effectRef idx="0">
+        <a:scrgbClr r="0" g="0" b="0"/>
+      </a:effectRef>
+      <a:fontRef idx="minor"/>
+    </dgm:style>
+  </dgm:styleLbl>
+  <dgm:styleLbl name="parChTrans1D4">
+    <dgm:scene3d>
+      <a:camera prst="orthographicFront"/>
+      <a:lightRig rig="threePt" dir="t"/>
+    </dgm:scene3d>
+    <dgm:sp3d/>
+    <dgm:txPr/>
+    <dgm:style>
+      <a:lnRef idx="2">
+        <a:scrgbClr r="0" g="0" b="0"/>
+      </a:lnRef>
+      <a:fillRef idx="0">
+        <a:scrgbClr r="0" g="0" b="0"/>
+      </a:fillRef>
+      <a:effectRef idx="0">
+        <a:scrgbClr r="0" g="0" b="0"/>
+      </a:effectRef>
+      <a:fontRef idx="minor"/>
+    </dgm:style>
+  </dgm:styleLbl>
+  <dgm:styleLbl name="fgAcc1">
+    <dgm:scene3d>
+      <a:camera prst="orthographicFront"/>
+      <a:lightRig rig="threePt" dir="t"/>
+    </dgm:scene3d>
+    <dgm:sp3d/>
+    <dgm:txPr/>
+    <dgm:style>
+      <a:lnRef idx="2">
+        <a:scrgbClr r="0" g="0" b="0"/>
+      </a:lnRef>
+      <a:fillRef idx="1">
+        <a:scrgbClr r="0" g="0" b="0"/>
+      </a:fillRef>
+      <a:effectRef idx="0">
+        <a:scrgbClr r="0" g="0" b="0"/>
+      </a:effectRef>
+      <a:fontRef idx="minor"/>
+    </dgm:style>
+  </dgm:styleLbl>
+  <dgm:styleLbl name="conFgAcc1">
+    <dgm:scene3d>
+      <a:camera prst="orthographicFront"/>
+      <a:lightRig rig="threePt" dir="t"/>
+    </dgm:scene3d>
+    <dgm:sp3d/>
+    <dgm:txPr/>
+    <dgm:style>
+      <a:lnRef idx="2">
+        <a:scrgbClr r="0" g="0" b="0"/>
+      </a:lnRef>
+      <a:fillRef idx="1">
+        <a:scrgbClr r="0" g="0" b="0"/>
+      </a:fillRef>
+      <a:effectRef idx="0">
+        <a:scrgbClr r="0" g="0" b="0"/>
+      </a:effectRef>
+      <a:fontRef idx="minor"/>
+    </dgm:style>
+  </dgm:styleLbl>
+  <dgm:styleLbl name="alignAcc1">
+    <dgm:scene3d>
+      <a:camera prst="orthographicFront"/>
+      <a:lightRig rig="threePt" dir="t"/>
+    </dgm:scene3d>
+    <dgm:sp3d/>
+    <dgm:txPr/>
+    <dgm:style>
+      <a:lnRef idx="2">
+        <a:scrgbClr r="0" g="0" b="0"/>
+      </a:lnRef>
+      <a:fillRef idx="1">
+        <a:scrgbClr r="0" g="0" b="0"/>
+      </a:fillRef>
+      <a:effectRef idx="0">
+        <a:scrgbClr r="0" g="0" b="0"/>
+      </a:effectRef>
+      <a:fontRef idx="minor"/>
+    </dgm:style>
+  </dgm:styleLbl>
+  <dgm:styleLbl name="trAlignAcc1">
+    <dgm:scene3d>
+      <a:camera prst="orthographicFront"/>
+      <a:lightRig rig="threePt" dir="t"/>
+    </dgm:scene3d>
+    <dgm:sp3d/>
+    <dgm:txPr/>
+    <dgm:style>
+      <a:lnRef idx="1">
+        <a:scrgbClr r="0" g="0" b="0"/>
+      </a:lnRef>
+      <a:fillRef idx="1">
+        <a:scrgbClr r="0" g="0" b="0"/>
+      </a:fillRef>
+      <a:effectRef idx="0">
+        <a:scrgbClr r="0" g="0" b="0"/>
+      </a:effectRef>
+      <a:fontRef idx="minor"/>
+    </dgm:style>
+  </dgm:styleLbl>
+  <dgm:styleLbl name="bgAcc1">
+    <dgm:scene3d>
+      <a:camera prst="orthographicFront"/>
+      <a:lightRig rig="threePt" dir="t"/>
+    </dgm:scene3d>
+    <dgm:sp3d/>
+    <dgm:txPr/>
+    <dgm:style>
+      <a:lnRef idx="2">
+        <a:scrgbClr r="0" g="0" b="0"/>
+      </a:lnRef>
+      <a:fillRef idx="1">
+        <a:scrgbClr r="0" g="0" b="0"/>
+      </a:fillRef>
+      <a:effectRef idx="0">
+        <a:scrgbClr r="0" g="0" b="0"/>
+      </a:effectRef>
+      <a:fontRef idx="minor"/>
+    </dgm:style>
+  </dgm:styleLbl>
+  <dgm:styleLbl name="solidFgAcc1">
+    <dgm:scene3d>
+      <a:camera prst="orthographicFront"/>
+      <a:lightRig rig="threePt" dir="t"/>
+    </dgm:scene3d>
+    <dgm:sp3d/>
+    <dgm:txPr/>
+    <dgm:style>
+      <a:lnRef idx="2">
+        <a:scrgbClr r="0" g="0" b="0"/>
+      </a:lnRef>
+      <a:fillRef idx="1">
+        <a:scrgbClr r="0" g="0" b="0"/>
+      </a:fillRef>
+      <a:effectRef idx="0">
+        <a:scrgbClr r="0" g="0" b="0"/>
+      </a:effectRef>
+      <a:fontRef idx="minor"/>
+    </dgm:style>
+  </dgm:styleLbl>
+  <dgm:styleLbl name="solidAlignAcc1">
+    <dgm:scene3d>
+      <a:camera prst="orthographicFront"/>
+      <a:lightRig rig="threePt" dir="t"/>
+    </dgm:scene3d>
+    <dgm:sp3d/>
+    <dgm:txPr/>
+    <dgm:style>
+      <a:lnRef idx="2">
+        <a:scrgbClr r="0" g="0" b="0"/>
+      </a:lnRef>
+      <a:fillRef idx="1">
+        <a:scrgbClr r="0" g="0" b="0"/>
+      </a:fillRef>
+      <a:effectRef idx="0">
+        <a:scrgbClr r="0" g="0" b="0"/>
+      </a:effectRef>
+      <a:fontRef idx="minor"/>
+    </dgm:style>
+  </dgm:styleLbl>
+  <dgm:styleLbl name="solidBgAcc1">
+    <dgm:scene3d>
+      <a:camera prst="orthographicFront"/>
+      <a:lightRig rig="threePt" dir="t"/>
+    </dgm:scene3d>
+    <dgm:sp3d/>
+    <dgm:txPr/>
+    <dgm:style>
+      <a:lnRef idx="2">
+        <a:scrgbClr r="0" g="0" b="0"/>
+      </a:lnRef>
+      <a:fillRef idx="1">
+        <a:scrgbClr r="0" g="0" b="0"/>
+      </a:fillRef>
+      <a:effectRef idx="0">
+        <a:scrgbClr r="0" g="0" b="0"/>
+      </a:effectRef>
+      <a:fontRef idx="minor"/>
+    </dgm:style>
+  </dgm:styleLbl>
+  <dgm:styleLbl name="fgAccFollowNode1">
+    <dgm:scene3d>
+      <a:camera prst="orthographicFront"/>
+      <a:lightRig rig="threePt" dir="t"/>
+    </dgm:scene3d>
+    <dgm:sp3d/>
+    <dgm:txPr/>
+    <dgm:style>
+      <a:lnRef idx="2">
+        <a:scrgbClr r="0" g="0" b="0"/>
+      </a:lnRef>
+      <a:fillRef idx="1">
+        <a:scrgbClr r="0" g="0" b="0"/>
+      </a:fillRef>
+      <a:effectRef idx="0">
+        <a:scrgbClr r="0" g="0" b="0"/>
+      </a:effectRef>
+      <a:fontRef idx="minor"/>
+    </dgm:style>
+  </dgm:styleLbl>
+  <dgm:styleLbl name="alignAccFollowNode1">
+    <dgm:scene3d>
+      <a:camera prst="orthographicFront"/>
+      <a:lightRig rig="threePt" dir="t"/>
+    </dgm:scene3d>
+    <dgm:sp3d/>
+    <dgm:txPr/>
+    <dgm:style>
+      <a:lnRef idx="2">
+        <a:scrgbClr r="0" g="0" b="0"/>
+      </a:lnRef>
+      <a:fillRef idx="1">
+        <a:scrgbClr r="0" g="0" b="0"/>
+      </a:fillRef>
+      <a:effectRef idx="0">
+        <a:scrgbClr r="0" g="0" b="0"/>
+      </a:effectRef>
+      <a:fontRef idx="minor"/>
+    </dgm:style>
+  </dgm:styleLbl>
+  <dgm:styleLbl name="bgAccFollowNode1">
+    <dgm:scene3d>
+      <a:camera prst="orthographicFront"/>
+      <a:lightRig rig="threePt" dir="t"/>
+    </dgm:scene3d>
+    <dgm:sp3d/>
+    <dgm:txPr/>
+    <dgm:style>
+      <a:lnRef idx="2">
+        <a:scrgbClr r="0" g="0" b="0"/>
+      </a:lnRef>
+      <a:fillRef idx="1">
+        <a:scrgbClr r="0" g="0" b="0"/>
+      </a:fillRef>
+      <a:effectRef idx="0">
+        <a:scrgbClr r="0" g="0" b="0"/>
+      </a:effectRef>
+      <a:fontRef idx="minor"/>
+    </dgm:style>
+  </dgm:styleLbl>
+  <dgm:styleLbl name="fgAcc0">
+    <dgm:scene3d>
+      <a:camera prst="orthographicFront"/>
+      <a:lightRig rig="threePt" dir="t"/>
+    </dgm:scene3d>
+    <dgm:sp3d/>
+    <dgm:txPr/>
+    <dgm:style>
+      <a:lnRef idx="2">
+        <a:scrgbClr r="0" g="0" b="0"/>
+      </a:lnRef>
+      <a:fillRef idx="1">
+        <a:scrgbClr r="0" g="0" b="0"/>
+      </a:fillRef>
+      <a:effectRef idx="0">
+        <a:scrgbClr r="0" g="0" b="0"/>
+      </a:effectRef>
+      <a:fontRef idx="minor"/>
+    </dgm:style>
+  </dgm:styleLbl>
+  <dgm:styleLbl name="fgAcc2">
+    <dgm:scene3d>
+      <a:camera prst="orthographicFront"/>
+      <a:lightRig rig="threePt" dir="t"/>
+    </dgm:scene3d>
+    <dgm:sp3d/>
+    <dgm:txPr/>
+    <dgm:style>
+      <a:lnRef idx="2">
+        <a:scrgbClr r="0" g="0" b="0"/>
+      </a:lnRef>
+      <a:fillRef idx="1">
+        <a:scrgbClr r="0" g="0" b="0"/>
+      </a:fillRef>
+      <a:effectRef idx="0">
+        <a:scrgbClr r="0" g="0" b="0"/>
+      </a:effectRef>
+      <a:fontRef idx="minor"/>
+    </dgm:style>
+  </dgm:styleLbl>
+  <dgm:styleLbl name="fgAcc3">
+    <dgm:scene3d>
+      <a:camera prst="orthographicFront"/>
+      <a:lightRig rig="threePt" dir="t"/>
+    </dgm:scene3d>
+    <dgm:sp3d/>
+    <dgm:txPr/>
+    <dgm:style>
+      <a:lnRef idx="2">
+        <a:scrgbClr r="0" g="0" b="0"/>
+      </a:lnRef>
+      <a:fillRef idx="1">
+        <a:scrgbClr r="0" g="0" b="0"/>
+      </a:fillRef>
+      <a:effectRef idx="0">
+        <a:scrgbClr r="0" g="0" b="0"/>
+      </a:effectRef>
+      <a:fontRef idx="minor"/>
+    </dgm:style>
+  </dgm:styleLbl>
+  <dgm:styleLbl name="fgAcc4">
+    <dgm:scene3d>
+      <a:camera prst="orthographicFront"/>
+      <a:lightRig rig="threePt" dir="t"/>
+    </dgm:scene3d>
+    <dgm:sp3d/>
+    <dgm:txPr/>
+    <dgm:style>
+      <a:lnRef idx="2">
+        <a:scrgbClr r="0" g="0" b="0"/>
+      </a:lnRef>
+      <a:fillRef idx="1">
+        <a:scrgbClr r="0" g="0" b="0"/>
+      </a:fillRef>
+      <a:effectRef idx="0">
+        <a:scrgbClr r="0" g="0" b="0"/>
+      </a:effectRef>
+      <a:fontRef idx="minor"/>
+    </dgm:style>
+  </dgm:styleLbl>
+  <dgm:styleLbl name="bgShp">
+    <dgm:scene3d>
+      <a:camera prst="orthographicFront"/>
+      <a:lightRig rig="threePt" dir="t"/>
+    </dgm:scene3d>
+    <dgm:sp3d/>
+    <dgm:txPr/>
+    <dgm:style>
+      <a:lnRef idx="0">
+        <a:scrgbClr r="0" g="0" b="0"/>
+      </a:lnRef>
+      <a:fillRef idx="1">
+        <a:scrgbClr r="0" g="0" b="0"/>
+      </a:fillRef>
+      <a:effectRef idx="0">
+        <a:scrgbClr r="0" g="0" b="0"/>
+      </a:effectRef>
+      <a:fontRef idx="minor"/>
+    </dgm:style>
+  </dgm:styleLbl>
+  <dgm:styleLbl name="dkBgShp">
+    <dgm:scene3d>
+      <a:camera prst="orthographicFront"/>
+      <a:lightRig rig="threePt" dir="t"/>
+    </dgm:scene3d>
+    <dgm:sp3d/>
+    <dgm:txPr/>
+    <dgm:style>
+      <a:lnRef idx="0">
+        <a:scrgbClr r="0" g="0" b="0"/>
+      </a:lnRef>
+      <a:fillRef idx="1">
+        <a:scrgbClr r="0" g="0" b="0"/>
+      </a:fillRef>
+      <a:effectRef idx="0">
+        <a:scrgbClr r="0" g="0" b="0"/>
+      </a:effectRef>
+      <a:fontRef idx="minor"/>
+    </dgm:style>
+  </dgm:styleLbl>
+  <dgm:styleLbl name="trBgShp">
+    <dgm:scene3d>
+      <a:camera prst="orthographicFront"/>
+      <a:lightRig rig="threePt" dir="t"/>
+    </dgm:scene3d>
+    <dgm:sp3d/>
+    <dgm:txPr/>
+    <dgm:style>
+      <a:lnRef idx="0">
+        <a:scrgbClr r="0" g="0" b="0"/>
+      </a:lnRef>
+      <a:fillRef idx="1">
+        <a:scrgbClr r="0" g="0" b="0"/>
+      </a:fillRef>
+      <a:effectRef idx="0">
+        <a:scrgbClr r="0" g="0" b="0"/>
+      </a:effectRef>
+      <a:fontRef idx="minor"/>
+    </dgm:style>
+  </dgm:styleLbl>
+  <dgm:styleLbl name="fgShp">
+    <dgm:scene3d>
+      <a:camera prst="orthographicFront"/>
+      <a:lightRig rig="threePt" dir="t"/>
+    </dgm:scene3d>
+    <dgm:sp3d/>
+    <dgm:txPr/>
+    <dgm:style>
+      <a:lnRef idx="2">
+        <a:scrgbClr r="0" g="0" b="0"/>
+      </a:lnRef>
+      <a:fillRef idx="1">
+        <a:scrgbClr r="0" g="0" b="0"/>
+      </a:fillRef>
+      <a:effectRef idx="0">
+        <a:scrgbClr r="0" g="0" b="0"/>
+      </a:effectRef>
+      <a:fontRef idx="minor"/>
+    </dgm:style>
+  </dgm:styleLbl>
+  <dgm:styleLbl name="revTx">
+    <dgm:scene3d>
+      <a:camera prst="orthographicFront"/>
+      <a:lightRig rig="threePt" dir="t"/>
+    </dgm:scene3d>
+    <dgm:sp3d/>
+    <dgm:txPr/>
+    <dgm:style>
+      <a:lnRef idx="0">
+        <a:scrgbClr r="0" g="0" b="0"/>
+      </a:lnRef>
+      <a:fillRef idx="0">
+        <a:scrgbClr r="0" g="0" b="0"/>
+      </a:fillRef>
+      <a:effectRef idx="0">
+        <a:scrgbClr r="0" g="0" b="0"/>
+      </a:effectRef>
+      <a:fontRef idx="minor"/>
+    </dgm:style>
+  </dgm:styleLbl>
+</dgm:styleDef>
+</file>
+
 <file path=ppt/notesMasters/notesMaster1.xml><?xml version="1.0" encoding="utf-8"?>
 <p:notesMaster xmlns:a="http://schemas.openxmlformats.org/drawingml/2006/main" xmlns:r="http://schemas.openxmlformats.org/officeDocument/2006/relationships" xmlns:p="http://schemas.openxmlformats.org/presentationml/2006/main">
   <p:cSld>
@@ -242,7 +6204,7 @@
             <a:fld id="{1C54B592-DDDB-4FBB-91F2-233647701935}" type="datetimeFigureOut">
               <a:rPr lang="en-US" smtClean="0"/>
               <a:pPr/>
-              <a:t>5/7/2016</a:t>
+              <a:t>5/29/2016</a:t>
             </a:fld>
             <a:endParaRPr lang="en-US" dirty="0"/>
           </a:p>
@@ -797,7 +6759,7 @@
           <a:p>
             <a:fld id="{C7AE018C-EBF3-4294-9E53-BB9692A1B238}" type="datetime1">
               <a:rPr lang="en-US" smtClean="0"/>
-              <a:t>5/7/2016</a:t>
+              <a:t>5/29/2016</a:t>
             </a:fld>
             <a:endParaRPr lang="en-US" dirty="0"/>
           </a:p>
@@ -952,7 +6914,7 @@
           <a:p>
             <a:fld id="{AC5D3C69-66A1-4D00-B513-42CC0FCC59B6}" type="datetime1">
               <a:rPr lang="en-US" smtClean="0"/>
-              <a:t>5/7/2016</a:t>
+              <a:t>5/29/2016</a:t>
             </a:fld>
             <a:endParaRPr lang="en-US" dirty="0"/>
           </a:p>
@@ -1048,7 +7010,7 @@
           <a:p>
             <a:fld id="{DF081C4C-367B-4CA1-BFE5-DD5EF40A8C1E}" type="datetime1">
               <a:rPr lang="en-US" smtClean="0"/>
-              <a:t>5/7/2016</a:t>
+              <a:t>5/29/2016</a:t>
             </a:fld>
             <a:endParaRPr lang="en-US" dirty="0"/>
           </a:p>
@@ -1336,7 +7298,7 @@
           <a:p>
             <a:fld id="{7284FD7A-D0F1-4BFD-9AB1-D45A3214561B}" type="datetime1">
               <a:rPr lang="en-US" smtClean="0"/>
-              <a:t>5/7/2016</a:t>
+              <a:t>5/29/2016</a:t>
             </a:fld>
             <a:endParaRPr lang="en-US" dirty="0"/>
           </a:p>
@@ -1630,7 +7592,7 @@
           <a:p>
             <a:fld id="{7C1E8470-7002-4B16-912E-F3381BBFC303}" type="datetime1">
               <a:rPr lang="en-US" smtClean="0"/>
-              <a:t>5/7/2016</a:t>
+              <a:t>5/29/2016</a:t>
             </a:fld>
             <a:endParaRPr lang="en-US" dirty="0"/>
           </a:p>
@@ -2058,7 +8020,7 @@
           <a:p>
             <a:fld id="{2668835A-C4A1-487E-A7B8-3E3B6A85266C}" type="datetime1">
               <a:rPr lang="en-US" smtClean="0"/>
-              <a:t>5/7/2016</a:t>
+              <a:t>5/29/2016</a:t>
             </a:fld>
             <a:endParaRPr lang="en-US" dirty="0"/>
           </a:p>
@@ -2154,7 +8116,7 @@
           <a:p>
             <a:fld id="{83E71AAB-E703-47FE-974E-9D2B932F9534}" type="datetime1">
               <a:rPr lang="en-US" smtClean="0"/>
-              <a:t>5/7/2016</a:t>
+              <a:t>5/29/2016</a:t>
             </a:fld>
             <a:endParaRPr lang="en-US" dirty="0"/>
           </a:p>
@@ -2339,7 +8301,7 @@
           <a:p>
             <a:fld id="{C6C74358-98AB-4C1A-82FF-49E7FEE02080}" type="datetime1">
               <a:rPr lang="en-US" smtClean="0"/>
-              <a:t>5/7/2016</a:t>
+              <a:t>5/29/2016</a:t>
             </a:fld>
             <a:endParaRPr lang="en-US" dirty="0"/>
           </a:p>
@@ -8255,6 +14217,734 @@
     <p:extLst>
       <p:ext uri="{BB962C8B-B14F-4D97-AF65-F5344CB8AC3E}">
         <p14:creationId xmlns:p14="http://schemas.microsoft.com/office/powerpoint/2010/main" val="2363918395"/>
+      </p:ext>
+    </p:extLst>
+  </p:cSld>
+  <p:clrMapOvr>
+    <a:masterClrMapping/>
+  </p:clrMapOvr>
+</p:sld>
+</file>
+
+<file path=ppt/slides/slide14.xml><?xml version="1.0" encoding="utf-8"?>
+<p:sld xmlns:a="http://schemas.openxmlformats.org/drawingml/2006/main" xmlns:r="http://schemas.openxmlformats.org/officeDocument/2006/relationships" xmlns:p="http://schemas.openxmlformats.org/presentationml/2006/main">
+  <p:cSld>
+    <p:spTree>
+      <p:nvGrpSpPr>
+        <p:cNvPr id="1" name=""/>
+        <p:cNvGrpSpPr/>
+        <p:nvPr/>
+      </p:nvGrpSpPr>
+      <p:grpSpPr>
+        <a:xfrm>
+          <a:off x="0" y="0"/>
+          <a:ext cx="0" cy="0"/>
+          <a:chOff x="0" y="0"/>
+          <a:chExt cx="0" cy="0"/>
+        </a:xfrm>
+      </p:grpSpPr>
+      <p:sp>
+        <p:nvSpPr>
+          <p:cNvPr id="2" name="Slide Number Placeholder 1"/>
+          <p:cNvSpPr>
+            <a:spLocks noGrp="1"/>
+          </p:cNvSpPr>
+          <p:nvPr>
+            <p:ph type="sldNum" sz="quarter" idx="12"/>
+          </p:nvPr>
+        </p:nvSpPr>
+        <p:spPr/>
+        <p:txBody>
+          <a:bodyPr/>
+          <a:lstStyle/>
+          <a:p>
+            <a:fld id="{7C65DD3B-8E90-4815-956E-D18D24CB454B}" type="slidenum">
+              <a:rPr lang="en-US" smtClean="0"/>
+              <a:pPr/>
+              <a:t>14</a:t>
+            </a:fld>
+            <a:endParaRPr lang="en-US" dirty="0"/>
+          </a:p>
+        </p:txBody>
+      </p:sp>
+      <p:sp>
+        <p:nvSpPr>
+          <p:cNvPr id="3" name="Rectangle 2"/>
+          <p:cNvSpPr/>
+          <p:nvPr/>
+        </p:nvSpPr>
+        <p:spPr>
+          <a:xfrm>
+            <a:off x="3124200" y="5207000"/>
+            <a:ext cx="3124200" cy="914400"/>
+          </a:xfrm>
+          <a:prstGeom prst="rect">
+            <a:avLst/>
+          </a:prstGeom>
+        </p:spPr>
+        <p:style>
+          <a:lnRef idx="2">
+            <a:schemeClr val="accent1">
+              <a:shade val="50000"/>
+            </a:schemeClr>
+          </a:lnRef>
+          <a:fillRef idx="1">
+            <a:schemeClr val="accent1"/>
+          </a:fillRef>
+          <a:effectRef idx="0">
+            <a:schemeClr val="accent1"/>
+          </a:effectRef>
+          <a:fontRef idx="minor">
+            <a:schemeClr val="lt1"/>
+          </a:fontRef>
+        </p:style>
+        <p:txBody>
+          <a:bodyPr rtlCol="0" anchor="ctr"/>
+          <a:lstStyle/>
+          <a:p>
+            <a:pPr algn="ctr"/>
+            <a:r>
+              <a:rPr lang="en-US" dirty="0"/>
+              <a:t>Actor</a:t>
+            </a:r>
+          </a:p>
+        </p:txBody>
+      </p:sp>
+      <p:graphicFrame>
+        <p:nvGraphicFramePr>
+          <p:cNvPr id="6" name="Diagram 5"/>
+          <p:cNvGraphicFramePr/>
+          <p:nvPr>
+            <p:extLst>
+              <p:ext uri="{D42A27DB-BD31-4B8C-83A1-F6EECF244321}">
+                <p14:modId xmlns:p14="http://schemas.microsoft.com/office/powerpoint/2010/main" val="4229999745"/>
+              </p:ext>
+            </p:extLst>
+          </p:nvPr>
+        </p:nvGraphicFramePr>
+        <p:xfrm>
+          <a:off x="3124200" y="1524000"/>
+          <a:ext cx="3124200" cy="3022600"/>
+        </p:xfrm>
+        <a:graphic>
+          <a:graphicData uri="http://schemas.openxmlformats.org/drawingml/2006/diagram">
+            <dgm:relIds xmlns:dgm="http://schemas.openxmlformats.org/drawingml/2006/diagram" xmlns:r="http://schemas.openxmlformats.org/officeDocument/2006/relationships" r:dm="rId2" r:lo="rId3" r:qs="rId4" r:cs="rId5"/>
+          </a:graphicData>
+        </a:graphic>
+      </p:graphicFrame>
+      <p:sp>
+        <p:nvSpPr>
+          <p:cNvPr id="8" name="Right Brace 7"/>
+          <p:cNvSpPr/>
+          <p:nvPr/>
+        </p:nvSpPr>
+        <p:spPr>
+          <a:xfrm>
+            <a:off x="6248400" y="1524000"/>
+            <a:ext cx="1219200" cy="3022600"/>
+          </a:xfrm>
+          <a:prstGeom prst="rightBrace">
+            <a:avLst/>
+          </a:prstGeom>
+        </p:spPr>
+        <p:style>
+          <a:lnRef idx="1">
+            <a:schemeClr val="accent1"/>
+          </a:lnRef>
+          <a:fillRef idx="0">
+            <a:schemeClr val="accent1"/>
+          </a:fillRef>
+          <a:effectRef idx="0">
+            <a:schemeClr val="accent1"/>
+          </a:effectRef>
+          <a:fontRef idx="minor">
+            <a:schemeClr val="tx1"/>
+          </a:fontRef>
+        </p:style>
+        <p:txBody>
+          <a:bodyPr rtlCol="0" anchor="ctr"/>
+          <a:lstStyle/>
+          <a:p>
+            <a:pPr algn="ctr"/>
+            <a:endParaRPr lang="en-US"/>
+          </a:p>
+        </p:txBody>
+      </p:sp>
+      <p:sp>
+        <p:nvSpPr>
+          <p:cNvPr id="9" name="TextBox 8"/>
+          <p:cNvSpPr txBox="1"/>
+          <p:nvPr/>
+        </p:nvSpPr>
+        <p:spPr>
+          <a:xfrm rot="16200000">
+            <a:off x="6305250" y="2896802"/>
+            <a:ext cx="3022600" cy="276999"/>
+          </a:xfrm>
+          <a:prstGeom prst="rect">
+            <a:avLst/>
+          </a:prstGeom>
+          <a:noFill/>
+        </p:spPr>
+        <p:txBody>
+          <a:bodyPr wrap="square" rtlCol="0">
+            <a:spAutoFit/>
+          </a:bodyPr>
+          <a:lstStyle/>
+          <a:p>
+            <a:pPr algn="ctr"/>
+            <a:r>
+              <a:rPr lang="en-US" sz="1200" dirty="0"/>
+              <a:t>FIFO Queue Managed by Service Fabric</a:t>
+            </a:r>
+          </a:p>
+        </p:txBody>
+      </p:sp>
+      <p:sp>
+        <p:nvSpPr>
+          <p:cNvPr id="10" name="Oval 9"/>
+          <p:cNvSpPr/>
+          <p:nvPr/>
+        </p:nvSpPr>
+        <p:spPr>
+          <a:xfrm>
+            <a:off x="990600" y="609600"/>
+            <a:ext cx="609600" cy="609600"/>
+          </a:xfrm>
+          <a:prstGeom prst="ellipse">
+            <a:avLst/>
+          </a:prstGeom>
+        </p:spPr>
+        <p:style>
+          <a:lnRef idx="2">
+            <a:schemeClr val="accent1">
+              <a:shade val="50000"/>
+            </a:schemeClr>
+          </a:lnRef>
+          <a:fillRef idx="1">
+            <a:schemeClr val="accent1"/>
+          </a:fillRef>
+          <a:effectRef idx="0">
+            <a:schemeClr val="accent1"/>
+          </a:effectRef>
+          <a:fontRef idx="minor">
+            <a:schemeClr val="lt1"/>
+          </a:fontRef>
+        </p:style>
+        <p:txBody>
+          <a:bodyPr rtlCol="0" anchor="ctr"/>
+          <a:lstStyle/>
+          <a:p>
+            <a:pPr algn="ctr"/>
+            <a:endParaRPr lang="en-US"/>
+          </a:p>
+        </p:txBody>
+      </p:sp>
+      <p:cxnSp>
+        <p:nvCxnSpPr>
+          <p:cNvPr id="12" name="Elbow Connector 11"/>
+          <p:cNvCxnSpPr>
+            <a:stCxn id="10" idx="6"/>
+            <a:endCxn id="6" idx="0"/>
+          </p:cNvCxnSpPr>
+          <p:nvPr/>
+        </p:nvCxnSpPr>
+        <p:spPr>
+          <a:xfrm>
+            <a:off x="1600200" y="914400"/>
+            <a:ext cx="3086100" cy="609600"/>
+          </a:xfrm>
+          <a:prstGeom prst="bentConnector2">
+            <a:avLst/>
+          </a:prstGeom>
+          <a:ln>
+            <a:headEnd type="triangle"/>
+            <a:tailEnd type="triangle"/>
+          </a:ln>
+        </p:spPr>
+        <p:style>
+          <a:lnRef idx="1">
+            <a:schemeClr val="accent1"/>
+          </a:lnRef>
+          <a:fillRef idx="0">
+            <a:schemeClr val="accent1"/>
+          </a:fillRef>
+          <a:effectRef idx="0">
+            <a:schemeClr val="accent1"/>
+          </a:effectRef>
+          <a:fontRef idx="minor">
+            <a:schemeClr val="tx1"/>
+          </a:fontRef>
+        </p:style>
+      </p:cxnSp>
+      <p:sp>
+        <p:nvSpPr>
+          <p:cNvPr id="13" name="TextBox 12"/>
+          <p:cNvSpPr txBox="1"/>
+          <p:nvPr/>
+        </p:nvSpPr>
+        <p:spPr>
+          <a:xfrm>
+            <a:off x="1828800" y="609600"/>
+            <a:ext cx="3162300" cy="276999"/>
+          </a:xfrm>
+          <a:prstGeom prst="rect">
+            <a:avLst/>
+          </a:prstGeom>
+          <a:noFill/>
+        </p:spPr>
+        <p:txBody>
+          <a:bodyPr wrap="square" rtlCol="0">
+            <a:spAutoFit/>
+          </a:bodyPr>
+          <a:lstStyle/>
+          <a:p>
+            <a:pPr algn="ctr"/>
+            <a:r>
+              <a:rPr lang="en-US" sz="1200" dirty="0"/>
+              <a:t>The client queues  up the request and returns </a:t>
+            </a:r>
+          </a:p>
+        </p:txBody>
+      </p:sp>
+      <p:cxnSp>
+        <p:nvCxnSpPr>
+          <p:cNvPr id="15" name="Straight Arrow Connector 14"/>
+          <p:cNvCxnSpPr>
+            <a:endCxn id="3" idx="0"/>
+          </p:cNvCxnSpPr>
+          <p:nvPr/>
+        </p:nvCxnSpPr>
+        <p:spPr>
+          <a:xfrm>
+            <a:off x="4686300" y="4546600"/>
+            <a:ext cx="0" cy="660400"/>
+          </a:xfrm>
+          <a:prstGeom prst="straightConnector1">
+            <a:avLst/>
+          </a:prstGeom>
+          <a:ln>
+            <a:tailEnd type="triangle"/>
+          </a:ln>
+        </p:spPr>
+        <p:style>
+          <a:lnRef idx="1">
+            <a:schemeClr val="accent1"/>
+          </a:lnRef>
+          <a:fillRef idx="0">
+            <a:schemeClr val="accent1"/>
+          </a:fillRef>
+          <a:effectRef idx="0">
+            <a:schemeClr val="accent1"/>
+          </a:effectRef>
+          <a:fontRef idx="minor">
+            <a:schemeClr val="tx1"/>
+          </a:fontRef>
+        </p:style>
+      </p:cxnSp>
+    </p:spTree>
+    <p:extLst>
+      <p:ext uri="{BB962C8B-B14F-4D97-AF65-F5344CB8AC3E}">
+        <p14:creationId xmlns:p14="http://schemas.microsoft.com/office/powerpoint/2010/main" val="597201921"/>
+      </p:ext>
+    </p:extLst>
+  </p:cSld>
+  <p:clrMapOvr>
+    <a:masterClrMapping/>
+  </p:clrMapOvr>
+</p:sld>
+</file>
+
+<file path=ppt/slides/slide15.xml><?xml version="1.0" encoding="utf-8"?>
+<p:sld xmlns:a="http://schemas.openxmlformats.org/drawingml/2006/main" xmlns:r="http://schemas.openxmlformats.org/officeDocument/2006/relationships" xmlns:p="http://schemas.openxmlformats.org/presentationml/2006/main">
+  <p:cSld>
+    <p:spTree>
+      <p:nvGrpSpPr>
+        <p:cNvPr id="1" name=""/>
+        <p:cNvGrpSpPr/>
+        <p:nvPr/>
+      </p:nvGrpSpPr>
+      <p:grpSpPr>
+        <a:xfrm>
+          <a:off x="0" y="0"/>
+          <a:ext cx="0" cy="0"/>
+          <a:chOff x="0" y="0"/>
+          <a:chExt cx="0" cy="0"/>
+        </a:xfrm>
+      </p:grpSpPr>
+      <p:sp>
+        <p:nvSpPr>
+          <p:cNvPr id="2" name="Slide Number Placeholder 1"/>
+          <p:cNvSpPr>
+            <a:spLocks noGrp="1"/>
+          </p:cNvSpPr>
+          <p:nvPr>
+            <p:ph type="sldNum" sz="quarter" idx="12"/>
+          </p:nvPr>
+        </p:nvSpPr>
+        <p:spPr/>
+        <p:txBody>
+          <a:bodyPr/>
+          <a:lstStyle/>
+          <a:p>
+            <a:fld id="{7C65DD3B-8E90-4815-956E-D18D24CB454B}" type="slidenum">
+              <a:rPr lang="en-US" smtClean="0"/>
+              <a:pPr/>
+              <a:t>15</a:t>
+            </a:fld>
+            <a:endParaRPr lang="en-US" dirty="0"/>
+          </a:p>
+        </p:txBody>
+      </p:sp>
+      <p:sp>
+        <p:nvSpPr>
+          <p:cNvPr id="3" name="Rectangle 2"/>
+          <p:cNvSpPr/>
+          <p:nvPr/>
+        </p:nvSpPr>
+        <p:spPr>
+          <a:xfrm>
+            <a:off x="3124200" y="5207000"/>
+            <a:ext cx="3124200" cy="914400"/>
+          </a:xfrm>
+          <a:prstGeom prst="rect">
+            <a:avLst/>
+          </a:prstGeom>
+        </p:spPr>
+        <p:style>
+          <a:lnRef idx="2">
+            <a:schemeClr val="accent1">
+              <a:shade val="50000"/>
+            </a:schemeClr>
+          </a:lnRef>
+          <a:fillRef idx="1">
+            <a:schemeClr val="accent1"/>
+          </a:fillRef>
+          <a:effectRef idx="0">
+            <a:schemeClr val="accent1"/>
+          </a:effectRef>
+          <a:fontRef idx="minor">
+            <a:schemeClr val="lt1"/>
+          </a:fontRef>
+        </p:style>
+        <p:txBody>
+          <a:bodyPr rtlCol="0" anchor="ctr"/>
+          <a:lstStyle/>
+          <a:p>
+            <a:pPr algn="ctr"/>
+            <a:r>
+              <a:rPr lang="en-US" dirty="0"/>
+              <a:t>Actor</a:t>
+            </a:r>
+          </a:p>
+        </p:txBody>
+      </p:sp>
+      <p:graphicFrame>
+        <p:nvGraphicFramePr>
+          <p:cNvPr id="6" name="Diagram 5"/>
+          <p:cNvGraphicFramePr/>
+          <p:nvPr>
+            <p:extLst>
+              <p:ext uri="{D42A27DB-BD31-4B8C-83A1-F6EECF244321}">
+                <p14:modId xmlns:p14="http://schemas.microsoft.com/office/powerpoint/2010/main" val="2425453664"/>
+              </p:ext>
+            </p:extLst>
+          </p:nvPr>
+        </p:nvGraphicFramePr>
+        <p:xfrm>
+          <a:off x="3124200" y="1524000"/>
+          <a:ext cx="3124200" cy="3022600"/>
+        </p:xfrm>
+        <a:graphic>
+          <a:graphicData uri="http://schemas.openxmlformats.org/drawingml/2006/diagram">
+            <dgm:relIds xmlns:dgm="http://schemas.openxmlformats.org/drawingml/2006/diagram" xmlns:r="http://schemas.openxmlformats.org/officeDocument/2006/relationships" r:dm="rId2" r:lo="rId3" r:qs="rId4" r:cs="rId5"/>
+          </a:graphicData>
+        </a:graphic>
+      </p:graphicFrame>
+      <p:sp>
+        <p:nvSpPr>
+          <p:cNvPr id="8" name="Right Brace 7"/>
+          <p:cNvSpPr/>
+          <p:nvPr/>
+        </p:nvSpPr>
+        <p:spPr>
+          <a:xfrm>
+            <a:off x="6248400" y="1524000"/>
+            <a:ext cx="1219200" cy="3022600"/>
+          </a:xfrm>
+          <a:prstGeom prst="rightBrace">
+            <a:avLst/>
+          </a:prstGeom>
+        </p:spPr>
+        <p:style>
+          <a:lnRef idx="1">
+            <a:schemeClr val="accent1"/>
+          </a:lnRef>
+          <a:fillRef idx="0">
+            <a:schemeClr val="accent1"/>
+          </a:fillRef>
+          <a:effectRef idx="0">
+            <a:schemeClr val="accent1"/>
+          </a:effectRef>
+          <a:fontRef idx="minor">
+            <a:schemeClr val="tx1"/>
+          </a:fontRef>
+        </p:style>
+        <p:txBody>
+          <a:bodyPr rtlCol="0" anchor="ctr"/>
+          <a:lstStyle/>
+          <a:p>
+            <a:pPr algn="ctr"/>
+            <a:endParaRPr lang="en-US"/>
+          </a:p>
+        </p:txBody>
+      </p:sp>
+      <p:sp>
+        <p:nvSpPr>
+          <p:cNvPr id="9" name="TextBox 8"/>
+          <p:cNvSpPr txBox="1"/>
+          <p:nvPr/>
+        </p:nvSpPr>
+        <p:spPr>
+          <a:xfrm rot="16200000">
+            <a:off x="6305250" y="2896802"/>
+            <a:ext cx="3022600" cy="276999"/>
+          </a:xfrm>
+          <a:prstGeom prst="rect">
+            <a:avLst/>
+          </a:prstGeom>
+          <a:noFill/>
+        </p:spPr>
+        <p:txBody>
+          <a:bodyPr wrap="square" rtlCol="0">
+            <a:spAutoFit/>
+          </a:bodyPr>
+          <a:lstStyle/>
+          <a:p>
+            <a:pPr algn="ctr"/>
+            <a:r>
+              <a:rPr lang="en-US" sz="1200" dirty="0"/>
+              <a:t>FIFO Queue Managed by Service Fabric</a:t>
+            </a:r>
+          </a:p>
+        </p:txBody>
+      </p:sp>
+      <p:sp>
+        <p:nvSpPr>
+          <p:cNvPr id="10" name="Oval 9"/>
+          <p:cNvSpPr/>
+          <p:nvPr/>
+        </p:nvSpPr>
+        <p:spPr>
+          <a:xfrm>
+            <a:off x="990600" y="609600"/>
+            <a:ext cx="609600" cy="609600"/>
+          </a:xfrm>
+          <a:prstGeom prst="ellipse">
+            <a:avLst/>
+          </a:prstGeom>
+        </p:spPr>
+        <p:style>
+          <a:lnRef idx="2">
+            <a:schemeClr val="accent1">
+              <a:shade val="50000"/>
+            </a:schemeClr>
+          </a:lnRef>
+          <a:fillRef idx="1">
+            <a:schemeClr val="accent1"/>
+          </a:fillRef>
+          <a:effectRef idx="0">
+            <a:schemeClr val="accent1"/>
+          </a:effectRef>
+          <a:fontRef idx="minor">
+            <a:schemeClr val="lt1"/>
+          </a:fontRef>
+        </p:style>
+        <p:txBody>
+          <a:bodyPr rtlCol="0" anchor="ctr"/>
+          <a:lstStyle/>
+          <a:p>
+            <a:pPr algn="ctr"/>
+            <a:endParaRPr lang="en-US"/>
+          </a:p>
+        </p:txBody>
+      </p:sp>
+      <p:cxnSp>
+        <p:nvCxnSpPr>
+          <p:cNvPr id="12" name="Elbow Connector 11"/>
+          <p:cNvCxnSpPr>
+            <a:stCxn id="10" idx="6"/>
+            <a:endCxn id="6" idx="0"/>
+          </p:cNvCxnSpPr>
+          <p:nvPr/>
+        </p:nvCxnSpPr>
+        <p:spPr>
+          <a:xfrm>
+            <a:off x="1600200" y="914400"/>
+            <a:ext cx="3086100" cy="609600"/>
+          </a:xfrm>
+          <a:prstGeom prst="bentConnector2">
+            <a:avLst/>
+          </a:prstGeom>
+          <a:ln>
+            <a:headEnd type="none"/>
+            <a:tailEnd type="triangle"/>
+          </a:ln>
+        </p:spPr>
+        <p:style>
+          <a:lnRef idx="1">
+            <a:schemeClr val="accent1"/>
+          </a:lnRef>
+          <a:fillRef idx="0">
+            <a:schemeClr val="accent1"/>
+          </a:fillRef>
+          <a:effectRef idx="0">
+            <a:schemeClr val="accent1"/>
+          </a:effectRef>
+          <a:fontRef idx="minor">
+            <a:schemeClr val="tx1"/>
+          </a:fontRef>
+        </p:style>
+      </p:cxnSp>
+      <p:sp>
+        <p:nvSpPr>
+          <p:cNvPr id="13" name="TextBox 12"/>
+          <p:cNvSpPr txBox="1"/>
+          <p:nvPr/>
+        </p:nvSpPr>
+        <p:spPr>
+          <a:xfrm>
+            <a:off x="1676400" y="609600"/>
+            <a:ext cx="3276600" cy="276999"/>
+          </a:xfrm>
+          <a:prstGeom prst="rect">
+            <a:avLst/>
+          </a:prstGeom>
+          <a:noFill/>
+        </p:spPr>
+        <p:txBody>
+          <a:bodyPr wrap="square" rtlCol="0">
+            <a:spAutoFit/>
+          </a:bodyPr>
+          <a:lstStyle/>
+          <a:p>
+            <a:pPr algn="ctr"/>
+            <a:r>
+              <a:rPr lang="en-US" sz="1200" dirty="0"/>
+              <a:t>The client Queues  up the request and waits!!!</a:t>
+            </a:r>
+          </a:p>
+        </p:txBody>
+      </p:sp>
+      <p:cxnSp>
+        <p:nvCxnSpPr>
+          <p:cNvPr id="15" name="Straight Arrow Connector 14"/>
+          <p:cNvCxnSpPr>
+            <a:endCxn id="3" idx="0"/>
+          </p:cNvCxnSpPr>
+          <p:nvPr/>
+        </p:nvCxnSpPr>
+        <p:spPr>
+          <a:xfrm>
+            <a:off x="4686300" y="4546600"/>
+            <a:ext cx="0" cy="660400"/>
+          </a:xfrm>
+          <a:prstGeom prst="straightConnector1">
+            <a:avLst/>
+          </a:prstGeom>
+          <a:ln>
+            <a:tailEnd type="triangle"/>
+          </a:ln>
+        </p:spPr>
+        <p:style>
+          <a:lnRef idx="1">
+            <a:schemeClr val="accent1"/>
+          </a:lnRef>
+          <a:fillRef idx="0">
+            <a:schemeClr val="accent1"/>
+          </a:fillRef>
+          <a:effectRef idx="0">
+            <a:schemeClr val="accent1"/>
+          </a:effectRef>
+          <a:fontRef idx="minor">
+            <a:schemeClr val="tx1"/>
+          </a:fontRef>
+        </p:style>
+      </p:cxnSp>
+      <p:cxnSp>
+        <p:nvCxnSpPr>
+          <p:cNvPr id="5" name="Elbow Connector 4"/>
+          <p:cNvCxnSpPr>
+            <a:stCxn id="3" idx="1"/>
+            <a:endCxn id="10" idx="4"/>
+          </p:cNvCxnSpPr>
+          <p:nvPr/>
+        </p:nvCxnSpPr>
+        <p:spPr>
+          <a:xfrm rot="10800000">
+            <a:off x="1295400" y="1219200"/>
+            <a:ext cx="1828800" cy="4445000"/>
+          </a:xfrm>
+          <a:prstGeom prst="bentConnector2">
+            <a:avLst/>
+          </a:prstGeom>
+          <a:ln>
+            <a:tailEnd type="triangle"/>
+          </a:ln>
+        </p:spPr>
+        <p:style>
+          <a:lnRef idx="1">
+            <a:schemeClr val="accent1"/>
+          </a:lnRef>
+          <a:fillRef idx="0">
+            <a:schemeClr val="accent1"/>
+          </a:fillRef>
+          <a:effectRef idx="0">
+            <a:schemeClr val="accent1"/>
+          </a:effectRef>
+          <a:fontRef idx="minor">
+            <a:schemeClr val="tx1"/>
+          </a:fontRef>
+        </p:style>
+      </p:cxnSp>
+      <p:sp>
+        <p:nvSpPr>
+          <p:cNvPr id="14" name="TextBox 13"/>
+          <p:cNvSpPr txBox="1"/>
+          <p:nvPr/>
+        </p:nvSpPr>
+        <p:spPr>
+          <a:xfrm>
+            <a:off x="19050" y="3035300"/>
+            <a:ext cx="2590800" cy="646331"/>
+          </a:xfrm>
+          <a:prstGeom prst="rect">
+            <a:avLst/>
+          </a:prstGeom>
+          <a:solidFill>
+            <a:schemeClr val="bg1">
+              <a:lumMod val="95000"/>
+            </a:schemeClr>
+          </a:solidFill>
+        </p:spPr>
+        <p:txBody>
+          <a:bodyPr wrap="square" rtlCol="0">
+            <a:spAutoFit/>
+          </a:bodyPr>
+          <a:lstStyle/>
+          <a:p>
+            <a:pPr algn="ctr"/>
+            <a:r>
+              <a:rPr lang="en-US" sz="1200" dirty="0"/>
+              <a:t>In retrieve methods, the client must wait until the request is processed by the actor</a:t>
+            </a:r>
+          </a:p>
+        </p:txBody>
+      </p:sp>
+    </p:spTree>
+    <p:extLst>
+      <p:ext uri="{BB962C8B-B14F-4D97-AF65-F5344CB8AC3E}">
+        <p14:creationId xmlns:p14="http://schemas.microsoft.com/office/powerpoint/2010/main" val="751263954"/>
       </p:ext>
     </p:extLst>
   </p:cSld>

--- a/illustrations/illustrations.pptx
+++ b/illustrations/illustrations.pptx
@@ -5,7 +5,7 @@
     <p:sldMasterId id="2147483648" r:id="rId1"/>
   </p:sldMasterIdLst>
   <p:notesMasterIdLst>
-    <p:notesMasterId r:id="rId17"/>
+    <p:notesMasterId r:id="rId18"/>
   </p:notesMasterIdLst>
   <p:sldIdLst>
     <p:sldId id="574" r:id="rId2"/>
@@ -23,6 +23,7 @@
     <p:sldId id="586" r:id="rId14"/>
     <p:sldId id="587" r:id="rId15"/>
     <p:sldId id="588" r:id="rId16"/>
+    <p:sldId id="589" r:id="rId17"/>
   </p:sldIdLst>
   <p:sldSz cx="9144000" cy="6858000" type="screen4x3"/>
   <p:notesSz cx="6858000" cy="9144000"/>
@@ -1977,22 +1978,22 @@
     </dgm:pt>
   </dgm:ptLst>
   <dgm:cxnLst>
+    <dgm:cxn modelId="{6F36FE41-029D-49FF-83B1-373D29A2262C}" type="presOf" srcId="{B1C23AF6-BE31-4914-818C-D393C108EC10}" destId="{37BA5629-FAFC-412A-90CD-731215C7A978}" srcOrd="0" destOrd="0" presId="urn:microsoft.com/office/officeart/2005/8/layout/process4"/>
+    <dgm:cxn modelId="{5FD16841-95BF-4B41-A4E7-AE6413BC0FB4}" srcId="{DEFEEA8C-B625-46EB-80FD-8036FD4F5303}" destId="{66C197CC-BD55-4780-96DB-FFC14484B6F4}" srcOrd="0" destOrd="0" parTransId="{4B100D52-6AC8-4E7A-B2E0-9BE05AA4D77F}" sibTransId="{5BC94DCE-9E38-44EB-9E41-46759D062B81}"/>
+    <dgm:cxn modelId="{8960B50A-8489-4BB3-ADB4-23568788FC4A}" type="presOf" srcId="{AF5DDCCF-7B53-4A4C-B16E-39CF90B0B9F2}" destId="{5392887C-2905-4E40-8FF8-A9BCA74D5336}" srcOrd="0" destOrd="0" presId="urn:microsoft.com/office/officeart/2005/8/layout/process4"/>
+    <dgm:cxn modelId="{3727209C-D399-49BA-975D-34906BF26614}" type="presOf" srcId="{D67728B6-92E8-4009-AF69-2D48B766590A}" destId="{D0E5A419-A8C3-4EF2-B67D-F59D92AFFF5C}" srcOrd="0" destOrd="0" presId="urn:microsoft.com/office/officeart/2005/8/layout/process4"/>
+    <dgm:cxn modelId="{B7A6575D-38FD-4DB9-804B-6161B9C31898}" type="presOf" srcId="{DEFEEA8C-B625-46EB-80FD-8036FD4F5303}" destId="{6BB44E00-F442-4F25-9FE5-5B179876D08F}" srcOrd="0" destOrd="0" presId="urn:microsoft.com/office/officeart/2005/8/layout/process4"/>
     <dgm:cxn modelId="{A09F15EC-1400-4F16-9959-003918DF7A7E}" type="presOf" srcId="{BCACD718-32BE-45F5-A691-B9EE3D302E1E}" destId="{698DB033-4727-4E3C-BCFC-6EC35C5DF62E}" srcOrd="0" destOrd="0" presId="urn:microsoft.com/office/officeart/2005/8/layout/process4"/>
+    <dgm:cxn modelId="{FABF78A1-B7CE-4C9C-99A2-14A03F8BCD47}" type="presOf" srcId="{66C197CC-BD55-4780-96DB-FFC14484B6F4}" destId="{54A6DB46-4E13-4153-BD8C-D6279691D80C}" srcOrd="0" destOrd="0" presId="urn:microsoft.com/office/officeart/2005/8/layout/process4"/>
+    <dgm:cxn modelId="{EB4A50D6-95CB-4D43-A4F7-D35E4A73B5D4}" srcId="{F99380A9-B668-449B-920D-51F879F1D912}" destId="{DEFEEA8C-B625-46EB-80FD-8036FD4F5303}" srcOrd="2" destOrd="0" parTransId="{EDBDE7BE-D6D0-4703-A2B0-226A24124F33}" sibTransId="{8C34E643-4E2F-427D-B1B8-4EF161F3BA87}"/>
+    <dgm:cxn modelId="{2C0F271A-9DC3-4874-8512-544D4DA2466A}" srcId="{BCACD718-32BE-45F5-A691-B9EE3D302E1E}" destId="{B1C23AF6-BE31-4914-818C-D393C108EC10}" srcOrd="0" destOrd="0" parTransId="{C223CFEE-25DD-43D7-A029-7F94691B435F}" sibTransId="{7E469D0A-54AF-4D30-9C2F-77F6AC72E6D1}"/>
+    <dgm:cxn modelId="{E42AB08B-CCF6-485D-B438-83FFAEE130A0}" type="presOf" srcId="{AF5DDCCF-7B53-4A4C-B16E-39CF90B0B9F2}" destId="{99145A6D-7000-4445-B530-229FB8F1789A}" srcOrd="1" destOrd="0" presId="urn:microsoft.com/office/officeart/2005/8/layout/process4"/>
+    <dgm:cxn modelId="{EDD64CC0-B960-4961-A8CA-E2C259E9C0C3}" type="presOf" srcId="{DEFEEA8C-B625-46EB-80FD-8036FD4F5303}" destId="{9631F43F-71D5-439A-86EB-4907586BC29B}" srcOrd="1" destOrd="0" presId="urn:microsoft.com/office/officeart/2005/8/layout/process4"/>
     <dgm:cxn modelId="{4BB6292B-DD56-48D3-9197-BBA14AF5C9A7}" srcId="{F99380A9-B668-449B-920D-51F879F1D912}" destId="{BCACD718-32BE-45F5-A691-B9EE3D302E1E}" srcOrd="1" destOrd="0" parTransId="{24AA74BD-90C3-4800-A1A3-D270A267950D}" sibTransId="{499878E2-56A0-48DF-8DFC-116485555A64}"/>
-    <dgm:cxn modelId="{E42AB08B-CCF6-485D-B438-83FFAEE130A0}" type="presOf" srcId="{AF5DDCCF-7B53-4A4C-B16E-39CF90B0B9F2}" destId="{99145A6D-7000-4445-B530-229FB8F1789A}" srcOrd="1" destOrd="0" presId="urn:microsoft.com/office/officeart/2005/8/layout/process4"/>
-    <dgm:cxn modelId="{B7A6575D-38FD-4DB9-804B-6161B9C31898}" type="presOf" srcId="{DEFEEA8C-B625-46EB-80FD-8036FD4F5303}" destId="{6BB44E00-F442-4F25-9FE5-5B179876D08F}" srcOrd="0" destOrd="0" presId="urn:microsoft.com/office/officeart/2005/8/layout/process4"/>
-    <dgm:cxn modelId="{6F36FE41-029D-49FF-83B1-373D29A2262C}" type="presOf" srcId="{B1C23AF6-BE31-4914-818C-D393C108EC10}" destId="{37BA5629-FAFC-412A-90CD-731215C7A978}" srcOrd="0" destOrd="0" presId="urn:microsoft.com/office/officeart/2005/8/layout/process4"/>
-    <dgm:cxn modelId="{60284354-1283-4E49-8A2A-6BDAF10A67EC}" type="presOf" srcId="{BCACD718-32BE-45F5-A691-B9EE3D302E1E}" destId="{BF6C8519-5E48-48CB-BE06-DDDDCA6D630D}" srcOrd="1" destOrd="0" presId="urn:microsoft.com/office/officeart/2005/8/layout/process4"/>
-    <dgm:cxn modelId="{2C0F271A-9DC3-4874-8512-544D4DA2466A}" srcId="{BCACD718-32BE-45F5-A691-B9EE3D302E1E}" destId="{B1C23AF6-BE31-4914-818C-D393C108EC10}" srcOrd="0" destOrd="0" parTransId="{C223CFEE-25DD-43D7-A029-7F94691B435F}" sibTransId="{7E469D0A-54AF-4D30-9C2F-77F6AC72E6D1}"/>
-    <dgm:cxn modelId="{EDD64CC0-B960-4961-A8CA-E2C259E9C0C3}" type="presOf" srcId="{DEFEEA8C-B625-46EB-80FD-8036FD4F5303}" destId="{9631F43F-71D5-439A-86EB-4907586BC29B}" srcOrd="1" destOrd="0" presId="urn:microsoft.com/office/officeart/2005/8/layout/process4"/>
-    <dgm:cxn modelId="{3727209C-D399-49BA-975D-34906BF26614}" type="presOf" srcId="{D67728B6-92E8-4009-AF69-2D48B766590A}" destId="{D0E5A419-A8C3-4EF2-B67D-F59D92AFFF5C}" srcOrd="0" destOrd="0" presId="urn:microsoft.com/office/officeart/2005/8/layout/process4"/>
-    <dgm:cxn modelId="{FABF78A1-B7CE-4C9C-99A2-14A03F8BCD47}" type="presOf" srcId="{66C197CC-BD55-4780-96DB-FFC14484B6F4}" destId="{54A6DB46-4E13-4153-BD8C-D6279691D80C}" srcOrd="0" destOrd="0" presId="urn:microsoft.com/office/officeart/2005/8/layout/process4"/>
-    <dgm:cxn modelId="{8960B50A-8489-4BB3-ADB4-23568788FC4A}" type="presOf" srcId="{AF5DDCCF-7B53-4A4C-B16E-39CF90B0B9F2}" destId="{5392887C-2905-4E40-8FF8-A9BCA74D5336}" srcOrd="0" destOrd="0" presId="urn:microsoft.com/office/officeart/2005/8/layout/process4"/>
-    <dgm:cxn modelId="{5FD16841-95BF-4B41-A4E7-AE6413BC0FB4}" srcId="{DEFEEA8C-B625-46EB-80FD-8036FD4F5303}" destId="{66C197CC-BD55-4780-96DB-FFC14484B6F4}" srcOrd="0" destOrd="0" parTransId="{4B100D52-6AC8-4E7A-B2E0-9BE05AA4D77F}" sibTransId="{5BC94DCE-9E38-44EB-9E41-46759D062B81}"/>
-    <dgm:cxn modelId="{8A78FD57-467D-48C8-A90D-A3736DD1D8A7}" type="presOf" srcId="{F99380A9-B668-449B-920D-51F879F1D912}" destId="{42A4C1D8-DA21-497B-AD89-C3F1BD36FC1F}" srcOrd="0" destOrd="0" presId="urn:microsoft.com/office/officeart/2005/8/layout/process4"/>
     <dgm:cxn modelId="{51035011-0488-4BE7-A87A-2C3725D7D1F3}" srcId="{AF5DDCCF-7B53-4A4C-B16E-39CF90B0B9F2}" destId="{D67728B6-92E8-4009-AF69-2D48B766590A}" srcOrd="0" destOrd="0" parTransId="{9CAA8F85-7896-4A6C-95BD-5F459416FE75}" sibTransId="{37B92E8C-6F31-4F44-83F6-FAA9B09C5FE2}"/>
     <dgm:cxn modelId="{048A2377-7277-4D45-94BD-550681A57AB6}" srcId="{F99380A9-B668-449B-920D-51F879F1D912}" destId="{AF5DDCCF-7B53-4A4C-B16E-39CF90B0B9F2}" srcOrd="0" destOrd="0" parTransId="{8C8E70BC-9E4D-4023-A47E-827D82FC4EDA}" sibTransId="{7C380EF4-200F-4795-B540-E1B1F36C0852}"/>
-    <dgm:cxn modelId="{EB4A50D6-95CB-4D43-A4F7-D35E4A73B5D4}" srcId="{F99380A9-B668-449B-920D-51F879F1D912}" destId="{DEFEEA8C-B625-46EB-80FD-8036FD4F5303}" srcOrd="2" destOrd="0" parTransId="{EDBDE7BE-D6D0-4703-A2B0-226A24124F33}" sibTransId="{8C34E643-4E2F-427D-B1B8-4EF161F3BA87}"/>
+    <dgm:cxn modelId="{8A78FD57-467D-48C8-A90D-A3736DD1D8A7}" type="presOf" srcId="{F99380A9-B668-449B-920D-51F879F1D912}" destId="{42A4C1D8-DA21-497B-AD89-C3F1BD36FC1F}" srcOrd="0" destOrd="0" presId="urn:microsoft.com/office/officeart/2005/8/layout/process4"/>
+    <dgm:cxn modelId="{60284354-1283-4E49-8A2A-6BDAF10A67EC}" type="presOf" srcId="{BCACD718-32BE-45F5-A691-B9EE3D302E1E}" destId="{BF6C8519-5E48-48CB-BE06-DDDDCA6D630D}" srcOrd="1" destOrd="0" presId="urn:microsoft.com/office/officeart/2005/8/layout/process4"/>
     <dgm:cxn modelId="{FF4C1400-1108-4DCE-9371-BE6F1C78C323}" type="presParOf" srcId="{42A4C1D8-DA21-497B-AD89-C3F1BD36FC1F}" destId="{AB831EBA-42C9-42E3-BE38-860137BBD197}" srcOrd="0" destOrd="0" presId="urn:microsoft.com/office/officeart/2005/8/layout/process4"/>
     <dgm:cxn modelId="{9D6C4966-9CCD-4422-B42E-DA5FBBF2378A}" type="presParOf" srcId="{AB831EBA-42C9-42E3-BE38-860137BBD197}" destId="{6BB44E00-F442-4F25-9FE5-5B179876D08F}" srcOrd="0" destOrd="0" presId="urn:microsoft.com/office/officeart/2005/8/layout/process4"/>
     <dgm:cxn modelId="{6A4D93F8-7C42-4481-98C9-2F6A513766FF}" type="presParOf" srcId="{AB831EBA-42C9-42E3-BE38-860137BBD197}" destId="{9631F43F-71D5-439A-86EB-4907586BC29B}" srcOrd="1" destOrd="0" presId="urn:microsoft.com/office/officeart/2005/8/layout/process4"/>
@@ -2353,8 +2354,8 @@
     <dgm:cxn modelId="{5FD16841-95BF-4B41-A4E7-AE6413BC0FB4}" srcId="{DEFEEA8C-B625-46EB-80FD-8036FD4F5303}" destId="{66C197CC-BD55-4780-96DB-FFC14484B6F4}" srcOrd="0" destOrd="0" parTransId="{4B100D52-6AC8-4E7A-B2E0-9BE05AA4D77F}" sibTransId="{5BC94DCE-9E38-44EB-9E41-46759D062B81}"/>
     <dgm:cxn modelId="{B7A6575D-38FD-4DB9-804B-6161B9C31898}" type="presOf" srcId="{DEFEEA8C-B625-46EB-80FD-8036FD4F5303}" destId="{6BB44E00-F442-4F25-9FE5-5B179876D08F}" srcOrd="0" destOrd="0" presId="urn:microsoft.com/office/officeart/2005/8/layout/process4"/>
     <dgm:cxn modelId="{3727209C-D399-49BA-975D-34906BF26614}" type="presOf" srcId="{D67728B6-92E8-4009-AF69-2D48B766590A}" destId="{D0E5A419-A8C3-4EF2-B67D-F59D92AFFF5C}" srcOrd="0" destOrd="0" presId="urn:microsoft.com/office/officeart/2005/8/layout/process4"/>
+    <dgm:cxn modelId="{A09F15EC-1400-4F16-9959-003918DF7A7E}" type="presOf" srcId="{BCACD718-32BE-45F5-A691-B9EE3D302E1E}" destId="{698DB033-4727-4E3C-BCFC-6EC35C5DF62E}" srcOrd="0" destOrd="0" presId="urn:microsoft.com/office/officeart/2005/8/layout/process4"/>
     <dgm:cxn modelId="{E42AB08B-CCF6-485D-B438-83FFAEE130A0}" type="presOf" srcId="{AF5DDCCF-7B53-4A4C-B16E-39CF90B0B9F2}" destId="{99145A6D-7000-4445-B530-229FB8F1789A}" srcOrd="1" destOrd="0" presId="urn:microsoft.com/office/officeart/2005/8/layout/process4"/>
-    <dgm:cxn modelId="{A09F15EC-1400-4F16-9959-003918DF7A7E}" type="presOf" srcId="{BCACD718-32BE-45F5-A691-B9EE3D302E1E}" destId="{698DB033-4727-4E3C-BCFC-6EC35C5DF62E}" srcOrd="0" destOrd="0" presId="urn:microsoft.com/office/officeart/2005/8/layout/process4"/>
     <dgm:cxn modelId="{60284354-1283-4E49-8A2A-6BDAF10A67EC}" type="presOf" srcId="{BCACD718-32BE-45F5-A691-B9EE3D302E1E}" destId="{BF6C8519-5E48-48CB-BE06-DDDDCA6D630D}" srcOrd="1" destOrd="0" presId="urn:microsoft.com/office/officeart/2005/8/layout/process4"/>
     <dgm:cxn modelId="{EDD64CC0-B960-4961-A8CA-E2C259E9C0C3}" type="presOf" srcId="{DEFEEA8C-B625-46EB-80FD-8036FD4F5303}" destId="{9631F43F-71D5-439A-86EB-4907586BC29B}" srcOrd="1" destOrd="0" presId="urn:microsoft.com/office/officeart/2005/8/layout/process4"/>
     <dgm:cxn modelId="{8A78FD57-467D-48C8-A90D-A3736DD1D8A7}" type="presOf" srcId="{F99380A9-B668-449B-920D-51F879F1D912}" destId="{42A4C1D8-DA21-497B-AD89-C3F1BD36FC1F}" srcOrd="0" destOrd="0" presId="urn:microsoft.com/office/officeart/2005/8/layout/process4"/>
@@ -6204,7 +6205,7 @@
             <a:fld id="{1C54B592-DDDB-4FBB-91F2-233647701935}" type="datetimeFigureOut">
               <a:rPr lang="en-US" smtClean="0"/>
               <a:pPr/>
-              <a:t>5/29/2016</a:t>
+              <a:t>12/5/2016</a:t>
             </a:fld>
             <a:endParaRPr lang="en-US" dirty="0"/>
           </a:p>
@@ -6759,7 +6760,7 @@
           <a:p>
             <a:fld id="{C7AE018C-EBF3-4294-9E53-BB9692A1B238}" type="datetime1">
               <a:rPr lang="en-US" smtClean="0"/>
-              <a:t>5/29/2016</a:t>
+              <a:t>12/5/2016</a:t>
             </a:fld>
             <a:endParaRPr lang="en-US" dirty="0"/>
           </a:p>
@@ -6914,7 +6915,7 @@
           <a:p>
             <a:fld id="{AC5D3C69-66A1-4D00-B513-42CC0FCC59B6}" type="datetime1">
               <a:rPr lang="en-US" smtClean="0"/>
-              <a:t>5/29/2016</a:t>
+              <a:t>12/5/2016</a:t>
             </a:fld>
             <a:endParaRPr lang="en-US" dirty="0"/>
           </a:p>
@@ -7010,7 +7011,7 @@
           <a:p>
             <a:fld id="{DF081C4C-367B-4CA1-BFE5-DD5EF40A8C1E}" type="datetime1">
               <a:rPr lang="en-US" smtClean="0"/>
-              <a:t>5/29/2016</a:t>
+              <a:t>12/5/2016</a:t>
             </a:fld>
             <a:endParaRPr lang="en-US" dirty="0"/>
           </a:p>
@@ -7298,7 +7299,7 @@
           <a:p>
             <a:fld id="{7284FD7A-D0F1-4BFD-9AB1-D45A3214561B}" type="datetime1">
               <a:rPr lang="en-US" smtClean="0"/>
-              <a:t>5/29/2016</a:t>
+              <a:t>12/5/2016</a:t>
             </a:fld>
             <a:endParaRPr lang="en-US" dirty="0"/>
           </a:p>
@@ -7592,7 +7593,7 @@
           <a:p>
             <a:fld id="{7C1E8470-7002-4B16-912E-F3381BBFC303}" type="datetime1">
               <a:rPr lang="en-US" smtClean="0"/>
-              <a:t>5/29/2016</a:t>
+              <a:t>12/5/2016</a:t>
             </a:fld>
             <a:endParaRPr lang="en-US" dirty="0"/>
           </a:p>
@@ -8020,7 +8021,7 @@
           <a:p>
             <a:fld id="{2668835A-C4A1-487E-A7B8-3E3B6A85266C}" type="datetime1">
               <a:rPr lang="en-US" smtClean="0"/>
-              <a:t>5/29/2016</a:t>
+              <a:t>12/5/2016</a:t>
             </a:fld>
             <a:endParaRPr lang="en-US" dirty="0"/>
           </a:p>
@@ -8116,7 +8117,7 @@
           <a:p>
             <a:fld id="{83E71AAB-E703-47FE-974E-9D2B932F9534}" type="datetime1">
               <a:rPr lang="en-US" smtClean="0"/>
-              <a:t>5/29/2016</a:t>
+              <a:t>12/5/2016</a:t>
             </a:fld>
             <a:endParaRPr lang="en-US" dirty="0"/>
           </a:p>
@@ -8301,7 +8302,7 @@
           <a:p>
             <a:fld id="{C6C74358-98AB-4C1A-82FF-49E7FEE02080}" type="datetime1">
               <a:rPr lang="en-US" smtClean="0"/>
-              <a:t>5/29/2016</a:t>
+              <a:t>12/5/2016</a:t>
             </a:fld>
             <a:endParaRPr lang="en-US" dirty="0"/>
           </a:p>
@@ -11155,7 +11156,7 @@
                   </a:extLst>
                 </a:gridCol>
               </a:tblGrid>
-              <a:tr h="294640">
+              <a:tr h="365760">
                 <a:tc>
                   <a:txBody>
                     <a:bodyPr/>
@@ -11209,6 +11210,1367 @@
                   </a:extLst>
                 </a:gridCol>
               </a:tblGrid>
+              <a:tr h="365760">
+                <a:tc>
+                  <a:txBody>
+                    <a:bodyPr/>
+                    <a:lstStyle/>
+                    <a:p>
+                      <a:r>
+                        <a:rPr lang="en-US" dirty="0"/>
+                        <a:t>1</a:t>
+                      </a:r>
+                    </a:p>
+                  </a:txBody>
+                  <a:tcPr/>
+                </a:tc>
+                <a:extLst>
+                  <a:ext uri="{0D108BD9-81ED-4DB2-BD59-A6C34878D82A}">
+                    <a16:rowId xmlns:a16="http://schemas.microsoft.com/office/drawing/2014/main" val="1705318490"/>
+                  </a:ext>
+                </a:extLst>
+              </a:tr>
+            </a:tbl>
+          </a:graphicData>
+        </a:graphic>
+      </p:graphicFrame>
+      <p:sp>
+        <p:nvSpPr>
+          <p:cNvPr id="8" name="Rectangle 7"/>
+          <p:cNvSpPr/>
+          <p:nvPr/>
+        </p:nvSpPr>
+        <p:spPr>
+          <a:xfrm>
+            <a:off x="4325516" y="457200"/>
+            <a:ext cx="1447800" cy="1371600"/>
+          </a:xfrm>
+          <a:prstGeom prst="rect">
+            <a:avLst/>
+          </a:prstGeom>
+        </p:spPr>
+        <p:style>
+          <a:lnRef idx="1">
+            <a:schemeClr val="dk1"/>
+          </a:lnRef>
+          <a:fillRef idx="2">
+            <a:schemeClr val="dk1"/>
+          </a:fillRef>
+          <a:effectRef idx="1">
+            <a:schemeClr val="dk1"/>
+          </a:effectRef>
+          <a:fontRef idx="minor">
+            <a:schemeClr val="dk1"/>
+          </a:fontRef>
+        </p:style>
+        <p:txBody>
+          <a:bodyPr rtlCol="0" anchor="ctr"/>
+          <a:lstStyle/>
+          <a:p>
+            <a:pPr algn="ctr"/>
+            <a:r>
+              <a:rPr lang="en-US" dirty="0"/>
+              <a:t>DATA SCREEN LEVEL 2</a:t>
+            </a:r>
+          </a:p>
+        </p:txBody>
+      </p:sp>
+      <p:sp>
+        <p:nvSpPr>
+          <p:cNvPr id="9" name="Rectangle 8"/>
+          <p:cNvSpPr/>
+          <p:nvPr/>
+        </p:nvSpPr>
+        <p:spPr>
+          <a:xfrm>
+            <a:off x="6288832" y="457200"/>
+            <a:ext cx="1447800" cy="1371600"/>
+          </a:xfrm>
+          <a:prstGeom prst="rect">
+            <a:avLst/>
+          </a:prstGeom>
+        </p:spPr>
+        <p:style>
+          <a:lnRef idx="1">
+            <a:schemeClr val="dk1"/>
+          </a:lnRef>
+          <a:fillRef idx="2">
+            <a:schemeClr val="dk1"/>
+          </a:fillRef>
+          <a:effectRef idx="1">
+            <a:schemeClr val="dk1"/>
+          </a:effectRef>
+          <a:fontRef idx="minor">
+            <a:schemeClr val="dk1"/>
+          </a:fontRef>
+        </p:style>
+        <p:txBody>
+          <a:bodyPr rtlCol="0" anchor="ctr"/>
+          <a:lstStyle/>
+          <a:p>
+            <a:pPr algn="ctr"/>
+            <a:r>
+              <a:rPr lang="en-US" dirty="0"/>
+              <a:t>DATA SCREEN LEVEL 3</a:t>
+            </a:r>
+          </a:p>
+        </p:txBody>
+      </p:sp>
+      <p:graphicFrame>
+        <p:nvGraphicFramePr>
+          <p:cNvPr id="10" name="Table 9"/>
+          <p:cNvGraphicFramePr>
+            <a:graphicFrameLocks noGrp="1"/>
+          </p:cNvGraphicFramePr>
+          <p:nvPr>
+            <p:extLst>
+              <p:ext uri="{D42A27DB-BD31-4B8C-83A1-F6EECF244321}">
+                <p14:modId xmlns:p14="http://schemas.microsoft.com/office/powerpoint/2010/main" val="1457566905"/>
+              </p:ext>
+            </p:extLst>
+          </p:nvPr>
+        </p:nvGraphicFramePr>
+        <p:xfrm>
+          <a:off x="5345663" y="2563430"/>
+          <a:ext cx="1447800" cy="731520"/>
+        </p:xfrm>
+        <a:graphic>
+          <a:graphicData uri="http://schemas.openxmlformats.org/drawingml/2006/table">
+            <a:tbl>
+              <a:tblPr firstRow="1" bandRow="1">
+                <a:tableStyleId>{5C22544A-7EE6-4342-B048-85BDC9FD1C3A}</a:tableStyleId>
+              </a:tblPr>
+              <a:tblGrid>
+                <a:gridCol w="1447800">
+                  <a:extLst>
+                    <a:ext uri="{9D8B030D-6E8A-4147-A177-3AD203B41FA5}">
+                      <a16:colId xmlns:a16="http://schemas.microsoft.com/office/drawing/2014/main" val="1657470181"/>
+                    </a:ext>
+                  </a:extLst>
+                </a:gridCol>
+              </a:tblGrid>
+              <a:tr h="365760">
+                <a:tc>
+                  <a:txBody>
+                    <a:bodyPr/>
+                    <a:lstStyle/>
+                    <a:p>
+                      <a:r>
+                        <a:rPr lang="en-US" dirty="0"/>
+                        <a:t>1</a:t>
+                      </a:r>
+                    </a:p>
+                  </a:txBody>
+                  <a:tcPr/>
+                </a:tc>
+                <a:extLst>
+                  <a:ext uri="{0D108BD9-81ED-4DB2-BD59-A6C34878D82A}">
+                    <a16:rowId xmlns:a16="http://schemas.microsoft.com/office/drawing/2014/main" val="1705318490"/>
+                  </a:ext>
+                </a:extLst>
+              </a:tr>
+              <a:tr h="365760">
+                <a:tc>
+                  <a:txBody>
+                    <a:bodyPr/>
+                    <a:lstStyle/>
+                    <a:p>
+                      <a:r>
+                        <a:rPr lang="en-US" dirty="0"/>
+                        <a:t>2</a:t>
+                      </a:r>
+                    </a:p>
+                  </a:txBody>
+                  <a:tcPr/>
+                </a:tc>
+                <a:extLst>
+                  <a:ext uri="{0D108BD9-81ED-4DB2-BD59-A6C34878D82A}">
+                    <a16:rowId xmlns:a16="http://schemas.microsoft.com/office/drawing/2014/main" val="2049377669"/>
+                  </a:ext>
+                </a:extLst>
+              </a:tr>
+            </a:tbl>
+          </a:graphicData>
+        </a:graphic>
+      </p:graphicFrame>
+      <p:graphicFrame>
+        <p:nvGraphicFramePr>
+          <p:cNvPr id="11" name="Table 10"/>
+          <p:cNvGraphicFramePr>
+            <a:graphicFrameLocks noGrp="1"/>
+          </p:cNvGraphicFramePr>
+          <p:nvPr>
+            <p:extLst>
+              <p:ext uri="{D42A27DB-BD31-4B8C-83A1-F6EECF244321}">
+                <p14:modId xmlns:p14="http://schemas.microsoft.com/office/powerpoint/2010/main" val="2213426084"/>
+              </p:ext>
+            </p:extLst>
+          </p:nvPr>
+        </p:nvGraphicFramePr>
+        <p:xfrm>
+          <a:off x="7353300" y="2560320"/>
+          <a:ext cx="1447800" cy="1097280"/>
+        </p:xfrm>
+        <a:graphic>
+          <a:graphicData uri="http://schemas.openxmlformats.org/drawingml/2006/table">
+            <a:tbl>
+              <a:tblPr firstRow="1" bandRow="1">
+                <a:tableStyleId>{5C22544A-7EE6-4342-B048-85BDC9FD1C3A}</a:tableStyleId>
+              </a:tblPr>
+              <a:tblGrid>
+                <a:gridCol w="1447800">
+                  <a:extLst>
+                    <a:ext uri="{9D8B030D-6E8A-4147-A177-3AD203B41FA5}">
+                      <a16:colId xmlns:a16="http://schemas.microsoft.com/office/drawing/2014/main" val="1657470181"/>
+                    </a:ext>
+                  </a:extLst>
+                </a:gridCol>
+              </a:tblGrid>
+              <a:tr h="365760">
+                <a:tc>
+                  <a:txBody>
+                    <a:bodyPr/>
+                    <a:lstStyle/>
+                    <a:p>
+                      <a:r>
+                        <a:rPr lang="en-US" dirty="0"/>
+                        <a:t>1</a:t>
+                      </a:r>
+                    </a:p>
+                  </a:txBody>
+                  <a:tcPr/>
+                </a:tc>
+                <a:extLst>
+                  <a:ext uri="{0D108BD9-81ED-4DB2-BD59-A6C34878D82A}">
+                    <a16:rowId xmlns:a16="http://schemas.microsoft.com/office/drawing/2014/main" val="1705318490"/>
+                  </a:ext>
+                </a:extLst>
+              </a:tr>
+              <a:tr h="365760">
+                <a:tc>
+                  <a:txBody>
+                    <a:bodyPr/>
+                    <a:lstStyle/>
+                    <a:p>
+                      <a:r>
+                        <a:rPr lang="en-US" dirty="0"/>
+                        <a:t>2</a:t>
+                      </a:r>
+                    </a:p>
+                  </a:txBody>
+                  <a:tcPr/>
+                </a:tc>
+                <a:extLst>
+                  <a:ext uri="{0D108BD9-81ED-4DB2-BD59-A6C34878D82A}">
+                    <a16:rowId xmlns:a16="http://schemas.microsoft.com/office/drawing/2014/main" val="4215921882"/>
+                  </a:ext>
+                </a:extLst>
+              </a:tr>
+              <a:tr h="365760">
+                <a:tc>
+                  <a:txBody>
+                    <a:bodyPr/>
+                    <a:lstStyle/>
+                    <a:p>
+                      <a:r>
+                        <a:rPr lang="en-US" dirty="0"/>
+                        <a:t>3</a:t>
+                      </a:r>
+                    </a:p>
+                  </a:txBody>
+                  <a:tcPr/>
+                </a:tc>
+                <a:extLst>
+                  <a:ext uri="{0D108BD9-81ED-4DB2-BD59-A6C34878D82A}">
+                    <a16:rowId xmlns:a16="http://schemas.microsoft.com/office/drawing/2014/main" val="1420056192"/>
+                  </a:ext>
+                </a:extLst>
+              </a:tr>
+            </a:tbl>
+          </a:graphicData>
+        </a:graphic>
+      </p:graphicFrame>
+      <p:cxnSp>
+        <p:nvCxnSpPr>
+          <p:cNvPr id="16" name="Elbow Connector 15"/>
+          <p:cNvCxnSpPr>
+            <a:stCxn id="3" idx="3"/>
+            <a:endCxn id="5" idx="0"/>
+          </p:cNvCxnSpPr>
+          <p:nvPr/>
+        </p:nvCxnSpPr>
+        <p:spPr>
+          <a:xfrm>
+            <a:off x="1676400" y="1143000"/>
+            <a:ext cx="304800" cy="1420430"/>
+          </a:xfrm>
+          <a:prstGeom prst="bentConnector2">
+            <a:avLst/>
+          </a:prstGeom>
+          <a:ln>
+            <a:tailEnd type="triangle"/>
+          </a:ln>
+        </p:spPr>
+        <p:style>
+          <a:lnRef idx="1">
+            <a:schemeClr val="accent1"/>
+          </a:lnRef>
+          <a:fillRef idx="0">
+            <a:schemeClr val="accent1"/>
+          </a:fillRef>
+          <a:effectRef idx="0">
+            <a:schemeClr val="accent1"/>
+          </a:effectRef>
+          <a:fontRef idx="minor">
+            <a:schemeClr val="tx1"/>
+          </a:fontRef>
+        </p:style>
+      </p:cxnSp>
+      <p:cxnSp>
+        <p:nvCxnSpPr>
+          <p:cNvPr id="18" name="Elbow Connector 17"/>
+          <p:cNvCxnSpPr>
+            <a:stCxn id="4" idx="3"/>
+            <a:endCxn id="7" idx="0"/>
+          </p:cNvCxnSpPr>
+          <p:nvPr/>
+        </p:nvCxnSpPr>
+        <p:spPr>
+          <a:xfrm>
+            <a:off x="3810000" y="1143000"/>
+            <a:ext cx="266700" cy="1417320"/>
+          </a:xfrm>
+          <a:prstGeom prst="bentConnector2">
+            <a:avLst/>
+          </a:prstGeom>
+          <a:ln>
+            <a:tailEnd type="triangle"/>
+          </a:ln>
+        </p:spPr>
+        <p:style>
+          <a:lnRef idx="1">
+            <a:schemeClr val="accent1"/>
+          </a:lnRef>
+          <a:fillRef idx="0">
+            <a:schemeClr val="accent1"/>
+          </a:fillRef>
+          <a:effectRef idx="0">
+            <a:schemeClr val="accent1"/>
+          </a:effectRef>
+          <a:fontRef idx="minor">
+            <a:schemeClr val="tx1"/>
+          </a:fontRef>
+        </p:style>
+      </p:cxnSp>
+      <p:cxnSp>
+        <p:nvCxnSpPr>
+          <p:cNvPr id="20" name="Elbow Connector 19"/>
+          <p:cNvCxnSpPr>
+            <a:stCxn id="8" idx="3"/>
+            <a:endCxn id="10" idx="0"/>
+          </p:cNvCxnSpPr>
+          <p:nvPr/>
+        </p:nvCxnSpPr>
+        <p:spPr>
+          <a:xfrm>
+            <a:off x="5773316" y="1143000"/>
+            <a:ext cx="296247" cy="1420430"/>
+          </a:xfrm>
+          <a:prstGeom prst="bentConnector2">
+            <a:avLst/>
+          </a:prstGeom>
+          <a:ln>
+            <a:tailEnd type="triangle"/>
+          </a:ln>
+        </p:spPr>
+        <p:style>
+          <a:lnRef idx="1">
+            <a:schemeClr val="accent1"/>
+          </a:lnRef>
+          <a:fillRef idx="0">
+            <a:schemeClr val="accent1"/>
+          </a:fillRef>
+          <a:effectRef idx="0">
+            <a:schemeClr val="accent1"/>
+          </a:effectRef>
+          <a:fontRef idx="minor">
+            <a:schemeClr val="tx1"/>
+          </a:fontRef>
+        </p:style>
+      </p:cxnSp>
+      <p:cxnSp>
+        <p:nvCxnSpPr>
+          <p:cNvPr id="22" name="Elbow Connector 21"/>
+          <p:cNvCxnSpPr>
+            <a:stCxn id="9" idx="3"/>
+            <a:endCxn id="11" idx="0"/>
+          </p:cNvCxnSpPr>
+          <p:nvPr/>
+        </p:nvCxnSpPr>
+        <p:spPr>
+          <a:xfrm>
+            <a:off x="7736632" y="1143000"/>
+            <a:ext cx="340568" cy="1417320"/>
+          </a:xfrm>
+          <a:prstGeom prst="bentConnector2">
+            <a:avLst/>
+          </a:prstGeom>
+          <a:ln>
+            <a:tailEnd type="triangle"/>
+          </a:ln>
+        </p:spPr>
+        <p:style>
+          <a:lnRef idx="1">
+            <a:schemeClr val="accent1"/>
+          </a:lnRef>
+          <a:fillRef idx="0">
+            <a:schemeClr val="accent1"/>
+          </a:fillRef>
+          <a:effectRef idx="0">
+            <a:schemeClr val="accent1"/>
+          </a:effectRef>
+          <a:fontRef idx="minor">
+            <a:schemeClr val="tx1"/>
+          </a:fontRef>
+        </p:style>
+      </p:cxnSp>
+      <p:sp>
+        <p:nvSpPr>
+          <p:cNvPr id="23" name="Right Arrow 22"/>
+          <p:cNvSpPr/>
+          <p:nvPr/>
+        </p:nvSpPr>
+        <p:spPr>
+          <a:xfrm>
+            <a:off x="1844350" y="609600"/>
+            <a:ext cx="381000" cy="381000"/>
+          </a:xfrm>
+          <a:prstGeom prst="rightArrow">
+            <a:avLst/>
+          </a:prstGeom>
+        </p:spPr>
+        <p:style>
+          <a:lnRef idx="2">
+            <a:schemeClr val="accent1">
+              <a:shade val="50000"/>
+            </a:schemeClr>
+          </a:lnRef>
+          <a:fillRef idx="1">
+            <a:schemeClr val="accent1"/>
+          </a:fillRef>
+          <a:effectRef idx="0">
+            <a:schemeClr val="accent1"/>
+          </a:effectRef>
+          <a:fontRef idx="minor">
+            <a:schemeClr val="lt1"/>
+          </a:fontRef>
+        </p:style>
+        <p:txBody>
+          <a:bodyPr rtlCol="0" anchor="ctr"/>
+          <a:lstStyle/>
+          <a:p>
+            <a:pPr algn="ctr"/>
+            <a:endParaRPr lang="en-US"/>
+          </a:p>
+        </p:txBody>
+      </p:sp>
+      <p:sp>
+        <p:nvSpPr>
+          <p:cNvPr id="24" name="Right Arrow 23"/>
+          <p:cNvSpPr/>
+          <p:nvPr/>
+        </p:nvSpPr>
+        <p:spPr>
+          <a:xfrm>
+            <a:off x="3868316" y="609600"/>
+            <a:ext cx="381000" cy="381000"/>
+          </a:xfrm>
+          <a:prstGeom prst="rightArrow">
+            <a:avLst/>
+          </a:prstGeom>
+        </p:spPr>
+        <p:style>
+          <a:lnRef idx="2">
+            <a:schemeClr val="accent1">
+              <a:shade val="50000"/>
+            </a:schemeClr>
+          </a:lnRef>
+          <a:fillRef idx="1">
+            <a:schemeClr val="accent1"/>
+          </a:fillRef>
+          <a:effectRef idx="0">
+            <a:schemeClr val="accent1"/>
+          </a:effectRef>
+          <a:fontRef idx="minor">
+            <a:schemeClr val="lt1"/>
+          </a:fontRef>
+        </p:style>
+        <p:txBody>
+          <a:bodyPr rtlCol="0" anchor="ctr"/>
+          <a:lstStyle/>
+          <a:p>
+            <a:pPr algn="ctr"/>
+            <a:endParaRPr lang="en-US"/>
+          </a:p>
+        </p:txBody>
+      </p:sp>
+      <p:sp>
+        <p:nvSpPr>
+          <p:cNvPr id="25" name="Right Arrow 24"/>
+          <p:cNvSpPr/>
+          <p:nvPr/>
+        </p:nvSpPr>
+        <p:spPr>
+          <a:xfrm>
+            <a:off x="5840574" y="609600"/>
+            <a:ext cx="381000" cy="381000"/>
+          </a:xfrm>
+          <a:prstGeom prst="rightArrow">
+            <a:avLst/>
+          </a:prstGeom>
+        </p:spPr>
+        <p:style>
+          <a:lnRef idx="2">
+            <a:schemeClr val="accent1">
+              <a:shade val="50000"/>
+            </a:schemeClr>
+          </a:lnRef>
+          <a:fillRef idx="1">
+            <a:schemeClr val="accent1"/>
+          </a:fillRef>
+          <a:effectRef idx="0">
+            <a:schemeClr val="accent1"/>
+          </a:effectRef>
+          <a:fontRef idx="minor">
+            <a:schemeClr val="lt1"/>
+          </a:fontRef>
+        </p:style>
+        <p:txBody>
+          <a:bodyPr rtlCol="0" anchor="ctr"/>
+          <a:lstStyle/>
+          <a:p>
+            <a:pPr algn="ctr"/>
+            <a:endParaRPr lang="en-US"/>
+          </a:p>
+        </p:txBody>
+      </p:sp>
+      <p:sp>
+        <p:nvSpPr>
+          <p:cNvPr id="27" name="TextBox 26"/>
+          <p:cNvSpPr txBox="1"/>
+          <p:nvPr/>
+        </p:nvSpPr>
+        <p:spPr>
+          <a:xfrm>
+            <a:off x="1152331" y="2201583"/>
+            <a:ext cx="990600" cy="276999"/>
+          </a:xfrm>
+          <a:prstGeom prst="rect">
+            <a:avLst/>
+          </a:prstGeom>
+          <a:noFill/>
+        </p:spPr>
+        <p:txBody>
+          <a:bodyPr wrap="square" rtlCol="0">
+            <a:spAutoFit/>
+          </a:bodyPr>
+          <a:lstStyle/>
+          <a:p>
+            <a:pPr algn="ctr"/>
+            <a:r>
+              <a:rPr lang="en-US" sz="1200" dirty="0"/>
+              <a:t>Clear</a:t>
+            </a:r>
+          </a:p>
+        </p:txBody>
+      </p:sp>
+      <p:sp>
+        <p:nvSpPr>
+          <p:cNvPr id="28" name="TextBox 27"/>
+          <p:cNvSpPr txBox="1"/>
+          <p:nvPr/>
+        </p:nvSpPr>
+        <p:spPr>
+          <a:xfrm>
+            <a:off x="3152969" y="2226369"/>
+            <a:ext cx="990600" cy="276999"/>
+          </a:xfrm>
+          <a:prstGeom prst="rect">
+            <a:avLst/>
+          </a:prstGeom>
+          <a:noFill/>
+        </p:spPr>
+        <p:txBody>
+          <a:bodyPr wrap="square" rtlCol="0">
+            <a:spAutoFit/>
+          </a:bodyPr>
+          <a:lstStyle/>
+          <a:p>
+            <a:pPr algn="ctr"/>
+            <a:r>
+              <a:rPr lang="en-US" sz="1200" dirty="0"/>
+              <a:t>Push 1</a:t>
+            </a:r>
+          </a:p>
+        </p:txBody>
+      </p:sp>
+      <p:sp>
+        <p:nvSpPr>
+          <p:cNvPr id="29" name="TextBox 28"/>
+          <p:cNvSpPr txBox="1"/>
+          <p:nvPr/>
+        </p:nvSpPr>
+        <p:spPr>
+          <a:xfrm>
+            <a:off x="5049416" y="2197814"/>
+            <a:ext cx="990600" cy="276999"/>
+          </a:xfrm>
+          <a:prstGeom prst="rect">
+            <a:avLst/>
+          </a:prstGeom>
+          <a:noFill/>
+        </p:spPr>
+        <p:txBody>
+          <a:bodyPr wrap="square" rtlCol="0">
+            <a:spAutoFit/>
+          </a:bodyPr>
+          <a:lstStyle/>
+          <a:p>
+            <a:pPr algn="ctr"/>
+            <a:r>
+              <a:rPr lang="en-US" sz="1200" dirty="0"/>
+              <a:t>Push 2</a:t>
+            </a:r>
+          </a:p>
+        </p:txBody>
+      </p:sp>
+      <p:sp>
+        <p:nvSpPr>
+          <p:cNvPr id="30" name="TextBox 29"/>
+          <p:cNvSpPr txBox="1"/>
+          <p:nvPr/>
+        </p:nvSpPr>
+        <p:spPr>
+          <a:xfrm>
+            <a:off x="7124700" y="2202037"/>
+            <a:ext cx="990600" cy="276999"/>
+          </a:xfrm>
+          <a:prstGeom prst="rect">
+            <a:avLst/>
+          </a:prstGeom>
+          <a:noFill/>
+        </p:spPr>
+        <p:txBody>
+          <a:bodyPr wrap="square" rtlCol="0">
+            <a:spAutoFit/>
+          </a:bodyPr>
+          <a:lstStyle/>
+          <a:p>
+            <a:pPr algn="ctr"/>
+            <a:r>
+              <a:rPr lang="en-US" sz="1200" dirty="0"/>
+              <a:t>Push 3</a:t>
+            </a:r>
+          </a:p>
+        </p:txBody>
+      </p:sp>
+      <p:sp>
+        <p:nvSpPr>
+          <p:cNvPr id="31" name="Rectangle 30"/>
+          <p:cNvSpPr/>
+          <p:nvPr/>
+        </p:nvSpPr>
+        <p:spPr>
+          <a:xfrm>
+            <a:off x="228600" y="4309656"/>
+            <a:ext cx="1447800" cy="1371600"/>
+          </a:xfrm>
+          <a:prstGeom prst="rect">
+            <a:avLst/>
+          </a:prstGeom>
+        </p:spPr>
+        <p:style>
+          <a:lnRef idx="1">
+            <a:schemeClr val="dk1"/>
+          </a:lnRef>
+          <a:fillRef idx="2">
+            <a:schemeClr val="dk1"/>
+          </a:fillRef>
+          <a:effectRef idx="1">
+            <a:schemeClr val="dk1"/>
+          </a:effectRef>
+          <a:fontRef idx="minor">
+            <a:schemeClr val="dk1"/>
+          </a:fontRef>
+        </p:style>
+        <p:txBody>
+          <a:bodyPr rtlCol="0" anchor="ctr"/>
+          <a:lstStyle/>
+          <a:p>
+            <a:pPr algn="ctr"/>
+            <a:r>
+              <a:rPr lang="en-US" dirty="0"/>
+              <a:t>INITIAL SCREEN</a:t>
+            </a:r>
+          </a:p>
+        </p:txBody>
+      </p:sp>
+      <p:sp>
+        <p:nvSpPr>
+          <p:cNvPr id="32" name="Rectangle 31"/>
+          <p:cNvSpPr/>
+          <p:nvPr/>
+        </p:nvSpPr>
+        <p:spPr>
+          <a:xfrm>
+            <a:off x="2362200" y="4309656"/>
+            <a:ext cx="1447800" cy="1371600"/>
+          </a:xfrm>
+          <a:prstGeom prst="rect">
+            <a:avLst/>
+          </a:prstGeom>
+        </p:spPr>
+        <p:style>
+          <a:lnRef idx="1">
+            <a:schemeClr val="dk1"/>
+          </a:lnRef>
+          <a:fillRef idx="2">
+            <a:schemeClr val="dk1"/>
+          </a:fillRef>
+          <a:effectRef idx="1">
+            <a:schemeClr val="dk1"/>
+          </a:effectRef>
+          <a:fontRef idx="minor">
+            <a:schemeClr val="dk1"/>
+          </a:fontRef>
+        </p:style>
+        <p:txBody>
+          <a:bodyPr rtlCol="0" anchor="ctr"/>
+          <a:lstStyle/>
+          <a:p>
+            <a:pPr algn="ctr"/>
+            <a:r>
+              <a:rPr lang="en-US" dirty="0"/>
+              <a:t>DATA SCREEN LEVEL 1</a:t>
+            </a:r>
+          </a:p>
+        </p:txBody>
+      </p:sp>
+      <p:sp>
+        <p:nvSpPr>
+          <p:cNvPr id="33" name="Rectangle 32"/>
+          <p:cNvSpPr/>
+          <p:nvPr/>
+        </p:nvSpPr>
+        <p:spPr>
+          <a:xfrm>
+            <a:off x="4325516" y="4309656"/>
+            <a:ext cx="1447800" cy="1371600"/>
+          </a:xfrm>
+          <a:prstGeom prst="rect">
+            <a:avLst/>
+          </a:prstGeom>
+        </p:spPr>
+        <p:style>
+          <a:lnRef idx="1">
+            <a:schemeClr val="dk1"/>
+          </a:lnRef>
+          <a:fillRef idx="2">
+            <a:schemeClr val="dk1"/>
+          </a:fillRef>
+          <a:effectRef idx="1">
+            <a:schemeClr val="dk1"/>
+          </a:effectRef>
+          <a:fontRef idx="minor">
+            <a:schemeClr val="dk1"/>
+          </a:fontRef>
+        </p:style>
+        <p:txBody>
+          <a:bodyPr rtlCol="0" anchor="ctr"/>
+          <a:lstStyle/>
+          <a:p>
+            <a:pPr algn="ctr"/>
+            <a:r>
+              <a:rPr lang="en-US" dirty="0"/>
+              <a:t>DATA SCREEN LEVEL 2</a:t>
+            </a:r>
+          </a:p>
+        </p:txBody>
+      </p:sp>
+      <p:sp>
+        <p:nvSpPr>
+          <p:cNvPr id="34" name="Rectangle 33"/>
+          <p:cNvSpPr/>
+          <p:nvPr/>
+        </p:nvSpPr>
+        <p:spPr>
+          <a:xfrm>
+            <a:off x="6288832" y="4309656"/>
+            <a:ext cx="1447800" cy="1371600"/>
+          </a:xfrm>
+          <a:prstGeom prst="rect">
+            <a:avLst/>
+          </a:prstGeom>
+        </p:spPr>
+        <p:style>
+          <a:lnRef idx="1">
+            <a:schemeClr val="dk1"/>
+          </a:lnRef>
+          <a:fillRef idx="2">
+            <a:schemeClr val="dk1"/>
+          </a:fillRef>
+          <a:effectRef idx="1">
+            <a:schemeClr val="dk1"/>
+          </a:effectRef>
+          <a:fontRef idx="minor">
+            <a:schemeClr val="dk1"/>
+          </a:fontRef>
+        </p:style>
+        <p:txBody>
+          <a:bodyPr rtlCol="0" anchor="ctr"/>
+          <a:lstStyle/>
+          <a:p>
+            <a:pPr algn="ctr"/>
+            <a:r>
+              <a:rPr lang="en-US" dirty="0"/>
+              <a:t>DATA SCREEN LEVEL 3</a:t>
+            </a:r>
+          </a:p>
+        </p:txBody>
+      </p:sp>
+      <p:sp>
+        <p:nvSpPr>
+          <p:cNvPr id="35" name="Right Arrow 34"/>
+          <p:cNvSpPr/>
+          <p:nvPr/>
+        </p:nvSpPr>
+        <p:spPr>
+          <a:xfrm>
+            <a:off x="7812054" y="609600"/>
+            <a:ext cx="381000" cy="381000"/>
+          </a:xfrm>
+          <a:prstGeom prst="rightArrow">
+            <a:avLst/>
+          </a:prstGeom>
+        </p:spPr>
+        <p:style>
+          <a:lnRef idx="2">
+            <a:schemeClr val="accent1">
+              <a:shade val="50000"/>
+            </a:schemeClr>
+          </a:lnRef>
+          <a:fillRef idx="1">
+            <a:schemeClr val="accent1"/>
+          </a:fillRef>
+          <a:effectRef idx="0">
+            <a:schemeClr val="accent1"/>
+          </a:effectRef>
+          <a:fontRef idx="minor">
+            <a:schemeClr val="lt1"/>
+          </a:fontRef>
+        </p:style>
+        <p:txBody>
+          <a:bodyPr rtlCol="0" anchor="ctr"/>
+          <a:lstStyle/>
+          <a:p>
+            <a:pPr algn="ctr"/>
+            <a:endParaRPr lang="en-US"/>
+          </a:p>
+        </p:txBody>
+      </p:sp>
+      <p:cxnSp>
+        <p:nvCxnSpPr>
+          <p:cNvPr id="37" name="Elbow Connector 36"/>
+          <p:cNvCxnSpPr>
+            <a:stCxn id="34" idx="1"/>
+            <a:endCxn id="10" idx="2"/>
+          </p:cNvCxnSpPr>
+          <p:nvPr/>
+        </p:nvCxnSpPr>
+        <p:spPr>
+          <a:xfrm rot="10800000">
+            <a:off x="6069564" y="3294950"/>
+            <a:ext cx="219269" cy="1700506"/>
+          </a:xfrm>
+          <a:prstGeom prst="bentConnector2">
+            <a:avLst/>
+          </a:prstGeom>
+          <a:ln>
+            <a:headEnd type="triangle"/>
+            <a:tailEnd type="none"/>
+          </a:ln>
+        </p:spPr>
+        <p:style>
+          <a:lnRef idx="1">
+            <a:schemeClr val="accent1"/>
+          </a:lnRef>
+          <a:fillRef idx="0">
+            <a:schemeClr val="accent1"/>
+          </a:fillRef>
+          <a:effectRef idx="0">
+            <a:schemeClr val="accent1"/>
+          </a:effectRef>
+          <a:fontRef idx="minor">
+            <a:schemeClr val="tx1"/>
+          </a:fontRef>
+        </p:style>
+      </p:cxnSp>
+      <p:sp>
+        <p:nvSpPr>
+          <p:cNvPr id="38" name="TextBox 37"/>
+          <p:cNvSpPr txBox="1"/>
+          <p:nvPr/>
+        </p:nvSpPr>
+        <p:spPr>
+          <a:xfrm>
+            <a:off x="5086738" y="3360850"/>
+            <a:ext cx="990600" cy="276999"/>
+          </a:xfrm>
+          <a:prstGeom prst="rect">
+            <a:avLst/>
+          </a:prstGeom>
+          <a:noFill/>
+        </p:spPr>
+        <p:txBody>
+          <a:bodyPr wrap="square" rtlCol="0">
+            <a:spAutoFit/>
+          </a:bodyPr>
+          <a:lstStyle/>
+          <a:p>
+            <a:pPr algn="ctr"/>
+            <a:r>
+              <a:rPr lang="en-US" sz="1200" dirty="0"/>
+              <a:t>Pop 2</a:t>
+            </a:r>
+          </a:p>
+        </p:txBody>
+      </p:sp>
+      <p:cxnSp>
+        <p:nvCxnSpPr>
+          <p:cNvPr id="40" name="Elbow Connector 39"/>
+          <p:cNvCxnSpPr>
+            <a:stCxn id="33" idx="1"/>
+            <a:endCxn id="7" idx="2"/>
+          </p:cNvCxnSpPr>
+          <p:nvPr/>
+        </p:nvCxnSpPr>
+        <p:spPr>
+          <a:xfrm rot="10800000">
+            <a:off x="4076700" y="2926080"/>
+            <a:ext cx="248816" cy="2069376"/>
+          </a:xfrm>
+          <a:prstGeom prst="bentConnector2">
+            <a:avLst/>
+          </a:prstGeom>
+          <a:ln>
+            <a:headEnd type="triangle"/>
+            <a:tailEnd type="none"/>
+          </a:ln>
+        </p:spPr>
+        <p:style>
+          <a:lnRef idx="1">
+            <a:schemeClr val="accent1"/>
+          </a:lnRef>
+          <a:fillRef idx="0">
+            <a:schemeClr val="accent1"/>
+          </a:fillRef>
+          <a:effectRef idx="0">
+            <a:schemeClr val="accent1"/>
+          </a:effectRef>
+          <a:fontRef idx="minor">
+            <a:schemeClr val="tx1"/>
+          </a:fontRef>
+        </p:style>
+      </p:cxnSp>
+      <p:sp>
+        <p:nvSpPr>
+          <p:cNvPr id="41" name="TextBox 40"/>
+          <p:cNvSpPr txBox="1"/>
+          <p:nvPr/>
+        </p:nvSpPr>
+        <p:spPr>
+          <a:xfrm>
+            <a:off x="3170852" y="2991013"/>
+            <a:ext cx="990600" cy="276999"/>
+          </a:xfrm>
+          <a:prstGeom prst="rect">
+            <a:avLst/>
+          </a:prstGeom>
+          <a:noFill/>
+        </p:spPr>
+        <p:txBody>
+          <a:bodyPr wrap="square" rtlCol="0">
+            <a:spAutoFit/>
+          </a:bodyPr>
+          <a:lstStyle/>
+          <a:p>
+            <a:pPr algn="ctr"/>
+            <a:r>
+              <a:rPr lang="en-US" sz="1200" dirty="0"/>
+              <a:t>Pop 1</a:t>
+            </a:r>
+          </a:p>
+        </p:txBody>
+      </p:sp>
+      <p:sp>
+        <p:nvSpPr>
+          <p:cNvPr id="42" name="Right Arrow 41"/>
+          <p:cNvSpPr/>
+          <p:nvPr/>
+        </p:nvSpPr>
+        <p:spPr>
+          <a:xfrm rot="10800000">
+            <a:off x="5856914" y="5263756"/>
+            <a:ext cx="367736" cy="406301"/>
+          </a:xfrm>
+          <a:prstGeom prst="rightArrow">
+            <a:avLst/>
+          </a:prstGeom>
+        </p:spPr>
+        <p:style>
+          <a:lnRef idx="2">
+            <a:schemeClr val="accent1">
+              <a:shade val="50000"/>
+            </a:schemeClr>
+          </a:lnRef>
+          <a:fillRef idx="1">
+            <a:schemeClr val="accent1"/>
+          </a:fillRef>
+          <a:effectRef idx="0">
+            <a:schemeClr val="accent1"/>
+          </a:effectRef>
+          <a:fontRef idx="minor">
+            <a:schemeClr val="lt1"/>
+          </a:fontRef>
+        </p:style>
+        <p:txBody>
+          <a:bodyPr rtlCol="0" anchor="ctr"/>
+          <a:lstStyle/>
+          <a:p>
+            <a:pPr algn="ctr"/>
+            <a:endParaRPr lang="en-US"/>
+          </a:p>
+        </p:txBody>
+      </p:sp>
+      <p:sp>
+        <p:nvSpPr>
+          <p:cNvPr id="43" name="Right Arrow 42"/>
+          <p:cNvSpPr/>
+          <p:nvPr/>
+        </p:nvSpPr>
+        <p:spPr>
+          <a:xfrm rot="10800000">
+            <a:off x="3893598" y="5263757"/>
+            <a:ext cx="367736" cy="406301"/>
+          </a:xfrm>
+          <a:prstGeom prst="rightArrow">
+            <a:avLst/>
+          </a:prstGeom>
+        </p:spPr>
+        <p:style>
+          <a:lnRef idx="2">
+            <a:schemeClr val="accent1">
+              <a:shade val="50000"/>
+            </a:schemeClr>
+          </a:lnRef>
+          <a:fillRef idx="1">
+            <a:schemeClr val="accent1"/>
+          </a:fillRef>
+          <a:effectRef idx="0">
+            <a:schemeClr val="accent1"/>
+          </a:effectRef>
+          <a:fontRef idx="minor">
+            <a:schemeClr val="lt1"/>
+          </a:fontRef>
+        </p:style>
+        <p:txBody>
+          <a:bodyPr rtlCol="0" anchor="ctr"/>
+          <a:lstStyle/>
+          <a:p>
+            <a:pPr algn="ctr"/>
+            <a:endParaRPr lang="en-US"/>
+          </a:p>
+        </p:txBody>
+      </p:sp>
+      <p:sp>
+        <p:nvSpPr>
+          <p:cNvPr id="45" name="Left Brace 44"/>
+          <p:cNvSpPr/>
+          <p:nvPr/>
+        </p:nvSpPr>
+        <p:spPr>
+          <a:xfrm>
+            <a:off x="677248" y="2336313"/>
+            <a:ext cx="475084" cy="1473687"/>
+          </a:xfrm>
+          <a:prstGeom prst="leftBrace">
+            <a:avLst/>
+          </a:prstGeom>
+        </p:spPr>
+        <p:style>
+          <a:lnRef idx="1">
+            <a:schemeClr val="accent1"/>
+          </a:lnRef>
+          <a:fillRef idx="0">
+            <a:schemeClr val="accent1"/>
+          </a:fillRef>
+          <a:effectRef idx="0">
+            <a:schemeClr val="accent1"/>
+          </a:effectRef>
+          <a:fontRef idx="minor">
+            <a:schemeClr val="tx1"/>
+          </a:fontRef>
+        </p:style>
+        <p:txBody>
+          <a:bodyPr rtlCol="0" anchor="ctr"/>
+          <a:lstStyle/>
+          <a:p>
+            <a:pPr algn="ctr"/>
+            <a:endParaRPr lang="en-US"/>
+          </a:p>
+        </p:txBody>
+      </p:sp>
+      <p:sp>
+        <p:nvSpPr>
+          <p:cNvPr id="46" name="TextBox 45"/>
+          <p:cNvSpPr txBox="1"/>
+          <p:nvPr/>
+        </p:nvSpPr>
+        <p:spPr>
+          <a:xfrm>
+            <a:off x="-102635" y="2814935"/>
+            <a:ext cx="990600" cy="461665"/>
+          </a:xfrm>
+          <a:prstGeom prst="rect">
+            <a:avLst/>
+          </a:prstGeom>
+          <a:noFill/>
+        </p:spPr>
+        <p:txBody>
+          <a:bodyPr wrap="square" rtlCol="0">
+            <a:spAutoFit/>
+          </a:bodyPr>
+          <a:lstStyle/>
+          <a:p>
+            <a:pPr algn="ctr"/>
+            <a:r>
+              <a:rPr lang="en-US" sz="1200" dirty="0"/>
+              <a:t>Stack Collection</a:t>
+            </a:r>
+          </a:p>
+        </p:txBody>
+      </p:sp>
+    </p:spTree>
+    <p:extLst>
+      <p:ext uri="{BB962C8B-B14F-4D97-AF65-F5344CB8AC3E}">
+        <p14:creationId xmlns:p14="http://schemas.microsoft.com/office/powerpoint/2010/main" val="748101416"/>
+      </p:ext>
+    </p:extLst>
+  </p:cSld>
+  <p:clrMapOvr>
+    <a:masterClrMapping/>
+  </p:clrMapOvr>
+</p:sld>
+</file>
+
+<file path=ppt/slides/slide12.xml><?xml version="1.0" encoding="utf-8"?>
+<p:sld xmlns:a="http://schemas.openxmlformats.org/drawingml/2006/main" xmlns:r="http://schemas.openxmlformats.org/officeDocument/2006/relationships" xmlns:p="http://schemas.openxmlformats.org/presentationml/2006/main">
+  <p:cSld>
+    <p:spTree>
+      <p:nvGrpSpPr>
+        <p:cNvPr id="1" name=""/>
+        <p:cNvGrpSpPr/>
+        <p:nvPr/>
+      </p:nvGrpSpPr>
+      <p:grpSpPr>
+        <a:xfrm>
+          <a:off x="0" y="0"/>
+          <a:ext cx="0" cy="0"/>
+          <a:chOff x="0" y="0"/>
+          <a:chExt cx="0" cy="0"/>
+        </a:xfrm>
+      </p:grpSpPr>
+      <p:sp>
+        <p:nvSpPr>
+          <p:cNvPr id="2" name="Slide Number Placeholder 1"/>
+          <p:cNvSpPr>
+            <a:spLocks noGrp="1"/>
+          </p:cNvSpPr>
+          <p:nvPr>
+            <p:ph type="sldNum" sz="quarter" idx="12"/>
+          </p:nvPr>
+        </p:nvSpPr>
+        <p:spPr/>
+        <p:txBody>
+          <a:bodyPr/>
+          <a:lstStyle/>
+          <a:p>
+            <a:fld id="{7C65DD3B-8E90-4815-956E-D18D24CB454B}" type="slidenum">
+              <a:rPr lang="en-US" smtClean="0"/>
+              <a:pPr/>
+              <a:t>12</a:t>
+            </a:fld>
+            <a:endParaRPr lang="en-US" dirty="0"/>
+          </a:p>
+        </p:txBody>
+      </p:sp>
+      <p:sp>
+        <p:nvSpPr>
+          <p:cNvPr id="3" name="Rectangle 2"/>
+          <p:cNvSpPr/>
+          <p:nvPr/>
+        </p:nvSpPr>
+        <p:spPr>
+          <a:xfrm>
+            <a:off x="228600" y="457200"/>
+            <a:ext cx="1447800" cy="1371600"/>
+          </a:xfrm>
+          <a:prstGeom prst="rect">
+            <a:avLst/>
+          </a:prstGeom>
+        </p:spPr>
+        <p:style>
+          <a:lnRef idx="1">
+            <a:schemeClr val="dk1"/>
+          </a:lnRef>
+          <a:fillRef idx="2">
+            <a:schemeClr val="dk1"/>
+          </a:fillRef>
+          <a:effectRef idx="1">
+            <a:schemeClr val="dk1"/>
+          </a:effectRef>
+          <a:fontRef idx="minor">
+            <a:schemeClr val="dk1"/>
+          </a:fontRef>
+        </p:style>
+        <p:txBody>
+          <a:bodyPr rtlCol="0" anchor="ctr"/>
+          <a:lstStyle/>
+          <a:p>
+            <a:pPr algn="ctr"/>
+            <a:r>
+              <a:rPr lang="en-US" dirty="0"/>
+              <a:t>INITIAL SCREEN</a:t>
+            </a:r>
+          </a:p>
+        </p:txBody>
+      </p:sp>
+      <p:sp>
+        <p:nvSpPr>
+          <p:cNvPr id="4" name="Rectangle 3"/>
+          <p:cNvSpPr/>
+          <p:nvPr/>
+        </p:nvSpPr>
+        <p:spPr>
+          <a:xfrm>
+            <a:off x="2362200" y="457200"/>
+            <a:ext cx="1447800" cy="1371600"/>
+          </a:xfrm>
+          <a:prstGeom prst="rect">
+            <a:avLst/>
+          </a:prstGeom>
+        </p:spPr>
+        <p:style>
+          <a:lnRef idx="1">
+            <a:schemeClr val="dk1"/>
+          </a:lnRef>
+          <a:fillRef idx="2">
+            <a:schemeClr val="dk1"/>
+          </a:fillRef>
+          <a:effectRef idx="1">
+            <a:schemeClr val="dk1"/>
+          </a:effectRef>
+          <a:fontRef idx="minor">
+            <a:schemeClr val="dk1"/>
+          </a:fontRef>
+        </p:style>
+        <p:txBody>
+          <a:bodyPr rtlCol="0" anchor="ctr"/>
+          <a:lstStyle/>
+          <a:p>
+            <a:pPr algn="ctr"/>
+            <a:r>
+              <a:rPr lang="en-US" dirty="0"/>
+              <a:t>DATA SCREEN LEVEL 1</a:t>
+            </a:r>
+          </a:p>
+        </p:txBody>
+      </p:sp>
+      <p:graphicFrame>
+        <p:nvGraphicFramePr>
+          <p:cNvPr id="5" name="Table 4"/>
+          <p:cNvGraphicFramePr>
+            <a:graphicFrameLocks noGrp="1"/>
+          </p:cNvGraphicFramePr>
+          <p:nvPr/>
+        </p:nvGraphicFramePr>
+        <p:xfrm>
+          <a:off x="1257300" y="2563430"/>
+          <a:ext cx="1447800" cy="365760"/>
+        </p:xfrm>
+        <a:graphic>
+          <a:graphicData uri="http://schemas.openxmlformats.org/drawingml/2006/table">
+            <a:tbl>
+              <a:tblPr firstRow="1" bandRow="1">
+                <a:tableStyleId>{5C22544A-7EE6-4342-B048-85BDC9FD1C3A}</a:tableStyleId>
+              </a:tblPr>
+              <a:tblGrid>
+                <a:gridCol w="1447800">
+                  <a:extLst>
+                    <a:ext uri="{9D8B030D-6E8A-4147-A177-3AD203B41FA5}">
+                      <a16:colId xmlns:a16="http://schemas.microsoft.com/office/drawing/2014/main" val="1657470181"/>
+                    </a:ext>
+                  </a:extLst>
+                </a:gridCol>
+              </a:tblGrid>
+              <a:tr h="294640">
+                <a:tc>
+                  <a:txBody>
+                    <a:bodyPr/>
+                    <a:lstStyle/>
+                    <a:p>
+                      <a:endParaRPr lang="en-US" dirty="0"/>
+                    </a:p>
+                  </a:txBody>
+                  <a:tcPr/>
+                </a:tc>
+                <a:extLst>
+                  <a:ext uri="{0D108BD9-81ED-4DB2-BD59-A6C34878D82A}">
+                    <a16:rowId xmlns:a16="http://schemas.microsoft.com/office/drawing/2014/main" val="1705318490"/>
+                  </a:ext>
+                </a:extLst>
+              </a:tr>
+            </a:tbl>
+          </a:graphicData>
+        </a:graphic>
+      </p:graphicFrame>
+      <p:graphicFrame>
+        <p:nvGraphicFramePr>
+          <p:cNvPr id="7" name="Table 6"/>
+          <p:cNvGraphicFramePr>
+            <a:graphicFrameLocks noGrp="1"/>
+          </p:cNvGraphicFramePr>
+          <p:nvPr/>
+        </p:nvGraphicFramePr>
+        <p:xfrm>
+          <a:off x="3352800" y="2560320"/>
+          <a:ext cx="1447800" cy="365760"/>
+        </p:xfrm>
+        <a:graphic>
+          <a:graphicData uri="http://schemas.openxmlformats.org/drawingml/2006/table">
+            <a:tbl>
+              <a:tblPr firstRow="1" bandRow="1">
+                <a:tableStyleId>{5C22544A-7EE6-4342-B048-85BDC9FD1C3A}</a:tableStyleId>
+              </a:tblPr>
+              <a:tblGrid>
+                <a:gridCol w="1447800">
+                  <a:extLst>
+                    <a:ext uri="{9D8B030D-6E8A-4147-A177-3AD203B41FA5}">
+                      <a16:colId xmlns:a16="http://schemas.microsoft.com/office/drawing/2014/main" val="1657470181"/>
+                    </a:ext>
+                  </a:extLst>
+                </a:gridCol>
+              </a:tblGrid>
               <a:tr h="333518">
                 <a:tc>
                   <a:txBody>
@@ -11321,13 +12683,7 @@
           <p:cNvGraphicFramePr>
             <a:graphicFrameLocks noGrp="1"/>
           </p:cNvGraphicFramePr>
-          <p:nvPr>
-            <p:extLst>
-              <p:ext uri="{D42A27DB-BD31-4B8C-83A1-F6EECF244321}">
-                <p14:modId xmlns:p14="http://schemas.microsoft.com/office/powerpoint/2010/main" val="1457566905"/>
-              </p:ext>
-            </p:extLst>
-          </p:nvPr>
+          <p:nvPr/>
         </p:nvGraphicFramePr>
         <p:xfrm>
           <a:off x="5345663" y="2563430"/>
@@ -11398,13 +12754,7 @@
           <p:cNvGraphicFramePr>
             <a:graphicFrameLocks noGrp="1"/>
           </p:cNvGraphicFramePr>
-          <p:nvPr>
-            <p:extLst>
-              <p:ext uri="{D42A27DB-BD31-4B8C-83A1-F6EECF244321}">
-                <p14:modId xmlns:p14="http://schemas.microsoft.com/office/powerpoint/2010/main" val="2213426084"/>
-              </p:ext>
-            </p:extLst>
-          </p:nvPr>
+          <p:nvPr/>
         </p:nvGraphicFramePr>
         <p:xfrm>
           <a:off x="7353300" y="2560320"/>
@@ -12362,1355 +13712,6 @@
     </p:spTree>
     <p:extLst>
       <p:ext uri="{BB962C8B-B14F-4D97-AF65-F5344CB8AC3E}">
-        <p14:creationId xmlns:p14="http://schemas.microsoft.com/office/powerpoint/2010/main" val="748101416"/>
-      </p:ext>
-    </p:extLst>
-  </p:cSld>
-  <p:clrMapOvr>
-    <a:masterClrMapping/>
-  </p:clrMapOvr>
-</p:sld>
-</file>
-
-<file path=ppt/slides/slide12.xml><?xml version="1.0" encoding="utf-8"?>
-<p:sld xmlns:a="http://schemas.openxmlformats.org/drawingml/2006/main" xmlns:r="http://schemas.openxmlformats.org/officeDocument/2006/relationships" xmlns:p="http://schemas.openxmlformats.org/presentationml/2006/main">
-  <p:cSld>
-    <p:spTree>
-      <p:nvGrpSpPr>
-        <p:cNvPr id="1" name=""/>
-        <p:cNvGrpSpPr/>
-        <p:nvPr/>
-      </p:nvGrpSpPr>
-      <p:grpSpPr>
-        <a:xfrm>
-          <a:off x="0" y="0"/>
-          <a:ext cx="0" cy="0"/>
-          <a:chOff x="0" y="0"/>
-          <a:chExt cx="0" cy="0"/>
-        </a:xfrm>
-      </p:grpSpPr>
-      <p:sp>
-        <p:nvSpPr>
-          <p:cNvPr id="2" name="Slide Number Placeholder 1"/>
-          <p:cNvSpPr>
-            <a:spLocks noGrp="1"/>
-          </p:cNvSpPr>
-          <p:nvPr>
-            <p:ph type="sldNum" sz="quarter" idx="12"/>
-          </p:nvPr>
-        </p:nvSpPr>
-        <p:spPr/>
-        <p:txBody>
-          <a:bodyPr/>
-          <a:lstStyle/>
-          <a:p>
-            <a:fld id="{7C65DD3B-8E90-4815-956E-D18D24CB454B}" type="slidenum">
-              <a:rPr lang="en-US" smtClean="0"/>
-              <a:pPr/>
-              <a:t>12</a:t>
-            </a:fld>
-            <a:endParaRPr lang="en-US" dirty="0"/>
-          </a:p>
-        </p:txBody>
-      </p:sp>
-      <p:sp>
-        <p:nvSpPr>
-          <p:cNvPr id="3" name="Rectangle 2"/>
-          <p:cNvSpPr/>
-          <p:nvPr/>
-        </p:nvSpPr>
-        <p:spPr>
-          <a:xfrm>
-            <a:off x="228600" y="457200"/>
-            <a:ext cx="1447800" cy="1371600"/>
-          </a:xfrm>
-          <a:prstGeom prst="rect">
-            <a:avLst/>
-          </a:prstGeom>
-        </p:spPr>
-        <p:style>
-          <a:lnRef idx="1">
-            <a:schemeClr val="dk1"/>
-          </a:lnRef>
-          <a:fillRef idx="2">
-            <a:schemeClr val="dk1"/>
-          </a:fillRef>
-          <a:effectRef idx="1">
-            <a:schemeClr val="dk1"/>
-          </a:effectRef>
-          <a:fontRef idx="minor">
-            <a:schemeClr val="dk1"/>
-          </a:fontRef>
-        </p:style>
-        <p:txBody>
-          <a:bodyPr rtlCol="0" anchor="ctr"/>
-          <a:lstStyle/>
-          <a:p>
-            <a:pPr algn="ctr"/>
-            <a:r>
-              <a:rPr lang="en-US" dirty="0"/>
-              <a:t>INITIAL SCREEN</a:t>
-            </a:r>
-          </a:p>
-        </p:txBody>
-      </p:sp>
-      <p:sp>
-        <p:nvSpPr>
-          <p:cNvPr id="4" name="Rectangle 3"/>
-          <p:cNvSpPr/>
-          <p:nvPr/>
-        </p:nvSpPr>
-        <p:spPr>
-          <a:xfrm>
-            <a:off x="2362200" y="457200"/>
-            <a:ext cx="1447800" cy="1371600"/>
-          </a:xfrm>
-          <a:prstGeom prst="rect">
-            <a:avLst/>
-          </a:prstGeom>
-        </p:spPr>
-        <p:style>
-          <a:lnRef idx="1">
-            <a:schemeClr val="dk1"/>
-          </a:lnRef>
-          <a:fillRef idx="2">
-            <a:schemeClr val="dk1"/>
-          </a:fillRef>
-          <a:effectRef idx="1">
-            <a:schemeClr val="dk1"/>
-          </a:effectRef>
-          <a:fontRef idx="minor">
-            <a:schemeClr val="dk1"/>
-          </a:fontRef>
-        </p:style>
-        <p:txBody>
-          <a:bodyPr rtlCol="0" anchor="ctr"/>
-          <a:lstStyle/>
-          <a:p>
-            <a:pPr algn="ctr"/>
-            <a:r>
-              <a:rPr lang="en-US" dirty="0"/>
-              <a:t>DATA SCREEN LEVEL 1</a:t>
-            </a:r>
-          </a:p>
-        </p:txBody>
-      </p:sp>
-      <p:graphicFrame>
-        <p:nvGraphicFramePr>
-          <p:cNvPr id="5" name="Table 4"/>
-          <p:cNvGraphicFramePr>
-            <a:graphicFrameLocks noGrp="1"/>
-          </p:cNvGraphicFramePr>
-          <p:nvPr/>
-        </p:nvGraphicFramePr>
-        <p:xfrm>
-          <a:off x="1257300" y="2563430"/>
-          <a:ext cx="1447800" cy="365760"/>
-        </p:xfrm>
-        <a:graphic>
-          <a:graphicData uri="http://schemas.openxmlformats.org/drawingml/2006/table">
-            <a:tbl>
-              <a:tblPr firstRow="1" bandRow="1">
-                <a:tableStyleId>{5C22544A-7EE6-4342-B048-85BDC9FD1C3A}</a:tableStyleId>
-              </a:tblPr>
-              <a:tblGrid>
-                <a:gridCol w="1447800">
-                  <a:extLst>
-                    <a:ext uri="{9D8B030D-6E8A-4147-A177-3AD203B41FA5}">
-                      <a16:colId xmlns:a16="http://schemas.microsoft.com/office/drawing/2014/main" val="1657470181"/>
-                    </a:ext>
-                  </a:extLst>
-                </a:gridCol>
-              </a:tblGrid>
-              <a:tr h="294640">
-                <a:tc>
-                  <a:txBody>
-                    <a:bodyPr/>
-                    <a:lstStyle/>
-                    <a:p>
-                      <a:endParaRPr lang="en-US" dirty="0"/>
-                    </a:p>
-                  </a:txBody>
-                  <a:tcPr/>
-                </a:tc>
-                <a:extLst>
-                  <a:ext uri="{0D108BD9-81ED-4DB2-BD59-A6C34878D82A}">
-                    <a16:rowId xmlns:a16="http://schemas.microsoft.com/office/drawing/2014/main" val="1705318490"/>
-                  </a:ext>
-                </a:extLst>
-              </a:tr>
-            </a:tbl>
-          </a:graphicData>
-        </a:graphic>
-      </p:graphicFrame>
-      <p:graphicFrame>
-        <p:nvGraphicFramePr>
-          <p:cNvPr id="7" name="Table 6"/>
-          <p:cNvGraphicFramePr>
-            <a:graphicFrameLocks noGrp="1"/>
-          </p:cNvGraphicFramePr>
-          <p:nvPr/>
-        </p:nvGraphicFramePr>
-        <p:xfrm>
-          <a:off x="3352800" y="2560320"/>
-          <a:ext cx="1447800" cy="365760"/>
-        </p:xfrm>
-        <a:graphic>
-          <a:graphicData uri="http://schemas.openxmlformats.org/drawingml/2006/table">
-            <a:tbl>
-              <a:tblPr firstRow="1" bandRow="1">
-                <a:tableStyleId>{5C22544A-7EE6-4342-B048-85BDC9FD1C3A}</a:tableStyleId>
-              </a:tblPr>
-              <a:tblGrid>
-                <a:gridCol w="1447800">
-                  <a:extLst>
-                    <a:ext uri="{9D8B030D-6E8A-4147-A177-3AD203B41FA5}">
-                      <a16:colId xmlns:a16="http://schemas.microsoft.com/office/drawing/2014/main" val="1657470181"/>
-                    </a:ext>
-                  </a:extLst>
-                </a:gridCol>
-              </a:tblGrid>
-              <a:tr h="333518">
-                <a:tc>
-                  <a:txBody>
-                    <a:bodyPr/>
-                    <a:lstStyle/>
-                    <a:p>
-                      <a:r>
-                        <a:rPr lang="en-US" dirty="0"/>
-                        <a:t>1</a:t>
-                      </a:r>
-                    </a:p>
-                  </a:txBody>
-                  <a:tcPr/>
-                </a:tc>
-                <a:extLst>
-                  <a:ext uri="{0D108BD9-81ED-4DB2-BD59-A6C34878D82A}">
-                    <a16:rowId xmlns:a16="http://schemas.microsoft.com/office/drawing/2014/main" val="1705318490"/>
-                  </a:ext>
-                </a:extLst>
-              </a:tr>
-            </a:tbl>
-          </a:graphicData>
-        </a:graphic>
-      </p:graphicFrame>
-      <p:sp>
-        <p:nvSpPr>
-          <p:cNvPr id="8" name="Rectangle 7"/>
-          <p:cNvSpPr/>
-          <p:nvPr/>
-        </p:nvSpPr>
-        <p:spPr>
-          <a:xfrm>
-            <a:off x="4325516" y="457200"/>
-            <a:ext cx="1447800" cy="1371600"/>
-          </a:xfrm>
-          <a:prstGeom prst="rect">
-            <a:avLst/>
-          </a:prstGeom>
-        </p:spPr>
-        <p:style>
-          <a:lnRef idx="1">
-            <a:schemeClr val="dk1"/>
-          </a:lnRef>
-          <a:fillRef idx="2">
-            <a:schemeClr val="dk1"/>
-          </a:fillRef>
-          <a:effectRef idx="1">
-            <a:schemeClr val="dk1"/>
-          </a:effectRef>
-          <a:fontRef idx="minor">
-            <a:schemeClr val="dk1"/>
-          </a:fontRef>
-        </p:style>
-        <p:txBody>
-          <a:bodyPr rtlCol="0" anchor="ctr"/>
-          <a:lstStyle/>
-          <a:p>
-            <a:pPr algn="ctr"/>
-            <a:r>
-              <a:rPr lang="en-US" dirty="0"/>
-              <a:t>DATA SCREEN LEVEL 2</a:t>
-            </a:r>
-          </a:p>
-        </p:txBody>
-      </p:sp>
-      <p:sp>
-        <p:nvSpPr>
-          <p:cNvPr id="9" name="Rectangle 8"/>
-          <p:cNvSpPr/>
-          <p:nvPr/>
-        </p:nvSpPr>
-        <p:spPr>
-          <a:xfrm>
-            <a:off x="6288832" y="457200"/>
-            <a:ext cx="1447800" cy="1371600"/>
-          </a:xfrm>
-          <a:prstGeom prst="rect">
-            <a:avLst/>
-          </a:prstGeom>
-        </p:spPr>
-        <p:style>
-          <a:lnRef idx="1">
-            <a:schemeClr val="dk1"/>
-          </a:lnRef>
-          <a:fillRef idx="2">
-            <a:schemeClr val="dk1"/>
-          </a:fillRef>
-          <a:effectRef idx="1">
-            <a:schemeClr val="dk1"/>
-          </a:effectRef>
-          <a:fontRef idx="minor">
-            <a:schemeClr val="dk1"/>
-          </a:fontRef>
-        </p:style>
-        <p:txBody>
-          <a:bodyPr rtlCol="0" anchor="ctr"/>
-          <a:lstStyle/>
-          <a:p>
-            <a:pPr algn="ctr"/>
-            <a:r>
-              <a:rPr lang="en-US" dirty="0"/>
-              <a:t>DATA SCREEN LEVEL 3</a:t>
-            </a:r>
-          </a:p>
-        </p:txBody>
-      </p:sp>
-      <p:graphicFrame>
-        <p:nvGraphicFramePr>
-          <p:cNvPr id="10" name="Table 9"/>
-          <p:cNvGraphicFramePr>
-            <a:graphicFrameLocks noGrp="1"/>
-          </p:cNvGraphicFramePr>
-          <p:nvPr/>
-        </p:nvGraphicFramePr>
-        <p:xfrm>
-          <a:off x="5345663" y="2563430"/>
-          <a:ext cx="1447800" cy="731520"/>
-        </p:xfrm>
-        <a:graphic>
-          <a:graphicData uri="http://schemas.openxmlformats.org/drawingml/2006/table">
-            <a:tbl>
-              <a:tblPr firstRow="1" bandRow="1">
-                <a:tableStyleId>{5C22544A-7EE6-4342-B048-85BDC9FD1C3A}</a:tableStyleId>
-              </a:tblPr>
-              <a:tblGrid>
-                <a:gridCol w="1447800">
-                  <a:extLst>
-                    <a:ext uri="{9D8B030D-6E8A-4147-A177-3AD203B41FA5}">
-                      <a16:colId xmlns:a16="http://schemas.microsoft.com/office/drawing/2014/main" val="1657470181"/>
-                    </a:ext>
-                  </a:extLst>
-                </a:gridCol>
-              </a:tblGrid>
-              <a:tr h="333518">
-                <a:tc>
-                  <a:txBody>
-                    <a:bodyPr/>
-                    <a:lstStyle/>
-                    <a:p>
-                      <a:r>
-                        <a:rPr lang="en-US" dirty="0"/>
-                        <a:t>1</a:t>
-                      </a:r>
-                    </a:p>
-                  </a:txBody>
-                  <a:tcPr/>
-                </a:tc>
-                <a:extLst>
-                  <a:ext uri="{0D108BD9-81ED-4DB2-BD59-A6C34878D82A}">
-                    <a16:rowId xmlns:a16="http://schemas.microsoft.com/office/drawing/2014/main" val="1705318490"/>
-                  </a:ext>
-                </a:extLst>
-              </a:tr>
-              <a:tr h="333518">
-                <a:tc>
-                  <a:txBody>
-                    <a:bodyPr/>
-                    <a:lstStyle/>
-                    <a:p>
-                      <a:r>
-                        <a:rPr lang="en-US" dirty="0"/>
-                        <a:t>2</a:t>
-                      </a:r>
-                    </a:p>
-                  </a:txBody>
-                  <a:tcPr/>
-                </a:tc>
-                <a:extLst>
-                  <a:ext uri="{0D108BD9-81ED-4DB2-BD59-A6C34878D82A}">
-                    <a16:rowId xmlns:a16="http://schemas.microsoft.com/office/drawing/2014/main" val="2049377669"/>
-                  </a:ext>
-                </a:extLst>
-              </a:tr>
-            </a:tbl>
-          </a:graphicData>
-        </a:graphic>
-      </p:graphicFrame>
-      <p:graphicFrame>
-        <p:nvGraphicFramePr>
-          <p:cNvPr id="11" name="Table 10"/>
-          <p:cNvGraphicFramePr>
-            <a:graphicFrameLocks noGrp="1"/>
-          </p:cNvGraphicFramePr>
-          <p:nvPr/>
-        </p:nvGraphicFramePr>
-        <p:xfrm>
-          <a:off x="7353300" y="2560320"/>
-          <a:ext cx="1447800" cy="1097280"/>
-        </p:xfrm>
-        <a:graphic>
-          <a:graphicData uri="http://schemas.openxmlformats.org/drawingml/2006/table">
-            <a:tbl>
-              <a:tblPr firstRow="1" bandRow="1">
-                <a:tableStyleId>{5C22544A-7EE6-4342-B048-85BDC9FD1C3A}</a:tableStyleId>
-              </a:tblPr>
-              <a:tblGrid>
-                <a:gridCol w="1447800">
-                  <a:extLst>
-                    <a:ext uri="{9D8B030D-6E8A-4147-A177-3AD203B41FA5}">
-                      <a16:colId xmlns:a16="http://schemas.microsoft.com/office/drawing/2014/main" val="1657470181"/>
-                    </a:ext>
-                  </a:extLst>
-                </a:gridCol>
-              </a:tblGrid>
-              <a:tr h="333518">
-                <a:tc>
-                  <a:txBody>
-                    <a:bodyPr/>
-                    <a:lstStyle/>
-                    <a:p>
-                      <a:r>
-                        <a:rPr lang="en-US" dirty="0"/>
-                        <a:t>1</a:t>
-                      </a:r>
-                    </a:p>
-                  </a:txBody>
-                  <a:tcPr/>
-                </a:tc>
-                <a:extLst>
-                  <a:ext uri="{0D108BD9-81ED-4DB2-BD59-A6C34878D82A}">
-                    <a16:rowId xmlns:a16="http://schemas.microsoft.com/office/drawing/2014/main" val="1705318490"/>
-                  </a:ext>
-                </a:extLst>
-              </a:tr>
-              <a:tr h="333518">
-                <a:tc>
-                  <a:txBody>
-                    <a:bodyPr/>
-                    <a:lstStyle/>
-                    <a:p>
-                      <a:r>
-                        <a:rPr lang="en-US" dirty="0"/>
-                        <a:t>2</a:t>
-                      </a:r>
-                    </a:p>
-                  </a:txBody>
-                  <a:tcPr/>
-                </a:tc>
-                <a:extLst>
-                  <a:ext uri="{0D108BD9-81ED-4DB2-BD59-A6C34878D82A}">
-                    <a16:rowId xmlns:a16="http://schemas.microsoft.com/office/drawing/2014/main" val="4215921882"/>
-                  </a:ext>
-                </a:extLst>
-              </a:tr>
-              <a:tr h="333518">
-                <a:tc>
-                  <a:txBody>
-                    <a:bodyPr/>
-                    <a:lstStyle/>
-                    <a:p>
-                      <a:r>
-                        <a:rPr lang="en-US" dirty="0"/>
-                        <a:t>3</a:t>
-                      </a:r>
-                    </a:p>
-                  </a:txBody>
-                  <a:tcPr/>
-                </a:tc>
-                <a:extLst>
-                  <a:ext uri="{0D108BD9-81ED-4DB2-BD59-A6C34878D82A}">
-                    <a16:rowId xmlns:a16="http://schemas.microsoft.com/office/drawing/2014/main" val="1420056192"/>
-                  </a:ext>
-                </a:extLst>
-              </a:tr>
-            </a:tbl>
-          </a:graphicData>
-        </a:graphic>
-      </p:graphicFrame>
-      <p:cxnSp>
-        <p:nvCxnSpPr>
-          <p:cNvPr id="16" name="Elbow Connector 15"/>
-          <p:cNvCxnSpPr>
-            <a:stCxn id="3" idx="3"/>
-            <a:endCxn id="5" idx="0"/>
-          </p:cNvCxnSpPr>
-          <p:nvPr/>
-        </p:nvCxnSpPr>
-        <p:spPr>
-          <a:xfrm>
-            <a:off x="1676400" y="1143000"/>
-            <a:ext cx="304800" cy="1420430"/>
-          </a:xfrm>
-          <a:prstGeom prst="bentConnector2">
-            <a:avLst/>
-          </a:prstGeom>
-          <a:ln>
-            <a:tailEnd type="triangle"/>
-          </a:ln>
-        </p:spPr>
-        <p:style>
-          <a:lnRef idx="1">
-            <a:schemeClr val="accent1"/>
-          </a:lnRef>
-          <a:fillRef idx="0">
-            <a:schemeClr val="accent1"/>
-          </a:fillRef>
-          <a:effectRef idx="0">
-            <a:schemeClr val="accent1"/>
-          </a:effectRef>
-          <a:fontRef idx="minor">
-            <a:schemeClr val="tx1"/>
-          </a:fontRef>
-        </p:style>
-      </p:cxnSp>
-      <p:cxnSp>
-        <p:nvCxnSpPr>
-          <p:cNvPr id="18" name="Elbow Connector 17"/>
-          <p:cNvCxnSpPr>
-            <a:stCxn id="4" idx="3"/>
-            <a:endCxn id="7" idx="0"/>
-          </p:cNvCxnSpPr>
-          <p:nvPr/>
-        </p:nvCxnSpPr>
-        <p:spPr>
-          <a:xfrm>
-            <a:off x="3810000" y="1143000"/>
-            <a:ext cx="266700" cy="1417320"/>
-          </a:xfrm>
-          <a:prstGeom prst="bentConnector2">
-            <a:avLst/>
-          </a:prstGeom>
-          <a:ln>
-            <a:tailEnd type="triangle"/>
-          </a:ln>
-        </p:spPr>
-        <p:style>
-          <a:lnRef idx="1">
-            <a:schemeClr val="accent1"/>
-          </a:lnRef>
-          <a:fillRef idx="0">
-            <a:schemeClr val="accent1"/>
-          </a:fillRef>
-          <a:effectRef idx="0">
-            <a:schemeClr val="accent1"/>
-          </a:effectRef>
-          <a:fontRef idx="minor">
-            <a:schemeClr val="tx1"/>
-          </a:fontRef>
-        </p:style>
-      </p:cxnSp>
-      <p:cxnSp>
-        <p:nvCxnSpPr>
-          <p:cNvPr id="20" name="Elbow Connector 19"/>
-          <p:cNvCxnSpPr>
-            <a:stCxn id="8" idx="3"/>
-            <a:endCxn id="10" idx="0"/>
-          </p:cNvCxnSpPr>
-          <p:nvPr/>
-        </p:nvCxnSpPr>
-        <p:spPr>
-          <a:xfrm>
-            <a:off x="5773316" y="1143000"/>
-            <a:ext cx="296247" cy="1420430"/>
-          </a:xfrm>
-          <a:prstGeom prst="bentConnector2">
-            <a:avLst/>
-          </a:prstGeom>
-          <a:ln>
-            <a:tailEnd type="triangle"/>
-          </a:ln>
-        </p:spPr>
-        <p:style>
-          <a:lnRef idx="1">
-            <a:schemeClr val="accent1"/>
-          </a:lnRef>
-          <a:fillRef idx="0">
-            <a:schemeClr val="accent1"/>
-          </a:fillRef>
-          <a:effectRef idx="0">
-            <a:schemeClr val="accent1"/>
-          </a:effectRef>
-          <a:fontRef idx="minor">
-            <a:schemeClr val="tx1"/>
-          </a:fontRef>
-        </p:style>
-      </p:cxnSp>
-      <p:cxnSp>
-        <p:nvCxnSpPr>
-          <p:cNvPr id="22" name="Elbow Connector 21"/>
-          <p:cNvCxnSpPr>
-            <a:stCxn id="9" idx="3"/>
-            <a:endCxn id="11" idx="0"/>
-          </p:cNvCxnSpPr>
-          <p:nvPr/>
-        </p:nvCxnSpPr>
-        <p:spPr>
-          <a:xfrm>
-            <a:off x="7736632" y="1143000"/>
-            <a:ext cx="340568" cy="1417320"/>
-          </a:xfrm>
-          <a:prstGeom prst="bentConnector2">
-            <a:avLst/>
-          </a:prstGeom>
-          <a:ln>
-            <a:tailEnd type="triangle"/>
-          </a:ln>
-        </p:spPr>
-        <p:style>
-          <a:lnRef idx="1">
-            <a:schemeClr val="accent1"/>
-          </a:lnRef>
-          <a:fillRef idx="0">
-            <a:schemeClr val="accent1"/>
-          </a:fillRef>
-          <a:effectRef idx="0">
-            <a:schemeClr val="accent1"/>
-          </a:effectRef>
-          <a:fontRef idx="minor">
-            <a:schemeClr val="tx1"/>
-          </a:fontRef>
-        </p:style>
-      </p:cxnSp>
-      <p:sp>
-        <p:nvSpPr>
-          <p:cNvPr id="23" name="Right Arrow 22"/>
-          <p:cNvSpPr/>
-          <p:nvPr/>
-        </p:nvSpPr>
-        <p:spPr>
-          <a:xfrm>
-            <a:off x="1844350" y="609600"/>
-            <a:ext cx="381000" cy="381000"/>
-          </a:xfrm>
-          <a:prstGeom prst="rightArrow">
-            <a:avLst/>
-          </a:prstGeom>
-        </p:spPr>
-        <p:style>
-          <a:lnRef idx="2">
-            <a:schemeClr val="accent1">
-              <a:shade val="50000"/>
-            </a:schemeClr>
-          </a:lnRef>
-          <a:fillRef idx="1">
-            <a:schemeClr val="accent1"/>
-          </a:fillRef>
-          <a:effectRef idx="0">
-            <a:schemeClr val="accent1"/>
-          </a:effectRef>
-          <a:fontRef idx="minor">
-            <a:schemeClr val="lt1"/>
-          </a:fontRef>
-        </p:style>
-        <p:txBody>
-          <a:bodyPr rtlCol="0" anchor="ctr"/>
-          <a:lstStyle/>
-          <a:p>
-            <a:pPr algn="ctr"/>
-            <a:endParaRPr lang="en-US"/>
-          </a:p>
-        </p:txBody>
-      </p:sp>
-      <p:sp>
-        <p:nvSpPr>
-          <p:cNvPr id="24" name="Right Arrow 23"/>
-          <p:cNvSpPr/>
-          <p:nvPr/>
-        </p:nvSpPr>
-        <p:spPr>
-          <a:xfrm>
-            <a:off x="3868316" y="609600"/>
-            <a:ext cx="381000" cy="381000"/>
-          </a:xfrm>
-          <a:prstGeom prst="rightArrow">
-            <a:avLst/>
-          </a:prstGeom>
-        </p:spPr>
-        <p:style>
-          <a:lnRef idx="2">
-            <a:schemeClr val="accent1">
-              <a:shade val="50000"/>
-            </a:schemeClr>
-          </a:lnRef>
-          <a:fillRef idx="1">
-            <a:schemeClr val="accent1"/>
-          </a:fillRef>
-          <a:effectRef idx="0">
-            <a:schemeClr val="accent1"/>
-          </a:effectRef>
-          <a:fontRef idx="minor">
-            <a:schemeClr val="lt1"/>
-          </a:fontRef>
-        </p:style>
-        <p:txBody>
-          <a:bodyPr rtlCol="0" anchor="ctr"/>
-          <a:lstStyle/>
-          <a:p>
-            <a:pPr algn="ctr"/>
-            <a:endParaRPr lang="en-US"/>
-          </a:p>
-        </p:txBody>
-      </p:sp>
-      <p:sp>
-        <p:nvSpPr>
-          <p:cNvPr id="25" name="Right Arrow 24"/>
-          <p:cNvSpPr/>
-          <p:nvPr/>
-        </p:nvSpPr>
-        <p:spPr>
-          <a:xfrm>
-            <a:off x="5840574" y="609600"/>
-            <a:ext cx="381000" cy="381000"/>
-          </a:xfrm>
-          <a:prstGeom prst="rightArrow">
-            <a:avLst/>
-          </a:prstGeom>
-        </p:spPr>
-        <p:style>
-          <a:lnRef idx="2">
-            <a:schemeClr val="accent1">
-              <a:shade val="50000"/>
-            </a:schemeClr>
-          </a:lnRef>
-          <a:fillRef idx="1">
-            <a:schemeClr val="accent1"/>
-          </a:fillRef>
-          <a:effectRef idx="0">
-            <a:schemeClr val="accent1"/>
-          </a:effectRef>
-          <a:fontRef idx="minor">
-            <a:schemeClr val="lt1"/>
-          </a:fontRef>
-        </p:style>
-        <p:txBody>
-          <a:bodyPr rtlCol="0" anchor="ctr"/>
-          <a:lstStyle/>
-          <a:p>
-            <a:pPr algn="ctr"/>
-            <a:endParaRPr lang="en-US"/>
-          </a:p>
-        </p:txBody>
-      </p:sp>
-      <p:sp>
-        <p:nvSpPr>
-          <p:cNvPr id="27" name="TextBox 26"/>
-          <p:cNvSpPr txBox="1"/>
-          <p:nvPr/>
-        </p:nvSpPr>
-        <p:spPr>
-          <a:xfrm>
-            <a:off x="1152331" y="2201583"/>
-            <a:ext cx="990600" cy="276999"/>
-          </a:xfrm>
-          <a:prstGeom prst="rect">
-            <a:avLst/>
-          </a:prstGeom>
-          <a:noFill/>
-        </p:spPr>
-        <p:txBody>
-          <a:bodyPr wrap="square" rtlCol="0">
-            <a:spAutoFit/>
-          </a:bodyPr>
-          <a:lstStyle/>
-          <a:p>
-            <a:pPr algn="ctr"/>
-            <a:r>
-              <a:rPr lang="en-US" sz="1200" dirty="0"/>
-              <a:t>Clear</a:t>
-            </a:r>
-          </a:p>
-        </p:txBody>
-      </p:sp>
-      <p:sp>
-        <p:nvSpPr>
-          <p:cNvPr id="28" name="TextBox 27"/>
-          <p:cNvSpPr txBox="1"/>
-          <p:nvPr/>
-        </p:nvSpPr>
-        <p:spPr>
-          <a:xfrm>
-            <a:off x="3152969" y="2226369"/>
-            <a:ext cx="990600" cy="276999"/>
-          </a:xfrm>
-          <a:prstGeom prst="rect">
-            <a:avLst/>
-          </a:prstGeom>
-          <a:noFill/>
-        </p:spPr>
-        <p:txBody>
-          <a:bodyPr wrap="square" rtlCol="0">
-            <a:spAutoFit/>
-          </a:bodyPr>
-          <a:lstStyle/>
-          <a:p>
-            <a:pPr algn="ctr"/>
-            <a:r>
-              <a:rPr lang="en-US" sz="1200" dirty="0"/>
-              <a:t>Push 1</a:t>
-            </a:r>
-          </a:p>
-        </p:txBody>
-      </p:sp>
-      <p:sp>
-        <p:nvSpPr>
-          <p:cNvPr id="29" name="TextBox 28"/>
-          <p:cNvSpPr txBox="1"/>
-          <p:nvPr/>
-        </p:nvSpPr>
-        <p:spPr>
-          <a:xfrm>
-            <a:off x="5049416" y="2197814"/>
-            <a:ext cx="990600" cy="276999"/>
-          </a:xfrm>
-          <a:prstGeom prst="rect">
-            <a:avLst/>
-          </a:prstGeom>
-          <a:noFill/>
-        </p:spPr>
-        <p:txBody>
-          <a:bodyPr wrap="square" rtlCol="0">
-            <a:spAutoFit/>
-          </a:bodyPr>
-          <a:lstStyle/>
-          <a:p>
-            <a:pPr algn="ctr"/>
-            <a:r>
-              <a:rPr lang="en-US" sz="1200" dirty="0"/>
-              <a:t>Push 2</a:t>
-            </a:r>
-          </a:p>
-        </p:txBody>
-      </p:sp>
-      <p:sp>
-        <p:nvSpPr>
-          <p:cNvPr id="30" name="TextBox 29"/>
-          <p:cNvSpPr txBox="1"/>
-          <p:nvPr/>
-        </p:nvSpPr>
-        <p:spPr>
-          <a:xfrm>
-            <a:off x="7124700" y="2202037"/>
-            <a:ext cx="990600" cy="276999"/>
-          </a:xfrm>
-          <a:prstGeom prst="rect">
-            <a:avLst/>
-          </a:prstGeom>
-          <a:noFill/>
-        </p:spPr>
-        <p:txBody>
-          <a:bodyPr wrap="square" rtlCol="0">
-            <a:spAutoFit/>
-          </a:bodyPr>
-          <a:lstStyle/>
-          <a:p>
-            <a:pPr algn="ctr"/>
-            <a:r>
-              <a:rPr lang="en-US" sz="1200" dirty="0"/>
-              <a:t>Push 3</a:t>
-            </a:r>
-          </a:p>
-        </p:txBody>
-      </p:sp>
-      <p:sp>
-        <p:nvSpPr>
-          <p:cNvPr id="31" name="Rectangle 30"/>
-          <p:cNvSpPr/>
-          <p:nvPr/>
-        </p:nvSpPr>
-        <p:spPr>
-          <a:xfrm>
-            <a:off x="228600" y="4309656"/>
-            <a:ext cx="1447800" cy="1371600"/>
-          </a:xfrm>
-          <a:prstGeom prst="rect">
-            <a:avLst/>
-          </a:prstGeom>
-        </p:spPr>
-        <p:style>
-          <a:lnRef idx="1">
-            <a:schemeClr val="dk1"/>
-          </a:lnRef>
-          <a:fillRef idx="2">
-            <a:schemeClr val="dk1"/>
-          </a:fillRef>
-          <a:effectRef idx="1">
-            <a:schemeClr val="dk1"/>
-          </a:effectRef>
-          <a:fontRef idx="minor">
-            <a:schemeClr val="dk1"/>
-          </a:fontRef>
-        </p:style>
-        <p:txBody>
-          <a:bodyPr rtlCol="0" anchor="ctr"/>
-          <a:lstStyle/>
-          <a:p>
-            <a:pPr algn="ctr"/>
-            <a:r>
-              <a:rPr lang="en-US" dirty="0"/>
-              <a:t>INITIAL SCREEN</a:t>
-            </a:r>
-          </a:p>
-        </p:txBody>
-      </p:sp>
-      <p:sp>
-        <p:nvSpPr>
-          <p:cNvPr id="32" name="Rectangle 31"/>
-          <p:cNvSpPr/>
-          <p:nvPr/>
-        </p:nvSpPr>
-        <p:spPr>
-          <a:xfrm>
-            <a:off x="2362200" y="4309656"/>
-            <a:ext cx="1447800" cy="1371600"/>
-          </a:xfrm>
-          <a:prstGeom prst="rect">
-            <a:avLst/>
-          </a:prstGeom>
-        </p:spPr>
-        <p:style>
-          <a:lnRef idx="1">
-            <a:schemeClr val="dk1"/>
-          </a:lnRef>
-          <a:fillRef idx="2">
-            <a:schemeClr val="dk1"/>
-          </a:fillRef>
-          <a:effectRef idx="1">
-            <a:schemeClr val="dk1"/>
-          </a:effectRef>
-          <a:fontRef idx="minor">
-            <a:schemeClr val="dk1"/>
-          </a:fontRef>
-        </p:style>
-        <p:txBody>
-          <a:bodyPr rtlCol="0" anchor="ctr"/>
-          <a:lstStyle/>
-          <a:p>
-            <a:pPr algn="ctr"/>
-            <a:r>
-              <a:rPr lang="en-US" dirty="0"/>
-              <a:t>DATA SCREEN LEVEL 1</a:t>
-            </a:r>
-          </a:p>
-        </p:txBody>
-      </p:sp>
-      <p:sp>
-        <p:nvSpPr>
-          <p:cNvPr id="33" name="Rectangle 32"/>
-          <p:cNvSpPr/>
-          <p:nvPr/>
-        </p:nvSpPr>
-        <p:spPr>
-          <a:xfrm>
-            <a:off x="4325516" y="4309656"/>
-            <a:ext cx="1447800" cy="1371600"/>
-          </a:xfrm>
-          <a:prstGeom prst="rect">
-            <a:avLst/>
-          </a:prstGeom>
-        </p:spPr>
-        <p:style>
-          <a:lnRef idx="1">
-            <a:schemeClr val="dk1"/>
-          </a:lnRef>
-          <a:fillRef idx="2">
-            <a:schemeClr val="dk1"/>
-          </a:fillRef>
-          <a:effectRef idx="1">
-            <a:schemeClr val="dk1"/>
-          </a:effectRef>
-          <a:fontRef idx="minor">
-            <a:schemeClr val="dk1"/>
-          </a:fontRef>
-        </p:style>
-        <p:txBody>
-          <a:bodyPr rtlCol="0" anchor="ctr"/>
-          <a:lstStyle/>
-          <a:p>
-            <a:pPr algn="ctr"/>
-            <a:r>
-              <a:rPr lang="en-US" dirty="0"/>
-              <a:t>DATA SCREEN LEVEL 2</a:t>
-            </a:r>
-          </a:p>
-        </p:txBody>
-      </p:sp>
-      <p:sp>
-        <p:nvSpPr>
-          <p:cNvPr id="34" name="Rectangle 33"/>
-          <p:cNvSpPr/>
-          <p:nvPr/>
-        </p:nvSpPr>
-        <p:spPr>
-          <a:xfrm>
-            <a:off x="6288832" y="4309656"/>
-            <a:ext cx="1447800" cy="1371600"/>
-          </a:xfrm>
-          <a:prstGeom prst="rect">
-            <a:avLst/>
-          </a:prstGeom>
-        </p:spPr>
-        <p:style>
-          <a:lnRef idx="1">
-            <a:schemeClr val="dk1"/>
-          </a:lnRef>
-          <a:fillRef idx="2">
-            <a:schemeClr val="dk1"/>
-          </a:fillRef>
-          <a:effectRef idx="1">
-            <a:schemeClr val="dk1"/>
-          </a:effectRef>
-          <a:fontRef idx="minor">
-            <a:schemeClr val="dk1"/>
-          </a:fontRef>
-        </p:style>
-        <p:txBody>
-          <a:bodyPr rtlCol="0" anchor="ctr"/>
-          <a:lstStyle/>
-          <a:p>
-            <a:pPr algn="ctr"/>
-            <a:r>
-              <a:rPr lang="en-US" dirty="0"/>
-              <a:t>DATA SCREEN LEVEL 3</a:t>
-            </a:r>
-          </a:p>
-        </p:txBody>
-      </p:sp>
-      <p:sp>
-        <p:nvSpPr>
-          <p:cNvPr id="35" name="Right Arrow 34"/>
-          <p:cNvSpPr/>
-          <p:nvPr/>
-        </p:nvSpPr>
-        <p:spPr>
-          <a:xfrm>
-            <a:off x="7812054" y="609600"/>
-            <a:ext cx="381000" cy="381000"/>
-          </a:xfrm>
-          <a:prstGeom prst="rightArrow">
-            <a:avLst/>
-          </a:prstGeom>
-        </p:spPr>
-        <p:style>
-          <a:lnRef idx="2">
-            <a:schemeClr val="accent1">
-              <a:shade val="50000"/>
-            </a:schemeClr>
-          </a:lnRef>
-          <a:fillRef idx="1">
-            <a:schemeClr val="accent1"/>
-          </a:fillRef>
-          <a:effectRef idx="0">
-            <a:schemeClr val="accent1"/>
-          </a:effectRef>
-          <a:fontRef idx="minor">
-            <a:schemeClr val="lt1"/>
-          </a:fontRef>
-        </p:style>
-        <p:txBody>
-          <a:bodyPr rtlCol="0" anchor="ctr"/>
-          <a:lstStyle/>
-          <a:p>
-            <a:pPr algn="ctr"/>
-            <a:endParaRPr lang="en-US"/>
-          </a:p>
-        </p:txBody>
-      </p:sp>
-      <p:cxnSp>
-        <p:nvCxnSpPr>
-          <p:cNvPr id="37" name="Elbow Connector 36"/>
-          <p:cNvCxnSpPr>
-            <a:stCxn id="34" idx="1"/>
-            <a:endCxn id="10" idx="2"/>
-          </p:cNvCxnSpPr>
-          <p:nvPr/>
-        </p:nvCxnSpPr>
-        <p:spPr>
-          <a:xfrm rot="10800000">
-            <a:off x="6069564" y="3294950"/>
-            <a:ext cx="219269" cy="1700506"/>
-          </a:xfrm>
-          <a:prstGeom prst="bentConnector2">
-            <a:avLst/>
-          </a:prstGeom>
-          <a:ln>
-            <a:headEnd type="triangle"/>
-            <a:tailEnd type="none"/>
-          </a:ln>
-        </p:spPr>
-        <p:style>
-          <a:lnRef idx="1">
-            <a:schemeClr val="accent1"/>
-          </a:lnRef>
-          <a:fillRef idx="0">
-            <a:schemeClr val="accent1"/>
-          </a:fillRef>
-          <a:effectRef idx="0">
-            <a:schemeClr val="accent1"/>
-          </a:effectRef>
-          <a:fontRef idx="minor">
-            <a:schemeClr val="tx1"/>
-          </a:fontRef>
-        </p:style>
-      </p:cxnSp>
-      <p:sp>
-        <p:nvSpPr>
-          <p:cNvPr id="38" name="TextBox 37"/>
-          <p:cNvSpPr txBox="1"/>
-          <p:nvPr/>
-        </p:nvSpPr>
-        <p:spPr>
-          <a:xfrm>
-            <a:off x="5086738" y="3360850"/>
-            <a:ext cx="990600" cy="276999"/>
-          </a:xfrm>
-          <a:prstGeom prst="rect">
-            <a:avLst/>
-          </a:prstGeom>
-          <a:noFill/>
-        </p:spPr>
-        <p:txBody>
-          <a:bodyPr wrap="square" rtlCol="0">
-            <a:spAutoFit/>
-          </a:bodyPr>
-          <a:lstStyle/>
-          <a:p>
-            <a:pPr algn="ctr"/>
-            <a:r>
-              <a:rPr lang="en-US" sz="1200" dirty="0"/>
-              <a:t>Pop 2</a:t>
-            </a:r>
-          </a:p>
-        </p:txBody>
-      </p:sp>
-      <p:cxnSp>
-        <p:nvCxnSpPr>
-          <p:cNvPr id="40" name="Elbow Connector 39"/>
-          <p:cNvCxnSpPr>
-            <a:stCxn id="33" idx="1"/>
-            <a:endCxn id="7" idx="2"/>
-          </p:cNvCxnSpPr>
-          <p:nvPr/>
-        </p:nvCxnSpPr>
-        <p:spPr>
-          <a:xfrm rot="10800000">
-            <a:off x="4076700" y="2926080"/>
-            <a:ext cx="248816" cy="2069376"/>
-          </a:xfrm>
-          <a:prstGeom prst="bentConnector2">
-            <a:avLst/>
-          </a:prstGeom>
-          <a:ln>
-            <a:headEnd type="triangle"/>
-            <a:tailEnd type="none"/>
-          </a:ln>
-        </p:spPr>
-        <p:style>
-          <a:lnRef idx="1">
-            <a:schemeClr val="accent1"/>
-          </a:lnRef>
-          <a:fillRef idx="0">
-            <a:schemeClr val="accent1"/>
-          </a:fillRef>
-          <a:effectRef idx="0">
-            <a:schemeClr val="accent1"/>
-          </a:effectRef>
-          <a:fontRef idx="minor">
-            <a:schemeClr val="tx1"/>
-          </a:fontRef>
-        </p:style>
-      </p:cxnSp>
-      <p:sp>
-        <p:nvSpPr>
-          <p:cNvPr id="41" name="TextBox 40"/>
-          <p:cNvSpPr txBox="1"/>
-          <p:nvPr/>
-        </p:nvSpPr>
-        <p:spPr>
-          <a:xfrm>
-            <a:off x="3170852" y="2991013"/>
-            <a:ext cx="990600" cy="276999"/>
-          </a:xfrm>
-          <a:prstGeom prst="rect">
-            <a:avLst/>
-          </a:prstGeom>
-          <a:noFill/>
-        </p:spPr>
-        <p:txBody>
-          <a:bodyPr wrap="square" rtlCol="0">
-            <a:spAutoFit/>
-          </a:bodyPr>
-          <a:lstStyle/>
-          <a:p>
-            <a:pPr algn="ctr"/>
-            <a:r>
-              <a:rPr lang="en-US" sz="1200" dirty="0"/>
-              <a:t>Pop 1</a:t>
-            </a:r>
-          </a:p>
-        </p:txBody>
-      </p:sp>
-      <p:sp>
-        <p:nvSpPr>
-          <p:cNvPr id="42" name="Right Arrow 41"/>
-          <p:cNvSpPr/>
-          <p:nvPr/>
-        </p:nvSpPr>
-        <p:spPr>
-          <a:xfrm rot="10800000">
-            <a:off x="5856914" y="5263756"/>
-            <a:ext cx="367736" cy="406301"/>
-          </a:xfrm>
-          <a:prstGeom prst="rightArrow">
-            <a:avLst/>
-          </a:prstGeom>
-        </p:spPr>
-        <p:style>
-          <a:lnRef idx="2">
-            <a:schemeClr val="accent1">
-              <a:shade val="50000"/>
-            </a:schemeClr>
-          </a:lnRef>
-          <a:fillRef idx="1">
-            <a:schemeClr val="accent1"/>
-          </a:fillRef>
-          <a:effectRef idx="0">
-            <a:schemeClr val="accent1"/>
-          </a:effectRef>
-          <a:fontRef idx="minor">
-            <a:schemeClr val="lt1"/>
-          </a:fontRef>
-        </p:style>
-        <p:txBody>
-          <a:bodyPr rtlCol="0" anchor="ctr"/>
-          <a:lstStyle/>
-          <a:p>
-            <a:pPr algn="ctr"/>
-            <a:endParaRPr lang="en-US"/>
-          </a:p>
-        </p:txBody>
-      </p:sp>
-      <p:sp>
-        <p:nvSpPr>
-          <p:cNvPr id="43" name="Right Arrow 42"/>
-          <p:cNvSpPr/>
-          <p:nvPr/>
-        </p:nvSpPr>
-        <p:spPr>
-          <a:xfrm rot="10800000">
-            <a:off x="3893598" y="5263757"/>
-            <a:ext cx="367736" cy="406301"/>
-          </a:xfrm>
-          <a:prstGeom prst="rightArrow">
-            <a:avLst/>
-          </a:prstGeom>
-        </p:spPr>
-        <p:style>
-          <a:lnRef idx="2">
-            <a:schemeClr val="accent1">
-              <a:shade val="50000"/>
-            </a:schemeClr>
-          </a:lnRef>
-          <a:fillRef idx="1">
-            <a:schemeClr val="accent1"/>
-          </a:fillRef>
-          <a:effectRef idx="0">
-            <a:schemeClr val="accent1"/>
-          </a:effectRef>
-          <a:fontRef idx="minor">
-            <a:schemeClr val="lt1"/>
-          </a:fontRef>
-        </p:style>
-        <p:txBody>
-          <a:bodyPr rtlCol="0" anchor="ctr"/>
-          <a:lstStyle/>
-          <a:p>
-            <a:pPr algn="ctr"/>
-            <a:endParaRPr lang="en-US"/>
-          </a:p>
-        </p:txBody>
-      </p:sp>
-      <p:sp>
-        <p:nvSpPr>
-          <p:cNvPr id="45" name="Left Brace 44"/>
-          <p:cNvSpPr/>
-          <p:nvPr/>
-        </p:nvSpPr>
-        <p:spPr>
-          <a:xfrm>
-            <a:off x="677248" y="2336313"/>
-            <a:ext cx="475084" cy="1473687"/>
-          </a:xfrm>
-          <a:prstGeom prst="leftBrace">
-            <a:avLst/>
-          </a:prstGeom>
-        </p:spPr>
-        <p:style>
-          <a:lnRef idx="1">
-            <a:schemeClr val="accent1"/>
-          </a:lnRef>
-          <a:fillRef idx="0">
-            <a:schemeClr val="accent1"/>
-          </a:fillRef>
-          <a:effectRef idx="0">
-            <a:schemeClr val="accent1"/>
-          </a:effectRef>
-          <a:fontRef idx="minor">
-            <a:schemeClr val="tx1"/>
-          </a:fontRef>
-        </p:style>
-        <p:txBody>
-          <a:bodyPr rtlCol="0" anchor="ctr"/>
-          <a:lstStyle/>
-          <a:p>
-            <a:pPr algn="ctr"/>
-            <a:endParaRPr lang="en-US"/>
-          </a:p>
-        </p:txBody>
-      </p:sp>
-      <p:sp>
-        <p:nvSpPr>
-          <p:cNvPr id="46" name="TextBox 45"/>
-          <p:cNvSpPr txBox="1"/>
-          <p:nvPr/>
-        </p:nvSpPr>
-        <p:spPr>
-          <a:xfrm>
-            <a:off x="-102635" y="2814935"/>
-            <a:ext cx="990600" cy="461665"/>
-          </a:xfrm>
-          <a:prstGeom prst="rect">
-            <a:avLst/>
-          </a:prstGeom>
-          <a:noFill/>
-        </p:spPr>
-        <p:txBody>
-          <a:bodyPr wrap="square" rtlCol="0">
-            <a:spAutoFit/>
-          </a:bodyPr>
-          <a:lstStyle/>
-          <a:p>
-            <a:pPr algn="ctr"/>
-            <a:r>
-              <a:rPr lang="en-US" sz="1200" dirty="0"/>
-              <a:t>Stack Collection</a:t>
-            </a:r>
-          </a:p>
-        </p:txBody>
-      </p:sp>
-    </p:spTree>
-    <p:extLst>
-      <p:ext uri="{BB962C8B-B14F-4D97-AF65-F5344CB8AC3E}">
         <p14:creationId xmlns:p14="http://schemas.microsoft.com/office/powerpoint/2010/main" val="1233324448"/>
       </p:ext>
     </p:extLst>
@@ -14945,6 +14946,620 @@
     <p:extLst>
       <p:ext uri="{BB962C8B-B14F-4D97-AF65-F5344CB8AC3E}">
         <p14:creationId xmlns:p14="http://schemas.microsoft.com/office/powerpoint/2010/main" val="751263954"/>
+      </p:ext>
+    </p:extLst>
+  </p:cSld>
+  <p:clrMapOvr>
+    <a:masterClrMapping/>
+  </p:clrMapOvr>
+</p:sld>
+</file>
+
+<file path=ppt/slides/slide16.xml><?xml version="1.0" encoding="utf-8"?>
+<p:sld xmlns:a="http://schemas.openxmlformats.org/drawingml/2006/main" xmlns:r="http://schemas.openxmlformats.org/officeDocument/2006/relationships" xmlns:p="http://schemas.openxmlformats.org/presentationml/2006/main">
+  <p:cSld>
+    <p:spTree>
+      <p:nvGrpSpPr>
+        <p:cNvPr id="1" name=""/>
+        <p:cNvGrpSpPr/>
+        <p:nvPr/>
+      </p:nvGrpSpPr>
+      <p:grpSpPr>
+        <a:xfrm>
+          <a:off x="0" y="0"/>
+          <a:ext cx="0" cy="0"/>
+          <a:chOff x="0" y="0"/>
+          <a:chExt cx="0" cy="0"/>
+        </a:xfrm>
+      </p:grpSpPr>
+      <p:sp>
+        <p:nvSpPr>
+          <p:cNvPr id="10" name="Rectangle 9"/>
+          <p:cNvSpPr/>
+          <p:nvPr/>
+        </p:nvSpPr>
+        <p:spPr bwMode="auto">
+          <a:xfrm>
+            <a:off x="381000" y="1143000"/>
+            <a:ext cx="8381921" cy="4114800"/>
+          </a:xfrm>
+          <a:prstGeom prst="rect">
+            <a:avLst/>
+          </a:prstGeom>
+          <a:solidFill>
+            <a:schemeClr val="accent3"/>
+          </a:solidFill>
+          <a:ln w="19050" cap="flat" cmpd="sng" algn="ctr">
+            <a:solidFill>
+              <a:schemeClr val="tx1"/>
+            </a:solidFill>
+            <a:prstDash val="solid"/>
+            <a:round/>
+            <a:headEnd type="none" w="sm" len="sm"/>
+            <a:tailEnd type="triangle" w="lg" len="lg"/>
+          </a:ln>
+          <a:effectLst/>
+        </p:spPr>
+        <p:txBody>
+          <a:bodyPr vert="horz" wrap="square" lIns="45720" tIns="45720" rIns="45720" bIns="45720" numCol="1" rtlCol="0" anchor="t" anchorCtr="1" compatLnSpc="1">
+            <a:prstTxWarp prst="textNoShape">
+              <a:avLst/>
+            </a:prstTxWarp>
+            <a:noAutofit/>
+          </a:bodyPr>
+          <a:lstStyle/>
+          <a:p>
+            <a:pPr algn="ctr"/>
+            <a:r>
+              <a:rPr lang="en-US" b="1" dirty="0">
+                <a:latin typeface="Segoe UI Light" panose="020B0502040204020203" pitchFamily="34" charset="0"/>
+                <a:cs typeface="Segoe UI Light" panose="020B0502040204020203" pitchFamily="34" charset="0"/>
+              </a:rPr>
+              <a:t>Cluster</a:t>
+            </a:r>
+            <a:br>
+              <a:rPr lang="en-US" b="1" dirty="0">
+                <a:latin typeface="Segoe UI Light" panose="020B0502040204020203" pitchFamily="34" charset="0"/>
+                <a:cs typeface="Segoe UI Light" panose="020B0502040204020203" pitchFamily="34" charset="0"/>
+              </a:rPr>
+            </a:br>
+            <a:r>
+              <a:rPr lang="en-US" dirty="0">
+                <a:latin typeface="Segoe UI Light" panose="020B0502040204020203" pitchFamily="34" charset="0"/>
+                <a:cs typeface="Segoe UI Light" panose="020B0502040204020203" pitchFamily="34" charset="0"/>
+              </a:rPr>
+              <a:t>Management, Billing (VMs), Geolocation, Multitenancy</a:t>
+            </a:r>
+          </a:p>
+        </p:txBody>
+      </p:sp>
+      <p:sp>
+        <p:nvSpPr>
+          <p:cNvPr id="11" name="Rectangle 10"/>
+          <p:cNvSpPr/>
+          <p:nvPr/>
+        </p:nvSpPr>
+        <p:spPr bwMode="auto">
+          <a:xfrm>
+            <a:off x="514536" y="1944189"/>
+            <a:ext cx="8137606" cy="3236961"/>
+          </a:xfrm>
+          <a:prstGeom prst="rect">
+            <a:avLst/>
+          </a:prstGeom>
+          <a:solidFill>
+            <a:schemeClr val="accent1"/>
+          </a:solidFill>
+        </p:spPr>
+        <p:style>
+          <a:lnRef idx="2">
+            <a:schemeClr val="accent2">
+              <a:shade val="50000"/>
+            </a:schemeClr>
+          </a:lnRef>
+          <a:fillRef idx="1">
+            <a:schemeClr val="accent2"/>
+          </a:fillRef>
+          <a:effectRef idx="0">
+            <a:schemeClr val="accent2"/>
+          </a:effectRef>
+          <a:fontRef idx="minor">
+            <a:schemeClr val="lt1"/>
+          </a:fontRef>
+        </p:style>
+        <p:txBody>
+          <a:bodyPr rtlCol="0" anchor="t" anchorCtr="0"/>
+          <a:lstStyle/>
+          <a:p>
+            <a:pPr algn="ctr"/>
+            <a:r>
+              <a:rPr lang="en-US" sz="2000" b="1" dirty="0">
+                <a:solidFill>
+                  <a:schemeClr val="tx1"/>
+                </a:solidFill>
+                <a:latin typeface="Segoe UI Light" panose="020B0502040204020203" pitchFamily="34" charset="0"/>
+                <a:cs typeface="Segoe UI Light" panose="020B0502040204020203" pitchFamily="34" charset="0"/>
+              </a:rPr>
+              <a:t> </a:t>
+            </a:r>
+            <a:r>
+              <a:rPr lang="en-US" b="1" dirty="0">
+                <a:solidFill>
+                  <a:schemeClr val="tx1"/>
+                </a:solidFill>
+                <a:latin typeface="Segoe UI Light" panose="020B0502040204020203" pitchFamily="34" charset="0"/>
+                <a:cs typeface="Segoe UI Light" panose="020B0502040204020203" pitchFamily="34" charset="0"/>
+              </a:rPr>
+              <a:t>1+ Named Applications</a:t>
+            </a:r>
+          </a:p>
+          <a:p>
+            <a:pPr algn="ctr"/>
+            <a:r>
+              <a:rPr lang="en-US" dirty="0">
+                <a:solidFill>
+                  <a:schemeClr val="tx1"/>
+                </a:solidFill>
+                <a:latin typeface="Segoe UI Light" panose="020B0502040204020203" pitchFamily="34" charset="0"/>
+                <a:cs typeface="Segoe UI Light" panose="020B0502040204020203" pitchFamily="34" charset="0"/>
+              </a:rPr>
+              <a:t>Isolation, Multitenancy, Unit of versioning/config</a:t>
+            </a:r>
+          </a:p>
+        </p:txBody>
+      </p:sp>
+      <p:sp>
+        <p:nvSpPr>
+          <p:cNvPr id="12" name="Rectangle 11"/>
+          <p:cNvSpPr/>
+          <p:nvPr/>
+        </p:nvSpPr>
+        <p:spPr bwMode="auto">
+          <a:xfrm>
+            <a:off x="689159" y="2719252"/>
+            <a:ext cx="7846305" cy="2389549"/>
+          </a:xfrm>
+          <a:prstGeom prst="rect">
+            <a:avLst/>
+          </a:prstGeom>
+          <a:solidFill>
+            <a:schemeClr val="accent6">
+              <a:lumMod val="75000"/>
+            </a:schemeClr>
+          </a:solidFill>
+        </p:spPr>
+        <p:style>
+          <a:lnRef idx="2">
+            <a:schemeClr val="accent2">
+              <a:shade val="50000"/>
+            </a:schemeClr>
+          </a:lnRef>
+          <a:fillRef idx="1">
+            <a:schemeClr val="accent2"/>
+          </a:fillRef>
+          <a:effectRef idx="0">
+            <a:schemeClr val="accent2"/>
+          </a:effectRef>
+          <a:fontRef idx="minor">
+            <a:schemeClr val="lt1"/>
+          </a:fontRef>
+        </p:style>
+        <p:txBody>
+          <a:bodyPr rtlCol="0" anchor="t" anchorCtr="0"/>
+          <a:lstStyle/>
+          <a:p>
+            <a:pPr algn="ctr"/>
+            <a:r>
+              <a:rPr lang="en-US" b="1" dirty="0">
+                <a:solidFill>
+                  <a:schemeClr val="tx1"/>
+                </a:solidFill>
+                <a:latin typeface="Segoe UI Light" panose="020B0502040204020203" pitchFamily="34" charset="0"/>
+                <a:cs typeface="Segoe UI Light" panose="020B0502040204020203" pitchFamily="34" charset="0"/>
+              </a:rPr>
+              <a:t>1+ Named Services</a:t>
+            </a:r>
+            <a:br>
+              <a:rPr lang="en-US" b="1" dirty="0">
+                <a:solidFill>
+                  <a:schemeClr val="tx1"/>
+                </a:solidFill>
+                <a:latin typeface="Segoe UI Light" panose="020B0502040204020203" pitchFamily="34" charset="0"/>
+                <a:cs typeface="Segoe UI Light" panose="020B0502040204020203" pitchFamily="34" charset="0"/>
+              </a:rPr>
+            </a:br>
+            <a:r>
+              <a:rPr lang="en-US" dirty="0">
+                <a:solidFill>
+                  <a:schemeClr val="tx1"/>
+                </a:solidFill>
+                <a:latin typeface="Segoe UI Light" panose="020B0502040204020203" pitchFamily="34" charset="0"/>
+                <a:cs typeface="Segoe UI Light" panose="020B0502040204020203" pitchFamily="34" charset="0"/>
+              </a:rPr>
+              <a:t>Code package(s), Multitenancy (w/o isolation)</a:t>
+            </a:r>
+          </a:p>
+        </p:txBody>
+      </p:sp>
+      <p:sp>
+        <p:nvSpPr>
+          <p:cNvPr id="13" name="Rectangle 12"/>
+          <p:cNvSpPr/>
+          <p:nvPr/>
+        </p:nvSpPr>
+        <p:spPr bwMode="auto">
+          <a:xfrm>
+            <a:off x="909069" y="3572692"/>
+            <a:ext cx="3611441" cy="1488869"/>
+          </a:xfrm>
+          <a:prstGeom prst="rect">
+            <a:avLst/>
+          </a:prstGeom>
+          <a:gradFill flip="none" rotWithShape="1">
+            <a:gsLst>
+              <a:gs pos="0">
+                <a:schemeClr val="accent5">
+                  <a:lumMod val="67000"/>
+                </a:schemeClr>
+              </a:gs>
+              <a:gs pos="48000">
+                <a:schemeClr val="accent5">
+                  <a:lumMod val="97000"/>
+                  <a:lumOff val="3000"/>
+                </a:schemeClr>
+              </a:gs>
+              <a:gs pos="100000">
+                <a:schemeClr val="accent5">
+                  <a:lumMod val="60000"/>
+                  <a:lumOff val="40000"/>
+                </a:schemeClr>
+              </a:gs>
+            </a:gsLst>
+            <a:lin ang="16200000" scaled="1"/>
+            <a:tileRect/>
+          </a:gradFill>
+        </p:spPr>
+        <p:style>
+          <a:lnRef idx="2">
+            <a:schemeClr val="accent2">
+              <a:shade val="50000"/>
+            </a:schemeClr>
+          </a:lnRef>
+          <a:fillRef idx="1">
+            <a:schemeClr val="accent2"/>
+          </a:fillRef>
+          <a:effectRef idx="0">
+            <a:schemeClr val="accent2"/>
+          </a:effectRef>
+          <a:fontRef idx="minor">
+            <a:schemeClr val="lt1"/>
+          </a:fontRef>
+        </p:style>
+        <p:txBody>
+          <a:bodyPr rtlCol="0" anchor="t" anchorCtr="0"/>
+          <a:lstStyle/>
+          <a:p>
+            <a:pPr algn="ctr"/>
+            <a:r>
+              <a:rPr lang="en-US" b="1" dirty="0">
+                <a:solidFill>
+                  <a:schemeClr val="tx1"/>
+                </a:solidFill>
+                <a:latin typeface="Segoe UI Light" panose="020B0502040204020203" pitchFamily="34" charset="0"/>
+                <a:cs typeface="Segoe UI Light" panose="020B0502040204020203" pitchFamily="34" charset="0"/>
+              </a:rPr>
+              <a:t>Stateless: 1 Partition</a:t>
+            </a:r>
+            <a:br>
+              <a:rPr lang="en-US" b="1" dirty="0">
+                <a:solidFill>
+                  <a:schemeClr val="tx1"/>
+                </a:solidFill>
+                <a:latin typeface="Segoe UI Light" panose="020B0502040204020203" pitchFamily="34" charset="0"/>
+                <a:cs typeface="Segoe UI Light" panose="020B0502040204020203" pitchFamily="34" charset="0"/>
+              </a:rPr>
+            </a:br>
+            <a:r>
+              <a:rPr lang="en-US" dirty="0">
+                <a:solidFill>
+                  <a:schemeClr val="tx1"/>
+                </a:solidFill>
+                <a:latin typeface="Segoe UI Light" panose="020B0502040204020203" pitchFamily="34" charset="0"/>
+                <a:cs typeface="Segoe UI Light" panose="020B0502040204020203" pitchFamily="34" charset="0"/>
+              </a:rPr>
+              <a:t>No value</a:t>
+            </a:r>
+          </a:p>
+        </p:txBody>
+      </p:sp>
+      <p:sp>
+        <p:nvSpPr>
+          <p:cNvPr id="14" name="Rectangle 13"/>
+          <p:cNvSpPr/>
+          <p:nvPr/>
+        </p:nvSpPr>
+        <p:spPr bwMode="auto">
+          <a:xfrm>
+            <a:off x="1439008" y="4346780"/>
+            <a:ext cx="2641866" cy="636224"/>
+          </a:xfrm>
+          <a:prstGeom prst="rect">
+            <a:avLst/>
+          </a:prstGeom>
+          <a:solidFill>
+            <a:srgbClr val="7030A0"/>
+          </a:solidFill>
+          <a:ln w="19050" cap="flat" cmpd="sng" algn="ctr">
+            <a:solidFill>
+              <a:schemeClr val="tx1"/>
+            </a:solidFill>
+            <a:prstDash val="solid"/>
+            <a:round/>
+            <a:headEnd type="none" w="sm" len="sm"/>
+            <a:tailEnd type="triangle" w="lg" len="lg"/>
+          </a:ln>
+          <a:effectLst/>
+        </p:spPr>
+        <p:txBody>
+          <a:bodyPr vert="horz" wrap="square" lIns="45720" tIns="45720" rIns="45720" bIns="45720" numCol="1" rtlCol="0" anchor="t" anchorCtr="1" compatLnSpc="1">
+            <a:prstTxWarp prst="textNoShape">
+              <a:avLst/>
+            </a:prstTxWarp>
+            <a:noAutofit/>
+          </a:bodyPr>
+          <a:lstStyle/>
+          <a:p>
+            <a:pPr algn="ctr"/>
+            <a:r>
+              <a:rPr lang="en-US" b="1" dirty="0">
+                <a:solidFill>
+                  <a:schemeClr val="bg1"/>
+                </a:solidFill>
+                <a:latin typeface="Segoe UI Light" panose="020B0502040204020203" pitchFamily="34" charset="0"/>
+                <a:cs typeface="Segoe UI Light" panose="020B0502040204020203" pitchFamily="34" charset="0"/>
+              </a:rPr>
+              <a:t>1+ Instances</a:t>
+            </a:r>
+            <a:br>
+              <a:rPr lang="en-US" b="1" dirty="0">
+                <a:solidFill>
+                  <a:schemeClr val="bg1"/>
+                </a:solidFill>
+                <a:latin typeface="Segoe UI Light" panose="020B0502040204020203" pitchFamily="34" charset="0"/>
+                <a:cs typeface="Segoe UI Light" panose="020B0502040204020203" pitchFamily="34" charset="0"/>
+              </a:rPr>
+            </a:br>
+            <a:r>
+              <a:rPr lang="en-US" dirty="0">
+                <a:solidFill>
+                  <a:schemeClr val="bg1"/>
+                </a:solidFill>
+                <a:latin typeface="Segoe UI Light" panose="020B0502040204020203" pitchFamily="34" charset="0"/>
+                <a:cs typeface="Segoe UI Light" panose="020B0502040204020203" pitchFamily="34" charset="0"/>
+              </a:rPr>
+              <a:t>Scale,</a:t>
+            </a:r>
+            <a:r>
+              <a:rPr lang="en-US" b="1" dirty="0">
+                <a:solidFill>
+                  <a:schemeClr val="bg1"/>
+                </a:solidFill>
+                <a:latin typeface="Segoe UI Light" panose="020B0502040204020203" pitchFamily="34" charset="0"/>
+                <a:cs typeface="Segoe UI Light" panose="020B0502040204020203" pitchFamily="34" charset="0"/>
+              </a:rPr>
+              <a:t> </a:t>
+            </a:r>
+            <a:r>
+              <a:rPr lang="en-US" dirty="0">
+                <a:solidFill>
+                  <a:schemeClr val="bg1"/>
+                </a:solidFill>
+                <a:latin typeface="Segoe UI Light" panose="020B0502040204020203" pitchFamily="34" charset="0"/>
+                <a:cs typeface="Segoe UI Light" panose="020B0502040204020203" pitchFamily="34" charset="0"/>
+              </a:rPr>
+              <a:t>Availability</a:t>
+            </a:r>
+          </a:p>
+        </p:txBody>
+      </p:sp>
+      <p:sp>
+        <p:nvSpPr>
+          <p:cNvPr id="15" name="Rectangle 14"/>
+          <p:cNvSpPr/>
+          <p:nvPr/>
+        </p:nvSpPr>
+        <p:spPr bwMode="auto">
+          <a:xfrm>
+            <a:off x="4724400" y="3541802"/>
+            <a:ext cx="3611441" cy="1487398"/>
+          </a:xfrm>
+          <a:prstGeom prst="rect">
+            <a:avLst/>
+          </a:prstGeom>
+          <a:gradFill flip="none" rotWithShape="1">
+            <a:gsLst>
+              <a:gs pos="0">
+                <a:schemeClr val="accent5">
+                  <a:lumMod val="67000"/>
+                </a:schemeClr>
+              </a:gs>
+              <a:gs pos="48000">
+                <a:schemeClr val="accent5">
+                  <a:lumMod val="97000"/>
+                  <a:lumOff val="3000"/>
+                </a:schemeClr>
+              </a:gs>
+              <a:gs pos="100000">
+                <a:schemeClr val="accent5">
+                  <a:lumMod val="60000"/>
+                  <a:lumOff val="40000"/>
+                </a:schemeClr>
+              </a:gs>
+            </a:gsLst>
+            <a:lin ang="16200000" scaled="1"/>
+            <a:tileRect/>
+          </a:gradFill>
+        </p:spPr>
+        <p:style>
+          <a:lnRef idx="2">
+            <a:schemeClr val="accent2">
+              <a:shade val="50000"/>
+            </a:schemeClr>
+          </a:lnRef>
+          <a:fillRef idx="1">
+            <a:schemeClr val="accent2"/>
+          </a:fillRef>
+          <a:effectRef idx="0">
+            <a:schemeClr val="accent2"/>
+          </a:effectRef>
+          <a:fontRef idx="minor">
+            <a:schemeClr val="lt1"/>
+          </a:fontRef>
+        </p:style>
+        <p:txBody>
+          <a:bodyPr rtlCol="0" anchor="t" anchorCtr="0"/>
+          <a:lstStyle/>
+          <a:p>
+            <a:pPr algn="ctr"/>
+            <a:r>
+              <a:rPr lang="en-US" b="1" dirty="0">
+                <a:solidFill>
+                  <a:schemeClr val="tx1"/>
+                </a:solidFill>
+                <a:latin typeface="Segoe UI Light" panose="020B0502040204020203" pitchFamily="34" charset="0"/>
+                <a:cs typeface="Segoe UI Light" panose="020B0502040204020203" pitchFamily="34" charset="0"/>
+              </a:rPr>
+              <a:t>Stateful: 1+ Partitions</a:t>
+            </a:r>
+            <a:br>
+              <a:rPr lang="en-US" b="1" dirty="0">
+                <a:solidFill>
+                  <a:schemeClr val="tx1"/>
+                </a:solidFill>
+                <a:latin typeface="Segoe UI Light" panose="020B0502040204020203" pitchFamily="34" charset="0"/>
+                <a:cs typeface="Segoe UI Light" panose="020B0502040204020203" pitchFamily="34" charset="0"/>
+              </a:rPr>
+            </a:br>
+            <a:r>
+              <a:rPr lang="en-US" dirty="0">
+                <a:solidFill>
+                  <a:schemeClr val="tx1"/>
+                </a:solidFill>
+                <a:latin typeface="Segoe UI Light" panose="020B0502040204020203" pitchFamily="34" charset="0"/>
+                <a:cs typeface="Segoe UI Light" panose="020B0502040204020203" pitchFamily="34" charset="0"/>
+              </a:rPr>
+              <a:t>Addressability, Scale</a:t>
+            </a:r>
+          </a:p>
+        </p:txBody>
+      </p:sp>
+      <p:sp>
+        <p:nvSpPr>
+          <p:cNvPr id="16" name="Rectangle 15"/>
+          <p:cNvSpPr/>
+          <p:nvPr/>
+        </p:nvSpPr>
+        <p:spPr bwMode="auto">
+          <a:xfrm>
+            <a:off x="5293741" y="4314023"/>
+            <a:ext cx="2641866" cy="636224"/>
+          </a:xfrm>
+          <a:prstGeom prst="rect">
+            <a:avLst/>
+          </a:prstGeom>
+          <a:solidFill>
+            <a:srgbClr val="7030A0"/>
+          </a:solidFill>
+          <a:ln w="19050" cap="flat" cmpd="sng" algn="ctr">
+            <a:solidFill>
+              <a:schemeClr val="tx1"/>
+            </a:solidFill>
+            <a:prstDash val="solid"/>
+            <a:round/>
+            <a:headEnd type="none" w="sm" len="sm"/>
+            <a:tailEnd type="triangle" w="lg" len="lg"/>
+          </a:ln>
+          <a:effectLst/>
+        </p:spPr>
+        <p:txBody>
+          <a:bodyPr vert="horz" wrap="square" lIns="45720" tIns="45720" rIns="45720" bIns="45720" numCol="1" rtlCol="0" anchor="t" anchorCtr="1" compatLnSpc="1">
+            <a:prstTxWarp prst="textNoShape">
+              <a:avLst/>
+            </a:prstTxWarp>
+            <a:noAutofit/>
+          </a:bodyPr>
+          <a:lstStyle/>
+          <a:p>
+            <a:pPr algn="ctr"/>
+            <a:r>
+              <a:rPr lang="en-US" b="1" dirty="0">
+                <a:solidFill>
+                  <a:schemeClr val="bg1"/>
+                </a:solidFill>
+                <a:latin typeface="Segoe UI Light" panose="020B0502040204020203" pitchFamily="34" charset="0"/>
+                <a:cs typeface="Segoe UI Light" panose="020B0502040204020203" pitchFamily="34" charset="0"/>
+              </a:rPr>
+              <a:t>1+ Replicas</a:t>
+            </a:r>
+            <a:br>
+              <a:rPr lang="en-US" b="1" dirty="0">
+                <a:solidFill>
+                  <a:schemeClr val="bg1"/>
+                </a:solidFill>
+                <a:latin typeface="Segoe UI Light" panose="020B0502040204020203" pitchFamily="34" charset="0"/>
+                <a:cs typeface="Segoe UI Light" panose="020B0502040204020203" pitchFamily="34" charset="0"/>
+              </a:rPr>
+            </a:br>
+            <a:r>
+              <a:rPr lang="en-US" dirty="0">
+                <a:solidFill>
+                  <a:schemeClr val="bg1"/>
+                </a:solidFill>
+                <a:latin typeface="Segoe UI Light" panose="020B0502040204020203" pitchFamily="34" charset="0"/>
+                <a:cs typeface="Segoe UI Light" panose="020B0502040204020203" pitchFamily="34" charset="0"/>
+              </a:rPr>
+              <a:t>Availability</a:t>
+            </a:r>
+          </a:p>
+        </p:txBody>
+      </p:sp>
+      <p:sp>
+        <p:nvSpPr>
+          <p:cNvPr id="17" name="TextBox 16"/>
+          <p:cNvSpPr txBox="1"/>
+          <p:nvPr/>
+        </p:nvSpPr>
+        <p:spPr>
+          <a:xfrm>
+            <a:off x="1905000" y="5334000"/>
+            <a:ext cx="5410200" cy="369332"/>
+          </a:xfrm>
+          <a:prstGeom prst="rect">
+            <a:avLst/>
+          </a:prstGeom>
+          <a:noFill/>
+        </p:spPr>
+        <p:txBody>
+          <a:bodyPr wrap="square" rtlCol="0">
+            <a:spAutoFit/>
+          </a:bodyPr>
+          <a:lstStyle/>
+          <a:p>
+            <a:pPr algn="ctr"/>
+            <a:r>
+              <a:rPr lang="en-US" dirty="0">
+                <a:latin typeface="Segoe UI Light" panose="020B0502040204020203" pitchFamily="34" charset="0"/>
+                <a:cs typeface="Segoe UI Light" panose="020B0502040204020203" pitchFamily="34" charset="0"/>
+              </a:rPr>
+              <a:t>From a Service Fabric Team Presentation</a:t>
+            </a:r>
+          </a:p>
+        </p:txBody>
+      </p:sp>
+    </p:spTree>
+    <p:extLst>
+      <p:ext uri="{BB962C8B-B14F-4D97-AF65-F5344CB8AC3E}">
+        <p14:creationId xmlns:p14="http://schemas.microsoft.com/office/powerpoint/2010/main" val="1983623602"/>
       </p:ext>
     </p:extLst>
   </p:cSld>

--- a/illustrations/illustrations.pptx
+++ b/illustrations/illustrations.pptx
@@ -5,7 +5,7 @@
     <p:sldMasterId id="2147483648" r:id="rId1"/>
   </p:sldMasterIdLst>
   <p:notesMasterIdLst>
-    <p:notesMasterId r:id="rId18"/>
+    <p:notesMasterId r:id="rId20"/>
   </p:notesMasterIdLst>
   <p:sldIdLst>
     <p:sldId id="574" r:id="rId2"/>
@@ -24,6 +24,8 @@
     <p:sldId id="587" r:id="rId15"/>
     <p:sldId id="588" r:id="rId16"/>
     <p:sldId id="589" r:id="rId17"/>
+    <p:sldId id="590" r:id="rId18"/>
+    <p:sldId id="591" r:id="rId19"/>
   </p:sldIdLst>
   <p:sldSz cx="9144000" cy="6858000" type="screen4x3"/>
   <p:notesSz cx="6858000" cy="9144000"/>
@@ -1978,22 +1980,22 @@
     </dgm:pt>
   </dgm:ptLst>
   <dgm:cxnLst>
+    <dgm:cxn modelId="{2C0F271A-9DC3-4874-8512-544D4DA2466A}" srcId="{BCACD718-32BE-45F5-A691-B9EE3D302E1E}" destId="{B1C23AF6-BE31-4914-818C-D393C108EC10}" srcOrd="0" destOrd="0" parTransId="{C223CFEE-25DD-43D7-A029-7F94691B435F}" sibTransId="{7E469D0A-54AF-4D30-9C2F-77F6AC72E6D1}"/>
+    <dgm:cxn modelId="{4BB6292B-DD56-48D3-9197-BBA14AF5C9A7}" srcId="{F99380A9-B668-449B-920D-51F879F1D912}" destId="{BCACD718-32BE-45F5-A691-B9EE3D302E1E}" srcOrd="1" destOrd="0" parTransId="{24AA74BD-90C3-4800-A1A3-D270A267950D}" sibTransId="{499878E2-56A0-48DF-8DFC-116485555A64}"/>
     <dgm:cxn modelId="{6F36FE41-029D-49FF-83B1-373D29A2262C}" type="presOf" srcId="{B1C23AF6-BE31-4914-818C-D393C108EC10}" destId="{37BA5629-FAFC-412A-90CD-731215C7A978}" srcOrd="0" destOrd="0" presId="urn:microsoft.com/office/officeart/2005/8/layout/process4"/>
+    <dgm:cxn modelId="{048A2377-7277-4D45-94BD-550681A57AB6}" srcId="{F99380A9-B668-449B-920D-51F879F1D912}" destId="{AF5DDCCF-7B53-4A4C-B16E-39CF90B0B9F2}" srcOrd="0" destOrd="0" parTransId="{8C8E70BC-9E4D-4023-A47E-827D82FC4EDA}" sibTransId="{7C380EF4-200F-4795-B540-E1B1F36C0852}"/>
+    <dgm:cxn modelId="{8960B50A-8489-4BB3-ADB4-23568788FC4A}" type="presOf" srcId="{AF5DDCCF-7B53-4A4C-B16E-39CF90B0B9F2}" destId="{5392887C-2905-4E40-8FF8-A9BCA74D5336}" srcOrd="0" destOrd="0" presId="urn:microsoft.com/office/officeart/2005/8/layout/process4"/>
+    <dgm:cxn modelId="{EB4A50D6-95CB-4D43-A4F7-D35E4A73B5D4}" srcId="{F99380A9-B668-449B-920D-51F879F1D912}" destId="{DEFEEA8C-B625-46EB-80FD-8036FD4F5303}" srcOrd="2" destOrd="0" parTransId="{EDBDE7BE-D6D0-4703-A2B0-226A24124F33}" sibTransId="{8C34E643-4E2F-427D-B1B8-4EF161F3BA87}"/>
+    <dgm:cxn modelId="{FABF78A1-B7CE-4C9C-99A2-14A03F8BCD47}" type="presOf" srcId="{66C197CC-BD55-4780-96DB-FFC14484B6F4}" destId="{54A6DB46-4E13-4153-BD8C-D6279691D80C}" srcOrd="0" destOrd="0" presId="urn:microsoft.com/office/officeart/2005/8/layout/process4"/>
     <dgm:cxn modelId="{5FD16841-95BF-4B41-A4E7-AE6413BC0FB4}" srcId="{DEFEEA8C-B625-46EB-80FD-8036FD4F5303}" destId="{66C197CC-BD55-4780-96DB-FFC14484B6F4}" srcOrd="0" destOrd="0" parTransId="{4B100D52-6AC8-4E7A-B2E0-9BE05AA4D77F}" sibTransId="{5BC94DCE-9E38-44EB-9E41-46759D062B81}"/>
-    <dgm:cxn modelId="{8960B50A-8489-4BB3-ADB4-23568788FC4A}" type="presOf" srcId="{AF5DDCCF-7B53-4A4C-B16E-39CF90B0B9F2}" destId="{5392887C-2905-4E40-8FF8-A9BCA74D5336}" srcOrd="0" destOrd="0" presId="urn:microsoft.com/office/officeart/2005/8/layout/process4"/>
+    <dgm:cxn modelId="{B7A6575D-38FD-4DB9-804B-6161B9C31898}" type="presOf" srcId="{DEFEEA8C-B625-46EB-80FD-8036FD4F5303}" destId="{6BB44E00-F442-4F25-9FE5-5B179876D08F}" srcOrd="0" destOrd="0" presId="urn:microsoft.com/office/officeart/2005/8/layout/process4"/>
     <dgm:cxn modelId="{3727209C-D399-49BA-975D-34906BF26614}" type="presOf" srcId="{D67728B6-92E8-4009-AF69-2D48B766590A}" destId="{D0E5A419-A8C3-4EF2-B67D-F59D92AFFF5C}" srcOrd="0" destOrd="0" presId="urn:microsoft.com/office/officeart/2005/8/layout/process4"/>
-    <dgm:cxn modelId="{B7A6575D-38FD-4DB9-804B-6161B9C31898}" type="presOf" srcId="{DEFEEA8C-B625-46EB-80FD-8036FD4F5303}" destId="{6BB44E00-F442-4F25-9FE5-5B179876D08F}" srcOrd="0" destOrd="0" presId="urn:microsoft.com/office/officeart/2005/8/layout/process4"/>
     <dgm:cxn modelId="{A09F15EC-1400-4F16-9959-003918DF7A7E}" type="presOf" srcId="{BCACD718-32BE-45F5-A691-B9EE3D302E1E}" destId="{698DB033-4727-4E3C-BCFC-6EC35C5DF62E}" srcOrd="0" destOrd="0" presId="urn:microsoft.com/office/officeart/2005/8/layout/process4"/>
-    <dgm:cxn modelId="{FABF78A1-B7CE-4C9C-99A2-14A03F8BCD47}" type="presOf" srcId="{66C197CC-BD55-4780-96DB-FFC14484B6F4}" destId="{54A6DB46-4E13-4153-BD8C-D6279691D80C}" srcOrd="0" destOrd="0" presId="urn:microsoft.com/office/officeart/2005/8/layout/process4"/>
-    <dgm:cxn modelId="{EB4A50D6-95CB-4D43-A4F7-D35E4A73B5D4}" srcId="{F99380A9-B668-449B-920D-51F879F1D912}" destId="{DEFEEA8C-B625-46EB-80FD-8036FD4F5303}" srcOrd="2" destOrd="0" parTransId="{EDBDE7BE-D6D0-4703-A2B0-226A24124F33}" sibTransId="{8C34E643-4E2F-427D-B1B8-4EF161F3BA87}"/>
-    <dgm:cxn modelId="{2C0F271A-9DC3-4874-8512-544D4DA2466A}" srcId="{BCACD718-32BE-45F5-A691-B9EE3D302E1E}" destId="{B1C23AF6-BE31-4914-818C-D393C108EC10}" srcOrd="0" destOrd="0" parTransId="{C223CFEE-25DD-43D7-A029-7F94691B435F}" sibTransId="{7E469D0A-54AF-4D30-9C2F-77F6AC72E6D1}"/>
     <dgm:cxn modelId="{E42AB08B-CCF6-485D-B438-83FFAEE130A0}" type="presOf" srcId="{AF5DDCCF-7B53-4A4C-B16E-39CF90B0B9F2}" destId="{99145A6D-7000-4445-B530-229FB8F1789A}" srcOrd="1" destOrd="0" presId="urn:microsoft.com/office/officeart/2005/8/layout/process4"/>
+    <dgm:cxn modelId="{60284354-1283-4E49-8A2A-6BDAF10A67EC}" type="presOf" srcId="{BCACD718-32BE-45F5-A691-B9EE3D302E1E}" destId="{BF6C8519-5E48-48CB-BE06-DDDDCA6D630D}" srcOrd="1" destOrd="0" presId="urn:microsoft.com/office/officeart/2005/8/layout/process4"/>
     <dgm:cxn modelId="{EDD64CC0-B960-4961-A8CA-E2C259E9C0C3}" type="presOf" srcId="{DEFEEA8C-B625-46EB-80FD-8036FD4F5303}" destId="{9631F43F-71D5-439A-86EB-4907586BC29B}" srcOrd="1" destOrd="0" presId="urn:microsoft.com/office/officeart/2005/8/layout/process4"/>
-    <dgm:cxn modelId="{4BB6292B-DD56-48D3-9197-BBA14AF5C9A7}" srcId="{F99380A9-B668-449B-920D-51F879F1D912}" destId="{BCACD718-32BE-45F5-A691-B9EE3D302E1E}" srcOrd="1" destOrd="0" parTransId="{24AA74BD-90C3-4800-A1A3-D270A267950D}" sibTransId="{499878E2-56A0-48DF-8DFC-116485555A64}"/>
+    <dgm:cxn modelId="{8A78FD57-467D-48C8-A90D-A3736DD1D8A7}" type="presOf" srcId="{F99380A9-B668-449B-920D-51F879F1D912}" destId="{42A4C1D8-DA21-497B-AD89-C3F1BD36FC1F}" srcOrd="0" destOrd="0" presId="urn:microsoft.com/office/officeart/2005/8/layout/process4"/>
     <dgm:cxn modelId="{51035011-0488-4BE7-A87A-2C3725D7D1F3}" srcId="{AF5DDCCF-7B53-4A4C-B16E-39CF90B0B9F2}" destId="{D67728B6-92E8-4009-AF69-2D48B766590A}" srcOrd="0" destOrd="0" parTransId="{9CAA8F85-7896-4A6C-95BD-5F459416FE75}" sibTransId="{37B92E8C-6F31-4F44-83F6-FAA9B09C5FE2}"/>
-    <dgm:cxn modelId="{048A2377-7277-4D45-94BD-550681A57AB6}" srcId="{F99380A9-B668-449B-920D-51F879F1D912}" destId="{AF5DDCCF-7B53-4A4C-B16E-39CF90B0B9F2}" srcOrd="0" destOrd="0" parTransId="{8C8E70BC-9E4D-4023-A47E-827D82FC4EDA}" sibTransId="{7C380EF4-200F-4795-B540-E1B1F36C0852}"/>
-    <dgm:cxn modelId="{8A78FD57-467D-48C8-A90D-A3736DD1D8A7}" type="presOf" srcId="{F99380A9-B668-449B-920D-51F879F1D912}" destId="{42A4C1D8-DA21-497B-AD89-C3F1BD36FC1F}" srcOrd="0" destOrd="0" presId="urn:microsoft.com/office/officeart/2005/8/layout/process4"/>
-    <dgm:cxn modelId="{60284354-1283-4E49-8A2A-6BDAF10A67EC}" type="presOf" srcId="{BCACD718-32BE-45F5-A691-B9EE3D302E1E}" destId="{BF6C8519-5E48-48CB-BE06-DDDDCA6D630D}" srcOrd="1" destOrd="0" presId="urn:microsoft.com/office/officeart/2005/8/layout/process4"/>
     <dgm:cxn modelId="{FF4C1400-1108-4DCE-9371-BE6F1C78C323}" type="presParOf" srcId="{42A4C1D8-DA21-497B-AD89-C3F1BD36FC1F}" destId="{AB831EBA-42C9-42E3-BE38-860137BBD197}" srcOrd="0" destOrd="0" presId="urn:microsoft.com/office/officeart/2005/8/layout/process4"/>
     <dgm:cxn modelId="{9D6C4966-9CCD-4422-B42E-DA5FBBF2378A}" type="presParOf" srcId="{AB831EBA-42C9-42E3-BE38-860137BBD197}" destId="{6BB44E00-F442-4F25-9FE5-5B179876D08F}" srcOrd="0" destOrd="0" presId="urn:microsoft.com/office/officeart/2005/8/layout/process4"/>
     <dgm:cxn modelId="{6A4D93F8-7C42-4481-98C9-2F6A513766FF}" type="presParOf" srcId="{AB831EBA-42C9-42E3-BE38-860137BBD197}" destId="{9631F43F-71D5-439A-86EB-4907586BC29B}" srcOrd="1" destOrd="0" presId="urn:microsoft.com/office/officeart/2005/8/layout/process4"/>
@@ -6205,7 +6207,7 @@
             <a:fld id="{1C54B592-DDDB-4FBB-91F2-233647701935}" type="datetimeFigureOut">
               <a:rPr lang="en-US" smtClean="0"/>
               <a:pPr/>
-              <a:t>12/5/2016</a:t>
+              <a:t>12/16/2016</a:t>
             </a:fld>
             <a:endParaRPr lang="en-US" dirty="0"/>
           </a:p>
@@ -6760,7 +6762,7 @@
           <a:p>
             <a:fld id="{C7AE018C-EBF3-4294-9E53-BB9692A1B238}" type="datetime1">
               <a:rPr lang="en-US" smtClean="0"/>
-              <a:t>12/5/2016</a:t>
+              <a:t>12/16/2016</a:t>
             </a:fld>
             <a:endParaRPr lang="en-US" dirty="0"/>
           </a:p>
@@ -6915,7 +6917,7 @@
           <a:p>
             <a:fld id="{AC5D3C69-66A1-4D00-B513-42CC0FCC59B6}" type="datetime1">
               <a:rPr lang="en-US" smtClean="0"/>
-              <a:t>12/5/2016</a:t>
+              <a:t>12/16/2016</a:t>
             </a:fld>
             <a:endParaRPr lang="en-US" dirty="0"/>
           </a:p>
@@ -7011,7 +7013,7 @@
           <a:p>
             <a:fld id="{DF081C4C-367B-4CA1-BFE5-DD5EF40A8C1E}" type="datetime1">
               <a:rPr lang="en-US" smtClean="0"/>
-              <a:t>12/5/2016</a:t>
+              <a:t>12/16/2016</a:t>
             </a:fld>
             <a:endParaRPr lang="en-US" dirty="0"/>
           </a:p>
@@ -7299,7 +7301,7 @@
           <a:p>
             <a:fld id="{7284FD7A-D0F1-4BFD-9AB1-D45A3214561B}" type="datetime1">
               <a:rPr lang="en-US" smtClean="0"/>
-              <a:t>12/5/2016</a:t>
+              <a:t>12/16/2016</a:t>
             </a:fld>
             <a:endParaRPr lang="en-US" dirty="0"/>
           </a:p>
@@ -7593,7 +7595,7 @@
           <a:p>
             <a:fld id="{7C1E8470-7002-4B16-912E-F3381BBFC303}" type="datetime1">
               <a:rPr lang="en-US" smtClean="0"/>
-              <a:t>12/5/2016</a:t>
+              <a:t>12/16/2016</a:t>
             </a:fld>
             <a:endParaRPr lang="en-US" dirty="0"/>
           </a:p>
@@ -8021,7 +8023,7 @@
           <a:p>
             <a:fld id="{2668835A-C4A1-487E-A7B8-3E3B6A85266C}" type="datetime1">
               <a:rPr lang="en-US" smtClean="0"/>
-              <a:t>12/5/2016</a:t>
+              <a:t>12/16/2016</a:t>
             </a:fld>
             <a:endParaRPr lang="en-US" dirty="0"/>
           </a:p>
@@ -8117,7 +8119,7 @@
           <a:p>
             <a:fld id="{83E71AAB-E703-47FE-974E-9D2B932F9534}" type="datetime1">
               <a:rPr lang="en-US" smtClean="0"/>
-              <a:t>12/5/2016</a:t>
+              <a:t>12/16/2016</a:t>
             </a:fld>
             <a:endParaRPr lang="en-US" dirty="0"/>
           </a:p>
@@ -8302,7 +8304,7 @@
           <a:p>
             <a:fld id="{C6C74358-98AB-4C1A-82FF-49E7FEE02080}" type="datetime1">
               <a:rPr lang="en-US" smtClean="0"/>
-              <a:t>12/5/2016</a:t>
+              <a:t>12/16/2016</a:t>
             </a:fld>
             <a:endParaRPr lang="en-US" dirty="0"/>
           </a:p>
@@ -15560,6 +15562,735 @@
     <p:extLst>
       <p:ext uri="{BB962C8B-B14F-4D97-AF65-F5344CB8AC3E}">
         <p14:creationId xmlns:p14="http://schemas.microsoft.com/office/powerpoint/2010/main" val="1983623602"/>
+      </p:ext>
+    </p:extLst>
+  </p:cSld>
+  <p:clrMapOvr>
+    <a:masterClrMapping/>
+  </p:clrMapOvr>
+</p:sld>
+</file>
+
+<file path=ppt/slides/slide17.xml><?xml version="1.0" encoding="utf-8"?>
+<p:sld xmlns:a="http://schemas.openxmlformats.org/drawingml/2006/main" xmlns:r="http://schemas.openxmlformats.org/officeDocument/2006/relationships" xmlns:p="http://schemas.openxmlformats.org/presentationml/2006/main">
+  <p:cSld>
+    <p:spTree>
+      <p:nvGrpSpPr>
+        <p:cNvPr id="1" name=""/>
+        <p:cNvGrpSpPr/>
+        <p:nvPr/>
+      </p:nvGrpSpPr>
+      <p:grpSpPr>
+        <a:xfrm>
+          <a:off x="0" y="0"/>
+          <a:ext cx="0" cy="0"/>
+          <a:chOff x="0" y="0"/>
+          <a:chExt cx="0" cy="0"/>
+        </a:xfrm>
+      </p:grpSpPr>
+      <p:sp>
+        <p:nvSpPr>
+          <p:cNvPr id="6" name="Rectangle 5"/>
+          <p:cNvSpPr/>
+          <p:nvPr/>
+        </p:nvSpPr>
+        <p:spPr>
+          <a:xfrm>
+            <a:off x="1804306" y="685800"/>
+            <a:ext cx="4880688" cy="2286000"/>
+          </a:xfrm>
+          <a:prstGeom prst="rect">
+            <a:avLst/>
+          </a:prstGeom>
+        </p:spPr>
+        <p:style>
+          <a:lnRef idx="2">
+            <a:schemeClr val="dk1"/>
+          </a:lnRef>
+          <a:fillRef idx="1">
+            <a:schemeClr val="lt1"/>
+          </a:fillRef>
+          <a:effectRef idx="0">
+            <a:schemeClr val="dk1"/>
+          </a:effectRef>
+          <a:fontRef idx="minor">
+            <a:schemeClr val="dk1"/>
+          </a:fontRef>
+        </p:style>
+        <p:txBody>
+          <a:bodyPr rtlCol="0" anchor="ctr"/>
+          <a:lstStyle/>
+          <a:p>
+            <a:pPr algn="ctr"/>
+            <a:endParaRPr lang="en-US" dirty="0"/>
+          </a:p>
+        </p:txBody>
+      </p:sp>
+      <p:sp>
+        <p:nvSpPr>
+          <p:cNvPr id="2" name="Slide Number Placeholder 1"/>
+          <p:cNvSpPr>
+            <a:spLocks noGrp="1"/>
+          </p:cNvSpPr>
+          <p:nvPr>
+            <p:ph type="sldNum" sz="quarter" idx="12"/>
+          </p:nvPr>
+        </p:nvSpPr>
+        <p:spPr/>
+        <p:txBody>
+          <a:bodyPr/>
+          <a:lstStyle/>
+          <a:p>
+            <a:fld id="{7C65DD3B-8E90-4815-956E-D18D24CB454B}" type="slidenum">
+              <a:rPr lang="en-US" smtClean="0"/>
+              <a:pPr/>
+              <a:t>17</a:t>
+            </a:fld>
+            <a:endParaRPr lang="en-US" dirty="0"/>
+          </a:p>
+        </p:txBody>
+      </p:sp>
+      <p:sp>
+        <p:nvSpPr>
+          <p:cNvPr id="3" name="Rectangle 2"/>
+          <p:cNvSpPr/>
+          <p:nvPr/>
+        </p:nvSpPr>
+        <p:spPr>
+          <a:xfrm>
+            <a:off x="2438400" y="914400"/>
+            <a:ext cx="1447800" cy="1371600"/>
+          </a:xfrm>
+          <a:prstGeom prst="rect">
+            <a:avLst/>
+          </a:prstGeom>
+        </p:spPr>
+        <p:style>
+          <a:lnRef idx="1">
+            <a:schemeClr val="dk1"/>
+          </a:lnRef>
+          <a:fillRef idx="2">
+            <a:schemeClr val="dk1"/>
+          </a:fillRef>
+          <a:effectRef idx="1">
+            <a:schemeClr val="dk1"/>
+          </a:effectRef>
+          <a:fontRef idx="minor">
+            <a:schemeClr val="dk1"/>
+          </a:fontRef>
+        </p:style>
+        <p:txBody>
+          <a:bodyPr rtlCol="0" anchor="ctr"/>
+          <a:lstStyle/>
+          <a:p>
+            <a:pPr algn="ctr"/>
+            <a:r>
+              <a:rPr lang="en-US" dirty="0"/>
+              <a:t>WEB </a:t>
+            </a:r>
+          </a:p>
+          <a:p>
+            <a:pPr algn="ctr"/>
+            <a:r>
+              <a:rPr lang="en-US" dirty="0"/>
+              <a:t>SERVICE</a:t>
+            </a:r>
+          </a:p>
+        </p:txBody>
+      </p:sp>
+      <p:sp>
+        <p:nvSpPr>
+          <p:cNvPr id="4" name="Rectangle 3"/>
+          <p:cNvSpPr/>
+          <p:nvPr/>
+        </p:nvSpPr>
+        <p:spPr>
+          <a:xfrm>
+            <a:off x="4572000" y="914400"/>
+            <a:ext cx="1447800" cy="1371600"/>
+          </a:xfrm>
+          <a:prstGeom prst="rect">
+            <a:avLst/>
+          </a:prstGeom>
+        </p:spPr>
+        <p:style>
+          <a:lnRef idx="1">
+            <a:schemeClr val="dk1"/>
+          </a:lnRef>
+          <a:fillRef idx="2">
+            <a:schemeClr val="dk1"/>
+          </a:fillRef>
+          <a:effectRef idx="1">
+            <a:schemeClr val="dk1"/>
+          </a:effectRef>
+          <a:fontRef idx="minor">
+            <a:schemeClr val="dk1"/>
+          </a:fontRef>
+        </p:style>
+        <p:txBody>
+          <a:bodyPr rtlCol="0" anchor="ctr"/>
+          <a:lstStyle/>
+          <a:p>
+            <a:pPr algn="ctr"/>
+            <a:r>
+              <a:rPr lang="en-US" dirty="0"/>
+              <a:t>RATES SERVICE</a:t>
+            </a:r>
+          </a:p>
+        </p:txBody>
+      </p:sp>
+      <p:sp>
+        <p:nvSpPr>
+          <p:cNvPr id="5" name="Right Arrow 22"/>
+          <p:cNvSpPr/>
+          <p:nvPr/>
+        </p:nvSpPr>
+        <p:spPr>
+          <a:xfrm>
+            <a:off x="4054150" y="1447800"/>
+            <a:ext cx="381000" cy="381000"/>
+          </a:xfrm>
+          <a:prstGeom prst="rightArrow">
+            <a:avLst/>
+          </a:prstGeom>
+        </p:spPr>
+        <p:style>
+          <a:lnRef idx="2">
+            <a:schemeClr val="accent1">
+              <a:shade val="50000"/>
+            </a:schemeClr>
+          </a:lnRef>
+          <a:fillRef idx="1">
+            <a:schemeClr val="accent1"/>
+          </a:fillRef>
+          <a:effectRef idx="0">
+            <a:schemeClr val="accent1"/>
+          </a:effectRef>
+          <a:fontRef idx="minor">
+            <a:schemeClr val="lt1"/>
+          </a:fontRef>
+        </p:style>
+        <p:txBody>
+          <a:bodyPr rtlCol="0" anchor="ctr"/>
+          <a:lstStyle/>
+          <a:p>
+            <a:pPr algn="ctr"/>
+            <a:endParaRPr lang="en-US"/>
+          </a:p>
+        </p:txBody>
+      </p:sp>
+      <p:sp>
+        <p:nvSpPr>
+          <p:cNvPr id="7" name="TextBox 6"/>
+          <p:cNvSpPr txBox="1"/>
+          <p:nvPr/>
+        </p:nvSpPr>
+        <p:spPr>
+          <a:xfrm>
+            <a:off x="3135863" y="2488168"/>
+            <a:ext cx="2133600" cy="369332"/>
+          </a:xfrm>
+          <a:prstGeom prst="rect">
+            <a:avLst/>
+          </a:prstGeom>
+          <a:noFill/>
+        </p:spPr>
+        <p:txBody>
+          <a:bodyPr wrap="square" rtlCol="0">
+            <a:spAutoFit/>
+          </a:bodyPr>
+          <a:lstStyle/>
+          <a:p>
+            <a:pPr algn="ctr"/>
+            <a:r>
+              <a:rPr lang="en-US" dirty="0"/>
+              <a:t>Rate Aggregator App</a:t>
+            </a:r>
+          </a:p>
+        </p:txBody>
+      </p:sp>
+      <p:sp>
+        <p:nvSpPr>
+          <p:cNvPr id="8" name="TextBox 7"/>
+          <p:cNvSpPr txBox="1"/>
+          <p:nvPr/>
+        </p:nvSpPr>
+        <p:spPr>
+          <a:xfrm>
+            <a:off x="381000" y="3991793"/>
+            <a:ext cx="8305800" cy="400110"/>
+          </a:xfrm>
+          <a:prstGeom prst="rect">
+            <a:avLst/>
+          </a:prstGeom>
+          <a:noFill/>
+        </p:spPr>
+        <p:txBody>
+          <a:bodyPr wrap="square" rtlCol="0">
+            <a:spAutoFit/>
+          </a:bodyPr>
+          <a:lstStyle/>
+          <a:p>
+            <a:r>
+              <a:rPr lang="en-US" sz="2000" dirty="0"/>
+              <a:t>http(s)://{nodeNameOrIP}:{port}/{appName}{partitionId}/{instanceId}/{guid}</a:t>
+            </a:r>
+          </a:p>
+        </p:txBody>
+      </p:sp>
+    </p:spTree>
+    <p:extLst>
+      <p:ext uri="{BB962C8B-B14F-4D97-AF65-F5344CB8AC3E}">
+        <p14:creationId xmlns:p14="http://schemas.microsoft.com/office/powerpoint/2010/main" val="2387789038"/>
+      </p:ext>
+    </p:extLst>
+  </p:cSld>
+  <p:clrMapOvr>
+    <a:masterClrMapping/>
+  </p:clrMapOvr>
+</p:sld>
+</file>
+
+<file path=ppt/slides/slide18.xml><?xml version="1.0" encoding="utf-8"?>
+<p:sld xmlns:a="http://schemas.openxmlformats.org/drawingml/2006/main" xmlns:r="http://schemas.openxmlformats.org/officeDocument/2006/relationships" xmlns:p="http://schemas.openxmlformats.org/presentationml/2006/main">
+  <p:cSld>
+    <p:spTree>
+      <p:nvGrpSpPr>
+        <p:cNvPr id="1" name=""/>
+        <p:cNvGrpSpPr/>
+        <p:nvPr/>
+      </p:nvGrpSpPr>
+      <p:grpSpPr>
+        <a:xfrm>
+          <a:off x="0" y="0"/>
+          <a:ext cx="0" cy="0"/>
+          <a:chOff x="0" y="0"/>
+          <a:chExt cx="0" cy="0"/>
+        </a:xfrm>
+      </p:grpSpPr>
+      <p:sp>
+        <p:nvSpPr>
+          <p:cNvPr id="6" name="Rectangle 5"/>
+          <p:cNvSpPr/>
+          <p:nvPr/>
+        </p:nvSpPr>
+        <p:spPr>
+          <a:xfrm>
+            <a:off x="1804306" y="685800"/>
+            <a:ext cx="4880688" cy="2286000"/>
+          </a:xfrm>
+          <a:prstGeom prst="rect">
+            <a:avLst/>
+          </a:prstGeom>
+        </p:spPr>
+        <p:style>
+          <a:lnRef idx="2">
+            <a:schemeClr val="dk1"/>
+          </a:lnRef>
+          <a:fillRef idx="1">
+            <a:schemeClr val="lt1"/>
+          </a:fillRef>
+          <a:effectRef idx="0">
+            <a:schemeClr val="dk1"/>
+          </a:effectRef>
+          <a:fontRef idx="minor">
+            <a:schemeClr val="dk1"/>
+          </a:fontRef>
+        </p:style>
+        <p:txBody>
+          <a:bodyPr rtlCol="0" anchor="ctr"/>
+          <a:lstStyle/>
+          <a:p>
+            <a:pPr algn="ctr"/>
+            <a:endParaRPr lang="en-US" dirty="0"/>
+          </a:p>
+        </p:txBody>
+      </p:sp>
+      <p:sp>
+        <p:nvSpPr>
+          <p:cNvPr id="2" name="Slide Number Placeholder 1"/>
+          <p:cNvSpPr>
+            <a:spLocks noGrp="1"/>
+          </p:cNvSpPr>
+          <p:nvPr>
+            <p:ph type="sldNum" sz="quarter" idx="12"/>
+          </p:nvPr>
+        </p:nvSpPr>
+        <p:spPr/>
+        <p:txBody>
+          <a:bodyPr/>
+          <a:lstStyle/>
+          <a:p>
+            <a:fld id="{7C65DD3B-8E90-4815-956E-D18D24CB454B}" type="slidenum">
+              <a:rPr lang="en-US" smtClean="0"/>
+              <a:pPr/>
+              <a:t>18</a:t>
+            </a:fld>
+            <a:endParaRPr lang="en-US" dirty="0"/>
+          </a:p>
+        </p:txBody>
+      </p:sp>
+      <p:sp>
+        <p:nvSpPr>
+          <p:cNvPr id="3" name="Rectangle 2"/>
+          <p:cNvSpPr/>
+          <p:nvPr/>
+        </p:nvSpPr>
+        <p:spPr>
+          <a:xfrm>
+            <a:off x="2438400" y="914400"/>
+            <a:ext cx="1447800" cy="1371600"/>
+          </a:xfrm>
+          <a:prstGeom prst="rect">
+            <a:avLst/>
+          </a:prstGeom>
+        </p:spPr>
+        <p:style>
+          <a:lnRef idx="1">
+            <a:schemeClr val="dk1"/>
+          </a:lnRef>
+          <a:fillRef idx="2">
+            <a:schemeClr val="dk1"/>
+          </a:fillRef>
+          <a:effectRef idx="1">
+            <a:schemeClr val="dk1"/>
+          </a:effectRef>
+          <a:fontRef idx="minor">
+            <a:schemeClr val="dk1"/>
+          </a:fontRef>
+        </p:style>
+        <p:txBody>
+          <a:bodyPr rtlCol="0" anchor="ctr"/>
+          <a:lstStyle/>
+          <a:p>
+            <a:pPr algn="ctr"/>
+            <a:r>
+              <a:rPr lang="en-US" dirty="0"/>
+              <a:t>WEB </a:t>
+            </a:r>
+          </a:p>
+          <a:p>
+            <a:pPr algn="ctr"/>
+            <a:r>
+              <a:rPr lang="en-US" dirty="0"/>
+              <a:t>SERVICE</a:t>
+            </a:r>
+          </a:p>
+        </p:txBody>
+      </p:sp>
+      <p:sp>
+        <p:nvSpPr>
+          <p:cNvPr id="4" name="Rectangle 3"/>
+          <p:cNvSpPr/>
+          <p:nvPr/>
+        </p:nvSpPr>
+        <p:spPr>
+          <a:xfrm>
+            <a:off x="4572000" y="914400"/>
+            <a:ext cx="1447800" cy="1371600"/>
+          </a:xfrm>
+          <a:prstGeom prst="rect">
+            <a:avLst/>
+          </a:prstGeom>
+        </p:spPr>
+        <p:style>
+          <a:lnRef idx="1">
+            <a:schemeClr val="dk1"/>
+          </a:lnRef>
+          <a:fillRef idx="2">
+            <a:schemeClr val="dk1"/>
+          </a:fillRef>
+          <a:effectRef idx="1">
+            <a:schemeClr val="dk1"/>
+          </a:effectRef>
+          <a:fontRef idx="minor">
+            <a:schemeClr val="dk1"/>
+          </a:fontRef>
+        </p:style>
+        <p:txBody>
+          <a:bodyPr rtlCol="0" anchor="ctr"/>
+          <a:lstStyle/>
+          <a:p>
+            <a:pPr algn="ctr"/>
+            <a:r>
+              <a:rPr lang="en-US" dirty="0"/>
+              <a:t>RATES SERVICE</a:t>
+            </a:r>
+          </a:p>
+        </p:txBody>
+      </p:sp>
+      <p:sp>
+        <p:nvSpPr>
+          <p:cNvPr id="5" name="Right Arrow 22"/>
+          <p:cNvSpPr/>
+          <p:nvPr/>
+        </p:nvSpPr>
+        <p:spPr>
+          <a:xfrm>
+            <a:off x="4054150" y="1447800"/>
+            <a:ext cx="381000" cy="381000"/>
+          </a:xfrm>
+          <a:prstGeom prst="rightArrow">
+            <a:avLst/>
+          </a:prstGeom>
+        </p:spPr>
+        <p:style>
+          <a:lnRef idx="2">
+            <a:schemeClr val="accent1">
+              <a:shade val="50000"/>
+            </a:schemeClr>
+          </a:lnRef>
+          <a:fillRef idx="1">
+            <a:schemeClr val="accent1"/>
+          </a:fillRef>
+          <a:effectRef idx="0">
+            <a:schemeClr val="accent1"/>
+          </a:effectRef>
+          <a:fontRef idx="minor">
+            <a:schemeClr val="lt1"/>
+          </a:fontRef>
+        </p:style>
+        <p:txBody>
+          <a:bodyPr rtlCol="0" anchor="ctr"/>
+          <a:lstStyle/>
+          <a:p>
+            <a:pPr algn="ctr"/>
+            <a:endParaRPr lang="en-US"/>
+          </a:p>
+        </p:txBody>
+      </p:sp>
+      <p:sp>
+        <p:nvSpPr>
+          <p:cNvPr id="7" name="TextBox 6"/>
+          <p:cNvSpPr txBox="1"/>
+          <p:nvPr/>
+        </p:nvSpPr>
+        <p:spPr>
+          <a:xfrm>
+            <a:off x="2438400" y="2488168"/>
+            <a:ext cx="3581399" cy="369332"/>
+          </a:xfrm>
+          <a:prstGeom prst="rect">
+            <a:avLst/>
+          </a:prstGeom>
+          <a:noFill/>
+        </p:spPr>
+        <p:txBody>
+          <a:bodyPr wrap="square" rtlCol="0">
+            <a:spAutoFit/>
+          </a:bodyPr>
+          <a:lstStyle/>
+          <a:p>
+            <a:pPr algn="ctr"/>
+            <a:r>
+              <a:rPr lang="en-US" dirty="0"/>
+              <a:t>ContosoRateAggregator</a:t>
+            </a:r>
+          </a:p>
+        </p:txBody>
+      </p:sp>
+      <p:sp>
+        <p:nvSpPr>
+          <p:cNvPr id="9" name="Rectangle 8"/>
+          <p:cNvSpPr/>
+          <p:nvPr/>
+        </p:nvSpPr>
+        <p:spPr>
+          <a:xfrm>
+            <a:off x="1804306" y="3276600"/>
+            <a:ext cx="4880688" cy="2286000"/>
+          </a:xfrm>
+          <a:prstGeom prst="rect">
+            <a:avLst/>
+          </a:prstGeom>
+        </p:spPr>
+        <p:style>
+          <a:lnRef idx="2">
+            <a:schemeClr val="dk1"/>
+          </a:lnRef>
+          <a:fillRef idx="1">
+            <a:schemeClr val="lt1"/>
+          </a:fillRef>
+          <a:effectRef idx="0">
+            <a:schemeClr val="dk1"/>
+          </a:effectRef>
+          <a:fontRef idx="minor">
+            <a:schemeClr val="dk1"/>
+          </a:fontRef>
+        </p:style>
+        <p:txBody>
+          <a:bodyPr rtlCol="0" anchor="ctr"/>
+          <a:lstStyle/>
+          <a:p>
+            <a:pPr algn="ctr"/>
+            <a:endParaRPr lang="en-US" dirty="0"/>
+          </a:p>
+        </p:txBody>
+      </p:sp>
+      <p:sp>
+        <p:nvSpPr>
+          <p:cNvPr id="10" name="Rectangle 9"/>
+          <p:cNvSpPr/>
+          <p:nvPr/>
+        </p:nvSpPr>
+        <p:spPr>
+          <a:xfrm>
+            <a:off x="2438400" y="3505200"/>
+            <a:ext cx="1447800" cy="1371600"/>
+          </a:xfrm>
+          <a:prstGeom prst="rect">
+            <a:avLst/>
+          </a:prstGeom>
+        </p:spPr>
+        <p:style>
+          <a:lnRef idx="1">
+            <a:schemeClr val="dk1"/>
+          </a:lnRef>
+          <a:fillRef idx="2">
+            <a:schemeClr val="dk1"/>
+          </a:fillRef>
+          <a:effectRef idx="1">
+            <a:schemeClr val="dk1"/>
+          </a:effectRef>
+          <a:fontRef idx="minor">
+            <a:schemeClr val="dk1"/>
+          </a:fontRef>
+        </p:style>
+        <p:txBody>
+          <a:bodyPr rtlCol="0" anchor="ctr"/>
+          <a:lstStyle/>
+          <a:p>
+            <a:pPr algn="ctr"/>
+            <a:r>
+              <a:rPr lang="en-US" dirty="0"/>
+              <a:t>WEB </a:t>
+            </a:r>
+          </a:p>
+          <a:p>
+            <a:pPr algn="ctr"/>
+            <a:r>
+              <a:rPr lang="en-US" dirty="0"/>
+              <a:t>SERVICE</a:t>
+            </a:r>
+          </a:p>
+        </p:txBody>
+      </p:sp>
+      <p:sp>
+        <p:nvSpPr>
+          <p:cNvPr id="11" name="Rectangle 10"/>
+          <p:cNvSpPr/>
+          <p:nvPr/>
+        </p:nvSpPr>
+        <p:spPr>
+          <a:xfrm>
+            <a:off x="4572000" y="3505200"/>
+            <a:ext cx="1447800" cy="1371600"/>
+          </a:xfrm>
+          <a:prstGeom prst="rect">
+            <a:avLst/>
+          </a:prstGeom>
+        </p:spPr>
+        <p:style>
+          <a:lnRef idx="1">
+            <a:schemeClr val="dk1"/>
+          </a:lnRef>
+          <a:fillRef idx="2">
+            <a:schemeClr val="dk1"/>
+          </a:fillRef>
+          <a:effectRef idx="1">
+            <a:schemeClr val="dk1"/>
+          </a:effectRef>
+          <a:fontRef idx="minor">
+            <a:schemeClr val="dk1"/>
+          </a:fontRef>
+        </p:style>
+        <p:txBody>
+          <a:bodyPr rtlCol="0" anchor="ctr"/>
+          <a:lstStyle/>
+          <a:p>
+            <a:pPr algn="ctr"/>
+            <a:r>
+              <a:rPr lang="en-US" dirty="0"/>
+              <a:t>RATES SERVICE</a:t>
+            </a:r>
+          </a:p>
+        </p:txBody>
+      </p:sp>
+      <p:sp>
+        <p:nvSpPr>
+          <p:cNvPr id="12" name="Right Arrow 22"/>
+          <p:cNvSpPr/>
+          <p:nvPr/>
+        </p:nvSpPr>
+        <p:spPr>
+          <a:xfrm>
+            <a:off x="4054150" y="4038600"/>
+            <a:ext cx="381000" cy="381000"/>
+          </a:xfrm>
+          <a:prstGeom prst="rightArrow">
+            <a:avLst/>
+          </a:prstGeom>
+        </p:spPr>
+        <p:style>
+          <a:lnRef idx="2">
+            <a:schemeClr val="accent1">
+              <a:shade val="50000"/>
+            </a:schemeClr>
+          </a:lnRef>
+          <a:fillRef idx="1">
+            <a:schemeClr val="accent1"/>
+          </a:fillRef>
+          <a:effectRef idx="0">
+            <a:schemeClr val="accent1"/>
+          </a:effectRef>
+          <a:fontRef idx="minor">
+            <a:schemeClr val="lt1"/>
+          </a:fontRef>
+        </p:style>
+        <p:txBody>
+          <a:bodyPr rtlCol="0" anchor="ctr"/>
+          <a:lstStyle/>
+          <a:p>
+            <a:pPr algn="ctr"/>
+            <a:endParaRPr lang="en-US"/>
+          </a:p>
+        </p:txBody>
+      </p:sp>
+      <p:sp>
+        <p:nvSpPr>
+          <p:cNvPr id="13" name="TextBox 12"/>
+          <p:cNvSpPr txBox="1"/>
+          <p:nvPr/>
+        </p:nvSpPr>
+        <p:spPr>
+          <a:xfrm>
+            <a:off x="2438400" y="5078968"/>
+            <a:ext cx="3581399" cy="369332"/>
+          </a:xfrm>
+          <a:prstGeom prst="rect">
+            <a:avLst/>
+          </a:prstGeom>
+          <a:noFill/>
+        </p:spPr>
+        <p:txBody>
+          <a:bodyPr wrap="square" rtlCol="0">
+            <a:spAutoFit/>
+          </a:bodyPr>
+          <a:lstStyle/>
+          <a:p>
+            <a:pPr algn="ctr"/>
+            <a:r>
+              <a:rPr lang="en-US" dirty="0" err="1"/>
+              <a:t>FabricanRateAggregator</a:t>
+            </a:r>
+            <a:endParaRPr lang="en-US" dirty="0"/>
+          </a:p>
+        </p:txBody>
+      </p:sp>
+    </p:spTree>
+    <p:extLst>
+      <p:ext uri="{BB962C8B-B14F-4D97-AF65-F5344CB8AC3E}">
+        <p14:creationId xmlns:p14="http://schemas.microsoft.com/office/powerpoint/2010/main" val="4025609284"/>
       </p:ext>
     </p:extLst>
   </p:cSld>
